--- a/study001/교육자료/Java.pptx
+++ b/study001/교육자료/Java.pptx
@@ -283,7 +283,7 @@
           <a:p>
             <a:fld id="{5891CBA4-1650-4CCB-950D-5089E49CDEA0}" type="datetimeFigureOut">
               <a:rPr lang="ko-KR" altLang="en-US" smtClean="0"/>
-              <a:t>2024-04-12</a:t>
+              <a:t>2024-04-15</a:t>
             </a:fld>
             <a:endParaRPr lang="ko-KR" altLang="en-US"/>
           </a:p>
@@ -825,7 +825,7 @@
           <a:p>
             <a:fld id="{AF27530F-C173-4D31-9E53-9F9EE5695ED1}" type="datetimeFigureOut">
               <a:rPr lang="ko-KR" altLang="en-US" smtClean="0"/>
-              <a:t>2024-04-12</a:t>
+              <a:t>2024-04-15</a:t>
             </a:fld>
             <a:endParaRPr lang="ko-KR" altLang="en-US"/>
           </a:p>
@@ -1246,7 +1246,7 @@
           <a:p>
             <a:fld id="{AF27530F-C173-4D31-9E53-9F9EE5695ED1}" type="datetimeFigureOut">
               <a:rPr lang="ko-KR" altLang="en-US" smtClean="0"/>
-              <a:t>2024-04-12</a:t>
+              <a:t>2024-04-15</a:t>
             </a:fld>
             <a:endParaRPr lang="ko-KR" altLang="en-US"/>
           </a:p>
@@ -1582,7 +1582,7 @@
           <a:p>
             <a:fld id="{AF27530F-C173-4D31-9E53-9F9EE5695ED1}" type="datetimeFigureOut">
               <a:rPr lang="ko-KR" altLang="en-US" smtClean="0"/>
-              <a:t>2024-04-12</a:t>
+              <a:t>2024-04-15</a:t>
             </a:fld>
             <a:endParaRPr lang="ko-KR" altLang="en-US"/>
           </a:p>
@@ -1987,7 +1987,7 @@
           <a:p>
             <a:fld id="{AF27530F-C173-4D31-9E53-9F9EE5695ED1}" type="datetimeFigureOut">
               <a:rPr lang="ko-KR" altLang="en-US" smtClean="0"/>
-              <a:t>2024-04-12</a:t>
+              <a:t>2024-04-15</a:t>
             </a:fld>
             <a:endParaRPr lang="ko-KR" altLang="en-US"/>
           </a:p>
@@ -2555,7 +2555,7 @@
           <a:p>
             <a:fld id="{AF27530F-C173-4D31-9E53-9F9EE5695ED1}" type="datetimeFigureOut">
               <a:rPr lang="ko-KR" altLang="en-US" smtClean="0"/>
-              <a:t>2024-04-12</a:t>
+              <a:t>2024-04-15</a:t>
             </a:fld>
             <a:endParaRPr lang="ko-KR" altLang="en-US"/>
           </a:p>
@@ -3236,7 +3236,7 @@
           <a:p>
             <a:fld id="{AF27530F-C173-4D31-9E53-9F9EE5695ED1}" type="datetimeFigureOut">
               <a:rPr lang="ko-KR" altLang="en-US" smtClean="0"/>
-              <a:t>2024-04-12</a:t>
+              <a:t>2024-04-15</a:t>
             </a:fld>
             <a:endParaRPr lang="ko-KR" altLang="en-US"/>
           </a:p>
@@ -4228,7 +4228,7 @@
           <a:p>
             <a:fld id="{AF27530F-C173-4D31-9E53-9F9EE5695ED1}" type="datetimeFigureOut">
               <a:rPr lang="ko-KR" altLang="en-US" smtClean="0"/>
-              <a:t>2024-04-12</a:t>
+              <a:t>2024-04-15</a:t>
             </a:fld>
             <a:endParaRPr lang="ko-KR" altLang="en-US"/>
           </a:p>
@@ -4541,7 +4541,7 @@
           <a:p>
             <a:fld id="{AF27530F-C173-4D31-9E53-9F9EE5695ED1}" type="datetimeFigureOut">
               <a:rPr lang="ko-KR" altLang="en-US" smtClean="0"/>
-              <a:t>2024-04-12</a:t>
+              <a:t>2024-04-15</a:t>
             </a:fld>
             <a:endParaRPr lang="ko-KR" altLang="en-US"/>
           </a:p>
@@ -4805,7 +4805,7 @@
           <a:p>
             <a:fld id="{AF27530F-C173-4D31-9E53-9F9EE5695ED1}" type="datetimeFigureOut">
               <a:rPr lang="ko-KR" altLang="en-US" smtClean="0"/>
-              <a:t>2024-04-12</a:t>
+              <a:t>2024-04-15</a:t>
             </a:fld>
             <a:endParaRPr lang="ko-KR" altLang="en-US"/>
           </a:p>
@@ -5128,7 +5128,7 @@
           <a:p>
             <a:fld id="{AF27530F-C173-4D31-9E53-9F9EE5695ED1}" type="datetimeFigureOut">
               <a:rPr lang="ko-KR" altLang="en-US" smtClean="0"/>
-              <a:t>2024-04-12</a:t>
+              <a:t>2024-04-15</a:t>
             </a:fld>
             <a:endParaRPr lang="ko-KR" altLang="en-US"/>
           </a:p>
@@ -5596,7 +5596,7 @@
           <a:p>
             <a:fld id="{AF27530F-C173-4D31-9E53-9F9EE5695ED1}" type="datetimeFigureOut">
               <a:rPr lang="ko-KR" altLang="en-US" smtClean="0"/>
-              <a:t>2024-04-12</a:t>
+              <a:t>2024-04-15</a:t>
             </a:fld>
             <a:endParaRPr lang="ko-KR" altLang="en-US"/>
           </a:p>
@@ -5983,7 +5983,7 @@
           <a:p>
             <a:fld id="{AF27530F-C173-4D31-9E53-9F9EE5695ED1}" type="datetimeFigureOut">
               <a:rPr lang="ko-KR" altLang="en-US" smtClean="0"/>
-              <a:t>2024-04-12</a:t>
+              <a:t>2024-04-15</a:t>
             </a:fld>
             <a:endParaRPr lang="ko-KR" altLang="en-US"/>
           </a:p>
@@ -6568,7 +6568,7 @@
           <a:p>
             <a:fld id="{AF27530F-C173-4D31-9E53-9F9EE5695ED1}" type="datetimeFigureOut">
               <a:rPr lang="ko-KR" altLang="en-US" smtClean="0"/>
-              <a:t>2024-04-12</a:t>
+              <a:t>2024-04-15</a:t>
             </a:fld>
             <a:endParaRPr lang="ko-KR" altLang="en-US"/>
           </a:p>
@@ -6832,7 +6832,7 @@
           <a:p>
             <a:fld id="{AF27530F-C173-4D31-9E53-9F9EE5695ED1}" type="datetimeFigureOut">
               <a:rPr lang="ko-KR" altLang="en-US" smtClean="0"/>
-              <a:t>2024-04-12</a:t>
+              <a:t>2024-04-15</a:t>
             </a:fld>
             <a:endParaRPr lang="ko-KR" altLang="en-US"/>
           </a:p>
@@ -7002,7 +7002,7 @@
           <a:p>
             <a:fld id="{AF27530F-C173-4D31-9E53-9F9EE5695ED1}" type="datetimeFigureOut">
               <a:rPr lang="ko-KR" altLang="en-US" smtClean="0"/>
-              <a:t>2024-04-12</a:t>
+              <a:t>2024-04-15</a:t>
             </a:fld>
             <a:endParaRPr lang="ko-KR" altLang="en-US"/>
           </a:p>
@@ -7471,7 +7471,7 @@
           <a:p>
             <a:fld id="{AF27530F-C173-4D31-9E53-9F9EE5695ED1}" type="datetimeFigureOut">
               <a:rPr lang="ko-KR" altLang="en-US" smtClean="0"/>
-              <a:t>2024-04-12</a:t>
+              <a:t>2024-04-15</a:t>
             </a:fld>
             <a:endParaRPr lang="ko-KR" altLang="en-US"/>
           </a:p>
@@ -7887,7 +7887,7 @@
           <a:p>
             <a:fld id="{AF27530F-C173-4D31-9E53-9F9EE5695ED1}" type="datetimeFigureOut">
               <a:rPr lang="ko-KR" altLang="en-US" smtClean="0"/>
-              <a:t>2024-04-12</a:t>
+              <a:t>2024-04-15</a:t>
             </a:fld>
             <a:endParaRPr lang="ko-KR" altLang="en-US"/>
           </a:p>
@@ -8138,7 +8138,7 @@
           <a:p>
             <a:fld id="{AF27530F-C173-4D31-9E53-9F9EE5695ED1}" type="datetimeFigureOut">
               <a:rPr lang="ko-KR" altLang="en-US" smtClean="0"/>
-              <a:t>2024-04-12</a:t>
+              <a:t>2024-04-15</a:t>
             </a:fld>
             <a:endParaRPr lang="ko-KR" altLang="en-US"/>
           </a:p>
@@ -12898,15 +12898,7 @@
                       <a:schemeClr val="bg1"/>
                     </a:solidFill>
                   </a:rPr>
-                  <a:t>while </a:t>
-                </a:r>
-                <a:r>
-                  <a:rPr lang="en-US" altLang="ko-KR" sz="1600" dirty="0" smtClean="0">
-                    <a:solidFill>
-                      <a:schemeClr val="bg1"/>
-                    </a:solidFill>
-                  </a:rPr>
-                  <a:t>(</a:t>
+                  <a:t>while (</a:t>
                 </a:r>
                 <a:r>
                   <a:rPr lang="ko-KR" altLang="en-US" sz="1600" dirty="0" smtClean="0">
@@ -14086,7 +14078,15 @@
                   <a:schemeClr val="bg1"/>
                 </a:solidFill>
               </a:rPr>
-              <a:t>[ while </a:t>
+              <a:t>[ </a:t>
+            </a:r>
+            <a:r>
+              <a:rPr lang="en-US" altLang="ko-KR" dirty="0" smtClean="0">
+                <a:solidFill>
+                  <a:schemeClr val="bg1"/>
+                </a:solidFill>
+              </a:rPr>
+              <a:t>do-while </a:t>
             </a:r>
             <a:r>
               <a:rPr lang="ko-KR" altLang="en-US" dirty="0" smtClean="0">
@@ -14420,7 +14420,7 @@
               <a:t>(</a:t>
             </a:r>
             <a:r>
-              <a:rPr lang="en-US" altLang="ko-KR" sz="1050" b="1" dirty="0" smtClean="0">
+              <a:rPr lang="en-US" altLang="ko-KR" sz="1050" b="1" dirty="0">
                 <a:solidFill>
                   <a:schemeClr val="bg1">
                     <a:lumMod val="95000"/>
@@ -14429,7 +14429,19 @@
                 </a:solidFill>
                 <a:sym typeface="Wingdings" panose="05000000000000000000" pitchFamily="2" charset="2"/>
               </a:rPr>
-              <a:t>:)</a:t>
+              <a:t>;</a:t>
+            </a:r>
+            <a:r>
+              <a:rPr lang="en-US" altLang="ko-KR" sz="1050" b="1" dirty="0" smtClean="0">
+                <a:solidFill>
+                  <a:schemeClr val="bg1">
+                    <a:lumMod val="95000"/>
+                    <a:lumOff val="5000"/>
+                  </a:schemeClr>
+                </a:solidFill>
+                <a:sym typeface="Wingdings" panose="05000000000000000000" pitchFamily="2" charset="2"/>
+              </a:rPr>
+              <a:t>)</a:t>
             </a:r>
             <a:r>
               <a:rPr lang="ko-KR" altLang="en-US" sz="1050" b="1" dirty="0" smtClean="0">
@@ -14514,8 +14526,8 @@
         </p:nvSpPr>
         <p:spPr>
           <a:xfrm>
-            <a:off x="1187438" y="3753742"/>
-            <a:ext cx="1843774" cy="2776337"/>
+            <a:off x="1187438" y="3710750"/>
+            <a:ext cx="1843774" cy="2862322"/>
           </a:xfrm>
           <a:prstGeom prst="rect">
             <a:avLst/>

--- a/study001/교육자료/Java.pptx
+++ b/study001/교육자료/Java.pptx
@@ -5,7 +5,7 @@
     <p:sldMasterId id="2147483934" r:id="rId1"/>
   </p:sldMasterIdLst>
   <p:notesMasterIdLst>
-    <p:notesMasterId r:id="rId22"/>
+    <p:notesMasterId r:id="rId23"/>
   </p:notesMasterIdLst>
   <p:sldIdLst>
     <p:sldId id="256" r:id="rId2"/>
@@ -28,6 +28,7 @@
     <p:sldId id="278" r:id="rId19"/>
     <p:sldId id="279" r:id="rId20"/>
     <p:sldId id="280" r:id="rId21"/>
+    <p:sldId id="281" r:id="rId22"/>
   </p:sldIdLst>
   <p:sldSz cx="12192000" cy="6858000"/>
   <p:notesSz cx="6858000" cy="9144000"/>
@@ -175,6 +176,7 @@
         <p14:section name="참조자료형" id="{E5B5B41E-36ED-40E7-9451-A6C99C80D9EC}">
           <p14:sldIdLst>
             <p14:sldId id="280"/>
+            <p14:sldId id="281"/>
           </p14:sldIdLst>
         </p14:section>
       </p14:sectionLst>
@@ -199,6 +201,3035 @@
     </p:extLst>
   </p:cmAuthor>
 </p:cmAuthorLst>
+</file>
+
+<file path=ppt/diagrams/colors1.xml><?xml version="1.0" encoding="utf-8"?>
+<dgm:colorsDef xmlns:dgm="http://schemas.openxmlformats.org/drawingml/2006/diagram" xmlns:a="http://schemas.openxmlformats.org/drawingml/2006/main" uniqueId="urn:microsoft.com/office/officeart/2005/8/colors/accent1_2">
+  <dgm:title val=""/>
+  <dgm:desc val=""/>
+  <dgm:catLst>
+    <dgm:cat type="accent1" pri="11200"/>
+  </dgm:catLst>
+  <dgm:styleLbl name="node0">
+    <dgm:fillClrLst meth="repeat">
+      <a:schemeClr val="accent1"/>
+    </dgm:fillClrLst>
+    <dgm:linClrLst meth="repeat">
+      <a:schemeClr val="lt1"/>
+    </dgm:linClrLst>
+    <dgm:effectClrLst/>
+    <dgm:txLinClrLst/>
+    <dgm:txFillClrLst/>
+    <dgm:txEffectClrLst/>
+  </dgm:styleLbl>
+  <dgm:styleLbl name="alignNode1">
+    <dgm:fillClrLst meth="repeat">
+      <a:schemeClr val="accent1"/>
+    </dgm:fillClrLst>
+    <dgm:linClrLst meth="repeat">
+      <a:schemeClr val="accent1"/>
+    </dgm:linClrLst>
+    <dgm:effectClrLst/>
+    <dgm:txLinClrLst/>
+    <dgm:txFillClrLst/>
+    <dgm:txEffectClrLst/>
+  </dgm:styleLbl>
+  <dgm:styleLbl name="node1">
+    <dgm:fillClrLst meth="repeat">
+      <a:schemeClr val="accent1"/>
+    </dgm:fillClrLst>
+    <dgm:linClrLst meth="repeat">
+      <a:schemeClr val="lt1"/>
+    </dgm:linClrLst>
+    <dgm:effectClrLst/>
+    <dgm:txLinClrLst/>
+    <dgm:txFillClrLst/>
+    <dgm:txEffectClrLst/>
+  </dgm:styleLbl>
+  <dgm:styleLbl name="lnNode1">
+    <dgm:fillClrLst meth="repeat">
+      <a:schemeClr val="accent1"/>
+    </dgm:fillClrLst>
+    <dgm:linClrLst meth="repeat">
+      <a:schemeClr val="lt1"/>
+    </dgm:linClrLst>
+    <dgm:effectClrLst/>
+    <dgm:txLinClrLst/>
+    <dgm:txFillClrLst/>
+    <dgm:txEffectClrLst/>
+  </dgm:styleLbl>
+  <dgm:styleLbl name="vennNode1">
+    <dgm:fillClrLst meth="repeat">
+      <a:schemeClr val="accent1">
+        <a:alpha val="50000"/>
+      </a:schemeClr>
+    </dgm:fillClrLst>
+    <dgm:linClrLst meth="repeat">
+      <a:schemeClr val="lt1"/>
+    </dgm:linClrLst>
+    <dgm:effectClrLst/>
+    <dgm:txLinClrLst/>
+    <dgm:txFillClrLst/>
+    <dgm:txEffectClrLst/>
+  </dgm:styleLbl>
+  <dgm:styleLbl name="node2">
+    <dgm:fillClrLst meth="repeat">
+      <a:schemeClr val="accent1"/>
+    </dgm:fillClrLst>
+    <dgm:linClrLst meth="repeat">
+      <a:schemeClr val="lt1"/>
+    </dgm:linClrLst>
+    <dgm:effectClrLst/>
+    <dgm:txLinClrLst/>
+    <dgm:txFillClrLst/>
+    <dgm:txEffectClrLst/>
+  </dgm:styleLbl>
+  <dgm:styleLbl name="node3">
+    <dgm:fillClrLst meth="repeat">
+      <a:schemeClr val="accent1"/>
+    </dgm:fillClrLst>
+    <dgm:linClrLst meth="repeat">
+      <a:schemeClr val="lt1"/>
+    </dgm:linClrLst>
+    <dgm:effectClrLst/>
+    <dgm:txLinClrLst/>
+    <dgm:txFillClrLst/>
+    <dgm:txEffectClrLst/>
+  </dgm:styleLbl>
+  <dgm:styleLbl name="node4">
+    <dgm:fillClrLst meth="repeat">
+      <a:schemeClr val="accent1"/>
+    </dgm:fillClrLst>
+    <dgm:linClrLst meth="repeat">
+      <a:schemeClr val="lt1"/>
+    </dgm:linClrLst>
+    <dgm:effectClrLst/>
+    <dgm:txLinClrLst/>
+    <dgm:txFillClrLst/>
+    <dgm:txEffectClrLst/>
+  </dgm:styleLbl>
+  <dgm:styleLbl name="fgImgPlace1">
+    <dgm:fillClrLst meth="repeat">
+      <a:schemeClr val="accent1">
+        <a:tint val="50000"/>
+      </a:schemeClr>
+    </dgm:fillClrLst>
+    <dgm:linClrLst meth="repeat">
+      <a:schemeClr val="lt1"/>
+    </dgm:linClrLst>
+    <dgm:effectClrLst/>
+    <dgm:txLinClrLst/>
+    <dgm:txFillClrLst meth="repeat">
+      <a:schemeClr val="lt1"/>
+    </dgm:txFillClrLst>
+    <dgm:txEffectClrLst/>
+  </dgm:styleLbl>
+  <dgm:styleLbl name="alignImgPlace1">
+    <dgm:fillClrLst meth="repeat">
+      <a:schemeClr val="accent1">
+        <a:tint val="50000"/>
+      </a:schemeClr>
+    </dgm:fillClrLst>
+    <dgm:linClrLst meth="repeat">
+      <a:schemeClr val="lt1"/>
+    </dgm:linClrLst>
+    <dgm:effectClrLst/>
+    <dgm:txLinClrLst/>
+    <dgm:txFillClrLst meth="repeat">
+      <a:schemeClr val="lt1"/>
+    </dgm:txFillClrLst>
+    <dgm:txEffectClrLst/>
+  </dgm:styleLbl>
+  <dgm:styleLbl name="bgImgPlace1">
+    <dgm:fillClrLst meth="repeat">
+      <a:schemeClr val="accent1">
+        <a:tint val="50000"/>
+      </a:schemeClr>
+    </dgm:fillClrLst>
+    <dgm:linClrLst meth="repeat">
+      <a:schemeClr val="lt1"/>
+    </dgm:linClrLst>
+    <dgm:effectClrLst/>
+    <dgm:txLinClrLst/>
+    <dgm:txFillClrLst meth="repeat">
+      <a:schemeClr val="lt1"/>
+    </dgm:txFillClrLst>
+    <dgm:txEffectClrLst/>
+  </dgm:styleLbl>
+  <dgm:styleLbl name="sibTrans2D1">
+    <dgm:fillClrLst meth="repeat">
+      <a:schemeClr val="accent1">
+        <a:tint val="60000"/>
+      </a:schemeClr>
+    </dgm:fillClrLst>
+    <dgm:linClrLst meth="repeat">
+      <a:schemeClr val="accent1">
+        <a:tint val="60000"/>
+      </a:schemeClr>
+    </dgm:linClrLst>
+    <dgm:effectClrLst/>
+    <dgm:txLinClrLst/>
+    <dgm:txFillClrLst/>
+    <dgm:txEffectClrLst/>
+  </dgm:styleLbl>
+  <dgm:styleLbl name="fgSibTrans2D1">
+    <dgm:fillClrLst meth="repeat">
+      <a:schemeClr val="accent1">
+        <a:tint val="60000"/>
+      </a:schemeClr>
+    </dgm:fillClrLst>
+    <dgm:linClrLst meth="repeat">
+      <a:schemeClr val="accent1">
+        <a:tint val="60000"/>
+      </a:schemeClr>
+    </dgm:linClrLst>
+    <dgm:effectClrLst/>
+    <dgm:txLinClrLst/>
+    <dgm:txFillClrLst/>
+    <dgm:txEffectClrLst/>
+  </dgm:styleLbl>
+  <dgm:styleLbl name="bgSibTrans2D1">
+    <dgm:fillClrLst meth="repeat">
+      <a:schemeClr val="accent1">
+        <a:tint val="60000"/>
+      </a:schemeClr>
+    </dgm:fillClrLst>
+    <dgm:linClrLst meth="repeat">
+      <a:schemeClr val="accent1">
+        <a:tint val="60000"/>
+      </a:schemeClr>
+    </dgm:linClrLst>
+    <dgm:effectClrLst/>
+    <dgm:txLinClrLst/>
+    <dgm:txFillClrLst/>
+    <dgm:txEffectClrLst/>
+  </dgm:styleLbl>
+  <dgm:styleLbl name="sibTrans1D1">
+    <dgm:fillClrLst meth="repeat">
+      <a:schemeClr val="accent1"/>
+    </dgm:fillClrLst>
+    <dgm:linClrLst meth="repeat">
+      <a:schemeClr val="accent1"/>
+    </dgm:linClrLst>
+    <dgm:effectClrLst/>
+    <dgm:txLinClrLst/>
+    <dgm:txFillClrLst meth="repeat">
+      <a:schemeClr val="tx1"/>
+    </dgm:txFillClrLst>
+    <dgm:txEffectClrLst/>
+  </dgm:styleLbl>
+  <dgm:styleLbl name="callout">
+    <dgm:fillClrLst meth="repeat">
+      <a:schemeClr val="accent1"/>
+    </dgm:fillClrLst>
+    <dgm:linClrLst meth="repeat">
+      <a:schemeClr val="accent1">
+        <a:tint val="50000"/>
+      </a:schemeClr>
+    </dgm:linClrLst>
+    <dgm:effectClrLst/>
+    <dgm:txLinClrLst/>
+    <dgm:txFillClrLst meth="repeat">
+      <a:schemeClr val="tx1"/>
+    </dgm:txFillClrLst>
+    <dgm:txEffectClrLst/>
+  </dgm:styleLbl>
+  <dgm:styleLbl name="asst0">
+    <dgm:fillClrLst meth="repeat">
+      <a:schemeClr val="accent1"/>
+    </dgm:fillClrLst>
+    <dgm:linClrLst meth="repeat">
+      <a:schemeClr val="lt1"/>
+    </dgm:linClrLst>
+    <dgm:effectClrLst/>
+    <dgm:txLinClrLst/>
+    <dgm:txFillClrLst/>
+    <dgm:txEffectClrLst/>
+  </dgm:styleLbl>
+  <dgm:styleLbl name="asst1">
+    <dgm:fillClrLst meth="repeat">
+      <a:schemeClr val="accent1"/>
+    </dgm:fillClrLst>
+    <dgm:linClrLst meth="repeat">
+      <a:schemeClr val="lt1"/>
+    </dgm:linClrLst>
+    <dgm:effectClrLst/>
+    <dgm:txLinClrLst/>
+    <dgm:txFillClrLst/>
+    <dgm:txEffectClrLst/>
+  </dgm:styleLbl>
+  <dgm:styleLbl name="asst2">
+    <dgm:fillClrLst meth="repeat">
+      <a:schemeClr val="accent1"/>
+    </dgm:fillClrLst>
+    <dgm:linClrLst meth="repeat">
+      <a:schemeClr val="lt1"/>
+    </dgm:linClrLst>
+    <dgm:effectClrLst/>
+    <dgm:txLinClrLst/>
+    <dgm:txFillClrLst/>
+    <dgm:txEffectClrLst/>
+  </dgm:styleLbl>
+  <dgm:styleLbl name="asst3">
+    <dgm:fillClrLst meth="repeat">
+      <a:schemeClr val="accent1"/>
+    </dgm:fillClrLst>
+    <dgm:linClrLst meth="repeat">
+      <a:schemeClr val="lt1"/>
+    </dgm:linClrLst>
+    <dgm:effectClrLst/>
+    <dgm:txLinClrLst/>
+    <dgm:txFillClrLst/>
+    <dgm:txEffectClrLst/>
+  </dgm:styleLbl>
+  <dgm:styleLbl name="asst4">
+    <dgm:fillClrLst meth="repeat">
+      <a:schemeClr val="accent1"/>
+    </dgm:fillClrLst>
+    <dgm:linClrLst meth="repeat">
+      <a:schemeClr val="lt1"/>
+    </dgm:linClrLst>
+    <dgm:effectClrLst/>
+    <dgm:txLinClrLst/>
+    <dgm:txFillClrLst/>
+    <dgm:txEffectClrLst/>
+  </dgm:styleLbl>
+  <dgm:styleLbl name="parChTrans2D1">
+    <dgm:fillClrLst meth="repeat">
+      <a:schemeClr val="accent1">
+        <a:tint val="60000"/>
+      </a:schemeClr>
+    </dgm:fillClrLst>
+    <dgm:linClrLst meth="repeat">
+      <a:schemeClr val="accent1">
+        <a:tint val="60000"/>
+      </a:schemeClr>
+    </dgm:linClrLst>
+    <dgm:effectClrLst/>
+    <dgm:txLinClrLst/>
+    <dgm:txFillClrLst meth="repeat">
+      <a:schemeClr val="lt1"/>
+    </dgm:txFillClrLst>
+    <dgm:txEffectClrLst/>
+  </dgm:styleLbl>
+  <dgm:styleLbl name="parChTrans2D2">
+    <dgm:fillClrLst meth="repeat">
+      <a:schemeClr val="accent1"/>
+    </dgm:fillClrLst>
+    <dgm:linClrLst meth="repeat">
+      <a:schemeClr val="accent1"/>
+    </dgm:linClrLst>
+    <dgm:effectClrLst/>
+    <dgm:txLinClrLst/>
+    <dgm:txFillClrLst meth="repeat">
+      <a:schemeClr val="lt1"/>
+    </dgm:txFillClrLst>
+    <dgm:txEffectClrLst/>
+  </dgm:styleLbl>
+  <dgm:styleLbl name="parChTrans2D3">
+    <dgm:fillClrLst meth="repeat">
+      <a:schemeClr val="accent1"/>
+    </dgm:fillClrLst>
+    <dgm:linClrLst meth="repeat">
+      <a:schemeClr val="accent1"/>
+    </dgm:linClrLst>
+    <dgm:effectClrLst/>
+    <dgm:txLinClrLst/>
+    <dgm:txFillClrLst meth="repeat">
+      <a:schemeClr val="lt1"/>
+    </dgm:txFillClrLst>
+    <dgm:txEffectClrLst/>
+  </dgm:styleLbl>
+  <dgm:styleLbl name="parChTrans2D4">
+    <dgm:fillClrLst meth="repeat">
+      <a:schemeClr val="accent1"/>
+    </dgm:fillClrLst>
+    <dgm:linClrLst meth="repeat">
+      <a:schemeClr val="accent1"/>
+    </dgm:linClrLst>
+    <dgm:effectClrLst/>
+    <dgm:txLinClrLst/>
+    <dgm:txFillClrLst meth="repeat">
+      <a:schemeClr val="lt1"/>
+    </dgm:txFillClrLst>
+    <dgm:txEffectClrLst/>
+  </dgm:styleLbl>
+  <dgm:styleLbl name="parChTrans1D1">
+    <dgm:fillClrLst meth="repeat">
+      <a:schemeClr val="accent1"/>
+    </dgm:fillClrLst>
+    <dgm:linClrLst meth="repeat">
+      <a:schemeClr val="accent1">
+        <a:shade val="60000"/>
+      </a:schemeClr>
+    </dgm:linClrLst>
+    <dgm:effectClrLst/>
+    <dgm:txLinClrLst/>
+    <dgm:txFillClrLst meth="repeat">
+      <a:schemeClr val="tx1"/>
+    </dgm:txFillClrLst>
+    <dgm:txEffectClrLst/>
+  </dgm:styleLbl>
+  <dgm:styleLbl name="parChTrans1D2">
+    <dgm:fillClrLst meth="repeat">
+      <a:schemeClr val="accent1"/>
+    </dgm:fillClrLst>
+    <dgm:linClrLst meth="repeat">
+      <a:schemeClr val="accent1">
+        <a:shade val="60000"/>
+      </a:schemeClr>
+    </dgm:linClrLst>
+    <dgm:effectClrLst/>
+    <dgm:txLinClrLst/>
+    <dgm:txFillClrLst meth="repeat">
+      <a:schemeClr val="tx1"/>
+    </dgm:txFillClrLst>
+    <dgm:txEffectClrLst/>
+  </dgm:styleLbl>
+  <dgm:styleLbl name="parChTrans1D3">
+    <dgm:fillClrLst meth="repeat">
+      <a:schemeClr val="accent1"/>
+    </dgm:fillClrLst>
+    <dgm:linClrLst meth="repeat">
+      <a:schemeClr val="accent1">
+        <a:shade val="80000"/>
+      </a:schemeClr>
+    </dgm:linClrLst>
+    <dgm:effectClrLst/>
+    <dgm:txLinClrLst/>
+    <dgm:txFillClrLst meth="repeat">
+      <a:schemeClr val="tx1"/>
+    </dgm:txFillClrLst>
+    <dgm:txEffectClrLst/>
+  </dgm:styleLbl>
+  <dgm:styleLbl name="parChTrans1D4">
+    <dgm:fillClrLst meth="repeat">
+      <a:schemeClr val="accent1"/>
+    </dgm:fillClrLst>
+    <dgm:linClrLst meth="repeat">
+      <a:schemeClr val="accent1">
+        <a:shade val="80000"/>
+      </a:schemeClr>
+    </dgm:linClrLst>
+    <dgm:effectClrLst/>
+    <dgm:txLinClrLst/>
+    <dgm:txFillClrLst meth="repeat">
+      <a:schemeClr val="tx1"/>
+    </dgm:txFillClrLst>
+    <dgm:txEffectClrLst/>
+  </dgm:styleLbl>
+  <dgm:styleLbl name="fgAcc1">
+    <dgm:fillClrLst meth="repeat">
+      <a:schemeClr val="lt1">
+        <a:alpha val="90000"/>
+      </a:schemeClr>
+    </dgm:fillClrLst>
+    <dgm:linClrLst meth="repeat">
+      <a:schemeClr val="accent1"/>
+    </dgm:linClrLst>
+    <dgm:effectClrLst/>
+    <dgm:txLinClrLst/>
+    <dgm:txFillClrLst meth="repeat">
+      <a:schemeClr val="dk1"/>
+    </dgm:txFillClrLst>
+    <dgm:txEffectClrLst/>
+  </dgm:styleLbl>
+  <dgm:styleLbl name="conFgAcc1">
+    <dgm:fillClrLst meth="repeat">
+      <a:schemeClr val="lt1">
+        <a:alpha val="90000"/>
+      </a:schemeClr>
+    </dgm:fillClrLst>
+    <dgm:linClrLst meth="repeat">
+      <a:schemeClr val="accent1"/>
+    </dgm:linClrLst>
+    <dgm:effectClrLst/>
+    <dgm:txLinClrLst/>
+    <dgm:txFillClrLst meth="repeat">
+      <a:schemeClr val="dk1"/>
+    </dgm:txFillClrLst>
+    <dgm:txEffectClrLst/>
+  </dgm:styleLbl>
+  <dgm:styleLbl name="alignAcc1">
+    <dgm:fillClrLst meth="repeat">
+      <a:schemeClr val="lt1">
+        <a:alpha val="90000"/>
+      </a:schemeClr>
+    </dgm:fillClrLst>
+    <dgm:linClrLst meth="repeat">
+      <a:schemeClr val="accent1"/>
+    </dgm:linClrLst>
+    <dgm:effectClrLst/>
+    <dgm:txLinClrLst/>
+    <dgm:txFillClrLst meth="repeat">
+      <a:schemeClr val="dk1"/>
+    </dgm:txFillClrLst>
+    <dgm:txEffectClrLst/>
+  </dgm:styleLbl>
+  <dgm:styleLbl name="trAlignAcc1">
+    <dgm:fillClrLst meth="repeat">
+      <a:schemeClr val="lt1">
+        <a:alpha val="40000"/>
+      </a:schemeClr>
+    </dgm:fillClrLst>
+    <dgm:linClrLst meth="repeat">
+      <a:schemeClr val="accent1"/>
+    </dgm:linClrLst>
+    <dgm:effectClrLst/>
+    <dgm:txLinClrLst/>
+    <dgm:txFillClrLst meth="repeat">
+      <a:schemeClr val="dk1"/>
+    </dgm:txFillClrLst>
+    <dgm:txEffectClrLst/>
+  </dgm:styleLbl>
+  <dgm:styleLbl name="bgAcc1">
+    <dgm:fillClrLst meth="repeat">
+      <a:schemeClr val="lt1">
+        <a:alpha val="90000"/>
+      </a:schemeClr>
+    </dgm:fillClrLst>
+    <dgm:linClrLst meth="repeat">
+      <a:schemeClr val="accent1"/>
+    </dgm:linClrLst>
+    <dgm:effectClrLst/>
+    <dgm:txLinClrLst/>
+    <dgm:txFillClrLst meth="repeat">
+      <a:schemeClr val="dk1"/>
+    </dgm:txFillClrLst>
+    <dgm:txEffectClrLst/>
+  </dgm:styleLbl>
+  <dgm:styleLbl name="solidFgAcc1">
+    <dgm:fillClrLst meth="repeat">
+      <a:schemeClr val="lt1"/>
+    </dgm:fillClrLst>
+    <dgm:linClrLst meth="repeat">
+      <a:schemeClr val="accent1"/>
+    </dgm:linClrLst>
+    <dgm:effectClrLst/>
+    <dgm:txLinClrLst/>
+    <dgm:txFillClrLst meth="repeat">
+      <a:schemeClr val="dk1"/>
+    </dgm:txFillClrLst>
+    <dgm:txEffectClrLst/>
+  </dgm:styleLbl>
+  <dgm:styleLbl name="solidAlignAcc1">
+    <dgm:fillClrLst meth="repeat">
+      <a:schemeClr val="lt1"/>
+    </dgm:fillClrLst>
+    <dgm:linClrLst meth="repeat">
+      <a:schemeClr val="accent1"/>
+    </dgm:linClrLst>
+    <dgm:effectClrLst/>
+    <dgm:txLinClrLst/>
+    <dgm:txFillClrLst meth="repeat">
+      <a:schemeClr val="dk1"/>
+    </dgm:txFillClrLst>
+    <dgm:txEffectClrLst/>
+  </dgm:styleLbl>
+  <dgm:styleLbl name="solidBgAcc1">
+    <dgm:fillClrLst meth="repeat">
+      <a:schemeClr val="lt1"/>
+    </dgm:fillClrLst>
+    <dgm:linClrLst meth="repeat">
+      <a:schemeClr val="accent1"/>
+    </dgm:linClrLst>
+    <dgm:effectClrLst/>
+    <dgm:txLinClrLst/>
+    <dgm:txFillClrLst meth="repeat">
+      <a:schemeClr val="dk1"/>
+    </dgm:txFillClrLst>
+    <dgm:txEffectClrLst/>
+  </dgm:styleLbl>
+  <dgm:styleLbl name="fgAccFollowNode1">
+    <dgm:fillClrLst meth="repeat">
+      <a:schemeClr val="accent1">
+        <a:alpha val="90000"/>
+        <a:tint val="40000"/>
+      </a:schemeClr>
+    </dgm:fillClrLst>
+    <dgm:linClrLst meth="repeat">
+      <a:schemeClr val="accent1">
+        <a:alpha val="90000"/>
+        <a:tint val="40000"/>
+      </a:schemeClr>
+    </dgm:linClrLst>
+    <dgm:effectClrLst/>
+    <dgm:txLinClrLst/>
+    <dgm:txFillClrLst meth="repeat">
+      <a:schemeClr val="dk1"/>
+    </dgm:txFillClrLst>
+    <dgm:txEffectClrLst/>
+  </dgm:styleLbl>
+  <dgm:styleLbl name="alignAccFollowNode1">
+    <dgm:fillClrLst meth="repeat">
+      <a:schemeClr val="accent1">
+        <a:alpha val="90000"/>
+        <a:tint val="40000"/>
+      </a:schemeClr>
+    </dgm:fillClrLst>
+    <dgm:linClrLst meth="repeat">
+      <a:schemeClr val="accent1">
+        <a:alpha val="90000"/>
+        <a:tint val="40000"/>
+      </a:schemeClr>
+    </dgm:linClrLst>
+    <dgm:effectClrLst/>
+    <dgm:txLinClrLst/>
+    <dgm:txFillClrLst meth="repeat">
+      <a:schemeClr val="dk1"/>
+    </dgm:txFillClrLst>
+    <dgm:txEffectClrLst/>
+  </dgm:styleLbl>
+  <dgm:styleLbl name="bgAccFollowNode1">
+    <dgm:fillClrLst meth="repeat">
+      <a:schemeClr val="accent1">
+        <a:alpha val="90000"/>
+        <a:tint val="40000"/>
+      </a:schemeClr>
+    </dgm:fillClrLst>
+    <dgm:linClrLst meth="repeat">
+      <a:schemeClr val="accent1">
+        <a:alpha val="90000"/>
+        <a:tint val="40000"/>
+      </a:schemeClr>
+    </dgm:linClrLst>
+    <dgm:effectClrLst/>
+    <dgm:txLinClrLst/>
+    <dgm:txFillClrLst meth="repeat">
+      <a:schemeClr val="dk1"/>
+    </dgm:txFillClrLst>
+    <dgm:txEffectClrLst/>
+  </dgm:styleLbl>
+  <dgm:styleLbl name="fgAcc0">
+    <dgm:fillClrLst meth="repeat">
+      <a:schemeClr val="lt1">
+        <a:alpha val="90000"/>
+      </a:schemeClr>
+    </dgm:fillClrLst>
+    <dgm:linClrLst meth="repeat">
+      <a:schemeClr val="accent1"/>
+    </dgm:linClrLst>
+    <dgm:effectClrLst/>
+    <dgm:txLinClrLst/>
+    <dgm:txFillClrLst meth="repeat">
+      <a:schemeClr val="dk1"/>
+    </dgm:txFillClrLst>
+    <dgm:txEffectClrLst/>
+  </dgm:styleLbl>
+  <dgm:styleLbl name="fgAcc2">
+    <dgm:fillClrLst meth="repeat">
+      <a:schemeClr val="lt1">
+        <a:alpha val="90000"/>
+      </a:schemeClr>
+    </dgm:fillClrLst>
+    <dgm:linClrLst meth="repeat">
+      <a:schemeClr val="accent1"/>
+    </dgm:linClrLst>
+    <dgm:effectClrLst/>
+    <dgm:txLinClrLst/>
+    <dgm:txFillClrLst meth="repeat">
+      <a:schemeClr val="dk1"/>
+    </dgm:txFillClrLst>
+    <dgm:txEffectClrLst/>
+  </dgm:styleLbl>
+  <dgm:styleLbl name="fgAcc3">
+    <dgm:fillClrLst meth="repeat">
+      <a:schemeClr val="lt1">
+        <a:alpha val="90000"/>
+      </a:schemeClr>
+    </dgm:fillClrLst>
+    <dgm:linClrLst meth="repeat">
+      <a:schemeClr val="accent1"/>
+    </dgm:linClrLst>
+    <dgm:effectClrLst/>
+    <dgm:txLinClrLst/>
+    <dgm:txFillClrLst meth="repeat">
+      <a:schemeClr val="dk1"/>
+    </dgm:txFillClrLst>
+    <dgm:txEffectClrLst/>
+  </dgm:styleLbl>
+  <dgm:styleLbl name="fgAcc4">
+    <dgm:fillClrLst meth="repeat">
+      <a:schemeClr val="lt1">
+        <a:alpha val="90000"/>
+      </a:schemeClr>
+    </dgm:fillClrLst>
+    <dgm:linClrLst meth="repeat">
+      <a:schemeClr val="accent1"/>
+    </dgm:linClrLst>
+    <dgm:effectClrLst/>
+    <dgm:txLinClrLst/>
+    <dgm:txFillClrLst meth="repeat">
+      <a:schemeClr val="dk1"/>
+    </dgm:txFillClrLst>
+    <dgm:txEffectClrLst/>
+  </dgm:styleLbl>
+  <dgm:styleLbl name="bgShp">
+    <dgm:fillClrLst meth="repeat">
+      <a:schemeClr val="accent1">
+        <a:tint val="40000"/>
+      </a:schemeClr>
+    </dgm:fillClrLst>
+    <dgm:linClrLst meth="repeat">
+      <a:schemeClr val="accent1"/>
+    </dgm:linClrLst>
+    <dgm:effectClrLst/>
+    <dgm:txLinClrLst/>
+    <dgm:txFillClrLst meth="repeat">
+      <a:schemeClr val="dk1"/>
+    </dgm:txFillClrLst>
+    <dgm:txEffectClrLst/>
+  </dgm:styleLbl>
+  <dgm:styleLbl name="dkBgShp">
+    <dgm:fillClrLst meth="repeat">
+      <a:schemeClr val="accent1">
+        <a:shade val="80000"/>
+      </a:schemeClr>
+    </dgm:fillClrLst>
+    <dgm:linClrLst meth="repeat">
+      <a:schemeClr val="accent1"/>
+    </dgm:linClrLst>
+    <dgm:effectClrLst/>
+    <dgm:txLinClrLst/>
+    <dgm:txFillClrLst meth="repeat">
+      <a:schemeClr val="lt1"/>
+    </dgm:txFillClrLst>
+    <dgm:txEffectClrLst/>
+  </dgm:styleLbl>
+  <dgm:styleLbl name="trBgShp">
+    <dgm:fillClrLst meth="repeat">
+      <a:schemeClr val="accent1">
+        <a:tint val="50000"/>
+        <a:alpha val="40000"/>
+      </a:schemeClr>
+    </dgm:fillClrLst>
+    <dgm:linClrLst meth="repeat">
+      <a:schemeClr val="accent1"/>
+    </dgm:linClrLst>
+    <dgm:effectClrLst/>
+    <dgm:txLinClrLst/>
+    <dgm:txFillClrLst meth="repeat">
+      <a:schemeClr val="lt1"/>
+    </dgm:txFillClrLst>
+    <dgm:txEffectClrLst/>
+  </dgm:styleLbl>
+  <dgm:styleLbl name="fgShp">
+    <dgm:fillClrLst meth="repeat">
+      <a:schemeClr val="accent1">
+        <a:tint val="60000"/>
+      </a:schemeClr>
+    </dgm:fillClrLst>
+    <dgm:linClrLst meth="repeat">
+      <a:schemeClr val="lt1"/>
+    </dgm:linClrLst>
+    <dgm:effectClrLst/>
+    <dgm:txLinClrLst/>
+    <dgm:txFillClrLst meth="repeat">
+      <a:schemeClr val="dk1"/>
+    </dgm:txFillClrLst>
+    <dgm:txEffectClrLst/>
+  </dgm:styleLbl>
+  <dgm:styleLbl name="revTx">
+    <dgm:fillClrLst meth="repeat">
+      <a:schemeClr val="lt1">
+        <a:alpha val="0"/>
+      </a:schemeClr>
+    </dgm:fillClrLst>
+    <dgm:linClrLst meth="repeat">
+      <a:schemeClr val="dk1">
+        <a:alpha val="0"/>
+      </a:schemeClr>
+    </dgm:linClrLst>
+    <dgm:effectClrLst/>
+    <dgm:txLinClrLst/>
+    <dgm:txFillClrLst meth="repeat">
+      <a:schemeClr val="tx1"/>
+    </dgm:txFillClrLst>
+    <dgm:txEffectClrLst/>
+  </dgm:styleLbl>
+</dgm:colorsDef>
+</file>
+
+<file path=ppt/diagrams/data1.xml><?xml version="1.0" encoding="utf-8"?>
+<dgm:dataModel xmlns:dgm="http://schemas.openxmlformats.org/drawingml/2006/diagram" xmlns:a="http://schemas.openxmlformats.org/drawingml/2006/main">
+  <dgm:ptLst>
+    <dgm:pt modelId="{E61979B0-A083-4DF3-AEDA-11B8CC515AFB}" type="doc">
+      <dgm:prSet loTypeId="urn:microsoft.com/office/officeart/2005/8/layout/cycle3" loCatId="cycle" qsTypeId="urn:microsoft.com/office/officeart/2005/8/quickstyle/simple3" qsCatId="simple" csTypeId="urn:microsoft.com/office/officeart/2005/8/colors/accent1_2" csCatId="accent1" phldr="1"/>
+      <dgm:spPr/>
+      <dgm:t>
+        <a:bodyPr/>
+        <a:lstStyle/>
+        <a:p>
+          <a:pPr latinLnBrk="1"/>
+          <a:endParaRPr lang="ko-KR" altLang="en-US"/>
+        </a:p>
+      </dgm:t>
+    </dgm:pt>
+    <dgm:pt modelId="{EB63429D-594E-4900-86BB-C15D1EEAC928}">
+      <dgm:prSet phldrT="[텍스트]"/>
+      <dgm:spPr/>
+      <dgm:t>
+        <a:bodyPr/>
+        <a:lstStyle/>
+        <a:p>
+          <a:pPr latinLnBrk="1"/>
+          <a:r>
+            <a:rPr lang="en-US" altLang="ko-KR" b="1" dirty="0" smtClean="0"/>
+            <a:t>1</a:t>
+          </a:r>
+          <a:r>
+            <a:rPr lang="ko-KR" altLang="en-US" b="1" dirty="0" smtClean="0"/>
+            <a:t>단계</a:t>
+          </a:r>
+          <a:r>
+            <a:rPr lang="en-US" altLang="ko-KR" b="1" dirty="0" smtClean="0"/>
+            <a:t/>
+          </a:r>
+          <a:br>
+            <a:rPr lang="en-US" altLang="ko-KR" b="1" dirty="0" smtClean="0"/>
+          </a:br>
+          <a:r>
+            <a:rPr lang="ko-KR" altLang="en-US" b="1" dirty="0" smtClean="0"/>
+            <a:t>배열 선언</a:t>
+          </a:r>
+          <a:endParaRPr lang="ko-KR" altLang="en-US" b="1" dirty="0"/>
+        </a:p>
+      </dgm:t>
+    </dgm:pt>
+    <dgm:pt modelId="{9B1CFA3E-D9B9-4460-80E6-B9D4C6C409B0}" type="parTrans" cxnId="{7ED1116E-557C-4712-B1D8-146B83E9EA81}">
+      <dgm:prSet/>
+      <dgm:spPr/>
+      <dgm:t>
+        <a:bodyPr/>
+        <a:lstStyle/>
+        <a:p>
+          <a:pPr latinLnBrk="1"/>
+          <a:endParaRPr lang="ko-KR" altLang="en-US"/>
+        </a:p>
+      </dgm:t>
+    </dgm:pt>
+    <dgm:pt modelId="{8317E85A-5121-4988-B2E9-5B6D9BA25756}" type="sibTrans" cxnId="{7ED1116E-557C-4712-B1D8-146B83E9EA81}">
+      <dgm:prSet/>
+      <dgm:spPr/>
+      <dgm:t>
+        <a:bodyPr/>
+        <a:lstStyle/>
+        <a:p>
+          <a:pPr latinLnBrk="1"/>
+          <a:endParaRPr lang="ko-KR" altLang="en-US"/>
+        </a:p>
+      </dgm:t>
+    </dgm:pt>
+    <dgm:pt modelId="{708749C7-AAB3-415B-B234-775A8C374680}">
+      <dgm:prSet phldrT="[텍스트]"/>
+      <dgm:spPr/>
+      <dgm:t>
+        <a:bodyPr/>
+        <a:lstStyle/>
+        <a:p>
+          <a:pPr latinLnBrk="1"/>
+          <a:r>
+            <a:rPr lang="en-US" altLang="ko-KR" b="1" dirty="0" smtClean="0"/>
+            <a:t>2</a:t>
+          </a:r>
+          <a:r>
+            <a:rPr lang="ko-KR" altLang="en-US" b="1" dirty="0" smtClean="0"/>
+            <a:t>단계</a:t>
+          </a:r>
+          <a:r>
+            <a:rPr lang="en-US" altLang="ko-KR" b="1" dirty="0" smtClean="0"/>
+            <a:t/>
+          </a:r>
+          <a:br>
+            <a:rPr lang="en-US" altLang="ko-KR" b="1" dirty="0" smtClean="0"/>
+          </a:br>
+          <a:r>
+            <a:rPr lang="ko-KR" altLang="en-US" b="1" dirty="0" smtClean="0"/>
+            <a:t>힙 메모리에 객체 생성</a:t>
+          </a:r>
+          <a:endParaRPr lang="ko-KR" altLang="en-US" b="1" dirty="0"/>
+        </a:p>
+      </dgm:t>
+    </dgm:pt>
+    <dgm:pt modelId="{EAD792BF-8FD5-4A83-BD48-8F7D6F1E3B2A}" type="parTrans" cxnId="{0A408033-83C0-4F8B-8D93-DE6F6B91FEF2}">
+      <dgm:prSet/>
+      <dgm:spPr/>
+      <dgm:t>
+        <a:bodyPr/>
+        <a:lstStyle/>
+        <a:p>
+          <a:pPr latinLnBrk="1"/>
+          <a:endParaRPr lang="ko-KR" altLang="en-US"/>
+        </a:p>
+      </dgm:t>
+    </dgm:pt>
+    <dgm:pt modelId="{0D8DE4E1-3636-42D9-8940-9CFE03CC66CA}" type="sibTrans" cxnId="{0A408033-83C0-4F8B-8D93-DE6F6B91FEF2}">
+      <dgm:prSet/>
+      <dgm:spPr/>
+      <dgm:t>
+        <a:bodyPr/>
+        <a:lstStyle/>
+        <a:p>
+          <a:pPr latinLnBrk="1"/>
+          <a:endParaRPr lang="ko-KR" altLang="en-US"/>
+        </a:p>
+      </dgm:t>
+    </dgm:pt>
+    <dgm:pt modelId="{C83156A2-9AF1-45B5-80A1-114E55D193C3}">
+      <dgm:prSet phldrT="[텍스트]"/>
+      <dgm:spPr/>
+      <dgm:t>
+        <a:bodyPr/>
+        <a:lstStyle/>
+        <a:p>
+          <a:pPr latinLnBrk="1"/>
+          <a:r>
+            <a:rPr lang="en-US" altLang="ko-KR" b="1" dirty="0" smtClean="0"/>
+            <a:t>3</a:t>
+          </a:r>
+          <a:r>
+            <a:rPr lang="ko-KR" altLang="en-US" b="1" dirty="0" smtClean="0"/>
+            <a:t>단계</a:t>
+          </a:r>
+          <a:r>
+            <a:rPr lang="en-US" altLang="ko-KR" b="1" dirty="0" smtClean="0"/>
+            <a:t/>
+          </a:r>
+          <a:br>
+            <a:rPr lang="en-US" altLang="ko-KR" b="1" dirty="0" smtClean="0"/>
+          </a:br>
+          <a:r>
+            <a:rPr lang="ko-KR" altLang="en-US" b="1" dirty="0" smtClean="0"/>
+            <a:t>배열 자료형 변수에 객체 대입</a:t>
+          </a:r>
+          <a:endParaRPr lang="ko-KR" altLang="en-US" b="1" dirty="0"/>
+        </a:p>
+      </dgm:t>
+    </dgm:pt>
+    <dgm:pt modelId="{E949075F-34D9-4E78-840A-53557350BFB5}" type="parTrans" cxnId="{7966E5F6-4F03-4B9F-89CF-880F90155AF1}">
+      <dgm:prSet/>
+      <dgm:spPr/>
+      <dgm:t>
+        <a:bodyPr/>
+        <a:lstStyle/>
+        <a:p>
+          <a:pPr latinLnBrk="1"/>
+          <a:endParaRPr lang="ko-KR" altLang="en-US"/>
+        </a:p>
+      </dgm:t>
+    </dgm:pt>
+    <dgm:pt modelId="{2CAD627A-A123-4EFC-8C57-84B0AB67768A}" type="sibTrans" cxnId="{7966E5F6-4F03-4B9F-89CF-880F90155AF1}">
+      <dgm:prSet/>
+      <dgm:spPr/>
+      <dgm:t>
+        <a:bodyPr/>
+        <a:lstStyle/>
+        <a:p>
+          <a:pPr latinLnBrk="1"/>
+          <a:endParaRPr lang="ko-KR" altLang="en-US"/>
+        </a:p>
+      </dgm:t>
+    </dgm:pt>
+    <dgm:pt modelId="{ED48B62E-782E-4061-8A3F-E2DBD193775E}">
+      <dgm:prSet phldrT="[텍스트]"/>
+      <dgm:spPr/>
+      <dgm:t>
+        <a:bodyPr/>
+        <a:lstStyle/>
+        <a:p>
+          <a:pPr latinLnBrk="1"/>
+          <a:r>
+            <a:rPr lang="en-US" altLang="ko-KR" b="1" dirty="0" smtClean="0"/>
+            <a:t>4</a:t>
+          </a:r>
+          <a:r>
+            <a:rPr lang="ko-KR" altLang="en-US" b="1" dirty="0" smtClean="0"/>
+            <a:t>단계</a:t>
+          </a:r>
+          <a:r>
+            <a:rPr lang="en-US" altLang="ko-KR" b="1" dirty="0" smtClean="0"/>
+            <a:t/>
+          </a:r>
+          <a:br>
+            <a:rPr lang="en-US" altLang="ko-KR" b="1" dirty="0" smtClean="0"/>
+          </a:br>
+          <a:r>
+            <a:rPr lang="ko-KR" altLang="en-US" b="1" dirty="0" smtClean="0"/>
+            <a:t>객체에 값 입력</a:t>
+          </a:r>
+          <a:endParaRPr lang="ko-KR" altLang="en-US" b="1" dirty="0"/>
+        </a:p>
+      </dgm:t>
+    </dgm:pt>
+    <dgm:pt modelId="{E691FF20-01B7-4FE2-BF97-2B70CE5F921A}" type="parTrans" cxnId="{FAA2E1AE-6AA2-4BDB-9AB6-22B28C9A3D64}">
+      <dgm:prSet/>
+      <dgm:spPr/>
+      <dgm:t>
+        <a:bodyPr/>
+        <a:lstStyle/>
+        <a:p>
+          <a:pPr latinLnBrk="1"/>
+          <a:endParaRPr lang="ko-KR" altLang="en-US"/>
+        </a:p>
+      </dgm:t>
+    </dgm:pt>
+    <dgm:pt modelId="{48783D79-546B-493D-8F94-FDBA626F8A2E}" type="sibTrans" cxnId="{FAA2E1AE-6AA2-4BDB-9AB6-22B28C9A3D64}">
+      <dgm:prSet/>
+      <dgm:spPr/>
+      <dgm:t>
+        <a:bodyPr/>
+        <a:lstStyle/>
+        <a:p>
+          <a:pPr latinLnBrk="1"/>
+          <a:endParaRPr lang="ko-KR" altLang="en-US"/>
+        </a:p>
+      </dgm:t>
+    </dgm:pt>
+    <dgm:pt modelId="{DACFCA2F-4937-4C1D-8AF7-099855AC7A1C}" type="pres">
+      <dgm:prSet presAssocID="{E61979B0-A083-4DF3-AEDA-11B8CC515AFB}" presName="Name0" presStyleCnt="0">
+        <dgm:presLayoutVars>
+          <dgm:dir/>
+          <dgm:resizeHandles val="exact"/>
+        </dgm:presLayoutVars>
+      </dgm:prSet>
+      <dgm:spPr/>
+    </dgm:pt>
+    <dgm:pt modelId="{F89469E0-8220-49F1-92C9-A62211E814B4}" type="pres">
+      <dgm:prSet presAssocID="{E61979B0-A083-4DF3-AEDA-11B8CC515AFB}" presName="cycle" presStyleCnt="0"/>
+      <dgm:spPr/>
+    </dgm:pt>
+    <dgm:pt modelId="{B07B1F7D-0E5D-4540-AAA0-4099083D568C}" type="pres">
+      <dgm:prSet presAssocID="{EB63429D-594E-4900-86BB-C15D1EEAC928}" presName="nodeFirstNode" presStyleLbl="node1" presStyleIdx="0" presStyleCnt="4" custScaleX="81563" custScaleY="68641">
+        <dgm:presLayoutVars>
+          <dgm:bulletEnabled val="1"/>
+        </dgm:presLayoutVars>
+      </dgm:prSet>
+      <dgm:spPr/>
+    </dgm:pt>
+    <dgm:pt modelId="{FF50DF92-7B59-43B9-804B-22D6A8243605}" type="pres">
+      <dgm:prSet presAssocID="{8317E85A-5121-4988-B2E9-5B6D9BA25756}" presName="sibTransFirstNode" presStyleLbl="bgShp" presStyleIdx="0" presStyleCnt="1"/>
+      <dgm:spPr/>
+    </dgm:pt>
+    <dgm:pt modelId="{7EDACA29-0B4F-4C01-9A13-1D772D834A31}" type="pres">
+      <dgm:prSet presAssocID="{708749C7-AAB3-415B-B234-775A8C374680}" presName="nodeFollowingNodes" presStyleLbl="node1" presStyleIdx="1" presStyleCnt="4" custScaleX="81563" custScaleY="68641">
+        <dgm:presLayoutVars>
+          <dgm:bulletEnabled val="1"/>
+        </dgm:presLayoutVars>
+      </dgm:prSet>
+      <dgm:spPr/>
+      <dgm:t>
+        <a:bodyPr/>
+        <a:lstStyle/>
+        <a:p>
+          <a:pPr latinLnBrk="1"/>
+          <a:endParaRPr lang="ko-KR" altLang="en-US"/>
+        </a:p>
+      </dgm:t>
+    </dgm:pt>
+    <dgm:pt modelId="{59344374-C296-466F-AEEC-C9D8013B2014}" type="pres">
+      <dgm:prSet presAssocID="{C83156A2-9AF1-45B5-80A1-114E55D193C3}" presName="nodeFollowingNodes" presStyleLbl="node1" presStyleIdx="2" presStyleCnt="4" custScaleX="81563" custScaleY="68641" custRadScaleRad="121017">
+        <dgm:presLayoutVars>
+          <dgm:bulletEnabled val="1"/>
+        </dgm:presLayoutVars>
+      </dgm:prSet>
+      <dgm:spPr/>
+    </dgm:pt>
+    <dgm:pt modelId="{5C812645-0E86-4550-A4AC-BB45F27D3499}" type="pres">
+      <dgm:prSet presAssocID="{ED48B62E-782E-4061-8A3F-E2DBD193775E}" presName="nodeFollowingNodes" presStyleLbl="node1" presStyleIdx="3" presStyleCnt="4" custScaleX="81563" custScaleY="68641">
+        <dgm:presLayoutVars>
+          <dgm:bulletEnabled val="1"/>
+        </dgm:presLayoutVars>
+      </dgm:prSet>
+      <dgm:spPr/>
+    </dgm:pt>
+  </dgm:ptLst>
+  <dgm:cxnLst>
+    <dgm:cxn modelId="{11305C29-5CD9-4D6A-B640-95506A097266}" type="presOf" srcId="{ED48B62E-782E-4061-8A3F-E2DBD193775E}" destId="{5C812645-0E86-4550-A4AC-BB45F27D3499}" srcOrd="0" destOrd="0" presId="urn:microsoft.com/office/officeart/2005/8/layout/cycle3"/>
+    <dgm:cxn modelId="{9CAA6835-5778-4C79-9B35-88AD5D382480}" type="presOf" srcId="{8317E85A-5121-4988-B2E9-5B6D9BA25756}" destId="{FF50DF92-7B59-43B9-804B-22D6A8243605}" srcOrd="0" destOrd="0" presId="urn:microsoft.com/office/officeart/2005/8/layout/cycle3"/>
+    <dgm:cxn modelId="{7966E5F6-4F03-4B9F-89CF-880F90155AF1}" srcId="{E61979B0-A083-4DF3-AEDA-11B8CC515AFB}" destId="{C83156A2-9AF1-45B5-80A1-114E55D193C3}" srcOrd="2" destOrd="0" parTransId="{E949075F-34D9-4E78-840A-53557350BFB5}" sibTransId="{2CAD627A-A123-4EFC-8C57-84B0AB67768A}"/>
+    <dgm:cxn modelId="{0A408033-83C0-4F8B-8D93-DE6F6B91FEF2}" srcId="{E61979B0-A083-4DF3-AEDA-11B8CC515AFB}" destId="{708749C7-AAB3-415B-B234-775A8C374680}" srcOrd="1" destOrd="0" parTransId="{EAD792BF-8FD5-4A83-BD48-8F7D6F1E3B2A}" sibTransId="{0D8DE4E1-3636-42D9-8940-9CFE03CC66CA}"/>
+    <dgm:cxn modelId="{7ED1116E-557C-4712-B1D8-146B83E9EA81}" srcId="{E61979B0-A083-4DF3-AEDA-11B8CC515AFB}" destId="{EB63429D-594E-4900-86BB-C15D1EEAC928}" srcOrd="0" destOrd="0" parTransId="{9B1CFA3E-D9B9-4460-80E6-B9D4C6C409B0}" sibTransId="{8317E85A-5121-4988-B2E9-5B6D9BA25756}"/>
+    <dgm:cxn modelId="{FAA2E1AE-6AA2-4BDB-9AB6-22B28C9A3D64}" srcId="{E61979B0-A083-4DF3-AEDA-11B8CC515AFB}" destId="{ED48B62E-782E-4061-8A3F-E2DBD193775E}" srcOrd="3" destOrd="0" parTransId="{E691FF20-01B7-4FE2-BF97-2B70CE5F921A}" sibTransId="{48783D79-546B-493D-8F94-FDBA626F8A2E}"/>
+    <dgm:cxn modelId="{F087C85F-34C2-4B04-8054-F001564C139C}" type="presOf" srcId="{E61979B0-A083-4DF3-AEDA-11B8CC515AFB}" destId="{DACFCA2F-4937-4C1D-8AF7-099855AC7A1C}" srcOrd="0" destOrd="0" presId="urn:microsoft.com/office/officeart/2005/8/layout/cycle3"/>
+    <dgm:cxn modelId="{64AC5479-3130-4AF1-A0D9-CFEB64A35132}" type="presOf" srcId="{708749C7-AAB3-415B-B234-775A8C374680}" destId="{7EDACA29-0B4F-4C01-9A13-1D772D834A31}" srcOrd="0" destOrd="0" presId="urn:microsoft.com/office/officeart/2005/8/layout/cycle3"/>
+    <dgm:cxn modelId="{F938D121-8F77-4EB2-939F-5B84F558FE3D}" type="presOf" srcId="{EB63429D-594E-4900-86BB-C15D1EEAC928}" destId="{B07B1F7D-0E5D-4540-AAA0-4099083D568C}" srcOrd="0" destOrd="0" presId="urn:microsoft.com/office/officeart/2005/8/layout/cycle3"/>
+    <dgm:cxn modelId="{E3329A58-8B0F-4FB3-980E-7D80FF5C27E1}" type="presOf" srcId="{C83156A2-9AF1-45B5-80A1-114E55D193C3}" destId="{59344374-C296-466F-AEEC-C9D8013B2014}" srcOrd="0" destOrd="0" presId="urn:microsoft.com/office/officeart/2005/8/layout/cycle3"/>
+    <dgm:cxn modelId="{E5B8B0D3-37AE-4008-B0D6-A78ACF9B9935}" type="presParOf" srcId="{DACFCA2F-4937-4C1D-8AF7-099855AC7A1C}" destId="{F89469E0-8220-49F1-92C9-A62211E814B4}" srcOrd="0" destOrd="0" presId="urn:microsoft.com/office/officeart/2005/8/layout/cycle3"/>
+    <dgm:cxn modelId="{88E9DAFC-391C-43F0-B4B8-939F5A6FFB7E}" type="presParOf" srcId="{F89469E0-8220-49F1-92C9-A62211E814B4}" destId="{B07B1F7D-0E5D-4540-AAA0-4099083D568C}" srcOrd="0" destOrd="0" presId="urn:microsoft.com/office/officeart/2005/8/layout/cycle3"/>
+    <dgm:cxn modelId="{B49ECEB6-B557-4A79-9A3C-2776751A0021}" type="presParOf" srcId="{F89469E0-8220-49F1-92C9-A62211E814B4}" destId="{FF50DF92-7B59-43B9-804B-22D6A8243605}" srcOrd="1" destOrd="0" presId="urn:microsoft.com/office/officeart/2005/8/layout/cycle3"/>
+    <dgm:cxn modelId="{75788617-1A1E-4333-9385-C2F7EE5C79BF}" type="presParOf" srcId="{F89469E0-8220-49F1-92C9-A62211E814B4}" destId="{7EDACA29-0B4F-4C01-9A13-1D772D834A31}" srcOrd="2" destOrd="0" presId="urn:microsoft.com/office/officeart/2005/8/layout/cycle3"/>
+    <dgm:cxn modelId="{D66CEF47-9567-430F-8C0C-91E1048539DB}" type="presParOf" srcId="{F89469E0-8220-49F1-92C9-A62211E814B4}" destId="{59344374-C296-466F-AEEC-C9D8013B2014}" srcOrd="3" destOrd="0" presId="urn:microsoft.com/office/officeart/2005/8/layout/cycle3"/>
+    <dgm:cxn modelId="{1A99B1FC-F32D-4781-91DA-522BD532AC02}" type="presParOf" srcId="{F89469E0-8220-49F1-92C9-A62211E814B4}" destId="{5C812645-0E86-4550-A4AC-BB45F27D3499}" srcOrd="4" destOrd="0" presId="urn:microsoft.com/office/officeart/2005/8/layout/cycle3"/>
+  </dgm:cxnLst>
+  <dgm:bg/>
+  <dgm:whole/>
+  <dgm:extLst>
+    <a:ext uri="http://schemas.microsoft.com/office/drawing/2008/diagram">
+      <dsp:dataModelExt xmlns:dsp="http://schemas.microsoft.com/office/drawing/2008/diagram" relId="rId6" minVer="http://schemas.openxmlformats.org/drawingml/2006/diagram"/>
+    </a:ext>
+  </dgm:extLst>
+</dgm:dataModel>
+</file>
+
+<file path=ppt/diagrams/drawing1.xml><?xml version="1.0" encoding="utf-8"?>
+<dsp:drawing xmlns:dgm="http://schemas.openxmlformats.org/drawingml/2006/diagram" xmlns:dsp="http://schemas.microsoft.com/office/drawing/2008/diagram" xmlns:a="http://schemas.openxmlformats.org/drawingml/2006/main">
+  <dsp:spTree>
+    <dsp:nvGrpSpPr>
+      <dsp:cNvPr id="0" name=""/>
+      <dsp:cNvGrpSpPr/>
+    </dsp:nvGrpSpPr>
+    <dsp:grpSpPr/>
+    <dsp:sp modelId="{FF50DF92-7B59-43B9-804B-22D6A8243605}">
+      <dsp:nvSpPr>
+        <dsp:cNvPr id="0" name=""/>
+        <dsp:cNvSpPr/>
+      </dsp:nvSpPr>
+      <dsp:spPr>
+        <a:xfrm>
+          <a:off x="1212242" y="127041"/>
+          <a:ext cx="4325068" cy="4325068"/>
+        </a:xfrm>
+        <a:prstGeom prst="circularArrow">
+          <a:avLst>
+            <a:gd name="adj1" fmla="val 4668"/>
+            <a:gd name="adj2" fmla="val 272909"/>
+            <a:gd name="adj3" fmla="val 13595711"/>
+            <a:gd name="adj4" fmla="val 17532567"/>
+            <a:gd name="adj5" fmla="val 4847"/>
+          </a:avLst>
+        </a:prstGeom>
+        <a:solidFill>
+          <a:schemeClr val="accent1">
+            <a:tint val="40000"/>
+            <a:hueOff val="0"/>
+            <a:satOff val="0"/>
+            <a:lumOff val="0"/>
+            <a:alphaOff val="0"/>
+          </a:schemeClr>
+        </a:solidFill>
+        <a:ln>
+          <a:noFill/>
+        </a:ln>
+        <a:effectLst/>
+      </dsp:spPr>
+      <dsp:style>
+        <a:lnRef idx="0">
+          <a:scrgbClr r="0" g="0" b="0"/>
+        </a:lnRef>
+        <a:fillRef idx="1">
+          <a:scrgbClr r="0" g="0" b="0"/>
+        </a:fillRef>
+        <a:effectRef idx="1">
+          <a:scrgbClr r="0" g="0" b="0"/>
+        </a:effectRef>
+        <a:fontRef idx="minor"/>
+      </dsp:style>
+    </dsp:sp>
+    <dsp:sp modelId="{B07B1F7D-0E5D-4540-AAA0-4099083D568C}">
+      <dsp:nvSpPr>
+        <dsp:cNvPr id="0" name=""/>
+        <dsp:cNvSpPr/>
+      </dsp:nvSpPr>
+      <dsp:spPr>
+        <a:xfrm>
+          <a:off x="2237729" y="218626"/>
+          <a:ext cx="2274095" cy="956905"/>
+        </a:xfrm>
+        <a:prstGeom prst="roundRect">
+          <a:avLst/>
+        </a:prstGeom>
+        <a:gradFill rotWithShape="0">
+          <a:gsLst>
+            <a:gs pos="0">
+              <a:schemeClr val="accent1">
+                <a:hueOff val="0"/>
+                <a:satOff val="0"/>
+                <a:lumOff val="0"/>
+                <a:alphaOff val="0"/>
+                <a:tint val="60000"/>
+                <a:satMod val="100000"/>
+                <a:lumMod val="110000"/>
+              </a:schemeClr>
+            </a:gs>
+            <a:gs pos="100000">
+              <a:schemeClr val="accent1">
+                <a:hueOff val="0"/>
+                <a:satOff val="0"/>
+                <a:lumOff val="0"/>
+                <a:alphaOff val="0"/>
+                <a:tint val="70000"/>
+                <a:satMod val="100000"/>
+                <a:lumMod val="100000"/>
+              </a:schemeClr>
+            </a:gs>
+          </a:gsLst>
+          <a:lin ang="5400000" scaled="0"/>
+        </a:gradFill>
+        <a:ln>
+          <a:noFill/>
+        </a:ln>
+        <a:effectLst/>
+        <a:scene3d>
+          <a:camera prst="orthographicFront"/>
+          <a:lightRig rig="flat" dir="t"/>
+        </a:scene3d>
+        <a:sp3d prstMaterial="dkEdge">
+          <a:bevelT w="8200" h="38100"/>
+        </a:sp3d>
+      </dsp:spPr>
+      <dsp:style>
+        <a:lnRef idx="0">
+          <a:scrgbClr r="0" g="0" b="0"/>
+        </a:lnRef>
+        <a:fillRef idx="2">
+          <a:scrgbClr r="0" g="0" b="0"/>
+        </a:fillRef>
+        <a:effectRef idx="1">
+          <a:scrgbClr r="0" g="0" b="0"/>
+        </a:effectRef>
+        <a:fontRef idx="minor">
+          <a:schemeClr val="dk1"/>
+        </a:fontRef>
+      </dsp:style>
+      <dsp:txBody>
+        <a:bodyPr spcFirstLastPara="0" vert="horz" wrap="square" lIns="45720" tIns="45720" rIns="45720" bIns="45720" numCol="1" spcCol="1270" anchor="ctr" anchorCtr="0">
+          <a:noAutofit/>
+        </a:bodyPr>
+        <a:lstStyle/>
+        <a:p>
+          <a:pPr lvl="0" algn="ctr" defTabSz="533400" latinLnBrk="1">
+            <a:lnSpc>
+              <a:spcPct val="90000"/>
+            </a:lnSpc>
+            <a:spcBef>
+              <a:spcPct val="0"/>
+            </a:spcBef>
+            <a:spcAft>
+              <a:spcPct val="35000"/>
+            </a:spcAft>
+          </a:pPr>
+          <a:r>
+            <a:rPr lang="en-US" altLang="ko-KR" sz="1200" b="1" kern="1200" dirty="0" smtClean="0"/>
+            <a:t>1</a:t>
+          </a:r>
+          <a:r>
+            <a:rPr lang="ko-KR" altLang="en-US" sz="1200" b="1" kern="1200" dirty="0" smtClean="0"/>
+            <a:t>단계</a:t>
+          </a:r>
+          <a:r>
+            <a:rPr lang="en-US" altLang="ko-KR" sz="1200" b="1" kern="1200" dirty="0" smtClean="0"/>
+            <a:t/>
+          </a:r>
+          <a:br>
+            <a:rPr lang="en-US" altLang="ko-KR" sz="1200" b="1" kern="1200" dirty="0" smtClean="0"/>
+          </a:br>
+          <a:r>
+            <a:rPr lang="ko-KR" altLang="en-US" sz="1200" b="1" kern="1200" dirty="0" smtClean="0"/>
+            <a:t>배열 선언</a:t>
+          </a:r>
+          <a:endParaRPr lang="ko-KR" altLang="en-US" sz="1200" b="1" kern="1200" dirty="0"/>
+        </a:p>
+      </dsp:txBody>
+      <dsp:txXfrm>
+        <a:off x="2284441" y="265338"/>
+        <a:ext cx="2180671" cy="863481"/>
+      </dsp:txXfrm>
+    </dsp:sp>
+    <dsp:sp modelId="{7EDACA29-0B4F-4C01-9A13-1D772D834A31}">
+      <dsp:nvSpPr>
+        <dsp:cNvPr id="0" name=""/>
+        <dsp:cNvSpPr/>
+      </dsp:nvSpPr>
+      <dsp:spPr>
+        <a:xfrm>
+          <a:off x="3790716" y="1771613"/>
+          <a:ext cx="2274095" cy="956905"/>
+        </a:xfrm>
+        <a:prstGeom prst="roundRect">
+          <a:avLst/>
+        </a:prstGeom>
+        <a:gradFill rotWithShape="0">
+          <a:gsLst>
+            <a:gs pos="0">
+              <a:schemeClr val="accent1">
+                <a:hueOff val="0"/>
+                <a:satOff val="0"/>
+                <a:lumOff val="0"/>
+                <a:alphaOff val="0"/>
+                <a:tint val="60000"/>
+                <a:satMod val="100000"/>
+                <a:lumMod val="110000"/>
+              </a:schemeClr>
+            </a:gs>
+            <a:gs pos="100000">
+              <a:schemeClr val="accent1">
+                <a:hueOff val="0"/>
+                <a:satOff val="0"/>
+                <a:lumOff val="0"/>
+                <a:alphaOff val="0"/>
+                <a:tint val="70000"/>
+                <a:satMod val="100000"/>
+                <a:lumMod val="100000"/>
+              </a:schemeClr>
+            </a:gs>
+          </a:gsLst>
+          <a:lin ang="5400000" scaled="0"/>
+        </a:gradFill>
+        <a:ln>
+          <a:noFill/>
+        </a:ln>
+        <a:effectLst/>
+        <a:scene3d>
+          <a:camera prst="orthographicFront"/>
+          <a:lightRig rig="flat" dir="t"/>
+        </a:scene3d>
+        <a:sp3d prstMaterial="dkEdge">
+          <a:bevelT w="8200" h="38100"/>
+        </a:sp3d>
+      </dsp:spPr>
+      <dsp:style>
+        <a:lnRef idx="0">
+          <a:scrgbClr r="0" g="0" b="0"/>
+        </a:lnRef>
+        <a:fillRef idx="2">
+          <a:scrgbClr r="0" g="0" b="0"/>
+        </a:fillRef>
+        <a:effectRef idx="1">
+          <a:scrgbClr r="0" g="0" b="0"/>
+        </a:effectRef>
+        <a:fontRef idx="minor">
+          <a:schemeClr val="dk1"/>
+        </a:fontRef>
+      </dsp:style>
+      <dsp:txBody>
+        <a:bodyPr spcFirstLastPara="0" vert="horz" wrap="square" lIns="45720" tIns="45720" rIns="45720" bIns="45720" numCol="1" spcCol="1270" anchor="ctr" anchorCtr="0">
+          <a:noAutofit/>
+        </a:bodyPr>
+        <a:lstStyle/>
+        <a:p>
+          <a:pPr lvl="0" algn="ctr" defTabSz="533400" latinLnBrk="1">
+            <a:lnSpc>
+              <a:spcPct val="90000"/>
+            </a:lnSpc>
+            <a:spcBef>
+              <a:spcPct val="0"/>
+            </a:spcBef>
+            <a:spcAft>
+              <a:spcPct val="35000"/>
+            </a:spcAft>
+          </a:pPr>
+          <a:r>
+            <a:rPr lang="en-US" altLang="ko-KR" sz="1200" b="1" kern="1200" dirty="0" smtClean="0"/>
+            <a:t>2</a:t>
+          </a:r>
+          <a:r>
+            <a:rPr lang="ko-KR" altLang="en-US" sz="1200" b="1" kern="1200" dirty="0" smtClean="0"/>
+            <a:t>단계</a:t>
+          </a:r>
+          <a:r>
+            <a:rPr lang="en-US" altLang="ko-KR" sz="1200" b="1" kern="1200" dirty="0" smtClean="0"/>
+            <a:t/>
+          </a:r>
+          <a:br>
+            <a:rPr lang="en-US" altLang="ko-KR" sz="1200" b="1" kern="1200" dirty="0" smtClean="0"/>
+          </a:br>
+          <a:r>
+            <a:rPr lang="ko-KR" altLang="en-US" sz="1200" b="1" kern="1200" dirty="0" smtClean="0"/>
+            <a:t>힙 메모리에 객체 생성</a:t>
+          </a:r>
+          <a:endParaRPr lang="ko-KR" altLang="en-US" sz="1200" b="1" kern="1200" dirty="0"/>
+        </a:p>
+      </dsp:txBody>
+      <dsp:txXfrm>
+        <a:off x="3837428" y="1818325"/>
+        <a:ext cx="2180671" cy="863481"/>
+      </dsp:txXfrm>
+    </dsp:sp>
+    <dsp:sp modelId="{59344374-C296-466F-AEEC-C9D8013B2014}">
+      <dsp:nvSpPr>
+        <dsp:cNvPr id="0" name=""/>
+        <dsp:cNvSpPr/>
+      </dsp:nvSpPr>
+      <dsp:spPr>
+        <a:xfrm>
+          <a:off x="2237729" y="3543226"/>
+          <a:ext cx="2274095" cy="956905"/>
+        </a:xfrm>
+        <a:prstGeom prst="roundRect">
+          <a:avLst/>
+        </a:prstGeom>
+        <a:gradFill rotWithShape="0">
+          <a:gsLst>
+            <a:gs pos="0">
+              <a:schemeClr val="accent1">
+                <a:hueOff val="0"/>
+                <a:satOff val="0"/>
+                <a:lumOff val="0"/>
+                <a:alphaOff val="0"/>
+                <a:tint val="60000"/>
+                <a:satMod val="100000"/>
+                <a:lumMod val="110000"/>
+              </a:schemeClr>
+            </a:gs>
+            <a:gs pos="100000">
+              <a:schemeClr val="accent1">
+                <a:hueOff val="0"/>
+                <a:satOff val="0"/>
+                <a:lumOff val="0"/>
+                <a:alphaOff val="0"/>
+                <a:tint val="70000"/>
+                <a:satMod val="100000"/>
+                <a:lumMod val="100000"/>
+              </a:schemeClr>
+            </a:gs>
+          </a:gsLst>
+          <a:lin ang="5400000" scaled="0"/>
+        </a:gradFill>
+        <a:ln>
+          <a:noFill/>
+        </a:ln>
+        <a:effectLst/>
+        <a:scene3d>
+          <a:camera prst="orthographicFront"/>
+          <a:lightRig rig="flat" dir="t"/>
+        </a:scene3d>
+        <a:sp3d prstMaterial="dkEdge">
+          <a:bevelT w="8200" h="38100"/>
+        </a:sp3d>
+      </dsp:spPr>
+      <dsp:style>
+        <a:lnRef idx="0">
+          <a:scrgbClr r="0" g="0" b="0"/>
+        </a:lnRef>
+        <a:fillRef idx="2">
+          <a:scrgbClr r="0" g="0" b="0"/>
+        </a:fillRef>
+        <a:effectRef idx="1">
+          <a:scrgbClr r="0" g="0" b="0"/>
+        </a:effectRef>
+        <a:fontRef idx="minor">
+          <a:schemeClr val="dk1"/>
+        </a:fontRef>
+      </dsp:style>
+      <dsp:txBody>
+        <a:bodyPr spcFirstLastPara="0" vert="horz" wrap="square" lIns="45720" tIns="45720" rIns="45720" bIns="45720" numCol="1" spcCol="1270" anchor="ctr" anchorCtr="0">
+          <a:noAutofit/>
+        </a:bodyPr>
+        <a:lstStyle/>
+        <a:p>
+          <a:pPr lvl="0" algn="ctr" defTabSz="533400" latinLnBrk="1">
+            <a:lnSpc>
+              <a:spcPct val="90000"/>
+            </a:lnSpc>
+            <a:spcBef>
+              <a:spcPct val="0"/>
+            </a:spcBef>
+            <a:spcAft>
+              <a:spcPct val="35000"/>
+            </a:spcAft>
+          </a:pPr>
+          <a:r>
+            <a:rPr lang="en-US" altLang="ko-KR" sz="1200" b="1" kern="1200" dirty="0" smtClean="0"/>
+            <a:t>3</a:t>
+          </a:r>
+          <a:r>
+            <a:rPr lang="ko-KR" altLang="en-US" sz="1200" b="1" kern="1200" dirty="0" smtClean="0"/>
+            <a:t>단계</a:t>
+          </a:r>
+          <a:r>
+            <a:rPr lang="en-US" altLang="ko-KR" sz="1200" b="1" kern="1200" dirty="0" smtClean="0"/>
+            <a:t/>
+          </a:r>
+          <a:br>
+            <a:rPr lang="en-US" altLang="ko-KR" sz="1200" b="1" kern="1200" dirty="0" smtClean="0"/>
+          </a:br>
+          <a:r>
+            <a:rPr lang="ko-KR" altLang="en-US" sz="1200" b="1" kern="1200" dirty="0" smtClean="0"/>
+            <a:t>배열 자료형 변수에 객체 대입</a:t>
+          </a:r>
+          <a:endParaRPr lang="ko-KR" altLang="en-US" sz="1200" b="1" kern="1200" dirty="0"/>
+        </a:p>
+      </dsp:txBody>
+      <dsp:txXfrm>
+        <a:off x="2284441" y="3589938"/>
+        <a:ext cx="2180671" cy="863481"/>
+      </dsp:txXfrm>
+    </dsp:sp>
+    <dsp:sp modelId="{5C812645-0E86-4550-A4AC-BB45F27D3499}">
+      <dsp:nvSpPr>
+        <dsp:cNvPr id="0" name=""/>
+        <dsp:cNvSpPr/>
+      </dsp:nvSpPr>
+      <dsp:spPr>
+        <a:xfrm>
+          <a:off x="684742" y="1771613"/>
+          <a:ext cx="2274095" cy="956905"/>
+        </a:xfrm>
+        <a:prstGeom prst="roundRect">
+          <a:avLst/>
+        </a:prstGeom>
+        <a:gradFill rotWithShape="0">
+          <a:gsLst>
+            <a:gs pos="0">
+              <a:schemeClr val="accent1">
+                <a:hueOff val="0"/>
+                <a:satOff val="0"/>
+                <a:lumOff val="0"/>
+                <a:alphaOff val="0"/>
+                <a:tint val="60000"/>
+                <a:satMod val="100000"/>
+                <a:lumMod val="110000"/>
+              </a:schemeClr>
+            </a:gs>
+            <a:gs pos="100000">
+              <a:schemeClr val="accent1">
+                <a:hueOff val="0"/>
+                <a:satOff val="0"/>
+                <a:lumOff val="0"/>
+                <a:alphaOff val="0"/>
+                <a:tint val="70000"/>
+                <a:satMod val="100000"/>
+                <a:lumMod val="100000"/>
+              </a:schemeClr>
+            </a:gs>
+          </a:gsLst>
+          <a:lin ang="5400000" scaled="0"/>
+        </a:gradFill>
+        <a:ln>
+          <a:noFill/>
+        </a:ln>
+        <a:effectLst/>
+        <a:scene3d>
+          <a:camera prst="orthographicFront"/>
+          <a:lightRig rig="flat" dir="t"/>
+        </a:scene3d>
+        <a:sp3d prstMaterial="dkEdge">
+          <a:bevelT w="8200" h="38100"/>
+        </a:sp3d>
+      </dsp:spPr>
+      <dsp:style>
+        <a:lnRef idx="0">
+          <a:scrgbClr r="0" g="0" b="0"/>
+        </a:lnRef>
+        <a:fillRef idx="2">
+          <a:scrgbClr r="0" g="0" b="0"/>
+        </a:fillRef>
+        <a:effectRef idx="1">
+          <a:scrgbClr r="0" g="0" b="0"/>
+        </a:effectRef>
+        <a:fontRef idx="minor">
+          <a:schemeClr val="dk1"/>
+        </a:fontRef>
+      </dsp:style>
+      <dsp:txBody>
+        <a:bodyPr spcFirstLastPara="0" vert="horz" wrap="square" lIns="45720" tIns="45720" rIns="45720" bIns="45720" numCol="1" spcCol="1270" anchor="ctr" anchorCtr="0">
+          <a:noAutofit/>
+        </a:bodyPr>
+        <a:lstStyle/>
+        <a:p>
+          <a:pPr lvl="0" algn="ctr" defTabSz="533400" latinLnBrk="1">
+            <a:lnSpc>
+              <a:spcPct val="90000"/>
+            </a:lnSpc>
+            <a:spcBef>
+              <a:spcPct val="0"/>
+            </a:spcBef>
+            <a:spcAft>
+              <a:spcPct val="35000"/>
+            </a:spcAft>
+          </a:pPr>
+          <a:r>
+            <a:rPr lang="en-US" altLang="ko-KR" sz="1200" b="1" kern="1200" dirty="0" smtClean="0"/>
+            <a:t>4</a:t>
+          </a:r>
+          <a:r>
+            <a:rPr lang="ko-KR" altLang="en-US" sz="1200" b="1" kern="1200" dirty="0" smtClean="0"/>
+            <a:t>단계</a:t>
+          </a:r>
+          <a:r>
+            <a:rPr lang="en-US" altLang="ko-KR" sz="1200" b="1" kern="1200" dirty="0" smtClean="0"/>
+            <a:t/>
+          </a:r>
+          <a:br>
+            <a:rPr lang="en-US" altLang="ko-KR" sz="1200" b="1" kern="1200" dirty="0" smtClean="0"/>
+          </a:br>
+          <a:r>
+            <a:rPr lang="ko-KR" altLang="en-US" sz="1200" b="1" kern="1200" dirty="0" smtClean="0"/>
+            <a:t>객체에 값 입력</a:t>
+          </a:r>
+          <a:endParaRPr lang="ko-KR" altLang="en-US" sz="1200" b="1" kern="1200" dirty="0"/>
+        </a:p>
+      </dsp:txBody>
+      <dsp:txXfrm>
+        <a:off x="731454" y="1818325"/>
+        <a:ext cx="2180671" cy="863481"/>
+      </dsp:txXfrm>
+    </dsp:sp>
+  </dsp:spTree>
+</dsp:drawing>
+</file>
+
+<file path=ppt/diagrams/layout1.xml><?xml version="1.0" encoding="utf-8"?>
+<dgm:layoutDef xmlns:dgm="http://schemas.openxmlformats.org/drawingml/2006/diagram" xmlns:a="http://schemas.openxmlformats.org/drawingml/2006/main" uniqueId="urn:microsoft.com/office/officeart/2005/8/layout/cycle3">
+  <dgm:title val=""/>
+  <dgm:desc val=""/>
+  <dgm:catLst>
+    <dgm:cat type="cycle" pri="5000"/>
+  </dgm:catLst>
+  <dgm:sampData>
+    <dgm:dataModel>
+      <dgm:ptLst>
+        <dgm:pt modelId="0" type="doc"/>
+        <dgm:pt modelId="1">
+          <dgm:prSet phldr="1"/>
+        </dgm:pt>
+        <dgm:pt modelId="2">
+          <dgm:prSet phldr="1"/>
+        </dgm:pt>
+        <dgm:pt modelId="3">
+          <dgm:prSet phldr="1"/>
+        </dgm:pt>
+        <dgm:pt modelId="4">
+          <dgm:prSet phldr="1"/>
+        </dgm:pt>
+        <dgm:pt modelId="5">
+          <dgm:prSet phldr="1"/>
+        </dgm:pt>
+      </dgm:ptLst>
+      <dgm:cxnLst>
+        <dgm:cxn modelId="6" srcId="0" destId="1" srcOrd="0" destOrd="0"/>
+        <dgm:cxn modelId="7" srcId="0" destId="2" srcOrd="1" destOrd="0"/>
+        <dgm:cxn modelId="8" srcId="0" destId="3" srcOrd="2" destOrd="0"/>
+        <dgm:cxn modelId="9" srcId="0" destId="4" srcOrd="3" destOrd="0"/>
+        <dgm:cxn modelId="10" srcId="0" destId="5" srcOrd="4" destOrd="0"/>
+      </dgm:cxnLst>
+      <dgm:bg/>
+      <dgm:whole/>
+    </dgm:dataModel>
+  </dgm:sampData>
+  <dgm:styleData>
+    <dgm:dataModel>
+      <dgm:ptLst>
+        <dgm:pt modelId="0" type="doc"/>
+        <dgm:pt modelId="1"/>
+        <dgm:pt modelId="2"/>
+        <dgm:pt modelId="3"/>
+      </dgm:ptLst>
+      <dgm:cxnLst>
+        <dgm:cxn modelId="4" srcId="0" destId="1" srcOrd="0" destOrd="0"/>
+        <dgm:cxn modelId="5" srcId="0" destId="2" srcOrd="1" destOrd="0"/>
+        <dgm:cxn modelId="6" srcId="0" destId="3" srcOrd="2" destOrd="0"/>
+      </dgm:cxnLst>
+      <dgm:bg/>
+      <dgm:whole/>
+    </dgm:dataModel>
+  </dgm:styleData>
+  <dgm:clrData>
+    <dgm:dataModel>
+      <dgm:ptLst>
+        <dgm:pt modelId="0" type="doc"/>
+        <dgm:pt modelId="1"/>
+        <dgm:pt modelId="2"/>
+        <dgm:pt modelId="3"/>
+        <dgm:pt modelId="4"/>
+        <dgm:pt modelId="5"/>
+        <dgm:pt modelId="6"/>
+      </dgm:ptLst>
+      <dgm:cxnLst>
+        <dgm:cxn modelId="7" srcId="0" destId="1" srcOrd="0" destOrd="0"/>
+        <dgm:cxn modelId="8" srcId="0" destId="2" srcOrd="1" destOrd="0"/>
+        <dgm:cxn modelId="9" srcId="0" destId="3" srcOrd="2" destOrd="0"/>
+        <dgm:cxn modelId="10" srcId="0" destId="4" srcOrd="3" destOrd="0"/>
+        <dgm:cxn modelId="11" srcId="0" destId="5" srcOrd="4" destOrd="0"/>
+        <dgm:cxn modelId="12" srcId="0" destId="6" srcOrd="5" destOrd="0"/>
+      </dgm:cxnLst>
+      <dgm:bg/>
+      <dgm:whole/>
+    </dgm:dataModel>
+  </dgm:clrData>
+  <dgm:layoutNode name="Name0">
+    <dgm:varLst>
+      <dgm:dir/>
+      <dgm:resizeHandles val="exact"/>
+    </dgm:varLst>
+    <dgm:choose name="Name1">
+      <dgm:if name="Name2" axis="ch" ptType="node" func="cnt" op="equ" val="2">
+        <dgm:alg type="composite">
+          <dgm:param type="ar" val="0.9"/>
+        </dgm:alg>
+        <dgm:shape xmlns:r="http://schemas.openxmlformats.org/officeDocument/2006/relationships" r:blip="">
+          <dgm:adjLst/>
+        </dgm:shape>
+        <dgm:presOf/>
+        <dgm:constrLst>
+          <dgm:constr type="primFontSz" for="ch" ptType="node" op="equ" val="65"/>
+          <dgm:constr type="ctrX" for="ch" forName="node1" refType="w" fact="0.5"/>
+          <dgm:constr type="t" for="ch" forName="node1"/>
+          <dgm:constr type="w" for="ch" forName="node1" refType="w" fact="0.8"/>
+          <dgm:constr type="h" for="ch" forName="node1" refType="w" refFor="ch" refForName="node1" fact="0.5"/>
+          <dgm:constr type="ctrX" for="ch" forName="sibTrans" refType="w" fact="0.5"/>
+          <dgm:constr type="t" for="ch" forName="sibTrans"/>
+          <dgm:constr type="w" for="ch" forName="sibTrans" refType="w" fact="0.8"/>
+          <dgm:constr type="h" for="ch" forName="sibTrans" refType="w" refFor="ch" refForName="node1" fact="0.5"/>
+          <dgm:constr type="userA" for="ch" forName="sibTrans" refType="w" fact="1.07"/>
+          <dgm:constr type="ctrX" for="ch" forName="node2" refType="w" fact="0.5"/>
+          <dgm:constr type="b" for="ch" forName="node2" refType="h"/>
+          <dgm:constr type="w" for="ch" forName="node2" refType="w" fact="0.8"/>
+          <dgm:constr type="h" for="ch" forName="node2" refType="w" refFor="ch" refForName="node1" fact="0.5"/>
+          <dgm:constr type="l" for="ch" forName="sp1"/>
+          <dgm:constr type="t" for="ch" forName="sp1" refType="h" fact="0.5"/>
+          <dgm:constr type="w" for="ch" forName="sp1" val="1"/>
+          <dgm:constr type="h" for="ch" forName="sp1" val="1"/>
+          <dgm:constr type="r" for="ch" forName="sp2" refType="w"/>
+          <dgm:constr type="t" for="ch" forName="sp2" refType="h" fact="0.5"/>
+          <dgm:constr type="w" for="ch" forName="sp2" val="1"/>
+          <dgm:constr type="h" for="ch" forName="sp2" val="1"/>
+        </dgm:constrLst>
+        <dgm:ruleLst/>
+      </dgm:if>
+      <dgm:else name="Name3">
+        <dgm:alg type="composite"/>
+        <dgm:shape xmlns:r="http://schemas.openxmlformats.org/officeDocument/2006/relationships" r:blip="">
+          <dgm:adjLst/>
+        </dgm:shape>
+        <dgm:presOf/>
+        <dgm:constrLst>
+          <dgm:constr type="primFontSz" for="ch" ptType="node" op="equ" val="65"/>
+        </dgm:constrLst>
+        <dgm:ruleLst/>
+      </dgm:else>
+    </dgm:choose>
+    <dgm:choose name="Name4">
+      <dgm:if name="Name5" axis="ch" ptType="node" func="cnt" op="equ" val="2">
+        <dgm:layoutNode name="node1">
+          <dgm:varLst>
+            <dgm:bulletEnabled val="1"/>
+          </dgm:varLst>
+          <dgm:alg type="tx"/>
+          <dgm:shape xmlns:r="http://schemas.openxmlformats.org/officeDocument/2006/relationships" type="roundRect" r:blip="">
+            <dgm:adjLst/>
+          </dgm:shape>
+          <dgm:presOf axis="ch desOrSelf" ptType="node node" st="1 1" cnt="1 0"/>
+          <dgm:constrLst>
+            <dgm:constr type="tMarg" refType="primFontSz" fact="0.3"/>
+            <dgm:constr type="bMarg" refType="primFontSz" fact="0.3"/>
+            <dgm:constr type="lMarg" refType="primFontSz" fact="0.3"/>
+            <dgm:constr type="rMarg" refType="primFontSz" fact="0.3"/>
+          </dgm:constrLst>
+          <dgm:ruleLst>
+            <dgm:rule type="primFontSz" val="5" fact="NaN" max="NaN"/>
+          </dgm:ruleLst>
+        </dgm:layoutNode>
+        <dgm:layoutNode name="sibTrans" styleLbl="bgShp">
+          <dgm:choose name="Name6">
+            <dgm:if name="Name7" func="var" arg="dir" op="equ" val="norm">
+              <dgm:alg type="conn">
+                <dgm:param type="connRout" val="longCurve"/>
+                <dgm:param type="begPts" val="midR"/>
+                <dgm:param type="endPts" val="midL"/>
+                <dgm:param type="dstNode" val="node1"/>
+              </dgm:alg>
+              <dgm:shape xmlns:r="http://schemas.openxmlformats.org/officeDocument/2006/relationships" type="conn" r:blip="" zOrderOff="-2">
+                <dgm:adjLst/>
+              </dgm:shape>
+              <dgm:presOf axis="ch" ptType="sibTrans"/>
+              <dgm:constrLst>
+                <dgm:constr type="userA"/>
+                <dgm:constr type="diam" refType="userA" fact="-1"/>
+                <dgm:constr type="wArH" refType="userA" fact="0.05"/>
+                <dgm:constr type="hArH" refType="userA" fact="0.1"/>
+                <dgm:constr type="stemThick" refType="userA" fact="0.06"/>
+                <dgm:constr type="begPad" refType="connDist" fact="-0.2"/>
+                <dgm:constr type="endPad" refType="connDist" fact="0.05"/>
+              </dgm:constrLst>
+            </dgm:if>
+            <dgm:else name="Name8">
+              <dgm:alg type="conn">
+                <dgm:param type="connRout" val="longCurve"/>
+                <dgm:param type="begPts" val="midL"/>
+                <dgm:param type="endPts" val="midR"/>
+                <dgm:param type="dstNode" val="node1"/>
+              </dgm:alg>
+              <dgm:shape xmlns:r="http://schemas.openxmlformats.org/officeDocument/2006/relationships" type="conn" r:blip="" zOrderOff="-2">
+                <dgm:adjLst/>
+              </dgm:shape>
+              <dgm:presOf axis="ch" ptType="sibTrans"/>
+              <dgm:constrLst>
+                <dgm:constr type="userA"/>
+                <dgm:constr type="diam" refType="userA"/>
+                <dgm:constr type="wArH" refType="userA" fact="0.05"/>
+                <dgm:constr type="hArH" refType="userA" fact="0.1"/>
+                <dgm:constr type="stemThick" refType="userA" fact="0.06"/>
+                <dgm:constr type="begPad" refType="connDist" fact="-0.2"/>
+                <dgm:constr type="endPad" refType="connDist" fact="0.05"/>
+              </dgm:constrLst>
+            </dgm:else>
+          </dgm:choose>
+          <dgm:ruleLst/>
+        </dgm:layoutNode>
+        <dgm:layoutNode name="node2">
+          <dgm:varLst>
+            <dgm:bulletEnabled val="1"/>
+          </dgm:varLst>
+          <dgm:alg type="tx"/>
+          <dgm:shape xmlns:r="http://schemas.openxmlformats.org/officeDocument/2006/relationships" type="roundRect" r:blip="">
+            <dgm:adjLst/>
+          </dgm:shape>
+          <dgm:presOf axis="ch desOrSelf" ptType="node node" st="2 1" cnt="1 0"/>
+          <dgm:constrLst>
+            <dgm:constr type="tMarg" refType="primFontSz" fact="0.3"/>
+            <dgm:constr type="bMarg" refType="primFontSz" fact="0.3"/>
+            <dgm:constr type="lMarg" refType="primFontSz" fact="0.3"/>
+            <dgm:constr type="rMarg" refType="primFontSz" fact="0.3"/>
+          </dgm:constrLst>
+          <dgm:ruleLst>
+            <dgm:rule type="primFontSz" val="5" fact="NaN" max="NaN"/>
+          </dgm:ruleLst>
+        </dgm:layoutNode>
+        <dgm:layoutNode name="sp1">
+          <dgm:alg type="sp"/>
+          <dgm:shape xmlns:r="http://schemas.openxmlformats.org/officeDocument/2006/relationships" r:blip="">
+            <dgm:adjLst/>
+          </dgm:shape>
+          <dgm:presOf/>
+          <dgm:constrLst/>
+          <dgm:ruleLst/>
+        </dgm:layoutNode>
+        <dgm:layoutNode name="sp2">
+          <dgm:alg type="sp"/>
+          <dgm:shape xmlns:r="http://schemas.openxmlformats.org/officeDocument/2006/relationships" r:blip="">
+            <dgm:adjLst/>
+          </dgm:shape>
+          <dgm:presOf/>
+          <dgm:constrLst/>
+          <dgm:ruleLst/>
+        </dgm:layoutNode>
+      </dgm:if>
+      <dgm:else name="Name9">
+        <dgm:layoutNode name="cycle">
+          <dgm:choose name="Name10">
+            <dgm:if name="Name11" func="var" arg="dir" op="equ" val="norm">
+              <dgm:alg type="cycle">
+                <dgm:param type="stAng" val="0"/>
+                <dgm:param type="spanAng" val="360"/>
+              </dgm:alg>
+              <dgm:shape xmlns:r="http://schemas.openxmlformats.org/officeDocument/2006/relationships" r:blip="">
+                <dgm:adjLst/>
+              </dgm:shape>
+              <dgm:presOf/>
+              <dgm:constrLst>
+                <dgm:constr type="diam" refType="w"/>
+                <dgm:constr type="w" for="ch" ptType="node" refType="w"/>
+                <dgm:constr type="sibSp" val="15"/>
+                <dgm:constr type="userA" for="ch" ptType="sibTrans" refType="diam" op="equ" fact="-1"/>
+                <dgm:constr type="wArH" for="ch" ptType="sibTrans" refType="diam" op="equ" fact="0.05"/>
+                <dgm:constr type="hArH" for="ch" ptType="sibTrans" refType="diam" op="equ" fact="0.1"/>
+                <dgm:constr type="stemThick" for="ch" ptType="sibTrans" refType="diam" op="equ" fact="0.065"/>
+                <dgm:constr type="primFontSz" for="ch" ptType="node" op="equ"/>
+              </dgm:constrLst>
+            </dgm:if>
+            <dgm:else name="Name12">
+              <dgm:alg type="cycle">
+                <dgm:param type="stAng" val="0"/>
+                <dgm:param type="spanAng" val="-360"/>
+              </dgm:alg>
+              <dgm:shape xmlns:r="http://schemas.openxmlformats.org/officeDocument/2006/relationships" r:blip="">
+                <dgm:adjLst/>
+              </dgm:shape>
+              <dgm:presOf/>
+              <dgm:constrLst>
+                <dgm:constr type="diam" refType="w"/>
+                <dgm:constr type="w" for="ch" ptType="node" refType="w"/>
+                <dgm:constr type="sibSp" val="15"/>
+                <dgm:constr type="userA" for="ch" ptType="sibTrans" refType="diam" op="equ"/>
+                <dgm:constr type="wArH" for="ch" ptType="sibTrans" refType="diam" op="equ" fact="0.05"/>
+                <dgm:constr type="hArH" for="ch" ptType="sibTrans" refType="diam" op="equ" fact="0.1"/>
+                <dgm:constr type="stemThick" for="ch" ptType="sibTrans" refType="diam" op="equ" fact="0.065"/>
+                <dgm:constr type="primFontSz" for="ch" ptType="node" op="equ"/>
+              </dgm:constrLst>
+            </dgm:else>
+          </dgm:choose>
+          <dgm:ruleLst/>
+          <dgm:forEach name="nodesFirstNodeForEach" axis="ch" ptType="node" cnt="1">
+            <dgm:layoutNode name="nodeFirstNode">
+              <dgm:varLst>
+                <dgm:bulletEnabled val="1"/>
+              </dgm:varLst>
+              <dgm:alg type="tx"/>
+              <dgm:shape xmlns:r="http://schemas.openxmlformats.org/officeDocument/2006/relationships" type="roundRect" r:blip="">
+                <dgm:adjLst/>
+              </dgm:shape>
+              <dgm:presOf axis="desOrSelf" ptType="node"/>
+              <dgm:constrLst>
+                <dgm:constr type="h" refType="w" fact="0.5"/>
+                <dgm:constr type="primFontSz" val="65"/>
+                <dgm:constr type="tMarg" refType="primFontSz" fact="0.3"/>
+                <dgm:constr type="bMarg" refType="primFontSz" fact="0.3"/>
+                <dgm:constr type="lMarg" refType="primFontSz" fact="0.3"/>
+                <dgm:constr type="rMarg" refType="primFontSz" fact="0.3"/>
+              </dgm:constrLst>
+              <dgm:ruleLst>
+                <dgm:rule type="primFontSz" val="5" fact="NaN" max="NaN"/>
+              </dgm:ruleLst>
+            </dgm:layoutNode>
+            <dgm:forEach name="sibTransForEach" axis="followSib" ptType="sibTrans" cnt="1">
+              <dgm:layoutNode name="sibTransFirstNode" styleLbl="bgShp">
+                <dgm:choose name="Name13">
+                  <dgm:if name="Name14" func="var" arg="dir" op="equ" val="norm">
+                    <dgm:alg type="conn">
+                      <dgm:param type="connRout" val="longCurve"/>
+                      <dgm:param type="begPts" val="midR"/>
+                      <dgm:param type="endPts" val="midL"/>
+                      <dgm:param type="dstNode" val="nodeFirstNode"/>
+                    </dgm:alg>
+                  </dgm:if>
+                  <dgm:else name="Name15">
+                    <dgm:alg type="conn">
+                      <dgm:param type="connRout" val="longCurve"/>
+                      <dgm:param type="begPts" val="midL"/>
+                      <dgm:param type="endPts" val="midR"/>
+                      <dgm:param type="dstNode" val="nodeFirstNode"/>
+                    </dgm:alg>
+                  </dgm:else>
+                </dgm:choose>
+                <dgm:shape xmlns:r="http://schemas.openxmlformats.org/officeDocument/2006/relationships" type="conn" r:blip="" zOrderOff="-2">
+                  <dgm:adjLst/>
+                </dgm:shape>
+                <dgm:presOf axis="self"/>
+                <dgm:choose name="Name16">
+                  <dgm:if name="Name17" axis="par ch" ptType="doc node" func="cnt" op="equ" val="3">
+                    <dgm:constrLst>
+                      <dgm:constr type="userA"/>
+                      <dgm:constr type="diam" refType="userA" fact="1.01"/>
+                      <dgm:constr type="begPad" refType="connDist" fact="-0.2"/>
+                      <dgm:constr type="endPad" refType="connDist" fact="0.05"/>
+                    </dgm:constrLst>
+                  </dgm:if>
+                  <dgm:if name="Name18" axis="par ch" ptType="doc node" func="cnt" op="equ" val="4">
+                    <dgm:constrLst>
+                      <dgm:constr type="userA"/>
+                      <dgm:constr type="diam" refType="userA" fact="1.26"/>
+                      <dgm:constr type="begPad" refType="connDist" fact="-0.2"/>
+                      <dgm:constr type="endPad" refType="connDist" fact="0.05"/>
+                    </dgm:constrLst>
+                  </dgm:if>
+                  <dgm:if name="Name19" axis="par ch" ptType="doc node" func="cnt" op="equ" val="5">
+                    <dgm:constrLst>
+                      <dgm:constr type="userA"/>
+                      <dgm:constr type="diam" refType="userA" fact="1.04"/>
+                      <dgm:constr type="begPad" refType="connDist" fact="-0.2"/>
+                      <dgm:constr type="endPad" refType="connDist" fact="0.05"/>
+                    </dgm:constrLst>
+                  </dgm:if>
+                  <dgm:if name="Name20" axis="par ch" ptType="doc node" func="cnt" op="equ" val="6">
+                    <dgm:constrLst>
+                      <dgm:constr type="userA"/>
+                      <dgm:constr type="diam" refType="userA" fact="1.1"/>
+                      <dgm:constr type="begPad" refType="connDist" fact="-0.2"/>
+                      <dgm:constr type="endPad" refType="connDist" fact="0.05"/>
+                    </dgm:constrLst>
+                  </dgm:if>
+                  <dgm:else name="Name21">
+                    <dgm:constrLst>
+                      <dgm:constr type="userA"/>
+                      <dgm:constr type="diam" refType="userA" fact="1.04"/>
+                      <dgm:constr type="begPad" refType="connDist" fact="-0.2"/>
+                      <dgm:constr type="endPad" refType="connDist" fact="0.05"/>
+                    </dgm:constrLst>
+                  </dgm:else>
+                </dgm:choose>
+                <dgm:ruleLst/>
+              </dgm:layoutNode>
+            </dgm:forEach>
+          </dgm:forEach>
+          <dgm:forEach name="followingNodesForEach" axis="ch" ptType="node" st="2">
+            <dgm:layoutNode name="nodeFollowingNodes">
+              <dgm:varLst>
+                <dgm:bulletEnabled val="1"/>
+              </dgm:varLst>
+              <dgm:alg type="tx"/>
+              <dgm:shape xmlns:r="http://schemas.openxmlformats.org/officeDocument/2006/relationships" type="roundRect" r:blip="">
+                <dgm:adjLst/>
+              </dgm:shape>
+              <dgm:presOf axis="desOrSelf" ptType="node"/>
+              <dgm:constrLst>
+                <dgm:constr type="h" refType="w" fact="0.5"/>
+                <dgm:constr type="primFontSz" val="65"/>
+                <dgm:constr type="tMarg" refType="primFontSz" fact="0.3"/>
+                <dgm:constr type="bMarg" refType="primFontSz" fact="0.3"/>
+                <dgm:constr type="lMarg" refType="primFontSz" fact="0.3"/>
+                <dgm:constr type="rMarg" refType="primFontSz" fact="0.3"/>
+              </dgm:constrLst>
+              <dgm:ruleLst>
+                <dgm:rule type="primFontSz" val="5" fact="NaN" max="NaN"/>
+              </dgm:ruleLst>
+            </dgm:layoutNode>
+          </dgm:forEach>
+        </dgm:layoutNode>
+      </dgm:else>
+    </dgm:choose>
+  </dgm:layoutNode>
+</dgm:layoutDef>
+</file>
+
+<file path=ppt/diagrams/quickStyle1.xml><?xml version="1.0" encoding="utf-8"?>
+<dgm:styleDef xmlns:dgm="http://schemas.openxmlformats.org/drawingml/2006/diagram" xmlns:a="http://schemas.openxmlformats.org/drawingml/2006/main" uniqueId="urn:microsoft.com/office/officeart/2005/8/quickstyle/simple3">
+  <dgm:title val=""/>
+  <dgm:desc val=""/>
+  <dgm:catLst>
+    <dgm:cat type="simple" pri="10300"/>
+  </dgm:catLst>
+  <dgm:scene3d>
+    <a:camera prst="orthographicFront"/>
+    <a:lightRig rig="threePt" dir="t"/>
+  </dgm:scene3d>
+  <dgm:styleLbl name="node0">
+    <dgm:scene3d>
+      <a:camera prst="orthographicFront"/>
+      <a:lightRig rig="flat" dir="t"/>
+    </dgm:scene3d>
+    <dgm:sp3d prstMaterial="dkEdge">
+      <a:bevelT w="8200" h="38100"/>
+    </dgm:sp3d>
+    <dgm:txPr/>
+    <dgm:style>
+      <a:lnRef idx="0">
+        <a:scrgbClr r="0" g="0" b="0"/>
+      </a:lnRef>
+      <a:fillRef idx="2">
+        <a:scrgbClr r="0" g="0" b="0"/>
+      </a:fillRef>
+      <a:effectRef idx="1">
+        <a:scrgbClr r="0" g="0" b="0"/>
+      </a:effectRef>
+      <a:fontRef idx="minor">
+        <a:schemeClr val="dk1"/>
+      </a:fontRef>
+    </dgm:style>
+  </dgm:styleLbl>
+  <dgm:styleLbl name="lnNode1">
+    <dgm:scene3d>
+      <a:camera prst="orthographicFront"/>
+      <a:lightRig rig="flat" dir="t"/>
+    </dgm:scene3d>
+    <dgm:sp3d prstMaterial="dkEdge">
+      <a:bevelT w="8200" h="38100"/>
+    </dgm:sp3d>
+    <dgm:txPr/>
+    <dgm:style>
+      <a:lnRef idx="1">
+        <a:scrgbClr r="0" g="0" b="0"/>
+      </a:lnRef>
+      <a:fillRef idx="2">
+        <a:scrgbClr r="0" g="0" b="0"/>
+      </a:fillRef>
+      <a:effectRef idx="0">
+        <a:scrgbClr r="0" g="0" b="0"/>
+      </a:effectRef>
+      <a:fontRef idx="minor">
+        <a:schemeClr val="dk1"/>
+      </a:fontRef>
+    </dgm:style>
+  </dgm:styleLbl>
+  <dgm:styleLbl name="vennNode1">
+    <dgm:scene3d>
+      <a:camera prst="orthographicFront"/>
+      <a:lightRig rig="flat" dir="t"/>
+    </dgm:scene3d>
+    <dgm:sp3d prstMaterial="dkEdge">
+      <a:bevelT w="8200" h="38100"/>
+    </dgm:sp3d>
+    <dgm:txPr/>
+    <dgm:style>
+      <a:lnRef idx="0">
+        <a:scrgbClr r="0" g="0" b="0"/>
+      </a:lnRef>
+      <a:fillRef idx="2">
+        <a:scrgbClr r="0" g="0" b="0"/>
+      </a:fillRef>
+      <a:effectRef idx="0">
+        <a:scrgbClr r="0" g="0" b="0"/>
+      </a:effectRef>
+      <a:fontRef idx="minor">
+        <a:schemeClr val="tx1"/>
+      </a:fontRef>
+    </dgm:style>
+  </dgm:styleLbl>
+  <dgm:styleLbl name="alignNode1">
+    <dgm:scene3d>
+      <a:camera prst="orthographicFront"/>
+      <a:lightRig rig="threePt" dir="t"/>
+    </dgm:scene3d>
+    <dgm:sp3d/>
+    <dgm:txPr/>
+    <dgm:style>
+      <a:lnRef idx="1">
+        <a:scrgbClr r="0" g="0" b="0"/>
+      </a:lnRef>
+      <a:fillRef idx="2">
+        <a:scrgbClr r="0" g="0" b="0"/>
+      </a:fillRef>
+      <a:effectRef idx="1">
+        <a:scrgbClr r="0" g="0" b="0"/>
+      </a:effectRef>
+      <a:fontRef idx="minor">
+        <a:schemeClr val="dk1"/>
+      </a:fontRef>
+    </dgm:style>
+  </dgm:styleLbl>
+  <dgm:styleLbl name="node1">
+    <dgm:scene3d>
+      <a:camera prst="orthographicFront"/>
+      <a:lightRig rig="flat" dir="t"/>
+    </dgm:scene3d>
+    <dgm:sp3d prstMaterial="dkEdge">
+      <a:bevelT w="8200" h="38100"/>
+    </dgm:sp3d>
+    <dgm:txPr/>
+    <dgm:style>
+      <a:lnRef idx="0">
+        <a:scrgbClr r="0" g="0" b="0"/>
+      </a:lnRef>
+      <a:fillRef idx="2">
+        <a:scrgbClr r="0" g="0" b="0"/>
+      </a:fillRef>
+      <a:effectRef idx="1">
+        <a:scrgbClr r="0" g="0" b="0"/>
+      </a:effectRef>
+      <a:fontRef idx="minor">
+        <a:schemeClr val="dk1"/>
+      </a:fontRef>
+    </dgm:style>
+  </dgm:styleLbl>
+  <dgm:styleLbl name="node2">
+    <dgm:scene3d>
+      <a:camera prst="orthographicFront"/>
+      <a:lightRig rig="flat" dir="t"/>
+    </dgm:scene3d>
+    <dgm:sp3d prstMaterial="dkEdge">
+      <a:bevelT w="8200" h="38100"/>
+    </dgm:sp3d>
+    <dgm:txPr/>
+    <dgm:style>
+      <a:lnRef idx="0">
+        <a:scrgbClr r="0" g="0" b="0"/>
+      </a:lnRef>
+      <a:fillRef idx="2">
+        <a:scrgbClr r="0" g="0" b="0"/>
+      </a:fillRef>
+      <a:effectRef idx="1">
+        <a:scrgbClr r="0" g="0" b="0"/>
+      </a:effectRef>
+      <a:fontRef idx="minor">
+        <a:schemeClr val="dk1"/>
+      </a:fontRef>
+    </dgm:style>
+  </dgm:styleLbl>
+  <dgm:styleLbl name="node3">
+    <dgm:scene3d>
+      <a:camera prst="orthographicFront"/>
+      <a:lightRig rig="flat" dir="t"/>
+    </dgm:scene3d>
+    <dgm:sp3d prstMaterial="dkEdge">
+      <a:bevelT w="8200" h="38100"/>
+    </dgm:sp3d>
+    <dgm:txPr/>
+    <dgm:style>
+      <a:lnRef idx="0">
+        <a:scrgbClr r="0" g="0" b="0"/>
+      </a:lnRef>
+      <a:fillRef idx="2">
+        <a:scrgbClr r="0" g="0" b="0"/>
+      </a:fillRef>
+      <a:effectRef idx="1">
+        <a:scrgbClr r="0" g="0" b="0"/>
+      </a:effectRef>
+      <a:fontRef idx="minor">
+        <a:schemeClr val="dk1"/>
+      </a:fontRef>
+    </dgm:style>
+  </dgm:styleLbl>
+  <dgm:styleLbl name="node4">
+    <dgm:scene3d>
+      <a:camera prst="orthographicFront"/>
+      <a:lightRig rig="flat" dir="t"/>
+    </dgm:scene3d>
+    <dgm:sp3d prstMaterial="dkEdge">
+      <a:bevelT w="8200" h="38100"/>
+    </dgm:sp3d>
+    <dgm:txPr/>
+    <dgm:style>
+      <a:lnRef idx="0">
+        <a:scrgbClr r="0" g="0" b="0"/>
+      </a:lnRef>
+      <a:fillRef idx="2">
+        <a:scrgbClr r="0" g="0" b="0"/>
+      </a:fillRef>
+      <a:effectRef idx="1">
+        <a:scrgbClr r="0" g="0" b="0"/>
+      </a:effectRef>
+      <a:fontRef idx="minor">
+        <a:schemeClr val="dk1"/>
+      </a:fontRef>
+    </dgm:style>
+  </dgm:styleLbl>
+  <dgm:styleLbl name="fgImgPlace1">
+    <dgm:scene3d>
+      <a:camera prst="orthographicFront"/>
+      <a:lightRig rig="threePt" dir="t"/>
+    </dgm:scene3d>
+    <dgm:sp3d/>
+    <dgm:txPr/>
+    <dgm:style>
+      <a:lnRef idx="1">
+        <a:scrgbClr r="0" g="0" b="0"/>
+      </a:lnRef>
+      <a:fillRef idx="1">
+        <a:scrgbClr r="0" g="0" b="0"/>
+      </a:fillRef>
+      <a:effectRef idx="1">
+        <a:scrgbClr r="0" g="0" b="0"/>
+      </a:effectRef>
+      <a:fontRef idx="minor"/>
+    </dgm:style>
+  </dgm:styleLbl>
+  <dgm:styleLbl name="alignImgPlace1">
+    <dgm:scene3d>
+      <a:camera prst="orthographicFront"/>
+      <a:lightRig rig="threePt" dir="t"/>
+    </dgm:scene3d>
+    <dgm:sp3d/>
+    <dgm:txPr/>
+    <dgm:style>
+      <a:lnRef idx="1">
+        <a:scrgbClr r="0" g="0" b="0"/>
+      </a:lnRef>
+      <a:fillRef idx="1">
+        <a:scrgbClr r="0" g="0" b="0"/>
+      </a:fillRef>
+      <a:effectRef idx="1">
+        <a:scrgbClr r="0" g="0" b="0"/>
+      </a:effectRef>
+      <a:fontRef idx="minor"/>
+    </dgm:style>
+  </dgm:styleLbl>
+  <dgm:styleLbl name="bgImgPlace1">
+    <dgm:scene3d>
+      <a:camera prst="orthographicFront"/>
+      <a:lightRig rig="threePt" dir="t"/>
+    </dgm:scene3d>
+    <dgm:sp3d/>
+    <dgm:txPr/>
+    <dgm:style>
+      <a:lnRef idx="1">
+        <a:scrgbClr r="0" g="0" b="0"/>
+      </a:lnRef>
+      <a:fillRef idx="1">
+        <a:scrgbClr r="0" g="0" b="0"/>
+      </a:fillRef>
+      <a:effectRef idx="1">
+        <a:scrgbClr r="0" g="0" b="0"/>
+      </a:effectRef>
+      <a:fontRef idx="minor"/>
+    </dgm:style>
+  </dgm:styleLbl>
+  <dgm:styleLbl name="sibTrans2D1">
+    <dgm:scene3d>
+      <a:camera prst="orthographicFront"/>
+      <a:lightRig rig="threePt" dir="t"/>
+    </dgm:scene3d>
+    <dgm:sp3d/>
+    <dgm:txPr/>
+    <dgm:style>
+      <a:lnRef idx="0">
+        <a:scrgbClr r="0" g="0" b="0"/>
+      </a:lnRef>
+      <a:fillRef idx="2">
+        <a:scrgbClr r="0" g="0" b="0"/>
+      </a:fillRef>
+      <a:effectRef idx="1">
+        <a:scrgbClr r="0" g="0" b="0"/>
+      </a:effectRef>
+      <a:fontRef idx="minor">
+        <a:schemeClr val="dk1"/>
+      </a:fontRef>
+    </dgm:style>
+  </dgm:styleLbl>
+  <dgm:styleLbl name="fgSibTrans2D1">
+    <dgm:scene3d>
+      <a:camera prst="orthographicFront"/>
+      <a:lightRig rig="threePt" dir="t"/>
+    </dgm:scene3d>
+    <dgm:sp3d/>
+    <dgm:txPr/>
+    <dgm:style>
+      <a:lnRef idx="0">
+        <a:scrgbClr r="0" g="0" b="0"/>
+      </a:lnRef>
+      <a:fillRef idx="2">
+        <a:scrgbClr r="0" g="0" b="0"/>
+      </a:fillRef>
+      <a:effectRef idx="1">
+        <a:scrgbClr r="0" g="0" b="0"/>
+      </a:effectRef>
+      <a:fontRef idx="minor">
+        <a:schemeClr val="dk1"/>
+      </a:fontRef>
+    </dgm:style>
+  </dgm:styleLbl>
+  <dgm:styleLbl name="bgSibTrans2D1">
+    <dgm:scene3d>
+      <a:camera prst="orthographicFront"/>
+      <a:lightRig rig="threePt" dir="t"/>
+    </dgm:scene3d>
+    <dgm:sp3d/>
+    <dgm:txPr/>
+    <dgm:style>
+      <a:lnRef idx="0">
+        <a:scrgbClr r="0" g="0" b="0"/>
+      </a:lnRef>
+      <a:fillRef idx="2">
+        <a:scrgbClr r="0" g="0" b="0"/>
+      </a:fillRef>
+      <a:effectRef idx="1">
+        <a:scrgbClr r="0" g="0" b="0"/>
+      </a:effectRef>
+      <a:fontRef idx="minor">
+        <a:schemeClr val="dk1"/>
+      </a:fontRef>
+    </dgm:style>
+  </dgm:styleLbl>
+  <dgm:styleLbl name="sibTrans1D1">
+    <dgm:scene3d>
+      <a:camera prst="orthographicFront"/>
+      <a:lightRig rig="threePt" dir="t"/>
+    </dgm:scene3d>
+    <dgm:sp3d/>
+    <dgm:txPr/>
+    <dgm:style>
+      <a:lnRef idx="1">
+        <a:scrgbClr r="0" g="0" b="0"/>
+      </a:lnRef>
+      <a:fillRef idx="0">
+        <a:scrgbClr r="0" g="0" b="0"/>
+      </a:fillRef>
+      <a:effectRef idx="0">
+        <a:scrgbClr r="0" g="0" b="0"/>
+      </a:effectRef>
+      <a:fontRef idx="minor"/>
+    </dgm:style>
+  </dgm:styleLbl>
+  <dgm:styleLbl name="callout">
+    <dgm:scene3d>
+      <a:camera prst="orthographicFront"/>
+      <a:lightRig rig="threePt" dir="t"/>
+    </dgm:scene3d>
+    <dgm:sp3d/>
+    <dgm:txPr/>
+    <dgm:style>
+      <a:lnRef idx="1">
+        <a:scrgbClr r="0" g="0" b="0"/>
+      </a:lnRef>
+      <a:fillRef idx="2">
+        <a:scrgbClr r="0" g="0" b="0"/>
+      </a:fillRef>
+      <a:effectRef idx="1">
+        <a:scrgbClr r="0" g="0" b="0"/>
+      </a:effectRef>
+      <a:fontRef idx="minor"/>
+    </dgm:style>
+  </dgm:styleLbl>
+  <dgm:styleLbl name="asst0">
+    <dgm:scene3d>
+      <a:camera prst="orthographicFront"/>
+      <a:lightRig rig="flat" dir="t"/>
+    </dgm:scene3d>
+    <dgm:sp3d prstMaterial="dkEdge">
+      <a:bevelT w="8200" h="38100"/>
+    </dgm:sp3d>
+    <dgm:txPr/>
+    <dgm:style>
+      <a:lnRef idx="0">
+        <a:scrgbClr r="0" g="0" b="0"/>
+      </a:lnRef>
+      <a:fillRef idx="2">
+        <a:scrgbClr r="0" g="0" b="0"/>
+      </a:fillRef>
+      <a:effectRef idx="1">
+        <a:scrgbClr r="0" g="0" b="0"/>
+      </a:effectRef>
+      <a:fontRef idx="minor">
+        <a:schemeClr val="dk1"/>
+      </a:fontRef>
+    </dgm:style>
+  </dgm:styleLbl>
+  <dgm:styleLbl name="asst1">
+    <dgm:scene3d>
+      <a:camera prst="orthographicFront"/>
+      <a:lightRig rig="flat" dir="t"/>
+    </dgm:scene3d>
+    <dgm:sp3d prstMaterial="dkEdge">
+      <a:bevelT w="8200" h="38100"/>
+    </dgm:sp3d>
+    <dgm:txPr/>
+    <dgm:style>
+      <a:lnRef idx="0">
+        <a:scrgbClr r="0" g="0" b="0"/>
+      </a:lnRef>
+      <a:fillRef idx="2">
+        <a:scrgbClr r="0" g="0" b="0"/>
+      </a:fillRef>
+      <a:effectRef idx="1">
+        <a:scrgbClr r="0" g="0" b="0"/>
+      </a:effectRef>
+      <a:fontRef idx="minor">
+        <a:schemeClr val="dk1"/>
+      </a:fontRef>
+    </dgm:style>
+  </dgm:styleLbl>
+  <dgm:styleLbl name="asst2">
+    <dgm:scene3d>
+      <a:camera prst="orthographicFront"/>
+      <a:lightRig rig="flat" dir="t"/>
+    </dgm:scene3d>
+    <dgm:sp3d prstMaterial="dkEdge">
+      <a:bevelT w="8200" h="38100"/>
+    </dgm:sp3d>
+    <dgm:txPr/>
+    <dgm:style>
+      <a:lnRef idx="0">
+        <a:scrgbClr r="0" g="0" b="0"/>
+      </a:lnRef>
+      <a:fillRef idx="2">
+        <a:scrgbClr r="0" g="0" b="0"/>
+      </a:fillRef>
+      <a:effectRef idx="1">
+        <a:scrgbClr r="0" g="0" b="0"/>
+      </a:effectRef>
+      <a:fontRef idx="minor">
+        <a:schemeClr val="dk1"/>
+      </a:fontRef>
+    </dgm:style>
+  </dgm:styleLbl>
+  <dgm:styleLbl name="asst3">
+    <dgm:scene3d>
+      <a:camera prst="orthographicFront"/>
+      <a:lightRig rig="flat" dir="t"/>
+    </dgm:scene3d>
+    <dgm:sp3d prstMaterial="dkEdge">
+      <a:bevelT w="8200" h="38100"/>
+    </dgm:sp3d>
+    <dgm:txPr/>
+    <dgm:style>
+      <a:lnRef idx="0">
+        <a:scrgbClr r="0" g="0" b="0"/>
+      </a:lnRef>
+      <a:fillRef idx="2">
+        <a:scrgbClr r="0" g="0" b="0"/>
+      </a:fillRef>
+      <a:effectRef idx="1">
+        <a:scrgbClr r="0" g="0" b="0"/>
+      </a:effectRef>
+      <a:fontRef idx="minor">
+        <a:schemeClr val="dk1"/>
+      </a:fontRef>
+    </dgm:style>
+  </dgm:styleLbl>
+  <dgm:styleLbl name="asst4">
+    <dgm:scene3d>
+      <a:camera prst="orthographicFront"/>
+      <a:lightRig rig="flat" dir="t"/>
+    </dgm:scene3d>
+    <dgm:sp3d prstMaterial="dkEdge">
+      <a:bevelT w="8200" h="38100"/>
+    </dgm:sp3d>
+    <dgm:txPr/>
+    <dgm:style>
+      <a:lnRef idx="0">
+        <a:scrgbClr r="0" g="0" b="0"/>
+      </a:lnRef>
+      <a:fillRef idx="2">
+        <a:scrgbClr r="0" g="0" b="0"/>
+      </a:fillRef>
+      <a:effectRef idx="1">
+        <a:scrgbClr r="0" g="0" b="0"/>
+      </a:effectRef>
+      <a:fontRef idx="minor">
+        <a:schemeClr val="dk1"/>
+      </a:fontRef>
+    </dgm:style>
+  </dgm:styleLbl>
+  <dgm:styleLbl name="parChTrans2D1">
+    <dgm:scene3d>
+      <a:camera prst="orthographicFront"/>
+      <a:lightRig rig="threePt" dir="t"/>
+    </dgm:scene3d>
+    <dgm:sp3d/>
+    <dgm:txPr/>
+    <dgm:style>
+      <a:lnRef idx="1">
+        <a:scrgbClr r="0" g="0" b="0"/>
+      </a:lnRef>
+      <a:fillRef idx="2">
+        <a:scrgbClr r="0" g="0" b="0"/>
+      </a:fillRef>
+      <a:effectRef idx="1">
+        <a:scrgbClr r="0" g="0" b="0"/>
+      </a:effectRef>
+      <a:fontRef idx="minor">
+        <a:schemeClr val="dk1"/>
+      </a:fontRef>
+    </dgm:style>
+  </dgm:styleLbl>
+  <dgm:styleLbl name="parChTrans2D2">
+    <dgm:scene3d>
+      <a:camera prst="orthographicFront"/>
+      <a:lightRig rig="threePt" dir="t"/>
+    </dgm:scene3d>
+    <dgm:sp3d/>
+    <dgm:txPr/>
+    <dgm:style>
+      <a:lnRef idx="1">
+        <a:scrgbClr r="0" g="0" b="0"/>
+      </a:lnRef>
+      <a:fillRef idx="2">
+        <a:scrgbClr r="0" g="0" b="0"/>
+      </a:fillRef>
+      <a:effectRef idx="1">
+        <a:scrgbClr r="0" g="0" b="0"/>
+      </a:effectRef>
+      <a:fontRef idx="minor">
+        <a:schemeClr val="dk1"/>
+      </a:fontRef>
+    </dgm:style>
+  </dgm:styleLbl>
+  <dgm:styleLbl name="parChTrans2D3">
+    <dgm:scene3d>
+      <a:camera prst="orthographicFront"/>
+      <a:lightRig rig="threePt" dir="t"/>
+    </dgm:scene3d>
+    <dgm:sp3d/>
+    <dgm:txPr/>
+    <dgm:style>
+      <a:lnRef idx="1">
+        <a:scrgbClr r="0" g="0" b="0"/>
+      </a:lnRef>
+      <a:fillRef idx="2">
+        <a:scrgbClr r="0" g="0" b="0"/>
+      </a:fillRef>
+      <a:effectRef idx="1">
+        <a:scrgbClr r="0" g="0" b="0"/>
+      </a:effectRef>
+      <a:fontRef idx="minor">
+        <a:schemeClr val="dk1"/>
+      </a:fontRef>
+    </dgm:style>
+  </dgm:styleLbl>
+  <dgm:styleLbl name="parChTrans2D4">
+    <dgm:scene3d>
+      <a:camera prst="orthographicFront"/>
+      <a:lightRig rig="threePt" dir="t"/>
+    </dgm:scene3d>
+    <dgm:sp3d/>
+    <dgm:txPr/>
+    <dgm:style>
+      <a:lnRef idx="1">
+        <a:scrgbClr r="0" g="0" b="0"/>
+      </a:lnRef>
+      <a:fillRef idx="2">
+        <a:scrgbClr r="0" g="0" b="0"/>
+      </a:fillRef>
+      <a:effectRef idx="1">
+        <a:scrgbClr r="0" g="0" b="0"/>
+      </a:effectRef>
+      <a:fontRef idx="minor">
+        <a:schemeClr val="dk1"/>
+      </a:fontRef>
+    </dgm:style>
+  </dgm:styleLbl>
+  <dgm:styleLbl name="parChTrans1D1">
+    <dgm:scene3d>
+      <a:camera prst="orthographicFront"/>
+      <a:lightRig rig="threePt" dir="t"/>
+    </dgm:scene3d>
+    <dgm:sp3d/>
+    <dgm:txPr/>
+    <dgm:style>
+      <a:lnRef idx="2">
+        <a:scrgbClr r="0" g="0" b="0"/>
+      </a:lnRef>
+      <a:fillRef idx="0">
+        <a:scrgbClr r="0" g="0" b="0"/>
+      </a:fillRef>
+      <a:effectRef idx="0">
+        <a:scrgbClr r="0" g="0" b="0"/>
+      </a:effectRef>
+      <a:fontRef idx="minor"/>
+    </dgm:style>
+  </dgm:styleLbl>
+  <dgm:styleLbl name="parChTrans1D2">
+    <dgm:scene3d>
+      <a:camera prst="orthographicFront"/>
+      <a:lightRig rig="threePt" dir="t"/>
+    </dgm:scene3d>
+    <dgm:sp3d/>
+    <dgm:txPr/>
+    <dgm:style>
+      <a:lnRef idx="2">
+        <a:scrgbClr r="0" g="0" b="0"/>
+      </a:lnRef>
+      <a:fillRef idx="0">
+        <a:scrgbClr r="0" g="0" b="0"/>
+      </a:fillRef>
+      <a:effectRef idx="0">
+        <a:scrgbClr r="0" g="0" b="0"/>
+      </a:effectRef>
+      <a:fontRef idx="minor"/>
+    </dgm:style>
+  </dgm:styleLbl>
+  <dgm:styleLbl name="parChTrans1D3">
+    <dgm:scene3d>
+      <a:camera prst="orthographicFront"/>
+      <a:lightRig rig="threePt" dir="t"/>
+    </dgm:scene3d>
+    <dgm:sp3d/>
+    <dgm:txPr/>
+    <dgm:style>
+      <a:lnRef idx="2">
+        <a:scrgbClr r="0" g="0" b="0"/>
+      </a:lnRef>
+      <a:fillRef idx="0">
+        <a:scrgbClr r="0" g="0" b="0"/>
+      </a:fillRef>
+      <a:effectRef idx="0">
+        <a:scrgbClr r="0" g="0" b="0"/>
+      </a:effectRef>
+      <a:fontRef idx="minor"/>
+    </dgm:style>
+  </dgm:styleLbl>
+  <dgm:styleLbl name="parChTrans1D4">
+    <dgm:scene3d>
+      <a:camera prst="orthographicFront"/>
+      <a:lightRig rig="threePt" dir="t"/>
+    </dgm:scene3d>
+    <dgm:sp3d/>
+    <dgm:txPr/>
+    <dgm:style>
+      <a:lnRef idx="2">
+        <a:scrgbClr r="0" g="0" b="0"/>
+      </a:lnRef>
+      <a:fillRef idx="0">
+        <a:scrgbClr r="0" g="0" b="0"/>
+      </a:fillRef>
+      <a:effectRef idx="0">
+        <a:scrgbClr r="0" g="0" b="0"/>
+      </a:effectRef>
+      <a:fontRef idx="minor"/>
+    </dgm:style>
+  </dgm:styleLbl>
+  <dgm:styleLbl name="fgAcc1">
+    <dgm:scene3d>
+      <a:camera prst="orthographicFront"/>
+      <a:lightRig rig="threePt" dir="t"/>
+    </dgm:scene3d>
+    <dgm:sp3d/>
+    <dgm:txPr/>
+    <dgm:style>
+      <a:lnRef idx="1">
+        <a:scrgbClr r="0" g="0" b="0"/>
+      </a:lnRef>
+      <a:fillRef idx="1">
+        <a:scrgbClr r="0" g="0" b="0"/>
+      </a:fillRef>
+      <a:effectRef idx="0">
+        <a:scrgbClr r="0" g="0" b="0"/>
+      </a:effectRef>
+      <a:fontRef idx="minor"/>
+    </dgm:style>
+  </dgm:styleLbl>
+  <dgm:styleLbl name="conFgAcc1">
+    <dgm:scene3d>
+      <a:camera prst="orthographicFront"/>
+      <a:lightRig rig="threePt" dir="t"/>
+    </dgm:scene3d>
+    <dgm:sp3d/>
+    <dgm:txPr/>
+    <dgm:style>
+      <a:lnRef idx="1">
+        <a:scrgbClr r="0" g="0" b="0"/>
+      </a:lnRef>
+      <a:fillRef idx="1">
+        <a:scrgbClr r="0" g="0" b="0"/>
+      </a:fillRef>
+      <a:effectRef idx="0">
+        <a:scrgbClr r="0" g="0" b="0"/>
+      </a:effectRef>
+      <a:fontRef idx="minor"/>
+    </dgm:style>
+  </dgm:styleLbl>
+  <dgm:styleLbl name="alignAcc1">
+    <dgm:scene3d>
+      <a:camera prst="orthographicFront"/>
+      <a:lightRig rig="threePt" dir="t"/>
+    </dgm:scene3d>
+    <dgm:sp3d/>
+    <dgm:txPr/>
+    <dgm:style>
+      <a:lnRef idx="1">
+        <a:scrgbClr r="0" g="0" b="0"/>
+      </a:lnRef>
+      <a:fillRef idx="1">
+        <a:scrgbClr r="0" g="0" b="0"/>
+      </a:fillRef>
+      <a:effectRef idx="0">
+        <a:scrgbClr r="0" g="0" b="0"/>
+      </a:effectRef>
+      <a:fontRef idx="minor"/>
+    </dgm:style>
+  </dgm:styleLbl>
+  <dgm:styleLbl name="trAlignAcc1">
+    <dgm:scene3d>
+      <a:camera prst="orthographicFront"/>
+      <a:lightRig rig="threePt" dir="t"/>
+    </dgm:scene3d>
+    <dgm:sp3d/>
+    <dgm:txPr/>
+    <dgm:style>
+      <a:lnRef idx="1">
+        <a:scrgbClr r="0" g="0" b="0"/>
+      </a:lnRef>
+      <a:fillRef idx="1">
+        <a:scrgbClr r="0" g="0" b="0"/>
+      </a:fillRef>
+      <a:effectRef idx="0">
+        <a:scrgbClr r="0" g="0" b="0"/>
+      </a:effectRef>
+      <a:fontRef idx="minor"/>
+    </dgm:style>
+  </dgm:styleLbl>
+  <dgm:styleLbl name="bgAcc1">
+    <dgm:scene3d>
+      <a:camera prst="orthographicFront"/>
+      <a:lightRig rig="threePt" dir="t"/>
+    </dgm:scene3d>
+    <dgm:sp3d/>
+    <dgm:txPr/>
+    <dgm:style>
+      <a:lnRef idx="1">
+        <a:scrgbClr r="0" g="0" b="0"/>
+      </a:lnRef>
+      <a:fillRef idx="1">
+        <a:scrgbClr r="0" g="0" b="0"/>
+      </a:fillRef>
+      <a:effectRef idx="0">
+        <a:scrgbClr r="0" g="0" b="0"/>
+      </a:effectRef>
+      <a:fontRef idx="minor"/>
+    </dgm:style>
+  </dgm:styleLbl>
+  <dgm:styleLbl name="solidFgAcc1">
+    <dgm:scene3d>
+      <a:camera prst="orthographicFront"/>
+      <a:lightRig rig="threePt" dir="t"/>
+    </dgm:scene3d>
+    <dgm:sp3d/>
+    <dgm:txPr/>
+    <dgm:style>
+      <a:lnRef idx="1">
+        <a:scrgbClr r="0" g="0" b="0"/>
+      </a:lnRef>
+      <a:fillRef idx="2">
+        <a:scrgbClr r="0" g="0" b="0"/>
+      </a:fillRef>
+      <a:effectRef idx="0">
+        <a:scrgbClr r="0" g="0" b="0"/>
+      </a:effectRef>
+      <a:fontRef idx="minor"/>
+    </dgm:style>
+  </dgm:styleLbl>
+  <dgm:styleLbl name="solidAlignAcc1">
+    <dgm:scene3d>
+      <a:camera prst="orthographicFront"/>
+      <a:lightRig rig="threePt" dir="t"/>
+    </dgm:scene3d>
+    <dgm:sp3d/>
+    <dgm:txPr/>
+    <dgm:style>
+      <a:lnRef idx="1">
+        <a:scrgbClr r="0" g="0" b="0"/>
+      </a:lnRef>
+      <a:fillRef idx="1">
+        <a:scrgbClr r="0" g="0" b="0"/>
+      </a:fillRef>
+      <a:effectRef idx="0">
+        <a:scrgbClr r="0" g="0" b="0"/>
+      </a:effectRef>
+      <a:fontRef idx="minor"/>
+    </dgm:style>
+  </dgm:styleLbl>
+  <dgm:styleLbl name="solidBgAcc1">
+    <dgm:scene3d>
+      <a:camera prst="orthographicFront"/>
+      <a:lightRig rig="threePt" dir="t"/>
+    </dgm:scene3d>
+    <dgm:sp3d/>
+    <dgm:txPr/>
+    <dgm:style>
+      <a:lnRef idx="1">
+        <a:scrgbClr r="0" g="0" b="0"/>
+      </a:lnRef>
+      <a:fillRef idx="1">
+        <a:scrgbClr r="0" g="0" b="0"/>
+      </a:fillRef>
+      <a:effectRef idx="0">
+        <a:scrgbClr r="0" g="0" b="0"/>
+      </a:effectRef>
+      <a:fontRef idx="minor"/>
+    </dgm:style>
+  </dgm:styleLbl>
+  <dgm:styleLbl name="fgAccFollowNode1">
+    <dgm:scene3d>
+      <a:camera prst="orthographicFront"/>
+      <a:lightRig rig="threePt" dir="t"/>
+    </dgm:scene3d>
+    <dgm:sp3d/>
+    <dgm:txPr/>
+    <dgm:style>
+      <a:lnRef idx="1">
+        <a:scrgbClr r="0" g="0" b="0"/>
+      </a:lnRef>
+      <a:fillRef idx="1">
+        <a:scrgbClr r="0" g="0" b="0"/>
+      </a:fillRef>
+      <a:effectRef idx="0">
+        <a:scrgbClr r="0" g="0" b="0"/>
+      </a:effectRef>
+      <a:fontRef idx="minor"/>
+    </dgm:style>
+  </dgm:styleLbl>
+  <dgm:styleLbl name="alignAccFollowNode1">
+    <dgm:scene3d>
+      <a:camera prst="orthographicFront"/>
+      <a:lightRig rig="threePt" dir="t"/>
+    </dgm:scene3d>
+    <dgm:sp3d/>
+    <dgm:txPr/>
+    <dgm:style>
+      <a:lnRef idx="1">
+        <a:scrgbClr r="0" g="0" b="0"/>
+      </a:lnRef>
+      <a:fillRef idx="1">
+        <a:scrgbClr r="0" g="0" b="0"/>
+      </a:fillRef>
+      <a:effectRef idx="0">
+        <a:scrgbClr r="0" g="0" b="0"/>
+      </a:effectRef>
+      <a:fontRef idx="minor"/>
+    </dgm:style>
+  </dgm:styleLbl>
+  <dgm:styleLbl name="bgAccFollowNode1">
+    <dgm:scene3d>
+      <a:camera prst="orthographicFront"/>
+      <a:lightRig rig="threePt" dir="t"/>
+    </dgm:scene3d>
+    <dgm:sp3d/>
+    <dgm:txPr/>
+    <dgm:style>
+      <a:lnRef idx="1">
+        <a:scrgbClr r="0" g="0" b="0"/>
+      </a:lnRef>
+      <a:fillRef idx="1">
+        <a:scrgbClr r="0" g="0" b="0"/>
+      </a:fillRef>
+      <a:effectRef idx="0">
+        <a:scrgbClr r="0" g="0" b="0"/>
+      </a:effectRef>
+      <a:fontRef idx="minor"/>
+    </dgm:style>
+  </dgm:styleLbl>
+  <dgm:styleLbl name="fgAcc0">
+    <dgm:scene3d>
+      <a:camera prst="orthographicFront"/>
+      <a:lightRig rig="threePt" dir="t"/>
+    </dgm:scene3d>
+    <dgm:sp3d/>
+    <dgm:txPr/>
+    <dgm:style>
+      <a:lnRef idx="1">
+        <a:scrgbClr r="0" g="0" b="0"/>
+      </a:lnRef>
+      <a:fillRef idx="1">
+        <a:scrgbClr r="0" g="0" b="0"/>
+      </a:fillRef>
+      <a:effectRef idx="0">
+        <a:scrgbClr r="0" g="0" b="0"/>
+      </a:effectRef>
+      <a:fontRef idx="minor"/>
+    </dgm:style>
+  </dgm:styleLbl>
+  <dgm:styleLbl name="fgAcc2">
+    <dgm:scene3d>
+      <a:camera prst="orthographicFront"/>
+      <a:lightRig rig="threePt" dir="t"/>
+    </dgm:scene3d>
+    <dgm:sp3d/>
+    <dgm:txPr/>
+    <dgm:style>
+      <a:lnRef idx="1">
+        <a:scrgbClr r="0" g="0" b="0"/>
+      </a:lnRef>
+      <a:fillRef idx="1">
+        <a:scrgbClr r="0" g="0" b="0"/>
+      </a:fillRef>
+      <a:effectRef idx="0">
+        <a:scrgbClr r="0" g="0" b="0"/>
+      </a:effectRef>
+      <a:fontRef idx="minor"/>
+    </dgm:style>
+  </dgm:styleLbl>
+  <dgm:styleLbl name="fgAcc3">
+    <dgm:scene3d>
+      <a:camera prst="orthographicFront"/>
+      <a:lightRig rig="threePt" dir="t"/>
+    </dgm:scene3d>
+    <dgm:sp3d/>
+    <dgm:txPr/>
+    <dgm:style>
+      <a:lnRef idx="1">
+        <a:scrgbClr r="0" g="0" b="0"/>
+      </a:lnRef>
+      <a:fillRef idx="1">
+        <a:scrgbClr r="0" g="0" b="0"/>
+      </a:fillRef>
+      <a:effectRef idx="0">
+        <a:scrgbClr r="0" g="0" b="0"/>
+      </a:effectRef>
+      <a:fontRef idx="minor"/>
+    </dgm:style>
+  </dgm:styleLbl>
+  <dgm:styleLbl name="fgAcc4">
+    <dgm:scene3d>
+      <a:camera prst="orthographicFront"/>
+      <a:lightRig rig="threePt" dir="t"/>
+    </dgm:scene3d>
+    <dgm:sp3d/>
+    <dgm:txPr/>
+    <dgm:style>
+      <a:lnRef idx="1">
+        <a:scrgbClr r="0" g="0" b="0"/>
+      </a:lnRef>
+      <a:fillRef idx="1">
+        <a:scrgbClr r="0" g="0" b="0"/>
+      </a:fillRef>
+      <a:effectRef idx="0">
+        <a:scrgbClr r="0" g="0" b="0"/>
+      </a:effectRef>
+      <a:fontRef idx="minor"/>
+    </dgm:style>
+  </dgm:styleLbl>
+  <dgm:styleLbl name="bgShp">
+    <dgm:scene3d>
+      <a:camera prst="orthographicFront"/>
+      <a:lightRig rig="threePt" dir="t"/>
+    </dgm:scene3d>
+    <dgm:sp3d/>
+    <dgm:txPr/>
+    <dgm:style>
+      <a:lnRef idx="0">
+        <a:scrgbClr r="0" g="0" b="0"/>
+      </a:lnRef>
+      <a:fillRef idx="1">
+        <a:scrgbClr r="0" g="0" b="0"/>
+      </a:fillRef>
+      <a:effectRef idx="1">
+        <a:scrgbClr r="0" g="0" b="0"/>
+      </a:effectRef>
+      <a:fontRef idx="minor"/>
+    </dgm:style>
+  </dgm:styleLbl>
+  <dgm:styleLbl name="dkBgShp">
+    <dgm:scene3d>
+      <a:camera prst="orthographicFront"/>
+      <a:lightRig rig="threePt" dir="t"/>
+    </dgm:scene3d>
+    <dgm:sp3d/>
+    <dgm:txPr/>
+    <dgm:style>
+      <a:lnRef idx="0">
+        <a:scrgbClr r="0" g="0" b="0"/>
+      </a:lnRef>
+      <a:fillRef idx="1">
+        <a:scrgbClr r="0" g="0" b="0"/>
+      </a:fillRef>
+      <a:effectRef idx="1">
+        <a:scrgbClr r="0" g="0" b="0"/>
+      </a:effectRef>
+      <a:fontRef idx="minor"/>
+    </dgm:style>
+  </dgm:styleLbl>
+  <dgm:styleLbl name="trBgShp">
+    <dgm:scene3d>
+      <a:camera prst="orthographicFront"/>
+      <a:lightRig rig="threePt" dir="t"/>
+    </dgm:scene3d>
+    <dgm:sp3d/>
+    <dgm:txPr/>
+    <dgm:style>
+      <a:lnRef idx="0">
+        <a:scrgbClr r="0" g="0" b="0"/>
+      </a:lnRef>
+      <a:fillRef idx="1">
+        <a:scrgbClr r="0" g="0" b="0"/>
+      </a:fillRef>
+      <a:effectRef idx="0">
+        <a:scrgbClr r="0" g="0" b="0"/>
+      </a:effectRef>
+      <a:fontRef idx="minor"/>
+    </dgm:style>
+  </dgm:styleLbl>
+  <dgm:styleLbl name="fgShp">
+    <dgm:scene3d>
+      <a:camera prst="orthographicFront"/>
+      <a:lightRig rig="flat" dir="t"/>
+    </dgm:scene3d>
+    <dgm:sp3d prstMaterial="dkEdge">
+      <a:bevelT w="8200" h="38100"/>
+    </dgm:sp3d>
+    <dgm:txPr/>
+    <dgm:style>
+      <a:lnRef idx="1">
+        <a:scrgbClr r="0" g="0" b="0"/>
+      </a:lnRef>
+      <a:fillRef idx="2">
+        <a:scrgbClr r="0" g="0" b="0"/>
+      </a:fillRef>
+      <a:effectRef idx="1">
+        <a:scrgbClr r="0" g="0" b="0"/>
+      </a:effectRef>
+      <a:fontRef idx="minor"/>
+    </dgm:style>
+  </dgm:styleLbl>
+  <dgm:styleLbl name="revTx">
+    <dgm:scene3d>
+      <a:camera prst="orthographicFront"/>
+      <a:lightRig rig="threePt" dir="t"/>
+    </dgm:scene3d>
+    <dgm:sp3d/>
+    <dgm:txPr/>
+    <dgm:style>
+      <a:lnRef idx="0">
+        <a:scrgbClr r="0" g="0" b="0"/>
+      </a:lnRef>
+      <a:fillRef idx="0">
+        <a:scrgbClr r="0" g="0" b="0"/>
+      </a:fillRef>
+      <a:effectRef idx="0">
+        <a:scrgbClr r="0" g="0" b="0"/>
+      </a:effectRef>
+      <a:fontRef idx="minor"/>
+    </dgm:style>
+  </dgm:styleLbl>
+</dgm:styleDef>
 </file>
 
 <file path=ppt/notesMasters/notesMaster1.xml><?xml version="1.0" encoding="utf-8"?>
@@ -283,7 +3314,7 @@
           <a:p>
             <a:fld id="{5891CBA4-1650-4CCB-950D-5089E49CDEA0}" type="datetimeFigureOut">
               <a:rPr lang="ko-KR" altLang="en-US" smtClean="0"/>
-              <a:t>2024-04-15</a:t>
+              <a:t>2024-04-16</a:t>
             </a:fld>
             <a:endParaRPr lang="ko-KR" altLang="en-US"/>
           </a:p>
@@ -825,7 +3856,7 @@
           <a:p>
             <a:fld id="{AF27530F-C173-4D31-9E53-9F9EE5695ED1}" type="datetimeFigureOut">
               <a:rPr lang="ko-KR" altLang="en-US" smtClean="0"/>
-              <a:t>2024-04-15</a:t>
+              <a:t>2024-04-16</a:t>
             </a:fld>
             <a:endParaRPr lang="ko-KR" altLang="en-US"/>
           </a:p>
@@ -1246,7 +4277,7 @@
           <a:p>
             <a:fld id="{AF27530F-C173-4D31-9E53-9F9EE5695ED1}" type="datetimeFigureOut">
               <a:rPr lang="ko-KR" altLang="en-US" smtClean="0"/>
-              <a:t>2024-04-15</a:t>
+              <a:t>2024-04-16</a:t>
             </a:fld>
             <a:endParaRPr lang="ko-KR" altLang="en-US"/>
           </a:p>
@@ -1582,7 +4613,7 @@
           <a:p>
             <a:fld id="{AF27530F-C173-4D31-9E53-9F9EE5695ED1}" type="datetimeFigureOut">
               <a:rPr lang="ko-KR" altLang="en-US" smtClean="0"/>
-              <a:t>2024-04-15</a:t>
+              <a:t>2024-04-16</a:t>
             </a:fld>
             <a:endParaRPr lang="ko-KR" altLang="en-US"/>
           </a:p>
@@ -1987,7 +5018,7 @@
           <a:p>
             <a:fld id="{AF27530F-C173-4D31-9E53-9F9EE5695ED1}" type="datetimeFigureOut">
               <a:rPr lang="ko-KR" altLang="en-US" smtClean="0"/>
-              <a:t>2024-04-15</a:t>
+              <a:t>2024-04-16</a:t>
             </a:fld>
             <a:endParaRPr lang="ko-KR" altLang="en-US"/>
           </a:p>
@@ -2555,7 +5586,7 @@
           <a:p>
             <a:fld id="{AF27530F-C173-4D31-9E53-9F9EE5695ED1}" type="datetimeFigureOut">
               <a:rPr lang="ko-KR" altLang="en-US" smtClean="0"/>
-              <a:t>2024-04-15</a:t>
+              <a:t>2024-04-16</a:t>
             </a:fld>
             <a:endParaRPr lang="ko-KR" altLang="en-US"/>
           </a:p>
@@ -3236,7 +6267,7 @@
           <a:p>
             <a:fld id="{AF27530F-C173-4D31-9E53-9F9EE5695ED1}" type="datetimeFigureOut">
               <a:rPr lang="ko-KR" altLang="en-US" smtClean="0"/>
-              <a:t>2024-04-15</a:t>
+              <a:t>2024-04-16</a:t>
             </a:fld>
             <a:endParaRPr lang="ko-KR" altLang="en-US"/>
           </a:p>
@@ -4228,7 +7259,7 @@
           <a:p>
             <a:fld id="{AF27530F-C173-4D31-9E53-9F9EE5695ED1}" type="datetimeFigureOut">
               <a:rPr lang="ko-KR" altLang="en-US" smtClean="0"/>
-              <a:t>2024-04-15</a:t>
+              <a:t>2024-04-16</a:t>
             </a:fld>
             <a:endParaRPr lang="ko-KR" altLang="en-US"/>
           </a:p>
@@ -4541,7 +7572,7 @@
           <a:p>
             <a:fld id="{AF27530F-C173-4D31-9E53-9F9EE5695ED1}" type="datetimeFigureOut">
               <a:rPr lang="ko-KR" altLang="en-US" smtClean="0"/>
-              <a:t>2024-04-15</a:t>
+              <a:t>2024-04-16</a:t>
             </a:fld>
             <a:endParaRPr lang="ko-KR" altLang="en-US"/>
           </a:p>
@@ -4805,7 +7836,7 @@
           <a:p>
             <a:fld id="{AF27530F-C173-4D31-9E53-9F9EE5695ED1}" type="datetimeFigureOut">
               <a:rPr lang="ko-KR" altLang="en-US" smtClean="0"/>
-              <a:t>2024-04-15</a:t>
+              <a:t>2024-04-16</a:t>
             </a:fld>
             <a:endParaRPr lang="ko-KR" altLang="en-US"/>
           </a:p>
@@ -5128,7 +8159,7 @@
           <a:p>
             <a:fld id="{AF27530F-C173-4D31-9E53-9F9EE5695ED1}" type="datetimeFigureOut">
               <a:rPr lang="ko-KR" altLang="en-US" smtClean="0"/>
-              <a:t>2024-04-15</a:t>
+              <a:t>2024-04-16</a:t>
             </a:fld>
             <a:endParaRPr lang="ko-KR" altLang="en-US"/>
           </a:p>
@@ -5596,7 +8627,7 @@
           <a:p>
             <a:fld id="{AF27530F-C173-4D31-9E53-9F9EE5695ED1}" type="datetimeFigureOut">
               <a:rPr lang="ko-KR" altLang="en-US" smtClean="0"/>
-              <a:t>2024-04-15</a:t>
+              <a:t>2024-04-16</a:t>
             </a:fld>
             <a:endParaRPr lang="ko-KR" altLang="en-US"/>
           </a:p>
@@ -5983,7 +9014,7 @@
           <a:p>
             <a:fld id="{AF27530F-C173-4D31-9E53-9F9EE5695ED1}" type="datetimeFigureOut">
               <a:rPr lang="ko-KR" altLang="en-US" smtClean="0"/>
-              <a:t>2024-04-15</a:t>
+              <a:t>2024-04-16</a:t>
             </a:fld>
             <a:endParaRPr lang="ko-KR" altLang="en-US"/>
           </a:p>
@@ -6568,7 +9599,7 @@
           <a:p>
             <a:fld id="{AF27530F-C173-4D31-9E53-9F9EE5695ED1}" type="datetimeFigureOut">
               <a:rPr lang="ko-KR" altLang="en-US" smtClean="0"/>
-              <a:t>2024-04-15</a:t>
+              <a:t>2024-04-16</a:t>
             </a:fld>
             <a:endParaRPr lang="ko-KR" altLang="en-US"/>
           </a:p>
@@ -6832,7 +9863,7 @@
           <a:p>
             <a:fld id="{AF27530F-C173-4D31-9E53-9F9EE5695ED1}" type="datetimeFigureOut">
               <a:rPr lang="ko-KR" altLang="en-US" smtClean="0"/>
-              <a:t>2024-04-15</a:t>
+              <a:t>2024-04-16</a:t>
             </a:fld>
             <a:endParaRPr lang="ko-KR" altLang="en-US"/>
           </a:p>
@@ -7002,7 +10033,7 @@
           <a:p>
             <a:fld id="{AF27530F-C173-4D31-9E53-9F9EE5695ED1}" type="datetimeFigureOut">
               <a:rPr lang="ko-KR" altLang="en-US" smtClean="0"/>
-              <a:t>2024-04-15</a:t>
+              <a:t>2024-04-16</a:t>
             </a:fld>
             <a:endParaRPr lang="ko-KR" altLang="en-US"/>
           </a:p>
@@ -7471,7 +10502,7 @@
           <a:p>
             <a:fld id="{AF27530F-C173-4D31-9E53-9F9EE5695ED1}" type="datetimeFigureOut">
               <a:rPr lang="ko-KR" altLang="en-US" smtClean="0"/>
-              <a:t>2024-04-15</a:t>
+              <a:t>2024-04-16</a:t>
             </a:fld>
             <a:endParaRPr lang="ko-KR" altLang="en-US"/>
           </a:p>
@@ -7887,7 +10918,7 @@
           <a:p>
             <a:fld id="{AF27530F-C173-4D31-9E53-9F9EE5695ED1}" type="datetimeFigureOut">
               <a:rPr lang="ko-KR" altLang="en-US" smtClean="0"/>
-              <a:t>2024-04-15</a:t>
+              <a:t>2024-04-16</a:t>
             </a:fld>
             <a:endParaRPr lang="ko-KR" altLang="en-US"/>
           </a:p>
@@ -8138,7 +11169,7 @@
           <a:p>
             <a:fld id="{AF27530F-C173-4D31-9E53-9F9EE5695ED1}" type="datetimeFigureOut">
               <a:rPr lang="ko-KR" altLang="en-US" smtClean="0"/>
-              <a:t>2024-04-15</a:t>
+              <a:t>2024-04-16</a:t>
             </a:fld>
             <a:endParaRPr lang="ko-KR" altLang="en-US"/>
           </a:p>
@@ -14078,15 +17109,7 @@
                   <a:schemeClr val="bg1"/>
                 </a:solidFill>
               </a:rPr>
-              <a:t>[ </a:t>
-            </a:r>
-            <a:r>
-              <a:rPr lang="en-US" altLang="ko-KR" dirty="0" smtClean="0">
-                <a:solidFill>
-                  <a:schemeClr val="bg1"/>
-                </a:solidFill>
-              </a:rPr>
-              <a:t>do-while </a:t>
+              <a:t>[ do-while </a:t>
             </a:r>
             <a:r>
               <a:rPr lang="ko-KR" altLang="en-US" dirty="0" smtClean="0">
@@ -17642,10 +20665,10 @@
                   </a:schemeClr>
                 </a:solidFill>
               </a:rPr>
-              <a:t> 참조 </a:t>
-            </a:r>
-            <a:r>
-              <a:rPr lang="ko-KR" altLang="en-US" sz="1001" dirty="0" err="1">
+              <a:t> 참조 자료형</a:t>
+            </a:r>
+            <a:br>
+              <a:rPr lang="ko-KR" altLang="en-US" sz="1001" dirty="0">
                 <a:solidFill>
                   <a:schemeClr val="bg1">
                     <a:lumMod val="95000"/>
@@ -17653,10 +20676,9 @@
                   </a:schemeClr>
                 </a:solidFill>
               </a:rPr>
-              <a:t>자료형</a:t>
-            </a:r>
-            <a:r>
-              <a:rPr lang="ko-KR" altLang="en-US" sz="1001" dirty="0">
+            </a:br>
+            <a:r>
+              <a:rPr lang="en-US" altLang="ko-KR" sz="1001" dirty="0">
                 <a:solidFill>
                   <a:schemeClr val="bg1">
                     <a:lumMod val="95000"/>
@@ -17664,9 +20686,9 @@
                   </a:schemeClr>
                 </a:solidFill>
               </a:rPr>
-              <a:t/>
-            </a:r>
-            <a:br>
+              <a:t>- </a:t>
+            </a:r>
+            <a:r>
               <a:rPr lang="ko-KR" altLang="en-US" sz="1001" dirty="0">
                 <a:solidFill>
                   <a:schemeClr val="bg1">
@@ -17675,50 +20697,7 @@
                   </a:schemeClr>
                 </a:solidFill>
               </a:rPr>
-            </a:br>
-            <a:r>
-              <a:rPr lang="en-US" altLang="ko-KR" sz="1001" dirty="0">
-                <a:solidFill>
-                  <a:schemeClr val="bg1">
-                    <a:lumMod val="95000"/>
-                    <a:lumOff val="5000"/>
-                  </a:schemeClr>
-                </a:solidFill>
-              </a:rPr>
-              <a:t>- </a:t>
-            </a:r>
-            <a:r>
-              <a:rPr lang="ko-KR" altLang="en-US" sz="1001" dirty="0">
-                <a:solidFill>
-                  <a:schemeClr val="bg1">
-                    <a:lumMod val="95000"/>
-                    <a:lumOff val="5000"/>
-                  </a:schemeClr>
-                </a:solidFill>
-              </a:rPr>
-              <a:t>기본 </a:t>
-            </a:r>
-            <a:r>
-              <a:rPr lang="ko-KR" altLang="en-US" sz="1001" dirty="0" err="1">
-                <a:solidFill>
-                  <a:schemeClr val="bg1">
-                    <a:lumMod val="95000"/>
-                    <a:lumOff val="5000"/>
-                  </a:schemeClr>
-                </a:solidFill>
-              </a:rPr>
-              <a:t>자료형</a:t>
-            </a:r>
-            <a:r>
-              <a:rPr lang="ko-KR" altLang="en-US" sz="1001" dirty="0">
-                <a:solidFill>
-                  <a:schemeClr val="bg1">
-                    <a:lumMod val="95000"/>
-                    <a:lumOff val="5000"/>
-                  </a:schemeClr>
-                </a:solidFill>
-              </a:rPr>
-              <a:t> 간의 </a:t>
+              <a:t>기본 자료형 간의 </a:t>
             </a:r>
             <a:r>
               <a:rPr lang="en-US" altLang="ko-KR" sz="1001" dirty="0">
@@ -18039,7 +21018,7 @@
               </a:rPr>
             </a:br>
             <a:r>
-              <a:rPr lang="en-US" altLang="ko-KR" sz="1001" dirty="0">
+              <a:rPr lang="en-US" altLang="ko-KR" sz="1001" dirty="0" smtClean="0">
                 <a:solidFill>
                   <a:schemeClr val="bg1">
                     <a:lumMod val="95000"/>
@@ -18047,7 +21026,18 @@
                   </a:schemeClr>
                 </a:solidFill>
               </a:rPr>
-              <a:t>-[for],[while],[do-while] </a:t>
+              <a:t>-[</a:t>
+            </a:r>
+            <a:r>
+              <a:rPr lang="en-US" altLang="ko-KR" sz="1001" dirty="0">
+                <a:solidFill>
+                  <a:schemeClr val="bg1">
+                    <a:lumMod val="95000"/>
+                    <a:lumOff val="5000"/>
+                  </a:schemeClr>
+                </a:solidFill>
+              </a:rPr>
+              <a:t>for],[while],[do-while] </a:t>
             </a:r>
             <a:r>
               <a:rPr lang="ko-KR" altLang="en-US" sz="1001" dirty="0">
@@ -18089,7 +21079,7 @@
               <a:buChar char="•"/>
             </a:pPr>
             <a:r>
-              <a:rPr lang="ko-KR" altLang="en-US" sz="1001" b="1" dirty="0" err="1">
+              <a:rPr lang="ko-KR" altLang="en-US" sz="1001" b="1" dirty="0" err="1" smtClean="0">
                 <a:solidFill>
                   <a:schemeClr val="bg1">
                     <a:lumMod val="95000"/>
@@ -18098,6 +21088,81 @@
                 </a:solidFill>
               </a:rPr>
               <a:t>참조자료형</a:t>
+            </a:r>
+            <a:r>
+              <a:rPr lang="en-US" altLang="ko-KR" sz="1001" b="1" dirty="0">
+                <a:solidFill>
+                  <a:schemeClr val="bg1">
+                    <a:lumMod val="95000"/>
+                    <a:lumOff val="5000"/>
+                  </a:schemeClr>
+                </a:solidFill>
+              </a:rPr>
+              <a:t/>
+            </a:r>
+            <a:br>
+              <a:rPr lang="en-US" altLang="ko-KR" sz="1001" b="1" dirty="0">
+                <a:solidFill>
+                  <a:schemeClr val="bg1">
+                    <a:lumMod val="95000"/>
+                    <a:lumOff val="5000"/>
+                  </a:schemeClr>
+                </a:solidFill>
+              </a:rPr>
+            </a:br>
+            <a:r>
+              <a:rPr lang="en-US" altLang="ko-KR" sz="1001" dirty="0" smtClean="0">
+                <a:solidFill>
+                  <a:schemeClr val="bg1">
+                    <a:lumMod val="95000"/>
+                    <a:lumOff val="5000"/>
+                  </a:schemeClr>
+                </a:solidFill>
+              </a:rPr>
+              <a:t>-</a:t>
+            </a:r>
+            <a:r>
+              <a:rPr lang="ko-KR" altLang="en-US" sz="1001" dirty="0" smtClean="0">
+                <a:solidFill>
+                  <a:schemeClr val="bg1">
+                    <a:lumMod val="95000"/>
+                    <a:lumOff val="5000"/>
+                  </a:schemeClr>
+                </a:solidFill>
+              </a:rPr>
+              <a:t>배열</a:t>
+            </a:r>
+            <a:r>
+              <a:rPr lang="en-US" altLang="ko-KR" sz="1001" dirty="0">
+                <a:solidFill>
+                  <a:schemeClr val="bg1">
+                    <a:lumMod val="95000"/>
+                    <a:lumOff val="5000"/>
+                  </a:schemeClr>
+                </a:solidFill>
+              </a:rPr>
+              <a:t/>
+            </a:r>
+            <a:br>
+              <a:rPr lang="en-US" altLang="ko-KR" sz="1001" dirty="0">
+                <a:solidFill>
+                  <a:schemeClr val="bg1">
+                    <a:lumMod val="95000"/>
+                    <a:lumOff val="5000"/>
+                  </a:schemeClr>
+                </a:solidFill>
+              </a:rPr>
+            </a:br>
+            <a:r>
+              <a:rPr lang="en-US" altLang="ko-KR" sz="1001" dirty="0" smtClean="0">
+                <a:solidFill>
+                  <a:schemeClr val="bg1">
+                    <a:lumMod val="95000"/>
+                    <a:lumOff val="5000"/>
+                  </a:schemeClr>
+                </a:solidFill>
+              </a:rPr>
+              <a:t>-String</a:t>
             </a:r>
             <a:endParaRPr lang="en-US" altLang="ko-KR" sz="1001" b="1" dirty="0">
               <a:solidFill>
@@ -20366,7 +23431,7 @@
         <p:spPr>
           <a:xfrm>
             <a:off x="390699" y="3024385"/>
-            <a:ext cx="5345084" cy="1668214"/>
+            <a:ext cx="5345084" cy="1708160"/>
           </a:xfrm>
           <a:prstGeom prst="rect">
             <a:avLst/>
@@ -20429,15 +23494,23 @@
                   <a:srgbClr val="C00000"/>
                 </a:solidFill>
               </a:rPr>
-              <a:t>동일한 </a:t>
-            </a:r>
-            <a:r>
-              <a:rPr lang="ko-KR" altLang="en-US" sz="1400" b="1" dirty="0" err="1" smtClean="0">
+              <a:t>동일한 자료형을 </a:t>
+            </a:r>
+            <a:r>
+              <a:rPr lang="ko-KR" altLang="en-US" sz="1400" b="1" dirty="0" smtClean="0">
                 <a:solidFill>
                   <a:srgbClr val="C00000"/>
                 </a:solidFill>
               </a:rPr>
-              <a:t>자료형을</a:t>
+              <a:t>묶</a:t>
+            </a:r>
+            <a:r>
+              <a:rPr lang="ko-KR" altLang="en-US" sz="1400" b="1" dirty="0">
+                <a:solidFill>
+                  <a:srgbClr val="C00000"/>
+                </a:solidFill>
+              </a:rPr>
+              <a:t>어</a:t>
             </a:r>
             <a:r>
               <a:rPr lang="ko-KR" altLang="en-US" sz="1400" b="1" dirty="0" smtClean="0">
@@ -20445,23 +23518,15 @@
                   <a:srgbClr val="C00000"/>
                 </a:solidFill>
               </a:rPr>
-              <a:t> 묶어 </a:t>
-            </a:r>
-            <a:r>
-              <a:rPr lang="ko-KR" altLang="en-US" sz="1400" b="1" dirty="0" err="1" smtClean="0">
+              <a:t> 저장하는 </a:t>
+            </a:r>
+            <a:r>
+              <a:rPr lang="ko-KR" altLang="en-US" sz="1400" b="1" dirty="0" smtClean="0">
                 <a:solidFill>
                   <a:srgbClr val="C00000"/>
                 </a:solidFill>
               </a:rPr>
-              <a:t>자장하는</a:t>
-            </a:r>
-            <a:r>
-              <a:rPr lang="ko-KR" altLang="en-US" sz="1400" b="1" dirty="0" smtClean="0">
-                <a:solidFill>
-                  <a:srgbClr val="C00000"/>
-                </a:solidFill>
-              </a:rPr>
-              <a:t> 참조 </a:t>
+              <a:t>참조 </a:t>
             </a:r>
             <a:r>
               <a:rPr lang="ko-KR" altLang="en-US" sz="1400" b="1" dirty="0" err="1" smtClean="0">
@@ -20628,56 +23693,636 @@
           </a:p>
         </p:txBody>
       </p:sp>
+      <p:grpSp>
+        <p:nvGrpSpPr>
+          <p:cNvPr id="3" name="그룹 2"/>
+          <p:cNvGrpSpPr/>
+          <p:nvPr/>
+        </p:nvGrpSpPr>
+        <p:grpSpPr>
+          <a:xfrm>
+            <a:off x="5169077" y="2789566"/>
+            <a:ext cx="4610539" cy="469638"/>
+            <a:chOff x="5165817" y="2554747"/>
+            <a:chExt cx="4610539" cy="469638"/>
+          </a:xfrm>
+        </p:grpSpPr>
+        <p:sp>
+          <p:nvSpPr>
+            <p:cNvPr id="14" name="오른쪽 화살표 13"/>
+            <p:cNvSpPr/>
+            <p:nvPr/>
+          </p:nvSpPr>
+          <p:spPr>
+            <a:xfrm>
+              <a:off x="5165817" y="2554747"/>
+              <a:ext cx="902473" cy="469638"/>
+            </a:xfrm>
+            <a:prstGeom prst="rightArrow">
+              <a:avLst/>
+            </a:prstGeom>
+          </p:spPr>
+          <p:style>
+            <a:lnRef idx="2">
+              <a:schemeClr val="accent1">
+                <a:shade val="50000"/>
+              </a:schemeClr>
+            </a:lnRef>
+            <a:fillRef idx="1">
+              <a:schemeClr val="accent1"/>
+            </a:fillRef>
+            <a:effectRef idx="0">
+              <a:schemeClr val="accent1"/>
+            </a:effectRef>
+            <a:fontRef idx="minor">
+              <a:schemeClr val="lt1"/>
+            </a:fontRef>
+          </p:style>
+          <p:txBody>
+            <a:bodyPr rtlCol="0" anchor="ctr"/>
+            <a:lstStyle/>
+            <a:p>
+              <a:pPr algn="ctr"/>
+              <a:endParaRPr lang="ko-KR" altLang="en-US" dirty="0"/>
+            </a:p>
+          </p:txBody>
+        </p:sp>
+        <p:sp>
+          <p:nvSpPr>
+            <p:cNvPr id="15" name="TextBox 14"/>
+            <p:cNvSpPr txBox="1"/>
+            <p:nvPr/>
+          </p:nvSpPr>
+          <p:spPr>
+            <a:xfrm>
+              <a:off x="6068290" y="2604900"/>
+              <a:ext cx="3708066" cy="369332"/>
+            </a:xfrm>
+            <a:prstGeom prst="rect">
+              <a:avLst/>
+            </a:prstGeom>
+            <a:noFill/>
+          </p:spPr>
+          <p:txBody>
+            <a:bodyPr wrap="none" rtlCol="0">
+              <a:spAutoFit/>
+            </a:bodyPr>
+            <a:lstStyle/>
+            <a:p>
+              <a:r>
+                <a:rPr lang="ko-KR" altLang="en-US" dirty="0" smtClean="0"/>
+                <a:t>배열을 생성하는 방법을 알아보자</a:t>
+              </a:r>
+              <a:r>
+                <a:rPr lang="en-US" altLang="ko-KR" dirty="0" smtClean="0"/>
+                <a:t>.</a:t>
+              </a:r>
+              <a:endParaRPr lang="ko-KR" altLang="en-US" dirty="0"/>
+            </a:p>
+          </p:txBody>
+        </p:sp>
+      </p:grpSp>
+      <p:grpSp>
+        <p:nvGrpSpPr>
+          <p:cNvPr id="4" name="그룹 3"/>
+          <p:cNvGrpSpPr/>
+          <p:nvPr/>
+        </p:nvGrpSpPr>
+        <p:grpSpPr>
+          <a:xfrm>
+            <a:off x="5169077" y="3435613"/>
+            <a:ext cx="4716338" cy="469638"/>
+            <a:chOff x="5165817" y="3200794"/>
+            <a:chExt cx="4716338" cy="469638"/>
+          </a:xfrm>
+        </p:grpSpPr>
+        <p:sp>
+          <p:nvSpPr>
+            <p:cNvPr id="19" name="오른쪽 화살표 18"/>
+            <p:cNvSpPr/>
+            <p:nvPr/>
+          </p:nvSpPr>
+          <p:spPr>
+            <a:xfrm>
+              <a:off x="5165817" y="3200794"/>
+              <a:ext cx="902473" cy="469638"/>
+            </a:xfrm>
+            <a:prstGeom prst="rightArrow">
+              <a:avLst/>
+            </a:prstGeom>
+          </p:spPr>
+          <p:style>
+            <a:lnRef idx="2">
+              <a:schemeClr val="accent1">
+                <a:shade val="50000"/>
+              </a:schemeClr>
+            </a:lnRef>
+            <a:fillRef idx="1">
+              <a:schemeClr val="accent1"/>
+            </a:fillRef>
+            <a:effectRef idx="0">
+              <a:schemeClr val="accent1"/>
+            </a:effectRef>
+            <a:fontRef idx="minor">
+              <a:schemeClr val="lt1"/>
+            </a:fontRef>
+          </p:style>
+          <p:txBody>
+            <a:bodyPr rtlCol="0" anchor="ctr"/>
+            <a:lstStyle/>
+            <a:p>
+              <a:pPr algn="ctr"/>
+              <a:endParaRPr lang="ko-KR" altLang="en-US" dirty="0"/>
+            </a:p>
+          </p:txBody>
+        </p:sp>
+        <p:sp>
+          <p:nvSpPr>
+            <p:cNvPr id="20" name="TextBox 19"/>
+            <p:cNvSpPr txBox="1"/>
+            <p:nvPr/>
+          </p:nvSpPr>
+          <p:spPr>
+            <a:xfrm>
+              <a:off x="6068290" y="3250947"/>
+              <a:ext cx="3813865" cy="369332"/>
+            </a:xfrm>
+            <a:prstGeom prst="rect">
+              <a:avLst/>
+            </a:prstGeom>
+            <a:noFill/>
+          </p:spPr>
+          <p:txBody>
+            <a:bodyPr wrap="none" rtlCol="0">
+              <a:spAutoFit/>
+            </a:bodyPr>
+            <a:lstStyle/>
+            <a:p>
+              <a:r>
+                <a:rPr lang="en-US" altLang="ko-KR" dirty="0" smtClean="0"/>
+                <a:t>1</a:t>
+              </a:r>
+              <a:r>
+                <a:rPr lang="ko-KR" altLang="en-US" dirty="0" smtClean="0"/>
+                <a:t>차원 배열을 생성하는 다양한 방법</a:t>
+              </a:r>
+              <a:endParaRPr lang="ko-KR" altLang="en-US" dirty="0"/>
+            </a:p>
+          </p:txBody>
+        </p:sp>
+      </p:grpSp>
+      <p:grpSp>
+        <p:nvGrpSpPr>
+          <p:cNvPr id="5" name="그룹 4"/>
+          <p:cNvGrpSpPr/>
+          <p:nvPr/>
+        </p:nvGrpSpPr>
+        <p:grpSpPr>
+          <a:xfrm>
+            <a:off x="5169077" y="4130345"/>
+            <a:ext cx="5125104" cy="469638"/>
+            <a:chOff x="5165817" y="3895526"/>
+            <a:chExt cx="5125104" cy="469638"/>
+          </a:xfrm>
+        </p:grpSpPr>
+        <p:sp>
+          <p:nvSpPr>
+            <p:cNvPr id="21" name="오른쪽 화살표 20"/>
+            <p:cNvSpPr/>
+            <p:nvPr/>
+          </p:nvSpPr>
+          <p:spPr>
+            <a:xfrm>
+              <a:off x="5165817" y="3895526"/>
+              <a:ext cx="902473" cy="469638"/>
+            </a:xfrm>
+            <a:prstGeom prst="rightArrow">
+              <a:avLst/>
+            </a:prstGeom>
+          </p:spPr>
+          <p:style>
+            <a:lnRef idx="2">
+              <a:schemeClr val="accent1">
+                <a:shade val="50000"/>
+              </a:schemeClr>
+            </a:lnRef>
+            <a:fillRef idx="1">
+              <a:schemeClr val="accent1"/>
+            </a:fillRef>
+            <a:effectRef idx="0">
+              <a:schemeClr val="accent1"/>
+            </a:effectRef>
+            <a:fontRef idx="minor">
+              <a:schemeClr val="lt1"/>
+            </a:fontRef>
+          </p:style>
+          <p:txBody>
+            <a:bodyPr rtlCol="0" anchor="ctr"/>
+            <a:lstStyle/>
+            <a:p>
+              <a:pPr algn="ctr"/>
+              <a:endParaRPr lang="ko-KR" altLang="en-US" dirty="0"/>
+            </a:p>
+          </p:txBody>
+        </p:sp>
+        <p:sp>
+          <p:nvSpPr>
+            <p:cNvPr id="22" name="TextBox 21"/>
+            <p:cNvSpPr txBox="1"/>
+            <p:nvPr/>
+          </p:nvSpPr>
+          <p:spPr>
+            <a:xfrm>
+              <a:off x="6068290" y="3945679"/>
+              <a:ext cx="4222631" cy="369332"/>
+            </a:xfrm>
+            <a:prstGeom prst="rect">
+              <a:avLst/>
+            </a:prstGeom>
+            <a:noFill/>
+          </p:spPr>
+          <p:txBody>
+            <a:bodyPr wrap="none" rtlCol="0">
+              <a:spAutoFit/>
+            </a:bodyPr>
+            <a:lstStyle/>
+            <a:p>
+              <a:r>
+                <a:rPr lang="ko-KR" altLang="en-US" dirty="0" smtClean="0"/>
+                <a:t>참조 변수와 배열 객체의 값 초기화하기</a:t>
+              </a:r>
+              <a:endParaRPr lang="ko-KR" altLang="en-US" dirty="0"/>
+            </a:p>
+          </p:txBody>
+        </p:sp>
+      </p:grpSp>
+      <p:grpSp>
+        <p:nvGrpSpPr>
+          <p:cNvPr id="6" name="그룹 5"/>
+          <p:cNvGrpSpPr/>
+          <p:nvPr/>
+        </p:nvGrpSpPr>
+        <p:grpSpPr>
+          <a:xfrm>
+            <a:off x="5169077" y="4808505"/>
+            <a:ext cx="4294748" cy="469638"/>
+            <a:chOff x="5165817" y="4573686"/>
+            <a:chExt cx="4294748" cy="469638"/>
+          </a:xfrm>
+        </p:grpSpPr>
+        <p:sp>
+          <p:nvSpPr>
+            <p:cNvPr id="23" name="오른쪽 화살표 22"/>
+            <p:cNvSpPr/>
+            <p:nvPr/>
+          </p:nvSpPr>
+          <p:spPr>
+            <a:xfrm>
+              <a:off x="5165817" y="4573686"/>
+              <a:ext cx="902473" cy="469638"/>
+            </a:xfrm>
+            <a:prstGeom prst="rightArrow">
+              <a:avLst/>
+            </a:prstGeom>
+          </p:spPr>
+          <p:style>
+            <a:lnRef idx="2">
+              <a:schemeClr val="accent1">
+                <a:shade val="50000"/>
+              </a:schemeClr>
+            </a:lnRef>
+            <a:fillRef idx="1">
+              <a:schemeClr val="accent1"/>
+            </a:fillRef>
+            <a:effectRef idx="0">
+              <a:schemeClr val="accent1"/>
+            </a:effectRef>
+            <a:fontRef idx="minor">
+              <a:schemeClr val="lt1"/>
+            </a:fontRef>
+          </p:style>
+          <p:txBody>
+            <a:bodyPr rtlCol="0" anchor="ctr"/>
+            <a:lstStyle/>
+            <a:p>
+              <a:pPr algn="ctr"/>
+              <a:endParaRPr lang="ko-KR" altLang="en-US" dirty="0"/>
+            </a:p>
+          </p:txBody>
+        </p:sp>
+        <p:sp>
+          <p:nvSpPr>
+            <p:cNvPr id="24" name="TextBox 23"/>
+            <p:cNvSpPr txBox="1"/>
+            <p:nvPr/>
+          </p:nvSpPr>
+          <p:spPr>
+            <a:xfrm>
+              <a:off x="6068290" y="4623839"/>
+              <a:ext cx="3392275" cy="369332"/>
+            </a:xfrm>
+            <a:prstGeom prst="rect">
+              <a:avLst/>
+            </a:prstGeom>
+            <a:noFill/>
+          </p:spPr>
+          <p:txBody>
+            <a:bodyPr wrap="none" rtlCol="0">
+              <a:spAutoFit/>
+            </a:bodyPr>
+            <a:lstStyle/>
+            <a:p>
+              <a:r>
+                <a:rPr lang="ko-KR" altLang="en-US" dirty="0" smtClean="0"/>
+                <a:t>참조 </a:t>
+              </a:r>
+              <a:r>
+                <a:rPr lang="ko-KR" altLang="en-US" dirty="0" smtClean="0"/>
+                <a:t>자료형으로서 </a:t>
+              </a:r>
+              <a:r>
+                <a:rPr lang="ko-KR" altLang="en-US" dirty="0" smtClean="0"/>
+                <a:t>배열의 특징</a:t>
+              </a:r>
+              <a:endParaRPr lang="ko-KR" altLang="en-US" dirty="0"/>
+            </a:p>
+          </p:txBody>
+        </p:sp>
+      </p:grpSp>
+    </p:spTree>
+    <p:extLst>
+      <p:ext uri="{BB962C8B-B14F-4D97-AF65-F5344CB8AC3E}">
+        <p14:creationId xmlns:p14="http://schemas.microsoft.com/office/powerpoint/2010/main" val="978424635"/>
+      </p:ext>
+    </p:extLst>
+  </p:cSld>
+  <p:clrMapOvr>
+    <a:masterClrMapping/>
+  </p:clrMapOvr>
+  <p:timing>
+    <p:tnLst>
+      <p:par>
+        <p:cTn id="1" dur="indefinite" restart="never" nodeType="tmRoot">
+          <p:childTnLst>
+            <p:seq concurrent="1" nextAc="seek">
+              <p:cTn id="2" dur="indefinite" nodeType="mainSeq">
+                <p:childTnLst>
+                  <p:par>
+                    <p:cTn id="3" fill="hold">
+                      <p:stCondLst>
+                        <p:cond delay="indefinite"/>
+                      </p:stCondLst>
+                      <p:childTnLst>
+                        <p:par>
+                          <p:cTn id="4" fill="hold">
+                            <p:stCondLst>
+                              <p:cond delay="0"/>
+                            </p:stCondLst>
+                            <p:childTnLst>
+                              <p:par>
+                                <p:cTn id="5" presetID="22" presetClass="entr" presetSubtype="4" fill="hold" nodeType="clickEffect">
+                                  <p:stCondLst>
+                                    <p:cond delay="0"/>
+                                  </p:stCondLst>
+                                  <p:childTnLst>
+                                    <p:set>
+                                      <p:cBhvr>
+                                        <p:cTn id="6" dur="1" fill="hold">
+                                          <p:stCondLst>
+                                            <p:cond delay="0"/>
+                                          </p:stCondLst>
+                                        </p:cTn>
+                                        <p:tgtEl>
+                                          <p:spTgt spid="3"/>
+                                        </p:tgtEl>
+                                        <p:attrNameLst>
+                                          <p:attrName>style.visibility</p:attrName>
+                                        </p:attrNameLst>
+                                      </p:cBhvr>
+                                      <p:to>
+                                        <p:strVal val="visible"/>
+                                      </p:to>
+                                    </p:set>
+                                    <p:animEffect transition="in" filter="wipe(down)">
+                                      <p:cBhvr>
+                                        <p:cTn id="7" dur="500"/>
+                                        <p:tgtEl>
+                                          <p:spTgt spid="3"/>
+                                        </p:tgtEl>
+                                      </p:cBhvr>
+                                    </p:animEffect>
+                                  </p:childTnLst>
+                                </p:cTn>
+                              </p:par>
+                              <p:par>
+                                <p:cTn id="8" presetID="22" presetClass="entr" presetSubtype="4" fill="hold" nodeType="withEffect">
+                                  <p:stCondLst>
+                                    <p:cond delay="0"/>
+                                  </p:stCondLst>
+                                  <p:childTnLst>
+                                    <p:set>
+                                      <p:cBhvr>
+                                        <p:cTn id="9" dur="1" fill="hold">
+                                          <p:stCondLst>
+                                            <p:cond delay="0"/>
+                                          </p:stCondLst>
+                                        </p:cTn>
+                                        <p:tgtEl>
+                                          <p:spTgt spid="4"/>
+                                        </p:tgtEl>
+                                        <p:attrNameLst>
+                                          <p:attrName>style.visibility</p:attrName>
+                                        </p:attrNameLst>
+                                      </p:cBhvr>
+                                      <p:to>
+                                        <p:strVal val="visible"/>
+                                      </p:to>
+                                    </p:set>
+                                    <p:animEffect transition="in" filter="wipe(down)">
+                                      <p:cBhvr>
+                                        <p:cTn id="10" dur="500"/>
+                                        <p:tgtEl>
+                                          <p:spTgt spid="4"/>
+                                        </p:tgtEl>
+                                      </p:cBhvr>
+                                    </p:animEffect>
+                                  </p:childTnLst>
+                                </p:cTn>
+                              </p:par>
+                              <p:par>
+                                <p:cTn id="11" presetID="22" presetClass="entr" presetSubtype="4" fill="hold" nodeType="withEffect">
+                                  <p:stCondLst>
+                                    <p:cond delay="0"/>
+                                  </p:stCondLst>
+                                  <p:childTnLst>
+                                    <p:set>
+                                      <p:cBhvr>
+                                        <p:cTn id="12" dur="1" fill="hold">
+                                          <p:stCondLst>
+                                            <p:cond delay="0"/>
+                                          </p:stCondLst>
+                                        </p:cTn>
+                                        <p:tgtEl>
+                                          <p:spTgt spid="5"/>
+                                        </p:tgtEl>
+                                        <p:attrNameLst>
+                                          <p:attrName>style.visibility</p:attrName>
+                                        </p:attrNameLst>
+                                      </p:cBhvr>
+                                      <p:to>
+                                        <p:strVal val="visible"/>
+                                      </p:to>
+                                    </p:set>
+                                    <p:animEffect transition="in" filter="wipe(down)">
+                                      <p:cBhvr>
+                                        <p:cTn id="13" dur="500"/>
+                                        <p:tgtEl>
+                                          <p:spTgt spid="5"/>
+                                        </p:tgtEl>
+                                      </p:cBhvr>
+                                    </p:animEffect>
+                                  </p:childTnLst>
+                                </p:cTn>
+                              </p:par>
+                              <p:par>
+                                <p:cTn id="14" presetID="22" presetClass="entr" presetSubtype="4" fill="hold" nodeType="withEffect">
+                                  <p:stCondLst>
+                                    <p:cond delay="0"/>
+                                  </p:stCondLst>
+                                  <p:childTnLst>
+                                    <p:set>
+                                      <p:cBhvr>
+                                        <p:cTn id="15" dur="1" fill="hold">
+                                          <p:stCondLst>
+                                            <p:cond delay="0"/>
+                                          </p:stCondLst>
+                                        </p:cTn>
+                                        <p:tgtEl>
+                                          <p:spTgt spid="6"/>
+                                        </p:tgtEl>
+                                        <p:attrNameLst>
+                                          <p:attrName>style.visibility</p:attrName>
+                                        </p:attrNameLst>
+                                      </p:cBhvr>
+                                      <p:to>
+                                        <p:strVal val="visible"/>
+                                      </p:to>
+                                    </p:set>
+                                    <p:animEffect transition="in" filter="wipe(down)">
+                                      <p:cBhvr>
+                                        <p:cTn id="16" dur="500"/>
+                                        <p:tgtEl>
+                                          <p:spTgt spid="6"/>
+                                        </p:tgtEl>
+                                      </p:cBhvr>
+                                    </p:animEffect>
+                                  </p:childTnLst>
+                                </p:cTn>
+                              </p:par>
+                            </p:childTnLst>
+                          </p:cTn>
+                        </p:par>
+                      </p:childTnLst>
+                    </p:cTn>
+                  </p:par>
+                </p:childTnLst>
+              </p:cTn>
+              <p:prevCondLst>
+                <p:cond evt="onPrev" delay="0">
+                  <p:tgtEl>
+                    <p:sldTgt/>
+                  </p:tgtEl>
+                </p:cond>
+              </p:prevCondLst>
+              <p:nextCondLst>
+                <p:cond evt="onNext" delay="0">
+                  <p:tgtEl>
+                    <p:sldTgt/>
+                  </p:tgtEl>
+                </p:cond>
+              </p:nextCondLst>
+            </p:seq>
+          </p:childTnLst>
+        </p:cTn>
+      </p:par>
+    </p:tnLst>
+  </p:timing>
+</p:sld>
+</file>
+
+<file path=ppt/slides/slide21.xml><?xml version="1.0" encoding="utf-8"?>
+<p:sld xmlns:a="http://schemas.openxmlformats.org/drawingml/2006/main" xmlns:r="http://schemas.openxmlformats.org/officeDocument/2006/relationships" xmlns:p="http://schemas.openxmlformats.org/presentationml/2006/main">
+  <p:cSld>
+    <p:spTree>
+      <p:nvGrpSpPr>
+        <p:cNvPr id="1" name=""/>
+        <p:cNvGrpSpPr/>
+        <p:nvPr/>
+      </p:nvGrpSpPr>
+      <p:grpSpPr>
+        <a:xfrm>
+          <a:off x="0" y="0"/>
+          <a:ext cx="0" cy="0"/>
+          <a:chOff x="0" y="0"/>
+          <a:chExt cx="0" cy="0"/>
+        </a:xfrm>
+      </p:grpSpPr>
       <p:sp>
         <p:nvSpPr>
-          <p:cNvPr id="14" name="오른쪽 화살표 13"/>
-          <p:cNvSpPr/>
-          <p:nvPr/>
+          <p:cNvPr id="2" name="제목 1"/>
+          <p:cNvSpPr>
+            <a:spLocks noGrp="1"/>
+          </p:cNvSpPr>
+          <p:nvPr>
+            <p:ph type="title"/>
+          </p:nvPr>
         </p:nvSpPr>
-        <p:spPr>
-          <a:xfrm>
-            <a:off x="5165817" y="2554747"/>
-            <a:ext cx="902473" cy="469638"/>
-          </a:xfrm>
-          <a:prstGeom prst="rightArrow">
-            <a:avLst/>
-          </a:prstGeom>
-        </p:spPr>
-        <p:style>
-          <a:lnRef idx="2">
-            <a:schemeClr val="accent1">
-              <a:shade val="50000"/>
-            </a:schemeClr>
-          </a:lnRef>
-          <a:fillRef idx="1">
-            <a:schemeClr val="accent1"/>
-          </a:fillRef>
-          <a:effectRef idx="0">
-            <a:schemeClr val="accent1"/>
-          </a:effectRef>
-          <a:fontRef idx="minor">
-            <a:schemeClr val="lt1"/>
-          </a:fontRef>
-        </p:style>
+        <p:spPr/>
         <p:txBody>
-          <a:bodyPr rtlCol="0" anchor="ctr"/>
+          <a:bodyPr/>
           <a:lstStyle/>
           <a:p>
             <a:pPr algn="ctr"/>
+            <a:r>
+              <a:rPr lang="ko-KR" altLang="en-US" dirty="0" smtClean="0"/>
+              <a:t>배열</a:t>
+            </a:r>
             <a:endParaRPr lang="ko-KR" altLang="en-US" dirty="0"/>
           </a:p>
         </p:txBody>
       </p:sp>
+      <p:graphicFrame>
+        <p:nvGraphicFramePr>
+          <p:cNvPr id="4" name="다이어그램 3"/>
+          <p:cNvGraphicFramePr/>
+          <p:nvPr>
+            <p:extLst>
+              <p:ext uri="{D42A27DB-BD31-4B8C-83A1-F6EECF244321}">
+                <p14:modId xmlns:p14="http://schemas.microsoft.com/office/powerpoint/2010/main" val="918157504"/>
+              </p:ext>
+            </p:extLst>
+          </p:nvPr>
+        </p:nvGraphicFramePr>
+        <p:xfrm>
+          <a:off x="4741950" y="2241489"/>
+          <a:ext cx="6749554" cy="4500132"/>
+        </p:xfrm>
+        <a:graphic>
+          <a:graphicData uri="http://schemas.openxmlformats.org/drawingml/2006/diagram">
+            <dgm:relIds xmlns:dgm="http://schemas.openxmlformats.org/drawingml/2006/diagram" xmlns:r="http://schemas.openxmlformats.org/officeDocument/2006/relationships" r:dm="rId2" r:lo="rId3" r:qs="rId4" r:cs="rId5"/>
+          </a:graphicData>
+        </a:graphic>
+      </p:graphicFrame>
       <p:sp>
         <p:nvSpPr>
-          <p:cNvPr id="15" name="TextBox 14"/>
+          <p:cNvPr id="5" name="TextBox 4"/>
           <p:cNvSpPr txBox="1"/>
           <p:nvPr/>
         </p:nvSpPr>
         <p:spPr>
           <a:xfrm>
-            <a:off x="6068290" y="2604900"/>
-            <a:ext cx="3708066" cy="369332"/>
+            <a:off x="7407238" y="2102989"/>
+            <a:ext cx="1418978" cy="276999"/>
           </a:xfrm>
           <a:prstGeom prst="rect">
             <a:avLst/>
@@ -20691,67 +24336,47 @@
           <a:lstStyle/>
           <a:p>
             <a:r>
-              <a:rPr lang="ko-KR" altLang="en-US" dirty="0" smtClean="0"/>
-              <a:t>배열을 생성하는 방법을 알아보자</a:t>
-            </a:r>
-            <a:r>
-              <a:rPr lang="en-US" altLang="ko-KR" dirty="0" smtClean="0"/>
-              <a:t>.</a:t>
-            </a:r>
-            <a:endParaRPr lang="ko-KR" altLang="en-US" dirty="0"/>
+              <a:rPr lang="en-US" altLang="ko-KR" sz="1200" b="1" dirty="0" smtClean="0">
+                <a:solidFill>
+                  <a:schemeClr val="bg1"/>
+                </a:solidFill>
+              </a:rPr>
+              <a:t>[ </a:t>
+            </a:r>
+            <a:r>
+              <a:rPr lang="ko-KR" altLang="en-US" sz="1200" b="1" dirty="0" smtClean="0">
+                <a:solidFill>
+                  <a:schemeClr val="bg1"/>
+                </a:solidFill>
+              </a:rPr>
+              <a:t>배열 생성 순서 </a:t>
+            </a:r>
+            <a:r>
+              <a:rPr lang="en-US" altLang="ko-KR" sz="1200" b="1" dirty="0" smtClean="0">
+                <a:solidFill>
+                  <a:schemeClr val="bg1"/>
+                </a:solidFill>
+              </a:rPr>
+              <a:t>]</a:t>
+            </a:r>
+            <a:endParaRPr lang="ko-KR" altLang="en-US" sz="1200" b="1" dirty="0">
+              <a:solidFill>
+                <a:schemeClr val="bg1"/>
+              </a:solidFill>
+            </a:endParaRPr>
           </a:p>
         </p:txBody>
       </p:sp>
       <p:sp>
         <p:nvSpPr>
-          <p:cNvPr id="19" name="오른쪽 화살표 18"/>
-          <p:cNvSpPr/>
-          <p:nvPr/>
-        </p:nvSpPr>
-        <p:spPr>
-          <a:xfrm>
-            <a:off x="5165817" y="3200794"/>
-            <a:ext cx="902473" cy="469638"/>
-          </a:xfrm>
-          <a:prstGeom prst="rightArrow">
-            <a:avLst/>
-          </a:prstGeom>
-        </p:spPr>
-        <p:style>
-          <a:lnRef idx="2">
-            <a:schemeClr val="accent1">
-              <a:shade val="50000"/>
-            </a:schemeClr>
-          </a:lnRef>
-          <a:fillRef idx="1">
-            <a:schemeClr val="accent1"/>
-          </a:fillRef>
-          <a:effectRef idx="0">
-            <a:schemeClr val="accent1"/>
-          </a:effectRef>
-          <a:fontRef idx="minor">
-            <a:schemeClr val="lt1"/>
-          </a:fontRef>
-        </p:style>
-        <p:txBody>
-          <a:bodyPr rtlCol="0" anchor="ctr"/>
-          <a:lstStyle/>
-          <a:p>
-            <a:pPr algn="ctr"/>
-            <a:endParaRPr lang="ko-KR" altLang="en-US" dirty="0"/>
-          </a:p>
-        </p:txBody>
-      </p:sp>
-      <p:sp>
-        <p:nvSpPr>
-          <p:cNvPr id="20" name="TextBox 19"/>
+          <p:cNvPr id="7" name="TextBox 6"/>
           <p:cNvSpPr txBox="1"/>
           <p:nvPr/>
         </p:nvSpPr>
         <p:spPr>
           <a:xfrm>
-            <a:off x="6068290" y="3250947"/>
-            <a:ext cx="3813865" cy="369332"/>
+            <a:off x="680325" y="2141943"/>
+            <a:ext cx="4610558" cy="1107996"/>
           </a:xfrm>
           <a:prstGeom prst="rect">
             <a:avLst/>
@@ -20765,67 +24390,337 @@
           <a:lstStyle/>
           <a:p>
             <a:r>
-              <a:rPr lang="en-US" altLang="ko-KR" dirty="0" smtClean="0"/>
-              <a:t>1</a:t>
-            </a:r>
-            <a:r>
-              <a:rPr lang="ko-KR" altLang="en-US" dirty="0" smtClean="0"/>
-              <a:t>차원 배열을 생성하는 다양한 방법</a:t>
-            </a:r>
-            <a:endParaRPr lang="ko-KR" altLang="en-US" dirty="0"/>
+              <a:rPr lang="ko-KR" altLang="en-US" sz="1400" dirty="0" smtClean="0">
+                <a:solidFill>
+                  <a:schemeClr val="bg1"/>
+                </a:solidFill>
+              </a:rPr>
+              <a:t>▶ 배열 선언의 </a:t>
+            </a:r>
+            <a:r>
+              <a:rPr lang="en-US" altLang="ko-KR" sz="1400" dirty="0" smtClean="0">
+                <a:solidFill>
+                  <a:schemeClr val="bg1"/>
+                </a:solidFill>
+              </a:rPr>
+              <a:t>2</a:t>
+            </a:r>
+            <a:r>
+              <a:rPr lang="ko-KR" altLang="en-US" sz="1400" dirty="0" smtClean="0">
+                <a:solidFill>
+                  <a:schemeClr val="bg1"/>
+                </a:solidFill>
+              </a:rPr>
+              <a:t>가지 방법</a:t>
+            </a:r>
+            <a:endParaRPr lang="en-US" altLang="ko-KR" sz="1400" dirty="0">
+              <a:solidFill>
+                <a:schemeClr val="bg1"/>
+              </a:solidFill>
+            </a:endParaRPr>
+          </a:p>
+          <a:p>
+            <a:r>
+              <a:rPr lang="en-US" altLang="ko-KR" sz="1000" dirty="0" smtClean="0">
+                <a:solidFill>
+                  <a:schemeClr val="bg1"/>
+                </a:solidFill>
+              </a:rPr>
+              <a:t>       :: </a:t>
+            </a:r>
+            <a:r>
+              <a:rPr lang="ko-KR" altLang="en-US" sz="1000" dirty="0" smtClean="0">
+                <a:solidFill>
+                  <a:schemeClr val="bg1"/>
+                </a:solidFill>
+              </a:rPr>
+              <a:t>자료형</a:t>
+            </a:r>
+            <a:r>
+              <a:rPr lang="en-US" altLang="ko-KR" sz="1000" dirty="0" smtClean="0">
+                <a:solidFill>
+                  <a:schemeClr val="bg1"/>
+                </a:solidFill>
+              </a:rPr>
+              <a:t>[ ] </a:t>
+            </a:r>
+            <a:r>
+              <a:rPr lang="ko-KR" altLang="en-US" sz="1000" dirty="0" smtClean="0">
+                <a:solidFill>
+                  <a:schemeClr val="bg1"/>
+                </a:solidFill>
+              </a:rPr>
+              <a:t>변수명 → </a:t>
+            </a:r>
+            <a:r>
+              <a:rPr lang="en-US" altLang="ko-KR" sz="1000" dirty="0" smtClean="0">
+                <a:solidFill>
+                  <a:schemeClr val="bg1"/>
+                </a:solidFill>
+              </a:rPr>
+              <a:t>int[ ] a;</a:t>
+            </a:r>
+            <a:endParaRPr lang="en-US" altLang="ko-KR" sz="1000" dirty="0">
+              <a:solidFill>
+                <a:schemeClr val="bg1"/>
+              </a:solidFill>
+            </a:endParaRPr>
+          </a:p>
+          <a:p>
+            <a:r>
+              <a:rPr lang="en-US" altLang="ko-KR" sz="1000" dirty="0" smtClean="0">
+                <a:solidFill>
+                  <a:schemeClr val="bg1"/>
+                </a:solidFill>
+              </a:rPr>
+              <a:t>       :: </a:t>
+            </a:r>
+            <a:r>
+              <a:rPr lang="ko-KR" altLang="en-US" sz="1000" dirty="0" smtClean="0">
+                <a:solidFill>
+                  <a:schemeClr val="bg1"/>
+                </a:solidFill>
+              </a:rPr>
+              <a:t>자료형 변수명 </a:t>
+            </a:r>
+            <a:r>
+              <a:rPr lang="en-US" altLang="ko-KR" sz="1000" dirty="0" smtClean="0">
+                <a:solidFill>
+                  <a:schemeClr val="bg1"/>
+                </a:solidFill>
+              </a:rPr>
+              <a:t>[ ] </a:t>
+            </a:r>
+            <a:r>
+              <a:rPr lang="ko-KR" altLang="en-US" sz="1000" dirty="0" smtClean="0">
+                <a:solidFill>
+                  <a:schemeClr val="bg1"/>
+                </a:solidFill>
+              </a:rPr>
+              <a:t>→</a:t>
+            </a:r>
+            <a:r>
+              <a:rPr lang="en-US" altLang="ko-KR" sz="1000" dirty="0" smtClean="0">
+                <a:solidFill>
+                  <a:schemeClr val="bg1"/>
+                </a:solidFill>
+              </a:rPr>
+              <a:t>int a [ ];</a:t>
+            </a:r>
+            <a:endParaRPr lang="en-US" altLang="ko-KR" sz="1000" dirty="0">
+              <a:solidFill>
+                <a:schemeClr val="bg1"/>
+              </a:solidFill>
+            </a:endParaRPr>
+          </a:p>
+          <a:p>
+            <a:r>
+              <a:rPr lang="en-US" altLang="ko-KR" sz="200" dirty="0" smtClean="0">
+                <a:solidFill>
+                  <a:schemeClr val="bg1"/>
+                </a:solidFill>
+              </a:rPr>
+              <a:t> </a:t>
+            </a:r>
+            <a:r>
+              <a:rPr lang="en-US" altLang="ko-KR" sz="1000" dirty="0" smtClean="0">
+                <a:solidFill>
+                  <a:schemeClr val="bg1"/>
+                </a:solidFill>
+              </a:rPr>
+              <a:t/>
+            </a:r>
+            <a:br>
+              <a:rPr lang="en-US" altLang="ko-KR" sz="1000" dirty="0" smtClean="0">
+                <a:solidFill>
+                  <a:schemeClr val="bg1"/>
+                </a:solidFill>
+              </a:rPr>
+            </a:br>
+            <a:r>
+              <a:rPr lang="ko-KR" altLang="en-US" sz="1000" dirty="0" smtClean="0">
+                <a:solidFill>
+                  <a:schemeClr val="bg1"/>
+                </a:solidFill>
+              </a:rPr>
+              <a:t>특징</a:t>
+            </a:r>
+            <a:r>
+              <a:rPr lang="en-US" altLang="ko-KR" sz="1000" dirty="0" smtClean="0">
+                <a:solidFill>
+                  <a:schemeClr val="bg1"/>
+                </a:solidFill>
+              </a:rPr>
+              <a:t>1) </a:t>
+            </a:r>
+            <a:r>
+              <a:rPr lang="ko-KR" altLang="en-US" sz="1000" b="1" dirty="0" smtClean="0">
+                <a:solidFill>
+                  <a:srgbClr val="FF0000"/>
+                </a:solidFill>
+              </a:rPr>
+              <a:t>배열은 동일한 </a:t>
+            </a:r>
+            <a:r>
+              <a:rPr lang="ko-KR" altLang="en-US" sz="1000" b="1" dirty="0" err="1" smtClean="0">
+                <a:solidFill>
+                  <a:srgbClr val="FF0000"/>
+                </a:solidFill>
+              </a:rPr>
+              <a:t>자료형만</a:t>
+            </a:r>
+            <a:r>
+              <a:rPr lang="ko-KR" altLang="en-US" sz="1000" b="1" dirty="0" smtClean="0">
+                <a:solidFill>
+                  <a:srgbClr val="FF0000"/>
+                </a:solidFill>
+              </a:rPr>
+              <a:t> 묶을 수 있으므로 </a:t>
+            </a:r>
+            <a:r>
+              <a:rPr lang="ko-KR" altLang="en-US" sz="1000" dirty="0" smtClean="0">
+                <a:solidFill>
+                  <a:schemeClr val="bg1"/>
+                </a:solidFill>
+              </a:rPr>
+              <a:t>배열에 저장되는</a:t>
+            </a:r>
+            <a:r>
+              <a:rPr lang="en-US" altLang="ko-KR" sz="1000" dirty="0">
+                <a:solidFill>
+                  <a:schemeClr val="bg1"/>
+                </a:solidFill>
+              </a:rPr>
+              <a:t> </a:t>
+            </a:r>
+            <a:r>
+              <a:rPr lang="ko-KR" altLang="en-US" sz="1000" dirty="0" smtClean="0">
+                <a:solidFill>
+                  <a:schemeClr val="bg1"/>
+                </a:solidFill>
+              </a:rPr>
+              <a:t>자료형을 </a:t>
+            </a:r>
+            <a:endParaRPr lang="en-US" altLang="ko-KR" sz="1000" dirty="0" smtClean="0">
+              <a:solidFill>
+                <a:schemeClr val="bg1"/>
+              </a:solidFill>
+            </a:endParaRPr>
+          </a:p>
+          <a:p>
+            <a:r>
+              <a:rPr lang="ko-KR" altLang="en-US" sz="1000" dirty="0" smtClean="0">
+                <a:solidFill>
+                  <a:schemeClr val="bg1"/>
+                </a:solidFill>
+              </a:rPr>
+              <a:t>알아야 한다</a:t>
+            </a:r>
+            <a:r>
+              <a:rPr lang="en-US" altLang="ko-KR" sz="1000" dirty="0" smtClean="0">
+                <a:solidFill>
+                  <a:schemeClr val="bg1"/>
+                </a:solidFill>
+              </a:rPr>
+              <a:t>. </a:t>
+            </a:r>
+            <a:r>
+              <a:rPr lang="ko-KR" altLang="en-US" sz="1000" dirty="0" smtClean="0">
+                <a:solidFill>
+                  <a:schemeClr val="bg1"/>
+                </a:solidFill>
+              </a:rPr>
+              <a:t>그렇기 때문에 </a:t>
+            </a:r>
+            <a:r>
+              <a:rPr lang="en-US" altLang="ko-KR" sz="1000" dirty="0" smtClean="0">
+                <a:solidFill>
+                  <a:schemeClr val="bg1"/>
+                </a:solidFill>
+              </a:rPr>
+              <a:t>‘</a:t>
+            </a:r>
+            <a:r>
+              <a:rPr lang="ko-KR" altLang="en-US" sz="1000" dirty="0" smtClean="0">
+                <a:solidFill>
+                  <a:schemeClr val="bg1"/>
+                </a:solidFill>
+              </a:rPr>
+              <a:t>자료형</a:t>
+            </a:r>
+            <a:r>
+              <a:rPr lang="en-US" altLang="ko-KR" sz="1000" dirty="0" smtClean="0">
+                <a:solidFill>
+                  <a:schemeClr val="bg1"/>
+                </a:solidFill>
+              </a:rPr>
+              <a:t>[ ]’</a:t>
+            </a:r>
+            <a:r>
+              <a:rPr lang="ko-KR" altLang="en-US" sz="1000" dirty="0" smtClean="0">
+                <a:solidFill>
+                  <a:schemeClr val="bg1"/>
+                </a:solidFill>
+              </a:rPr>
+              <a:t>형식을 사용해</a:t>
+            </a:r>
+            <a:r>
+              <a:rPr lang="en-US" altLang="ko-KR" sz="1000" dirty="0">
+                <a:solidFill>
+                  <a:schemeClr val="bg1"/>
+                </a:solidFill>
+              </a:rPr>
+              <a:t> </a:t>
+            </a:r>
+            <a:r>
+              <a:rPr lang="ko-KR" altLang="en-US" sz="1000" dirty="0" smtClean="0">
+                <a:solidFill>
+                  <a:schemeClr val="bg1"/>
+                </a:solidFill>
+              </a:rPr>
+              <a:t>배열 자료형을 보자마자</a:t>
+            </a:r>
+            <a:endParaRPr lang="en-US" altLang="ko-KR" sz="1000" dirty="0" smtClean="0">
+              <a:solidFill>
+                <a:schemeClr val="bg1"/>
+              </a:solidFill>
+            </a:endParaRPr>
+          </a:p>
+          <a:p>
+            <a:r>
+              <a:rPr lang="ko-KR" altLang="en-US" sz="1000" dirty="0" smtClean="0">
+                <a:solidFill>
+                  <a:schemeClr val="bg1"/>
+                </a:solidFill>
+              </a:rPr>
+              <a:t>어떤 타입을 알 수 있도록 하는 것이다</a:t>
+            </a:r>
+            <a:r>
+              <a:rPr lang="en-US" altLang="ko-KR" sz="1000" dirty="0" smtClean="0">
+                <a:solidFill>
+                  <a:schemeClr val="bg1"/>
+                </a:solidFill>
+              </a:rPr>
+              <a:t>.</a:t>
+            </a:r>
+            <a:endParaRPr lang="ko-KR" altLang="en-US" sz="1000" dirty="0">
+              <a:solidFill>
+                <a:schemeClr val="bg1"/>
+              </a:solidFill>
+            </a:endParaRPr>
           </a:p>
         </p:txBody>
       </p:sp>
       <p:sp>
         <p:nvSpPr>
-          <p:cNvPr id="21" name="오른쪽 화살표 20"/>
-          <p:cNvSpPr/>
-          <p:nvPr/>
-        </p:nvSpPr>
-        <p:spPr>
-          <a:xfrm>
-            <a:off x="5165817" y="3895526"/>
-            <a:ext cx="902473" cy="469638"/>
-          </a:xfrm>
-          <a:prstGeom prst="rightArrow">
-            <a:avLst/>
-          </a:prstGeom>
-        </p:spPr>
-        <p:style>
-          <a:lnRef idx="2">
-            <a:schemeClr val="accent1">
-              <a:shade val="50000"/>
-            </a:schemeClr>
-          </a:lnRef>
-          <a:fillRef idx="1">
-            <a:schemeClr val="accent1"/>
-          </a:fillRef>
-          <a:effectRef idx="0">
-            <a:schemeClr val="accent1"/>
-          </a:effectRef>
-          <a:fontRef idx="minor">
-            <a:schemeClr val="lt1"/>
-          </a:fontRef>
-        </p:style>
-        <p:txBody>
-          <a:bodyPr rtlCol="0" anchor="ctr"/>
-          <a:lstStyle/>
-          <a:p>
-            <a:pPr algn="ctr"/>
-            <a:endParaRPr lang="ko-KR" altLang="en-US" dirty="0"/>
-          </a:p>
-        </p:txBody>
-      </p:sp>
-      <p:sp>
-        <p:nvSpPr>
-          <p:cNvPr id="22" name="TextBox 21"/>
+          <p:cNvPr id="8" name="TextBox 7"/>
           <p:cNvSpPr txBox="1"/>
           <p:nvPr/>
         </p:nvSpPr>
         <p:spPr>
           <a:xfrm>
-            <a:off x="6068290" y="3945679"/>
-            <a:ext cx="4222631" cy="369332"/>
+            <a:off x="680325" y="3249939"/>
+            <a:ext cx="4350871" cy="815608"/>
           </a:xfrm>
           <a:prstGeom prst="rect">
             <a:avLst/>
@@ -20839,63 +24734,203 @@
           <a:lstStyle/>
           <a:p>
             <a:r>
-              <a:rPr lang="ko-KR" altLang="en-US" dirty="0" smtClean="0"/>
-              <a:t>참조 변수와 배열 객체의 값 초기화하기</a:t>
-            </a:r>
-            <a:endParaRPr lang="ko-KR" altLang="en-US" dirty="0"/>
+              <a:rPr lang="ko-KR" altLang="en-US" sz="1400" dirty="0" smtClean="0">
+                <a:solidFill>
+                  <a:schemeClr val="bg1"/>
+                </a:solidFill>
+              </a:rPr>
+              <a:t>▶ 배열의 객체 생성</a:t>
+            </a:r>
+            <a:r>
+              <a:rPr lang="en-US" altLang="ko-KR" sz="1500" dirty="0" smtClean="0">
+                <a:solidFill>
+                  <a:schemeClr val="bg1"/>
+                </a:solidFill>
+              </a:rPr>
+              <a:t/>
+            </a:r>
+            <a:br>
+              <a:rPr lang="en-US" altLang="ko-KR" sz="1500" dirty="0" smtClean="0">
+                <a:solidFill>
+                  <a:schemeClr val="bg1"/>
+                </a:solidFill>
+              </a:rPr>
+            </a:br>
+            <a:r>
+              <a:rPr lang="ko-KR" altLang="en-US" sz="1000" dirty="0">
+                <a:solidFill>
+                  <a:schemeClr val="bg1"/>
+                </a:solidFill>
+              </a:rPr>
+              <a:t> </a:t>
+            </a:r>
+            <a:r>
+              <a:rPr lang="ko-KR" altLang="en-US" sz="1000" dirty="0" smtClean="0">
+                <a:solidFill>
+                  <a:schemeClr val="bg1"/>
+                </a:solidFill>
+              </a:rPr>
+              <a:t>      </a:t>
+            </a:r>
+            <a:r>
+              <a:rPr lang="en-US" altLang="ko-KR" sz="1000" dirty="0" smtClean="0">
+                <a:solidFill>
+                  <a:schemeClr val="bg1"/>
+                </a:solidFill>
+              </a:rPr>
+              <a:t>:: new </a:t>
+            </a:r>
+            <a:r>
+              <a:rPr lang="ko-KR" altLang="en-US" sz="1000" dirty="0" smtClean="0">
+                <a:solidFill>
+                  <a:schemeClr val="bg1"/>
+                </a:solidFill>
+              </a:rPr>
+              <a:t>자료형 </a:t>
+            </a:r>
+            <a:r>
+              <a:rPr lang="en-US" altLang="ko-KR" sz="1000" dirty="0" smtClean="0">
+                <a:solidFill>
+                  <a:schemeClr val="bg1"/>
+                </a:solidFill>
+              </a:rPr>
+              <a:t>[</a:t>
+            </a:r>
+            <a:r>
+              <a:rPr lang="ko-KR" altLang="en-US" sz="1000" dirty="0" smtClean="0">
+                <a:solidFill>
+                  <a:schemeClr val="bg1"/>
+                </a:solidFill>
+              </a:rPr>
+              <a:t>배열의 길이</a:t>
+            </a:r>
+            <a:r>
+              <a:rPr lang="en-US" altLang="ko-KR" sz="1000" dirty="0" smtClean="0">
+                <a:solidFill>
+                  <a:schemeClr val="bg1"/>
+                </a:solidFill>
+              </a:rPr>
+              <a:t>] </a:t>
+            </a:r>
+            <a:br>
+              <a:rPr lang="en-US" altLang="ko-KR" sz="1000" dirty="0" smtClean="0">
+                <a:solidFill>
+                  <a:schemeClr val="bg1"/>
+                </a:solidFill>
+              </a:rPr>
+            </a:br>
+            <a:r>
+              <a:rPr lang="en-US" altLang="ko-KR" sz="1000" dirty="0" smtClean="0">
+                <a:solidFill>
+                  <a:schemeClr val="bg1"/>
+                </a:solidFill>
+              </a:rPr>
+              <a:t>        → new String[5]; :: </a:t>
+            </a:r>
+            <a:r>
+              <a:rPr lang="ko-KR" altLang="en-US" sz="1000" dirty="0" smtClean="0">
+                <a:solidFill>
+                  <a:schemeClr val="bg1"/>
+                </a:solidFill>
+              </a:rPr>
+              <a:t>문자열 자료형 </a:t>
+            </a:r>
+            <a:r>
+              <a:rPr lang="en-US" altLang="ko-KR" sz="1000" dirty="0" smtClean="0">
+                <a:solidFill>
+                  <a:schemeClr val="bg1"/>
+                </a:solidFill>
+              </a:rPr>
+              <a:t>10</a:t>
+            </a:r>
+            <a:r>
+              <a:rPr lang="ko-KR" altLang="en-US" sz="1000" dirty="0" smtClean="0">
+                <a:solidFill>
+                  <a:schemeClr val="bg1"/>
+                </a:solidFill>
+              </a:rPr>
+              <a:t>개를 포함할 수 있는 객체 생성</a:t>
+            </a:r>
+            <a:endParaRPr lang="en-US" altLang="ko-KR" sz="1000" dirty="0" smtClean="0">
+              <a:solidFill>
+                <a:schemeClr val="bg1"/>
+              </a:solidFill>
+            </a:endParaRPr>
+          </a:p>
+          <a:p>
+            <a:r>
+              <a:rPr lang="en-US" altLang="ko-KR" sz="200" dirty="0">
+                <a:solidFill>
+                  <a:schemeClr val="bg1"/>
+                </a:solidFill>
+              </a:rPr>
+              <a:t> </a:t>
+            </a:r>
+            <a:endParaRPr lang="en-US" altLang="ko-KR" sz="200" dirty="0" smtClean="0">
+              <a:solidFill>
+                <a:schemeClr val="bg1"/>
+              </a:solidFill>
+            </a:endParaRPr>
+          </a:p>
+          <a:p>
+            <a:r>
+              <a:rPr lang="ko-KR" altLang="en-US" sz="1000" dirty="0" smtClean="0">
+                <a:solidFill>
+                  <a:schemeClr val="bg1"/>
+                </a:solidFill>
+              </a:rPr>
+              <a:t>특징</a:t>
+            </a:r>
+            <a:r>
+              <a:rPr lang="en-US" altLang="ko-KR" sz="1000" dirty="0" smtClean="0">
+                <a:solidFill>
+                  <a:schemeClr val="bg1"/>
+                </a:solidFill>
+              </a:rPr>
+              <a:t>2)</a:t>
+            </a:r>
+            <a:r>
+              <a:rPr lang="ko-KR" altLang="en-US" sz="1000" b="1" dirty="0" smtClean="0">
+                <a:solidFill>
+                  <a:srgbClr val="FF0000"/>
+                </a:solidFill>
+              </a:rPr>
+              <a:t>배열 선언 시 그 배열의 길이를 반드시 지정</a:t>
+            </a:r>
+            <a:r>
+              <a:rPr lang="ko-KR" altLang="en-US" sz="1000" dirty="0" smtClean="0">
+                <a:solidFill>
+                  <a:schemeClr val="bg1"/>
+                </a:solidFill>
+              </a:rPr>
+              <a:t>해야 한다</a:t>
+            </a:r>
+            <a:r>
+              <a:rPr lang="en-US" altLang="ko-KR" sz="1000" dirty="0" smtClean="0">
+                <a:solidFill>
+                  <a:schemeClr val="bg1"/>
+                </a:solidFill>
+              </a:rPr>
+              <a:t>.</a:t>
+            </a:r>
+            <a:endParaRPr lang="en-US" altLang="ko-KR" sz="1000" dirty="0">
+              <a:solidFill>
+                <a:schemeClr val="bg1"/>
+              </a:solidFill>
+            </a:endParaRPr>
           </a:p>
         </p:txBody>
       </p:sp>
       <p:sp>
         <p:nvSpPr>
-          <p:cNvPr id="23" name="오른쪽 화살표 22"/>
-          <p:cNvSpPr/>
-          <p:nvPr/>
-        </p:nvSpPr>
-        <p:spPr>
-          <a:xfrm>
-            <a:off x="5165817" y="4573686"/>
-            <a:ext cx="902473" cy="469638"/>
-          </a:xfrm>
-          <a:prstGeom prst="rightArrow">
-            <a:avLst/>
-          </a:prstGeom>
-        </p:spPr>
-        <p:style>
-          <a:lnRef idx="2">
-            <a:schemeClr val="accent1">
-              <a:shade val="50000"/>
-            </a:schemeClr>
-          </a:lnRef>
-          <a:fillRef idx="1">
-            <a:schemeClr val="accent1"/>
-          </a:fillRef>
-          <a:effectRef idx="0">
-            <a:schemeClr val="accent1"/>
-          </a:effectRef>
-          <a:fontRef idx="minor">
-            <a:schemeClr val="lt1"/>
-          </a:fontRef>
-        </p:style>
-        <p:txBody>
-          <a:bodyPr rtlCol="0" anchor="ctr"/>
-          <a:lstStyle/>
-          <a:p>
-            <a:pPr algn="ctr"/>
-            <a:endParaRPr lang="ko-KR" altLang="en-US" dirty="0"/>
-          </a:p>
-        </p:txBody>
-      </p:sp>
-      <p:sp>
-        <p:nvSpPr>
-          <p:cNvPr id="24" name="TextBox 23"/>
+          <p:cNvPr id="9" name="TextBox 8"/>
           <p:cNvSpPr txBox="1"/>
           <p:nvPr/>
         </p:nvSpPr>
         <p:spPr>
           <a:xfrm>
-            <a:off x="6068290" y="4623839"/>
-            <a:ext cx="3161443" cy="369332"/>
+            <a:off x="680325" y="4065547"/>
+            <a:ext cx="2970685" cy="307777"/>
           </a:xfrm>
           <a:prstGeom prst="rect">
             <a:avLst/>
@@ -20909,25 +24944,634 @@
           <a:lstStyle/>
           <a:p>
             <a:r>
-              <a:rPr lang="ko-KR" altLang="en-US" dirty="0" smtClean="0"/>
-              <a:t>참조 </a:t>
-            </a:r>
-            <a:r>
-              <a:rPr lang="ko-KR" altLang="en-US" dirty="0" err="1" smtClean="0"/>
-              <a:t>자료형으로</a:t>
-            </a:r>
-            <a:r>
-              <a:rPr lang="ko-KR" altLang="en-US" dirty="0" smtClean="0"/>
-              <a:t> 배열의 특징</a:t>
-            </a:r>
-            <a:endParaRPr lang="ko-KR" altLang="en-US" dirty="0"/>
+              <a:rPr lang="ko-KR" altLang="en-US" sz="1400" dirty="0" smtClean="0">
+                <a:solidFill>
+                  <a:schemeClr val="bg1"/>
+                </a:solidFill>
+              </a:rPr>
+              <a:t>▶ 배열의 자료형 변수에 객체 대입</a:t>
+            </a:r>
+            <a:endParaRPr lang="en-US" altLang="ko-KR" sz="1400" dirty="0">
+              <a:solidFill>
+                <a:schemeClr val="bg1"/>
+              </a:solidFill>
+            </a:endParaRPr>
           </a:p>
         </p:txBody>
       </p:sp>
+      <p:sp>
+        <p:nvSpPr>
+          <p:cNvPr id="10" name="TextBox 9"/>
+          <p:cNvSpPr txBox="1"/>
+          <p:nvPr/>
+        </p:nvSpPr>
+        <p:spPr>
+          <a:xfrm>
+            <a:off x="680325" y="5618235"/>
+            <a:ext cx="1963999" cy="307777"/>
+          </a:xfrm>
+          <a:prstGeom prst="rect">
+            <a:avLst/>
+          </a:prstGeom>
+          <a:noFill/>
+        </p:spPr>
+        <p:txBody>
+          <a:bodyPr wrap="none" rtlCol="0">
+            <a:spAutoFit/>
+          </a:bodyPr>
+          <a:lstStyle/>
+          <a:p>
+            <a:r>
+              <a:rPr lang="ko-KR" altLang="en-US" sz="1400" dirty="0" smtClean="0">
+                <a:solidFill>
+                  <a:schemeClr val="bg1"/>
+                </a:solidFill>
+              </a:rPr>
+              <a:t>▶ 객체에 값 입력하기</a:t>
+            </a:r>
+            <a:endParaRPr lang="ko-KR" altLang="en-US" sz="1400" dirty="0">
+              <a:solidFill>
+                <a:schemeClr val="bg1"/>
+              </a:solidFill>
+            </a:endParaRPr>
+          </a:p>
+        </p:txBody>
+      </p:sp>
+      <p:graphicFrame>
+        <p:nvGraphicFramePr>
+          <p:cNvPr id="12" name="표 11"/>
+          <p:cNvGraphicFramePr>
+            <a:graphicFrameLocks noGrp="1"/>
+          </p:cNvGraphicFramePr>
+          <p:nvPr>
+            <p:extLst>
+              <p:ext uri="{D42A27DB-BD31-4B8C-83A1-F6EECF244321}">
+                <p14:modId xmlns:p14="http://schemas.microsoft.com/office/powerpoint/2010/main" val="1181249026"/>
+              </p:ext>
+            </p:extLst>
+          </p:nvPr>
+        </p:nvGraphicFramePr>
+        <p:xfrm>
+          <a:off x="815586" y="4397212"/>
+          <a:ext cx="4215610" cy="1197135"/>
+        </p:xfrm>
+        <a:graphic>
+          <a:graphicData uri="http://schemas.openxmlformats.org/drawingml/2006/table">
+            <a:tbl>
+              <a:tblPr firstRow="1" bandRow="1">
+                <a:tableStyleId>{5C22544A-7EE6-4342-B048-85BDC9FD1C3A}</a:tableStyleId>
+              </a:tblPr>
+              <a:tblGrid>
+                <a:gridCol w="2107805">
+                  <a:extLst>
+                    <a:ext uri="{9D8B030D-6E8A-4147-A177-3AD203B41FA5}">
+                      <a16:colId xmlns:a16="http://schemas.microsoft.com/office/drawing/2014/main" val="3045181352"/>
+                    </a:ext>
+                  </a:extLst>
+                </a:gridCol>
+                <a:gridCol w="2107805">
+                  <a:extLst>
+                    <a:ext uri="{9D8B030D-6E8A-4147-A177-3AD203B41FA5}">
+                      <a16:colId xmlns:a16="http://schemas.microsoft.com/office/drawing/2014/main" val="468175412"/>
+                    </a:ext>
+                  </a:extLst>
+                </a:gridCol>
+              </a:tblGrid>
+              <a:tr h="275793">
+                <a:tc>
+                  <a:txBody>
+                    <a:bodyPr/>
+                    <a:lstStyle/>
+                    <a:p>
+                      <a:pPr latinLnBrk="1"/>
+                      <a:r>
+                        <a:rPr kumimoji="0" lang="en-US" altLang="ko-KR" sz="700" b="0" i="0" u="none" strike="noStrike" kern="1200" cap="none" spc="0" normalizeH="0" baseline="0" noProof="0" dirty="0" smtClean="0">
+                          <a:ln>
+                            <a:noFill/>
+                          </a:ln>
+                          <a:solidFill>
+                            <a:prstClr val="black"/>
+                          </a:solidFill>
+                          <a:effectLst/>
+                          <a:uLnTx/>
+                          <a:uFillTx/>
+                          <a:latin typeface="+mn-lt"/>
+                          <a:ea typeface="+mn-ea"/>
+                          <a:cs typeface="+mn-cs"/>
+                        </a:rPr>
+                        <a:t>1) </a:t>
+                      </a:r>
+                      <a:r>
+                        <a:rPr kumimoji="0" lang="ko-KR" altLang="en-US" sz="700" b="0" i="0" u="none" strike="noStrike" kern="1200" cap="none" spc="0" normalizeH="0" baseline="0" noProof="0" dirty="0" smtClean="0">
+                          <a:ln>
+                            <a:noFill/>
+                          </a:ln>
+                          <a:solidFill>
+                            <a:prstClr val="black"/>
+                          </a:solidFill>
+                          <a:effectLst/>
+                          <a:uLnTx/>
+                          <a:uFillTx/>
+                          <a:latin typeface="+mn-lt"/>
+                          <a:ea typeface="+mn-ea"/>
+                          <a:cs typeface="+mn-cs"/>
+                        </a:rPr>
+                        <a:t>변수 선언 후 값</a:t>
+                      </a:r>
+                      <a:r>
+                        <a:rPr kumimoji="0" lang="en-US" altLang="ko-KR" sz="700" b="0" i="0" u="none" strike="noStrike" kern="1200" cap="none" spc="0" normalizeH="0" baseline="0" noProof="0" dirty="0" smtClean="0">
+                          <a:ln>
+                            <a:noFill/>
+                          </a:ln>
+                          <a:solidFill>
+                            <a:prstClr val="black"/>
+                          </a:solidFill>
+                          <a:effectLst/>
+                          <a:uLnTx/>
+                          <a:uFillTx/>
+                          <a:latin typeface="+mn-lt"/>
+                          <a:ea typeface="+mn-ea"/>
+                          <a:cs typeface="+mn-cs"/>
+                        </a:rPr>
+                        <a:t>(</a:t>
+                      </a:r>
+                      <a:r>
+                        <a:rPr kumimoji="0" lang="ko-KR" altLang="en-US" sz="700" b="0" i="0" u="none" strike="noStrike" kern="1200" cap="none" spc="0" normalizeH="0" baseline="0" noProof="0" dirty="0" smtClean="0">
+                          <a:ln>
+                            <a:noFill/>
+                          </a:ln>
+                          <a:solidFill>
+                            <a:prstClr val="black"/>
+                          </a:solidFill>
+                          <a:effectLst/>
+                          <a:uLnTx/>
+                          <a:uFillTx/>
+                          <a:latin typeface="+mn-lt"/>
+                          <a:ea typeface="+mn-ea"/>
+                          <a:cs typeface="+mn-cs"/>
+                        </a:rPr>
+                        <a:t>참조 </a:t>
+                      </a:r>
+                      <a:r>
+                        <a:rPr kumimoji="0" lang="ko-KR" altLang="en-US" sz="700" b="0" i="0" u="none" strike="noStrike" kern="1200" cap="none" spc="0" normalizeH="0" baseline="0" noProof="0" dirty="0" err="1" smtClean="0">
+                          <a:ln>
+                            <a:noFill/>
+                          </a:ln>
+                          <a:solidFill>
+                            <a:prstClr val="black"/>
+                          </a:solidFill>
+                          <a:effectLst/>
+                          <a:uLnTx/>
+                          <a:uFillTx/>
+                          <a:latin typeface="+mn-lt"/>
+                          <a:ea typeface="+mn-ea"/>
+                          <a:cs typeface="+mn-cs"/>
+                        </a:rPr>
+                        <a:t>자료형은</a:t>
+                      </a:r>
+                      <a:r>
+                        <a:rPr kumimoji="0" lang="ko-KR" altLang="en-US" sz="700" b="0" i="0" u="none" strike="noStrike" kern="1200" cap="none" spc="0" normalizeH="0" baseline="0" noProof="0" dirty="0" smtClean="0">
+                          <a:ln>
+                            <a:noFill/>
+                          </a:ln>
+                          <a:solidFill>
+                            <a:prstClr val="black"/>
+                          </a:solidFill>
+                          <a:effectLst/>
+                          <a:uLnTx/>
+                          <a:uFillTx/>
+                          <a:latin typeface="+mn-lt"/>
+                          <a:ea typeface="+mn-ea"/>
+                          <a:cs typeface="+mn-cs"/>
+                        </a:rPr>
+                        <a:t> 객체</a:t>
+                      </a:r>
+                      <a:r>
+                        <a:rPr kumimoji="0" lang="en-US" altLang="ko-KR" sz="700" b="0" i="0" u="none" strike="noStrike" kern="1200" cap="none" spc="0" normalizeH="0" baseline="0" noProof="0" dirty="0" smtClean="0">
+                          <a:ln>
+                            <a:noFill/>
+                          </a:ln>
+                          <a:solidFill>
+                            <a:prstClr val="black"/>
+                          </a:solidFill>
+                          <a:effectLst/>
+                          <a:uLnTx/>
+                          <a:uFillTx/>
+                          <a:latin typeface="+mn-lt"/>
+                          <a:ea typeface="+mn-ea"/>
+                          <a:cs typeface="+mn-cs"/>
+                        </a:rPr>
+                        <a:t>)</a:t>
+                      </a:r>
+                      <a:r>
+                        <a:rPr kumimoji="0" lang="ko-KR" altLang="en-US" sz="700" b="0" i="0" u="none" strike="noStrike" kern="1200" cap="none" spc="0" normalizeH="0" baseline="0" noProof="0" dirty="0" smtClean="0">
+                          <a:ln>
+                            <a:noFill/>
+                          </a:ln>
+                          <a:solidFill>
+                            <a:prstClr val="black"/>
+                          </a:solidFill>
+                          <a:effectLst/>
+                          <a:uLnTx/>
+                          <a:uFillTx/>
+                          <a:latin typeface="+mn-lt"/>
+                          <a:ea typeface="+mn-ea"/>
+                          <a:cs typeface="+mn-cs"/>
+                        </a:rPr>
+                        <a:t>의 대입 </a:t>
+                      </a:r>
+                      <a:endParaRPr lang="ko-KR" altLang="en-US" sz="700" dirty="0"/>
+                    </a:p>
+                  </a:txBody>
+                  <a:tcPr marL="69348" marR="69348" marT="34675" marB="34675" anchor="ctr"/>
+                </a:tc>
+                <a:tc>
+                  <a:txBody>
+                    <a:bodyPr/>
+                    <a:lstStyle/>
+                    <a:p>
+                      <a:pPr latinLnBrk="1"/>
+                      <a:r>
+                        <a:rPr kumimoji="0" lang="en-US" altLang="ko-KR" sz="700" b="0" i="0" u="none" strike="noStrike" kern="1200" cap="none" spc="0" normalizeH="0" baseline="0" noProof="0" dirty="0" smtClean="0">
+                          <a:ln>
+                            <a:noFill/>
+                          </a:ln>
+                          <a:solidFill>
+                            <a:prstClr val="black"/>
+                          </a:solidFill>
+                          <a:effectLst/>
+                          <a:uLnTx/>
+                          <a:uFillTx/>
+                          <a:latin typeface="+mn-lt"/>
+                          <a:ea typeface="+mn-ea"/>
+                          <a:cs typeface="+mn-cs"/>
+                        </a:rPr>
+                        <a:t>2) </a:t>
+                      </a:r>
+                      <a:r>
+                        <a:rPr kumimoji="0" lang="ko-KR" altLang="en-US" sz="700" b="0" i="0" u="none" strike="noStrike" kern="1200" cap="none" spc="0" normalizeH="0" baseline="0" noProof="0" dirty="0" smtClean="0">
+                          <a:ln>
+                            <a:noFill/>
+                          </a:ln>
+                          <a:solidFill>
+                            <a:prstClr val="black"/>
+                          </a:solidFill>
+                          <a:effectLst/>
+                          <a:uLnTx/>
+                          <a:uFillTx/>
+                          <a:latin typeface="+mn-lt"/>
+                          <a:ea typeface="+mn-ea"/>
+                          <a:cs typeface="+mn-cs"/>
+                        </a:rPr>
+                        <a:t>변수 선언과 동시에 값 대입</a:t>
+                      </a:r>
+                      <a:endParaRPr lang="ko-KR" altLang="en-US" sz="700" dirty="0"/>
+                    </a:p>
+                  </a:txBody>
+                  <a:tcPr marL="69348" marR="69348" marT="34675" marB="34675" anchor="ctr"/>
+                </a:tc>
+                <a:extLst>
+                  <a:ext uri="{0D108BD9-81ED-4DB2-BD59-A6C34878D82A}">
+                    <a16:rowId xmlns:a16="http://schemas.microsoft.com/office/drawing/2014/main" val="3521443937"/>
+                  </a:ext>
+                </a:extLst>
+              </a:tr>
+              <a:tr h="307114">
+                <a:tc>
+                  <a:txBody>
+                    <a:bodyPr/>
+                    <a:lstStyle/>
+                    <a:p>
+                      <a:pPr marL="0" marR="0" indent="0" algn="l" defTabSz="914422" rtl="0" eaLnBrk="1" fontAlgn="auto" latinLnBrk="1" hangingPunct="1">
+                        <a:lnSpc>
+                          <a:spcPct val="100000"/>
+                        </a:lnSpc>
+                        <a:spcBef>
+                          <a:spcPts val="0"/>
+                        </a:spcBef>
+                        <a:spcAft>
+                          <a:spcPts val="0"/>
+                        </a:spcAft>
+                        <a:buClrTx/>
+                        <a:buSzTx/>
+                        <a:buFontTx/>
+                        <a:buNone/>
+                        <a:tabLst/>
+                        <a:defRPr/>
+                      </a:pPr>
+                      <a:r>
+                        <a:rPr lang="ko-KR" altLang="en-US" sz="700" dirty="0" smtClean="0">
+                          <a:solidFill>
+                            <a:schemeClr val="bg1"/>
+                          </a:solidFill>
+                        </a:rPr>
+                        <a:t>자료형</a:t>
+                      </a:r>
+                      <a:r>
+                        <a:rPr lang="en-US" altLang="ko-KR" sz="700" dirty="0" smtClean="0">
+                          <a:solidFill>
+                            <a:schemeClr val="bg1"/>
+                          </a:solidFill>
+                        </a:rPr>
+                        <a:t>[ ] </a:t>
+                      </a:r>
+                      <a:r>
+                        <a:rPr lang="ko-KR" altLang="en-US" sz="700" dirty="0" smtClean="0">
+                          <a:solidFill>
+                            <a:schemeClr val="bg1"/>
+                          </a:solidFill>
+                        </a:rPr>
+                        <a:t>변수명</a:t>
+                      </a:r>
+                      <a:r>
+                        <a:rPr lang="en-US" altLang="ko-KR" sz="700" dirty="0" smtClean="0">
+                          <a:solidFill>
+                            <a:schemeClr val="bg1"/>
+                          </a:solidFill>
+                        </a:rPr>
+                        <a:t>;</a:t>
+                      </a:r>
+                    </a:p>
+                    <a:p>
+                      <a:pPr marL="0" marR="0" indent="0" algn="l" defTabSz="914422" rtl="0" eaLnBrk="1" fontAlgn="auto" latinLnBrk="1" hangingPunct="1">
+                        <a:lnSpc>
+                          <a:spcPct val="100000"/>
+                        </a:lnSpc>
+                        <a:spcBef>
+                          <a:spcPts val="0"/>
+                        </a:spcBef>
+                        <a:spcAft>
+                          <a:spcPts val="0"/>
+                        </a:spcAft>
+                        <a:buClrTx/>
+                        <a:buSzTx/>
+                        <a:buFontTx/>
+                        <a:buNone/>
+                        <a:tabLst/>
+                        <a:defRPr/>
+                      </a:pPr>
+                      <a:r>
+                        <a:rPr lang="ko-KR" altLang="en-US" sz="700" dirty="0" smtClean="0">
+                          <a:solidFill>
+                            <a:schemeClr val="bg1"/>
+                          </a:solidFill>
+                        </a:rPr>
+                        <a:t>변수명 </a:t>
+                      </a:r>
+                      <a:r>
+                        <a:rPr lang="en-US" altLang="ko-KR" sz="700" dirty="0" smtClean="0">
+                          <a:solidFill>
+                            <a:schemeClr val="bg1"/>
+                          </a:solidFill>
+                        </a:rPr>
+                        <a:t>= new</a:t>
+                      </a:r>
+                      <a:r>
+                        <a:rPr lang="en-US" altLang="ko-KR" sz="700" baseline="0" dirty="0" smtClean="0">
+                          <a:solidFill>
+                            <a:schemeClr val="bg1"/>
+                          </a:solidFill>
+                        </a:rPr>
+                        <a:t> </a:t>
+                      </a:r>
+                      <a:r>
+                        <a:rPr lang="ko-KR" altLang="en-US" sz="700" baseline="0" dirty="0" smtClean="0">
+                          <a:solidFill>
+                            <a:schemeClr val="bg1"/>
+                          </a:solidFill>
+                        </a:rPr>
+                        <a:t>자료형</a:t>
+                      </a:r>
+                      <a:r>
+                        <a:rPr lang="en-US" altLang="ko-KR" sz="700" baseline="0" dirty="0" smtClean="0">
+                          <a:solidFill>
+                            <a:schemeClr val="bg1"/>
+                          </a:solidFill>
+                        </a:rPr>
+                        <a:t>[</a:t>
+                      </a:r>
+                      <a:r>
+                        <a:rPr lang="ko-KR" altLang="en-US" sz="700" baseline="0" dirty="0" smtClean="0">
+                          <a:solidFill>
+                            <a:schemeClr val="bg1"/>
+                          </a:solidFill>
+                        </a:rPr>
+                        <a:t>배열의 길이</a:t>
+                      </a:r>
+                      <a:r>
+                        <a:rPr lang="en-US" altLang="ko-KR" sz="700" baseline="0" dirty="0" smtClean="0">
+                          <a:solidFill>
+                            <a:schemeClr val="bg1"/>
+                          </a:solidFill>
+                        </a:rPr>
+                        <a:t>];</a:t>
+                      </a:r>
+                      <a:endParaRPr lang="en-US" altLang="ko-KR" sz="700" dirty="0" smtClean="0">
+                        <a:solidFill>
+                          <a:schemeClr val="bg1"/>
+                        </a:solidFill>
+                      </a:endParaRPr>
+                    </a:p>
+                  </a:txBody>
+                  <a:tcPr marL="69348" marR="69348" marT="34675" marB="34675" anchor="ctr"/>
+                </a:tc>
+                <a:tc>
+                  <a:txBody>
+                    <a:bodyPr/>
+                    <a:lstStyle/>
+                    <a:p>
+                      <a:pPr latinLnBrk="1"/>
+                      <a:r>
+                        <a:rPr lang="ko-KR" altLang="en-US" sz="700" dirty="0" smtClean="0"/>
+                        <a:t>자료형</a:t>
+                      </a:r>
+                      <a:r>
+                        <a:rPr lang="en-US" altLang="ko-KR" sz="700" dirty="0" smtClean="0"/>
+                        <a:t>[ ] </a:t>
+                      </a:r>
+                      <a:r>
+                        <a:rPr lang="ko-KR" altLang="en-US" sz="700" dirty="0" smtClean="0"/>
+                        <a:t>변수명 </a:t>
+                      </a:r>
+                      <a:r>
+                        <a:rPr lang="en-US" altLang="ko-KR" sz="700" dirty="0" smtClean="0"/>
+                        <a:t>= new</a:t>
+                      </a:r>
+                      <a:r>
+                        <a:rPr lang="en-US" altLang="ko-KR" sz="700" baseline="0" dirty="0" smtClean="0"/>
+                        <a:t> </a:t>
+                      </a:r>
+                      <a:r>
+                        <a:rPr lang="ko-KR" altLang="en-US" sz="700" baseline="0" dirty="0" smtClean="0"/>
+                        <a:t>자료형</a:t>
+                      </a:r>
+                      <a:r>
+                        <a:rPr lang="en-US" altLang="ko-KR" sz="700" baseline="0" dirty="0" smtClean="0"/>
+                        <a:t>[</a:t>
+                      </a:r>
+                      <a:r>
+                        <a:rPr lang="ko-KR" altLang="en-US" sz="700" baseline="0" dirty="0" smtClean="0"/>
+                        <a:t>배열의 길이</a:t>
+                      </a:r>
+                      <a:r>
+                        <a:rPr lang="en-US" altLang="ko-KR" sz="700" baseline="0" dirty="0" smtClean="0"/>
+                        <a:t>];</a:t>
+                      </a:r>
+                      <a:endParaRPr lang="ko-KR" altLang="en-US" sz="700" dirty="0"/>
+                    </a:p>
+                  </a:txBody>
+                  <a:tcPr marL="69348" marR="69348" marT="34675" marB="34675" anchor="ctr"/>
+                </a:tc>
+                <a:extLst>
+                  <a:ext uri="{0D108BD9-81ED-4DB2-BD59-A6C34878D82A}">
+                    <a16:rowId xmlns:a16="http://schemas.microsoft.com/office/drawing/2014/main" val="2836944730"/>
+                  </a:ext>
+                </a:extLst>
+              </a:tr>
+              <a:tr h="307114">
+                <a:tc>
+                  <a:txBody>
+                    <a:bodyPr/>
+                    <a:lstStyle/>
+                    <a:p>
+                      <a:pPr latinLnBrk="1"/>
+                      <a:r>
+                        <a:rPr lang="en-US" altLang="ko-KR" sz="700" dirty="0" smtClean="0">
+                          <a:solidFill>
+                            <a:schemeClr val="bg1"/>
+                          </a:solidFill>
+                        </a:rPr>
+                        <a:t>int [ ] a;</a:t>
+                      </a:r>
+                    </a:p>
+                    <a:p>
+                      <a:pPr latinLnBrk="1"/>
+                      <a:r>
+                        <a:rPr lang="en-US" altLang="ko-KR" sz="700" dirty="0" smtClean="0">
+                          <a:solidFill>
+                            <a:schemeClr val="bg1"/>
+                          </a:solidFill>
+                        </a:rPr>
+                        <a:t>a = new int[3];</a:t>
+                      </a:r>
+                      <a:endParaRPr lang="ko-KR" altLang="en-US" sz="700" dirty="0"/>
+                    </a:p>
+                  </a:txBody>
+                  <a:tcPr marL="69348" marR="69348" marT="34675" marB="34675" anchor="ctr"/>
+                </a:tc>
+                <a:tc>
+                  <a:txBody>
+                    <a:bodyPr/>
+                    <a:lstStyle/>
+                    <a:p>
+                      <a:pPr latinLnBrk="1"/>
+                      <a:r>
+                        <a:rPr lang="en-US" altLang="ko-KR" sz="700" dirty="0" smtClean="0"/>
+                        <a:t>int</a:t>
+                      </a:r>
+                      <a:r>
+                        <a:rPr lang="en-US" altLang="ko-KR" sz="700" baseline="0" dirty="0" smtClean="0"/>
+                        <a:t>[ ] a = new int[3];</a:t>
+                      </a:r>
+                      <a:endParaRPr lang="ko-KR" altLang="en-US" sz="700" dirty="0"/>
+                    </a:p>
+                  </a:txBody>
+                  <a:tcPr marL="69348" marR="69348" marT="34675" marB="34675" anchor="ctr"/>
+                </a:tc>
+                <a:extLst>
+                  <a:ext uri="{0D108BD9-81ED-4DB2-BD59-A6C34878D82A}">
+                    <a16:rowId xmlns:a16="http://schemas.microsoft.com/office/drawing/2014/main" val="3791629606"/>
+                  </a:ext>
+                </a:extLst>
+              </a:tr>
+              <a:tr h="307114">
+                <a:tc gridSpan="2">
+                  <a:txBody>
+                    <a:bodyPr/>
+                    <a:lstStyle/>
+                    <a:p>
+                      <a:pPr algn="ctr" latinLnBrk="1"/>
+                      <a:r>
+                        <a:rPr lang="ko-KR" altLang="en-US" sz="700" dirty="0" smtClean="0"/>
+                        <a:t>해석 </a:t>
+                      </a:r>
+                      <a:r>
+                        <a:rPr lang="en-US" altLang="ko-KR" sz="700" dirty="0" smtClean="0"/>
+                        <a:t>: int</a:t>
+                      </a:r>
+                      <a:r>
+                        <a:rPr lang="en-US" altLang="ko-KR" sz="700" baseline="0" dirty="0" smtClean="0"/>
+                        <a:t> </a:t>
+                      </a:r>
+                      <a:r>
+                        <a:rPr lang="ko-KR" altLang="en-US" sz="700" baseline="0" dirty="0" smtClean="0"/>
+                        <a:t>자료형</a:t>
+                      </a:r>
+                      <a:r>
+                        <a:rPr lang="en-US" altLang="ko-KR" sz="700" baseline="0" dirty="0" smtClean="0"/>
+                        <a:t> 3</a:t>
+                      </a:r>
+                      <a:r>
+                        <a:rPr lang="ko-KR" altLang="en-US" sz="700" baseline="0" dirty="0" smtClean="0"/>
+                        <a:t>개를 저장할 수 있는 공간을 힙 메모리에 넣어두고</a:t>
+                      </a:r>
+                      <a:r>
+                        <a:rPr lang="en-US" altLang="ko-KR" sz="700" baseline="0" dirty="0" smtClean="0"/>
+                        <a:t>,</a:t>
+                      </a:r>
+                      <a:br>
+                        <a:rPr lang="en-US" altLang="ko-KR" sz="700" baseline="0" dirty="0" smtClean="0"/>
+                      </a:br>
+                      <a:r>
+                        <a:rPr lang="ko-KR" altLang="en-US" sz="700" baseline="0" dirty="0" smtClean="0"/>
+                        <a:t>어디에 </a:t>
+                      </a:r>
+                      <a:r>
+                        <a:rPr lang="ko-KR" altLang="en-US" sz="700" baseline="0" dirty="0" err="1" smtClean="0"/>
+                        <a:t>넣었는지를</a:t>
+                      </a:r>
+                      <a:r>
+                        <a:rPr lang="ko-KR" altLang="en-US" sz="700" baseline="0" dirty="0" smtClean="0"/>
+                        <a:t> 참조 변수 </a:t>
+                      </a:r>
+                      <a:r>
+                        <a:rPr lang="en-US" altLang="ko-KR" sz="700" baseline="0" dirty="0" smtClean="0"/>
+                        <a:t>a</a:t>
+                      </a:r>
+                      <a:r>
+                        <a:rPr lang="ko-KR" altLang="en-US" sz="700" baseline="0" dirty="0" smtClean="0"/>
+                        <a:t>에 저장</a:t>
+                      </a:r>
+                      <a:endParaRPr lang="ko-KR" altLang="en-US" sz="700" dirty="0"/>
+                    </a:p>
+                  </a:txBody>
+                  <a:tcPr marL="69348" marR="69348" marT="34675" marB="34675" anchor="ctr"/>
+                </a:tc>
+                <a:tc hMerge="1">
+                  <a:txBody>
+                    <a:bodyPr/>
+                    <a:lstStyle/>
+                    <a:p>
+                      <a:pPr latinLnBrk="1"/>
+                      <a:endParaRPr lang="ko-KR" altLang="en-US" sz="800" dirty="0"/>
+                    </a:p>
+                  </a:txBody>
+                  <a:tcPr marL="69348" marR="69348" marT="34675" marB="34675" anchor="ctr"/>
+                </a:tc>
+                <a:extLst>
+                  <a:ext uri="{0D108BD9-81ED-4DB2-BD59-A6C34878D82A}">
+                    <a16:rowId xmlns:a16="http://schemas.microsoft.com/office/drawing/2014/main" val="3935736435"/>
+                  </a:ext>
+                </a:extLst>
+              </a:tr>
+            </a:tbl>
+          </a:graphicData>
+        </a:graphic>
+      </p:graphicFrame>
     </p:spTree>
     <p:extLst>
       <p:ext uri="{BB962C8B-B14F-4D97-AF65-F5344CB8AC3E}">
-        <p14:creationId xmlns:p14="http://schemas.microsoft.com/office/powerpoint/2010/main" val="978424635"/>
+        <p14:creationId xmlns:p14="http://schemas.microsoft.com/office/powerpoint/2010/main" val="2847998429"/>
       </p:ext>
     </p:extLst>
   </p:cSld>
@@ -22158,7 +26802,7 @@
               <a:t>(stack), </a:t>
             </a:r>
             <a:r>
-              <a:rPr lang="ko-KR" altLang="en-US" sz="1600" dirty="0" err="1">
+              <a:rPr lang="ko-KR" altLang="en-US" sz="1600" dirty="0">
                 <a:solidFill>
                   <a:schemeClr val="bg1"/>
                 </a:solidFill>
@@ -23206,7 +27850,7 @@
           <a:lstStyle/>
           <a:p>
             <a:r>
-              <a:rPr lang="ko-KR" altLang="en-US" sz="1200" b="1" dirty="0" err="1">
+              <a:rPr lang="ko-KR" altLang="en-US" sz="1200" b="1" dirty="0">
                 <a:solidFill>
                   <a:schemeClr val="bg1">
                     <a:lumMod val="95000"/>
@@ -23214,18 +27858,7 @@
                   </a:schemeClr>
                 </a:solidFill>
               </a:rPr>
-              <a:t>힙</a:t>
-            </a:r>
-            <a:r>
-              <a:rPr lang="ko-KR" altLang="en-US" sz="1200" b="1" dirty="0">
-                <a:solidFill>
-                  <a:schemeClr val="bg1">
-                    <a:lumMod val="95000"/>
-                    <a:lumOff val="5000"/>
-                  </a:schemeClr>
-                </a:solidFill>
-              </a:rPr>
-              <a:t> </a:t>
+              <a:t>힙 </a:t>
             </a:r>
             <a:r>
               <a:rPr lang="en-US" altLang="ko-KR" sz="1200" b="1" dirty="0">
@@ -23893,20 +28526,12 @@
               <a:buNone/>
             </a:pPr>
             <a:r>
-              <a:rPr lang="en-US" altLang="ko-KR" sz="1600" dirty="0" err="1">
-                <a:solidFill>
-                  <a:schemeClr val="bg1"/>
-                </a:solidFill>
-              </a:rPr>
-              <a:t>Int</a:t>
-            </a:r>
-            <a:r>
               <a:rPr lang="en-US" altLang="ko-KR" sz="1600" dirty="0">
                 <a:solidFill>
                   <a:schemeClr val="bg1"/>
                 </a:solidFill>
               </a:rPr>
-              <a:t> </a:t>
+              <a:t>Int </a:t>
             </a:r>
             <a:r>
               <a:rPr lang="en-US" altLang="ko-KR" sz="1600" dirty="0" err="1">
@@ -24186,20 +28811,12 @@
               <a:buNone/>
             </a:pPr>
             <a:r>
-              <a:rPr lang="en-US" altLang="ko-KR" sz="1801" dirty="0" err="1">
-                <a:solidFill>
-                  <a:schemeClr val="bg1"/>
-                </a:solidFill>
-              </a:rPr>
-              <a:t>Int</a:t>
-            </a:r>
-            <a:r>
               <a:rPr lang="en-US" altLang="ko-KR" sz="1801" dirty="0">
                 <a:solidFill>
                   <a:schemeClr val="bg1"/>
                 </a:solidFill>
               </a:rPr>
-              <a:t> </a:t>
+              <a:t>Int </a:t>
             </a:r>
             <a:r>
               <a:rPr lang="en-US" altLang="ko-KR" sz="1801" dirty="0" err="1">
@@ -24600,13 +29217,8 @@
                       </a:r>
                       <a:r>
                         <a:rPr lang="ko-KR" altLang="en-US" sz="1800" b="1" dirty="0" smtClean="0"/>
-                        <a:t>가지 기본 </a:t>
+                        <a:t>가지 기본 자료형</a:t>
                       </a:r>
-                      <a:r>
-                        <a:rPr lang="ko-KR" altLang="en-US" sz="1800" b="1" dirty="0" err="1" smtClean="0"/>
-                        <a:t>자료형</a:t>
-                      </a:r>
-                      <a:endParaRPr lang="ko-KR" altLang="en-US" sz="1800" b="1" dirty="0" smtClean="0"/>
                     </a:p>
                   </a:txBody>
                   <a:tcPr marT="45721" marB="45721">
@@ -24650,7 +29262,7 @@
                         <a:t>[</a:t>
                       </a:r>
                       <a:r>
-                        <a:rPr lang="ko-KR" altLang="en-US" sz="1800" dirty="0" err="1" smtClean="0"/>
+                        <a:rPr lang="ko-KR" altLang="en-US" sz="1800" dirty="0" smtClean="0"/>
                         <a:t>자료형</a:t>
                       </a:r>
                       <a:r>
@@ -24779,15 +29391,7 @@
                       </a:pPr>
                       <a:r>
                         <a:rPr lang="en-US" altLang="ko-KR" sz="1600" b="1" dirty="0" smtClean="0"/>
-                        <a:t>byte, short, </a:t>
-                      </a:r>
-                      <a:r>
-                        <a:rPr lang="en-US" altLang="ko-KR" sz="1600" b="1" dirty="0" err="1" smtClean="0"/>
-                        <a:t>int</a:t>
-                      </a:r>
-                      <a:r>
-                        <a:rPr lang="en-US" altLang="ko-KR" sz="1600" b="1" dirty="0" smtClean="0"/>
-                        <a:t>, long</a:t>
+                        <a:t>byte, short, int, long</a:t>
                       </a:r>
                       <a:endParaRPr lang="ko-KR" altLang="en-US" sz="1600" b="1" dirty="0"/>
                     </a:p>
@@ -25073,7 +29677,7 @@
                         <a:t>[</a:t>
                       </a:r>
                       <a:r>
-                        <a:rPr lang="ko-KR" altLang="en-US" sz="1800" dirty="0" err="1" smtClean="0"/>
+                        <a:rPr lang="ko-KR" altLang="en-US" sz="1800" dirty="0" smtClean="0"/>
                         <a:t>자료형</a:t>
                       </a:r>
                       <a:r>
@@ -25520,29 +30124,7 @@
                   </a:schemeClr>
                 </a:solidFill>
               </a:rPr>
-              <a:t>(</a:t>
-            </a:r>
-            <a:r>
-              <a:rPr lang="en-US" altLang="ko-KR" sz="1401" dirty="0" err="1">
-                <a:solidFill>
-                  <a:schemeClr val="bg1">
-                    <a:lumMod val="95000"/>
-                    <a:lumOff val="5000"/>
-                  </a:schemeClr>
-                </a:solidFill>
-              </a:rPr>
-              <a:t>int</a:t>
-            </a:r>
-            <a:r>
-              <a:rPr lang="en-US" altLang="ko-KR" sz="1401" dirty="0">
-                <a:solidFill>
-                  <a:schemeClr val="bg1">
-                    <a:lumMod val="95000"/>
-                    <a:lumOff val="5000"/>
-                  </a:schemeClr>
-                </a:solidFill>
-              </a:rPr>
-              <a:t>, float…)</a:t>
+              <a:t>(int, float…)</a:t>
             </a:r>
             <a:r>
               <a:rPr lang="ko-KR" altLang="en-US" sz="1401" dirty="0">
@@ -25962,7 +30544,7 @@
           </a:p>
           <a:p>
             <a:r>
-              <a:rPr lang="ko-KR" altLang="en-US" sz="1401" dirty="0" err="1">
+              <a:rPr lang="ko-KR" altLang="en-US" sz="1401" dirty="0">
                 <a:solidFill>
                   <a:schemeClr val="bg1">
                     <a:lumMod val="95000"/>
@@ -25970,18 +30552,7 @@
                   </a:schemeClr>
                 </a:solidFill>
               </a:rPr>
-              <a:t>힙</a:t>
-            </a:r>
-            <a:r>
-              <a:rPr lang="ko-KR" altLang="en-US" sz="1401" dirty="0">
-                <a:solidFill>
-                  <a:schemeClr val="bg1">
-                    <a:lumMod val="95000"/>
-                    <a:lumOff val="5000"/>
-                  </a:schemeClr>
-                </a:solidFill>
-              </a:rPr>
-              <a:t> 메모리의 </a:t>
+              <a:t>힙 메모리의 </a:t>
             </a:r>
             <a:r>
               <a:rPr lang="ko-KR" altLang="en-US" sz="1401" dirty="0" err="1">
@@ -27226,15 +31797,7 @@
           <a:p>
             <a:r>
               <a:rPr lang="ko-KR" altLang="en-US" dirty="0" smtClean="0"/>
-              <a:t>기본 </a:t>
-            </a:r>
-            <a:r>
-              <a:rPr lang="ko-KR" altLang="en-US" dirty="0" err="1" smtClean="0"/>
-              <a:t>자료형</a:t>
-            </a:r>
-            <a:r>
-              <a:rPr lang="ko-KR" altLang="en-US" dirty="0" smtClean="0"/>
-              <a:t> 간의 </a:t>
+              <a:t>기본 자료형 간의 </a:t>
             </a:r>
             <a:r>
               <a:rPr lang="ko-KR" altLang="en-US" dirty="0" err="1" smtClean="0"/>
@@ -27278,20 +31841,12 @@
               <a:t>[ </a:t>
             </a:r>
             <a:r>
-              <a:rPr lang="ko-KR" altLang="en-US" dirty="0" err="1" smtClean="0">
-                <a:solidFill>
-                  <a:schemeClr val="bg1"/>
-                </a:solidFill>
-              </a:rPr>
-              <a:t>자료형</a:t>
-            </a:r>
-            <a:r>
               <a:rPr lang="ko-KR" altLang="en-US" dirty="0" smtClean="0">
                 <a:solidFill>
                   <a:schemeClr val="bg1"/>
                 </a:solidFill>
               </a:rPr>
-              <a:t> 간의 타입 변환 </a:t>
+              <a:t>자료형 간의 타입 변환 </a:t>
             </a:r>
             <a:r>
               <a:rPr lang="en-US" altLang="ko-KR" dirty="0" smtClean="0">
@@ -27477,15 +32032,7 @@
                   <a:schemeClr val="bg1"/>
                 </a:solidFill>
               </a:rPr>
-              <a:t>작은 </a:t>
-            </a:r>
-            <a:r>
-              <a:rPr lang="ko-KR" altLang="en-US" sz="1401" dirty="0" err="1">
-                <a:solidFill>
-                  <a:schemeClr val="bg1"/>
-                </a:solidFill>
-              </a:rPr>
-              <a:t>자료형을</a:t>
+              <a:t>작은 자료형을</a:t>
             </a:r>
             <a:r>
               <a:rPr lang="en-US" altLang="ko-KR" sz="1401" dirty="0">
@@ -27773,23 +32320,7 @@
                   <a:schemeClr val="bg1"/>
                 </a:solidFill>
               </a:rPr>
-              <a:t>큰 </a:t>
-            </a:r>
-            <a:r>
-              <a:rPr lang="ko-KR" altLang="en-US" sz="1401" dirty="0" err="1">
-                <a:solidFill>
-                  <a:schemeClr val="bg1"/>
-                </a:solidFill>
-              </a:rPr>
-              <a:t>자료형을</a:t>
-            </a:r>
-            <a:r>
-              <a:rPr lang="ko-KR" altLang="en-US" sz="1401" dirty="0">
-                <a:solidFill>
-                  <a:schemeClr val="bg1"/>
-                </a:solidFill>
-              </a:rPr>
-              <a:t> 작은 </a:t>
+              <a:t>큰 자료형을 작은 </a:t>
             </a:r>
             <a:r>
               <a:rPr lang="ko-KR" altLang="en-US" sz="1401" dirty="0" err="1">
@@ -27948,29 +32479,7 @@
                   </a:schemeClr>
                 </a:solidFill>
               </a:rPr>
-              <a:t>byte &lt; short &lt; char &lt; </a:t>
-            </a:r>
-            <a:r>
-              <a:rPr lang="en-US" altLang="ko-KR" sz="1401" b="1" dirty="0" err="1">
-                <a:solidFill>
-                  <a:schemeClr val="bg1">
-                    <a:lumMod val="95000"/>
-                    <a:lumOff val="5000"/>
-                  </a:schemeClr>
-                </a:solidFill>
-              </a:rPr>
-              <a:t>int</a:t>
-            </a:r>
-            <a:r>
-              <a:rPr lang="en-US" altLang="ko-KR" sz="1401" b="1" dirty="0">
-                <a:solidFill>
-                  <a:schemeClr val="bg1">
-                    <a:lumMod val="95000"/>
-                    <a:lumOff val="5000"/>
-                  </a:schemeClr>
-                </a:solidFill>
-              </a:rPr>
-              <a:t> &lt; long &lt; float &lt; double</a:t>
+              <a:t>byte &lt; short &lt; char &lt; int &lt; long &lt; float &lt; double</a:t>
             </a:r>
           </a:p>
         </p:txBody>
@@ -28032,20 +32541,12 @@
                         <a:defRPr/>
                       </a:pPr>
                       <a:r>
-                        <a:rPr lang="ko-KR" altLang="en-US" sz="1800" dirty="0" err="1" smtClean="0">
-                          <a:solidFill>
-                            <a:schemeClr val="bg1"/>
-                          </a:solidFill>
-                        </a:rPr>
-                        <a:t>자료형</a:t>
-                      </a:r>
-                      <a:r>
                         <a:rPr lang="ko-KR" altLang="en-US" sz="1800" dirty="0" smtClean="0">
                           <a:solidFill>
                             <a:schemeClr val="bg1"/>
                           </a:solidFill>
                         </a:rPr>
-                        <a:t> </a:t>
+                        <a:t>자료형 </a:t>
                       </a:r>
                       <a:r>
                         <a:rPr lang="en-US" altLang="ko-KR" sz="1800" dirty="0" smtClean="0">
@@ -28056,20 +32557,12 @@
                         <a:t>A </a:t>
                       </a:r>
                       <a:r>
-                        <a:rPr lang="ko-KR" altLang="en-US" sz="1800" dirty="0" err="1" smtClean="0">
-                          <a:solidFill>
-                            <a:schemeClr val="bg1"/>
-                          </a:solidFill>
-                        </a:rPr>
-                        <a:t>변수명</a:t>
-                      </a:r>
-                      <a:r>
                         <a:rPr lang="ko-KR" altLang="en-US" sz="1800" dirty="0" smtClean="0">
                           <a:solidFill>
                             <a:schemeClr val="bg1"/>
                           </a:solidFill>
                         </a:rPr>
-                        <a:t> </a:t>
+                        <a:t>변수명 </a:t>
                       </a:r>
                       <a:r>
                         <a:rPr lang="en-US" altLang="ko-KR" sz="1800" dirty="0" smtClean="0">
@@ -28080,7 +32573,7 @@
                         <a:t>= (</a:t>
                       </a:r>
                       <a:r>
-                        <a:rPr lang="ko-KR" altLang="en-US" sz="1800" dirty="0" err="1" smtClean="0">
+                        <a:rPr lang="ko-KR" altLang="en-US" sz="1800" dirty="0" smtClean="0">
                           <a:solidFill>
                             <a:schemeClr val="bg1"/>
                           </a:solidFill>
@@ -28130,12 +32623,8 @@
                         <a:t>Long </a:t>
                       </a:r>
                       <a:r>
-                        <a:rPr lang="ko-KR" altLang="en-US" sz="1800" dirty="0" err="1" smtClean="0"/>
-                        <a:t>변수명</a:t>
-                      </a:r>
-                      <a:r>
                         <a:rPr lang="ko-KR" altLang="en-US" sz="1800" dirty="0" smtClean="0"/>
-                        <a:t> </a:t>
+                        <a:t>변수명 </a:t>
                       </a:r>
                       <a:r>
                         <a:rPr lang="en-US" altLang="ko-KR" sz="1800" dirty="0" smtClean="0"/>
@@ -28171,12 +32660,8 @@
                         <a:t>Long </a:t>
                       </a:r>
                       <a:r>
-                        <a:rPr lang="ko-KR" altLang="en-US" sz="1800" dirty="0" err="1" smtClean="0"/>
-                        <a:t>변수명</a:t>
-                      </a:r>
-                      <a:r>
                         <a:rPr lang="ko-KR" altLang="en-US" sz="1800" dirty="0" smtClean="0"/>
-                        <a:t> </a:t>
+                        <a:t>변수명 </a:t>
                       </a:r>
                       <a:r>
                         <a:rPr lang="en-US" altLang="ko-KR" sz="1800" dirty="0" smtClean="0"/>
@@ -28216,12 +32701,8 @@
                         <a:t> </a:t>
                       </a:r>
                       <a:r>
-                        <a:rPr lang="ko-KR" altLang="en-US" sz="1800" baseline="0" dirty="0" err="1" smtClean="0"/>
-                        <a:t>변수명</a:t>
-                      </a:r>
-                      <a:r>
                         <a:rPr lang="ko-KR" altLang="en-US" sz="1800" baseline="0" dirty="0" smtClean="0"/>
-                        <a:t> </a:t>
+                        <a:t>변수명 </a:t>
                       </a:r>
                       <a:r>
                         <a:rPr lang="en-US" altLang="ko-KR" sz="1800" baseline="0" dirty="0" smtClean="0"/>
@@ -28277,12 +32758,8 @@
                         <a:t> </a:t>
                       </a:r>
                       <a:r>
-                        <a:rPr lang="ko-KR" altLang="en-US" sz="1800" baseline="0" dirty="0" err="1" smtClean="0"/>
-                        <a:t>변수명</a:t>
-                      </a:r>
-                      <a:r>
                         <a:rPr lang="ko-KR" altLang="en-US" sz="1800" baseline="0" dirty="0" smtClean="0"/>
-                        <a:t> </a:t>
+                        <a:t>변수명 </a:t>
                       </a:r>
                       <a:r>
                         <a:rPr lang="en-US" altLang="ko-KR" sz="1800" baseline="0" dirty="0" smtClean="0"/>
@@ -28433,7 +32910,7 @@
                     <a:p>
                       <a:pPr algn="ctr" latinLnBrk="1"/>
                       <a:r>
-                        <a:rPr lang="ko-KR" altLang="en-US" sz="1800" dirty="0" err="1" smtClean="0"/>
+                        <a:rPr lang="ko-KR" altLang="en-US" sz="1800" dirty="0" smtClean="0"/>
                         <a:t>자료형</a:t>
                       </a:r>
                       <a:r>
@@ -29398,52 +33875,12 @@
           <a:p>
             <a:pPr algn="ctr"/>
             <a:r>
-              <a:rPr lang="en-US" altLang="ko-KR" sz="1801" dirty="0" err="1">
-                <a:solidFill>
-                  <a:schemeClr val="bg1"/>
-                </a:solidFill>
-              </a:rPr>
-              <a:t>int</a:t>
-            </a:r>
-            <a:r>
               <a:rPr lang="en-US" altLang="ko-KR" sz="1801" dirty="0">
                 <a:solidFill>
                   <a:schemeClr val="bg1"/>
                 </a:solidFill>
               </a:rPr>
-              <a:t> / </a:t>
-            </a:r>
-            <a:r>
-              <a:rPr lang="en-US" altLang="ko-KR" sz="1801" dirty="0" err="1">
-                <a:solidFill>
-                  <a:schemeClr val="bg1"/>
-                </a:solidFill>
-              </a:rPr>
-              <a:t>int</a:t>
-            </a:r>
-            <a:r>
-              <a:rPr lang="en-US" altLang="ko-KR" sz="1801" dirty="0">
-                <a:solidFill>
-                  <a:schemeClr val="bg1"/>
-                </a:solidFill>
-              </a:rPr>
-              <a:t> = </a:t>
-            </a:r>
-            <a:r>
-              <a:rPr lang="en-US" altLang="ko-KR" sz="1801" dirty="0" err="1">
-                <a:solidFill>
-                  <a:schemeClr val="bg1"/>
-                </a:solidFill>
-              </a:rPr>
-              <a:t>int</a:t>
-            </a:r>
-            <a:r>
-              <a:rPr lang="en-US" altLang="ko-KR" sz="1801" dirty="0">
-                <a:solidFill>
-                  <a:schemeClr val="bg1"/>
-                </a:solidFill>
-              </a:rPr>
-              <a:t> </a:t>
+              <a:t>int / int = int </a:t>
             </a:r>
             <a:r>
               <a:rPr lang="ko-KR" altLang="en-US" sz="1801" dirty="0">
@@ -30572,7 +35009,7 @@
               <a:t>Boolean </a:t>
             </a:r>
             <a:r>
-              <a:rPr lang="ko-KR" altLang="en-US" sz="1600" dirty="0" err="1">
+              <a:rPr lang="ko-KR" altLang="en-US" sz="1600" dirty="0">
                 <a:solidFill>
                   <a:schemeClr val="bg1"/>
                 </a:solidFill>

--- a/study001/교육자료/Java.pptx
+++ b/study001/교육자료/Java.pptx
@@ -1193,6 +1193,14 @@
         </dgm:presLayoutVars>
       </dgm:prSet>
       <dgm:spPr/>
+      <dgm:t>
+        <a:bodyPr/>
+        <a:lstStyle/>
+        <a:p>
+          <a:pPr latinLnBrk="1"/>
+          <a:endParaRPr lang="ko-KR" altLang="en-US"/>
+        </a:p>
+      </dgm:t>
     </dgm:pt>
     <dgm:pt modelId="{F89469E0-8220-49F1-92C9-A62211E814B4}" type="pres">
       <dgm:prSet presAssocID="{E61979B0-A083-4DF3-AEDA-11B8CC515AFB}" presName="cycle" presStyleCnt="0"/>
@@ -1205,10 +1213,26 @@
         </dgm:presLayoutVars>
       </dgm:prSet>
       <dgm:spPr/>
+      <dgm:t>
+        <a:bodyPr/>
+        <a:lstStyle/>
+        <a:p>
+          <a:pPr latinLnBrk="1"/>
+          <a:endParaRPr lang="ko-KR" altLang="en-US"/>
+        </a:p>
+      </dgm:t>
     </dgm:pt>
     <dgm:pt modelId="{FF50DF92-7B59-43B9-804B-22D6A8243605}" type="pres">
       <dgm:prSet presAssocID="{8317E85A-5121-4988-B2E9-5B6D9BA25756}" presName="sibTransFirstNode" presStyleLbl="bgShp" presStyleIdx="0" presStyleCnt="1"/>
       <dgm:spPr/>
+      <dgm:t>
+        <a:bodyPr/>
+        <a:lstStyle/>
+        <a:p>
+          <a:pPr latinLnBrk="1"/>
+          <a:endParaRPr lang="ko-KR" altLang="en-US"/>
+        </a:p>
+      </dgm:t>
     </dgm:pt>
     <dgm:pt modelId="{7EDACA29-0B4F-4C01-9A13-1D772D834A31}" type="pres">
       <dgm:prSet presAssocID="{708749C7-AAB3-415B-B234-775A8C374680}" presName="nodeFollowingNodes" presStyleLbl="node1" presStyleIdx="1" presStyleCnt="4" custScaleX="81563" custScaleY="68641">
@@ -1233,6 +1257,14 @@
         </dgm:presLayoutVars>
       </dgm:prSet>
       <dgm:spPr/>
+      <dgm:t>
+        <a:bodyPr/>
+        <a:lstStyle/>
+        <a:p>
+          <a:pPr latinLnBrk="1"/>
+          <a:endParaRPr lang="ko-KR" altLang="en-US"/>
+        </a:p>
+      </dgm:t>
     </dgm:pt>
     <dgm:pt modelId="{5C812645-0E86-4550-A4AC-BB45F27D3499}" type="pres">
       <dgm:prSet presAssocID="{ED48B62E-782E-4061-8A3F-E2DBD193775E}" presName="nodeFollowingNodes" presStyleLbl="node1" presStyleIdx="3" presStyleCnt="4" custScaleX="81563" custScaleY="68641">
@@ -1241,19 +1273,27 @@
         </dgm:presLayoutVars>
       </dgm:prSet>
       <dgm:spPr/>
+      <dgm:t>
+        <a:bodyPr/>
+        <a:lstStyle/>
+        <a:p>
+          <a:pPr latinLnBrk="1"/>
+          <a:endParaRPr lang="ko-KR" altLang="en-US"/>
+        </a:p>
+      </dgm:t>
     </dgm:pt>
   </dgm:ptLst>
   <dgm:cxnLst>
-    <dgm:cxn modelId="{11305C29-5CD9-4D6A-B640-95506A097266}" type="presOf" srcId="{ED48B62E-782E-4061-8A3F-E2DBD193775E}" destId="{5C812645-0E86-4550-A4AC-BB45F27D3499}" srcOrd="0" destOrd="0" presId="urn:microsoft.com/office/officeart/2005/8/layout/cycle3"/>
+    <dgm:cxn modelId="{7966E5F6-4F03-4B9F-89CF-880F90155AF1}" srcId="{E61979B0-A083-4DF3-AEDA-11B8CC515AFB}" destId="{C83156A2-9AF1-45B5-80A1-114E55D193C3}" srcOrd="2" destOrd="0" parTransId="{E949075F-34D9-4E78-840A-53557350BFB5}" sibTransId="{2CAD627A-A123-4EFC-8C57-84B0AB67768A}"/>
+    <dgm:cxn modelId="{FAA2E1AE-6AA2-4BDB-9AB6-22B28C9A3D64}" srcId="{E61979B0-A083-4DF3-AEDA-11B8CC515AFB}" destId="{ED48B62E-782E-4061-8A3F-E2DBD193775E}" srcOrd="3" destOrd="0" parTransId="{E691FF20-01B7-4FE2-BF97-2B70CE5F921A}" sibTransId="{48783D79-546B-493D-8F94-FDBA626F8A2E}"/>
     <dgm:cxn modelId="{9CAA6835-5778-4C79-9B35-88AD5D382480}" type="presOf" srcId="{8317E85A-5121-4988-B2E9-5B6D9BA25756}" destId="{FF50DF92-7B59-43B9-804B-22D6A8243605}" srcOrd="0" destOrd="0" presId="urn:microsoft.com/office/officeart/2005/8/layout/cycle3"/>
-    <dgm:cxn modelId="{7966E5F6-4F03-4B9F-89CF-880F90155AF1}" srcId="{E61979B0-A083-4DF3-AEDA-11B8CC515AFB}" destId="{C83156A2-9AF1-45B5-80A1-114E55D193C3}" srcOrd="2" destOrd="0" parTransId="{E949075F-34D9-4E78-840A-53557350BFB5}" sibTransId="{2CAD627A-A123-4EFC-8C57-84B0AB67768A}"/>
+    <dgm:cxn modelId="{E3329A58-8B0F-4FB3-980E-7D80FF5C27E1}" type="presOf" srcId="{C83156A2-9AF1-45B5-80A1-114E55D193C3}" destId="{59344374-C296-466F-AEEC-C9D8013B2014}" srcOrd="0" destOrd="0" presId="urn:microsoft.com/office/officeart/2005/8/layout/cycle3"/>
+    <dgm:cxn modelId="{64AC5479-3130-4AF1-A0D9-CFEB64A35132}" type="presOf" srcId="{708749C7-AAB3-415B-B234-775A8C374680}" destId="{7EDACA29-0B4F-4C01-9A13-1D772D834A31}" srcOrd="0" destOrd="0" presId="urn:microsoft.com/office/officeart/2005/8/layout/cycle3"/>
     <dgm:cxn modelId="{0A408033-83C0-4F8B-8D93-DE6F6B91FEF2}" srcId="{E61979B0-A083-4DF3-AEDA-11B8CC515AFB}" destId="{708749C7-AAB3-415B-B234-775A8C374680}" srcOrd="1" destOrd="0" parTransId="{EAD792BF-8FD5-4A83-BD48-8F7D6F1E3B2A}" sibTransId="{0D8DE4E1-3636-42D9-8940-9CFE03CC66CA}"/>
     <dgm:cxn modelId="{7ED1116E-557C-4712-B1D8-146B83E9EA81}" srcId="{E61979B0-A083-4DF3-AEDA-11B8CC515AFB}" destId="{EB63429D-594E-4900-86BB-C15D1EEAC928}" srcOrd="0" destOrd="0" parTransId="{9B1CFA3E-D9B9-4460-80E6-B9D4C6C409B0}" sibTransId="{8317E85A-5121-4988-B2E9-5B6D9BA25756}"/>
-    <dgm:cxn modelId="{FAA2E1AE-6AA2-4BDB-9AB6-22B28C9A3D64}" srcId="{E61979B0-A083-4DF3-AEDA-11B8CC515AFB}" destId="{ED48B62E-782E-4061-8A3F-E2DBD193775E}" srcOrd="3" destOrd="0" parTransId="{E691FF20-01B7-4FE2-BF97-2B70CE5F921A}" sibTransId="{48783D79-546B-493D-8F94-FDBA626F8A2E}"/>
     <dgm:cxn modelId="{F087C85F-34C2-4B04-8054-F001564C139C}" type="presOf" srcId="{E61979B0-A083-4DF3-AEDA-11B8CC515AFB}" destId="{DACFCA2F-4937-4C1D-8AF7-099855AC7A1C}" srcOrd="0" destOrd="0" presId="urn:microsoft.com/office/officeart/2005/8/layout/cycle3"/>
-    <dgm:cxn modelId="{64AC5479-3130-4AF1-A0D9-CFEB64A35132}" type="presOf" srcId="{708749C7-AAB3-415B-B234-775A8C374680}" destId="{7EDACA29-0B4F-4C01-9A13-1D772D834A31}" srcOrd="0" destOrd="0" presId="urn:microsoft.com/office/officeart/2005/8/layout/cycle3"/>
     <dgm:cxn modelId="{F938D121-8F77-4EB2-939F-5B84F558FE3D}" type="presOf" srcId="{EB63429D-594E-4900-86BB-C15D1EEAC928}" destId="{B07B1F7D-0E5D-4540-AAA0-4099083D568C}" srcOrd="0" destOrd="0" presId="urn:microsoft.com/office/officeart/2005/8/layout/cycle3"/>
-    <dgm:cxn modelId="{E3329A58-8B0F-4FB3-980E-7D80FF5C27E1}" type="presOf" srcId="{C83156A2-9AF1-45B5-80A1-114E55D193C3}" destId="{59344374-C296-466F-AEEC-C9D8013B2014}" srcOrd="0" destOrd="0" presId="urn:microsoft.com/office/officeart/2005/8/layout/cycle3"/>
+    <dgm:cxn modelId="{11305C29-5CD9-4D6A-B640-95506A097266}" type="presOf" srcId="{ED48B62E-782E-4061-8A3F-E2DBD193775E}" destId="{5C812645-0E86-4550-A4AC-BB45F27D3499}" srcOrd="0" destOrd="0" presId="urn:microsoft.com/office/officeart/2005/8/layout/cycle3"/>
     <dgm:cxn modelId="{E5B8B0D3-37AE-4008-B0D6-A78ACF9B9935}" type="presParOf" srcId="{DACFCA2F-4937-4C1D-8AF7-099855AC7A1C}" destId="{F89469E0-8220-49F1-92C9-A62211E814B4}" srcOrd="0" destOrd="0" presId="urn:microsoft.com/office/officeart/2005/8/layout/cycle3"/>
     <dgm:cxn modelId="{88E9DAFC-391C-43F0-B4B8-939F5A6FFB7E}" type="presParOf" srcId="{F89469E0-8220-49F1-92C9-A62211E814B4}" destId="{B07B1F7D-0E5D-4540-AAA0-4099083D568C}" srcOrd="0" destOrd="0" presId="urn:microsoft.com/office/officeart/2005/8/layout/cycle3"/>
     <dgm:cxn modelId="{B49ECEB6-B557-4A79-9A3C-2776751A0021}" type="presParOf" srcId="{F89469E0-8220-49F1-92C9-A62211E814B4}" destId="{FF50DF92-7B59-43B9-804B-22D6A8243605}" srcOrd="1" destOrd="0" presId="urn:microsoft.com/office/officeart/2005/8/layout/cycle3"/>
@@ -23494,7 +23534,15 @@
                   <a:srgbClr val="C00000"/>
                 </a:solidFill>
               </a:rPr>
-              <a:t>동일한 자료형을 </a:t>
+              <a:t>동일한 자료형을 묶</a:t>
+            </a:r>
+            <a:r>
+              <a:rPr lang="ko-KR" altLang="en-US" sz="1400" b="1" dirty="0">
+                <a:solidFill>
+                  <a:srgbClr val="C00000"/>
+                </a:solidFill>
+              </a:rPr>
+              <a:t>어</a:t>
             </a:r>
             <a:r>
               <a:rPr lang="ko-KR" altLang="en-US" sz="1400" b="1" dirty="0" smtClean="0">
@@ -23502,31 +23550,7 @@
                   <a:srgbClr val="C00000"/>
                 </a:solidFill>
               </a:rPr>
-              <a:t>묶</a:t>
-            </a:r>
-            <a:r>
-              <a:rPr lang="ko-KR" altLang="en-US" sz="1400" b="1" dirty="0">
-                <a:solidFill>
-                  <a:srgbClr val="C00000"/>
-                </a:solidFill>
-              </a:rPr>
-              <a:t>어</a:t>
-            </a:r>
-            <a:r>
-              <a:rPr lang="ko-KR" altLang="en-US" sz="1400" b="1" dirty="0" smtClean="0">
-                <a:solidFill>
-                  <a:srgbClr val="C00000"/>
-                </a:solidFill>
-              </a:rPr>
-              <a:t> 저장하는 </a:t>
-            </a:r>
-            <a:r>
-              <a:rPr lang="ko-KR" altLang="en-US" sz="1400" b="1" dirty="0" smtClean="0">
-                <a:solidFill>
-                  <a:srgbClr val="C00000"/>
-                </a:solidFill>
-              </a:rPr>
-              <a:t>참조 </a:t>
+              <a:t> 저장하는 참조 </a:t>
             </a:r>
             <a:r>
               <a:rPr lang="ko-KR" altLang="en-US" sz="1400" b="1" dirty="0" err="1" smtClean="0">
@@ -24034,15 +24058,7 @@
             <a:p>
               <a:r>
                 <a:rPr lang="ko-KR" altLang="en-US" dirty="0" smtClean="0"/>
-                <a:t>참조 </a:t>
-              </a:r>
-              <a:r>
-                <a:rPr lang="ko-KR" altLang="en-US" dirty="0" smtClean="0"/>
-                <a:t>자료형으로서 </a:t>
-              </a:r>
-              <a:r>
-                <a:rPr lang="ko-KR" altLang="en-US" dirty="0" smtClean="0"/>
-                <a:t>배열의 특징</a:t>
+                <a:t>참조 자료형으로서 배열의 특징</a:t>
               </a:r>
               <a:endParaRPr lang="ko-KR" altLang="en-US" dirty="0"/>
             </a:p>
@@ -25006,7 +25022,7 @@
           <p:nvPr>
             <p:extLst>
               <p:ext uri="{D42A27DB-BD31-4B8C-83A1-F6EECF244321}">
-                <p14:modId xmlns:p14="http://schemas.microsoft.com/office/powerpoint/2010/main" val="1181249026"/>
+                <p14:modId xmlns:p14="http://schemas.microsoft.com/office/powerpoint/2010/main" val="1800123276"/>
               </p:ext>
             </p:extLst>
           </p:nvPr>
@@ -25417,6 +25433,447 @@
                         <a:rPr lang="en-US" altLang="ko-KR" sz="700" baseline="0" dirty="0" smtClean="0"/>
                         <a:t>];</a:t>
                       </a:r>
+                      <a:endParaRPr lang="ko-KR" altLang="en-US" sz="700" dirty="0"/>
+                    </a:p>
+                  </a:txBody>
+                  <a:tcPr marL="69348" marR="69348" marT="34675" marB="34675" anchor="ctr"/>
+                </a:tc>
+                <a:extLst>
+                  <a:ext uri="{0D108BD9-81ED-4DB2-BD59-A6C34878D82A}">
+                    <a16:rowId xmlns:a16="http://schemas.microsoft.com/office/drawing/2014/main" val="2836944730"/>
+                  </a:ext>
+                </a:extLst>
+              </a:tr>
+              <a:tr h="307114">
+                <a:tc>
+                  <a:txBody>
+                    <a:bodyPr/>
+                    <a:lstStyle/>
+                    <a:p>
+                      <a:pPr latinLnBrk="1"/>
+                      <a:r>
+                        <a:rPr lang="en-US" altLang="ko-KR" sz="700" dirty="0" smtClean="0">
+                          <a:solidFill>
+                            <a:schemeClr val="bg1"/>
+                          </a:solidFill>
+                        </a:rPr>
+                        <a:t>int [ ] a;</a:t>
+                      </a:r>
+                    </a:p>
+                    <a:p>
+                      <a:pPr latinLnBrk="1"/>
+                      <a:r>
+                        <a:rPr lang="en-US" altLang="ko-KR" sz="700" dirty="0" smtClean="0">
+                          <a:solidFill>
+                            <a:schemeClr val="bg1"/>
+                          </a:solidFill>
+                        </a:rPr>
+                        <a:t>a = new int[3];</a:t>
+                      </a:r>
+                      <a:endParaRPr lang="ko-KR" altLang="en-US" sz="700" dirty="0"/>
+                    </a:p>
+                  </a:txBody>
+                  <a:tcPr marL="69348" marR="69348" marT="34675" marB="34675" anchor="ctr"/>
+                </a:tc>
+                <a:tc>
+                  <a:txBody>
+                    <a:bodyPr/>
+                    <a:lstStyle/>
+                    <a:p>
+                      <a:pPr latinLnBrk="1"/>
+                      <a:r>
+                        <a:rPr lang="en-US" altLang="ko-KR" sz="700" dirty="0" smtClean="0"/>
+                        <a:t>int</a:t>
+                      </a:r>
+                      <a:r>
+                        <a:rPr lang="en-US" altLang="ko-KR" sz="700" baseline="0" dirty="0" smtClean="0"/>
+                        <a:t>[ ] a = new int[3];</a:t>
+                      </a:r>
+                      <a:endParaRPr lang="ko-KR" altLang="en-US" sz="700" dirty="0"/>
+                    </a:p>
+                  </a:txBody>
+                  <a:tcPr marL="69348" marR="69348" marT="34675" marB="34675" anchor="ctr"/>
+                </a:tc>
+                <a:extLst>
+                  <a:ext uri="{0D108BD9-81ED-4DB2-BD59-A6C34878D82A}">
+                    <a16:rowId xmlns:a16="http://schemas.microsoft.com/office/drawing/2014/main" val="3791629606"/>
+                  </a:ext>
+                </a:extLst>
+              </a:tr>
+              <a:tr h="307114">
+                <a:tc gridSpan="2">
+                  <a:txBody>
+                    <a:bodyPr/>
+                    <a:lstStyle/>
+                    <a:p>
+                      <a:pPr algn="ctr" latinLnBrk="1"/>
+                      <a:r>
+                        <a:rPr lang="ko-KR" altLang="en-US" sz="700" dirty="0" smtClean="0"/>
+                        <a:t>해석 </a:t>
+                      </a:r>
+                      <a:r>
+                        <a:rPr lang="en-US" altLang="ko-KR" sz="700" dirty="0" smtClean="0"/>
+                        <a:t>: int</a:t>
+                      </a:r>
+                      <a:r>
+                        <a:rPr lang="en-US" altLang="ko-KR" sz="700" baseline="0" dirty="0" smtClean="0"/>
+                        <a:t> </a:t>
+                      </a:r>
+                      <a:r>
+                        <a:rPr lang="ko-KR" altLang="en-US" sz="700" baseline="0" dirty="0" smtClean="0"/>
+                        <a:t>자료형</a:t>
+                      </a:r>
+                      <a:r>
+                        <a:rPr lang="en-US" altLang="ko-KR" sz="700" baseline="0" dirty="0" smtClean="0"/>
+                        <a:t> 3</a:t>
+                      </a:r>
+                      <a:r>
+                        <a:rPr lang="ko-KR" altLang="en-US" sz="700" baseline="0" dirty="0" smtClean="0"/>
+                        <a:t>개를 저장할 수 있는 공간을 힙 메모리에 넣어두고</a:t>
+                      </a:r>
+                      <a:r>
+                        <a:rPr lang="en-US" altLang="ko-KR" sz="700" baseline="0" dirty="0" smtClean="0"/>
+                        <a:t>,</a:t>
+                      </a:r>
+                      <a:br>
+                        <a:rPr lang="en-US" altLang="ko-KR" sz="700" baseline="0" dirty="0" smtClean="0"/>
+                      </a:br>
+                      <a:r>
+                        <a:rPr lang="ko-KR" altLang="en-US" sz="700" baseline="0" dirty="0" smtClean="0"/>
+                        <a:t>어디에 </a:t>
+                      </a:r>
+                      <a:r>
+                        <a:rPr lang="ko-KR" altLang="en-US" sz="700" baseline="0" dirty="0" err="1" smtClean="0"/>
+                        <a:t>넣었는지를</a:t>
+                      </a:r>
+                      <a:r>
+                        <a:rPr lang="ko-KR" altLang="en-US" sz="700" baseline="0" dirty="0" smtClean="0"/>
+                        <a:t> 참조 변수 </a:t>
+                      </a:r>
+                      <a:r>
+                        <a:rPr lang="en-US" altLang="ko-KR" sz="700" baseline="0" dirty="0" smtClean="0"/>
+                        <a:t>a</a:t>
+                      </a:r>
+                      <a:r>
+                        <a:rPr lang="ko-KR" altLang="en-US" sz="700" baseline="0" dirty="0" smtClean="0"/>
+                        <a:t>에 저장</a:t>
+                      </a:r>
+                      <a:endParaRPr lang="ko-KR" altLang="en-US" sz="700" dirty="0"/>
+                    </a:p>
+                  </a:txBody>
+                  <a:tcPr marL="69348" marR="69348" marT="34675" marB="34675" anchor="ctr"/>
+                </a:tc>
+                <a:tc hMerge="1">
+                  <a:txBody>
+                    <a:bodyPr/>
+                    <a:lstStyle/>
+                    <a:p>
+                      <a:pPr latinLnBrk="1"/>
+                      <a:endParaRPr lang="ko-KR" altLang="en-US" sz="800" dirty="0"/>
+                    </a:p>
+                  </a:txBody>
+                  <a:tcPr marL="69348" marR="69348" marT="34675" marB="34675" anchor="ctr"/>
+                </a:tc>
+                <a:extLst>
+                  <a:ext uri="{0D108BD9-81ED-4DB2-BD59-A6C34878D82A}">
+                    <a16:rowId xmlns:a16="http://schemas.microsoft.com/office/drawing/2014/main" val="3935736435"/>
+                  </a:ext>
+                </a:extLst>
+              </a:tr>
+            </a:tbl>
+          </a:graphicData>
+        </a:graphic>
+      </p:graphicFrame>
+      <p:graphicFrame>
+        <p:nvGraphicFramePr>
+          <p:cNvPr id="11" name="표 10"/>
+          <p:cNvGraphicFramePr>
+            <a:graphicFrameLocks noGrp="1"/>
+          </p:cNvGraphicFramePr>
+          <p:nvPr>
+            <p:extLst>
+              <p:ext uri="{D42A27DB-BD31-4B8C-83A1-F6EECF244321}">
+                <p14:modId xmlns:p14="http://schemas.microsoft.com/office/powerpoint/2010/main" val="2220864900"/>
+              </p:ext>
+            </p:extLst>
+          </p:nvPr>
+        </p:nvGraphicFramePr>
+        <p:xfrm>
+          <a:off x="1662324" y="3034244"/>
+          <a:ext cx="4215610" cy="1197135"/>
+        </p:xfrm>
+        <a:graphic>
+          <a:graphicData uri="http://schemas.openxmlformats.org/drawingml/2006/table">
+            <a:tbl>
+              <a:tblPr firstRow="1" bandRow="1">
+                <a:tableStyleId>{5C22544A-7EE6-4342-B048-85BDC9FD1C3A}</a:tableStyleId>
+              </a:tblPr>
+              <a:tblGrid>
+                <a:gridCol w="2107805">
+                  <a:extLst>
+                    <a:ext uri="{9D8B030D-6E8A-4147-A177-3AD203B41FA5}">
+                      <a16:colId xmlns:a16="http://schemas.microsoft.com/office/drawing/2014/main" val="3045181352"/>
+                    </a:ext>
+                  </a:extLst>
+                </a:gridCol>
+                <a:gridCol w="2107805">
+                  <a:extLst>
+                    <a:ext uri="{9D8B030D-6E8A-4147-A177-3AD203B41FA5}">
+                      <a16:colId xmlns:a16="http://schemas.microsoft.com/office/drawing/2014/main" val="468175412"/>
+                    </a:ext>
+                  </a:extLst>
+                </a:gridCol>
+              </a:tblGrid>
+              <a:tr h="275793">
+                <a:tc>
+                  <a:txBody>
+                    <a:bodyPr/>
+                    <a:lstStyle/>
+                    <a:p>
+                      <a:pPr latinLnBrk="1"/>
+                      <a:r>
+                        <a:rPr kumimoji="0" lang="en-US" altLang="ko-KR" sz="700" b="0" i="0" u="none" strike="noStrike" kern="1200" cap="none" spc="0" normalizeH="0" baseline="0" noProof="0" dirty="0" smtClean="0">
+                          <a:ln>
+                            <a:noFill/>
+                          </a:ln>
+                          <a:solidFill>
+                            <a:prstClr val="black"/>
+                          </a:solidFill>
+                          <a:effectLst/>
+                          <a:uLnTx/>
+                          <a:uFillTx/>
+                          <a:latin typeface="+mn-lt"/>
+                          <a:ea typeface="+mn-ea"/>
+                          <a:cs typeface="+mn-cs"/>
+                        </a:rPr>
+                        <a:t>1</a:t>
+                      </a:r>
+                      <a:r>
+                        <a:rPr kumimoji="0" lang="en-US" altLang="ko-KR" sz="700" b="0" i="0" u="none" strike="noStrike" kern="1200" cap="none" spc="0" normalizeH="0" baseline="0" noProof="0" dirty="0" smtClean="0">
+                          <a:ln>
+                            <a:noFill/>
+                          </a:ln>
+                          <a:solidFill>
+                            <a:prstClr val="black"/>
+                          </a:solidFill>
+                          <a:effectLst/>
+                          <a:uLnTx/>
+                          <a:uFillTx/>
+                          <a:latin typeface="+mn-lt"/>
+                          <a:ea typeface="+mn-ea"/>
+                          <a:cs typeface="+mn-cs"/>
+                        </a:rPr>
+                        <a:t>) </a:t>
+                      </a:r>
+                      <a:r>
+                        <a:rPr kumimoji="0" lang="ko-KR" altLang="en-US" sz="700" b="0" i="0" u="none" strike="noStrike" kern="1200" cap="none" spc="0" normalizeH="0" baseline="0" noProof="0" dirty="0" smtClean="0">
+                          <a:ln>
+                            <a:noFill/>
+                          </a:ln>
+                          <a:solidFill>
+                            <a:prstClr val="black"/>
+                          </a:solidFill>
+                          <a:effectLst/>
+                          <a:uLnTx/>
+                          <a:uFillTx/>
+                          <a:latin typeface="+mn-lt"/>
+                          <a:ea typeface="+mn-ea"/>
+                          <a:cs typeface="+mn-cs"/>
+                        </a:rPr>
+                        <a:t>배열 객체에 값 대입하기</a:t>
+                      </a:r>
+                      <a:endParaRPr lang="ko-KR" altLang="en-US" sz="700" dirty="0"/>
+                    </a:p>
+                  </a:txBody>
+                  <a:tcPr marL="69348" marR="69348" marT="34675" marB="34675" anchor="ctr"/>
+                </a:tc>
+                <a:tc>
+                  <a:txBody>
+                    <a:bodyPr/>
+                    <a:lstStyle/>
+                    <a:p>
+                      <a:pPr latinLnBrk="1"/>
+                      <a:r>
+                        <a:rPr kumimoji="0" lang="en-US" altLang="ko-KR" sz="700" b="0" i="0" u="none" strike="noStrike" kern="1200" cap="none" spc="0" normalizeH="0" baseline="0" noProof="0" dirty="0" smtClean="0">
+                          <a:ln>
+                            <a:noFill/>
+                          </a:ln>
+                          <a:solidFill>
+                            <a:prstClr val="black"/>
+                          </a:solidFill>
+                          <a:effectLst/>
+                          <a:uLnTx/>
+                          <a:uFillTx/>
+                          <a:latin typeface="+mn-lt"/>
+                          <a:ea typeface="+mn-ea"/>
+                          <a:cs typeface="+mn-cs"/>
+                        </a:rPr>
+                        <a:t>2</a:t>
+                      </a:r>
+                      <a:r>
+                        <a:rPr kumimoji="0" lang="en-US" altLang="ko-KR" sz="700" b="0" i="0" u="none" strike="noStrike" kern="1200" cap="none" spc="0" normalizeH="0" baseline="0" noProof="0" dirty="0" smtClean="0">
+                          <a:ln>
+                            <a:noFill/>
+                          </a:ln>
+                          <a:solidFill>
+                            <a:prstClr val="black"/>
+                          </a:solidFill>
+                          <a:effectLst/>
+                          <a:uLnTx/>
+                          <a:uFillTx/>
+                          <a:latin typeface="+mn-lt"/>
+                          <a:ea typeface="+mn-ea"/>
+                          <a:cs typeface="+mn-cs"/>
+                        </a:rPr>
+                        <a:t>) </a:t>
+                      </a:r>
+                      <a:r>
+                        <a:rPr kumimoji="0" lang="ko-KR" altLang="en-US" sz="700" b="0" i="0" u="none" strike="noStrike" kern="1200" cap="none" spc="0" normalizeH="0" baseline="0" noProof="0" dirty="0" smtClean="0">
+                          <a:ln>
+                            <a:noFill/>
+                          </a:ln>
+                          <a:solidFill>
+                            <a:prstClr val="black"/>
+                          </a:solidFill>
+                          <a:effectLst/>
+                          <a:uLnTx/>
+                          <a:uFillTx/>
+                          <a:latin typeface="+mn-lt"/>
+                          <a:ea typeface="+mn-ea"/>
+                          <a:cs typeface="+mn-cs"/>
+                        </a:rPr>
+                        <a:t>배열 객체 값 </a:t>
+                      </a:r>
+                      <a:r>
+                        <a:rPr kumimoji="0" lang="ko-KR" altLang="en-US" sz="700" b="0" i="0" u="none" strike="noStrike" kern="1200" cap="none" spc="0" normalizeH="0" baseline="0" noProof="0" dirty="0" err="1" smtClean="0">
+                          <a:ln>
+                            <a:noFill/>
+                          </a:ln>
+                          <a:solidFill>
+                            <a:prstClr val="black"/>
+                          </a:solidFill>
+                          <a:effectLst/>
+                          <a:uLnTx/>
+                          <a:uFillTx/>
+                          <a:latin typeface="+mn-lt"/>
+                          <a:ea typeface="+mn-ea"/>
+                          <a:cs typeface="+mn-cs"/>
+                        </a:rPr>
+                        <a:t>읽어오기</a:t>
+                      </a:r>
+                      <a:endParaRPr lang="ko-KR" altLang="en-US" sz="700" dirty="0"/>
+                    </a:p>
+                  </a:txBody>
+                  <a:tcPr marL="69348" marR="69348" marT="34675" marB="34675" anchor="ctr"/>
+                </a:tc>
+                <a:extLst>
+                  <a:ext uri="{0D108BD9-81ED-4DB2-BD59-A6C34878D82A}">
+                    <a16:rowId xmlns:a16="http://schemas.microsoft.com/office/drawing/2014/main" val="3521443937"/>
+                  </a:ext>
+                </a:extLst>
+              </a:tr>
+              <a:tr h="307114">
+                <a:tc>
+                  <a:txBody>
+                    <a:bodyPr/>
+                    <a:lstStyle/>
+                    <a:p>
+                      <a:pPr marL="0" marR="0" indent="0" algn="l" defTabSz="914422" rtl="0" eaLnBrk="1" fontAlgn="auto" latinLnBrk="1" hangingPunct="1">
+                        <a:lnSpc>
+                          <a:spcPct val="100000"/>
+                        </a:lnSpc>
+                        <a:spcBef>
+                          <a:spcPts val="0"/>
+                        </a:spcBef>
+                        <a:spcAft>
+                          <a:spcPts val="0"/>
+                        </a:spcAft>
+                        <a:buClrTx/>
+                        <a:buSzTx/>
+                        <a:buFontTx/>
+                        <a:buNone/>
+                        <a:tabLst/>
+                        <a:defRPr/>
+                      </a:pPr>
+                      <a:r>
+                        <a:rPr lang="ko-KR" altLang="en-US" sz="700" dirty="0" smtClean="0">
+                          <a:solidFill>
+                            <a:schemeClr val="bg1"/>
+                          </a:solidFill>
+                        </a:rPr>
+                        <a:t>참조</a:t>
+                      </a:r>
+                      <a:r>
+                        <a:rPr lang="en-US" altLang="ko-KR" sz="700" baseline="0" dirty="0" smtClean="0">
+                          <a:solidFill>
+                            <a:schemeClr val="bg1"/>
+                          </a:solidFill>
+                        </a:rPr>
+                        <a:t> </a:t>
+                      </a:r>
+                      <a:r>
+                        <a:rPr lang="ko-KR" altLang="en-US" sz="700" baseline="0" dirty="0" smtClean="0">
+                          <a:solidFill>
+                            <a:schemeClr val="bg1"/>
+                          </a:solidFill>
+                        </a:rPr>
+                        <a:t>변수</a:t>
+                      </a:r>
+                      <a:r>
+                        <a:rPr lang="en-US" altLang="ko-KR" sz="700" baseline="0" dirty="0" smtClean="0">
+                          <a:solidFill>
+                            <a:schemeClr val="bg1"/>
+                          </a:solidFill>
+                        </a:rPr>
+                        <a:t>[</a:t>
+                      </a:r>
+                      <a:r>
+                        <a:rPr lang="ko-KR" altLang="en-US" sz="700" baseline="0" dirty="0" smtClean="0">
+                          <a:solidFill>
+                            <a:schemeClr val="bg1"/>
+                          </a:solidFill>
+                        </a:rPr>
+                        <a:t>인덱스</a:t>
+                      </a:r>
+                      <a:r>
+                        <a:rPr lang="en-US" altLang="ko-KR" sz="700" baseline="0" dirty="0" smtClean="0">
+                          <a:solidFill>
+                            <a:schemeClr val="bg1"/>
+                          </a:solidFill>
+                        </a:rPr>
+                        <a:t>] = </a:t>
+                      </a:r>
+                      <a:r>
+                        <a:rPr lang="ko-KR" altLang="en-US" sz="700" baseline="0" dirty="0" smtClean="0">
+                          <a:solidFill>
+                            <a:schemeClr val="bg1"/>
+                          </a:solidFill>
+                        </a:rPr>
+                        <a:t>값</a:t>
+                      </a:r>
+                      <a:r>
+                        <a:rPr lang="en-US" altLang="ko-KR" sz="700" baseline="0" dirty="0" smtClean="0">
+                          <a:solidFill>
+                            <a:schemeClr val="bg1"/>
+                          </a:solidFill>
+                        </a:rPr>
+                        <a:t>;</a:t>
+                      </a:r>
+                      <a:endParaRPr lang="en-US" altLang="ko-KR" sz="700" dirty="0" smtClean="0">
+                        <a:solidFill>
+                          <a:schemeClr val="bg1"/>
+                        </a:solidFill>
+                      </a:endParaRPr>
+                    </a:p>
+                  </a:txBody>
+                  <a:tcPr marL="69348" marR="69348" marT="34675" marB="34675" anchor="ctr"/>
+                </a:tc>
+                <a:tc>
+                  <a:txBody>
+                    <a:bodyPr/>
+                    <a:lstStyle/>
+                    <a:p>
+                      <a:pPr latinLnBrk="1"/>
                       <a:endParaRPr lang="ko-KR" altLang="en-US" sz="700" dirty="0"/>
                     </a:p>
                   </a:txBody>

--- a/study001/교육자료/Java.pptx
+++ b/study001/교육자료/Java.pptx
@@ -5,7 +5,7 @@
     <p:sldMasterId id="2147483934" r:id="rId1"/>
   </p:sldMasterIdLst>
   <p:notesMasterIdLst>
-    <p:notesMasterId r:id="rId23"/>
+    <p:notesMasterId r:id="rId24"/>
   </p:notesMasterIdLst>
   <p:sldIdLst>
     <p:sldId id="256" r:id="rId2"/>
@@ -29,6 +29,7 @@
     <p:sldId id="279" r:id="rId20"/>
     <p:sldId id="280" r:id="rId21"/>
     <p:sldId id="281" r:id="rId22"/>
+    <p:sldId id="282" r:id="rId23"/>
   </p:sldIdLst>
   <p:sldSz cx="12192000" cy="6858000"/>
   <p:notesSz cx="6858000" cy="9144000"/>
@@ -177,6 +178,7 @@
           <p14:sldIdLst>
             <p14:sldId id="280"/>
             <p14:sldId id="281"/>
+            <p14:sldId id="282"/>
           </p14:sldIdLst>
         </p14:section>
       </p14:sectionLst>
@@ -24391,8 +24393,8 @@
         </p:nvSpPr>
         <p:spPr>
           <a:xfrm>
-            <a:off x="680325" y="2141943"/>
-            <a:ext cx="4610558" cy="1107996"/>
+            <a:off x="680325" y="2032755"/>
+            <a:ext cx="4610558" cy="1077218"/>
           </a:xfrm>
           <a:prstGeom prst="rect">
             <a:avLst/>
@@ -24406,7 +24408,7 @@
           <a:lstStyle/>
           <a:p>
             <a:r>
-              <a:rPr lang="ko-KR" altLang="en-US" sz="1400" dirty="0" smtClean="0">
+              <a:rPr lang="ko-KR" altLang="en-US" sz="1200" dirty="0" smtClean="0">
                 <a:solidFill>
                   <a:schemeClr val="bg1"/>
                 </a:solidFill>
@@ -24414,7 +24416,7 @@
               <a:t>▶ 배열 선언의 </a:t>
             </a:r>
             <a:r>
-              <a:rPr lang="en-US" altLang="ko-KR" sz="1400" dirty="0" smtClean="0">
+              <a:rPr lang="en-US" altLang="ko-KR" sz="1200" dirty="0" smtClean="0">
                 <a:solidFill>
                   <a:schemeClr val="bg1"/>
                 </a:solidFill>
@@ -24422,14 +24424,14 @@
               <a:t>2</a:t>
             </a:r>
             <a:r>
-              <a:rPr lang="ko-KR" altLang="en-US" sz="1400" dirty="0" smtClean="0">
+              <a:rPr lang="ko-KR" altLang="en-US" sz="1200" dirty="0" smtClean="0">
                 <a:solidFill>
                   <a:schemeClr val="bg1"/>
                 </a:solidFill>
               </a:rPr>
               <a:t>가지 방법</a:t>
             </a:r>
-            <a:endParaRPr lang="en-US" altLang="ko-KR" sz="1400" dirty="0">
+            <a:endParaRPr lang="en-US" altLang="ko-KR" sz="1200" dirty="0">
               <a:solidFill>
                 <a:schemeClr val="bg1"/>
               </a:solidFill>
@@ -24735,8 +24737,8 @@
         </p:nvSpPr>
         <p:spPr>
           <a:xfrm>
-            <a:off x="680325" y="3249939"/>
-            <a:ext cx="4350871" cy="815608"/>
+            <a:off x="680325" y="3103984"/>
+            <a:ext cx="4350871" cy="769441"/>
           </a:xfrm>
           <a:prstGeom prst="rect">
             <a:avLst/>
@@ -24750,7 +24752,7 @@
           <a:lstStyle/>
           <a:p>
             <a:r>
-              <a:rPr lang="ko-KR" altLang="en-US" sz="1400" dirty="0" smtClean="0">
+              <a:rPr lang="ko-KR" altLang="en-US" sz="1200" dirty="0" smtClean="0">
                 <a:solidFill>
                   <a:schemeClr val="bg1"/>
                 </a:solidFill>
@@ -24945,8 +24947,8 @@
         </p:nvSpPr>
         <p:spPr>
           <a:xfrm>
-            <a:off x="680325" y="4065547"/>
-            <a:ext cx="2970685" cy="307777"/>
+            <a:off x="680325" y="3873425"/>
+            <a:ext cx="2571538" cy="276999"/>
           </a:xfrm>
           <a:prstGeom prst="rect">
             <a:avLst/>
@@ -24960,14 +24962,14 @@
           <a:lstStyle/>
           <a:p>
             <a:r>
-              <a:rPr lang="ko-KR" altLang="en-US" sz="1400" dirty="0" smtClean="0">
+              <a:rPr lang="ko-KR" altLang="en-US" sz="1200" dirty="0" smtClean="0">
                 <a:solidFill>
                   <a:schemeClr val="bg1"/>
                 </a:solidFill>
               </a:rPr>
               <a:t>▶ 배열의 자료형 변수에 객체 대입</a:t>
             </a:r>
-            <a:endParaRPr lang="en-US" altLang="ko-KR" sz="1400" dirty="0">
+            <a:endParaRPr lang="en-US" altLang="ko-KR" sz="1200" dirty="0">
               <a:solidFill>
                 <a:schemeClr val="bg1"/>
               </a:solidFill>
@@ -24983,8 +24985,8 @@
         </p:nvSpPr>
         <p:spPr>
           <a:xfrm>
-            <a:off x="680325" y="5618235"/>
-            <a:ext cx="1963999" cy="307777"/>
+            <a:off x="680325" y="5334913"/>
+            <a:ext cx="1709122" cy="276999"/>
           </a:xfrm>
           <a:prstGeom prst="rect">
             <a:avLst/>
@@ -24998,14 +25000,14 @@
           <a:lstStyle/>
           <a:p>
             <a:r>
-              <a:rPr lang="ko-KR" altLang="en-US" sz="1400" dirty="0" smtClean="0">
+              <a:rPr lang="ko-KR" altLang="en-US" sz="1200" dirty="0" smtClean="0">
                 <a:solidFill>
                   <a:schemeClr val="bg1"/>
                 </a:solidFill>
               </a:rPr>
               <a:t>▶ 객체에 값 입력하기</a:t>
             </a:r>
-            <a:endParaRPr lang="ko-KR" altLang="en-US" sz="1400" dirty="0">
+            <a:endParaRPr lang="ko-KR" altLang="en-US" sz="1200" dirty="0">
               <a:solidFill>
                 <a:schemeClr val="bg1"/>
               </a:solidFill>
@@ -25022,13 +25024,13 @@
           <p:nvPr>
             <p:extLst>
               <p:ext uri="{D42A27DB-BD31-4B8C-83A1-F6EECF244321}">
-                <p14:modId xmlns:p14="http://schemas.microsoft.com/office/powerpoint/2010/main" val="1800123276"/>
+                <p14:modId xmlns:p14="http://schemas.microsoft.com/office/powerpoint/2010/main" val="1596925458"/>
               </p:ext>
             </p:extLst>
           </p:nvPr>
         </p:nvGraphicFramePr>
         <p:xfrm>
-          <a:off x="815586" y="4397212"/>
+          <a:off x="815586" y="4144101"/>
           <a:ext cx="4215610" cy="1197135"/>
         </p:xfrm>
         <a:graphic>
@@ -25593,14 +25595,14 @@
           <p:nvPr>
             <p:extLst>
               <p:ext uri="{D42A27DB-BD31-4B8C-83A1-F6EECF244321}">
-                <p14:modId xmlns:p14="http://schemas.microsoft.com/office/powerpoint/2010/main" val="2220864900"/>
+                <p14:modId xmlns:p14="http://schemas.microsoft.com/office/powerpoint/2010/main" val="3782768291"/>
               </p:ext>
             </p:extLst>
           </p:nvPr>
         </p:nvGraphicFramePr>
         <p:xfrm>
-          <a:off x="1662324" y="3034244"/>
-          <a:ext cx="4215610" cy="1197135"/>
+          <a:off x="815586" y="5610744"/>
+          <a:ext cx="4215610" cy="1185657"/>
         </p:xfrm>
         <a:graphic>
           <a:graphicData uri="http://schemas.openxmlformats.org/drawingml/2006/table">
@@ -25646,24 +25648,7 @@
                           <a:ea typeface="+mn-ea"/>
                           <a:cs typeface="+mn-cs"/>
                         </a:rPr>
-                        <a:t>1</a:t>
-                      </a:r>
-                      <a:r>
-                        <a:rPr kumimoji="0" lang="en-US" altLang="ko-KR" sz="700" b="0" i="0" u="none" strike="noStrike" kern="1200" cap="none" spc="0" normalizeH="0" baseline="0" noProof="0" dirty="0" smtClean="0">
-                          <a:ln>
-                            <a:noFill/>
-                          </a:ln>
-                          <a:solidFill>
-                            <a:prstClr val="black"/>
-                          </a:solidFill>
-                          <a:effectLst/>
-                          <a:uLnTx/>
-                          <a:uFillTx/>
-                          <a:latin typeface="+mn-lt"/>
-                          <a:ea typeface="+mn-ea"/>
-                          <a:cs typeface="+mn-cs"/>
-                        </a:rPr>
-                        <a:t>) </a:t>
+                        <a:t>1) </a:t>
                       </a:r>
                       <a:r>
                         <a:rPr kumimoji="0" lang="ko-KR" altLang="en-US" sz="700" b="0" i="0" u="none" strike="noStrike" kern="1200" cap="none" spc="0" normalizeH="0" baseline="0" noProof="0" dirty="0" smtClean="0">
@@ -25708,24 +25693,7 @@
                           <a:ea typeface="+mn-ea"/>
                           <a:cs typeface="+mn-cs"/>
                         </a:rPr>
-                        <a:t>2</a:t>
-                      </a:r>
-                      <a:r>
-                        <a:rPr kumimoji="0" lang="en-US" altLang="ko-KR" sz="700" b="0" i="0" u="none" strike="noStrike" kern="1200" cap="none" spc="0" normalizeH="0" baseline="0" noProof="0" dirty="0" smtClean="0">
-                          <a:ln>
-                            <a:noFill/>
-                          </a:ln>
-                          <a:solidFill>
-                            <a:prstClr val="black"/>
-                          </a:solidFill>
-                          <a:effectLst/>
-                          <a:uLnTx/>
-                          <a:uFillTx/>
-                          <a:latin typeface="+mn-lt"/>
-                          <a:ea typeface="+mn-ea"/>
-                          <a:cs typeface="+mn-cs"/>
-                        </a:rPr>
-                        <a:t>) </a:t>
+                        <a:t>2) </a:t>
                       </a:r>
                       <a:r>
                         <a:rPr kumimoji="0" lang="ko-KR" altLang="en-US" sz="700" b="0" i="0" u="none" strike="noStrike" kern="1200" cap="none" spc="0" normalizeH="0" baseline="0" noProof="0" dirty="0" smtClean="0">
@@ -25874,6 +25842,22 @@
                     <a:lstStyle/>
                     <a:p>
                       <a:pPr latinLnBrk="1"/>
+                      <a:r>
+                        <a:rPr lang="ko-KR" altLang="en-US" sz="700" dirty="0" smtClean="0"/>
+                        <a:t>참조 변수명</a:t>
+                      </a:r>
+                      <a:r>
+                        <a:rPr lang="en-US" altLang="ko-KR" sz="700" dirty="0" smtClean="0"/>
+                        <a:t>[</a:t>
+                      </a:r>
+                      <a:r>
+                        <a:rPr lang="ko-KR" altLang="en-US" sz="700" dirty="0" smtClean="0"/>
+                        <a:t>인덱스</a:t>
+                      </a:r>
+                      <a:r>
+                        <a:rPr lang="en-US" altLang="ko-KR" sz="700" dirty="0" smtClean="0"/>
+                        <a:t>];</a:t>
+                      </a:r>
                       <a:endParaRPr lang="ko-KR" altLang="en-US" sz="700" dirty="0"/>
                     </a:p>
                   </a:txBody>
@@ -25893,23 +25877,37 @@
                     <a:p>
                       <a:pPr latinLnBrk="1"/>
                       <a:r>
-                        <a:rPr lang="en-US" altLang="ko-KR" sz="700" dirty="0" smtClean="0">
-                          <a:solidFill>
-                            <a:schemeClr val="bg1"/>
-                          </a:solidFill>
-                        </a:rPr>
-                        <a:t>int [ ] a;</a:t>
+                        <a:rPr lang="en-US" altLang="ko-KR" sz="700" dirty="0" smtClean="0"/>
+                        <a:t>int</a:t>
+                      </a:r>
+                      <a:r>
+                        <a:rPr lang="en-US" altLang="ko-KR" sz="700" baseline="0" dirty="0" smtClean="0"/>
+                        <a:t>[ ] a = new int[3];</a:t>
+                      </a:r>
+                    </a:p>
+                    <a:p>
+                      <a:pPr latinLnBrk="1"/>
+                      <a:endParaRPr lang="en-US" altLang="ko-KR" sz="700" baseline="0" dirty="0" smtClean="0"/>
+                    </a:p>
+                    <a:p>
+                      <a:pPr latinLnBrk="1"/>
+                      <a:r>
+                        <a:rPr lang="en-US" altLang="ko-KR" sz="700" baseline="0" dirty="0" smtClean="0"/>
+                        <a:t>a[0] = 3;</a:t>
                       </a:r>
                     </a:p>
                     <a:p>
                       <a:pPr latinLnBrk="1"/>
                       <a:r>
-                        <a:rPr lang="en-US" altLang="ko-KR" sz="700" dirty="0" smtClean="0">
-                          <a:solidFill>
-                            <a:schemeClr val="bg1"/>
-                          </a:solidFill>
-                        </a:rPr>
-                        <a:t>a = new int[3];</a:t>
+                        <a:rPr lang="en-US" altLang="ko-KR" sz="700" baseline="0" dirty="0" smtClean="0"/>
+                        <a:t>a[1] = 4;</a:t>
+                      </a:r>
+                    </a:p>
+                    <a:p>
+                      <a:pPr latinLnBrk="1"/>
+                      <a:r>
+                        <a:rPr lang="en-US" altLang="ko-KR" sz="700" dirty="0" smtClean="0"/>
+                        <a:t>a[2] = 5;</a:t>
                       </a:r>
                       <a:endParaRPr lang="ko-KR" altLang="en-US" sz="700" dirty="0"/>
                     </a:p>
@@ -25923,12 +25921,34 @@
                     <a:p>
                       <a:pPr latinLnBrk="1"/>
                       <a:r>
-                        <a:rPr lang="en-US" altLang="ko-KR" sz="700" dirty="0" smtClean="0"/>
-                        <a:t>int</a:t>
+                        <a:rPr lang="en-US" altLang="ko-KR" sz="700" dirty="0" err="1" smtClean="0"/>
+                        <a:t>System.out.println</a:t>
                       </a:r>
                       <a:r>
-                        <a:rPr lang="en-US" altLang="ko-KR" sz="700" baseline="0" dirty="0" smtClean="0"/>
-                        <a:t>[ ] a = new int[3];</a:t>
+                        <a:rPr lang="en-US" altLang="ko-KR" sz="700" dirty="0" smtClean="0"/>
+                        <a:t>(a[0]);  //3</a:t>
+                      </a:r>
+                    </a:p>
+                    <a:p>
+                      <a:pPr latinLnBrk="1"/>
+                      <a:r>
+                        <a:rPr lang="en-US" altLang="ko-KR" sz="700" dirty="0" err="1" smtClean="0"/>
+                        <a:t>System.out.println</a:t>
+                      </a:r>
+                      <a:r>
+                        <a:rPr lang="en-US" altLang="ko-KR" sz="700" dirty="0" smtClean="0"/>
+                        <a:t>(a[1]);  //4</a:t>
+                      </a:r>
+                    </a:p>
+                    <a:p>
+                      <a:pPr latinLnBrk="1"/>
+                      <a:r>
+                        <a:rPr lang="en-US" altLang="ko-KR" sz="700" dirty="0" err="1" smtClean="0"/>
+                        <a:t>System.out.println</a:t>
+                      </a:r>
+                      <a:r>
+                        <a:rPr lang="en-US" altLang="ko-KR" sz="700" dirty="0" smtClean="0"/>
+                        <a:t>(a[2]);  //5</a:t>
                       </a:r>
                       <a:endParaRPr lang="ko-KR" altLang="en-US" sz="700" dirty="0"/>
                     </a:p>
@@ -25938,86 +25958,6 @@
                 <a:extLst>
                   <a:ext uri="{0D108BD9-81ED-4DB2-BD59-A6C34878D82A}">
                     <a16:rowId xmlns:a16="http://schemas.microsoft.com/office/drawing/2014/main" val="3791629606"/>
-                  </a:ext>
-                </a:extLst>
-              </a:tr>
-              <a:tr h="307114">
-                <a:tc gridSpan="2">
-                  <a:txBody>
-                    <a:bodyPr/>
-                    <a:lstStyle/>
-                    <a:p>
-                      <a:pPr algn="ctr" latinLnBrk="1"/>
-                      <a:r>
-                        <a:rPr lang="ko-KR" altLang="en-US" sz="700" dirty="0" smtClean="0"/>
-                        <a:t>해석 </a:t>
-                      </a:r>
-                      <a:r>
-                        <a:rPr lang="en-US" altLang="ko-KR" sz="700" dirty="0" smtClean="0"/>
-                        <a:t>: int</a:t>
-                      </a:r>
-                      <a:r>
-                        <a:rPr lang="en-US" altLang="ko-KR" sz="700" baseline="0" dirty="0" smtClean="0"/>
-                        <a:t> </a:t>
-                      </a:r>
-                      <a:r>
-                        <a:rPr lang="ko-KR" altLang="en-US" sz="700" baseline="0" dirty="0" smtClean="0"/>
-                        <a:t>자료형</a:t>
-                      </a:r>
-                      <a:r>
-                        <a:rPr lang="en-US" altLang="ko-KR" sz="700" baseline="0" dirty="0" smtClean="0"/>
-                        <a:t> 3</a:t>
-                      </a:r>
-                      <a:r>
-                        <a:rPr lang="ko-KR" altLang="en-US" sz="700" baseline="0" dirty="0" smtClean="0"/>
-                        <a:t>개를 저장할 수 있는 공간을 힙 메모리에 넣어두고</a:t>
-                      </a:r>
-                      <a:r>
-                        <a:rPr lang="en-US" altLang="ko-KR" sz="700" baseline="0" dirty="0" smtClean="0"/>
-                        <a:t>,</a:t>
-                      </a:r>
-                      <a:br>
-                        <a:rPr lang="en-US" altLang="ko-KR" sz="700" baseline="0" dirty="0" smtClean="0"/>
-                      </a:br>
-                      <a:r>
-                        <a:rPr lang="ko-KR" altLang="en-US" sz="700" baseline="0" dirty="0" smtClean="0"/>
-                        <a:t>어디에 </a:t>
-                      </a:r>
-                      <a:r>
-                        <a:rPr lang="ko-KR" altLang="en-US" sz="700" baseline="0" dirty="0" err="1" smtClean="0"/>
-                        <a:t>넣었는지를</a:t>
-                      </a:r>
-                      <a:r>
-                        <a:rPr lang="ko-KR" altLang="en-US" sz="700" baseline="0" dirty="0" smtClean="0"/>
-                        <a:t> 참조 변수 </a:t>
-                      </a:r>
-                      <a:r>
-                        <a:rPr lang="en-US" altLang="ko-KR" sz="700" baseline="0" dirty="0" smtClean="0"/>
-                        <a:t>a</a:t>
-                      </a:r>
-                      <a:r>
-                        <a:rPr lang="ko-KR" altLang="en-US" sz="700" baseline="0" dirty="0" smtClean="0"/>
-                        <a:t>에 저장</a:t>
-                      </a:r>
-                      <a:endParaRPr lang="ko-KR" altLang="en-US" sz="700" dirty="0"/>
-                    </a:p>
-                  </a:txBody>
-                  <a:tcPr marL="69348" marR="69348" marT="34675" marB="34675" anchor="ctr"/>
-                </a:tc>
-                <a:tc hMerge="1">
-                  <a:txBody>
-                    <a:bodyPr/>
-                    <a:lstStyle/>
-                    <a:p>
-                      <a:pPr latinLnBrk="1"/>
-                      <a:endParaRPr lang="ko-KR" altLang="en-US" sz="800" dirty="0"/>
-                    </a:p>
-                  </a:txBody>
-                  <a:tcPr marL="69348" marR="69348" marT="34675" marB="34675" anchor="ctr"/>
-                </a:tc>
-                <a:extLst>
-                  <a:ext uri="{0D108BD9-81ED-4DB2-BD59-A6C34878D82A}">
-                    <a16:rowId xmlns:a16="http://schemas.microsoft.com/office/drawing/2014/main" val="3935736435"/>
                   </a:ext>
                 </a:extLst>
               </a:tr>
@@ -26042,6 +25982,757 @@
       </p:par>
     </p:tnLst>
   </p:timing>
+</p:sld>
+</file>
+
+<file path=ppt/slides/slide22.xml><?xml version="1.0" encoding="utf-8"?>
+<p:sld xmlns:a="http://schemas.openxmlformats.org/drawingml/2006/main" xmlns:r="http://schemas.openxmlformats.org/officeDocument/2006/relationships" xmlns:p="http://schemas.openxmlformats.org/presentationml/2006/main">
+  <p:cSld>
+    <p:spTree>
+      <p:nvGrpSpPr>
+        <p:cNvPr id="1" name=""/>
+        <p:cNvGrpSpPr/>
+        <p:nvPr/>
+      </p:nvGrpSpPr>
+      <p:grpSpPr>
+        <a:xfrm>
+          <a:off x="0" y="0"/>
+          <a:ext cx="0" cy="0"/>
+          <a:chOff x="0" y="0"/>
+          <a:chExt cx="0" cy="0"/>
+        </a:xfrm>
+      </p:grpSpPr>
+      <p:sp>
+        <p:nvSpPr>
+          <p:cNvPr id="2" name="제목 1"/>
+          <p:cNvSpPr>
+            <a:spLocks noGrp="1"/>
+          </p:cNvSpPr>
+          <p:nvPr>
+            <p:ph type="title"/>
+          </p:nvPr>
+        </p:nvSpPr>
+        <p:spPr/>
+        <p:txBody>
+          <a:bodyPr/>
+          <a:lstStyle/>
+          <a:p>
+            <a:pPr algn="ctr"/>
+            <a:r>
+              <a:rPr lang="en-US" altLang="ko-KR" dirty="0" smtClean="0"/>
+              <a:t>1</a:t>
+            </a:r>
+            <a:r>
+              <a:rPr lang="ko-KR" altLang="en-US" dirty="0" smtClean="0"/>
+              <a:t>차원 배열을 생성하는 다양한 방법</a:t>
+            </a:r>
+            <a:endParaRPr lang="ko-KR" altLang="en-US" dirty="0"/>
+          </a:p>
+        </p:txBody>
+      </p:sp>
+      <p:graphicFrame>
+        <p:nvGraphicFramePr>
+          <p:cNvPr id="4" name="내용 개체 틀 3"/>
+          <p:cNvGraphicFramePr>
+            <a:graphicFrameLocks noGrp="1"/>
+          </p:cNvGraphicFramePr>
+          <p:nvPr>
+            <p:ph idx="1"/>
+            <p:extLst>
+              <p:ext uri="{D42A27DB-BD31-4B8C-83A1-F6EECF244321}">
+                <p14:modId xmlns:p14="http://schemas.microsoft.com/office/powerpoint/2010/main" val="388069131"/>
+              </p:ext>
+            </p:extLst>
+          </p:nvPr>
+        </p:nvGraphicFramePr>
+        <p:xfrm>
+          <a:off x="681038" y="2336800"/>
+          <a:ext cx="9613899" cy="3842131"/>
+        </p:xfrm>
+        <a:graphic>
+          <a:graphicData uri="http://schemas.openxmlformats.org/drawingml/2006/table">
+            <a:tbl>
+              <a:tblPr firstRow="1" bandRow="1">
+                <a:tableStyleId>{5C22544A-7EE6-4342-B048-85BDC9FD1C3A}</a:tableStyleId>
+              </a:tblPr>
+              <a:tblGrid>
+                <a:gridCol w="3204633">
+                  <a:extLst>
+                    <a:ext uri="{9D8B030D-6E8A-4147-A177-3AD203B41FA5}">
+                      <a16:colId xmlns:a16="http://schemas.microsoft.com/office/drawing/2014/main" val="1011564941"/>
+                    </a:ext>
+                  </a:extLst>
+                </a:gridCol>
+                <a:gridCol w="3204633">
+                  <a:extLst>
+                    <a:ext uri="{9D8B030D-6E8A-4147-A177-3AD203B41FA5}">
+                      <a16:colId xmlns:a16="http://schemas.microsoft.com/office/drawing/2014/main" val="3597773650"/>
+                    </a:ext>
+                  </a:extLst>
+                </a:gridCol>
+                <a:gridCol w="3204633">
+                  <a:extLst>
+                    <a:ext uri="{9D8B030D-6E8A-4147-A177-3AD203B41FA5}">
+                      <a16:colId xmlns:a16="http://schemas.microsoft.com/office/drawing/2014/main" val="3466351325"/>
+                    </a:ext>
+                  </a:extLst>
+                </a:gridCol>
+              </a:tblGrid>
+              <a:tr h="370840">
+                <a:tc>
+                  <a:txBody>
+                    <a:bodyPr/>
+                    <a:lstStyle/>
+                    <a:p>
+                      <a:pPr latinLnBrk="1"/>
+                      <a:r>
+                        <a:rPr lang="ko-KR" altLang="en-US" dirty="0" smtClean="0">
+                          <a:solidFill>
+                            <a:schemeClr val="bg1"/>
+                          </a:solidFill>
+                        </a:rPr>
+                        <a:t>배열 객체를 생성하고 값 대입</a:t>
+                      </a:r>
+                      <a:endParaRPr lang="ko-KR" altLang="en-US" dirty="0">
+                        <a:solidFill>
+                          <a:schemeClr val="bg1"/>
+                        </a:solidFill>
+                      </a:endParaRPr>
+                    </a:p>
+                  </a:txBody>
+                  <a:tcPr/>
+                </a:tc>
+                <a:tc>
+                  <a:txBody>
+                    <a:bodyPr/>
+                    <a:lstStyle/>
+                    <a:p>
+                      <a:pPr latinLnBrk="1"/>
+                      <a:r>
+                        <a:rPr lang="ko-KR" altLang="en-US" dirty="0" smtClean="0">
+                          <a:solidFill>
+                            <a:schemeClr val="bg1"/>
+                          </a:solidFill>
+                        </a:rPr>
+                        <a:t>배열 객체 생성과 함께 값 대입</a:t>
+                      </a:r>
+                      <a:endParaRPr lang="ko-KR" altLang="en-US" dirty="0">
+                        <a:solidFill>
+                          <a:schemeClr val="bg1"/>
+                        </a:solidFill>
+                      </a:endParaRPr>
+                    </a:p>
+                  </a:txBody>
+                  <a:tcPr/>
+                </a:tc>
+                <a:tc>
+                  <a:txBody>
+                    <a:bodyPr/>
+                    <a:lstStyle/>
+                    <a:p>
+                      <a:pPr latinLnBrk="1"/>
+                      <a:r>
+                        <a:rPr lang="ko-KR" altLang="en-US" dirty="0" smtClean="0">
+                          <a:solidFill>
+                            <a:schemeClr val="bg1"/>
+                          </a:solidFill>
+                        </a:rPr>
+                        <a:t>대입할 값만 입력</a:t>
+                      </a:r>
+                      <a:endParaRPr lang="ko-KR" altLang="en-US" dirty="0">
+                        <a:solidFill>
+                          <a:schemeClr val="bg1"/>
+                        </a:solidFill>
+                      </a:endParaRPr>
+                    </a:p>
+                  </a:txBody>
+                  <a:tcPr/>
+                </a:tc>
+                <a:extLst>
+                  <a:ext uri="{0D108BD9-81ED-4DB2-BD59-A6C34878D82A}">
+                    <a16:rowId xmlns:a16="http://schemas.microsoft.com/office/drawing/2014/main" val="754084693"/>
+                  </a:ext>
+                </a:extLst>
+              </a:tr>
+              <a:tr h="370840">
+                <a:tc>
+                  <a:txBody>
+                    <a:bodyPr/>
+                    <a:lstStyle/>
+                    <a:p>
+                      <a:pPr latinLnBrk="1"/>
+                      <a:r>
+                        <a:rPr lang="ko-KR" altLang="en-US" dirty="0" smtClean="0">
+                          <a:solidFill>
+                            <a:schemeClr val="bg1"/>
+                          </a:solidFill>
+                        </a:rPr>
+                        <a:t>자료형</a:t>
+                      </a:r>
+                      <a:r>
+                        <a:rPr lang="en-US" altLang="ko-KR" dirty="0" smtClean="0">
+                          <a:solidFill>
+                            <a:schemeClr val="bg1"/>
+                          </a:solidFill>
+                        </a:rPr>
+                        <a:t>[ ] </a:t>
+                      </a:r>
+                      <a:r>
+                        <a:rPr lang="ko-KR" altLang="en-US" dirty="0" smtClean="0">
+                          <a:solidFill>
+                            <a:schemeClr val="bg1"/>
+                          </a:solidFill>
+                        </a:rPr>
+                        <a:t>참조 변수명 </a:t>
+                      </a:r>
+                      <a:r>
+                        <a:rPr lang="en-US" altLang="ko-KR" dirty="0" smtClean="0">
+                          <a:solidFill>
+                            <a:schemeClr val="bg1"/>
+                          </a:solidFill>
+                        </a:rPr>
+                        <a:t>= new</a:t>
+                      </a:r>
+                      <a:r>
+                        <a:rPr lang="en-US" altLang="ko-KR" baseline="0" dirty="0" smtClean="0">
+                          <a:solidFill>
+                            <a:schemeClr val="bg1"/>
+                          </a:solidFill>
+                        </a:rPr>
+                        <a:t> </a:t>
+                      </a:r>
+                      <a:r>
+                        <a:rPr lang="ko-KR" altLang="en-US" baseline="0" dirty="0" smtClean="0">
+                          <a:solidFill>
+                            <a:schemeClr val="bg1"/>
+                          </a:solidFill>
+                        </a:rPr>
+                        <a:t>자료형</a:t>
+                      </a:r>
+                      <a:r>
+                        <a:rPr lang="en-US" altLang="ko-KR" baseline="0" dirty="0" smtClean="0">
+                          <a:solidFill>
+                            <a:schemeClr val="bg1"/>
+                          </a:solidFill>
+                        </a:rPr>
+                        <a:t>[</a:t>
+                      </a:r>
+                      <a:r>
+                        <a:rPr lang="ko-KR" altLang="en-US" baseline="0" dirty="0" smtClean="0">
+                          <a:solidFill>
+                            <a:schemeClr val="bg1"/>
+                          </a:solidFill>
+                        </a:rPr>
+                        <a:t>배열의 길이</a:t>
+                      </a:r>
+                      <a:r>
+                        <a:rPr lang="en-US" altLang="ko-KR" baseline="0" dirty="0" smtClean="0">
+                          <a:solidFill>
+                            <a:schemeClr val="bg1"/>
+                          </a:solidFill>
+                        </a:rPr>
+                        <a:t>];</a:t>
+                      </a:r>
+                    </a:p>
+                    <a:p>
+                      <a:pPr latinLnBrk="1"/>
+                      <a:r>
+                        <a:rPr lang="ko-KR" altLang="en-US" baseline="0" dirty="0" smtClean="0">
+                          <a:solidFill>
+                            <a:schemeClr val="bg1"/>
+                          </a:solidFill>
+                        </a:rPr>
+                        <a:t>참조 변수명</a:t>
+                      </a:r>
+                      <a:r>
+                        <a:rPr lang="en-US" altLang="ko-KR" baseline="0" dirty="0" smtClean="0">
+                          <a:solidFill>
+                            <a:schemeClr val="bg1"/>
+                          </a:solidFill>
+                        </a:rPr>
+                        <a:t>[0] = </a:t>
+                      </a:r>
+                      <a:r>
+                        <a:rPr lang="ko-KR" altLang="en-US" baseline="0" dirty="0" smtClean="0">
+                          <a:solidFill>
+                            <a:schemeClr val="bg1"/>
+                          </a:solidFill>
+                        </a:rPr>
+                        <a:t>값</a:t>
+                      </a:r>
+                      <a:r>
+                        <a:rPr lang="en-US" altLang="ko-KR" baseline="0" dirty="0" smtClean="0">
+                          <a:solidFill>
+                            <a:schemeClr val="bg1"/>
+                          </a:solidFill>
+                        </a:rPr>
+                        <a:t>;</a:t>
+                      </a:r>
+                    </a:p>
+                    <a:p>
+                      <a:pPr latinLnBrk="1"/>
+                      <a:r>
+                        <a:rPr lang="ko-KR" altLang="en-US" baseline="0" dirty="0" smtClean="0">
+                          <a:solidFill>
+                            <a:schemeClr val="bg1"/>
+                          </a:solidFill>
+                        </a:rPr>
+                        <a:t>참조 변수명</a:t>
+                      </a:r>
+                      <a:r>
+                        <a:rPr lang="en-US" altLang="ko-KR" baseline="0" dirty="0" smtClean="0">
+                          <a:solidFill>
+                            <a:schemeClr val="bg1"/>
+                          </a:solidFill>
+                        </a:rPr>
+                        <a:t>[1] = </a:t>
+                      </a:r>
+                      <a:r>
+                        <a:rPr lang="ko-KR" altLang="en-US" baseline="0" dirty="0" smtClean="0">
+                          <a:solidFill>
+                            <a:schemeClr val="bg1"/>
+                          </a:solidFill>
+                        </a:rPr>
+                        <a:t>값</a:t>
+                      </a:r>
+                      <a:r>
+                        <a:rPr lang="en-US" altLang="ko-KR" baseline="0" dirty="0" smtClean="0">
+                          <a:solidFill>
+                            <a:schemeClr val="bg1"/>
+                          </a:solidFill>
+                        </a:rPr>
+                        <a:t>;</a:t>
+                      </a:r>
+                    </a:p>
+                    <a:p>
+                      <a:pPr latinLnBrk="1"/>
+                      <a:r>
+                        <a:rPr lang="en-US" altLang="ko-KR" baseline="0" dirty="0" smtClean="0">
+                          <a:solidFill>
+                            <a:schemeClr val="bg1"/>
+                          </a:solidFill>
+                        </a:rPr>
+                        <a:t>…</a:t>
+                      </a:r>
+                    </a:p>
+                    <a:p>
+                      <a:pPr latinLnBrk="1"/>
+                      <a:r>
+                        <a:rPr lang="ko-KR" altLang="en-US" baseline="0" dirty="0" smtClean="0">
+                          <a:solidFill>
+                            <a:schemeClr val="bg1"/>
+                          </a:solidFill>
+                        </a:rPr>
+                        <a:t>참조 변수명</a:t>
+                      </a:r>
+                      <a:r>
+                        <a:rPr lang="en-US" altLang="ko-KR" baseline="0" dirty="0" smtClean="0">
+                          <a:solidFill>
+                            <a:schemeClr val="bg1"/>
+                          </a:solidFill>
+                        </a:rPr>
+                        <a:t>[</a:t>
+                      </a:r>
+                      <a:r>
+                        <a:rPr lang="ko-KR" altLang="en-US" baseline="0" dirty="0" smtClean="0">
+                          <a:solidFill>
+                            <a:schemeClr val="bg1"/>
+                          </a:solidFill>
+                        </a:rPr>
+                        <a:t>배열의 길이</a:t>
+                      </a:r>
+                      <a:r>
+                        <a:rPr lang="en-US" altLang="ko-KR" baseline="0" dirty="0" smtClean="0">
+                          <a:solidFill>
+                            <a:schemeClr val="bg1"/>
+                          </a:solidFill>
+                        </a:rPr>
+                        <a:t>-1] = </a:t>
+                      </a:r>
+                      <a:r>
+                        <a:rPr lang="ko-KR" altLang="en-US" baseline="0" dirty="0" smtClean="0">
+                          <a:solidFill>
+                            <a:schemeClr val="bg1"/>
+                          </a:solidFill>
+                        </a:rPr>
+                        <a:t>값</a:t>
+                      </a:r>
+                      <a:r>
+                        <a:rPr lang="en-US" altLang="ko-KR" baseline="0" dirty="0" smtClean="0">
+                          <a:solidFill>
+                            <a:schemeClr val="bg1"/>
+                          </a:solidFill>
+                        </a:rPr>
+                        <a:t>;</a:t>
+                      </a:r>
+                      <a:endParaRPr lang="ko-KR" altLang="en-US" dirty="0">
+                        <a:solidFill>
+                          <a:schemeClr val="bg1"/>
+                        </a:solidFill>
+                      </a:endParaRPr>
+                    </a:p>
+                  </a:txBody>
+                  <a:tcPr/>
+                </a:tc>
+                <a:tc>
+                  <a:txBody>
+                    <a:bodyPr/>
+                    <a:lstStyle/>
+                    <a:p>
+                      <a:pPr latinLnBrk="1"/>
+                      <a:r>
+                        <a:rPr lang="ko-KR" altLang="en-US" dirty="0" smtClean="0">
+                          <a:solidFill>
+                            <a:schemeClr val="bg1"/>
+                          </a:solidFill>
+                        </a:rPr>
+                        <a:t>자료형</a:t>
+                      </a:r>
+                      <a:r>
+                        <a:rPr lang="en-US" altLang="ko-KR" dirty="0" smtClean="0">
+                          <a:solidFill>
+                            <a:schemeClr val="bg1"/>
+                          </a:solidFill>
+                        </a:rPr>
+                        <a:t>[ ] </a:t>
+                      </a:r>
+                      <a:r>
+                        <a:rPr lang="ko-KR" altLang="en-US" dirty="0" smtClean="0">
+                          <a:solidFill>
+                            <a:schemeClr val="bg1"/>
+                          </a:solidFill>
+                        </a:rPr>
+                        <a:t>참조 변수명 </a:t>
+                      </a:r>
+                      <a:r>
+                        <a:rPr lang="en-US" altLang="ko-KR" dirty="0" smtClean="0">
+                          <a:solidFill>
+                            <a:schemeClr val="bg1"/>
+                          </a:solidFill>
+                        </a:rPr>
+                        <a:t>= new</a:t>
+                      </a:r>
+                      <a:r>
+                        <a:rPr lang="en-US" altLang="ko-KR" baseline="0" dirty="0" smtClean="0">
+                          <a:solidFill>
+                            <a:schemeClr val="bg1"/>
+                          </a:solidFill>
+                        </a:rPr>
+                        <a:t> </a:t>
+                      </a:r>
+                      <a:r>
+                        <a:rPr lang="ko-KR" altLang="en-US" baseline="0" dirty="0" smtClean="0">
+                          <a:solidFill>
+                            <a:schemeClr val="bg1"/>
+                          </a:solidFill>
+                        </a:rPr>
+                        <a:t>자료형</a:t>
+                      </a:r>
+                      <a:r>
+                        <a:rPr lang="en-US" altLang="ko-KR" baseline="0" dirty="0" smtClean="0">
+                          <a:solidFill>
+                            <a:schemeClr val="bg1"/>
+                          </a:solidFill>
+                        </a:rPr>
+                        <a:t>[ ]{</a:t>
+                      </a:r>
+                      <a:r>
+                        <a:rPr lang="ko-KR" altLang="en-US" baseline="0" dirty="0" smtClean="0">
+                          <a:solidFill>
+                            <a:schemeClr val="bg1"/>
+                          </a:solidFill>
+                        </a:rPr>
+                        <a:t>값</a:t>
+                      </a:r>
+                      <a:r>
+                        <a:rPr lang="en-US" altLang="ko-KR" baseline="0" dirty="0" smtClean="0">
+                          <a:solidFill>
+                            <a:schemeClr val="bg1"/>
+                          </a:solidFill>
+                        </a:rPr>
+                        <a:t>, </a:t>
+                      </a:r>
+                      <a:r>
+                        <a:rPr lang="ko-KR" altLang="en-US" baseline="0" dirty="0" smtClean="0">
+                          <a:solidFill>
+                            <a:schemeClr val="bg1"/>
+                          </a:solidFill>
+                        </a:rPr>
+                        <a:t>값</a:t>
+                      </a:r>
+                      <a:r>
+                        <a:rPr lang="en-US" altLang="ko-KR" baseline="0" dirty="0" smtClean="0">
+                          <a:solidFill>
+                            <a:schemeClr val="bg1"/>
+                          </a:solidFill>
+                        </a:rPr>
+                        <a:t>, …,</a:t>
+                      </a:r>
+                      <a:r>
+                        <a:rPr lang="ko-KR" altLang="en-US" baseline="0" dirty="0" smtClean="0">
+                          <a:solidFill>
+                            <a:schemeClr val="bg1"/>
+                          </a:solidFill>
+                        </a:rPr>
+                        <a:t>값</a:t>
+                      </a:r>
+                      <a:r>
+                        <a:rPr lang="en-US" altLang="ko-KR" baseline="0" dirty="0" smtClean="0">
+                          <a:solidFill>
+                            <a:schemeClr val="bg1"/>
+                          </a:solidFill>
+                        </a:rPr>
+                        <a:t>}; </a:t>
+                      </a:r>
+                      <a:endParaRPr lang="ko-KR" altLang="en-US" dirty="0">
+                        <a:solidFill>
+                          <a:schemeClr val="bg1"/>
+                        </a:solidFill>
+                      </a:endParaRPr>
+                    </a:p>
+                  </a:txBody>
+                  <a:tcPr/>
+                </a:tc>
+                <a:tc>
+                  <a:txBody>
+                    <a:bodyPr/>
+                    <a:lstStyle/>
+                    <a:p>
+                      <a:pPr latinLnBrk="1"/>
+                      <a:r>
+                        <a:rPr lang="ko-KR" altLang="en-US" dirty="0" smtClean="0">
+                          <a:solidFill>
+                            <a:schemeClr val="bg1"/>
+                          </a:solidFill>
+                        </a:rPr>
+                        <a:t>자료형</a:t>
+                      </a:r>
+                      <a:r>
+                        <a:rPr lang="en-US" altLang="ko-KR" dirty="0" smtClean="0">
+                          <a:solidFill>
+                            <a:schemeClr val="bg1"/>
+                          </a:solidFill>
+                        </a:rPr>
+                        <a:t>[ ] </a:t>
+                      </a:r>
+                      <a:r>
+                        <a:rPr lang="ko-KR" altLang="en-US" dirty="0" smtClean="0">
+                          <a:solidFill>
+                            <a:schemeClr val="bg1"/>
+                          </a:solidFill>
+                        </a:rPr>
+                        <a:t>참조</a:t>
+                      </a:r>
+                      <a:r>
+                        <a:rPr lang="ko-KR" altLang="en-US" baseline="0" dirty="0" smtClean="0">
+                          <a:solidFill>
+                            <a:schemeClr val="bg1"/>
+                          </a:solidFill>
+                        </a:rPr>
+                        <a:t> 변수명 </a:t>
+                      </a:r>
+                      <a:r>
+                        <a:rPr lang="en-US" altLang="ko-KR" baseline="0" dirty="0" smtClean="0">
+                          <a:solidFill>
+                            <a:schemeClr val="bg1"/>
+                          </a:solidFill>
+                        </a:rPr>
+                        <a:t>= {</a:t>
+                      </a:r>
+                      <a:r>
+                        <a:rPr lang="ko-KR" altLang="en-US" baseline="0" dirty="0" smtClean="0">
+                          <a:solidFill>
+                            <a:schemeClr val="bg1"/>
+                          </a:solidFill>
+                        </a:rPr>
+                        <a:t>값</a:t>
+                      </a:r>
+                      <a:r>
+                        <a:rPr lang="en-US" altLang="ko-KR" baseline="0" dirty="0" smtClean="0">
+                          <a:solidFill>
+                            <a:schemeClr val="bg1"/>
+                          </a:solidFill>
+                        </a:rPr>
+                        <a:t>, </a:t>
+                      </a:r>
+                      <a:r>
+                        <a:rPr lang="ko-KR" altLang="en-US" baseline="0" dirty="0" smtClean="0">
+                          <a:solidFill>
+                            <a:schemeClr val="bg1"/>
+                          </a:solidFill>
+                        </a:rPr>
+                        <a:t>값</a:t>
+                      </a:r>
+                      <a:r>
+                        <a:rPr lang="en-US" altLang="ko-KR" baseline="0" dirty="0" smtClean="0">
+                          <a:solidFill>
+                            <a:schemeClr val="bg1"/>
+                          </a:solidFill>
+                        </a:rPr>
+                        <a:t>, …, </a:t>
+                      </a:r>
+                      <a:r>
+                        <a:rPr lang="ko-KR" altLang="en-US" baseline="0" dirty="0" smtClean="0">
+                          <a:solidFill>
+                            <a:schemeClr val="bg1"/>
+                          </a:solidFill>
+                        </a:rPr>
+                        <a:t>값</a:t>
+                      </a:r>
+                      <a:r>
+                        <a:rPr lang="en-US" altLang="ko-KR" baseline="0" dirty="0" smtClean="0">
+                          <a:solidFill>
+                            <a:schemeClr val="bg1"/>
+                          </a:solidFill>
+                        </a:rPr>
+                        <a:t>};</a:t>
+                      </a:r>
+                      <a:endParaRPr lang="ko-KR" altLang="en-US" dirty="0">
+                        <a:solidFill>
+                          <a:schemeClr val="bg1"/>
+                        </a:solidFill>
+                      </a:endParaRPr>
+                    </a:p>
+                  </a:txBody>
+                  <a:tcPr/>
+                </a:tc>
+                <a:extLst>
+                  <a:ext uri="{0D108BD9-81ED-4DB2-BD59-A6C34878D82A}">
+                    <a16:rowId xmlns:a16="http://schemas.microsoft.com/office/drawing/2014/main" val="2106258511"/>
+                  </a:ext>
+                </a:extLst>
+              </a:tr>
+              <a:tr h="370840">
+                <a:tc>
+                  <a:txBody>
+                    <a:bodyPr/>
+                    <a:lstStyle/>
+                    <a:p>
+                      <a:pPr latinLnBrk="1"/>
+                      <a:r>
+                        <a:rPr lang="en-US" altLang="ko-KR" dirty="0" smtClean="0">
+                          <a:solidFill>
+                            <a:schemeClr val="bg1"/>
+                          </a:solidFill>
+                        </a:rPr>
+                        <a:t>int</a:t>
+                      </a:r>
+                      <a:r>
+                        <a:rPr lang="en-US" altLang="ko-KR" baseline="0" dirty="0" smtClean="0">
+                          <a:solidFill>
+                            <a:schemeClr val="bg1"/>
+                          </a:solidFill>
+                        </a:rPr>
+                        <a:t>[ ] a = new int[3];</a:t>
+                      </a:r>
+                    </a:p>
+                    <a:p>
+                      <a:pPr latinLnBrk="1"/>
+                      <a:r>
+                        <a:rPr lang="en-US" altLang="ko-KR" baseline="0" dirty="0" smtClean="0">
+                          <a:solidFill>
+                            <a:schemeClr val="bg1"/>
+                          </a:solidFill>
+                        </a:rPr>
+                        <a:t>a[0] = 3;</a:t>
+                      </a:r>
+                    </a:p>
+                    <a:p>
+                      <a:pPr latinLnBrk="1"/>
+                      <a:r>
+                        <a:rPr lang="en-US" altLang="ko-KR" baseline="0" dirty="0" smtClean="0">
+                          <a:solidFill>
+                            <a:schemeClr val="bg1"/>
+                          </a:solidFill>
+                        </a:rPr>
+                        <a:t>a[1] = 4;</a:t>
+                      </a:r>
+                    </a:p>
+                    <a:p>
+                      <a:pPr latinLnBrk="1"/>
+                      <a:r>
+                        <a:rPr lang="en-US" altLang="ko-KR" baseline="0" dirty="0" smtClean="0">
+                          <a:solidFill>
+                            <a:schemeClr val="bg1"/>
+                          </a:solidFill>
+                        </a:rPr>
+                        <a:t>a[2] = 5;</a:t>
+                      </a:r>
+                      <a:endParaRPr lang="ko-KR" altLang="en-US" dirty="0">
+                        <a:solidFill>
+                          <a:schemeClr val="bg1"/>
+                        </a:solidFill>
+                      </a:endParaRPr>
+                    </a:p>
+                  </a:txBody>
+                  <a:tcPr/>
+                </a:tc>
+                <a:tc>
+                  <a:txBody>
+                    <a:bodyPr/>
+                    <a:lstStyle/>
+                    <a:p>
+                      <a:pPr latinLnBrk="1"/>
+                      <a:r>
+                        <a:rPr lang="en-US" altLang="ko-KR" dirty="0" smtClean="0">
+                          <a:solidFill>
+                            <a:schemeClr val="bg1"/>
+                          </a:solidFill>
+                        </a:rPr>
+                        <a:t>int</a:t>
+                      </a:r>
+                      <a:r>
+                        <a:rPr lang="en-US" altLang="ko-KR" baseline="0" dirty="0" smtClean="0">
+                          <a:solidFill>
+                            <a:schemeClr val="bg1"/>
+                          </a:solidFill>
+                        </a:rPr>
+                        <a:t>[ ] a = new int[3, 4, 5];</a:t>
+                      </a:r>
+                      <a:endParaRPr lang="ko-KR" altLang="en-US" dirty="0">
+                        <a:solidFill>
+                          <a:schemeClr val="bg1"/>
+                        </a:solidFill>
+                      </a:endParaRPr>
+                    </a:p>
+                  </a:txBody>
+                  <a:tcPr/>
+                </a:tc>
+                <a:tc>
+                  <a:txBody>
+                    <a:bodyPr/>
+                    <a:lstStyle/>
+                    <a:p>
+                      <a:pPr latinLnBrk="1"/>
+                      <a:endParaRPr lang="ko-KR" altLang="en-US" dirty="0">
+                        <a:solidFill>
+                          <a:schemeClr val="bg1"/>
+                        </a:solidFill>
+                      </a:endParaRPr>
+                    </a:p>
+                  </a:txBody>
+                  <a:tcPr/>
+                </a:tc>
+                <a:extLst>
+                  <a:ext uri="{0D108BD9-81ED-4DB2-BD59-A6C34878D82A}">
+                    <a16:rowId xmlns:a16="http://schemas.microsoft.com/office/drawing/2014/main" val="191573296"/>
+                  </a:ext>
+                </a:extLst>
+              </a:tr>
+            </a:tbl>
+          </a:graphicData>
+        </a:graphic>
+      </p:graphicFrame>
+    </p:spTree>
+    <p:extLst>
+      <p:ext uri="{BB962C8B-B14F-4D97-AF65-F5344CB8AC3E}">
+        <p14:creationId xmlns:p14="http://schemas.microsoft.com/office/powerpoint/2010/main" val="3616421458"/>
+      </p:ext>
+    </p:extLst>
+  </p:cSld>
+  <p:clrMapOvr>
+    <a:masterClrMapping/>
+  </p:clrMapOvr>
 </p:sld>
 </file>
 

--- a/study001/교육자료/Java.pptx
+++ b/study001/교육자료/Java.pptx
@@ -3356,7 +3356,7 @@
           <a:p>
             <a:fld id="{5891CBA4-1650-4CCB-950D-5089E49CDEA0}" type="datetimeFigureOut">
               <a:rPr lang="ko-KR" altLang="en-US" smtClean="0"/>
-              <a:t>2024-04-16</a:t>
+              <a:t>2024-04-17</a:t>
             </a:fld>
             <a:endParaRPr lang="ko-KR" altLang="en-US"/>
           </a:p>
@@ -3898,7 +3898,7 @@
           <a:p>
             <a:fld id="{AF27530F-C173-4D31-9E53-9F9EE5695ED1}" type="datetimeFigureOut">
               <a:rPr lang="ko-KR" altLang="en-US" smtClean="0"/>
-              <a:t>2024-04-16</a:t>
+              <a:t>2024-04-17</a:t>
             </a:fld>
             <a:endParaRPr lang="ko-KR" altLang="en-US"/>
           </a:p>
@@ -4319,7 +4319,7 @@
           <a:p>
             <a:fld id="{AF27530F-C173-4D31-9E53-9F9EE5695ED1}" type="datetimeFigureOut">
               <a:rPr lang="ko-KR" altLang="en-US" smtClean="0"/>
-              <a:t>2024-04-16</a:t>
+              <a:t>2024-04-17</a:t>
             </a:fld>
             <a:endParaRPr lang="ko-KR" altLang="en-US"/>
           </a:p>
@@ -4655,7 +4655,7 @@
           <a:p>
             <a:fld id="{AF27530F-C173-4D31-9E53-9F9EE5695ED1}" type="datetimeFigureOut">
               <a:rPr lang="ko-KR" altLang="en-US" smtClean="0"/>
-              <a:t>2024-04-16</a:t>
+              <a:t>2024-04-17</a:t>
             </a:fld>
             <a:endParaRPr lang="ko-KR" altLang="en-US"/>
           </a:p>
@@ -5060,7 +5060,7 @@
           <a:p>
             <a:fld id="{AF27530F-C173-4D31-9E53-9F9EE5695ED1}" type="datetimeFigureOut">
               <a:rPr lang="ko-KR" altLang="en-US" smtClean="0"/>
-              <a:t>2024-04-16</a:t>
+              <a:t>2024-04-17</a:t>
             </a:fld>
             <a:endParaRPr lang="ko-KR" altLang="en-US"/>
           </a:p>
@@ -5628,7 +5628,7 @@
           <a:p>
             <a:fld id="{AF27530F-C173-4D31-9E53-9F9EE5695ED1}" type="datetimeFigureOut">
               <a:rPr lang="ko-KR" altLang="en-US" smtClean="0"/>
-              <a:t>2024-04-16</a:t>
+              <a:t>2024-04-17</a:t>
             </a:fld>
             <a:endParaRPr lang="ko-KR" altLang="en-US"/>
           </a:p>
@@ -6309,7 +6309,7 @@
           <a:p>
             <a:fld id="{AF27530F-C173-4D31-9E53-9F9EE5695ED1}" type="datetimeFigureOut">
               <a:rPr lang="ko-KR" altLang="en-US" smtClean="0"/>
-              <a:t>2024-04-16</a:t>
+              <a:t>2024-04-17</a:t>
             </a:fld>
             <a:endParaRPr lang="ko-KR" altLang="en-US"/>
           </a:p>
@@ -7301,7 +7301,7 @@
           <a:p>
             <a:fld id="{AF27530F-C173-4D31-9E53-9F9EE5695ED1}" type="datetimeFigureOut">
               <a:rPr lang="ko-KR" altLang="en-US" smtClean="0"/>
-              <a:t>2024-04-16</a:t>
+              <a:t>2024-04-17</a:t>
             </a:fld>
             <a:endParaRPr lang="ko-KR" altLang="en-US"/>
           </a:p>
@@ -7614,7 +7614,7 @@
           <a:p>
             <a:fld id="{AF27530F-C173-4D31-9E53-9F9EE5695ED1}" type="datetimeFigureOut">
               <a:rPr lang="ko-KR" altLang="en-US" smtClean="0"/>
-              <a:t>2024-04-16</a:t>
+              <a:t>2024-04-17</a:t>
             </a:fld>
             <a:endParaRPr lang="ko-KR" altLang="en-US"/>
           </a:p>
@@ -7878,7 +7878,7 @@
           <a:p>
             <a:fld id="{AF27530F-C173-4D31-9E53-9F9EE5695ED1}" type="datetimeFigureOut">
               <a:rPr lang="ko-KR" altLang="en-US" smtClean="0"/>
-              <a:t>2024-04-16</a:t>
+              <a:t>2024-04-17</a:t>
             </a:fld>
             <a:endParaRPr lang="ko-KR" altLang="en-US"/>
           </a:p>
@@ -8201,7 +8201,7 @@
           <a:p>
             <a:fld id="{AF27530F-C173-4D31-9E53-9F9EE5695ED1}" type="datetimeFigureOut">
               <a:rPr lang="ko-KR" altLang="en-US" smtClean="0"/>
-              <a:t>2024-04-16</a:t>
+              <a:t>2024-04-17</a:t>
             </a:fld>
             <a:endParaRPr lang="ko-KR" altLang="en-US"/>
           </a:p>
@@ -8669,7 +8669,7 @@
           <a:p>
             <a:fld id="{AF27530F-C173-4D31-9E53-9F9EE5695ED1}" type="datetimeFigureOut">
               <a:rPr lang="ko-KR" altLang="en-US" smtClean="0"/>
-              <a:t>2024-04-16</a:t>
+              <a:t>2024-04-17</a:t>
             </a:fld>
             <a:endParaRPr lang="ko-KR" altLang="en-US"/>
           </a:p>
@@ -9056,7 +9056,7 @@
           <a:p>
             <a:fld id="{AF27530F-C173-4D31-9E53-9F9EE5695ED1}" type="datetimeFigureOut">
               <a:rPr lang="ko-KR" altLang="en-US" smtClean="0"/>
-              <a:t>2024-04-16</a:t>
+              <a:t>2024-04-17</a:t>
             </a:fld>
             <a:endParaRPr lang="ko-KR" altLang="en-US"/>
           </a:p>
@@ -9641,7 +9641,7 @@
           <a:p>
             <a:fld id="{AF27530F-C173-4D31-9E53-9F9EE5695ED1}" type="datetimeFigureOut">
               <a:rPr lang="ko-KR" altLang="en-US" smtClean="0"/>
-              <a:t>2024-04-16</a:t>
+              <a:t>2024-04-17</a:t>
             </a:fld>
             <a:endParaRPr lang="ko-KR" altLang="en-US"/>
           </a:p>
@@ -9905,7 +9905,7 @@
           <a:p>
             <a:fld id="{AF27530F-C173-4D31-9E53-9F9EE5695ED1}" type="datetimeFigureOut">
               <a:rPr lang="ko-KR" altLang="en-US" smtClean="0"/>
-              <a:t>2024-04-16</a:t>
+              <a:t>2024-04-17</a:t>
             </a:fld>
             <a:endParaRPr lang="ko-KR" altLang="en-US"/>
           </a:p>
@@ -10075,7 +10075,7 @@
           <a:p>
             <a:fld id="{AF27530F-C173-4D31-9E53-9F9EE5695ED1}" type="datetimeFigureOut">
               <a:rPr lang="ko-KR" altLang="en-US" smtClean="0"/>
-              <a:t>2024-04-16</a:t>
+              <a:t>2024-04-17</a:t>
             </a:fld>
             <a:endParaRPr lang="ko-KR" altLang="en-US"/>
           </a:p>
@@ -10544,7 +10544,7 @@
           <a:p>
             <a:fld id="{AF27530F-C173-4D31-9E53-9F9EE5695ED1}" type="datetimeFigureOut">
               <a:rPr lang="ko-KR" altLang="en-US" smtClean="0"/>
-              <a:t>2024-04-16</a:t>
+              <a:t>2024-04-17</a:t>
             </a:fld>
             <a:endParaRPr lang="ko-KR" altLang="en-US"/>
           </a:p>
@@ -10960,7 +10960,7 @@
           <a:p>
             <a:fld id="{AF27530F-C173-4D31-9E53-9F9EE5695ED1}" type="datetimeFigureOut">
               <a:rPr lang="ko-KR" altLang="en-US" smtClean="0"/>
-              <a:t>2024-04-16</a:t>
+              <a:t>2024-04-17</a:t>
             </a:fld>
             <a:endParaRPr lang="ko-KR" altLang="en-US"/>
           </a:p>
@@ -11211,7 +11211,7 @@
           <a:p>
             <a:fld id="{AF27530F-C173-4D31-9E53-9F9EE5695ED1}" type="datetimeFigureOut">
               <a:rPr lang="ko-KR" altLang="en-US" smtClean="0"/>
-              <a:t>2024-04-16</a:t>
+              <a:t>2024-04-17</a:t>
             </a:fld>
             <a:endParaRPr lang="ko-KR" altLang="en-US"/>
           </a:p>
@@ -26019,35 +26019,253 @@
           <a:p>
             <a:pPr algn="ctr"/>
             <a:r>
-              <a:rPr lang="en-US" altLang="ko-KR" dirty="0" smtClean="0"/>
-              <a:t>1</a:t>
-            </a:r>
-            <a:r>
               <a:rPr lang="ko-KR" altLang="en-US" dirty="0" smtClean="0"/>
-              <a:t>차원 배열을 생성하는 다양한 방법</a:t>
+              <a:t>배열</a:t>
             </a:r>
             <a:endParaRPr lang="ko-KR" altLang="en-US" dirty="0"/>
+          </a:p>
+        </p:txBody>
+      </p:sp>
+      <p:sp>
+        <p:nvSpPr>
+          <p:cNvPr id="3" name="TextBox 2"/>
+          <p:cNvSpPr txBox="1"/>
+          <p:nvPr/>
+        </p:nvSpPr>
+        <p:spPr>
+          <a:xfrm>
+            <a:off x="5887306" y="2257638"/>
+            <a:ext cx="4406880" cy="1261884"/>
+          </a:xfrm>
+          <a:prstGeom prst="rect">
+            <a:avLst/>
+          </a:prstGeom>
+          <a:noFill/>
+        </p:spPr>
+        <p:txBody>
+          <a:bodyPr wrap="square" rtlCol="0">
+            <a:spAutoFit/>
+          </a:bodyPr>
+          <a:lstStyle/>
+          <a:p>
+            <a:r>
+              <a:rPr lang="ko-KR" altLang="en-US" sz="1600" dirty="0">
+                <a:solidFill>
+                  <a:schemeClr val="bg1"/>
+                </a:solidFill>
+              </a:rPr>
+              <a:t>▶ </a:t>
+            </a:r>
+            <a:r>
+              <a:rPr lang="ko-KR" altLang="en-US" sz="1600" dirty="0" smtClean="0">
+                <a:solidFill>
+                  <a:schemeClr val="bg1"/>
+                </a:solidFill>
+              </a:rPr>
+              <a:t> </a:t>
+            </a:r>
+            <a:r>
+              <a:rPr lang="ko-KR" altLang="en-US" sz="1500" dirty="0" smtClean="0">
+                <a:solidFill>
+                  <a:schemeClr val="bg1">
+                    <a:lumMod val="95000"/>
+                    <a:lumOff val="5000"/>
+                  </a:schemeClr>
+                </a:solidFill>
+              </a:rPr>
+              <a:t>힙</a:t>
+            </a:r>
+            <a:r>
+              <a:rPr lang="en-US" altLang="ko-KR" sz="1500" dirty="0" smtClean="0">
+                <a:solidFill>
+                  <a:schemeClr val="bg1">
+                    <a:lumMod val="95000"/>
+                    <a:lumOff val="5000"/>
+                  </a:schemeClr>
+                </a:solidFill>
+              </a:rPr>
+              <a:t> </a:t>
+            </a:r>
+            <a:r>
+              <a:rPr lang="ko-KR" altLang="en-US" sz="1500" dirty="0" smtClean="0">
+                <a:solidFill>
+                  <a:schemeClr val="bg1">
+                    <a:lumMod val="95000"/>
+                    <a:lumOff val="5000"/>
+                  </a:schemeClr>
+                </a:solidFill>
+              </a:rPr>
+              <a:t>메모리에서의 강제 </a:t>
+            </a:r>
+            <a:r>
+              <a:rPr lang="ko-KR" altLang="en-US" sz="1500" dirty="0" err="1" smtClean="0">
+                <a:solidFill>
+                  <a:schemeClr val="bg1">
+                    <a:lumMod val="95000"/>
+                    <a:lumOff val="5000"/>
+                  </a:schemeClr>
+                </a:solidFill>
+              </a:rPr>
+              <a:t>초깃값</a:t>
+            </a:r>
+            <a:endParaRPr lang="en-US" altLang="ko-KR" sz="1500" dirty="0" smtClean="0">
+              <a:solidFill>
+                <a:schemeClr val="bg1">
+                  <a:lumMod val="95000"/>
+                  <a:lumOff val="5000"/>
+                </a:schemeClr>
+              </a:solidFill>
+            </a:endParaRPr>
+          </a:p>
+          <a:p>
+            <a:r>
+              <a:rPr lang="en-US" altLang="ko-KR" sz="1500" dirty="0" smtClean="0">
+                <a:solidFill>
+                  <a:schemeClr val="bg1">
+                    <a:lumMod val="95000"/>
+                    <a:lumOff val="5000"/>
+                  </a:schemeClr>
+                </a:solidFill>
+              </a:rPr>
+              <a:t>------------------------------------------------------------</a:t>
+            </a:r>
+            <a:br>
+              <a:rPr lang="en-US" altLang="ko-KR" sz="1500" dirty="0" smtClean="0">
+                <a:solidFill>
+                  <a:schemeClr val="bg1">
+                    <a:lumMod val="95000"/>
+                    <a:lumOff val="5000"/>
+                  </a:schemeClr>
+                </a:solidFill>
+              </a:rPr>
+            </a:br>
+            <a:r>
+              <a:rPr lang="ko-KR" altLang="en-US" sz="1500" dirty="0" err="1" smtClean="0">
+                <a:solidFill>
+                  <a:schemeClr val="bg1">
+                    <a:lumMod val="95000"/>
+                    <a:lumOff val="5000"/>
+                  </a:schemeClr>
+                </a:solidFill>
+              </a:rPr>
+              <a:t>힙메모리는</a:t>
+            </a:r>
+            <a:r>
+              <a:rPr lang="ko-KR" altLang="en-US" sz="1500" dirty="0" smtClean="0">
+                <a:solidFill>
+                  <a:schemeClr val="bg1">
+                    <a:lumMod val="95000"/>
+                    <a:lumOff val="5000"/>
+                  </a:schemeClr>
+                </a:solidFill>
+              </a:rPr>
+              <a:t> 모든 공간에 값이 들어가 있어야 하며</a:t>
+            </a:r>
+            <a:r>
+              <a:rPr lang="en-US" altLang="ko-KR" sz="1500" dirty="0" smtClean="0">
+                <a:solidFill>
+                  <a:schemeClr val="bg1">
+                    <a:lumMod val="95000"/>
+                    <a:lumOff val="5000"/>
+                  </a:schemeClr>
+                </a:solidFill>
+              </a:rPr>
+              <a:t>, </a:t>
+            </a:r>
+            <a:r>
+              <a:rPr lang="ko-KR" altLang="en-US" sz="1500" dirty="0" smtClean="0">
+                <a:solidFill>
+                  <a:schemeClr val="bg1">
+                    <a:lumMod val="95000"/>
+                    <a:lumOff val="5000"/>
+                  </a:schemeClr>
+                </a:solidFill>
+              </a:rPr>
+              <a:t>초기화를 하지 않았을 때</a:t>
+            </a:r>
+            <a:r>
+              <a:rPr lang="en-US" altLang="ko-KR" sz="1500" dirty="0" smtClean="0">
+                <a:solidFill>
+                  <a:schemeClr val="bg1">
+                    <a:lumMod val="95000"/>
+                    <a:lumOff val="5000"/>
+                  </a:schemeClr>
+                </a:solidFill>
+              </a:rPr>
+              <a:t> </a:t>
+            </a:r>
+            <a:r>
+              <a:rPr lang="ko-KR" altLang="en-US" sz="1500" dirty="0" smtClean="0">
+                <a:solidFill>
+                  <a:schemeClr val="bg1">
+                    <a:lumMod val="95000"/>
+                    <a:lumOff val="5000"/>
+                  </a:schemeClr>
+                </a:solidFill>
+              </a:rPr>
+              <a:t>자바 가상 </a:t>
+            </a:r>
+            <a:r>
+              <a:rPr lang="ko-KR" altLang="en-US" sz="1500" dirty="0" err="1" smtClean="0">
+                <a:solidFill>
+                  <a:schemeClr val="bg1">
+                    <a:lumMod val="95000"/>
+                    <a:lumOff val="5000"/>
+                  </a:schemeClr>
+                </a:solidFill>
+              </a:rPr>
+              <a:t>머신이</a:t>
+            </a:r>
+            <a:r>
+              <a:rPr lang="ko-KR" altLang="en-US" sz="1500" dirty="0" smtClean="0">
+                <a:solidFill>
+                  <a:schemeClr val="bg1">
+                    <a:lumMod val="95000"/>
+                    <a:lumOff val="5000"/>
+                  </a:schemeClr>
+                </a:solidFill>
+              </a:rPr>
+              <a:t> 강제 초기화 한다</a:t>
+            </a:r>
+            <a:r>
+              <a:rPr lang="en-US" altLang="ko-KR" sz="1500" dirty="0" smtClean="0">
+                <a:solidFill>
+                  <a:schemeClr val="bg1">
+                    <a:lumMod val="95000"/>
+                    <a:lumOff val="5000"/>
+                  </a:schemeClr>
+                </a:solidFill>
+              </a:rPr>
+              <a:t>.</a:t>
+            </a:r>
+            <a:endParaRPr lang="ko-KR" altLang="en-US" sz="1500" dirty="0">
+              <a:solidFill>
+                <a:schemeClr val="bg1">
+                  <a:lumMod val="95000"/>
+                  <a:lumOff val="5000"/>
+                </a:schemeClr>
+              </a:solidFill>
+            </a:endParaRPr>
           </a:p>
         </p:txBody>
       </p:sp>
       <p:graphicFrame>
         <p:nvGraphicFramePr>
-          <p:cNvPr id="4" name="내용 개체 틀 3"/>
+          <p:cNvPr id="6" name="표 5"/>
           <p:cNvGraphicFramePr>
             <a:graphicFrameLocks noGrp="1"/>
           </p:cNvGraphicFramePr>
           <p:nvPr>
-            <p:ph idx="1"/>
             <p:extLst>
               <p:ext uri="{D42A27DB-BD31-4B8C-83A1-F6EECF244321}">
-                <p14:modId xmlns:p14="http://schemas.microsoft.com/office/powerpoint/2010/main" val="388069131"/>
+                <p14:modId xmlns:p14="http://schemas.microsoft.com/office/powerpoint/2010/main" val="3377791262"/>
               </p:ext>
             </p:extLst>
           </p:nvPr>
         </p:nvGraphicFramePr>
         <p:xfrm>
-          <a:off x="681038" y="2336800"/>
-          <a:ext cx="9613899" cy="3842131"/>
+          <a:off x="5887305" y="3633324"/>
+          <a:ext cx="4387137" cy="1854200"/>
         </p:xfrm>
         <a:graphic>
           <a:graphicData uri="http://schemas.openxmlformats.org/drawingml/2006/table">
@@ -26056,24 +26274,24 @@
                 <a:tableStyleId>{5C22544A-7EE6-4342-B048-85BDC9FD1C3A}</a:tableStyleId>
               </a:tblPr>
               <a:tblGrid>
-                <a:gridCol w="3204633">
+                <a:gridCol w="1233452">
                   <a:extLst>
                     <a:ext uri="{9D8B030D-6E8A-4147-A177-3AD203B41FA5}">
-                      <a16:colId xmlns:a16="http://schemas.microsoft.com/office/drawing/2014/main" val="1011564941"/>
+                      <a16:colId xmlns:a16="http://schemas.microsoft.com/office/drawing/2014/main" val="955446784"/>
                     </a:ext>
                   </a:extLst>
                 </a:gridCol>
-                <a:gridCol w="3204633">
+                <a:gridCol w="2021874">
                   <a:extLst>
                     <a:ext uri="{9D8B030D-6E8A-4147-A177-3AD203B41FA5}">
-                      <a16:colId xmlns:a16="http://schemas.microsoft.com/office/drawing/2014/main" val="3597773650"/>
+                      <a16:colId xmlns:a16="http://schemas.microsoft.com/office/drawing/2014/main" val="2987688014"/>
                     </a:ext>
                   </a:extLst>
                 </a:gridCol>
-                <a:gridCol w="3204633">
+                <a:gridCol w="1131811">
                   <a:extLst>
                     <a:ext uri="{9D8B030D-6E8A-4147-A177-3AD203B41FA5}">
-                      <a16:colId xmlns:a16="http://schemas.microsoft.com/office/drawing/2014/main" val="3466351325"/>
+                      <a16:colId xmlns:a16="http://schemas.microsoft.com/office/drawing/2014/main" val="2735376695"/>
                     </a:ext>
                   </a:extLst>
                 </a:gridCol>
@@ -26084,73 +26302,189 @@
                     <a:bodyPr/>
                     <a:lstStyle/>
                     <a:p>
-                      <a:pPr latinLnBrk="1"/>
+                      <a:pPr algn="ctr" latinLnBrk="1"/>
                       <a:r>
-                        <a:rPr lang="ko-KR" altLang="en-US" dirty="0" smtClean="0">
-                          <a:solidFill>
-                            <a:schemeClr val="bg1"/>
-                          </a:solidFill>
-                        </a:rPr>
-                        <a:t>배열 객체를 생성하고 값 대입</a:t>
+                        <a:rPr lang="ko-KR" altLang="en-US" sz="1600" dirty="0" smtClean="0"/>
+                        <a:t>기본 </a:t>
                       </a:r>
-                      <a:endParaRPr lang="ko-KR" altLang="en-US" dirty="0">
-                        <a:solidFill>
-                          <a:schemeClr val="bg1"/>
-                        </a:solidFill>
-                      </a:endParaRPr>
+                      <a:r>
+                        <a:rPr lang="en-US" altLang="ko-KR" sz="1600" dirty="0" smtClean="0"/>
+                        <a:t>/</a:t>
+                      </a:r>
+                      <a:r>
+                        <a:rPr lang="en-US" altLang="ko-KR" sz="1600" baseline="0" dirty="0" smtClean="0"/>
+                        <a:t> </a:t>
+                      </a:r>
+                      <a:r>
+                        <a:rPr lang="ko-KR" altLang="en-US" sz="1600" baseline="0" dirty="0" smtClean="0"/>
+                        <a:t>참조</a:t>
+                      </a:r>
+                      <a:endParaRPr lang="ko-KR" altLang="en-US" sz="1600" dirty="0"/>
                     </a:p>
                   </a:txBody>
-                  <a:tcPr/>
+                  <a:tcPr anchor="ctr"/>
                 </a:tc>
                 <a:tc>
                   <a:txBody>
                     <a:bodyPr/>
                     <a:lstStyle/>
                     <a:p>
-                      <a:pPr latinLnBrk="1"/>
+                      <a:pPr algn="ctr" latinLnBrk="1"/>
                       <a:r>
-                        <a:rPr lang="ko-KR" altLang="en-US" dirty="0" smtClean="0">
-                          <a:solidFill>
-                            <a:schemeClr val="bg1"/>
-                          </a:solidFill>
-                        </a:rPr>
-                        <a:t>배열 객체 생성과 함께 값 대입</a:t>
+                        <a:rPr lang="ko-KR" altLang="en-US" sz="1600" dirty="0" smtClean="0"/>
+                        <a:t>자료형</a:t>
                       </a:r>
-                      <a:endParaRPr lang="ko-KR" altLang="en-US" dirty="0">
-                        <a:solidFill>
-                          <a:schemeClr val="bg1"/>
-                        </a:solidFill>
-                      </a:endParaRPr>
+                      <a:endParaRPr lang="ko-KR" altLang="en-US" sz="1600" dirty="0"/>
                     </a:p>
                   </a:txBody>
-                  <a:tcPr/>
+                  <a:tcPr anchor="ctr"/>
                 </a:tc>
                 <a:tc>
                   <a:txBody>
                     <a:bodyPr/>
                     <a:lstStyle/>
                     <a:p>
-                      <a:pPr latinLnBrk="1"/>
+                      <a:pPr algn="ctr" latinLnBrk="1"/>
                       <a:r>
-                        <a:rPr lang="ko-KR" altLang="en-US" dirty="0" smtClean="0">
-                          <a:solidFill>
-                            <a:schemeClr val="bg1"/>
-                          </a:solidFill>
-                        </a:rPr>
-                        <a:t>대입할 값만 입력</a:t>
+                        <a:rPr lang="ko-KR" altLang="en-US" sz="1600" dirty="0" smtClean="0"/>
+                        <a:t>기본값</a:t>
                       </a:r>
-                      <a:endParaRPr lang="ko-KR" altLang="en-US" dirty="0">
-                        <a:solidFill>
-                          <a:schemeClr val="bg1"/>
-                        </a:solidFill>
-                      </a:endParaRPr>
+                      <a:endParaRPr lang="ko-KR" altLang="en-US" sz="1600" dirty="0"/>
                     </a:p>
                   </a:txBody>
-                  <a:tcPr/>
+                  <a:tcPr anchor="ctr"/>
                 </a:tc>
                 <a:extLst>
                   <a:ext uri="{0D108BD9-81ED-4DB2-BD59-A6C34878D82A}">
-                    <a16:rowId xmlns:a16="http://schemas.microsoft.com/office/drawing/2014/main" val="754084693"/>
+                    <a16:rowId xmlns:a16="http://schemas.microsoft.com/office/drawing/2014/main" val="4110653939"/>
+                  </a:ext>
+                </a:extLst>
+              </a:tr>
+              <a:tr h="370840">
+                <a:tc rowSpan="3">
+                  <a:txBody>
+                    <a:bodyPr/>
+                    <a:lstStyle/>
+                    <a:p>
+                      <a:pPr algn="ctr" latinLnBrk="1"/>
+                      <a:r>
+                        <a:rPr lang="ko-KR" altLang="en-US" sz="1600" dirty="0" smtClean="0"/>
+                        <a:t>기본</a:t>
+                      </a:r>
+                      <a:endParaRPr lang="ko-KR" altLang="en-US" sz="1600" dirty="0"/>
+                    </a:p>
+                  </a:txBody>
+                  <a:tcPr anchor="ctr"/>
+                </a:tc>
+                <a:tc>
+                  <a:txBody>
+                    <a:bodyPr/>
+                    <a:lstStyle/>
+                    <a:p>
+                      <a:pPr algn="ctr" latinLnBrk="1"/>
+                      <a:r>
+                        <a:rPr lang="ko-KR" altLang="en-US" sz="1600" smtClean="0"/>
+                        <a:t>블리언</a:t>
+                      </a:r>
+                      <a:endParaRPr lang="ko-KR" altLang="en-US" sz="1600" dirty="0"/>
+                    </a:p>
+                  </a:txBody>
+                  <a:tcPr anchor="ctr"/>
+                </a:tc>
+                <a:tc>
+                  <a:txBody>
+                    <a:bodyPr/>
+                    <a:lstStyle/>
+                    <a:p>
+                      <a:pPr algn="ctr" latinLnBrk="1"/>
+                      <a:endParaRPr lang="ko-KR" altLang="en-US" sz="1600"/>
+                    </a:p>
+                  </a:txBody>
+                  <a:tcPr anchor="ctr"/>
+                </a:tc>
+                <a:extLst>
+                  <a:ext uri="{0D108BD9-81ED-4DB2-BD59-A6C34878D82A}">
+                    <a16:rowId xmlns:a16="http://schemas.microsoft.com/office/drawing/2014/main" val="4084523889"/>
+                  </a:ext>
+                </a:extLst>
+              </a:tr>
+              <a:tr h="370840">
+                <a:tc vMerge="1">
+                  <a:txBody>
+                    <a:bodyPr/>
+                    <a:lstStyle/>
+                    <a:p>
+                      <a:pPr algn="ctr" latinLnBrk="1"/>
+                      <a:endParaRPr lang="ko-KR" altLang="en-US" sz="1600" dirty="0"/>
+                    </a:p>
+                  </a:txBody>
+                  <a:tcPr anchor="ctr"/>
+                </a:tc>
+                <a:tc>
+                  <a:txBody>
+                    <a:bodyPr/>
+                    <a:lstStyle/>
+                    <a:p>
+                      <a:pPr algn="ctr" latinLnBrk="1"/>
+                      <a:endParaRPr lang="ko-KR" altLang="en-US" sz="1600" dirty="0"/>
+                    </a:p>
+                  </a:txBody>
+                  <a:tcPr anchor="ctr"/>
+                </a:tc>
+                <a:tc>
+                  <a:txBody>
+                    <a:bodyPr/>
+                    <a:lstStyle/>
+                    <a:p>
+                      <a:pPr algn="ctr" latinLnBrk="1"/>
+                      <a:endParaRPr lang="ko-KR" altLang="en-US" sz="1600" dirty="0"/>
+                    </a:p>
+                  </a:txBody>
+                  <a:tcPr anchor="ctr"/>
+                </a:tc>
+                <a:extLst>
+                  <a:ext uri="{0D108BD9-81ED-4DB2-BD59-A6C34878D82A}">
+                    <a16:rowId xmlns:a16="http://schemas.microsoft.com/office/drawing/2014/main" val="1552963651"/>
+                  </a:ext>
+                </a:extLst>
+              </a:tr>
+              <a:tr h="370840">
+                <a:tc vMerge="1">
+                  <a:txBody>
+                    <a:bodyPr/>
+                    <a:lstStyle/>
+                    <a:p>
+                      <a:pPr algn="ctr" latinLnBrk="1"/>
+                      <a:endParaRPr lang="ko-KR" altLang="en-US" sz="1600" dirty="0"/>
+                    </a:p>
+                  </a:txBody>
+                  <a:tcPr anchor="ctr"/>
+                </a:tc>
+                <a:tc>
+                  <a:txBody>
+                    <a:bodyPr/>
+                    <a:lstStyle/>
+                    <a:p>
+                      <a:pPr algn="ctr" latinLnBrk="1"/>
+                      <a:endParaRPr lang="ko-KR" altLang="en-US" sz="1600" dirty="0"/>
+                    </a:p>
+                  </a:txBody>
+                  <a:tcPr anchor="ctr"/>
+                </a:tc>
+                <a:tc>
+                  <a:txBody>
+                    <a:bodyPr/>
+                    <a:lstStyle/>
+                    <a:p>
+                      <a:pPr algn="ctr" latinLnBrk="1"/>
+                      <a:endParaRPr lang="ko-KR" altLang="en-US" sz="1600" dirty="0"/>
+                    </a:p>
+                  </a:txBody>
+                  <a:tcPr anchor="ctr"/>
+                </a:tc>
+                <a:extLst>
+                  <a:ext uri="{0D108BD9-81ED-4DB2-BD59-A6C34878D82A}">
+                    <a16:rowId xmlns:a16="http://schemas.microsoft.com/office/drawing/2014/main" val="1944265242"/>
                   </a:ext>
                 </a:extLst>
               </a:tr>
@@ -26160,9 +26494,170 @@
                     <a:bodyPr/>
                     <a:lstStyle/>
                     <a:p>
-                      <a:pPr latinLnBrk="1"/>
+                      <a:pPr algn="ctr" latinLnBrk="1"/>
                       <a:r>
-                        <a:rPr lang="ko-KR" altLang="en-US" dirty="0" smtClean="0">
+                        <a:rPr lang="ko-KR" altLang="en-US" sz="1600" dirty="0" smtClean="0"/>
+                        <a:t>참조</a:t>
+                      </a:r>
+                      <a:endParaRPr lang="ko-KR" altLang="en-US" sz="1600" dirty="0"/>
+                    </a:p>
+                  </a:txBody>
+                  <a:tcPr anchor="ctr"/>
+                </a:tc>
+                <a:tc>
+                  <a:txBody>
+                    <a:bodyPr/>
+                    <a:lstStyle/>
+                    <a:p>
+                      <a:pPr algn="ctr" latinLnBrk="1"/>
+                      <a:endParaRPr lang="ko-KR" altLang="en-US" sz="1600" dirty="0"/>
+                    </a:p>
+                  </a:txBody>
+                  <a:tcPr anchor="ctr"/>
+                </a:tc>
+                <a:tc>
+                  <a:txBody>
+                    <a:bodyPr/>
+                    <a:lstStyle/>
+                    <a:p>
+                      <a:pPr algn="ctr" latinLnBrk="1"/>
+                      <a:endParaRPr lang="ko-KR" altLang="en-US" sz="1600" dirty="0"/>
+                    </a:p>
+                  </a:txBody>
+                  <a:tcPr anchor="ctr"/>
+                </a:tc>
+                <a:extLst>
+                  <a:ext uri="{0D108BD9-81ED-4DB2-BD59-A6C34878D82A}">
+                    <a16:rowId xmlns:a16="http://schemas.microsoft.com/office/drawing/2014/main" val="4256378888"/>
+                  </a:ext>
+                </a:extLst>
+              </a:tr>
+            </a:tbl>
+          </a:graphicData>
+        </a:graphic>
+      </p:graphicFrame>
+      <p:graphicFrame>
+        <p:nvGraphicFramePr>
+          <p:cNvPr id="7" name="표 6"/>
+          <p:cNvGraphicFramePr>
+            <a:graphicFrameLocks noGrp="1"/>
+          </p:cNvGraphicFramePr>
+          <p:nvPr>
+            <p:extLst>
+              <p:ext uri="{D42A27DB-BD31-4B8C-83A1-F6EECF244321}">
+                <p14:modId xmlns:p14="http://schemas.microsoft.com/office/powerpoint/2010/main" val="2140067190"/>
+              </p:ext>
+            </p:extLst>
+          </p:nvPr>
+        </p:nvGraphicFramePr>
+        <p:xfrm>
+          <a:off x="680325" y="2257638"/>
+          <a:ext cx="3537529" cy="4279705"/>
+        </p:xfrm>
+        <a:graphic>
+          <a:graphicData uri="http://schemas.openxmlformats.org/drawingml/2006/table">
+            <a:tbl>
+              <a:tblPr firstRow="1" bandRow="1">
+                <a:tableStyleId>{5C22544A-7EE6-4342-B048-85BDC9FD1C3A}</a:tableStyleId>
+              </a:tblPr>
+              <a:tblGrid>
+                <a:gridCol w="3537529">
+                  <a:extLst>
+                    <a:ext uri="{9D8B030D-6E8A-4147-A177-3AD203B41FA5}">
+                      <a16:colId xmlns:a16="http://schemas.microsoft.com/office/drawing/2014/main" val="2984459491"/>
+                    </a:ext>
+                  </a:extLst>
+                </a:gridCol>
+              </a:tblGrid>
+              <a:tr h="452311">
+                <a:tc>
+                  <a:txBody>
+                    <a:bodyPr/>
+                    <a:lstStyle/>
+                    <a:p>
+                      <a:pPr algn="ctr" latinLnBrk="1"/>
+                      <a:r>
+                        <a:rPr lang="en-US" altLang="ko-KR" sz="1600" dirty="0" smtClean="0"/>
+                        <a:t>1</a:t>
+                      </a:r>
+                      <a:r>
+                        <a:rPr lang="ko-KR" altLang="en-US" sz="1600" dirty="0" smtClean="0"/>
+                        <a:t>차원 배열을 생성하는 다양한 방법</a:t>
+                      </a:r>
+                      <a:endParaRPr lang="ko-KR" altLang="en-US" sz="1600" dirty="0"/>
+                    </a:p>
+                  </a:txBody>
+                  <a:tcPr anchor="ctr">
+                    <a:solidFill>
+                      <a:schemeClr val="accent1">
+                        <a:lumMod val="50000"/>
+                      </a:schemeClr>
+                    </a:solidFill>
+                  </a:tcPr>
+                </a:tc>
+                <a:extLst>
+                  <a:ext uri="{0D108BD9-81ED-4DB2-BD59-A6C34878D82A}">
+                    <a16:rowId xmlns:a16="http://schemas.microsoft.com/office/drawing/2014/main" val="2849502788"/>
+                  </a:ext>
+                </a:extLst>
+              </a:tr>
+              <a:tr h="324702">
+                <a:tc>
+                  <a:txBody>
+                    <a:bodyPr/>
+                    <a:lstStyle/>
+                    <a:p>
+                      <a:pPr marL="0" marR="0" indent="0" algn="l" defTabSz="914422" rtl="0" eaLnBrk="1" fontAlgn="auto" latinLnBrk="1" hangingPunct="1">
+                        <a:lnSpc>
+                          <a:spcPct val="100000"/>
+                        </a:lnSpc>
+                        <a:spcBef>
+                          <a:spcPts val="0"/>
+                        </a:spcBef>
+                        <a:spcAft>
+                          <a:spcPts val="0"/>
+                        </a:spcAft>
+                        <a:buClrTx/>
+                        <a:buSzTx/>
+                        <a:buFontTx/>
+                        <a:buNone/>
+                        <a:tabLst/>
+                        <a:defRPr/>
+                      </a:pPr>
+                      <a:r>
+                        <a:rPr lang="ko-KR" altLang="en-US" sz="1000" b="1" dirty="0" smtClean="0">
+                          <a:solidFill>
+                            <a:schemeClr val="bg1"/>
+                          </a:solidFill>
+                        </a:rPr>
+                        <a:t>배열 객체를 생성하고 값 대입</a:t>
+                      </a:r>
+                    </a:p>
+                  </a:txBody>
+                  <a:tcPr anchor="ctr">
+                    <a:solidFill>
+                      <a:schemeClr val="bg2">
+                        <a:lumMod val="40000"/>
+                        <a:lumOff val="60000"/>
+                      </a:schemeClr>
+                    </a:solidFill>
+                  </a:tcPr>
+                </a:tc>
+                <a:extLst>
+                  <a:ext uri="{0D108BD9-81ED-4DB2-BD59-A6C34878D82A}">
+                    <a16:rowId xmlns:a16="http://schemas.microsoft.com/office/drawing/2014/main" val="49566860"/>
+                  </a:ext>
+                </a:extLst>
+              </a:tr>
+              <a:tr h="324702">
+                <a:tc>
+                  <a:txBody>
+                    <a:bodyPr/>
+                    <a:lstStyle/>
+                    <a:p>
+                      <a:pPr algn="l" latinLnBrk="1"/>
+                      <a:r>
+                        <a:rPr lang="ko-KR" altLang="en-US" sz="1000" b="1" dirty="0" smtClean="0">
                           <a:solidFill>
                             <a:schemeClr val="bg1"/>
                           </a:solidFill>
@@ -26170,7 +26665,7 @@
                         <a:t>자료형</a:t>
                       </a:r>
                       <a:r>
-                        <a:rPr lang="en-US" altLang="ko-KR" dirty="0" smtClean="0">
+                        <a:rPr lang="en-US" altLang="ko-KR" sz="1000" b="1" dirty="0" smtClean="0">
                           <a:solidFill>
                             <a:schemeClr val="bg1"/>
                           </a:solidFill>
@@ -26178,7 +26673,7 @@
                         <a:t>[ ] </a:t>
                       </a:r>
                       <a:r>
-                        <a:rPr lang="ko-KR" altLang="en-US" dirty="0" smtClean="0">
+                        <a:rPr lang="ko-KR" altLang="en-US" sz="1000" b="1" dirty="0" smtClean="0">
                           <a:solidFill>
                             <a:schemeClr val="bg1"/>
                           </a:solidFill>
@@ -26186,7 +26681,7 @@
                         <a:t>참조 변수명 </a:t>
                       </a:r>
                       <a:r>
-                        <a:rPr lang="en-US" altLang="ko-KR" dirty="0" smtClean="0">
+                        <a:rPr lang="en-US" altLang="ko-KR" sz="1000" b="1" dirty="0" smtClean="0">
                           <a:solidFill>
                             <a:schemeClr val="bg1"/>
                           </a:solidFill>
@@ -26194,7 +26689,7 @@
                         <a:t>= new</a:t>
                       </a:r>
                       <a:r>
-                        <a:rPr lang="en-US" altLang="ko-KR" baseline="0" dirty="0" smtClean="0">
+                        <a:rPr lang="en-US" altLang="ko-KR" sz="1000" b="1" baseline="0" dirty="0" smtClean="0">
                           <a:solidFill>
                             <a:schemeClr val="bg1"/>
                           </a:solidFill>
@@ -26202,7 +26697,7 @@
                         <a:t> </a:t>
                       </a:r>
                       <a:r>
-                        <a:rPr lang="ko-KR" altLang="en-US" baseline="0" dirty="0" smtClean="0">
+                        <a:rPr lang="ko-KR" altLang="en-US" sz="1000" b="1" baseline="0" dirty="0" smtClean="0">
                           <a:solidFill>
                             <a:schemeClr val="bg1"/>
                           </a:solidFill>
@@ -26210,7 +26705,7 @@
                         <a:t>자료형</a:t>
                       </a:r>
                       <a:r>
-                        <a:rPr lang="en-US" altLang="ko-KR" baseline="0" dirty="0" smtClean="0">
+                        <a:rPr lang="en-US" altLang="ko-KR" sz="1000" b="1" baseline="0" dirty="0" smtClean="0">
                           <a:solidFill>
                             <a:schemeClr val="bg1"/>
                           </a:solidFill>
@@ -26218,7 +26713,7 @@
                         <a:t>[</a:t>
                       </a:r>
                       <a:r>
-                        <a:rPr lang="ko-KR" altLang="en-US" baseline="0" dirty="0" smtClean="0">
+                        <a:rPr lang="ko-KR" altLang="en-US" sz="1000" b="1" baseline="0" dirty="0" smtClean="0">
                           <a:solidFill>
                             <a:schemeClr val="bg1"/>
                           </a:solidFill>
@@ -26226,7 +26721,7 @@
                         <a:t>배열의 길이</a:t>
                       </a:r>
                       <a:r>
-                        <a:rPr lang="en-US" altLang="ko-KR" baseline="0" dirty="0" smtClean="0">
+                        <a:rPr lang="en-US" altLang="ko-KR" sz="1000" b="1" baseline="0" dirty="0" smtClean="0">
                           <a:solidFill>
                             <a:schemeClr val="bg1"/>
                           </a:solidFill>
@@ -26235,9 +26730,9 @@
                       </a:r>
                     </a:p>
                     <a:p>
-                      <a:pPr latinLnBrk="1"/>
+                      <a:pPr algn="l" latinLnBrk="1"/>
                       <a:r>
-                        <a:rPr lang="ko-KR" altLang="en-US" baseline="0" dirty="0" smtClean="0">
+                        <a:rPr lang="ko-KR" altLang="en-US" sz="1000" b="1" baseline="0" dirty="0" smtClean="0">
                           <a:solidFill>
                             <a:schemeClr val="bg1"/>
                           </a:solidFill>
@@ -26245,7 +26740,7 @@
                         <a:t>참조 변수명</a:t>
                       </a:r>
                       <a:r>
-                        <a:rPr lang="en-US" altLang="ko-KR" baseline="0" dirty="0" smtClean="0">
+                        <a:rPr lang="en-US" altLang="ko-KR" sz="1000" b="1" baseline="0" dirty="0" smtClean="0">
                           <a:solidFill>
                             <a:schemeClr val="bg1"/>
                           </a:solidFill>
@@ -26253,7 +26748,7 @@
                         <a:t>[0] = </a:t>
                       </a:r>
                       <a:r>
-                        <a:rPr lang="ko-KR" altLang="en-US" baseline="0" dirty="0" smtClean="0">
+                        <a:rPr lang="ko-KR" altLang="en-US" sz="1000" b="1" baseline="0" dirty="0" smtClean="0">
                           <a:solidFill>
                             <a:schemeClr val="bg1"/>
                           </a:solidFill>
@@ -26261,7 +26756,7 @@
                         <a:t>값</a:t>
                       </a:r>
                       <a:r>
-                        <a:rPr lang="en-US" altLang="ko-KR" baseline="0" dirty="0" smtClean="0">
+                        <a:rPr lang="en-US" altLang="ko-KR" sz="1000" b="1" baseline="0" dirty="0" smtClean="0">
                           <a:solidFill>
                             <a:schemeClr val="bg1"/>
                           </a:solidFill>
@@ -26270,9 +26765,9 @@
                       </a:r>
                     </a:p>
                     <a:p>
-                      <a:pPr latinLnBrk="1"/>
+                      <a:pPr algn="l" latinLnBrk="1"/>
                       <a:r>
-                        <a:rPr lang="ko-KR" altLang="en-US" baseline="0" dirty="0" smtClean="0">
+                        <a:rPr lang="ko-KR" altLang="en-US" sz="1000" b="1" baseline="0" dirty="0" smtClean="0">
                           <a:solidFill>
                             <a:schemeClr val="bg1"/>
                           </a:solidFill>
@@ -26280,7 +26775,7 @@
                         <a:t>참조 변수명</a:t>
                       </a:r>
                       <a:r>
-                        <a:rPr lang="en-US" altLang="ko-KR" baseline="0" dirty="0" smtClean="0">
+                        <a:rPr lang="en-US" altLang="ko-KR" sz="1000" b="1" baseline="0" dirty="0" smtClean="0">
                           <a:solidFill>
                             <a:schemeClr val="bg1"/>
                           </a:solidFill>
@@ -26288,7 +26783,7 @@
                         <a:t>[1] = </a:t>
                       </a:r>
                       <a:r>
-                        <a:rPr lang="ko-KR" altLang="en-US" baseline="0" dirty="0" smtClean="0">
+                        <a:rPr lang="ko-KR" altLang="en-US" sz="1000" b="1" baseline="0" dirty="0" smtClean="0">
                           <a:solidFill>
                             <a:schemeClr val="bg1"/>
                           </a:solidFill>
@@ -26296,7 +26791,7 @@
                         <a:t>값</a:t>
                       </a:r>
                       <a:r>
-                        <a:rPr lang="en-US" altLang="ko-KR" baseline="0" dirty="0" smtClean="0">
+                        <a:rPr lang="en-US" altLang="ko-KR" sz="1000" b="1" baseline="0" dirty="0" smtClean="0">
                           <a:solidFill>
                             <a:schemeClr val="bg1"/>
                           </a:solidFill>
@@ -26305,9 +26800,9 @@
                       </a:r>
                     </a:p>
                     <a:p>
-                      <a:pPr latinLnBrk="1"/>
+                      <a:pPr algn="l" latinLnBrk="1"/>
                       <a:r>
-                        <a:rPr lang="en-US" altLang="ko-KR" baseline="0" dirty="0" smtClean="0">
+                        <a:rPr lang="en-US" altLang="ko-KR" sz="1000" b="1" baseline="0" dirty="0" smtClean="0">
                           <a:solidFill>
                             <a:schemeClr val="bg1"/>
                           </a:solidFill>
@@ -26316,9 +26811,9 @@
                       </a:r>
                     </a:p>
                     <a:p>
-                      <a:pPr latinLnBrk="1"/>
+                      <a:pPr algn="l" latinLnBrk="1"/>
                       <a:r>
-                        <a:rPr lang="ko-KR" altLang="en-US" baseline="0" dirty="0" smtClean="0">
+                        <a:rPr lang="ko-KR" altLang="en-US" sz="1000" b="1" baseline="0" dirty="0" smtClean="0">
                           <a:solidFill>
                             <a:schemeClr val="bg1"/>
                           </a:solidFill>
@@ -26326,7 +26821,7 @@
                         <a:t>참조 변수명</a:t>
                       </a:r>
                       <a:r>
-                        <a:rPr lang="en-US" altLang="ko-KR" baseline="0" dirty="0" smtClean="0">
+                        <a:rPr lang="en-US" altLang="ko-KR" sz="1000" b="1" baseline="0" dirty="0" smtClean="0">
                           <a:solidFill>
                             <a:schemeClr val="bg1"/>
                           </a:solidFill>
@@ -26334,7 +26829,7 @@
                         <a:t>[</a:t>
                       </a:r>
                       <a:r>
-                        <a:rPr lang="ko-KR" altLang="en-US" baseline="0" dirty="0" smtClean="0">
+                        <a:rPr lang="ko-KR" altLang="en-US" sz="1000" b="1" baseline="0" dirty="0" smtClean="0">
                           <a:solidFill>
                             <a:schemeClr val="bg1"/>
                           </a:solidFill>
@@ -26342,7 +26837,7 @@
                         <a:t>배열의 길이</a:t>
                       </a:r>
                       <a:r>
-                        <a:rPr lang="en-US" altLang="ko-KR" baseline="0" dirty="0" smtClean="0">
+                        <a:rPr lang="en-US" altLang="ko-KR" sz="1000" b="1" baseline="0" dirty="0" smtClean="0">
                           <a:solidFill>
                             <a:schemeClr val="bg1"/>
                           </a:solidFill>
@@ -26350,7 +26845,7 @@
                         <a:t>-1] = </a:t>
                       </a:r>
                       <a:r>
-                        <a:rPr lang="ko-KR" altLang="en-US" baseline="0" dirty="0" smtClean="0">
+                        <a:rPr lang="ko-KR" altLang="en-US" sz="1000" b="1" baseline="0" dirty="0" smtClean="0">
                           <a:solidFill>
                             <a:schemeClr val="bg1"/>
                           </a:solidFill>
@@ -26358,259 +26853,44 @@
                         <a:t>값</a:t>
                       </a:r>
                       <a:r>
-                        <a:rPr lang="en-US" altLang="ko-KR" baseline="0" dirty="0" smtClean="0">
+                        <a:rPr lang="en-US" altLang="ko-KR" sz="1000" b="1" baseline="0" dirty="0" smtClean="0">
                           <a:solidFill>
                             <a:schemeClr val="bg1"/>
                           </a:solidFill>
                         </a:rPr>
                         <a:t>;</a:t>
                       </a:r>
-                      <a:endParaRPr lang="ko-KR" altLang="en-US" dirty="0">
+                      <a:endParaRPr lang="ko-KR" altLang="en-US" sz="1000" b="1" dirty="0" smtClean="0">
                         <a:solidFill>
                           <a:schemeClr val="bg1"/>
                         </a:solidFill>
                       </a:endParaRPr>
                     </a:p>
                   </a:txBody>
-                  <a:tcPr/>
+                  <a:tcPr anchor="ctr">
+                    <a:solidFill>
+                      <a:schemeClr val="bg2">
+                        <a:lumMod val="20000"/>
+                        <a:lumOff val="80000"/>
+                      </a:schemeClr>
+                    </a:solidFill>
+                  </a:tcPr>
                 </a:tc>
+                <a:extLst>
+                  <a:ext uri="{0D108BD9-81ED-4DB2-BD59-A6C34878D82A}">
+                    <a16:rowId xmlns:a16="http://schemas.microsoft.com/office/drawing/2014/main" val="1442129231"/>
+                  </a:ext>
+                </a:extLst>
+              </a:tr>
+              <a:tr h="324702">
                 <a:tc>
                   <a:txBody>
                     <a:bodyPr/>
                     <a:lstStyle/>
                     <a:p>
-                      <a:pPr latinLnBrk="1"/>
+                      <a:pPr algn="l" latinLnBrk="1"/>
                       <a:r>
-                        <a:rPr lang="ko-KR" altLang="en-US" dirty="0" smtClean="0">
-                          <a:solidFill>
-                            <a:schemeClr val="bg1"/>
-                          </a:solidFill>
-                        </a:rPr>
-                        <a:t>자료형</a:t>
-                      </a:r>
-                      <a:r>
-                        <a:rPr lang="en-US" altLang="ko-KR" dirty="0" smtClean="0">
-                          <a:solidFill>
-                            <a:schemeClr val="bg1"/>
-                          </a:solidFill>
-                        </a:rPr>
-                        <a:t>[ ] </a:t>
-                      </a:r>
-                      <a:r>
-                        <a:rPr lang="ko-KR" altLang="en-US" dirty="0" smtClean="0">
-                          <a:solidFill>
-                            <a:schemeClr val="bg1"/>
-                          </a:solidFill>
-                        </a:rPr>
-                        <a:t>참조 변수명 </a:t>
-                      </a:r>
-                      <a:r>
-                        <a:rPr lang="en-US" altLang="ko-KR" dirty="0" smtClean="0">
-                          <a:solidFill>
-                            <a:schemeClr val="bg1"/>
-                          </a:solidFill>
-                        </a:rPr>
-                        <a:t>= new</a:t>
-                      </a:r>
-                      <a:r>
-                        <a:rPr lang="en-US" altLang="ko-KR" baseline="0" dirty="0" smtClean="0">
-                          <a:solidFill>
-                            <a:schemeClr val="bg1"/>
-                          </a:solidFill>
-                        </a:rPr>
-                        <a:t> </a:t>
-                      </a:r>
-                      <a:r>
-                        <a:rPr lang="ko-KR" altLang="en-US" baseline="0" dirty="0" smtClean="0">
-                          <a:solidFill>
-                            <a:schemeClr val="bg1"/>
-                          </a:solidFill>
-                        </a:rPr>
-                        <a:t>자료형</a:t>
-                      </a:r>
-                      <a:r>
-                        <a:rPr lang="en-US" altLang="ko-KR" baseline="0" dirty="0" smtClean="0">
-                          <a:solidFill>
-                            <a:schemeClr val="bg1"/>
-                          </a:solidFill>
-                        </a:rPr>
-                        <a:t>[ ]{</a:t>
-                      </a:r>
-                      <a:r>
-                        <a:rPr lang="ko-KR" altLang="en-US" baseline="0" dirty="0" smtClean="0">
-                          <a:solidFill>
-                            <a:schemeClr val="bg1"/>
-                          </a:solidFill>
-                        </a:rPr>
-                        <a:t>값</a:t>
-                      </a:r>
-                      <a:r>
-                        <a:rPr lang="en-US" altLang="ko-KR" baseline="0" dirty="0" smtClean="0">
-                          <a:solidFill>
-                            <a:schemeClr val="bg1"/>
-                          </a:solidFill>
-                        </a:rPr>
-                        <a:t>, </a:t>
-                      </a:r>
-                      <a:r>
-                        <a:rPr lang="ko-KR" altLang="en-US" baseline="0" dirty="0" smtClean="0">
-                          <a:solidFill>
-                            <a:schemeClr val="bg1"/>
-                          </a:solidFill>
-                        </a:rPr>
-                        <a:t>값</a:t>
-                      </a:r>
-                      <a:r>
-                        <a:rPr lang="en-US" altLang="ko-KR" baseline="0" dirty="0" smtClean="0">
-                          <a:solidFill>
-                            <a:schemeClr val="bg1"/>
-                          </a:solidFill>
-                        </a:rPr>
-                        <a:t>, …,</a:t>
-                      </a:r>
-                      <a:r>
-                        <a:rPr lang="ko-KR" altLang="en-US" baseline="0" dirty="0" smtClean="0">
-                          <a:solidFill>
-                            <a:schemeClr val="bg1"/>
-                          </a:solidFill>
-                        </a:rPr>
-                        <a:t>값</a:t>
-                      </a:r>
-                      <a:r>
-                        <a:rPr lang="en-US" altLang="ko-KR" baseline="0" dirty="0" smtClean="0">
-                          <a:solidFill>
-                            <a:schemeClr val="bg1"/>
-                          </a:solidFill>
-                        </a:rPr>
-                        <a:t>}; </a:t>
-                      </a:r>
-                      <a:endParaRPr lang="ko-KR" altLang="en-US" dirty="0">
-                        <a:solidFill>
-                          <a:schemeClr val="bg1"/>
-                        </a:solidFill>
-                      </a:endParaRPr>
-                    </a:p>
-                  </a:txBody>
-                  <a:tcPr/>
-                </a:tc>
-                <a:tc>
-                  <a:txBody>
-                    <a:bodyPr/>
-                    <a:lstStyle/>
-                    <a:p>
-                      <a:pPr latinLnBrk="1"/>
-                      <a:r>
-                        <a:rPr lang="ko-KR" altLang="en-US" dirty="0" smtClean="0">
-                          <a:solidFill>
-                            <a:schemeClr val="bg1"/>
-                          </a:solidFill>
-                        </a:rPr>
-                        <a:t>자료형</a:t>
-                      </a:r>
-                      <a:r>
-                        <a:rPr lang="en-US" altLang="ko-KR" dirty="0" smtClean="0">
-                          <a:solidFill>
-                            <a:schemeClr val="bg1"/>
-                          </a:solidFill>
-                        </a:rPr>
-                        <a:t>[ ] </a:t>
-                      </a:r>
-                      <a:r>
-                        <a:rPr lang="ko-KR" altLang="en-US" dirty="0" smtClean="0">
-                          <a:solidFill>
-                            <a:schemeClr val="bg1"/>
-                          </a:solidFill>
-                        </a:rPr>
-                        <a:t>참조</a:t>
-                      </a:r>
-                      <a:r>
-                        <a:rPr lang="ko-KR" altLang="en-US" baseline="0" dirty="0" smtClean="0">
-                          <a:solidFill>
-                            <a:schemeClr val="bg1"/>
-                          </a:solidFill>
-                        </a:rPr>
-                        <a:t> 변수명 </a:t>
-                      </a:r>
-                      <a:r>
-                        <a:rPr lang="en-US" altLang="ko-KR" baseline="0" dirty="0" smtClean="0">
-                          <a:solidFill>
-                            <a:schemeClr val="bg1"/>
-                          </a:solidFill>
-                        </a:rPr>
-                        <a:t>= {</a:t>
-                      </a:r>
-                      <a:r>
-                        <a:rPr lang="ko-KR" altLang="en-US" baseline="0" dirty="0" smtClean="0">
-                          <a:solidFill>
-                            <a:schemeClr val="bg1"/>
-                          </a:solidFill>
-                        </a:rPr>
-                        <a:t>값</a:t>
-                      </a:r>
-                      <a:r>
-                        <a:rPr lang="en-US" altLang="ko-KR" baseline="0" dirty="0" smtClean="0">
-                          <a:solidFill>
-                            <a:schemeClr val="bg1"/>
-                          </a:solidFill>
-                        </a:rPr>
-                        <a:t>, </a:t>
-                      </a:r>
-                      <a:r>
-                        <a:rPr lang="ko-KR" altLang="en-US" baseline="0" dirty="0" smtClean="0">
-                          <a:solidFill>
-                            <a:schemeClr val="bg1"/>
-                          </a:solidFill>
-                        </a:rPr>
-                        <a:t>값</a:t>
-                      </a:r>
-                      <a:r>
-                        <a:rPr lang="en-US" altLang="ko-KR" baseline="0" dirty="0" smtClean="0">
-                          <a:solidFill>
-                            <a:schemeClr val="bg1"/>
-                          </a:solidFill>
-                        </a:rPr>
-                        <a:t>, …, </a:t>
-                      </a:r>
-                      <a:r>
-                        <a:rPr lang="ko-KR" altLang="en-US" baseline="0" dirty="0" smtClean="0">
-                          <a:solidFill>
-                            <a:schemeClr val="bg1"/>
-                          </a:solidFill>
-                        </a:rPr>
-                        <a:t>값</a:t>
-                      </a:r>
-                      <a:r>
-                        <a:rPr lang="en-US" altLang="ko-KR" baseline="0" dirty="0" smtClean="0">
-                          <a:solidFill>
-                            <a:schemeClr val="bg1"/>
-                          </a:solidFill>
-                        </a:rPr>
-                        <a:t>};</a:t>
-                      </a:r>
-                      <a:endParaRPr lang="ko-KR" altLang="en-US" dirty="0">
-                        <a:solidFill>
-                          <a:schemeClr val="bg1"/>
-                        </a:solidFill>
-                      </a:endParaRPr>
-                    </a:p>
-                  </a:txBody>
-                  <a:tcPr/>
-                </a:tc>
-                <a:extLst>
-                  <a:ext uri="{0D108BD9-81ED-4DB2-BD59-A6C34878D82A}">
-                    <a16:rowId xmlns:a16="http://schemas.microsoft.com/office/drawing/2014/main" val="2106258511"/>
-                  </a:ext>
-                </a:extLst>
-              </a:tr>
-              <a:tr h="370840">
-                <a:tc>
-                  <a:txBody>
-                    <a:bodyPr/>
-                    <a:lstStyle/>
-                    <a:p>
-                      <a:pPr latinLnBrk="1"/>
-                      <a:r>
-                        <a:rPr lang="en-US" altLang="ko-KR" dirty="0" smtClean="0">
+                        <a:rPr lang="en-US" altLang="ko-KR" sz="1000" b="1" dirty="0" smtClean="0">
                           <a:solidFill>
                             <a:schemeClr val="bg1"/>
                           </a:solidFill>
@@ -26618,7 +26898,7 @@
                         <a:t>int</a:t>
                       </a:r>
                       <a:r>
-                        <a:rPr lang="en-US" altLang="ko-KR" baseline="0" dirty="0" smtClean="0">
+                        <a:rPr lang="en-US" altLang="ko-KR" sz="1000" b="1" baseline="0" dirty="0" smtClean="0">
                           <a:solidFill>
                             <a:schemeClr val="bg1"/>
                           </a:solidFill>
@@ -26627,9 +26907,9 @@
                       </a:r>
                     </a:p>
                     <a:p>
-                      <a:pPr latinLnBrk="1"/>
+                      <a:pPr algn="l" latinLnBrk="1"/>
                       <a:r>
-                        <a:rPr lang="en-US" altLang="ko-KR" baseline="0" dirty="0" smtClean="0">
+                        <a:rPr lang="en-US" altLang="ko-KR" sz="1000" b="1" baseline="0" dirty="0" smtClean="0">
                           <a:solidFill>
                             <a:schemeClr val="bg1"/>
                           </a:solidFill>
@@ -26638,9 +26918,9 @@
                       </a:r>
                     </a:p>
                     <a:p>
-                      <a:pPr latinLnBrk="1"/>
+                      <a:pPr algn="l" latinLnBrk="1"/>
                       <a:r>
-                        <a:rPr lang="en-US" altLang="ko-KR" baseline="0" dirty="0" smtClean="0">
+                        <a:rPr lang="en-US" altLang="ko-KR" sz="1000" b="1" baseline="0" dirty="0" smtClean="0">
                           <a:solidFill>
                             <a:schemeClr val="bg1"/>
                           </a:solidFill>
@@ -26649,32 +26929,259 @@
                       </a:r>
                     </a:p>
                     <a:p>
-                      <a:pPr latinLnBrk="1"/>
+                      <a:pPr algn="l" latinLnBrk="1"/>
                       <a:r>
-                        <a:rPr lang="en-US" altLang="ko-KR" baseline="0" dirty="0" smtClean="0">
+                        <a:rPr lang="en-US" altLang="ko-KR" sz="1000" b="1" baseline="0" dirty="0" smtClean="0">
                           <a:solidFill>
                             <a:schemeClr val="bg1"/>
                           </a:solidFill>
                         </a:rPr>
                         <a:t>a[2] = 5;</a:t>
                       </a:r>
-                      <a:endParaRPr lang="ko-KR" altLang="en-US" dirty="0">
+                      <a:endParaRPr lang="ko-KR" altLang="en-US" sz="1000" b="1" dirty="0" smtClean="0">
                         <a:solidFill>
                           <a:schemeClr val="bg1"/>
                         </a:solidFill>
                       </a:endParaRPr>
                     </a:p>
                   </a:txBody>
-                  <a:tcPr/>
+                  <a:tcPr anchor="ctr">
+                    <a:solidFill>
+                      <a:schemeClr val="bg2">
+                        <a:lumMod val="20000"/>
+                        <a:lumOff val="80000"/>
+                      </a:schemeClr>
+                    </a:solidFill>
+                  </a:tcPr>
                 </a:tc>
+                <a:extLst>
+                  <a:ext uri="{0D108BD9-81ED-4DB2-BD59-A6C34878D82A}">
+                    <a16:rowId xmlns:a16="http://schemas.microsoft.com/office/drawing/2014/main" val="3225414934"/>
+                  </a:ext>
+                </a:extLst>
+              </a:tr>
+              <a:tr h="324702">
                 <a:tc>
                   <a:txBody>
                     <a:bodyPr/>
                     <a:lstStyle/>
                     <a:p>
-                      <a:pPr latinLnBrk="1"/>
+                      <a:pPr marL="0" marR="0" indent="0" algn="l" defTabSz="914422" rtl="0" eaLnBrk="1" fontAlgn="auto" latinLnBrk="1" hangingPunct="1">
+                        <a:lnSpc>
+                          <a:spcPct val="100000"/>
+                        </a:lnSpc>
+                        <a:spcBef>
+                          <a:spcPts val="0"/>
+                        </a:spcBef>
+                        <a:spcAft>
+                          <a:spcPts val="0"/>
+                        </a:spcAft>
+                        <a:buClrTx/>
+                        <a:buSzTx/>
+                        <a:buFontTx/>
+                        <a:buNone/>
+                        <a:tabLst/>
+                        <a:defRPr/>
+                      </a:pPr>
                       <a:r>
-                        <a:rPr lang="en-US" altLang="ko-KR" dirty="0" smtClean="0">
+                        <a:rPr lang="ko-KR" altLang="en-US" sz="1000" b="1" dirty="0" smtClean="0">
+                          <a:solidFill>
+                            <a:schemeClr val="bg1"/>
+                          </a:solidFill>
+                        </a:rPr>
+                        <a:t>배열 객체 생성과 함께 값 대입</a:t>
+                      </a:r>
+                    </a:p>
+                  </a:txBody>
+                  <a:tcPr anchor="ctr">
+                    <a:solidFill>
+                      <a:schemeClr val="bg2">
+                        <a:lumMod val="40000"/>
+                        <a:lumOff val="60000"/>
+                      </a:schemeClr>
+                    </a:solidFill>
+                  </a:tcPr>
+                </a:tc>
+                <a:extLst>
+                  <a:ext uri="{0D108BD9-81ED-4DB2-BD59-A6C34878D82A}">
+                    <a16:rowId xmlns:a16="http://schemas.microsoft.com/office/drawing/2014/main" val="3201813092"/>
+                  </a:ext>
+                </a:extLst>
+              </a:tr>
+              <a:tr h="324702">
+                <a:tc>
+                  <a:txBody>
+                    <a:bodyPr/>
+                    <a:lstStyle/>
+                    <a:p>
+                      <a:pPr marL="0" marR="0" indent="0" algn="l" defTabSz="914422" rtl="0" eaLnBrk="1" fontAlgn="auto" latinLnBrk="1" hangingPunct="1">
+                        <a:lnSpc>
+                          <a:spcPct val="100000"/>
+                        </a:lnSpc>
+                        <a:spcBef>
+                          <a:spcPts val="0"/>
+                        </a:spcBef>
+                        <a:spcAft>
+                          <a:spcPts val="0"/>
+                        </a:spcAft>
+                        <a:buClrTx/>
+                        <a:buSzTx/>
+                        <a:buFontTx/>
+                        <a:buNone/>
+                        <a:tabLst/>
+                        <a:defRPr/>
+                      </a:pPr>
+                      <a:r>
+                        <a:rPr lang="ko-KR" altLang="en-US" sz="1000" b="1" dirty="0" smtClean="0">
+                          <a:solidFill>
+                            <a:schemeClr val="bg1"/>
+                          </a:solidFill>
+                        </a:rPr>
+                        <a:t>자료형</a:t>
+                      </a:r>
+                      <a:r>
+                        <a:rPr lang="en-US" altLang="ko-KR" sz="1000" b="1" dirty="0" smtClean="0">
+                          <a:solidFill>
+                            <a:schemeClr val="bg1"/>
+                          </a:solidFill>
+                        </a:rPr>
+                        <a:t>[ ] </a:t>
+                      </a:r>
+                      <a:r>
+                        <a:rPr lang="ko-KR" altLang="en-US" sz="1000" b="1" dirty="0" smtClean="0">
+                          <a:solidFill>
+                            <a:schemeClr val="bg1"/>
+                          </a:solidFill>
+                        </a:rPr>
+                        <a:t>참조 변수명 </a:t>
+                      </a:r>
+                      <a:r>
+                        <a:rPr lang="en-US" altLang="ko-KR" sz="1000" b="1" dirty="0" smtClean="0">
+                          <a:solidFill>
+                            <a:schemeClr val="bg1"/>
+                          </a:solidFill>
+                        </a:rPr>
+                        <a:t>= new</a:t>
+                      </a:r>
+                      <a:r>
+                        <a:rPr lang="en-US" altLang="ko-KR" sz="1000" b="1" baseline="0" dirty="0" smtClean="0">
+                          <a:solidFill>
+                            <a:schemeClr val="bg1"/>
+                          </a:solidFill>
+                        </a:rPr>
+                        <a:t> </a:t>
+                      </a:r>
+                      <a:r>
+                        <a:rPr lang="ko-KR" altLang="en-US" sz="1000" b="1" baseline="0" dirty="0" smtClean="0">
+                          <a:solidFill>
+                            <a:schemeClr val="bg1"/>
+                          </a:solidFill>
+                        </a:rPr>
+                        <a:t>자료형</a:t>
+                      </a:r>
+                      <a:r>
+                        <a:rPr lang="en-US" altLang="ko-KR" sz="1000" b="1" baseline="0" dirty="0" smtClean="0">
+                          <a:solidFill>
+                            <a:schemeClr val="bg1"/>
+                          </a:solidFill>
+                        </a:rPr>
+                        <a:t>[ ]{</a:t>
+                      </a:r>
+                      <a:r>
+                        <a:rPr lang="ko-KR" altLang="en-US" sz="1000" b="1" baseline="0" dirty="0" smtClean="0">
+                          <a:solidFill>
+                            <a:schemeClr val="bg1"/>
+                          </a:solidFill>
+                        </a:rPr>
+                        <a:t>값</a:t>
+                      </a:r>
+                      <a:r>
+                        <a:rPr lang="en-US" altLang="ko-KR" sz="1000" b="1" baseline="0" dirty="0" smtClean="0">
+                          <a:solidFill>
+                            <a:schemeClr val="bg1"/>
+                          </a:solidFill>
+                        </a:rPr>
+                        <a:t>, </a:t>
+                      </a:r>
+                      <a:r>
+                        <a:rPr lang="ko-KR" altLang="en-US" sz="1000" b="1" baseline="0" dirty="0" smtClean="0">
+                          <a:solidFill>
+                            <a:schemeClr val="bg1"/>
+                          </a:solidFill>
+                        </a:rPr>
+                        <a:t>값</a:t>
+                      </a:r>
+                      <a:r>
+                        <a:rPr lang="en-US" altLang="ko-KR" sz="1000" b="1" baseline="0" dirty="0" smtClean="0">
+                          <a:solidFill>
+                            <a:schemeClr val="bg1"/>
+                          </a:solidFill>
+                        </a:rPr>
+                        <a:t>, …,</a:t>
+                      </a:r>
+                      <a:r>
+                        <a:rPr lang="ko-KR" altLang="en-US" sz="1000" b="1" baseline="0" dirty="0" smtClean="0">
+                          <a:solidFill>
+                            <a:schemeClr val="bg1"/>
+                          </a:solidFill>
+                        </a:rPr>
+                        <a:t>값</a:t>
+                      </a:r>
+                      <a:r>
+                        <a:rPr lang="en-US" altLang="ko-KR" sz="1000" b="1" baseline="0" dirty="0" smtClean="0">
+                          <a:solidFill>
+                            <a:schemeClr val="bg1"/>
+                          </a:solidFill>
+                        </a:rPr>
+                        <a:t>}; </a:t>
+                      </a:r>
+                      <a:endParaRPr lang="ko-KR" altLang="en-US" sz="1000" b="1" dirty="0" smtClean="0">
+                        <a:solidFill>
+                          <a:schemeClr val="bg1"/>
+                        </a:solidFill>
+                      </a:endParaRPr>
+                    </a:p>
+                  </a:txBody>
+                  <a:tcPr anchor="ctr">
+                    <a:solidFill>
+                      <a:schemeClr val="bg2">
+                        <a:lumMod val="20000"/>
+                        <a:lumOff val="80000"/>
+                      </a:schemeClr>
+                    </a:solidFill>
+                  </a:tcPr>
+                </a:tc>
+                <a:extLst>
+                  <a:ext uri="{0D108BD9-81ED-4DB2-BD59-A6C34878D82A}">
+                    <a16:rowId xmlns:a16="http://schemas.microsoft.com/office/drawing/2014/main" val="2619150302"/>
+                  </a:ext>
+                </a:extLst>
+              </a:tr>
+              <a:tr h="324702">
+                <a:tc>
+                  <a:txBody>
+                    <a:bodyPr/>
+                    <a:lstStyle/>
+                    <a:p>
+                      <a:pPr marL="0" marR="0" indent="0" algn="l" defTabSz="914422" rtl="0" eaLnBrk="1" fontAlgn="auto" latinLnBrk="1" hangingPunct="1">
+                        <a:lnSpc>
+                          <a:spcPct val="100000"/>
+                        </a:lnSpc>
+                        <a:spcBef>
+                          <a:spcPts val="0"/>
+                        </a:spcBef>
+                        <a:spcAft>
+                          <a:spcPts val="0"/>
+                        </a:spcAft>
+                        <a:buClrTx/>
+                        <a:buSzTx/>
+                        <a:buFontTx/>
+                        <a:buNone/>
+                        <a:tabLst/>
+                        <a:defRPr/>
+                      </a:pPr>
+                      <a:r>
+                        <a:rPr lang="en-US" altLang="ko-KR" sz="1000" b="1" dirty="0" smtClean="0">
                           <a:solidFill>
                             <a:schemeClr val="bg1"/>
                           </a:solidFill>
@@ -26682,40 +27189,269 @@
                         <a:t>int</a:t>
                       </a:r>
                       <a:r>
-                        <a:rPr lang="en-US" altLang="ko-KR" baseline="0" dirty="0" smtClean="0">
+                        <a:rPr lang="en-US" altLang="ko-KR" sz="1000" b="1" baseline="0" dirty="0" smtClean="0">
                           <a:solidFill>
                             <a:schemeClr val="bg1"/>
                           </a:solidFill>
                         </a:rPr>
                         <a:t>[ ] a = new int[3, 4, 5];</a:t>
                       </a:r>
-                      <a:endParaRPr lang="ko-KR" altLang="en-US" dirty="0">
+                    </a:p>
+                  </a:txBody>
+                  <a:tcPr anchor="ctr">
+                    <a:solidFill>
+                      <a:schemeClr val="bg2">
+                        <a:lumMod val="20000"/>
+                        <a:lumOff val="80000"/>
+                      </a:schemeClr>
+                    </a:solidFill>
+                  </a:tcPr>
+                </a:tc>
+                <a:extLst>
+                  <a:ext uri="{0D108BD9-81ED-4DB2-BD59-A6C34878D82A}">
+                    <a16:rowId xmlns:a16="http://schemas.microsoft.com/office/drawing/2014/main" val="1989141477"/>
+                  </a:ext>
+                </a:extLst>
+              </a:tr>
+              <a:tr h="324702">
+                <a:tc>
+                  <a:txBody>
+                    <a:bodyPr/>
+                    <a:lstStyle/>
+                    <a:p>
+                      <a:pPr marL="0" marR="0" indent="0" algn="l" defTabSz="914422" rtl="0" eaLnBrk="1" fontAlgn="auto" latinLnBrk="1" hangingPunct="1">
+                        <a:lnSpc>
+                          <a:spcPct val="100000"/>
+                        </a:lnSpc>
+                        <a:spcBef>
+                          <a:spcPts val="0"/>
+                        </a:spcBef>
+                        <a:spcAft>
+                          <a:spcPts val="0"/>
+                        </a:spcAft>
+                        <a:buClrTx/>
+                        <a:buSzTx/>
+                        <a:buFontTx/>
+                        <a:buNone/>
+                        <a:tabLst/>
+                        <a:defRPr/>
+                      </a:pPr>
+                      <a:r>
+                        <a:rPr lang="ko-KR" altLang="en-US" sz="1000" b="1" dirty="0" smtClean="0">
+                          <a:solidFill>
+                            <a:schemeClr val="bg1"/>
+                          </a:solidFill>
+                        </a:rPr>
+                        <a:t>대입할 값만 입력</a:t>
+                      </a:r>
+                    </a:p>
+                  </a:txBody>
+                  <a:tcPr anchor="ctr">
+                    <a:solidFill>
+                      <a:schemeClr val="bg2">
+                        <a:lumMod val="40000"/>
+                        <a:lumOff val="60000"/>
+                      </a:schemeClr>
+                    </a:solidFill>
+                  </a:tcPr>
+                </a:tc>
+                <a:extLst>
+                  <a:ext uri="{0D108BD9-81ED-4DB2-BD59-A6C34878D82A}">
+                    <a16:rowId xmlns:a16="http://schemas.microsoft.com/office/drawing/2014/main" val="2078624588"/>
+                  </a:ext>
+                </a:extLst>
+              </a:tr>
+              <a:tr h="324702">
+                <a:tc>
+                  <a:txBody>
+                    <a:bodyPr/>
+                    <a:lstStyle/>
+                    <a:p>
+                      <a:pPr marL="0" marR="0" indent="0" algn="l" defTabSz="914422" rtl="0" eaLnBrk="1" fontAlgn="auto" latinLnBrk="1" hangingPunct="1">
+                        <a:lnSpc>
+                          <a:spcPct val="100000"/>
+                        </a:lnSpc>
+                        <a:spcBef>
+                          <a:spcPts val="0"/>
+                        </a:spcBef>
+                        <a:spcAft>
+                          <a:spcPts val="0"/>
+                        </a:spcAft>
+                        <a:buClrTx/>
+                        <a:buSzTx/>
+                        <a:buFontTx/>
+                        <a:buNone/>
+                        <a:tabLst/>
+                        <a:defRPr/>
+                      </a:pPr>
+                      <a:r>
+                        <a:rPr lang="ko-KR" altLang="en-US" sz="1000" b="1" dirty="0" smtClean="0">
+                          <a:solidFill>
+                            <a:schemeClr val="bg1"/>
+                          </a:solidFill>
+                        </a:rPr>
+                        <a:t>자료형</a:t>
+                      </a:r>
+                      <a:r>
+                        <a:rPr lang="en-US" altLang="ko-KR" sz="1000" b="1" dirty="0" smtClean="0">
+                          <a:solidFill>
+                            <a:schemeClr val="bg1"/>
+                          </a:solidFill>
+                        </a:rPr>
+                        <a:t>[ ] </a:t>
+                      </a:r>
+                      <a:r>
+                        <a:rPr lang="ko-KR" altLang="en-US" sz="1000" b="1" dirty="0" smtClean="0">
+                          <a:solidFill>
+                            <a:schemeClr val="bg1"/>
+                          </a:solidFill>
+                        </a:rPr>
+                        <a:t>참조</a:t>
+                      </a:r>
+                      <a:r>
+                        <a:rPr lang="ko-KR" altLang="en-US" sz="1000" b="1" baseline="0" dirty="0" smtClean="0">
+                          <a:solidFill>
+                            <a:schemeClr val="bg1"/>
+                          </a:solidFill>
+                        </a:rPr>
+                        <a:t> 변수명 </a:t>
+                      </a:r>
+                      <a:r>
+                        <a:rPr lang="en-US" altLang="ko-KR" sz="1000" b="1" baseline="0" dirty="0" smtClean="0">
+                          <a:solidFill>
+                            <a:schemeClr val="bg1"/>
+                          </a:solidFill>
+                        </a:rPr>
+                        <a:t>= {</a:t>
+                      </a:r>
+                      <a:r>
+                        <a:rPr lang="ko-KR" altLang="en-US" sz="1000" b="1" baseline="0" dirty="0" smtClean="0">
+                          <a:solidFill>
+                            <a:schemeClr val="bg1"/>
+                          </a:solidFill>
+                        </a:rPr>
+                        <a:t>값</a:t>
+                      </a:r>
+                      <a:r>
+                        <a:rPr lang="en-US" altLang="ko-KR" sz="1000" b="1" baseline="0" dirty="0" smtClean="0">
+                          <a:solidFill>
+                            <a:schemeClr val="bg1"/>
+                          </a:solidFill>
+                        </a:rPr>
+                        <a:t>, </a:t>
+                      </a:r>
+                      <a:r>
+                        <a:rPr lang="ko-KR" altLang="en-US" sz="1000" b="1" baseline="0" dirty="0" smtClean="0">
+                          <a:solidFill>
+                            <a:schemeClr val="bg1"/>
+                          </a:solidFill>
+                        </a:rPr>
+                        <a:t>값</a:t>
+                      </a:r>
+                      <a:r>
+                        <a:rPr lang="en-US" altLang="ko-KR" sz="1000" b="1" baseline="0" dirty="0" smtClean="0">
+                          <a:solidFill>
+                            <a:schemeClr val="bg1"/>
+                          </a:solidFill>
+                        </a:rPr>
+                        <a:t>, …, </a:t>
+                      </a:r>
+                      <a:r>
+                        <a:rPr lang="ko-KR" altLang="en-US" sz="1000" b="1" baseline="0" dirty="0" smtClean="0">
+                          <a:solidFill>
+                            <a:schemeClr val="bg1"/>
+                          </a:solidFill>
+                        </a:rPr>
+                        <a:t>값</a:t>
+                      </a:r>
+                      <a:r>
+                        <a:rPr lang="en-US" altLang="ko-KR" sz="1000" b="1" baseline="0" dirty="0" smtClean="0">
+                          <a:solidFill>
+                            <a:schemeClr val="bg1"/>
+                          </a:solidFill>
+                        </a:rPr>
+                        <a:t>};</a:t>
+                      </a:r>
+                      <a:endParaRPr lang="ko-KR" altLang="en-US" sz="1000" b="1" dirty="0" smtClean="0">
                         <a:solidFill>
                           <a:schemeClr val="bg1"/>
                         </a:solidFill>
                       </a:endParaRPr>
                     </a:p>
                   </a:txBody>
-                  <a:tcPr/>
+                  <a:tcPr anchor="ctr">
+                    <a:solidFill>
+                      <a:schemeClr val="bg2">
+                        <a:lumMod val="20000"/>
+                        <a:lumOff val="80000"/>
+                      </a:schemeClr>
+                    </a:solidFill>
+                  </a:tcPr>
                 </a:tc>
+                <a:extLst>
+                  <a:ext uri="{0D108BD9-81ED-4DB2-BD59-A6C34878D82A}">
+                    <a16:rowId xmlns:a16="http://schemas.microsoft.com/office/drawing/2014/main" val="866264761"/>
+                  </a:ext>
+                </a:extLst>
+              </a:tr>
+              <a:tr h="324702">
                 <a:tc>
                   <a:txBody>
                     <a:bodyPr/>
                     <a:lstStyle/>
                     <a:p>
-                      <a:pPr latinLnBrk="1"/>
-                      <a:endParaRPr lang="ko-KR" altLang="en-US" dirty="0">
+                      <a:pPr marL="0" marR="0" indent="0" algn="l" defTabSz="914422" rtl="0" eaLnBrk="1" fontAlgn="auto" latinLnBrk="1" hangingPunct="1">
+                        <a:lnSpc>
+                          <a:spcPct val="100000"/>
+                        </a:lnSpc>
+                        <a:spcBef>
+                          <a:spcPts val="0"/>
+                        </a:spcBef>
+                        <a:spcAft>
+                          <a:spcPts val="0"/>
+                        </a:spcAft>
+                        <a:buClrTx/>
+                        <a:buSzTx/>
+                        <a:buFontTx/>
+                        <a:buNone/>
+                        <a:tabLst/>
+                        <a:defRPr/>
+                      </a:pPr>
+                      <a:r>
+                        <a:rPr lang="en-US" altLang="ko-KR" sz="1000" b="1" dirty="0" smtClean="0">
+                          <a:solidFill>
+                            <a:schemeClr val="bg1"/>
+                          </a:solidFill>
+                        </a:rPr>
+                        <a:t>int</a:t>
+                      </a:r>
+                      <a:r>
+                        <a:rPr lang="en-US" altLang="ko-KR" sz="1000" b="1" baseline="0" dirty="0" smtClean="0">
+                          <a:solidFill>
+                            <a:schemeClr val="bg1"/>
+                          </a:solidFill>
+                        </a:rPr>
+                        <a:t>[ ] a ={3, 4, 5};</a:t>
+                      </a:r>
+                      <a:endParaRPr lang="ko-KR" altLang="en-US" sz="1000" b="1" dirty="0" smtClean="0">
                         <a:solidFill>
                           <a:schemeClr val="bg1"/>
                         </a:solidFill>
                       </a:endParaRPr>
                     </a:p>
                   </a:txBody>
-                  <a:tcPr/>
+                  <a:tcPr anchor="ctr">
+                    <a:solidFill>
+                      <a:schemeClr val="bg2">
+                        <a:lumMod val="20000"/>
+                        <a:lumOff val="80000"/>
+                      </a:schemeClr>
+                    </a:solidFill>
+                  </a:tcPr>
                 </a:tc>
                 <a:extLst>
                   <a:ext uri="{0D108BD9-81ED-4DB2-BD59-A6C34878D82A}">
-                    <a16:rowId xmlns:a16="http://schemas.microsoft.com/office/drawing/2014/main" val="191573296"/>
+                    <a16:rowId xmlns:a16="http://schemas.microsoft.com/office/drawing/2014/main" val="3771844365"/>
                   </a:ext>
                 </a:extLst>
               </a:tr>

--- a/study001/교육자료/Java.pptx
+++ b/study001/교육자료/Java.pptx
@@ -5,7 +5,7 @@
     <p:sldMasterId id="2147483934" r:id="rId1"/>
   </p:sldMasterIdLst>
   <p:notesMasterIdLst>
-    <p:notesMasterId r:id="rId24"/>
+    <p:notesMasterId r:id="rId26"/>
   </p:notesMasterIdLst>
   <p:sldIdLst>
     <p:sldId id="256" r:id="rId2"/>
@@ -30,6 +30,8 @@
     <p:sldId id="280" r:id="rId21"/>
     <p:sldId id="281" r:id="rId22"/>
     <p:sldId id="282" r:id="rId23"/>
+    <p:sldId id="283" r:id="rId24"/>
+    <p:sldId id="284" r:id="rId25"/>
   </p:sldIdLst>
   <p:sldSz cx="12192000" cy="6858000"/>
   <p:notesSz cx="6858000" cy="9144000"/>
@@ -179,6 +181,8 @@
             <p14:sldId id="280"/>
             <p14:sldId id="281"/>
             <p14:sldId id="282"/>
+            <p14:sldId id="283"/>
+            <p14:sldId id="284"/>
           </p14:sldIdLst>
         </p14:section>
       </p14:sectionLst>
@@ -3356,7 +3360,7 @@
           <a:p>
             <a:fld id="{5891CBA4-1650-4CCB-950D-5089E49CDEA0}" type="datetimeFigureOut">
               <a:rPr lang="ko-KR" altLang="en-US" smtClean="0"/>
-              <a:t>2024-04-17</a:t>
+              <a:t>2024-04-18</a:t>
             </a:fld>
             <a:endParaRPr lang="ko-KR" altLang="en-US"/>
           </a:p>
@@ -3898,7 +3902,7 @@
           <a:p>
             <a:fld id="{AF27530F-C173-4D31-9E53-9F9EE5695ED1}" type="datetimeFigureOut">
               <a:rPr lang="ko-KR" altLang="en-US" smtClean="0"/>
-              <a:t>2024-04-17</a:t>
+              <a:t>2024-04-18</a:t>
             </a:fld>
             <a:endParaRPr lang="ko-KR" altLang="en-US"/>
           </a:p>
@@ -4319,7 +4323,7 @@
           <a:p>
             <a:fld id="{AF27530F-C173-4D31-9E53-9F9EE5695ED1}" type="datetimeFigureOut">
               <a:rPr lang="ko-KR" altLang="en-US" smtClean="0"/>
-              <a:t>2024-04-17</a:t>
+              <a:t>2024-04-18</a:t>
             </a:fld>
             <a:endParaRPr lang="ko-KR" altLang="en-US"/>
           </a:p>
@@ -4655,7 +4659,7 @@
           <a:p>
             <a:fld id="{AF27530F-C173-4D31-9E53-9F9EE5695ED1}" type="datetimeFigureOut">
               <a:rPr lang="ko-KR" altLang="en-US" smtClean="0"/>
-              <a:t>2024-04-17</a:t>
+              <a:t>2024-04-18</a:t>
             </a:fld>
             <a:endParaRPr lang="ko-KR" altLang="en-US"/>
           </a:p>
@@ -5060,7 +5064,7 @@
           <a:p>
             <a:fld id="{AF27530F-C173-4D31-9E53-9F9EE5695ED1}" type="datetimeFigureOut">
               <a:rPr lang="ko-KR" altLang="en-US" smtClean="0"/>
-              <a:t>2024-04-17</a:t>
+              <a:t>2024-04-18</a:t>
             </a:fld>
             <a:endParaRPr lang="ko-KR" altLang="en-US"/>
           </a:p>
@@ -5628,7 +5632,7 @@
           <a:p>
             <a:fld id="{AF27530F-C173-4D31-9E53-9F9EE5695ED1}" type="datetimeFigureOut">
               <a:rPr lang="ko-KR" altLang="en-US" smtClean="0"/>
-              <a:t>2024-04-17</a:t>
+              <a:t>2024-04-18</a:t>
             </a:fld>
             <a:endParaRPr lang="ko-KR" altLang="en-US"/>
           </a:p>
@@ -6309,7 +6313,7 @@
           <a:p>
             <a:fld id="{AF27530F-C173-4D31-9E53-9F9EE5695ED1}" type="datetimeFigureOut">
               <a:rPr lang="ko-KR" altLang="en-US" smtClean="0"/>
-              <a:t>2024-04-17</a:t>
+              <a:t>2024-04-18</a:t>
             </a:fld>
             <a:endParaRPr lang="ko-KR" altLang="en-US"/>
           </a:p>
@@ -7301,7 +7305,7 @@
           <a:p>
             <a:fld id="{AF27530F-C173-4D31-9E53-9F9EE5695ED1}" type="datetimeFigureOut">
               <a:rPr lang="ko-KR" altLang="en-US" smtClean="0"/>
-              <a:t>2024-04-17</a:t>
+              <a:t>2024-04-18</a:t>
             </a:fld>
             <a:endParaRPr lang="ko-KR" altLang="en-US"/>
           </a:p>
@@ -7614,7 +7618,7 @@
           <a:p>
             <a:fld id="{AF27530F-C173-4D31-9E53-9F9EE5695ED1}" type="datetimeFigureOut">
               <a:rPr lang="ko-KR" altLang="en-US" smtClean="0"/>
-              <a:t>2024-04-17</a:t>
+              <a:t>2024-04-18</a:t>
             </a:fld>
             <a:endParaRPr lang="ko-KR" altLang="en-US"/>
           </a:p>
@@ -7878,7 +7882,7 @@
           <a:p>
             <a:fld id="{AF27530F-C173-4D31-9E53-9F9EE5695ED1}" type="datetimeFigureOut">
               <a:rPr lang="ko-KR" altLang="en-US" smtClean="0"/>
-              <a:t>2024-04-17</a:t>
+              <a:t>2024-04-18</a:t>
             </a:fld>
             <a:endParaRPr lang="ko-KR" altLang="en-US"/>
           </a:p>
@@ -8201,7 +8205,7 @@
           <a:p>
             <a:fld id="{AF27530F-C173-4D31-9E53-9F9EE5695ED1}" type="datetimeFigureOut">
               <a:rPr lang="ko-KR" altLang="en-US" smtClean="0"/>
-              <a:t>2024-04-17</a:t>
+              <a:t>2024-04-18</a:t>
             </a:fld>
             <a:endParaRPr lang="ko-KR" altLang="en-US"/>
           </a:p>
@@ -8669,7 +8673,7 @@
           <a:p>
             <a:fld id="{AF27530F-C173-4D31-9E53-9F9EE5695ED1}" type="datetimeFigureOut">
               <a:rPr lang="ko-KR" altLang="en-US" smtClean="0"/>
-              <a:t>2024-04-17</a:t>
+              <a:t>2024-04-18</a:t>
             </a:fld>
             <a:endParaRPr lang="ko-KR" altLang="en-US"/>
           </a:p>
@@ -9056,7 +9060,7 @@
           <a:p>
             <a:fld id="{AF27530F-C173-4D31-9E53-9F9EE5695ED1}" type="datetimeFigureOut">
               <a:rPr lang="ko-KR" altLang="en-US" smtClean="0"/>
-              <a:t>2024-04-17</a:t>
+              <a:t>2024-04-18</a:t>
             </a:fld>
             <a:endParaRPr lang="ko-KR" altLang="en-US"/>
           </a:p>
@@ -9641,7 +9645,7 @@
           <a:p>
             <a:fld id="{AF27530F-C173-4D31-9E53-9F9EE5695ED1}" type="datetimeFigureOut">
               <a:rPr lang="ko-KR" altLang="en-US" smtClean="0"/>
-              <a:t>2024-04-17</a:t>
+              <a:t>2024-04-18</a:t>
             </a:fld>
             <a:endParaRPr lang="ko-KR" altLang="en-US"/>
           </a:p>
@@ -9905,7 +9909,7 @@
           <a:p>
             <a:fld id="{AF27530F-C173-4D31-9E53-9F9EE5695ED1}" type="datetimeFigureOut">
               <a:rPr lang="ko-KR" altLang="en-US" smtClean="0"/>
-              <a:t>2024-04-17</a:t>
+              <a:t>2024-04-18</a:t>
             </a:fld>
             <a:endParaRPr lang="ko-KR" altLang="en-US"/>
           </a:p>
@@ -10075,7 +10079,7 @@
           <a:p>
             <a:fld id="{AF27530F-C173-4D31-9E53-9F9EE5695ED1}" type="datetimeFigureOut">
               <a:rPr lang="ko-KR" altLang="en-US" smtClean="0"/>
-              <a:t>2024-04-17</a:t>
+              <a:t>2024-04-18</a:t>
             </a:fld>
             <a:endParaRPr lang="ko-KR" altLang="en-US"/>
           </a:p>
@@ -10544,7 +10548,7 @@
           <a:p>
             <a:fld id="{AF27530F-C173-4D31-9E53-9F9EE5695ED1}" type="datetimeFigureOut">
               <a:rPr lang="ko-KR" altLang="en-US" smtClean="0"/>
-              <a:t>2024-04-17</a:t>
+              <a:t>2024-04-18</a:t>
             </a:fld>
             <a:endParaRPr lang="ko-KR" altLang="en-US"/>
           </a:p>
@@ -10960,7 +10964,7 @@
           <a:p>
             <a:fld id="{AF27530F-C173-4D31-9E53-9F9EE5695ED1}" type="datetimeFigureOut">
               <a:rPr lang="ko-KR" altLang="en-US" smtClean="0"/>
-              <a:t>2024-04-17</a:t>
+              <a:t>2024-04-18</a:t>
             </a:fld>
             <a:endParaRPr lang="ko-KR" altLang="en-US"/>
           </a:p>
@@ -11211,7 +11215,7 @@
           <a:p>
             <a:fld id="{AF27530F-C173-4D31-9E53-9F9EE5695ED1}" type="datetimeFigureOut">
               <a:rPr lang="ko-KR" altLang="en-US" smtClean="0"/>
-              <a:t>2024-04-17</a:t>
+              <a:t>2024-04-18</a:t>
             </a:fld>
             <a:endParaRPr lang="ko-KR" altLang="en-US"/>
           </a:p>
@@ -24302,10 +24306,13 @@
           <a:p>
             <a:pPr algn="ctr"/>
             <a:r>
-              <a:rPr lang="ko-KR" altLang="en-US" dirty="0" smtClean="0"/>
-              <a:t>배열</a:t>
-            </a:r>
-            <a:endParaRPr lang="ko-KR" altLang="en-US" dirty="0"/>
+              <a:rPr lang="en-US" altLang="ko-KR" dirty="0"/>
+              <a:t>1</a:t>
+            </a:r>
+            <a:r>
+              <a:rPr lang="ko-KR" altLang="en-US" dirty="0"/>
+              <a:t>차원 배열</a:t>
+            </a:r>
           </a:p>
         </p:txBody>
       </p:sp>
@@ -24711,7 +24718,23 @@
                   <a:schemeClr val="bg1"/>
                 </a:solidFill>
               </a:rPr>
-              <a:t>어떤 타입을 알 수 있도록 하는 것이다</a:t>
+              <a:t>어떤 </a:t>
+            </a:r>
+            <a:r>
+              <a:rPr lang="ko-KR" altLang="en-US" sz="1000" dirty="0" smtClean="0">
+                <a:solidFill>
+                  <a:schemeClr val="bg1"/>
+                </a:solidFill>
+              </a:rPr>
+              <a:t>타입인지 </a:t>
+            </a:r>
+            <a:r>
+              <a:rPr lang="ko-KR" altLang="en-US" sz="1000" dirty="0" smtClean="0">
+                <a:solidFill>
+                  <a:schemeClr val="bg1"/>
+                </a:solidFill>
+              </a:rPr>
+              <a:t>알 수 있도록 하는 것이다</a:t>
             </a:r>
             <a:r>
               <a:rPr lang="en-US" altLang="ko-KR" sz="1000" dirty="0" smtClean="0">
@@ -24854,12 +24877,12 @@
               <a:t>문자열 자료형 </a:t>
             </a:r>
             <a:r>
-              <a:rPr lang="en-US" altLang="ko-KR" sz="1000" dirty="0" smtClean="0">
-                <a:solidFill>
-                  <a:schemeClr val="bg1"/>
-                </a:solidFill>
-              </a:rPr>
-              <a:t>10</a:t>
+              <a:rPr lang="en-US" altLang="ko-KR" sz="1000" dirty="0">
+                <a:solidFill>
+                  <a:schemeClr val="bg1"/>
+                </a:solidFill>
+              </a:rPr>
+              <a:t>5</a:t>
             </a:r>
             <a:r>
               <a:rPr lang="ko-KR" altLang="en-US" sz="1000" dirty="0" smtClean="0">
@@ -24867,7 +24890,15 @@
                   <a:schemeClr val="bg1"/>
                 </a:solidFill>
               </a:rPr>
-              <a:t>개를 포함할 수 있는 객체 생성</a:t>
+              <a:t>개를 </a:t>
+            </a:r>
+            <a:r>
+              <a:rPr lang="ko-KR" altLang="en-US" sz="1000" dirty="0" smtClean="0">
+                <a:solidFill>
+                  <a:schemeClr val="bg1"/>
+                </a:solidFill>
+              </a:rPr>
+              <a:t>포함할 수 있는 객체 생성</a:t>
             </a:r>
             <a:endParaRPr lang="en-US" altLang="ko-KR" sz="1000" dirty="0" smtClean="0">
               <a:solidFill>
@@ -26019,10 +26050,13 @@
           <a:p>
             <a:pPr algn="ctr"/>
             <a:r>
-              <a:rPr lang="ko-KR" altLang="en-US" dirty="0" smtClean="0"/>
-              <a:t>배열</a:t>
-            </a:r>
-            <a:endParaRPr lang="ko-KR" altLang="en-US" dirty="0"/>
+              <a:rPr lang="en-US" altLang="ko-KR" dirty="0"/>
+              <a:t>1</a:t>
+            </a:r>
+            <a:r>
+              <a:rPr lang="ko-KR" altLang="en-US" dirty="0"/>
+              <a:t>차원 배열</a:t>
+            </a:r>
           </a:p>
         </p:txBody>
       </p:sp>
@@ -26140,7 +26174,7 @@
               </a:rPr>
             </a:br>
             <a:r>
-              <a:rPr lang="ko-KR" altLang="en-US" sz="1500" dirty="0" err="1" smtClean="0">
+              <a:rPr lang="ko-KR" altLang="en-US" sz="1500" dirty="0" smtClean="0">
                 <a:solidFill>
                   <a:schemeClr val="bg1">
                     <a:lumMod val="95000"/>
@@ -26148,18 +26182,7 @@
                   </a:schemeClr>
                 </a:solidFill>
               </a:rPr>
-              <a:t>힙메모리는</a:t>
-            </a:r>
-            <a:r>
-              <a:rPr lang="ko-KR" altLang="en-US" sz="1500" dirty="0" smtClean="0">
-                <a:solidFill>
-                  <a:schemeClr val="bg1">
-                    <a:lumMod val="95000"/>
-                    <a:lumOff val="5000"/>
-                  </a:schemeClr>
-                </a:solidFill>
-              </a:rPr>
-              <a:t> 모든 공간에 값이 들어가 있어야 하며</a:t>
+              <a:t>힙 메모리는 모든 공간에 값이 들어가 있어야 하며</a:t>
             </a:r>
             <a:r>
               <a:rPr lang="en-US" altLang="ko-KR" sz="1500" dirty="0" smtClean="0">
@@ -26258,7 +26281,7 @@
           <p:nvPr>
             <p:extLst>
               <p:ext uri="{D42A27DB-BD31-4B8C-83A1-F6EECF244321}">
-                <p14:modId xmlns:p14="http://schemas.microsoft.com/office/powerpoint/2010/main" val="3377791262"/>
+                <p14:modId xmlns:p14="http://schemas.microsoft.com/office/powerpoint/2010/main" val="77667153"/>
               </p:ext>
             </p:extLst>
           </p:nvPr>
@@ -26304,22 +26327,22 @@
                     <a:p>
                       <a:pPr algn="ctr" latinLnBrk="1"/>
                       <a:r>
-                        <a:rPr lang="ko-KR" altLang="en-US" sz="1600" dirty="0" smtClean="0"/>
+                        <a:rPr lang="ko-KR" altLang="en-US" sz="1000" b="1" dirty="0" smtClean="0"/>
                         <a:t>기본 </a:t>
                       </a:r>
                       <a:r>
-                        <a:rPr lang="en-US" altLang="ko-KR" sz="1600" dirty="0" smtClean="0"/>
+                        <a:rPr lang="en-US" altLang="ko-KR" sz="1000" b="1" dirty="0" smtClean="0"/>
                         <a:t>/</a:t>
                       </a:r>
                       <a:r>
-                        <a:rPr lang="en-US" altLang="ko-KR" sz="1600" baseline="0" dirty="0" smtClean="0"/>
+                        <a:rPr lang="en-US" altLang="ko-KR" sz="1000" b="1" baseline="0" dirty="0" smtClean="0"/>
                         <a:t> </a:t>
                       </a:r>
                       <a:r>
-                        <a:rPr lang="ko-KR" altLang="en-US" sz="1600" baseline="0" dirty="0" smtClean="0"/>
+                        <a:rPr lang="ko-KR" altLang="en-US" sz="1000" b="1" baseline="0" dirty="0" smtClean="0"/>
                         <a:t>참조</a:t>
                       </a:r>
-                      <a:endParaRPr lang="ko-KR" altLang="en-US" sz="1600" dirty="0"/>
+                      <a:endParaRPr lang="ko-KR" altLang="en-US" sz="1000" b="1" dirty="0"/>
                     </a:p>
                   </a:txBody>
                   <a:tcPr anchor="ctr"/>
@@ -26331,10 +26354,10 @@
                     <a:p>
                       <a:pPr algn="ctr" latinLnBrk="1"/>
                       <a:r>
-                        <a:rPr lang="ko-KR" altLang="en-US" sz="1600" dirty="0" smtClean="0"/>
+                        <a:rPr lang="ko-KR" altLang="en-US" sz="1000" b="1" dirty="0" smtClean="0"/>
                         <a:t>자료형</a:t>
                       </a:r>
-                      <a:endParaRPr lang="ko-KR" altLang="en-US" sz="1600" dirty="0"/>
+                      <a:endParaRPr lang="ko-KR" altLang="en-US" sz="1000" b="1" dirty="0"/>
                     </a:p>
                   </a:txBody>
                   <a:tcPr anchor="ctr"/>
@@ -26346,10 +26369,10 @@
                     <a:p>
                       <a:pPr algn="ctr" latinLnBrk="1"/>
                       <a:r>
-                        <a:rPr lang="ko-KR" altLang="en-US" sz="1600" dirty="0" smtClean="0"/>
+                        <a:rPr lang="ko-KR" altLang="en-US" sz="1000" b="1" dirty="0" smtClean="0"/>
                         <a:t>기본값</a:t>
                       </a:r>
-                      <a:endParaRPr lang="ko-KR" altLang="en-US" sz="1600" dirty="0"/>
+                      <a:endParaRPr lang="ko-KR" altLang="en-US" sz="1000" b="1" dirty="0"/>
                     </a:p>
                   </a:txBody>
                   <a:tcPr anchor="ctr"/>
@@ -26368,10 +26391,10 @@
                     <a:p>
                       <a:pPr algn="ctr" latinLnBrk="1"/>
                       <a:r>
-                        <a:rPr lang="ko-KR" altLang="en-US" sz="1600" dirty="0" smtClean="0"/>
+                        <a:rPr lang="ko-KR" altLang="en-US" sz="1000" b="1" dirty="0" smtClean="0"/>
                         <a:t>기본</a:t>
                       </a:r>
-                      <a:endParaRPr lang="ko-KR" altLang="en-US" sz="1600" dirty="0"/>
+                      <a:endParaRPr lang="ko-KR" altLang="en-US" sz="1000" b="1" dirty="0"/>
                     </a:p>
                   </a:txBody>
                   <a:tcPr anchor="ctr"/>
@@ -26383,10 +26406,14 @@
                     <a:p>
                       <a:pPr algn="ctr" latinLnBrk="1"/>
                       <a:r>
-                        <a:rPr lang="ko-KR" altLang="en-US" sz="1600" smtClean="0"/>
-                        <a:t>블리언</a:t>
+                        <a:rPr lang="ko-KR" altLang="en-US" sz="1000" b="1" dirty="0" smtClean="0"/>
+                        <a:t>불리언 </a:t>
                       </a:r>
-                      <a:endParaRPr lang="ko-KR" altLang="en-US" sz="1600" dirty="0"/>
+                      <a:r>
+                        <a:rPr lang="en-US" altLang="ko-KR" sz="1000" b="1" dirty="0" smtClean="0"/>
+                        <a:t>(boolean)</a:t>
+                      </a:r>
+                      <a:endParaRPr lang="ko-KR" altLang="en-US" sz="1000" b="1" dirty="0"/>
                     </a:p>
                   </a:txBody>
                   <a:tcPr anchor="ctr"/>
@@ -26397,7 +26424,11 @@
                     <a:lstStyle/>
                     <a:p>
                       <a:pPr algn="ctr" latinLnBrk="1"/>
-                      <a:endParaRPr lang="ko-KR" altLang="en-US" sz="1600"/>
+                      <a:r>
+                        <a:rPr lang="en-US" altLang="ko-KR" sz="1000" b="1" dirty="0" smtClean="0"/>
+                        <a:t>false</a:t>
+                      </a:r>
+                      <a:endParaRPr lang="ko-KR" altLang="en-US" sz="1000" b="1" dirty="0"/>
                     </a:p>
                   </a:txBody>
                   <a:tcPr anchor="ctr"/>
@@ -26426,7 +26457,23 @@
                     <a:lstStyle/>
                     <a:p>
                       <a:pPr algn="ctr" latinLnBrk="1"/>
-                      <a:endParaRPr lang="ko-KR" altLang="en-US" sz="1600" dirty="0"/>
+                      <a:r>
+                        <a:rPr lang="ko-KR" altLang="en-US" sz="1000" b="1" dirty="0" smtClean="0"/>
+                        <a:t>정수</a:t>
+                      </a:r>
+                      <a:r>
+                        <a:rPr lang="en-US" altLang="ko-KR" sz="1000" b="1" dirty="0" smtClean="0"/>
+                        <a:t>(byte, short/char,</a:t>
+                      </a:r>
+                      <a:r>
+                        <a:rPr lang="en-US" altLang="ko-KR" sz="1000" b="1" baseline="0" dirty="0" smtClean="0"/>
+                        <a:t> int long</a:t>
+                      </a:r>
+                      <a:r>
+                        <a:rPr lang="en-US" altLang="ko-KR" sz="1000" b="1" dirty="0" smtClean="0"/>
+                        <a:t>)</a:t>
+                      </a:r>
+                      <a:endParaRPr lang="ko-KR" altLang="en-US" sz="1000" b="1" dirty="0"/>
                     </a:p>
                   </a:txBody>
                   <a:tcPr anchor="ctr"/>
@@ -26437,7 +26484,11 @@
                     <a:lstStyle/>
                     <a:p>
                       <a:pPr algn="ctr" latinLnBrk="1"/>
-                      <a:endParaRPr lang="ko-KR" altLang="en-US" sz="1600" dirty="0"/>
+                      <a:r>
+                        <a:rPr lang="en-US" altLang="ko-KR" sz="1000" b="1" dirty="0" smtClean="0"/>
+                        <a:t>0</a:t>
+                      </a:r>
+                      <a:endParaRPr lang="ko-KR" altLang="en-US" sz="1000" b="1" dirty="0"/>
                     </a:p>
                   </a:txBody>
                   <a:tcPr anchor="ctr"/>
@@ -26466,7 +26517,23 @@
                     <a:lstStyle/>
                     <a:p>
                       <a:pPr algn="ctr" latinLnBrk="1"/>
-                      <a:endParaRPr lang="ko-KR" altLang="en-US" sz="1600" dirty="0"/>
+                      <a:r>
+                        <a:rPr lang="ko-KR" altLang="en-US" sz="1000" b="1" dirty="0" smtClean="0"/>
+                        <a:t>실수</a:t>
+                      </a:r>
+                      <a:r>
+                        <a:rPr lang="en-US" altLang="ko-KR" sz="1000" b="1" dirty="0" smtClean="0"/>
+                        <a:t>(float,</a:t>
+                      </a:r>
+                      <a:r>
+                        <a:rPr lang="en-US" altLang="ko-KR" sz="1000" b="1" baseline="0" dirty="0" smtClean="0"/>
+                        <a:t> double</a:t>
+                      </a:r>
+                      <a:r>
+                        <a:rPr lang="en-US" altLang="ko-KR" sz="1000" b="1" dirty="0" smtClean="0"/>
+                        <a:t>)</a:t>
+                      </a:r>
+                      <a:endParaRPr lang="ko-KR" altLang="en-US" sz="1000" b="1" dirty="0"/>
                     </a:p>
                   </a:txBody>
                   <a:tcPr anchor="ctr"/>
@@ -26477,7 +26544,11 @@
                     <a:lstStyle/>
                     <a:p>
                       <a:pPr algn="ctr" latinLnBrk="1"/>
-                      <a:endParaRPr lang="ko-KR" altLang="en-US" sz="1600" dirty="0"/>
+                      <a:r>
+                        <a:rPr lang="en-US" altLang="ko-KR" sz="1000" b="1" dirty="0" smtClean="0"/>
+                        <a:t>0.0</a:t>
+                      </a:r>
+                      <a:endParaRPr lang="ko-KR" altLang="en-US" sz="1000" b="1" dirty="0"/>
                     </a:p>
                   </a:txBody>
                   <a:tcPr anchor="ctr"/>
@@ -26496,10 +26567,10 @@
                     <a:p>
                       <a:pPr algn="ctr" latinLnBrk="1"/>
                       <a:r>
-                        <a:rPr lang="ko-KR" altLang="en-US" sz="1600" dirty="0" smtClean="0"/>
+                        <a:rPr lang="ko-KR" altLang="en-US" sz="1000" b="1" dirty="0" smtClean="0"/>
                         <a:t>참조</a:t>
                       </a:r>
-                      <a:endParaRPr lang="ko-KR" altLang="en-US" sz="1600" dirty="0"/>
+                      <a:endParaRPr lang="ko-KR" altLang="en-US" sz="1000" b="1" dirty="0"/>
                     </a:p>
                   </a:txBody>
                   <a:tcPr anchor="ctr"/>
@@ -26510,7 +26581,27 @@
                     <a:lstStyle/>
                     <a:p>
                       <a:pPr algn="ctr" latinLnBrk="1"/>
-                      <a:endParaRPr lang="ko-KR" altLang="en-US" sz="1600" dirty="0"/>
+                      <a:r>
+                        <a:rPr lang="ko-KR" altLang="en-US" sz="1000" b="1" dirty="0" smtClean="0"/>
+                        <a:t>클래스</a:t>
+                      </a:r>
+                      <a:r>
+                        <a:rPr lang="en-US" altLang="ko-KR" sz="1000" b="1" dirty="0" smtClean="0"/>
+                        <a:t>,</a:t>
+                      </a:r>
+                      <a:r>
+                        <a:rPr lang="en-US" altLang="ko-KR" sz="1000" b="1" baseline="0" dirty="0" smtClean="0"/>
+                        <a:t> </a:t>
+                      </a:r>
+                      <a:r>
+                        <a:rPr lang="ko-KR" altLang="en-US" sz="1000" b="1" baseline="0" dirty="0" smtClean="0"/>
+                        <a:t>배열 </a:t>
+                      </a:r>
+                      <a:r>
+                        <a:rPr lang="en-US" altLang="ko-KR" sz="1000" b="1" baseline="0" dirty="0" smtClean="0"/>
+                        <a:t>…</a:t>
+                      </a:r>
+                      <a:endParaRPr lang="ko-KR" altLang="en-US" sz="1000" b="1" dirty="0"/>
                     </a:p>
                   </a:txBody>
                   <a:tcPr anchor="ctr"/>
@@ -26521,7 +26612,11 @@
                     <a:lstStyle/>
                     <a:p>
                       <a:pPr algn="ctr" latinLnBrk="1"/>
-                      <a:endParaRPr lang="ko-KR" altLang="en-US" sz="1600" dirty="0"/>
+                      <a:r>
+                        <a:rPr lang="en-US" altLang="ko-KR" sz="1000" b="1" dirty="0" smtClean="0"/>
+                        <a:t>null</a:t>
+                      </a:r>
+                      <a:endParaRPr lang="ko-KR" altLang="en-US" sz="1000" b="1" dirty="0"/>
                     </a:p>
                   </a:txBody>
                   <a:tcPr anchor="ctr"/>
@@ -26545,13 +26640,13 @@
           <p:nvPr>
             <p:extLst>
               <p:ext uri="{D42A27DB-BD31-4B8C-83A1-F6EECF244321}">
-                <p14:modId xmlns:p14="http://schemas.microsoft.com/office/powerpoint/2010/main" val="2140067190"/>
+                <p14:modId xmlns:p14="http://schemas.microsoft.com/office/powerpoint/2010/main" val="887198316"/>
               </p:ext>
             </p:extLst>
           </p:nvPr>
         </p:nvGraphicFramePr>
         <p:xfrm>
-          <a:off x="680325" y="2257638"/>
+          <a:off x="1220652" y="2257638"/>
           <a:ext cx="3537529" cy="4279705"/>
         </p:xfrm>
         <a:graphic>
@@ -27194,8 +27289,21 @@
                             <a:schemeClr val="bg1"/>
                           </a:solidFill>
                         </a:rPr>
-                        <a:t>[ ] a = new int[3, 4, 5];</a:t>
+                        <a:t>[ ] a = new </a:t>
                       </a:r>
+                      <a:r>
+                        <a:rPr lang="en-US" altLang="ko-KR" sz="1000" b="1" baseline="0" dirty="0" smtClean="0">
+                          <a:solidFill>
+                            <a:schemeClr val="bg1"/>
+                          </a:solidFill>
+                        </a:rPr>
+                        <a:t>int[ ]{1, 2, 3};</a:t>
+                      </a:r>
+                      <a:endParaRPr lang="en-US" altLang="ko-KR" sz="1000" b="1" baseline="0" dirty="0" smtClean="0">
+                        <a:solidFill>
+                          <a:schemeClr val="bg1"/>
+                        </a:solidFill>
+                      </a:endParaRPr>
                     </a:p>
                   </a:txBody>
                   <a:tcPr anchor="ctr">
@@ -27459,6 +27567,121 @@
           </a:graphicData>
         </a:graphic>
       </p:graphicFrame>
+      <p:sp>
+        <p:nvSpPr>
+          <p:cNvPr id="4" name="TextBox 3"/>
+          <p:cNvSpPr txBox="1"/>
+          <p:nvPr/>
+        </p:nvSpPr>
+        <p:spPr>
+          <a:xfrm>
+            <a:off x="5887305" y="5706346"/>
+            <a:ext cx="5601213" cy="769441"/>
+          </a:xfrm>
+          <a:prstGeom prst="rect">
+            <a:avLst/>
+          </a:prstGeom>
+          <a:noFill/>
+        </p:spPr>
+        <p:txBody>
+          <a:bodyPr wrap="none" rtlCol="0">
+            <a:spAutoFit/>
+          </a:bodyPr>
+          <a:lstStyle/>
+          <a:p>
+            <a:r>
+              <a:rPr lang="ko-KR" altLang="en-US" sz="1100" b="1" dirty="0" smtClean="0"/>
+              <a:t>▶</a:t>
+            </a:r>
+            <a:r>
+              <a:rPr lang="en-US" altLang="ko-KR" sz="1100" b="1" dirty="0"/>
+              <a:t> </a:t>
+            </a:r>
+            <a:r>
+              <a:rPr lang="ko-KR" altLang="en-US" sz="1100" b="1" dirty="0" smtClean="0"/>
+              <a:t>배열의 길이</a:t>
+            </a:r>
+            <a:r>
+              <a:rPr lang="en-US" altLang="ko-KR" sz="1100" b="1" dirty="0" smtClean="0"/>
+              <a:t/>
+            </a:r>
+            <a:br>
+              <a:rPr lang="en-US" altLang="ko-KR" sz="1100" b="1" dirty="0" smtClean="0"/>
+            </a:br>
+            <a:r>
+              <a:rPr lang="ko-KR" altLang="en-US" sz="1100" b="1" dirty="0" smtClean="0"/>
+              <a:t>배열의 모든 데이터를 출력하려면 배열의 </a:t>
+            </a:r>
+            <a:r>
+              <a:rPr lang="ko-KR" altLang="en-US" sz="1100" b="1" dirty="0" err="1" smtClean="0"/>
+              <a:t>길이만큼을</a:t>
+            </a:r>
+            <a:r>
+              <a:rPr lang="ko-KR" altLang="en-US" sz="1100" b="1" dirty="0" smtClean="0"/>
+              <a:t> 출력하면 된다</a:t>
+            </a:r>
+            <a:r>
+              <a:rPr lang="en-US" altLang="ko-KR" sz="1100" b="1" dirty="0" smtClean="0"/>
+              <a:t>.</a:t>
+            </a:r>
+            <a:br>
+              <a:rPr lang="en-US" altLang="ko-KR" sz="1100" b="1" dirty="0" smtClean="0"/>
+            </a:br>
+            <a:r>
+              <a:rPr lang="ko-KR" altLang="en-US" sz="1100" b="1" dirty="0" smtClean="0"/>
+              <a:t>이때 </a:t>
+            </a:r>
+            <a:r>
+              <a:rPr lang="ko-KR" altLang="en-US" sz="1100" b="1" dirty="0" err="1" smtClean="0"/>
+              <a:t>반복문을</a:t>
+            </a:r>
+            <a:r>
+              <a:rPr lang="ko-KR" altLang="en-US" sz="1100" b="1" dirty="0" smtClean="0"/>
+              <a:t> 사용할 수 있는데</a:t>
+            </a:r>
+            <a:r>
+              <a:rPr lang="en-US" altLang="ko-KR" sz="1100" b="1" dirty="0" smtClean="0"/>
+              <a:t>, </a:t>
+            </a:r>
+            <a:r>
+              <a:rPr lang="ko-KR" altLang="en-US" sz="1100" b="1" dirty="0" err="1" smtClean="0"/>
+              <a:t>반복문의</a:t>
+            </a:r>
+            <a:r>
+              <a:rPr lang="ko-KR" altLang="en-US" sz="1100" b="1" dirty="0" smtClean="0"/>
+              <a:t> 반복 길이는 배열의 길이가 될 수 있다</a:t>
+            </a:r>
+            <a:endParaRPr lang="en-US" altLang="ko-KR" sz="1100" b="1" dirty="0" smtClean="0"/>
+          </a:p>
+          <a:p>
+            <a:r>
+              <a:rPr lang="ko-KR" altLang="en-US" sz="1100" b="1" dirty="0" smtClean="0"/>
+              <a:t>자바는 </a:t>
+            </a:r>
+            <a:r>
+              <a:rPr lang="en-US" altLang="ko-KR" sz="1100" b="1" dirty="0" smtClean="0"/>
+              <a:t>‘</a:t>
+            </a:r>
+            <a:r>
+              <a:rPr lang="ko-KR" altLang="en-US" sz="1100" b="1" dirty="0" smtClean="0"/>
+              <a:t>배열 참조 변수</a:t>
+            </a:r>
+            <a:r>
+              <a:rPr lang="en-US" altLang="ko-KR" sz="1100" b="1" dirty="0" smtClean="0"/>
+              <a:t>.length’ </a:t>
+            </a:r>
+            <a:r>
+              <a:rPr lang="ko-KR" altLang="en-US" sz="1100" b="1" dirty="0" smtClean="0"/>
+              <a:t>로 배열의 길이를 구할 수 있는 쉬운 방법을 제공한다</a:t>
+            </a:r>
+            <a:r>
+              <a:rPr lang="en-US" altLang="ko-KR" sz="1100" b="1" dirty="0" smtClean="0"/>
+              <a:t>. </a:t>
+            </a:r>
+            <a:endParaRPr lang="ko-KR" altLang="en-US" sz="1100" b="1" dirty="0"/>
+          </a:p>
+        </p:txBody>
+      </p:sp>
     </p:spTree>
     <p:extLst>
       <p:ext uri="{BB962C8B-B14F-4D97-AF65-F5344CB8AC3E}">
@@ -27469,6 +27692,1148 @@
   <p:clrMapOvr>
     <a:masterClrMapping/>
   </p:clrMapOvr>
+  <p:timing>
+    <p:tnLst>
+      <p:par>
+        <p:cTn id="1" dur="indefinite" restart="never" nodeType="tmRoot"/>
+      </p:par>
+    </p:tnLst>
+  </p:timing>
+</p:sld>
+</file>
+
+<file path=ppt/slides/slide23.xml><?xml version="1.0" encoding="utf-8"?>
+<p:sld xmlns:a="http://schemas.openxmlformats.org/drawingml/2006/main" xmlns:r="http://schemas.openxmlformats.org/officeDocument/2006/relationships" xmlns:p="http://schemas.openxmlformats.org/presentationml/2006/main">
+  <p:cSld>
+    <p:spTree>
+      <p:nvGrpSpPr>
+        <p:cNvPr id="1" name=""/>
+        <p:cNvGrpSpPr/>
+        <p:nvPr/>
+      </p:nvGrpSpPr>
+      <p:grpSpPr>
+        <a:xfrm>
+          <a:off x="0" y="0"/>
+          <a:ext cx="0" cy="0"/>
+          <a:chOff x="0" y="0"/>
+          <a:chExt cx="0" cy="0"/>
+        </a:xfrm>
+      </p:grpSpPr>
+      <p:sp>
+        <p:nvSpPr>
+          <p:cNvPr id="2" name="제목 1"/>
+          <p:cNvSpPr>
+            <a:spLocks noGrp="1"/>
+          </p:cNvSpPr>
+          <p:nvPr>
+            <p:ph type="title"/>
+          </p:nvPr>
+        </p:nvSpPr>
+        <p:spPr/>
+        <p:txBody>
+          <a:bodyPr/>
+          <a:lstStyle/>
+          <a:p>
+            <a:pPr algn="ctr"/>
+            <a:r>
+              <a:rPr lang="en-US" altLang="ko-KR" dirty="0"/>
+              <a:t>1</a:t>
+            </a:r>
+            <a:r>
+              <a:rPr lang="ko-KR" altLang="en-US" dirty="0"/>
+              <a:t>차원 배열</a:t>
+            </a:r>
+          </a:p>
+        </p:txBody>
+      </p:sp>
+      <p:graphicFrame>
+        <p:nvGraphicFramePr>
+          <p:cNvPr id="5" name="내용 개체 틀 4"/>
+          <p:cNvGraphicFramePr>
+            <a:graphicFrameLocks noGrp="1"/>
+          </p:cNvGraphicFramePr>
+          <p:nvPr>
+            <p:ph idx="1"/>
+            <p:extLst>
+              <p:ext uri="{D42A27DB-BD31-4B8C-83A1-F6EECF244321}">
+                <p14:modId xmlns:p14="http://schemas.microsoft.com/office/powerpoint/2010/main" val="14149032"/>
+              </p:ext>
+            </p:extLst>
+          </p:nvPr>
+        </p:nvGraphicFramePr>
+        <p:xfrm>
+          <a:off x="681038" y="2040467"/>
+          <a:ext cx="3780895" cy="2170285"/>
+        </p:xfrm>
+        <a:graphic>
+          <a:graphicData uri="http://schemas.openxmlformats.org/drawingml/2006/table">
+            <a:tbl>
+              <a:tblPr firstRow="1" bandRow="1">
+                <a:tableStyleId>{5C22544A-7EE6-4342-B048-85BDC9FD1C3A}</a:tableStyleId>
+              </a:tblPr>
+              <a:tblGrid>
+                <a:gridCol w="3780895">
+                  <a:extLst>
+                    <a:ext uri="{9D8B030D-6E8A-4147-A177-3AD203B41FA5}">
+                      <a16:colId xmlns:a16="http://schemas.microsoft.com/office/drawing/2014/main" val="1579250529"/>
+                    </a:ext>
+                  </a:extLst>
+                </a:gridCol>
+              </a:tblGrid>
+              <a:tr h="609600">
+                <a:tc>
+                  <a:txBody>
+                    <a:bodyPr/>
+                    <a:lstStyle/>
+                    <a:p>
+                      <a:pPr algn="l" latinLnBrk="1"/>
+                      <a:r>
+                        <a:rPr lang="ko-KR" altLang="en-US" sz="1800" b="1" dirty="0" smtClean="0">
+                          <a:solidFill>
+                            <a:schemeClr val="bg1"/>
+                          </a:solidFill>
+                        </a:rPr>
+                        <a:t>배열의 길이 구하기</a:t>
+                      </a:r>
+                      <a:endParaRPr lang="ko-KR" altLang="en-US" sz="1800" b="1" dirty="0">
+                        <a:solidFill>
+                          <a:schemeClr val="bg1"/>
+                        </a:solidFill>
+                      </a:endParaRPr>
+                    </a:p>
+                  </a:txBody>
+                  <a:tcPr anchor="ctr"/>
+                </a:tc>
+                <a:extLst>
+                  <a:ext uri="{0D108BD9-81ED-4DB2-BD59-A6C34878D82A}">
+                    <a16:rowId xmlns:a16="http://schemas.microsoft.com/office/drawing/2014/main" val="3558076735"/>
+                  </a:ext>
+                </a:extLst>
+              </a:tr>
+              <a:tr h="494829">
+                <a:tc>
+                  <a:txBody>
+                    <a:bodyPr/>
+                    <a:lstStyle/>
+                    <a:p>
+                      <a:pPr algn="l" latinLnBrk="1"/>
+                      <a:r>
+                        <a:rPr lang="ko-KR" altLang="en-US" sz="1400" dirty="0" smtClean="0"/>
+                        <a:t>배열 참조 변수</a:t>
+                      </a:r>
+                      <a:r>
+                        <a:rPr lang="en-US" altLang="ko-KR" sz="1400" dirty="0" smtClean="0"/>
+                        <a:t>.length</a:t>
+                      </a:r>
+                      <a:endParaRPr lang="ko-KR" altLang="en-US" sz="1400" dirty="0"/>
+                    </a:p>
+                  </a:txBody>
+                  <a:tcPr anchor="ctr"/>
+                </a:tc>
+                <a:extLst>
+                  <a:ext uri="{0D108BD9-81ED-4DB2-BD59-A6C34878D82A}">
+                    <a16:rowId xmlns:a16="http://schemas.microsoft.com/office/drawing/2014/main" val="701553507"/>
+                  </a:ext>
+                </a:extLst>
+              </a:tr>
+              <a:tr h="1065856">
+                <a:tc>
+                  <a:txBody>
+                    <a:bodyPr/>
+                    <a:lstStyle/>
+                    <a:p>
+                      <a:pPr algn="l" latinLnBrk="1"/>
+                      <a:r>
+                        <a:rPr lang="en-US" altLang="ko-KR" sz="1400" dirty="0" smtClean="0"/>
+                        <a:t>int [ ] = new int[ ] {3, 4, 5, 6, 7};</a:t>
+                      </a:r>
+                    </a:p>
+                    <a:p>
+                      <a:pPr algn="l" latinLnBrk="1"/>
+                      <a:r>
+                        <a:rPr lang="en-US" altLang="ko-KR" sz="1400" dirty="0" err="1" smtClean="0"/>
+                        <a:t>Stystem.out.println</a:t>
+                      </a:r>
+                      <a:r>
+                        <a:rPr lang="en-US" altLang="ko-KR" sz="1400" dirty="0" smtClean="0"/>
+                        <a:t>(</a:t>
+                      </a:r>
+                      <a:r>
+                        <a:rPr lang="en-US" altLang="ko-KR" sz="1400" dirty="0" err="1" smtClean="0"/>
+                        <a:t>a.length</a:t>
+                      </a:r>
+                      <a:r>
+                        <a:rPr lang="en-US" altLang="ko-KR" sz="1400" dirty="0" smtClean="0"/>
+                        <a:t>)</a:t>
+                      </a:r>
+                      <a:endParaRPr lang="ko-KR" altLang="en-US" sz="1400" dirty="0"/>
+                    </a:p>
+                  </a:txBody>
+                  <a:tcPr anchor="ctr"/>
+                </a:tc>
+                <a:extLst>
+                  <a:ext uri="{0D108BD9-81ED-4DB2-BD59-A6C34878D82A}">
+                    <a16:rowId xmlns:a16="http://schemas.microsoft.com/office/drawing/2014/main" val="1543077148"/>
+                  </a:ext>
+                </a:extLst>
+              </a:tr>
+            </a:tbl>
+          </a:graphicData>
+        </a:graphic>
+      </p:graphicFrame>
+      <p:graphicFrame>
+        <p:nvGraphicFramePr>
+          <p:cNvPr id="8" name="내용 개체 틀 4"/>
+          <p:cNvGraphicFramePr>
+            <a:graphicFrameLocks/>
+          </p:cNvGraphicFramePr>
+          <p:nvPr>
+            <p:extLst>
+              <p:ext uri="{D42A27DB-BD31-4B8C-83A1-F6EECF244321}">
+                <p14:modId xmlns:p14="http://schemas.microsoft.com/office/powerpoint/2010/main" val="3981881180"/>
+              </p:ext>
+            </p:extLst>
+          </p:nvPr>
+        </p:nvGraphicFramePr>
+        <p:xfrm>
+          <a:off x="680325" y="4326467"/>
+          <a:ext cx="3780895" cy="2499360"/>
+        </p:xfrm>
+        <a:graphic>
+          <a:graphicData uri="http://schemas.openxmlformats.org/drawingml/2006/table">
+            <a:tbl>
+              <a:tblPr firstRow="1" bandRow="1">
+                <a:tableStyleId>{5C22544A-7EE6-4342-B048-85BDC9FD1C3A}</a:tableStyleId>
+              </a:tblPr>
+              <a:tblGrid>
+                <a:gridCol w="3780895">
+                  <a:extLst>
+                    <a:ext uri="{9D8B030D-6E8A-4147-A177-3AD203B41FA5}">
+                      <a16:colId xmlns:a16="http://schemas.microsoft.com/office/drawing/2014/main" val="1579250529"/>
+                    </a:ext>
+                  </a:extLst>
+                </a:gridCol>
+              </a:tblGrid>
+              <a:tr h="609600">
+                <a:tc>
+                  <a:txBody>
+                    <a:bodyPr/>
+                    <a:lstStyle/>
+                    <a:p>
+                      <a:pPr algn="l" latinLnBrk="1"/>
+                      <a:r>
+                        <a:rPr lang="en-US" altLang="ko-KR" sz="1800" b="1" dirty="0" smtClean="0">
+                          <a:solidFill>
+                            <a:schemeClr val="bg1"/>
+                          </a:solidFill>
+                        </a:rPr>
+                        <a:t>for-each</a:t>
+                      </a:r>
+                      <a:r>
+                        <a:rPr lang="en-US" altLang="ko-KR" sz="1800" b="1" baseline="0" dirty="0" smtClean="0">
+                          <a:solidFill>
+                            <a:schemeClr val="bg1"/>
+                          </a:solidFill>
+                        </a:rPr>
+                        <a:t> </a:t>
+                      </a:r>
+                      <a:r>
+                        <a:rPr lang="ko-KR" altLang="en-US" sz="1800" b="1" baseline="0" dirty="0" smtClean="0">
+                          <a:solidFill>
+                            <a:schemeClr val="bg1"/>
+                          </a:solidFill>
+                        </a:rPr>
+                        <a:t>문</a:t>
+                      </a:r>
+                      <a:endParaRPr lang="ko-KR" altLang="en-US" sz="1800" b="1" dirty="0">
+                        <a:solidFill>
+                          <a:schemeClr val="bg1"/>
+                        </a:solidFill>
+                      </a:endParaRPr>
+                    </a:p>
+                  </a:txBody>
+                  <a:tcPr anchor="ctr"/>
+                </a:tc>
+                <a:extLst>
+                  <a:ext uri="{0D108BD9-81ED-4DB2-BD59-A6C34878D82A}">
+                    <a16:rowId xmlns:a16="http://schemas.microsoft.com/office/drawing/2014/main" val="3558076735"/>
+                  </a:ext>
+                </a:extLst>
+              </a:tr>
+              <a:tr h="494829">
+                <a:tc>
+                  <a:txBody>
+                    <a:bodyPr/>
+                    <a:lstStyle/>
+                    <a:p>
+                      <a:pPr algn="l" latinLnBrk="1"/>
+                      <a:r>
+                        <a:rPr lang="en-US" altLang="ko-KR" sz="1400" dirty="0" smtClean="0"/>
+                        <a:t>for (</a:t>
+                      </a:r>
+                      <a:r>
+                        <a:rPr lang="ko-KR" altLang="en-US" sz="1400" dirty="0" smtClean="0"/>
+                        <a:t>원소 자료형 변수명 </a:t>
+                      </a:r>
+                      <a:r>
+                        <a:rPr lang="en-US" altLang="ko-KR" sz="1400" dirty="0" smtClean="0"/>
+                        <a:t>: </a:t>
+                      </a:r>
+                      <a:r>
+                        <a:rPr lang="ko-KR" altLang="en-US" sz="1400" dirty="0" smtClean="0"/>
+                        <a:t>집합 객체</a:t>
+                      </a:r>
+                      <a:r>
+                        <a:rPr lang="en-US" altLang="ko-KR" sz="1400" dirty="0" smtClean="0"/>
+                        <a:t>) {</a:t>
+                      </a:r>
+                    </a:p>
+                    <a:p>
+                      <a:pPr algn="l" latinLnBrk="1"/>
+                      <a:r>
+                        <a:rPr lang="en-US" altLang="ko-KR" sz="1400" dirty="0" smtClean="0"/>
+                        <a:t>}</a:t>
+                      </a:r>
+                      <a:endParaRPr lang="ko-KR" altLang="en-US" sz="1400" dirty="0"/>
+                    </a:p>
+                  </a:txBody>
+                  <a:tcPr anchor="ctr"/>
+                </a:tc>
+                <a:extLst>
+                  <a:ext uri="{0D108BD9-81ED-4DB2-BD59-A6C34878D82A}">
+                    <a16:rowId xmlns:a16="http://schemas.microsoft.com/office/drawing/2014/main" val="701553507"/>
+                  </a:ext>
+                </a:extLst>
+              </a:tr>
+              <a:tr h="1065856">
+                <a:tc>
+                  <a:txBody>
+                    <a:bodyPr/>
+                    <a:lstStyle/>
+                    <a:p>
+                      <a:pPr algn="l" latinLnBrk="1"/>
+                      <a:r>
+                        <a:rPr lang="en-US" altLang="ko-KR" sz="1400" dirty="0" smtClean="0"/>
+                        <a:t>int</a:t>
+                      </a:r>
+                      <a:r>
+                        <a:rPr lang="en-US" altLang="ko-KR" sz="1400" baseline="0" dirty="0" smtClean="0"/>
+                        <a:t> [ ] a = [100];</a:t>
+                      </a:r>
+                    </a:p>
+                    <a:p>
+                      <a:pPr algn="l" latinLnBrk="1"/>
+                      <a:r>
+                        <a:rPr lang="en-US" altLang="ko-KR" sz="1400" baseline="0" dirty="0" smtClean="0"/>
+                        <a:t>a[0] = 1, a[1] =2, … a[99] = 100;</a:t>
+                      </a:r>
+                    </a:p>
+                    <a:p>
+                      <a:pPr algn="l" latinLnBrk="1"/>
+                      <a:endParaRPr lang="en-US" altLang="ko-KR" sz="1400" baseline="0" dirty="0" smtClean="0"/>
+                    </a:p>
+                    <a:p>
+                      <a:pPr algn="l" latinLnBrk="1"/>
+                      <a:r>
+                        <a:rPr lang="en-US" altLang="ko-KR" sz="1400" baseline="0" dirty="0" smtClean="0"/>
+                        <a:t>for (int k : a) {</a:t>
+                      </a:r>
+                    </a:p>
+                    <a:p>
+                      <a:pPr algn="l" latinLnBrk="1"/>
+                      <a:r>
+                        <a:rPr lang="en-US" altLang="ko-KR" sz="1400" baseline="0" dirty="0" smtClean="0"/>
+                        <a:t>      </a:t>
+                      </a:r>
+                      <a:r>
+                        <a:rPr lang="en-US" altLang="ko-KR" sz="1400" baseline="0" dirty="0" err="1" smtClean="0"/>
+                        <a:t>System.out.println</a:t>
+                      </a:r>
+                      <a:r>
+                        <a:rPr lang="en-US" altLang="ko-KR" sz="1400" baseline="0" dirty="0" smtClean="0"/>
+                        <a:t>(k)</a:t>
+                      </a:r>
+                    </a:p>
+                    <a:p>
+                      <a:pPr algn="l" latinLnBrk="1"/>
+                      <a:r>
+                        <a:rPr lang="en-US" altLang="ko-KR" sz="1400" baseline="0" dirty="0" smtClean="0"/>
+                        <a:t>}</a:t>
+                      </a:r>
+                      <a:endParaRPr lang="ko-KR" altLang="en-US" sz="1400" dirty="0"/>
+                    </a:p>
+                  </a:txBody>
+                  <a:tcPr anchor="ctr"/>
+                </a:tc>
+                <a:extLst>
+                  <a:ext uri="{0D108BD9-81ED-4DB2-BD59-A6C34878D82A}">
+                    <a16:rowId xmlns:a16="http://schemas.microsoft.com/office/drawing/2014/main" val="1543077148"/>
+                  </a:ext>
+                </a:extLst>
+              </a:tr>
+            </a:tbl>
+          </a:graphicData>
+        </a:graphic>
+      </p:graphicFrame>
+      <p:pic>
+        <p:nvPicPr>
+          <p:cNvPr id="3" name="그림 2"/>
+          <p:cNvPicPr>
+            <a:picLocks noChangeAspect="1"/>
+          </p:cNvPicPr>
+          <p:nvPr/>
+        </p:nvPicPr>
+        <p:blipFill>
+          <a:blip r:embed="rId2"/>
+          <a:stretch>
+            <a:fillRect/>
+          </a:stretch>
+        </p:blipFill>
+        <p:spPr>
+          <a:xfrm>
+            <a:off x="5910956" y="1998431"/>
+            <a:ext cx="4251172" cy="4859569"/>
+          </a:xfrm>
+          <a:prstGeom prst="rect">
+            <a:avLst/>
+          </a:prstGeom>
+        </p:spPr>
+      </p:pic>
+    </p:spTree>
+    <p:extLst>
+      <p:ext uri="{BB962C8B-B14F-4D97-AF65-F5344CB8AC3E}">
+        <p14:creationId xmlns:p14="http://schemas.microsoft.com/office/powerpoint/2010/main" val="1709439985"/>
+      </p:ext>
+    </p:extLst>
+  </p:cSld>
+  <p:clrMapOvr>
+    <a:masterClrMapping/>
+  </p:clrMapOvr>
+  <p:timing>
+    <p:tnLst>
+      <p:par>
+        <p:cTn id="1" dur="indefinite" restart="never" nodeType="tmRoot"/>
+      </p:par>
+    </p:tnLst>
+  </p:timing>
+</p:sld>
+</file>
+
+<file path=ppt/slides/slide24.xml><?xml version="1.0" encoding="utf-8"?>
+<p:sld xmlns:a="http://schemas.openxmlformats.org/drawingml/2006/main" xmlns:r="http://schemas.openxmlformats.org/officeDocument/2006/relationships" xmlns:p="http://schemas.openxmlformats.org/presentationml/2006/main">
+  <p:cSld>
+    <p:spTree>
+      <p:nvGrpSpPr>
+        <p:cNvPr id="1" name=""/>
+        <p:cNvGrpSpPr/>
+        <p:nvPr/>
+      </p:nvGrpSpPr>
+      <p:grpSpPr>
+        <a:xfrm>
+          <a:off x="0" y="0"/>
+          <a:ext cx="0" cy="0"/>
+          <a:chOff x="0" y="0"/>
+          <a:chExt cx="0" cy="0"/>
+        </a:xfrm>
+      </p:grpSpPr>
+      <p:sp>
+        <p:nvSpPr>
+          <p:cNvPr id="2" name="제목 1"/>
+          <p:cNvSpPr>
+            <a:spLocks noGrp="1"/>
+          </p:cNvSpPr>
+          <p:nvPr>
+            <p:ph type="title"/>
+          </p:nvPr>
+        </p:nvSpPr>
+        <p:spPr/>
+        <p:txBody>
+          <a:bodyPr/>
+          <a:lstStyle/>
+          <a:p>
+            <a:pPr algn="ctr"/>
+            <a:r>
+              <a:rPr lang="en-US" altLang="ko-KR" dirty="0" smtClean="0"/>
+              <a:t>2</a:t>
+            </a:r>
+            <a:r>
+              <a:rPr lang="ko-KR" altLang="en-US" dirty="0" smtClean="0"/>
+              <a:t>차원 정방 행렬 배열</a:t>
+            </a:r>
+            <a:endParaRPr lang="ko-KR" altLang="en-US" dirty="0"/>
+          </a:p>
+        </p:txBody>
+      </p:sp>
+      <p:sp>
+        <p:nvSpPr>
+          <p:cNvPr id="3" name="내용 개체 틀 2"/>
+          <p:cNvSpPr>
+            <a:spLocks noGrp="1"/>
+          </p:cNvSpPr>
+          <p:nvPr>
+            <p:ph idx="1"/>
+          </p:nvPr>
+        </p:nvSpPr>
+        <p:spPr>
+          <a:xfrm>
+            <a:off x="680326" y="2336873"/>
+            <a:ext cx="4706322" cy="1445418"/>
+          </a:xfrm>
+        </p:spPr>
+        <p:txBody>
+          <a:bodyPr>
+            <a:normAutofit/>
+          </a:bodyPr>
+          <a:lstStyle/>
+          <a:p>
+            <a:pPr>
+              <a:lnSpc>
+                <a:spcPct val="150000"/>
+              </a:lnSpc>
+              <a:buFont typeface="Wingdings" panose="05000000000000000000" pitchFamily="2" charset="2"/>
+              <a:buChar char="v"/>
+            </a:pPr>
+            <a:r>
+              <a:rPr lang="en-US" altLang="ko-KR" sz="1400" dirty="0" smtClean="0">
+                <a:solidFill>
+                  <a:schemeClr val="bg1"/>
+                </a:solidFill>
+              </a:rPr>
+              <a:t> </a:t>
+            </a:r>
+            <a:r>
+              <a:rPr lang="ko-KR" altLang="en-US" sz="1400" dirty="0" smtClean="0">
+                <a:solidFill>
+                  <a:schemeClr val="bg1"/>
+                </a:solidFill>
+              </a:rPr>
+              <a:t>가로 및 세로 방향의 </a:t>
+            </a:r>
+            <a:r>
+              <a:rPr lang="en-US" altLang="ko-KR" sz="1400" dirty="0" smtClean="0">
+                <a:solidFill>
+                  <a:schemeClr val="bg1"/>
+                </a:solidFill>
+              </a:rPr>
+              <a:t>2</a:t>
+            </a:r>
+            <a:r>
+              <a:rPr lang="ko-KR" altLang="en-US" sz="1400" dirty="0" smtClean="0">
+                <a:solidFill>
+                  <a:schemeClr val="bg1"/>
+                </a:solidFill>
+              </a:rPr>
+              <a:t>차원으로 데이터를 저장하는 배열이 </a:t>
+            </a:r>
+            <a:r>
+              <a:rPr lang="en-US" altLang="ko-KR" sz="1400" dirty="0" smtClean="0">
+                <a:solidFill>
+                  <a:schemeClr val="bg1"/>
+                </a:solidFill>
+              </a:rPr>
+              <a:t>2</a:t>
+            </a:r>
+            <a:r>
+              <a:rPr lang="ko-KR" altLang="en-US" sz="1400" dirty="0" smtClean="0">
+                <a:solidFill>
+                  <a:schemeClr val="bg1"/>
+                </a:solidFill>
+              </a:rPr>
+              <a:t>차원 배열이다</a:t>
+            </a:r>
+            <a:r>
+              <a:rPr lang="en-US" altLang="ko-KR" sz="1400" dirty="0" smtClean="0">
+                <a:solidFill>
+                  <a:schemeClr val="bg1"/>
+                </a:solidFill>
+              </a:rPr>
+              <a:t>. </a:t>
+            </a:r>
+            <a:br>
+              <a:rPr lang="en-US" altLang="ko-KR" sz="1400" dirty="0" smtClean="0">
+                <a:solidFill>
+                  <a:schemeClr val="bg1"/>
+                </a:solidFill>
+              </a:rPr>
+            </a:br>
+            <a:r>
+              <a:rPr lang="ko-KR" altLang="en-US" sz="1400" dirty="0" smtClean="0">
+                <a:solidFill>
+                  <a:schemeClr val="bg1"/>
+                </a:solidFill>
+              </a:rPr>
+              <a:t>그 중 직사각형의 형태</a:t>
+            </a:r>
+            <a:r>
+              <a:rPr lang="en-US" altLang="ko-KR" sz="1400" dirty="0" smtClean="0">
+                <a:solidFill>
+                  <a:schemeClr val="bg1"/>
+                </a:solidFill>
+              </a:rPr>
+              <a:t>(</a:t>
+            </a:r>
+            <a:r>
+              <a:rPr lang="ko-KR" altLang="en-US" sz="1400" dirty="0" smtClean="0">
+                <a:solidFill>
+                  <a:schemeClr val="bg1"/>
+                </a:solidFill>
+              </a:rPr>
+              <a:t>모든 길이가 같은 배열</a:t>
+            </a:r>
+            <a:r>
+              <a:rPr lang="en-US" altLang="ko-KR" sz="1400" dirty="0" smtClean="0">
+                <a:solidFill>
+                  <a:schemeClr val="bg1"/>
+                </a:solidFill>
+              </a:rPr>
+              <a:t>)</a:t>
+            </a:r>
+            <a:r>
+              <a:rPr lang="ko-KR" altLang="en-US" sz="1400" dirty="0" smtClean="0">
+                <a:solidFill>
+                  <a:schemeClr val="bg1"/>
+                </a:solidFill>
+              </a:rPr>
+              <a:t>를 띤 배열을 </a:t>
+            </a:r>
+            <a:r>
+              <a:rPr lang="en-US" altLang="ko-KR" sz="1400" dirty="0" smtClean="0">
+                <a:solidFill>
+                  <a:schemeClr val="bg1"/>
+                </a:solidFill>
+              </a:rPr>
+              <a:t>[2</a:t>
+            </a:r>
+            <a:r>
+              <a:rPr lang="ko-KR" altLang="en-US" sz="1400" dirty="0" smtClean="0">
+                <a:solidFill>
+                  <a:schemeClr val="bg1"/>
+                </a:solidFill>
+              </a:rPr>
+              <a:t>차원 정방 행렬 배열</a:t>
+            </a:r>
+            <a:r>
+              <a:rPr lang="en-US" altLang="ko-KR" sz="1400" dirty="0" smtClean="0">
+                <a:solidFill>
+                  <a:schemeClr val="bg1"/>
+                </a:solidFill>
+              </a:rPr>
+              <a:t>]</a:t>
+            </a:r>
+            <a:r>
+              <a:rPr lang="ko-KR" altLang="en-US" sz="1400" dirty="0" smtClean="0">
+                <a:solidFill>
+                  <a:schemeClr val="bg1"/>
+                </a:solidFill>
+              </a:rPr>
+              <a:t>이라고 한다</a:t>
+            </a:r>
+            <a:r>
+              <a:rPr lang="en-US" altLang="ko-KR" sz="1400" dirty="0" smtClean="0">
+                <a:solidFill>
+                  <a:schemeClr val="bg1"/>
+                </a:solidFill>
+              </a:rPr>
+              <a:t>.</a:t>
+            </a:r>
+          </a:p>
+        </p:txBody>
+      </p:sp>
+      <p:graphicFrame>
+        <p:nvGraphicFramePr>
+          <p:cNvPr id="6" name="표 5"/>
+          <p:cNvGraphicFramePr>
+            <a:graphicFrameLocks noGrp="1"/>
+          </p:cNvGraphicFramePr>
+          <p:nvPr>
+            <p:extLst>
+              <p:ext uri="{D42A27DB-BD31-4B8C-83A1-F6EECF244321}">
+                <p14:modId xmlns:p14="http://schemas.microsoft.com/office/powerpoint/2010/main" val="1184962948"/>
+              </p:ext>
+            </p:extLst>
+          </p:nvPr>
+        </p:nvGraphicFramePr>
+        <p:xfrm>
+          <a:off x="2261062" y="3878500"/>
+          <a:ext cx="3125586" cy="1873905"/>
+        </p:xfrm>
+        <a:graphic>
+          <a:graphicData uri="http://schemas.openxmlformats.org/drawingml/2006/table">
+            <a:tbl>
+              <a:tblPr firstRow="1" bandRow="1">
+                <a:tableStyleId>{5C22544A-7EE6-4342-B048-85BDC9FD1C3A}</a:tableStyleId>
+              </a:tblPr>
+              <a:tblGrid>
+                <a:gridCol w="1041862">
+                  <a:extLst>
+                    <a:ext uri="{9D8B030D-6E8A-4147-A177-3AD203B41FA5}">
+                      <a16:colId xmlns:a16="http://schemas.microsoft.com/office/drawing/2014/main" val="1155044440"/>
+                    </a:ext>
+                  </a:extLst>
+                </a:gridCol>
+                <a:gridCol w="1041862">
+                  <a:extLst>
+                    <a:ext uri="{9D8B030D-6E8A-4147-A177-3AD203B41FA5}">
+                      <a16:colId xmlns:a16="http://schemas.microsoft.com/office/drawing/2014/main" val="2054384458"/>
+                    </a:ext>
+                  </a:extLst>
+                </a:gridCol>
+                <a:gridCol w="1041862">
+                  <a:extLst>
+                    <a:ext uri="{9D8B030D-6E8A-4147-A177-3AD203B41FA5}">
+                      <a16:colId xmlns:a16="http://schemas.microsoft.com/office/drawing/2014/main" val="2334293195"/>
+                    </a:ext>
+                  </a:extLst>
+                </a:gridCol>
+              </a:tblGrid>
+              <a:tr h="374781">
+                <a:tc gridSpan="3">
+                  <a:txBody>
+                    <a:bodyPr/>
+                    <a:lstStyle/>
+                    <a:p>
+                      <a:pPr algn="ctr" latinLnBrk="1"/>
+                      <a:r>
+                        <a:rPr lang="en-US" altLang="ko-KR" sz="1200" dirty="0" smtClean="0">
+                          <a:solidFill>
+                            <a:schemeClr val="bg1"/>
+                          </a:solidFill>
+                        </a:rPr>
+                        <a:t>2</a:t>
+                      </a:r>
+                      <a:r>
+                        <a:rPr lang="ko-KR" altLang="en-US" sz="1200" dirty="0" smtClean="0">
+                          <a:solidFill>
+                            <a:schemeClr val="bg1"/>
+                          </a:solidFill>
+                        </a:rPr>
+                        <a:t>차원 정방 행렬의 구조와 인덱스 번호</a:t>
+                      </a:r>
+                      <a:endParaRPr lang="ko-KR" altLang="en-US" sz="1200" dirty="0">
+                        <a:solidFill>
+                          <a:schemeClr val="bg1"/>
+                        </a:solidFill>
+                      </a:endParaRPr>
+                    </a:p>
+                  </a:txBody>
+                  <a:tcPr anchor="ctr"/>
+                </a:tc>
+                <a:tc hMerge="1">
+                  <a:txBody>
+                    <a:bodyPr/>
+                    <a:lstStyle/>
+                    <a:p>
+                      <a:pPr latinLnBrk="1"/>
+                      <a:endParaRPr lang="ko-KR" altLang="en-US" dirty="0"/>
+                    </a:p>
+                  </a:txBody>
+                  <a:tcPr/>
+                </a:tc>
+                <a:tc hMerge="1">
+                  <a:txBody>
+                    <a:bodyPr/>
+                    <a:lstStyle/>
+                    <a:p>
+                      <a:pPr latinLnBrk="1"/>
+                      <a:endParaRPr lang="ko-KR" altLang="en-US" dirty="0"/>
+                    </a:p>
+                  </a:txBody>
+                  <a:tcPr/>
+                </a:tc>
+                <a:extLst>
+                  <a:ext uri="{0D108BD9-81ED-4DB2-BD59-A6C34878D82A}">
+                    <a16:rowId xmlns:a16="http://schemas.microsoft.com/office/drawing/2014/main" val="1412526549"/>
+                  </a:ext>
+                </a:extLst>
+              </a:tr>
+              <a:tr h="374781">
+                <a:tc>
+                  <a:txBody>
+                    <a:bodyPr/>
+                    <a:lstStyle/>
+                    <a:p>
+                      <a:pPr latinLnBrk="1"/>
+                      <a:r>
+                        <a:rPr lang="en-US" altLang="ko-KR" sz="1200" dirty="0" smtClean="0">
+                          <a:solidFill>
+                            <a:schemeClr val="bg1"/>
+                          </a:solidFill>
+                        </a:rPr>
+                        <a:t>a[][]</a:t>
+                      </a:r>
+                      <a:endParaRPr lang="ko-KR" altLang="en-US" sz="1200" dirty="0">
+                        <a:solidFill>
+                          <a:schemeClr val="bg1"/>
+                        </a:solidFill>
+                      </a:endParaRPr>
+                    </a:p>
+                  </a:txBody>
+                  <a:tcPr anchor="ctr"/>
+                </a:tc>
+                <a:tc>
+                  <a:txBody>
+                    <a:bodyPr/>
+                    <a:lstStyle/>
+                    <a:p>
+                      <a:pPr latinLnBrk="1"/>
+                      <a:r>
+                        <a:rPr lang="en-US" altLang="ko-KR" sz="1200" dirty="0" smtClean="0">
+                          <a:solidFill>
+                            <a:schemeClr val="bg1"/>
+                          </a:solidFill>
+                        </a:rPr>
+                        <a:t>a[][]</a:t>
+                      </a:r>
+                      <a:endParaRPr lang="ko-KR" altLang="en-US" sz="1200" dirty="0">
+                        <a:solidFill>
+                          <a:schemeClr val="bg1"/>
+                        </a:solidFill>
+                      </a:endParaRPr>
+                    </a:p>
+                  </a:txBody>
+                  <a:tcPr anchor="ctr"/>
+                </a:tc>
+                <a:tc>
+                  <a:txBody>
+                    <a:bodyPr/>
+                    <a:lstStyle/>
+                    <a:p>
+                      <a:pPr latinLnBrk="1"/>
+                      <a:r>
+                        <a:rPr lang="en-US" altLang="ko-KR" sz="1200" dirty="0" smtClean="0">
+                          <a:solidFill>
+                            <a:schemeClr val="bg1"/>
+                          </a:solidFill>
+                        </a:rPr>
+                        <a:t>a[][]</a:t>
+                      </a:r>
+                      <a:endParaRPr lang="ko-KR" altLang="en-US" sz="1200" dirty="0">
+                        <a:solidFill>
+                          <a:schemeClr val="bg1"/>
+                        </a:solidFill>
+                      </a:endParaRPr>
+                    </a:p>
+                  </a:txBody>
+                  <a:tcPr anchor="ctr"/>
+                </a:tc>
+                <a:extLst>
+                  <a:ext uri="{0D108BD9-81ED-4DB2-BD59-A6C34878D82A}">
+                    <a16:rowId xmlns:a16="http://schemas.microsoft.com/office/drawing/2014/main" val="2900606389"/>
+                  </a:ext>
+                </a:extLst>
+              </a:tr>
+              <a:tr h="374781">
+                <a:tc>
+                  <a:txBody>
+                    <a:bodyPr/>
+                    <a:lstStyle/>
+                    <a:p>
+                      <a:pPr latinLnBrk="1"/>
+                      <a:r>
+                        <a:rPr lang="en-US" altLang="ko-KR" sz="1200" dirty="0" smtClean="0">
+                          <a:solidFill>
+                            <a:schemeClr val="bg1"/>
+                          </a:solidFill>
+                        </a:rPr>
+                        <a:t>a[][]</a:t>
+                      </a:r>
+                      <a:endParaRPr lang="ko-KR" altLang="en-US" sz="1200" dirty="0">
+                        <a:solidFill>
+                          <a:schemeClr val="bg1"/>
+                        </a:solidFill>
+                      </a:endParaRPr>
+                    </a:p>
+                  </a:txBody>
+                  <a:tcPr anchor="ctr"/>
+                </a:tc>
+                <a:tc>
+                  <a:txBody>
+                    <a:bodyPr/>
+                    <a:lstStyle/>
+                    <a:p>
+                      <a:pPr latinLnBrk="1"/>
+                      <a:endParaRPr lang="ko-KR" altLang="en-US" sz="1200">
+                        <a:solidFill>
+                          <a:schemeClr val="bg1"/>
+                        </a:solidFill>
+                      </a:endParaRPr>
+                    </a:p>
+                  </a:txBody>
+                  <a:tcPr anchor="ctr"/>
+                </a:tc>
+                <a:tc>
+                  <a:txBody>
+                    <a:bodyPr/>
+                    <a:lstStyle/>
+                    <a:p>
+                      <a:pPr latinLnBrk="1"/>
+                      <a:endParaRPr lang="ko-KR" altLang="en-US" sz="1200" dirty="0">
+                        <a:solidFill>
+                          <a:schemeClr val="bg1"/>
+                        </a:solidFill>
+                      </a:endParaRPr>
+                    </a:p>
+                  </a:txBody>
+                  <a:tcPr anchor="ctr"/>
+                </a:tc>
+                <a:extLst>
+                  <a:ext uri="{0D108BD9-81ED-4DB2-BD59-A6C34878D82A}">
+                    <a16:rowId xmlns:a16="http://schemas.microsoft.com/office/drawing/2014/main" val="3278244096"/>
+                  </a:ext>
+                </a:extLst>
+              </a:tr>
+              <a:tr h="374781">
+                <a:tc>
+                  <a:txBody>
+                    <a:bodyPr/>
+                    <a:lstStyle/>
+                    <a:p>
+                      <a:pPr latinLnBrk="1"/>
+                      <a:r>
+                        <a:rPr lang="en-US" altLang="ko-KR" sz="1200" dirty="0" smtClean="0">
+                          <a:solidFill>
+                            <a:schemeClr val="bg1"/>
+                          </a:solidFill>
+                        </a:rPr>
+                        <a:t>a[][]</a:t>
+                      </a:r>
+                      <a:endParaRPr lang="ko-KR" altLang="en-US" sz="1200" dirty="0">
+                        <a:solidFill>
+                          <a:schemeClr val="bg1"/>
+                        </a:solidFill>
+                      </a:endParaRPr>
+                    </a:p>
+                  </a:txBody>
+                  <a:tcPr anchor="ctr"/>
+                </a:tc>
+                <a:tc>
+                  <a:txBody>
+                    <a:bodyPr/>
+                    <a:lstStyle/>
+                    <a:p>
+                      <a:pPr latinLnBrk="1"/>
+                      <a:endParaRPr lang="ko-KR" altLang="en-US" sz="1200">
+                        <a:solidFill>
+                          <a:schemeClr val="bg1"/>
+                        </a:solidFill>
+                      </a:endParaRPr>
+                    </a:p>
+                  </a:txBody>
+                  <a:tcPr anchor="ctr"/>
+                </a:tc>
+                <a:tc>
+                  <a:txBody>
+                    <a:bodyPr/>
+                    <a:lstStyle/>
+                    <a:p>
+                      <a:pPr latinLnBrk="1"/>
+                      <a:endParaRPr lang="ko-KR" altLang="en-US" sz="1200">
+                        <a:solidFill>
+                          <a:schemeClr val="bg1"/>
+                        </a:solidFill>
+                      </a:endParaRPr>
+                    </a:p>
+                  </a:txBody>
+                  <a:tcPr anchor="ctr"/>
+                </a:tc>
+                <a:extLst>
+                  <a:ext uri="{0D108BD9-81ED-4DB2-BD59-A6C34878D82A}">
+                    <a16:rowId xmlns:a16="http://schemas.microsoft.com/office/drawing/2014/main" val="1760945122"/>
+                  </a:ext>
+                </a:extLst>
+              </a:tr>
+              <a:tr h="374781">
+                <a:tc>
+                  <a:txBody>
+                    <a:bodyPr/>
+                    <a:lstStyle/>
+                    <a:p>
+                      <a:pPr latinLnBrk="1"/>
+                      <a:r>
+                        <a:rPr lang="en-US" altLang="ko-KR" sz="1200" dirty="0" smtClean="0">
+                          <a:solidFill>
+                            <a:schemeClr val="bg1"/>
+                          </a:solidFill>
+                        </a:rPr>
+                        <a:t>a[][]</a:t>
+                      </a:r>
+                      <a:endParaRPr lang="ko-KR" altLang="en-US" sz="1200" dirty="0">
+                        <a:solidFill>
+                          <a:schemeClr val="bg1"/>
+                        </a:solidFill>
+                      </a:endParaRPr>
+                    </a:p>
+                  </a:txBody>
+                  <a:tcPr anchor="ctr"/>
+                </a:tc>
+                <a:tc>
+                  <a:txBody>
+                    <a:bodyPr/>
+                    <a:lstStyle/>
+                    <a:p>
+                      <a:pPr latinLnBrk="1"/>
+                      <a:endParaRPr lang="ko-KR" altLang="en-US" sz="1200">
+                        <a:solidFill>
+                          <a:schemeClr val="bg1"/>
+                        </a:solidFill>
+                      </a:endParaRPr>
+                    </a:p>
+                  </a:txBody>
+                  <a:tcPr anchor="ctr"/>
+                </a:tc>
+                <a:tc>
+                  <a:txBody>
+                    <a:bodyPr/>
+                    <a:lstStyle/>
+                    <a:p>
+                      <a:pPr latinLnBrk="1"/>
+                      <a:endParaRPr lang="ko-KR" altLang="en-US" sz="1200" dirty="0">
+                        <a:solidFill>
+                          <a:schemeClr val="bg1"/>
+                        </a:solidFill>
+                      </a:endParaRPr>
+                    </a:p>
+                  </a:txBody>
+                  <a:tcPr anchor="ctr"/>
+                </a:tc>
+                <a:extLst>
+                  <a:ext uri="{0D108BD9-81ED-4DB2-BD59-A6C34878D82A}">
+                    <a16:rowId xmlns:a16="http://schemas.microsoft.com/office/drawing/2014/main" val="375009643"/>
+                  </a:ext>
+                </a:extLst>
+              </a:tr>
+            </a:tbl>
+          </a:graphicData>
+        </a:graphic>
+      </p:graphicFrame>
+      <p:sp>
+        <p:nvSpPr>
+          <p:cNvPr id="4" name="TextBox 3"/>
+          <p:cNvSpPr txBox="1"/>
+          <p:nvPr/>
+        </p:nvSpPr>
+        <p:spPr>
+          <a:xfrm>
+            <a:off x="347816" y="4630787"/>
+            <a:ext cx="1221809" cy="369332"/>
+          </a:xfrm>
+          <a:prstGeom prst="rect">
+            <a:avLst/>
+          </a:prstGeom>
+          <a:noFill/>
+        </p:spPr>
+        <p:txBody>
+          <a:bodyPr wrap="none" rtlCol="0">
+            <a:spAutoFit/>
+          </a:bodyPr>
+          <a:lstStyle/>
+          <a:p>
+            <a:r>
+              <a:rPr lang="en-US" altLang="ko-KR" dirty="0" smtClean="0">
+                <a:solidFill>
+                  <a:schemeClr val="bg1"/>
+                </a:solidFill>
+              </a:rPr>
+              <a:t>int[ ][ ] a;</a:t>
+            </a:r>
+            <a:endParaRPr lang="ko-KR" altLang="en-US" dirty="0">
+              <a:solidFill>
+                <a:schemeClr val="bg1"/>
+              </a:solidFill>
+            </a:endParaRPr>
+          </a:p>
+        </p:txBody>
+      </p:sp>
+      <p:cxnSp>
+        <p:nvCxnSpPr>
+          <p:cNvPr id="9" name="직선 화살표 연결선 8"/>
+          <p:cNvCxnSpPr>
+            <a:stCxn id="4" idx="3"/>
+          </p:cNvCxnSpPr>
+          <p:nvPr/>
+        </p:nvCxnSpPr>
+        <p:spPr>
+          <a:xfrm flipV="1">
+            <a:off x="1569625" y="4815452"/>
+            <a:ext cx="575059" cy="1"/>
+          </a:xfrm>
+          <a:prstGeom prst="straightConnector1">
+            <a:avLst/>
+          </a:prstGeom>
+          <a:ln w="76200">
+            <a:solidFill>
+              <a:schemeClr val="accent6">
+                <a:lumMod val="50000"/>
+              </a:schemeClr>
+            </a:solidFill>
+            <a:tailEnd type="triangle"/>
+          </a:ln>
+        </p:spPr>
+        <p:style>
+          <a:lnRef idx="1">
+            <a:schemeClr val="accent1"/>
+          </a:lnRef>
+          <a:fillRef idx="0">
+            <a:schemeClr val="accent1"/>
+          </a:fillRef>
+          <a:effectRef idx="0">
+            <a:schemeClr val="accent1"/>
+          </a:effectRef>
+          <a:fontRef idx="minor">
+            <a:schemeClr val="tx1"/>
+          </a:fontRef>
+        </p:style>
+      </p:cxnSp>
+      <p:cxnSp>
+        <p:nvCxnSpPr>
+          <p:cNvPr id="14" name="직선 화살표 연결선 13"/>
+          <p:cNvCxnSpPr/>
+          <p:nvPr/>
+        </p:nvCxnSpPr>
+        <p:spPr>
+          <a:xfrm>
+            <a:off x="2177935" y="3878500"/>
+            <a:ext cx="0" cy="1873905"/>
+          </a:xfrm>
+          <a:prstGeom prst="straightConnector1">
+            <a:avLst/>
+          </a:prstGeom>
+          <a:ln>
+            <a:tailEnd type="triangle"/>
+          </a:ln>
+        </p:spPr>
+        <p:style>
+          <a:lnRef idx="1">
+            <a:schemeClr val="accent1"/>
+          </a:lnRef>
+          <a:fillRef idx="0">
+            <a:schemeClr val="accent1"/>
+          </a:fillRef>
+          <a:effectRef idx="0">
+            <a:schemeClr val="accent1"/>
+          </a:effectRef>
+          <a:fontRef idx="minor">
+            <a:schemeClr val="tx1"/>
+          </a:fontRef>
+        </p:style>
+      </p:cxnSp>
+    </p:spTree>
+    <p:extLst>
+      <p:ext uri="{BB962C8B-B14F-4D97-AF65-F5344CB8AC3E}">
+        <p14:creationId xmlns:p14="http://schemas.microsoft.com/office/powerpoint/2010/main" val="2408167597"/>
+      </p:ext>
+    </p:extLst>
+  </p:cSld>
+  <p:clrMapOvr>
+    <a:masterClrMapping/>
+  </p:clrMapOvr>
+  <p:timing>
+    <p:tnLst>
+      <p:par>
+        <p:cTn id="1" dur="indefinite" restart="never" nodeType="tmRoot"/>
+      </p:par>
+    </p:tnLst>
+  </p:timing>
 </p:sld>
 </file>
 
@@ -31215,7 +32580,7 @@
                         </a:lnSpc>
                       </a:pPr>
                       <a:r>
-                        <a:rPr lang="en-US" altLang="ko-KR" sz="1600" b="1" dirty="0" err="1" smtClean="0"/>
+                        <a:rPr lang="en-US" altLang="ko-KR" sz="1600" b="1" dirty="0" smtClean="0"/>
                         <a:t>boolean</a:t>
                       </a:r>
                       <a:endParaRPr lang="ko-KR" altLang="en-US" sz="1600" b="1" dirty="0"/>

--- a/study001/교육자료/Java.pptx
+++ b/study001/교육자료/Java.pptx
@@ -5,7 +5,7 @@
     <p:sldMasterId id="2147483934" r:id="rId1"/>
   </p:sldMasterIdLst>
   <p:notesMasterIdLst>
-    <p:notesMasterId r:id="rId26"/>
+    <p:notesMasterId r:id="rId29"/>
   </p:notesMasterIdLst>
   <p:sldIdLst>
     <p:sldId id="256" r:id="rId2"/>
@@ -32,6 +32,9 @@
     <p:sldId id="282" r:id="rId23"/>
     <p:sldId id="283" r:id="rId24"/>
     <p:sldId id="284" r:id="rId25"/>
+    <p:sldId id="285" r:id="rId26"/>
+    <p:sldId id="287" r:id="rId27"/>
+    <p:sldId id="288" r:id="rId28"/>
   </p:sldIdLst>
   <p:sldSz cx="12192000" cy="6858000"/>
   <p:notesSz cx="6858000" cy="9144000"/>
@@ -183,6 +186,9 @@
             <p14:sldId id="282"/>
             <p14:sldId id="283"/>
             <p14:sldId id="284"/>
+            <p14:sldId id="285"/>
+            <p14:sldId id="287"/>
+            <p14:sldId id="288"/>
           </p14:sldIdLst>
         </p14:section>
       </p14:sectionLst>
@@ -3360,7 +3366,7 @@
           <a:p>
             <a:fld id="{5891CBA4-1650-4CCB-950D-5089E49CDEA0}" type="datetimeFigureOut">
               <a:rPr lang="ko-KR" altLang="en-US" smtClean="0"/>
-              <a:t>2024-04-18</a:t>
+              <a:t>2024-04-22</a:t>
             </a:fld>
             <a:endParaRPr lang="ko-KR" altLang="en-US"/>
           </a:p>
@@ -3902,7 +3908,7 @@
           <a:p>
             <a:fld id="{AF27530F-C173-4D31-9E53-9F9EE5695ED1}" type="datetimeFigureOut">
               <a:rPr lang="ko-KR" altLang="en-US" smtClean="0"/>
-              <a:t>2024-04-18</a:t>
+              <a:t>2024-04-22</a:t>
             </a:fld>
             <a:endParaRPr lang="ko-KR" altLang="en-US"/>
           </a:p>
@@ -4323,7 +4329,7 @@
           <a:p>
             <a:fld id="{AF27530F-C173-4D31-9E53-9F9EE5695ED1}" type="datetimeFigureOut">
               <a:rPr lang="ko-KR" altLang="en-US" smtClean="0"/>
-              <a:t>2024-04-18</a:t>
+              <a:t>2024-04-22</a:t>
             </a:fld>
             <a:endParaRPr lang="ko-KR" altLang="en-US"/>
           </a:p>
@@ -4659,7 +4665,7 @@
           <a:p>
             <a:fld id="{AF27530F-C173-4D31-9E53-9F9EE5695ED1}" type="datetimeFigureOut">
               <a:rPr lang="ko-KR" altLang="en-US" smtClean="0"/>
-              <a:t>2024-04-18</a:t>
+              <a:t>2024-04-22</a:t>
             </a:fld>
             <a:endParaRPr lang="ko-KR" altLang="en-US"/>
           </a:p>
@@ -5064,7 +5070,7 @@
           <a:p>
             <a:fld id="{AF27530F-C173-4D31-9E53-9F9EE5695ED1}" type="datetimeFigureOut">
               <a:rPr lang="ko-KR" altLang="en-US" smtClean="0"/>
-              <a:t>2024-04-18</a:t>
+              <a:t>2024-04-22</a:t>
             </a:fld>
             <a:endParaRPr lang="ko-KR" altLang="en-US"/>
           </a:p>
@@ -5632,7 +5638,7 @@
           <a:p>
             <a:fld id="{AF27530F-C173-4D31-9E53-9F9EE5695ED1}" type="datetimeFigureOut">
               <a:rPr lang="ko-KR" altLang="en-US" smtClean="0"/>
-              <a:t>2024-04-18</a:t>
+              <a:t>2024-04-22</a:t>
             </a:fld>
             <a:endParaRPr lang="ko-KR" altLang="en-US"/>
           </a:p>
@@ -6313,7 +6319,7 @@
           <a:p>
             <a:fld id="{AF27530F-C173-4D31-9E53-9F9EE5695ED1}" type="datetimeFigureOut">
               <a:rPr lang="ko-KR" altLang="en-US" smtClean="0"/>
-              <a:t>2024-04-18</a:t>
+              <a:t>2024-04-22</a:t>
             </a:fld>
             <a:endParaRPr lang="ko-KR" altLang="en-US"/>
           </a:p>
@@ -7305,7 +7311,7 @@
           <a:p>
             <a:fld id="{AF27530F-C173-4D31-9E53-9F9EE5695ED1}" type="datetimeFigureOut">
               <a:rPr lang="ko-KR" altLang="en-US" smtClean="0"/>
-              <a:t>2024-04-18</a:t>
+              <a:t>2024-04-22</a:t>
             </a:fld>
             <a:endParaRPr lang="ko-KR" altLang="en-US"/>
           </a:p>
@@ -7618,7 +7624,7 @@
           <a:p>
             <a:fld id="{AF27530F-C173-4D31-9E53-9F9EE5695ED1}" type="datetimeFigureOut">
               <a:rPr lang="ko-KR" altLang="en-US" smtClean="0"/>
-              <a:t>2024-04-18</a:t>
+              <a:t>2024-04-22</a:t>
             </a:fld>
             <a:endParaRPr lang="ko-KR" altLang="en-US"/>
           </a:p>
@@ -7882,7 +7888,7 @@
           <a:p>
             <a:fld id="{AF27530F-C173-4D31-9E53-9F9EE5695ED1}" type="datetimeFigureOut">
               <a:rPr lang="ko-KR" altLang="en-US" smtClean="0"/>
-              <a:t>2024-04-18</a:t>
+              <a:t>2024-04-22</a:t>
             </a:fld>
             <a:endParaRPr lang="ko-KR" altLang="en-US"/>
           </a:p>
@@ -8205,7 +8211,7 @@
           <a:p>
             <a:fld id="{AF27530F-C173-4D31-9E53-9F9EE5695ED1}" type="datetimeFigureOut">
               <a:rPr lang="ko-KR" altLang="en-US" smtClean="0"/>
-              <a:t>2024-04-18</a:t>
+              <a:t>2024-04-22</a:t>
             </a:fld>
             <a:endParaRPr lang="ko-KR" altLang="en-US"/>
           </a:p>
@@ -8673,7 +8679,7 @@
           <a:p>
             <a:fld id="{AF27530F-C173-4D31-9E53-9F9EE5695ED1}" type="datetimeFigureOut">
               <a:rPr lang="ko-KR" altLang="en-US" smtClean="0"/>
-              <a:t>2024-04-18</a:t>
+              <a:t>2024-04-22</a:t>
             </a:fld>
             <a:endParaRPr lang="ko-KR" altLang="en-US"/>
           </a:p>
@@ -9060,7 +9066,7 @@
           <a:p>
             <a:fld id="{AF27530F-C173-4D31-9E53-9F9EE5695ED1}" type="datetimeFigureOut">
               <a:rPr lang="ko-KR" altLang="en-US" smtClean="0"/>
-              <a:t>2024-04-18</a:t>
+              <a:t>2024-04-22</a:t>
             </a:fld>
             <a:endParaRPr lang="ko-KR" altLang="en-US"/>
           </a:p>
@@ -9645,7 +9651,7 @@
           <a:p>
             <a:fld id="{AF27530F-C173-4D31-9E53-9F9EE5695ED1}" type="datetimeFigureOut">
               <a:rPr lang="ko-KR" altLang="en-US" smtClean="0"/>
-              <a:t>2024-04-18</a:t>
+              <a:t>2024-04-22</a:t>
             </a:fld>
             <a:endParaRPr lang="ko-KR" altLang="en-US"/>
           </a:p>
@@ -9909,7 +9915,7 @@
           <a:p>
             <a:fld id="{AF27530F-C173-4D31-9E53-9F9EE5695ED1}" type="datetimeFigureOut">
               <a:rPr lang="ko-KR" altLang="en-US" smtClean="0"/>
-              <a:t>2024-04-18</a:t>
+              <a:t>2024-04-22</a:t>
             </a:fld>
             <a:endParaRPr lang="ko-KR" altLang="en-US"/>
           </a:p>
@@ -10079,7 +10085,7 @@
           <a:p>
             <a:fld id="{AF27530F-C173-4D31-9E53-9F9EE5695ED1}" type="datetimeFigureOut">
               <a:rPr lang="ko-KR" altLang="en-US" smtClean="0"/>
-              <a:t>2024-04-18</a:t>
+              <a:t>2024-04-22</a:t>
             </a:fld>
             <a:endParaRPr lang="ko-KR" altLang="en-US"/>
           </a:p>
@@ -10548,7 +10554,7 @@
           <a:p>
             <a:fld id="{AF27530F-C173-4D31-9E53-9F9EE5695ED1}" type="datetimeFigureOut">
               <a:rPr lang="ko-KR" altLang="en-US" smtClean="0"/>
-              <a:t>2024-04-18</a:t>
+              <a:t>2024-04-22</a:t>
             </a:fld>
             <a:endParaRPr lang="ko-KR" altLang="en-US"/>
           </a:p>
@@ -10964,7 +10970,7 @@
           <a:p>
             <a:fld id="{AF27530F-C173-4D31-9E53-9F9EE5695ED1}" type="datetimeFigureOut">
               <a:rPr lang="ko-KR" altLang="en-US" smtClean="0"/>
-              <a:t>2024-04-18</a:t>
+              <a:t>2024-04-22</a:t>
             </a:fld>
             <a:endParaRPr lang="ko-KR" altLang="en-US"/>
           </a:p>
@@ -11215,7 +11221,7 @@
           <a:p>
             <a:fld id="{AF27530F-C173-4D31-9E53-9F9EE5695ED1}" type="datetimeFigureOut">
               <a:rPr lang="ko-KR" altLang="en-US" smtClean="0"/>
-              <a:t>2024-04-18</a:t>
+              <a:t>2024-04-22</a:t>
             </a:fld>
             <a:endParaRPr lang="ko-KR" altLang="en-US"/>
           </a:p>
@@ -24718,23 +24724,7 @@
                   <a:schemeClr val="bg1"/>
                 </a:solidFill>
               </a:rPr>
-              <a:t>어떤 </a:t>
-            </a:r>
-            <a:r>
-              <a:rPr lang="ko-KR" altLang="en-US" sz="1000" dirty="0" smtClean="0">
-                <a:solidFill>
-                  <a:schemeClr val="bg1"/>
-                </a:solidFill>
-              </a:rPr>
-              <a:t>타입인지 </a:t>
-            </a:r>
-            <a:r>
-              <a:rPr lang="ko-KR" altLang="en-US" sz="1000" dirty="0" smtClean="0">
-                <a:solidFill>
-                  <a:schemeClr val="bg1"/>
-                </a:solidFill>
-              </a:rPr>
-              <a:t>알 수 있도록 하는 것이다</a:t>
+              <a:t>어떤 타입인지 알 수 있도록 하는 것이다</a:t>
             </a:r>
             <a:r>
               <a:rPr lang="en-US" altLang="ko-KR" sz="1000" dirty="0" smtClean="0">
@@ -24890,15 +24880,7 @@
                   <a:schemeClr val="bg1"/>
                 </a:solidFill>
               </a:rPr>
-              <a:t>개를 </a:t>
-            </a:r>
-            <a:r>
-              <a:rPr lang="ko-KR" altLang="en-US" sz="1000" dirty="0" smtClean="0">
-                <a:solidFill>
-                  <a:schemeClr val="bg1"/>
-                </a:solidFill>
-              </a:rPr>
-              <a:t>포함할 수 있는 객체 생성</a:t>
+              <a:t>개를 포함할 수 있는 객체 생성</a:t>
             </a:r>
             <a:endParaRPr lang="en-US" altLang="ko-KR" sz="1000" dirty="0" smtClean="0">
               <a:solidFill>
@@ -27289,21 +27271,8 @@
                             <a:schemeClr val="bg1"/>
                           </a:solidFill>
                         </a:rPr>
-                        <a:t>[ ] a = new </a:t>
-                      </a:r>
-                      <a:r>
-                        <a:rPr lang="en-US" altLang="ko-KR" sz="1000" b="1" baseline="0" dirty="0" smtClean="0">
-                          <a:solidFill>
-                            <a:schemeClr val="bg1"/>
-                          </a:solidFill>
-                        </a:rPr>
-                        <a:t>int[ ]{1, 2, 3};</a:t>
-                      </a:r>
-                      <a:endParaRPr lang="en-US" altLang="ko-KR" sz="1000" b="1" baseline="0" dirty="0" smtClean="0">
-                        <a:solidFill>
-                          <a:schemeClr val="bg1"/>
-                        </a:solidFill>
-                      </a:endParaRPr>
+                        <a:t>[ ] a = new int[ ]{1, 2, 3};</a:t>
+                      </a:r>
                     </a:p>
                   </a:txBody>
                   <a:tcPr anchor="ctr">
@@ -28348,13 +28317,13 @@
           <p:nvPr>
             <p:extLst>
               <p:ext uri="{D42A27DB-BD31-4B8C-83A1-F6EECF244321}">
-                <p14:modId xmlns:p14="http://schemas.microsoft.com/office/powerpoint/2010/main" val="1184962948"/>
+                <p14:modId xmlns:p14="http://schemas.microsoft.com/office/powerpoint/2010/main" val="1630463288"/>
               </p:ext>
             </p:extLst>
           </p:nvPr>
         </p:nvGraphicFramePr>
         <p:xfrm>
-          <a:off x="2261062" y="3878500"/>
+          <a:off x="2261062" y="4069693"/>
           <a:ext cx="3125586" cy="1873905"/>
         </p:xfrm>
         <a:graphic>
@@ -28459,7 +28428,7 @@
                             <a:schemeClr val="bg1"/>
                           </a:solidFill>
                         </a:rPr>
-                        <a:t>a[][]</a:t>
+                        <a:t>a[0][0]</a:t>
                       </a:r>
                       <a:endParaRPr lang="ko-KR" altLang="en-US" sz="1200" dirty="0">
                         <a:solidFill>
@@ -28482,7 +28451,7 @@
                             <a:schemeClr val="bg1"/>
                           </a:solidFill>
                         </a:rPr>
-                        <a:t>a[][]</a:t>
+                        <a:t>a[0][1]</a:t>
                       </a:r>
                       <a:endParaRPr lang="ko-KR" altLang="en-US" sz="1200" dirty="0">
                         <a:solidFill>
@@ -28505,7 +28474,7 @@
                             <a:schemeClr val="bg1"/>
                           </a:solidFill>
                         </a:rPr>
-                        <a:t>a[][]</a:t>
+                        <a:t>a[0][2]</a:t>
                       </a:r>
                       <a:endParaRPr lang="ko-KR" altLang="en-US" sz="1200" dirty="0">
                         <a:solidFill>
@@ -28535,7 +28504,7 @@
                             <a:schemeClr val="bg1"/>
                           </a:solidFill>
                         </a:rPr>
-                        <a:t>a[][]</a:t>
+                        <a:t>a[1][0]</a:t>
                       </a:r>
                       <a:endParaRPr lang="ko-KR" altLang="en-US" sz="1200" dirty="0">
                         <a:solidFill>
@@ -28551,8 +28520,32 @@
                     <a:bodyPr/>
                     <a:lstStyle/>
                     <a:p>
-                      <a:pPr latinLnBrk="1"/>
-                      <a:endParaRPr lang="ko-KR" altLang="en-US" sz="1200">
+                      <a:pPr marL="0" marR="0" indent="0" algn="l" defTabSz="914422" rtl="0" eaLnBrk="1" fontAlgn="auto" latinLnBrk="1" hangingPunct="1">
+                        <a:lnSpc>
+                          <a:spcPct val="100000"/>
+                        </a:lnSpc>
+                        <a:spcBef>
+                          <a:spcPts val="0"/>
+                        </a:spcBef>
+                        <a:spcAft>
+                          <a:spcPts val="0"/>
+                        </a:spcAft>
+                        <a:buClrTx/>
+                        <a:buSzTx/>
+                        <a:buFontTx/>
+                        <a:buNone/>
+                        <a:tabLst/>
+                        <a:defRPr/>
+                      </a:pPr>
+                      <a:r>
+                        <a:rPr lang="en-US" altLang="ko-KR" sz="1200" dirty="0" smtClean="0">
+                          <a:solidFill>
+                            <a:schemeClr val="bg1"/>
+                          </a:solidFill>
+                        </a:rPr>
+                        <a:t>a[1][1]</a:t>
+                      </a:r>
+                      <a:endParaRPr lang="ko-KR" altLang="en-US" sz="1200" dirty="0" smtClean="0">
                         <a:solidFill>
                           <a:schemeClr val="bg1"/>
                         </a:solidFill>
@@ -28566,8 +28559,32 @@
                     <a:bodyPr/>
                     <a:lstStyle/>
                     <a:p>
-                      <a:pPr latinLnBrk="1"/>
-                      <a:endParaRPr lang="ko-KR" altLang="en-US" sz="1200" dirty="0">
+                      <a:pPr marL="0" marR="0" indent="0" algn="l" defTabSz="914422" rtl="0" eaLnBrk="1" fontAlgn="auto" latinLnBrk="1" hangingPunct="1">
+                        <a:lnSpc>
+                          <a:spcPct val="100000"/>
+                        </a:lnSpc>
+                        <a:spcBef>
+                          <a:spcPts val="0"/>
+                        </a:spcBef>
+                        <a:spcAft>
+                          <a:spcPts val="0"/>
+                        </a:spcAft>
+                        <a:buClrTx/>
+                        <a:buSzTx/>
+                        <a:buFontTx/>
+                        <a:buNone/>
+                        <a:tabLst/>
+                        <a:defRPr/>
+                      </a:pPr>
+                      <a:r>
+                        <a:rPr lang="en-US" altLang="ko-KR" sz="1200" dirty="0" smtClean="0">
+                          <a:solidFill>
+                            <a:schemeClr val="bg1"/>
+                          </a:solidFill>
+                        </a:rPr>
+                        <a:t>a[1][2]</a:t>
+                      </a:r>
+                      <a:endParaRPr lang="ko-KR" altLang="en-US" sz="1200" dirty="0" smtClean="0">
                         <a:solidFill>
                           <a:schemeClr val="bg1"/>
                         </a:solidFill>
@@ -28595,7 +28612,7 @@
                             <a:schemeClr val="bg1"/>
                           </a:solidFill>
                         </a:rPr>
-                        <a:t>a[][]</a:t>
+                        <a:t>a[2][0]</a:t>
                       </a:r>
                       <a:endParaRPr lang="ko-KR" altLang="en-US" sz="1200" dirty="0">
                         <a:solidFill>
@@ -28611,8 +28628,32 @@
                     <a:bodyPr/>
                     <a:lstStyle/>
                     <a:p>
-                      <a:pPr latinLnBrk="1"/>
-                      <a:endParaRPr lang="ko-KR" altLang="en-US" sz="1200">
+                      <a:pPr marL="0" marR="0" indent="0" algn="l" defTabSz="914422" rtl="0" eaLnBrk="1" fontAlgn="auto" latinLnBrk="1" hangingPunct="1">
+                        <a:lnSpc>
+                          <a:spcPct val="100000"/>
+                        </a:lnSpc>
+                        <a:spcBef>
+                          <a:spcPts val="0"/>
+                        </a:spcBef>
+                        <a:spcAft>
+                          <a:spcPts val="0"/>
+                        </a:spcAft>
+                        <a:buClrTx/>
+                        <a:buSzTx/>
+                        <a:buFontTx/>
+                        <a:buNone/>
+                        <a:tabLst/>
+                        <a:defRPr/>
+                      </a:pPr>
+                      <a:r>
+                        <a:rPr lang="en-US" altLang="ko-KR" sz="1200" dirty="0" smtClean="0">
+                          <a:solidFill>
+                            <a:schemeClr val="bg1"/>
+                          </a:solidFill>
+                        </a:rPr>
+                        <a:t>a[2][1]</a:t>
+                      </a:r>
+                      <a:endParaRPr lang="ko-KR" altLang="en-US" sz="1200" dirty="0" smtClean="0">
                         <a:solidFill>
                           <a:schemeClr val="bg1"/>
                         </a:solidFill>
@@ -28626,8 +28667,32 @@
                     <a:bodyPr/>
                     <a:lstStyle/>
                     <a:p>
-                      <a:pPr latinLnBrk="1"/>
-                      <a:endParaRPr lang="ko-KR" altLang="en-US" sz="1200">
+                      <a:pPr marL="0" marR="0" indent="0" algn="l" defTabSz="914422" rtl="0" eaLnBrk="1" fontAlgn="auto" latinLnBrk="1" hangingPunct="1">
+                        <a:lnSpc>
+                          <a:spcPct val="100000"/>
+                        </a:lnSpc>
+                        <a:spcBef>
+                          <a:spcPts val="0"/>
+                        </a:spcBef>
+                        <a:spcAft>
+                          <a:spcPts val="0"/>
+                        </a:spcAft>
+                        <a:buClrTx/>
+                        <a:buSzTx/>
+                        <a:buFontTx/>
+                        <a:buNone/>
+                        <a:tabLst/>
+                        <a:defRPr/>
+                      </a:pPr>
+                      <a:r>
+                        <a:rPr lang="en-US" altLang="ko-KR" sz="1200" dirty="0" smtClean="0">
+                          <a:solidFill>
+                            <a:schemeClr val="bg1"/>
+                          </a:solidFill>
+                        </a:rPr>
+                        <a:t>a[2][2]</a:t>
+                      </a:r>
+                      <a:endParaRPr lang="ko-KR" altLang="en-US" sz="1200" dirty="0" smtClean="0">
                         <a:solidFill>
                           <a:schemeClr val="bg1"/>
                         </a:solidFill>
@@ -28655,7 +28720,7 @@
                             <a:schemeClr val="bg1"/>
                           </a:solidFill>
                         </a:rPr>
-                        <a:t>a[][]</a:t>
+                        <a:t>a[3][0]</a:t>
                       </a:r>
                       <a:endParaRPr lang="ko-KR" altLang="en-US" sz="1200" dirty="0">
                         <a:solidFill>
@@ -28671,8 +28736,32 @@
                     <a:bodyPr/>
                     <a:lstStyle/>
                     <a:p>
-                      <a:pPr latinLnBrk="1"/>
-                      <a:endParaRPr lang="ko-KR" altLang="en-US" sz="1200">
+                      <a:pPr marL="0" marR="0" indent="0" algn="l" defTabSz="914422" rtl="0" eaLnBrk="1" fontAlgn="auto" latinLnBrk="1" hangingPunct="1">
+                        <a:lnSpc>
+                          <a:spcPct val="100000"/>
+                        </a:lnSpc>
+                        <a:spcBef>
+                          <a:spcPts val="0"/>
+                        </a:spcBef>
+                        <a:spcAft>
+                          <a:spcPts val="0"/>
+                        </a:spcAft>
+                        <a:buClrTx/>
+                        <a:buSzTx/>
+                        <a:buFontTx/>
+                        <a:buNone/>
+                        <a:tabLst/>
+                        <a:defRPr/>
+                      </a:pPr>
+                      <a:r>
+                        <a:rPr lang="en-US" altLang="ko-KR" sz="1200" dirty="0" smtClean="0">
+                          <a:solidFill>
+                            <a:schemeClr val="bg1"/>
+                          </a:solidFill>
+                        </a:rPr>
+                        <a:t>a[3][1]</a:t>
+                      </a:r>
+                      <a:endParaRPr lang="ko-KR" altLang="en-US" sz="1200" dirty="0" smtClean="0">
                         <a:solidFill>
                           <a:schemeClr val="bg1"/>
                         </a:solidFill>
@@ -28686,8 +28775,32 @@
                     <a:bodyPr/>
                     <a:lstStyle/>
                     <a:p>
-                      <a:pPr latinLnBrk="1"/>
-                      <a:endParaRPr lang="ko-KR" altLang="en-US" sz="1200" dirty="0">
+                      <a:pPr marL="0" marR="0" indent="0" algn="l" defTabSz="914422" rtl="0" eaLnBrk="1" fontAlgn="auto" latinLnBrk="1" hangingPunct="1">
+                        <a:lnSpc>
+                          <a:spcPct val="100000"/>
+                        </a:lnSpc>
+                        <a:spcBef>
+                          <a:spcPts val="0"/>
+                        </a:spcBef>
+                        <a:spcAft>
+                          <a:spcPts val="0"/>
+                        </a:spcAft>
+                        <a:buClrTx/>
+                        <a:buSzTx/>
+                        <a:buFontTx/>
+                        <a:buNone/>
+                        <a:tabLst/>
+                        <a:defRPr/>
+                      </a:pPr>
+                      <a:r>
+                        <a:rPr lang="en-US" altLang="ko-KR" sz="1200" dirty="0" smtClean="0">
+                          <a:solidFill>
+                            <a:schemeClr val="bg1"/>
+                          </a:solidFill>
+                        </a:rPr>
+                        <a:t>a[3][2]</a:t>
+                      </a:r>
+                      <a:endParaRPr lang="ko-KR" altLang="en-US" sz="1200" dirty="0" smtClean="0">
                         <a:solidFill>
                           <a:schemeClr val="bg1"/>
                         </a:solidFill>
@@ -28714,7 +28827,7 @@
         </p:nvSpPr>
         <p:spPr>
           <a:xfrm>
-            <a:off x="347816" y="4630787"/>
+            <a:off x="347816" y="4821980"/>
             <a:ext cx="1221809" cy="369332"/>
           </a:xfrm>
           <a:prstGeom prst="rect">
@@ -28754,7 +28867,7 @@
         </p:nvCxnSpPr>
         <p:spPr>
           <a:xfrm flipV="1">
-            <a:off x="1569625" y="4815452"/>
+            <a:off x="1569625" y="5006645"/>
             <a:ext cx="575059" cy="1"/>
           </a:xfrm>
           <a:prstGeom prst="straightConnector1">
@@ -28792,13 +28905,18 @@
         </p:nvCxnSpPr>
         <p:spPr>
           <a:xfrm>
-            <a:off x="2177935" y="3878500"/>
+            <a:off x="2177935" y="4069693"/>
             <a:ext cx="0" cy="1873905"/>
           </a:xfrm>
           <a:prstGeom prst="straightConnector1">
             <a:avLst/>
           </a:prstGeom>
           <a:ln>
+            <a:solidFill>
+              <a:schemeClr val="accent6">
+                <a:lumMod val="75000"/>
+              </a:schemeClr>
+            </a:solidFill>
             <a:tailEnd type="triangle"/>
           </a:ln>
         </p:spPr>
@@ -28817,6 +28935,734 @@
           </a:fontRef>
         </p:style>
       </p:cxnSp>
+      <p:cxnSp>
+        <p:nvCxnSpPr>
+          <p:cNvPr id="8" name="직선 화살표 연결선 7"/>
+          <p:cNvCxnSpPr/>
+          <p:nvPr/>
+        </p:nvCxnSpPr>
+        <p:spPr>
+          <a:xfrm flipV="1">
+            <a:off x="2261062" y="3998422"/>
+            <a:ext cx="3125586" cy="3997"/>
+          </a:xfrm>
+          <a:prstGeom prst="straightConnector1">
+            <a:avLst/>
+          </a:prstGeom>
+          <a:ln>
+            <a:solidFill>
+              <a:schemeClr val="accent6">
+                <a:lumMod val="75000"/>
+              </a:schemeClr>
+            </a:solidFill>
+            <a:tailEnd type="triangle"/>
+          </a:ln>
+        </p:spPr>
+        <p:style>
+          <a:lnRef idx="1">
+            <a:schemeClr val="accent1"/>
+          </a:lnRef>
+          <a:fillRef idx="0">
+            <a:schemeClr val="accent1"/>
+          </a:fillRef>
+          <a:effectRef idx="0">
+            <a:schemeClr val="accent1"/>
+          </a:effectRef>
+          <a:fontRef idx="minor">
+            <a:schemeClr val="tx1"/>
+          </a:fontRef>
+        </p:style>
+      </p:cxnSp>
+      <p:sp>
+        <p:nvSpPr>
+          <p:cNvPr id="10" name="TextBox 9"/>
+          <p:cNvSpPr txBox="1"/>
+          <p:nvPr/>
+        </p:nvSpPr>
+        <p:spPr>
+          <a:xfrm>
+            <a:off x="680325" y="6086434"/>
+            <a:ext cx="5097986" cy="646331"/>
+          </a:xfrm>
+          <a:prstGeom prst="rect">
+            <a:avLst/>
+          </a:prstGeom>
+          <a:noFill/>
+        </p:spPr>
+        <p:txBody>
+          <a:bodyPr wrap="square" rtlCol="0">
+            <a:spAutoFit/>
+          </a:bodyPr>
+          <a:lstStyle/>
+          <a:p>
+            <a:pPr marL="285750" indent="-285750">
+              <a:buFont typeface="Wingdings" panose="05000000000000000000" pitchFamily="2" charset="2"/>
+              <a:buChar char="v"/>
+            </a:pPr>
+            <a:r>
+              <a:rPr lang="en-US" altLang="ko-KR" sz="1200" dirty="0" smtClean="0">
+                <a:solidFill>
+                  <a:schemeClr val="bg1"/>
+                </a:solidFill>
+              </a:rPr>
+              <a:t>2</a:t>
+            </a:r>
+            <a:r>
+              <a:rPr lang="ko-KR" altLang="en-US" sz="1200" dirty="0" smtClean="0">
+                <a:solidFill>
+                  <a:schemeClr val="bg1"/>
+                </a:solidFill>
+              </a:rPr>
+              <a:t>차원 배열을 선언할 때도 배열을 대괄호</a:t>
+            </a:r>
+            <a:r>
+              <a:rPr lang="en-US" altLang="ko-KR" sz="1200" dirty="0" smtClean="0">
+                <a:solidFill>
+                  <a:schemeClr val="bg1"/>
+                </a:solidFill>
+              </a:rPr>
+              <a:t>([])</a:t>
+            </a:r>
+            <a:r>
+              <a:rPr lang="ko-KR" altLang="en-US" sz="1200" dirty="0" smtClean="0">
+                <a:solidFill>
+                  <a:schemeClr val="bg1"/>
+                </a:solidFill>
+              </a:rPr>
+              <a:t>로 표시한다</a:t>
+            </a:r>
+            <a:r>
+              <a:rPr lang="en-US" altLang="ko-KR" sz="1200" dirty="0" smtClean="0">
+                <a:solidFill>
+                  <a:schemeClr val="bg1"/>
+                </a:solidFill>
+              </a:rPr>
+              <a:t>.</a:t>
+            </a:r>
+            <a:br>
+              <a:rPr lang="en-US" altLang="ko-KR" sz="1200" dirty="0" smtClean="0">
+                <a:solidFill>
+                  <a:schemeClr val="bg1"/>
+                </a:solidFill>
+              </a:rPr>
+            </a:br>
+            <a:r>
+              <a:rPr lang="ko-KR" altLang="en-US" sz="1200" dirty="0" smtClean="0">
+                <a:solidFill>
+                  <a:schemeClr val="bg1"/>
+                </a:solidFill>
+              </a:rPr>
+              <a:t>다만 </a:t>
+            </a:r>
+            <a:r>
+              <a:rPr lang="en-US" altLang="ko-KR" sz="1200" dirty="0" smtClean="0">
+                <a:solidFill>
+                  <a:schemeClr val="bg1"/>
+                </a:solidFill>
+              </a:rPr>
+              <a:t>1</a:t>
+            </a:r>
+            <a:r>
+              <a:rPr lang="ko-KR" altLang="en-US" sz="1200" dirty="0" smtClean="0">
+                <a:solidFill>
+                  <a:schemeClr val="bg1"/>
+                </a:solidFill>
+              </a:rPr>
+              <a:t>차원 배열과 다른 점은 </a:t>
+            </a:r>
+            <a:r>
+              <a:rPr lang="en-US" altLang="ko-KR" sz="1200" dirty="0" smtClean="0">
+                <a:solidFill>
+                  <a:schemeClr val="bg1"/>
+                </a:solidFill>
+              </a:rPr>
+              <a:t>2</a:t>
+            </a:r>
+            <a:r>
+              <a:rPr lang="ko-KR" altLang="en-US" sz="1200" dirty="0" smtClean="0">
+                <a:solidFill>
+                  <a:schemeClr val="bg1"/>
+                </a:solidFill>
+              </a:rPr>
+              <a:t>차원이라는 것을 나타내기 위해</a:t>
+            </a:r>
+            <a:r>
+              <a:rPr lang="en-US" altLang="ko-KR" sz="1200" dirty="0">
+                <a:solidFill>
+                  <a:schemeClr val="bg1"/>
+                </a:solidFill>
+              </a:rPr>
+              <a:t/>
+            </a:r>
+            <a:br>
+              <a:rPr lang="en-US" altLang="ko-KR" sz="1200" dirty="0">
+                <a:solidFill>
+                  <a:schemeClr val="bg1"/>
+                </a:solidFill>
+              </a:rPr>
+            </a:br>
+            <a:r>
+              <a:rPr lang="en-US" altLang="ko-KR" sz="1200" dirty="0" smtClean="0">
+                <a:solidFill>
+                  <a:schemeClr val="bg1"/>
+                </a:solidFill>
+              </a:rPr>
+              <a:t>2</a:t>
+            </a:r>
+            <a:r>
+              <a:rPr lang="ko-KR" altLang="en-US" sz="1200" dirty="0" smtClean="0">
+                <a:solidFill>
+                  <a:schemeClr val="bg1"/>
+                </a:solidFill>
+              </a:rPr>
+              <a:t>개의 대괄호로 표시한다는 것이다</a:t>
+            </a:r>
+            <a:r>
+              <a:rPr lang="en-US" altLang="ko-KR" sz="1200" dirty="0" smtClean="0">
+                <a:solidFill>
+                  <a:schemeClr val="bg1"/>
+                </a:solidFill>
+              </a:rPr>
+              <a:t>.</a:t>
+            </a:r>
+            <a:endParaRPr lang="ko-KR" altLang="en-US" sz="1200" dirty="0">
+              <a:solidFill>
+                <a:schemeClr val="bg1"/>
+              </a:solidFill>
+            </a:endParaRPr>
+          </a:p>
+        </p:txBody>
+      </p:sp>
+      <p:sp>
+        <p:nvSpPr>
+          <p:cNvPr id="12" name="TextBox 11"/>
+          <p:cNvSpPr txBox="1"/>
+          <p:nvPr/>
+        </p:nvSpPr>
+        <p:spPr>
+          <a:xfrm>
+            <a:off x="5778311" y="2209915"/>
+            <a:ext cx="184731" cy="253916"/>
+          </a:xfrm>
+          <a:prstGeom prst="rect">
+            <a:avLst/>
+          </a:prstGeom>
+          <a:noFill/>
+        </p:spPr>
+        <p:txBody>
+          <a:bodyPr wrap="none" rtlCol="0">
+            <a:spAutoFit/>
+          </a:bodyPr>
+          <a:lstStyle/>
+          <a:p>
+            <a:endParaRPr lang="ko-KR" altLang="en-US" sz="1050" dirty="0">
+              <a:solidFill>
+                <a:schemeClr val="bg1"/>
+              </a:solidFill>
+            </a:endParaRPr>
+          </a:p>
+        </p:txBody>
+      </p:sp>
+      <p:pic>
+        <p:nvPicPr>
+          <p:cNvPr id="13" name="그림 12"/>
+          <p:cNvPicPr>
+            <a:picLocks noChangeAspect="1"/>
+          </p:cNvPicPr>
+          <p:nvPr/>
+        </p:nvPicPr>
+        <p:blipFill>
+          <a:blip r:embed="rId2"/>
+          <a:stretch>
+            <a:fillRect/>
+          </a:stretch>
+        </p:blipFill>
+        <p:spPr>
+          <a:xfrm>
+            <a:off x="8058403" y="2326256"/>
+            <a:ext cx="3930941" cy="3993337"/>
+          </a:xfrm>
+          <a:prstGeom prst="rect">
+            <a:avLst/>
+          </a:prstGeom>
+        </p:spPr>
+      </p:pic>
+      <p:graphicFrame>
+        <p:nvGraphicFramePr>
+          <p:cNvPr id="7" name="표 6"/>
+          <p:cNvGraphicFramePr>
+            <a:graphicFrameLocks noGrp="1"/>
+          </p:cNvGraphicFramePr>
+          <p:nvPr>
+            <p:extLst>
+              <p:ext uri="{D42A27DB-BD31-4B8C-83A1-F6EECF244321}">
+                <p14:modId xmlns:p14="http://schemas.microsoft.com/office/powerpoint/2010/main" val="2892693963"/>
+              </p:ext>
+            </p:extLst>
+          </p:nvPr>
+        </p:nvGraphicFramePr>
+        <p:xfrm>
+          <a:off x="5501039" y="2336873"/>
+          <a:ext cx="2442973" cy="3982720"/>
+        </p:xfrm>
+        <a:graphic>
+          <a:graphicData uri="http://schemas.openxmlformats.org/drawingml/2006/table">
+            <a:tbl>
+              <a:tblPr firstRow="1" bandRow="1">
+                <a:tableStyleId>{5C22544A-7EE6-4342-B048-85BDC9FD1C3A}</a:tableStyleId>
+              </a:tblPr>
+              <a:tblGrid>
+                <a:gridCol w="2442973">
+                  <a:extLst>
+                    <a:ext uri="{9D8B030D-6E8A-4147-A177-3AD203B41FA5}">
+                      <a16:colId xmlns:a16="http://schemas.microsoft.com/office/drawing/2014/main" val="4011089814"/>
+                    </a:ext>
+                  </a:extLst>
+                </a:gridCol>
+              </a:tblGrid>
+              <a:tr h="370840">
+                <a:tc>
+                  <a:txBody>
+                    <a:bodyPr/>
+                    <a:lstStyle/>
+                    <a:p>
+                      <a:pPr marL="0" marR="0" indent="0" algn="ctr" defTabSz="914422" rtl="0" eaLnBrk="1" fontAlgn="auto" latinLnBrk="1" hangingPunct="1">
+                        <a:lnSpc>
+                          <a:spcPct val="100000"/>
+                        </a:lnSpc>
+                        <a:spcBef>
+                          <a:spcPts val="0"/>
+                        </a:spcBef>
+                        <a:spcAft>
+                          <a:spcPts val="0"/>
+                        </a:spcAft>
+                        <a:buClrTx/>
+                        <a:buSzTx/>
+                        <a:buFontTx/>
+                        <a:buNone/>
+                        <a:tabLst/>
+                        <a:defRPr/>
+                      </a:pPr>
+                      <a:r>
+                        <a:rPr lang="en-US" altLang="ko-KR" sz="1200" dirty="0" smtClean="0">
+                          <a:solidFill>
+                            <a:schemeClr val="bg1"/>
+                          </a:solidFill>
+                        </a:rPr>
+                        <a:t>[2</a:t>
+                      </a:r>
+                      <a:r>
+                        <a:rPr lang="ko-KR" altLang="en-US" sz="1200" dirty="0" smtClean="0">
+                          <a:solidFill>
+                            <a:schemeClr val="bg1"/>
+                          </a:solidFill>
+                        </a:rPr>
+                        <a:t>차원 </a:t>
+                      </a:r>
+                      <a:r>
+                        <a:rPr lang="ko-KR" altLang="en-US" sz="1200" dirty="0" smtClean="0">
+                          <a:solidFill>
+                            <a:schemeClr val="bg1"/>
+                          </a:solidFill>
+                        </a:rPr>
+                        <a:t>정방 행렬 배열의 </a:t>
+                      </a:r>
+                      <a:r>
+                        <a:rPr lang="ko-KR" altLang="en-US" sz="1200" dirty="0" err="1" smtClean="0">
+                          <a:solidFill>
+                            <a:schemeClr val="bg1"/>
+                          </a:solidFill>
+                        </a:rPr>
+                        <a:t>선언법</a:t>
+                      </a:r>
+                      <a:r>
+                        <a:rPr lang="en-US" altLang="ko-KR" sz="1200" dirty="0" smtClean="0">
+                          <a:solidFill>
+                            <a:schemeClr val="bg1"/>
+                          </a:solidFill>
+                        </a:rPr>
+                        <a:t>]</a:t>
+                      </a:r>
+                      <a:endParaRPr lang="ko-KR" altLang="en-US" sz="1200" dirty="0" smtClean="0">
+                        <a:solidFill>
+                          <a:schemeClr val="bg1"/>
+                        </a:solidFill>
+                      </a:endParaRPr>
+                    </a:p>
+                  </a:txBody>
+                  <a:tcPr anchor="ctr"/>
+                </a:tc>
+                <a:extLst>
+                  <a:ext uri="{0D108BD9-81ED-4DB2-BD59-A6C34878D82A}">
+                    <a16:rowId xmlns:a16="http://schemas.microsoft.com/office/drawing/2014/main" val="2619355505"/>
+                  </a:ext>
+                </a:extLst>
+              </a:tr>
+              <a:tr h="370840">
+                <a:tc>
+                  <a:txBody>
+                    <a:bodyPr/>
+                    <a:lstStyle/>
+                    <a:p>
+                      <a:pPr marL="0" marR="0" indent="0" algn="l" defTabSz="914422" rtl="0" eaLnBrk="1" fontAlgn="auto" latinLnBrk="1" hangingPunct="1">
+                        <a:lnSpc>
+                          <a:spcPct val="100000"/>
+                        </a:lnSpc>
+                        <a:spcBef>
+                          <a:spcPts val="0"/>
+                        </a:spcBef>
+                        <a:spcAft>
+                          <a:spcPts val="0"/>
+                        </a:spcAft>
+                        <a:buClrTx/>
+                        <a:buSzTx/>
+                        <a:buFontTx/>
+                        <a:buNone/>
+                        <a:tabLst/>
+                        <a:defRPr/>
+                      </a:pPr>
+                      <a:r>
+                        <a:rPr lang="ko-KR" altLang="en-US" sz="1600" b="1" dirty="0" smtClean="0">
+                          <a:solidFill>
+                            <a:schemeClr val="bg1"/>
+                          </a:solidFill>
+                        </a:rPr>
+                        <a:t>자료형</a:t>
+                      </a:r>
+                      <a:r>
+                        <a:rPr lang="en-US" altLang="ko-KR" sz="1600" b="1" dirty="0" smtClean="0">
+                          <a:solidFill>
+                            <a:schemeClr val="bg1"/>
+                          </a:solidFill>
+                        </a:rPr>
+                        <a:t>[][]</a:t>
+                      </a:r>
+                      <a:r>
+                        <a:rPr lang="ko-KR" altLang="en-US" sz="1600" b="1" dirty="0" smtClean="0">
+                          <a:solidFill>
+                            <a:schemeClr val="bg1"/>
+                          </a:solidFill>
+                        </a:rPr>
+                        <a:t>변수명</a:t>
+                      </a:r>
+                    </a:p>
+                  </a:txBody>
+                  <a:tcPr/>
+                </a:tc>
+                <a:extLst>
+                  <a:ext uri="{0D108BD9-81ED-4DB2-BD59-A6C34878D82A}">
+                    <a16:rowId xmlns:a16="http://schemas.microsoft.com/office/drawing/2014/main" val="2055738070"/>
+                  </a:ext>
+                </a:extLst>
+              </a:tr>
+              <a:tr h="370840">
+                <a:tc>
+                  <a:txBody>
+                    <a:bodyPr/>
+                    <a:lstStyle/>
+                    <a:p>
+                      <a:pPr latinLnBrk="1"/>
+                      <a:r>
+                        <a:rPr lang="en-US" altLang="ko-KR" sz="1600" dirty="0" smtClean="0">
+                          <a:solidFill>
+                            <a:schemeClr val="bg1"/>
+                          </a:solidFill>
+                        </a:rPr>
+                        <a:t>int[][] a;</a:t>
+                      </a:r>
+                    </a:p>
+                    <a:p>
+                      <a:pPr latinLnBrk="1"/>
+                      <a:r>
+                        <a:rPr lang="en-US" altLang="ko-KR" sz="1600" dirty="0" smtClean="0">
+                          <a:solidFill>
+                            <a:schemeClr val="bg1"/>
+                          </a:solidFill>
+                        </a:rPr>
+                        <a:t>double [][] b;</a:t>
+                      </a:r>
+                    </a:p>
+                    <a:p>
+                      <a:pPr latinLnBrk="1"/>
+                      <a:r>
+                        <a:rPr lang="en-US" altLang="ko-KR" sz="1600" dirty="0" smtClean="0">
+                          <a:solidFill>
+                            <a:schemeClr val="bg1"/>
+                          </a:solidFill>
+                        </a:rPr>
+                        <a:t>String[][] c;</a:t>
+                      </a:r>
+                      <a:endParaRPr lang="ko-KR" altLang="en-US" sz="1600" dirty="0" smtClean="0">
+                        <a:solidFill>
+                          <a:schemeClr val="bg1"/>
+                        </a:solidFill>
+                      </a:endParaRPr>
+                    </a:p>
+                  </a:txBody>
+                  <a:tcPr/>
+                </a:tc>
+                <a:extLst>
+                  <a:ext uri="{0D108BD9-81ED-4DB2-BD59-A6C34878D82A}">
+                    <a16:rowId xmlns:a16="http://schemas.microsoft.com/office/drawing/2014/main" val="1047979792"/>
+                  </a:ext>
+                </a:extLst>
+              </a:tr>
+              <a:tr h="370840">
+                <a:tc>
+                  <a:txBody>
+                    <a:bodyPr/>
+                    <a:lstStyle/>
+                    <a:p>
+                      <a:pPr marL="0" marR="0" indent="0" algn="l" defTabSz="914422" rtl="0" eaLnBrk="1" fontAlgn="auto" latinLnBrk="1" hangingPunct="1">
+                        <a:lnSpc>
+                          <a:spcPct val="100000"/>
+                        </a:lnSpc>
+                        <a:spcBef>
+                          <a:spcPts val="0"/>
+                        </a:spcBef>
+                        <a:spcAft>
+                          <a:spcPts val="0"/>
+                        </a:spcAft>
+                        <a:buClrTx/>
+                        <a:buSzTx/>
+                        <a:buFontTx/>
+                        <a:buNone/>
+                        <a:tabLst/>
+                        <a:defRPr/>
+                      </a:pPr>
+                      <a:r>
+                        <a:rPr lang="ko-KR" altLang="en-US" sz="1600" b="1" dirty="0" smtClean="0">
+                          <a:solidFill>
+                            <a:schemeClr val="bg1"/>
+                          </a:solidFill>
+                        </a:rPr>
+                        <a:t>자료형 변수명</a:t>
+                      </a:r>
+                      <a:r>
+                        <a:rPr lang="en-US" altLang="ko-KR" sz="1600" b="1" dirty="0" smtClean="0">
+                          <a:solidFill>
+                            <a:schemeClr val="bg1"/>
+                          </a:solidFill>
+                        </a:rPr>
+                        <a:t>[][]</a:t>
+                      </a:r>
+                      <a:endParaRPr lang="ko-KR" altLang="en-US" sz="1600" b="1" dirty="0" smtClean="0">
+                        <a:solidFill>
+                          <a:schemeClr val="bg1"/>
+                        </a:solidFill>
+                      </a:endParaRPr>
+                    </a:p>
+                  </a:txBody>
+                  <a:tcPr/>
+                </a:tc>
+                <a:extLst>
+                  <a:ext uri="{0D108BD9-81ED-4DB2-BD59-A6C34878D82A}">
+                    <a16:rowId xmlns:a16="http://schemas.microsoft.com/office/drawing/2014/main" val="524768504"/>
+                  </a:ext>
+                </a:extLst>
+              </a:tr>
+              <a:tr h="370840">
+                <a:tc>
+                  <a:txBody>
+                    <a:bodyPr/>
+                    <a:lstStyle/>
+                    <a:p>
+                      <a:pPr latinLnBrk="1"/>
+                      <a:r>
+                        <a:rPr lang="en-US" altLang="ko-KR" sz="1600" dirty="0" smtClean="0">
+                          <a:solidFill>
+                            <a:schemeClr val="bg1"/>
+                          </a:solidFill>
+                        </a:rPr>
+                        <a:t>int a [][];</a:t>
+                      </a:r>
+                    </a:p>
+                    <a:p>
+                      <a:pPr latinLnBrk="1"/>
+                      <a:r>
+                        <a:rPr lang="en-US" altLang="ko-KR" sz="1600" dirty="0" smtClean="0">
+                          <a:solidFill>
+                            <a:schemeClr val="bg1"/>
+                          </a:solidFill>
+                        </a:rPr>
+                        <a:t>double</a:t>
+                      </a:r>
+                      <a:r>
+                        <a:rPr lang="en-US" altLang="ko-KR" sz="1600" baseline="0" dirty="0" smtClean="0">
+                          <a:solidFill>
+                            <a:schemeClr val="bg1"/>
+                          </a:solidFill>
+                        </a:rPr>
+                        <a:t> b [][];</a:t>
+                      </a:r>
+                    </a:p>
+                    <a:p>
+                      <a:pPr latinLnBrk="1"/>
+                      <a:r>
+                        <a:rPr lang="en-US" altLang="ko-KR" sz="1600" dirty="0" smtClean="0">
+                          <a:solidFill>
+                            <a:schemeClr val="bg1"/>
+                          </a:solidFill>
+                        </a:rPr>
+                        <a:t>String</a:t>
+                      </a:r>
+                      <a:r>
+                        <a:rPr lang="en-US" altLang="ko-KR" sz="1600" baseline="0" dirty="0" smtClean="0">
+                          <a:solidFill>
+                            <a:schemeClr val="bg1"/>
+                          </a:solidFill>
+                        </a:rPr>
+                        <a:t> c [][]</a:t>
+                      </a:r>
+                      <a:r>
+                        <a:rPr lang="en-US" altLang="ko-KR" sz="1800" baseline="0" dirty="0" smtClean="0">
+                          <a:solidFill>
+                            <a:schemeClr val="dk1"/>
+                          </a:solidFill>
+                        </a:rPr>
+                        <a:t>;</a:t>
+                      </a:r>
+                      <a:endParaRPr lang="ko-KR" altLang="en-US" sz="1600" dirty="0" smtClean="0">
+                        <a:solidFill>
+                          <a:schemeClr val="bg1"/>
+                        </a:solidFill>
+                      </a:endParaRPr>
+                    </a:p>
+                  </a:txBody>
+                  <a:tcPr/>
+                </a:tc>
+                <a:extLst>
+                  <a:ext uri="{0D108BD9-81ED-4DB2-BD59-A6C34878D82A}">
+                    <a16:rowId xmlns:a16="http://schemas.microsoft.com/office/drawing/2014/main" val="2678262593"/>
+                  </a:ext>
+                </a:extLst>
+              </a:tr>
+              <a:tr h="370840">
+                <a:tc>
+                  <a:txBody>
+                    <a:bodyPr/>
+                    <a:lstStyle/>
+                    <a:p>
+                      <a:pPr marL="0" marR="0" indent="0" algn="l" defTabSz="914422" rtl="0" eaLnBrk="1" fontAlgn="auto" latinLnBrk="1" hangingPunct="1">
+                        <a:lnSpc>
+                          <a:spcPct val="100000"/>
+                        </a:lnSpc>
+                        <a:spcBef>
+                          <a:spcPts val="0"/>
+                        </a:spcBef>
+                        <a:spcAft>
+                          <a:spcPts val="0"/>
+                        </a:spcAft>
+                        <a:buClrTx/>
+                        <a:buSzTx/>
+                        <a:buFontTx/>
+                        <a:buNone/>
+                        <a:tabLst/>
+                        <a:defRPr/>
+                      </a:pPr>
+                      <a:r>
+                        <a:rPr lang="ko-KR" altLang="en-US" sz="1600" b="1" dirty="0" smtClean="0">
+                          <a:solidFill>
+                            <a:schemeClr val="bg1"/>
+                          </a:solidFill>
+                        </a:rPr>
+                        <a:t>자료형</a:t>
+                      </a:r>
+                      <a:r>
+                        <a:rPr lang="en-US" altLang="ko-KR" sz="1600" b="1" dirty="0" smtClean="0">
+                          <a:solidFill>
+                            <a:schemeClr val="bg1"/>
+                          </a:solidFill>
+                        </a:rPr>
+                        <a:t>[] </a:t>
+                      </a:r>
+                      <a:r>
+                        <a:rPr lang="ko-KR" altLang="en-US" sz="1600" b="1" dirty="0" smtClean="0">
+                          <a:solidFill>
+                            <a:schemeClr val="bg1"/>
+                          </a:solidFill>
+                        </a:rPr>
+                        <a:t>변수명</a:t>
+                      </a:r>
+                      <a:r>
+                        <a:rPr lang="en-US" altLang="ko-KR" sz="1600" b="1" dirty="0" smtClean="0">
+                          <a:solidFill>
+                            <a:schemeClr val="bg1"/>
+                          </a:solidFill>
+                        </a:rPr>
+                        <a:t>[]</a:t>
+                      </a:r>
+                      <a:endParaRPr lang="ko-KR" altLang="en-US" sz="1600" b="1" dirty="0" smtClean="0">
+                        <a:solidFill>
+                          <a:schemeClr val="bg1"/>
+                        </a:solidFill>
+                      </a:endParaRPr>
+                    </a:p>
+                  </a:txBody>
+                  <a:tcPr/>
+                </a:tc>
+                <a:extLst>
+                  <a:ext uri="{0D108BD9-81ED-4DB2-BD59-A6C34878D82A}">
+                    <a16:rowId xmlns:a16="http://schemas.microsoft.com/office/drawing/2014/main" val="3967435590"/>
+                  </a:ext>
+                </a:extLst>
+              </a:tr>
+              <a:tr h="370840">
+                <a:tc>
+                  <a:txBody>
+                    <a:bodyPr/>
+                    <a:lstStyle/>
+                    <a:p>
+                      <a:pPr latinLnBrk="1"/>
+                      <a:r>
+                        <a:rPr lang="en-US" altLang="ko-KR" sz="1600" dirty="0" smtClean="0">
+                          <a:solidFill>
+                            <a:schemeClr val="bg1"/>
+                          </a:solidFill>
+                        </a:rPr>
+                        <a:t>int[] a[];</a:t>
+                      </a:r>
+                    </a:p>
+                    <a:p>
+                      <a:pPr latinLnBrk="1"/>
+                      <a:r>
+                        <a:rPr lang="en-US" altLang="ko-KR" sz="1600" dirty="0" smtClean="0">
+                          <a:solidFill>
+                            <a:schemeClr val="bg1"/>
+                          </a:solidFill>
+                        </a:rPr>
+                        <a:t>double[] b[];</a:t>
+                      </a:r>
+                    </a:p>
+                    <a:p>
+                      <a:pPr latinLnBrk="1"/>
+                      <a:r>
+                        <a:rPr lang="en-US" altLang="ko-KR" sz="1600" dirty="0" smtClean="0">
+                          <a:solidFill>
+                            <a:schemeClr val="bg1"/>
+                          </a:solidFill>
+                        </a:rPr>
+                        <a:t>String[] c[];</a:t>
+                      </a:r>
+                      <a:endParaRPr lang="ko-KR" altLang="en-US" sz="1600" dirty="0" smtClean="0">
+                        <a:solidFill>
+                          <a:schemeClr val="bg1"/>
+                        </a:solidFill>
+                      </a:endParaRPr>
+                    </a:p>
+                  </a:txBody>
+                  <a:tcPr/>
+                </a:tc>
+                <a:extLst>
+                  <a:ext uri="{0D108BD9-81ED-4DB2-BD59-A6C34878D82A}">
+                    <a16:rowId xmlns:a16="http://schemas.microsoft.com/office/drawing/2014/main" val="2473281263"/>
+                  </a:ext>
+                </a:extLst>
+              </a:tr>
+            </a:tbl>
+          </a:graphicData>
+        </a:graphic>
+      </p:graphicFrame>
     </p:spTree>
     <p:extLst>
       <p:ext uri="{BB962C8B-B14F-4D97-AF65-F5344CB8AC3E}">
@@ -28834,6 +29680,2835 @@
       </p:par>
     </p:tnLst>
   </p:timing>
+</p:sld>
+</file>
+
+<file path=ppt/slides/slide25.xml><?xml version="1.0" encoding="utf-8"?>
+<p:sld xmlns:a="http://schemas.openxmlformats.org/drawingml/2006/main" xmlns:r="http://schemas.openxmlformats.org/officeDocument/2006/relationships" xmlns:p="http://schemas.openxmlformats.org/presentationml/2006/main">
+  <p:cSld>
+    <p:spTree>
+      <p:nvGrpSpPr>
+        <p:cNvPr id="1" name=""/>
+        <p:cNvGrpSpPr/>
+        <p:nvPr/>
+      </p:nvGrpSpPr>
+      <p:grpSpPr>
+        <a:xfrm>
+          <a:off x="0" y="0"/>
+          <a:ext cx="0" cy="0"/>
+          <a:chOff x="0" y="0"/>
+          <a:chExt cx="0" cy="0"/>
+        </a:xfrm>
+      </p:grpSpPr>
+      <p:sp>
+        <p:nvSpPr>
+          <p:cNvPr id="2" name="제목 1"/>
+          <p:cNvSpPr>
+            <a:spLocks noGrp="1"/>
+          </p:cNvSpPr>
+          <p:nvPr>
+            <p:ph type="title"/>
+          </p:nvPr>
+        </p:nvSpPr>
+        <p:spPr/>
+        <p:txBody>
+          <a:bodyPr/>
+          <a:lstStyle/>
+          <a:p>
+            <a:pPr algn="ctr"/>
+            <a:r>
+              <a:rPr lang="en-US" altLang="ko-KR" dirty="0"/>
+              <a:t>2</a:t>
+            </a:r>
+            <a:r>
+              <a:rPr lang="ko-KR" altLang="en-US" dirty="0"/>
+              <a:t>차원 정방 행렬 배열</a:t>
+            </a:r>
+          </a:p>
+        </p:txBody>
+      </p:sp>
+      <p:graphicFrame>
+        <p:nvGraphicFramePr>
+          <p:cNvPr id="6" name="표 5"/>
+          <p:cNvGraphicFramePr>
+            <a:graphicFrameLocks noGrp="1"/>
+          </p:cNvGraphicFramePr>
+          <p:nvPr>
+            <p:extLst>
+              <p:ext uri="{D42A27DB-BD31-4B8C-83A1-F6EECF244321}">
+                <p14:modId xmlns:p14="http://schemas.microsoft.com/office/powerpoint/2010/main" val="3319800275"/>
+              </p:ext>
+            </p:extLst>
+          </p:nvPr>
+        </p:nvGraphicFramePr>
+        <p:xfrm>
+          <a:off x="83125" y="2091266"/>
+          <a:ext cx="11928768" cy="4058281"/>
+        </p:xfrm>
+        <a:graphic>
+          <a:graphicData uri="http://schemas.openxmlformats.org/drawingml/2006/table">
+            <a:tbl>
+              <a:tblPr firstRow="1" bandRow="1">
+                <a:tableStyleId>{5C22544A-7EE6-4342-B048-85BDC9FD1C3A}</a:tableStyleId>
+              </a:tblPr>
+              <a:tblGrid>
+                <a:gridCol w="2982192">
+                  <a:extLst>
+                    <a:ext uri="{9D8B030D-6E8A-4147-A177-3AD203B41FA5}">
+                      <a16:colId xmlns:a16="http://schemas.microsoft.com/office/drawing/2014/main" val="2650694999"/>
+                    </a:ext>
+                  </a:extLst>
+                </a:gridCol>
+                <a:gridCol w="2982192">
+                  <a:extLst>
+                    <a:ext uri="{9D8B030D-6E8A-4147-A177-3AD203B41FA5}">
+                      <a16:colId xmlns:a16="http://schemas.microsoft.com/office/drawing/2014/main" val="431442607"/>
+                    </a:ext>
+                  </a:extLst>
+                </a:gridCol>
+                <a:gridCol w="2982192">
+                  <a:extLst>
+                    <a:ext uri="{9D8B030D-6E8A-4147-A177-3AD203B41FA5}">
+                      <a16:colId xmlns:a16="http://schemas.microsoft.com/office/drawing/2014/main" val="3656934866"/>
+                    </a:ext>
+                  </a:extLst>
+                </a:gridCol>
+                <a:gridCol w="2982192">
+                  <a:extLst>
+                    <a:ext uri="{9D8B030D-6E8A-4147-A177-3AD203B41FA5}">
+                      <a16:colId xmlns:a16="http://schemas.microsoft.com/office/drawing/2014/main" val="1358633935"/>
+                    </a:ext>
+                  </a:extLst>
+                </a:gridCol>
+              </a:tblGrid>
+              <a:tr h="434473">
+                <a:tc gridSpan="4">
+                  <a:txBody>
+                    <a:bodyPr/>
+                    <a:lstStyle/>
+                    <a:p>
+                      <a:pPr marL="0" marR="0" indent="0" algn="ctr" defTabSz="914422" rtl="0" eaLnBrk="1" fontAlgn="auto" latinLnBrk="1" hangingPunct="1">
+                        <a:lnSpc>
+                          <a:spcPct val="100000"/>
+                        </a:lnSpc>
+                        <a:spcBef>
+                          <a:spcPts val="0"/>
+                        </a:spcBef>
+                        <a:spcAft>
+                          <a:spcPts val="0"/>
+                        </a:spcAft>
+                        <a:buClrTx/>
+                        <a:buSzTx/>
+                        <a:buFontTx/>
+                        <a:buNone/>
+                        <a:tabLst/>
+                        <a:defRPr/>
+                      </a:pPr>
+                      <a:r>
+                        <a:rPr lang="en-US" altLang="ko-KR" sz="2100" dirty="0" smtClean="0">
+                          <a:solidFill>
+                            <a:schemeClr val="bg1"/>
+                          </a:solidFill>
+                        </a:rPr>
+                        <a:t>2</a:t>
+                      </a:r>
+                      <a:r>
+                        <a:rPr lang="ko-KR" altLang="en-US" sz="2100" dirty="0" smtClean="0">
+                          <a:solidFill>
+                            <a:schemeClr val="bg1"/>
+                          </a:solidFill>
+                        </a:rPr>
+                        <a:t>차원 정방행렬 배열의 </a:t>
+                      </a:r>
+                      <a:r>
+                        <a:rPr lang="en-US" altLang="ko-KR" sz="2100" dirty="0" smtClean="0">
+                          <a:solidFill>
+                            <a:schemeClr val="bg1"/>
+                          </a:solidFill>
+                        </a:rPr>
+                        <a:t>4</a:t>
+                      </a:r>
+                      <a:r>
+                        <a:rPr lang="ko-KR" altLang="en-US" sz="2100" dirty="0" smtClean="0">
+                          <a:solidFill>
+                            <a:schemeClr val="bg1"/>
+                          </a:solidFill>
+                        </a:rPr>
+                        <a:t>가지 객체 생성 방법</a:t>
+                      </a:r>
+                    </a:p>
+                  </a:txBody>
+                  <a:tcPr marL="107130" marR="107130" marT="53565" marB="53565"/>
+                </a:tc>
+                <a:tc hMerge="1">
+                  <a:txBody>
+                    <a:bodyPr/>
+                    <a:lstStyle/>
+                    <a:p>
+                      <a:pPr latinLnBrk="1"/>
+                      <a:endParaRPr lang="ko-KR" altLang="en-US" dirty="0"/>
+                    </a:p>
+                  </a:txBody>
+                  <a:tcPr/>
+                </a:tc>
+                <a:tc hMerge="1">
+                  <a:txBody>
+                    <a:bodyPr/>
+                    <a:lstStyle/>
+                    <a:p>
+                      <a:pPr latinLnBrk="1"/>
+                      <a:endParaRPr lang="ko-KR" altLang="en-US" dirty="0"/>
+                    </a:p>
+                  </a:txBody>
+                  <a:tcPr/>
+                </a:tc>
+                <a:tc hMerge="1">
+                  <a:txBody>
+                    <a:bodyPr/>
+                    <a:lstStyle/>
+                    <a:p>
+                      <a:pPr latinLnBrk="1"/>
+                      <a:endParaRPr lang="ko-KR" altLang="en-US" dirty="0"/>
+                    </a:p>
+                  </a:txBody>
+                  <a:tcPr/>
+                </a:tc>
+                <a:extLst>
+                  <a:ext uri="{0D108BD9-81ED-4DB2-BD59-A6C34878D82A}">
+                    <a16:rowId xmlns:a16="http://schemas.microsoft.com/office/drawing/2014/main" val="2154624228"/>
+                  </a:ext>
+                </a:extLst>
+              </a:tr>
+              <a:tr h="483468">
+                <a:tc>
+                  <a:txBody>
+                    <a:bodyPr/>
+                    <a:lstStyle/>
+                    <a:p>
+                      <a:pPr marL="0" marR="0" indent="0" algn="l" defTabSz="914422" rtl="0" eaLnBrk="1" fontAlgn="auto" latinLnBrk="1" hangingPunct="1">
+                        <a:lnSpc>
+                          <a:spcPct val="100000"/>
+                        </a:lnSpc>
+                        <a:spcBef>
+                          <a:spcPts val="0"/>
+                        </a:spcBef>
+                        <a:spcAft>
+                          <a:spcPts val="0"/>
+                        </a:spcAft>
+                        <a:buClrTx/>
+                        <a:buSzTx/>
+                        <a:buFontTx/>
+                        <a:buNone/>
+                        <a:tabLst/>
+                        <a:defRPr/>
+                      </a:pPr>
+                      <a:r>
+                        <a:rPr lang="en-US" altLang="ko-KR" sz="1200" dirty="0" smtClean="0">
+                          <a:solidFill>
+                            <a:schemeClr val="bg1"/>
+                          </a:solidFill>
+                        </a:rPr>
+                        <a:t>1.</a:t>
+                      </a:r>
+                      <a:r>
+                        <a:rPr lang="en-US" altLang="ko-KR" sz="1200" baseline="0" dirty="0" smtClean="0">
+                          <a:solidFill>
+                            <a:schemeClr val="bg1"/>
+                          </a:solidFill>
+                        </a:rPr>
+                        <a:t> </a:t>
+                      </a:r>
+                      <a:r>
+                        <a:rPr lang="ko-KR" altLang="en-US" sz="1200" baseline="0" dirty="0" smtClean="0">
+                          <a:solidFill>
+                            <a:schemeClr val="bg1"/>
+                          </a:solidFill>
+                        </a:rPr>
+                        <a:t>배열 객체를 생성하고 값 대입</a:t>
+                      </a:r>
+                      <a:endParaRPr lang="ko-KR" altLang="en-US" sz="1200" dirty="0" smtClean="0">
+                        <a:solidFill>
+                          <a:schemeClr val="bg1"/>
+                        </a:solidFill>
+                      </a:endParaRPr>
+                    </a:p>
+                  </a:txBody>
+                  <a:tcPr marL="107130" marR="107130" marT="53565" marB="53565" anchor="ctr"/>
+                </a:tc>
+                <a:tc>
+                  <a:txBody>
+                    <a:bodyPr/>
+                    <a:lstStyle/>
+                    <a:p>
+                      <a:pPr algn="l" latinLnBrk="1"/>
+                      <a:r>
+                        <a:rPr lang="en-US" altLang="ko-KR" sz="1200" dirty="0" smtClean="0">
+                          <a:solidFill>
+                            <a:schemeClr val="bg1"/>
+                          </a:solidFill>
+                        </a:rPr>
+                        <a:t>2.</a:t>
+                      </a:r>
+                      <a:r>
+                        <a:rPr lang="ko-KR" altLang="en-US" sz="1200" dirty="0" smtClean="0">
+                          <a:solidFill>
+                            <a:schemeClr val="bg1"/>
+                          </a:solidFill>
+                        </a:rPr>
+                        <a:t>배열</a:t>
+                      </a:r>
+                      <a:r>
+                        <a:rPr lang="en-US" altLang="ko-KR" sz="1200" dirty="0" smtClean="0">
+                          <a:solidFill>
+                            <a:schemeClr val="bg1"/>
+                          </a:solidFill>
+                        </a:rPr>
+                        <a:t> </a:t>
+                      </a:r>
+                      <a:r>
+                        <a:rPr lang="ko-KR" altLang="en-US" sz="1200" dirty="0" smtClean="0">
+                          <a:solidFill>
+                            <a:schemeClr val="bg1"/>
+                          </a:solidFill>
+                        </a:rPr>
+                        <a:t>객체의 행 성분부터 생성하고</a:t>
+                      </a:r>
+                      <a:r>
+                        <a:rPr lang="en-US" altLang="ko-KR" sz="1200" dirty="0" smtClean="0">
+                          <a:solidFill>
+                            <a:schemeClr val="bg1"/>
+                          </a:solidFill>
+                        </a:rPr>
+                        <a:t/>
+                      </a:r>
+                      <a:br>
+                        <a:rPr lang="en-US" altLang="ko-KR" sz="1200" dirty="0" smtClean="0">
+                          <a:solidFill>
+                            <a:schemeClr val="bg1"/>
+                          </a:solidFill>
+                        </a:rPr>
+                      </a:br>
+                      <a:r>
+                        <a:rPr lang="en-US" altLang="ko-KR" sz="1200" baseline="0" dirty="0" smtClean="0">
+                          <a:solidFill>
+                            <a:schemeClr val="bg1"/>
+                          </a:solidFill>
+                        </a:rPr>
+                        <a:t>   </a:t>
+                      </a:r>
+                      <a:r>
+                        <a:rPr lang="ko-KR" altLang="en-US" sz="1200" dirty="0" smtClean="0">
+                          <a:solidFill>
+                            <a:schemeClr val="bg1"/>
+                          </a:solidFill>
+                        </a:rPr>
+                        <a:t>열 성분 생성</a:t>
+                      </a:r>
+                      <a:endParaRPr lang="ko-KR" altLang="en-US" sz="1200" dirty="0">
+                        <a:solidFill>
+                          <a:schemeClr val="bg1"/>
+                        </a:solidFill>
+                      </a:endParaRPr>
+                    </a:p>
+                  </a:txBody>
+                  <a:tcPr marL="107130" marR="107130" marT="53565" marB="53565" anchor="ctr"/>
+                </a:tc>
+                <a:tc>
+                  <a:txBody>
+                    <a:bodyPr/>
+                    <a:lstStyle/>
+                    <a:p>
+                      <a:pPr algn="l" latinLnBrk="1"/>
+                      <a:r>
+                        <a:rPr lang="en-US" altLang="ko-KR" sz="1200" dirty="0" smtClean="0">
+                          <a:solidFill>
+                            <a:schemeClr val="bg1"/>
+                          </a:solidFill>
+                        </a:rPr>
+                        <a:t>3.</a:t>
+                      </a:r>
+                      <a:r>
+                        <a:rPr lang="ko-KR" altLang="en-US" sz="1200" dirty="0" smtClean="0">
+                          <a:solidFill>
+                            <a:schemeClr val="bg1"/>
+                          </a:solidFill>
+                        </a:rPr>
+                        <a:t>배열의 </a:t>
+                      </a:r>
+                      <a:r>
+                        <a:rPr lang="ko-KR" altLang="en-US" sz="1200" dirty="0" err="1" smtClean="0">
+                          <a:solidFill>
+                            <a:schemeClr val="bg1"/>
+                          </a:solidFill>
+                        </a:rPr>
+                        <a:t>자료형과</a:t>
+                      </a:r>
+                      <a:r>
+                        <a:rPr lang="ko-KR" altLang="en-US" sz="1200" dirty="0" smtClean="0">
+                          <a:solidFill>
+                            <a:schemeClr val="bg1"/>
+                          </a:solidFill>
+                        </a:rPr>
+                        <a:t> 함께 대입할 값 입력</a:t>
+                      </a:r>
+                      <a:endParaRPr lang="ko-KR" altLang="en-US" sz="1200" dirty="0">
+                        <a:solidFill>
+                          <a:schemeClr val="bg1"/>
+                        </a:solidFill>
+                      </a:endParaRPr>
+                    </a:p>
+                  </a:txBody>
+                  <a:tcPr marL="107130" marR="107130" marT="53565" marB="53565" anchor="ctr"/>
+                </a:tc>
+                <a:tc>
+                  <a:txBody>
+                    <a:bodyPr/>
+                    <a:lstStyle/>
+                    <a:p>
+                      <a:pPr algn="l" latinLnBrk="1"/>
+                      <a:r>
+                        <a:rPr lang="en-US" altLang="ko-KR" sz="1200" dirty="0" smtClean="0">
+                          <a:solidFill>
+                            <a:schemeClr val="bg1"/>
+                          </a:solidFill>
+                        </a:rPr>
+                        <a:t>4.</a:t>
+                      </a:r>
+                      <a:r>
+                        <a:rPr lang="ko-KR" altLang="en-US" sz="1200" dirty="0" smtClean="0">
+                          <a:solidFill>
+                            <a:schemeClr val="bg1"/>
+                          </a:solidFill>
+                        </a:rPr>
+                        <a:t>대입할 값만 입력</a:t>
+                      </a:r>
+                      <a:endParaRPr lang="ko-KR" altLang="en-US" sz="1200" dirty="0">
+                        <a:solidFill>
+                          <a:schemeClr val="bg1"/>
+                        </a:solidFill>
+                      </a:endParaRPr>
+                    </a:p>
+                  </a:txBody>
+                  <a:tcPr marL="107130" marR="107130" marT="53565" marB="53565" anchor="ctr"/>
+                </a:tc>
+                <a:extLst>
+                  <a:ext uri="{0D108BD9-81ED-4DB2-BD59-A6C34878D82A}">
+                    <a16:rowId xmlns:a16="http://schemas.microsoft.com/office/drawing/2014/main" val="1297731438"/>
+                  </a:ext>
+                </a:extLst>
+              </a:tr>
+              <a:tr h="964277">
+                <a:tc>
+                  <a:txBody>
+                    <a:bodyPr/>
+                    <a:lstStyle/>
+                    <a:p>
+                      <a:pPr marL="0" marR="0" indent="0" algn="l" defTabSz="914422" rtl="0" eaLnBrk="1" fontAlgn="auto" latinLnBrk="1" hangingPunct="1">
+                        <a:lnSpc>
+                          <a:spcPct val="100000"/>
+                        </a:lnSpc>
+                        <a:spcBef>
+                          <a:spcPts val="0"/>
+                        </a:spcBef>
+                        <a:spcAft>
+                          <a:spcPts val="0"/>
+                        </a:spcAft>
+                        <a:buClrTx/>
+                        <a:buSzTx/>
+                        <a:buFontTx/>
+                        <a:buNone/>
+                        <a:tabLst/>
+                        <a:defRPr/>
+                      </a:pPr>
+                      <a:r>
+                        <a:rPr lang="ko-KR" altLang="en-US" sz="1200" dirty="0" smtClean="0">
+                          <a:solidFill>
+                            <a:schemeClr val="bg1"/>
+                          </a:solidFill>
+                        </a:rPr>
+                        <a:t>자료형</a:t>
+                      </a:r>
+                      <a:r>
+                        <a:rPr lang="en-US" altLang="ko-KR" sz="1200" dirty="0" smtClean="0">
+                          <a:solidFill>
+                            <a:schemeClr val="bg1"/>
+                          </a:solidFill>
+                        </a:rPr>
+                        <a:t>[][]</a:t>
+                      </a:r>
+                      <a:r>
+                        <a:rPr lang="en-US" altLang="ko-KR" sz="1200" baseline="0" dirty="0" smtClean="0">
+                          <a:solidFill>
+                            <a:schemeClr val="bg1"/>
+                          </a:solidFill>
+                        </a:rPr>
+                        <a:t> </a:t>
+                      </a:r>
+                      <a:r>
+                        <a:rPr lang="ko-KR" altLang="en-US" sz="1200" baseline="0" dirty="0" smtClean="0">
+                          <a:solidFill>
+                            <a:schemeClr val="bg1"/>
+                          </a:solidFill>
+                        </a:rPr>
+                        <a:t>참조 변수명 </a:t>
+                      </a:r>
+                      <a:r>
+                        <a:rPr lang="en-US" altLang="ko-KR" sz="1200" baseline="0" dirty="0" smtClean="0">
+                          <a:solidFill>
+                            <a:schemeClr val="bg1"/>
+                          </a:solidFill>
+                        </a:rPr>
+                        <a:t>=</a:t>
+                      </a:r>
+                    </a:p>
+                    <a:p>
+                      <a:pPr marL="0" marR="0" indent="0" algn="l" defTabSz="914422" rtl="0" eaLnBrk="1" fontAlgn="auto" latinLnBrk="1" hangingPunct="1">
+                        <a:lnSpc>
+                          <a:spcPct val="100000"/>
+                        </a:lnSpc>
+                        <a:spcBef>
+                          <a:spcPts val="0"/>
+                        </a:spcBef>
+                        <a:spcAft>
+                          <a:spcPts val="0"/>
+                        </a:spcAft>
+                        <a:buClrTx/>
+                        <a:buSzTx/>
+                        <a:buFontTx/>
+                        <a:buNone/>
+                        <a:tabLst/>
+                        <a:defRPr/>
+                      </a:pPr>
+                      <a:r>
+                        <a:rPr lang="en-US" altLang="ko-KR" sz="1200" baseline="0" dirty="0" smtClean="0">
+                          <a:solidFill>
+                            <a:schemeClr val="bg1"/>
+                          </a:solidFill>
+                        </a:rPr>
+                        <a:t>new </a:t>
+                      </a:r>
+                      <a:r>
+                        <a:rPr lang="ko-KR" altLang="en-US" sz="1200" baseline="0" dirty="0" smtClean="0">
+                          <a:solidFill>
+                            <a:schemeClr val="bg1"/>
+                          </a:solidFill>
+                        </a:rPr>
+                        <a:t>자료형</a:t>
+                      </a:r>
+                      <a:r>
+                        <a:rPr lang="en-US" altLang="ko-KR" sz="1200" baseline="0" dirty="0" smtClean="0">
+                          <a:solidFill>
+                            <a:schemeClr val="bg1"/>
+                          </a:solidFill>
+                        </a:rPr>
+                        <a:t>[</a:t>
+                      </a:r>
+                      <a:r>
+                        <a:rPr lang="ko-KR" altLang="en-US" sz="1200" baseline="0" dirty="0" smtClean="0">
+                          <a:solidFill>
+                            <a:schemeClr val="bg1"/>
+                          </a:solidFill>
+                        </a:rPr>
+                        <a:t>행의 길이</a:t>
+                      </a:r>
+                      <a:r>
+                        <a:rPr lang="en-US" altLang="ko-KR" sz="1200" baseline="0" dirty="0" smtClean="0">
+                          <a:solidFill>
+                            <a:schemeClr val="bg1"/>
+                          </a:solidFill>
+                        </a:rPr>
+                        <a:t>][</a:t>
+                      </a:r>
+                      <a:r>
+                        <a:rPr lang="ko-KR" altLang="en-US" sz="1200" baseline="0" dirty="0" smtClean="0">
+                          <a:solidFill>
+                            <a:schemeClr val="bg1"/>
+                          </a:solidFill>
+                        </a:rPr>
+                        <a:t>열의 길이</a:t>
+                      </a:r>
+                      <a:r>
+                        <a:rPr lang="en-US" altLang="ko-KR" sz="1200" baseline="0" dirty="0" smtClean="0">
+                          <a:solidFill>
+                            <a:schemeClr val="bg1"/>
+                          </a:solidFill>
+                        </a:rPr>
+                        <a:t>]</a:t>
+                      </a:r>
+                    </a:p>
+                    <a:p>
+                      <a:pPr marL="0" marR="0" indent="0" algn="l" defTabSz="914422" rtl="0" eaLnBrk="1" fontAlgn="auto" latinLnBrk="1" hangingPunct="1">
+                        <a:lnSpc>
+                          <a:spcPct val="100000"/>
+                        </a:lnSpc>
+                        <a:spcBef>
+                          <a:spcPts val="0"/>
+                        </a:spcBef>
+                        <a:spcAft>
+                          <a:spcPts val="0"/>
+                        </a:spcAft>
+                        <a:buClrTx/>
+                        <a:buSzTx/>
+                        <a:buFontTx/>
+                        <a:buNone/>
+                        <a:tabLst/>
+                        <a:defRPr/>
+                      </a:pPr>
+                      <a:r>
+                        <a:rPr lang="en-US" altLang="ko-KR" sz="1200" baseline="0" dirty="0" smtClean="0">
+                          <a:solidFill>
+                            <a:schemeClr val="bg1"/>
+                          </a:solidFill>
+                        </a:rPr>
+                        <a:t/>
+                      </a:r>
+                      <a:br>
+                        <a:rPr lang="en-US" altLang="ko-KR" sz="1200" baseline="0" dirty="0" smtClean="0">
+                          <a:solidFill>
+                            <a:schemeClr val="bg1"/>
+                          </a:solidFill>
+                        </a:rPr>
+                      </a:br>
+                      <a:r>
+                        <a:rPr lang="ko-KR" altLang="en-US" sz="1200" dirty="0" smtClean="0">
+                          <a:solidFill>
+                            <a:schemeClr val="bg1"/>
+                          </a:solidFill>
+                        </a:rPr>
+                        <a:t>자료형</a:t>
+                      </a:r>
+                      <a:r>
+                        <a:rPr lang="en-US" altLang="ko-KR" sz="1200" dirty="0" smtClean="0">
+                          <a:solidFill>
+                            <a:schemeClr val="bg1"/>
+                          </a:solidFill>
+                        </a:rPr>
+                        <a:t>[0][0] </a:t>
+                      </a:r>
+                      <a:r>
+                        <a:rPr lang="ko-KR" altLang="en-US" sz="1200" dirty="0" smtClean="0">
+                          <a:solidFill>
+                            <a:schemeClr val="bg1"/>
+                          </a:solidFill>
+                        </a:rPr>
+                        <a:t>참조 변수명 </a:t>
+                      </a:r>
+                      <a:r>
+                        <a:rPr lang="en-US" altLang="ko-KR" sz="1200" dirty="0" smtClean="0">
+                          <a:solidFill>
+                            <a:schemeClr val="bg1"/>
+                          </a:solidFill>
+                        </a:rPr>
+                        <a:t>= </a:t>
+                      </a:r>
+                      <a:r>
+                        <a:rPr lang="ko-KR" altLang="en-US" sz="1200" dirty="0" smtClean="0">
+                          <a:solidFill>
+                            <a:schemeClr val="bg1"/>
+                          </a:solidFill>
+                        </a:rPr>
+                        <a:t>값</a:t>
+                      </a:r>
+                      <a:r>
+                        <a:rPr lang="en-US" altLang="ko-KR" sz="1200" dirty="0" smtClean="0">
+                          <a:solidFill>
+                            <a:schemeClr val="bg1"/>
+                          </a:solidFill>
+                        </a:rPr>
+                        <a:t>;</a:t>
+                      </a:r>
+                      <a:br>
+                        <a:rPr lang="en-US" altLang="ko-KR" sz="1200" dirty="0" smtClean="0">
+                          <a:solidFill>
+                            <a:schemeClr val="bg1"/>
+                          </a:solidFill>
+                        </a:rPr>
+                      </a:br>
+                      <a:r>
+                        <a:rPr lang="ko-KR" altLang="en-US" sz="1200" dirty="0" smtClean="0">
+                          <a:solidFill>
+                            <a:schemeClr val="bg1"/>
+                          </a:solidFill>
+                        </a:rPr>
+                        <a:t>자료형</a:t>
+                      </a:r>
+                      <a:r>
+                        <a:rPr lang="en-US" altLang="ko-KR" sz="1200" dirty="0" smtClean="0">
+                          <a:solidFill>
+                            <a:schemeClr val="bg1"/>
+                          </a:solidFill>
+                        </a:rPr>
+                        <a:t>[0][1] </a:t>
+                      </a:r>
+                      <a:r>
+                        <a:rPr lang="ko-KR" altLang="en-US" sz="1200" dirty="0" smtClean="0">
+                          <a:solidFill>
+                            <a:schemeClr val="bg1"/>
+                          </a:solidFill>
+                        </a:rPr>
+                        <a:t>참조 변수명 </a:t>
+                      </a:r>
+                      <a:r>
+                        <a:rPr lang="en-US" altLang="ko-KR" sz="1200" dirty="0" smtClean="0">
+                          <a:solidFill>
+                            <a:schemeClr val="bg1"/>
+                          </a:solidFill>
+                        </a:rPr>
+                        <a:t>= </a:t>
+                      </a:r>
+                      <a:r>
+                        <a:rPr lang="ko-KR" altLang="en-US" sz="1200" dirty="0" smtClean="0">
+                          <a:solidFill>
+                            <a:schemeClr val="bg1"/>
+                          </a:solidFill>
+                        </a:rPr>
+                        <a:t>값</a:t>
+                      </a:r>
+                      <a:r>
+                        <a:rPr lang="en-US" altLang="ko-KR" sz="1200" dirty="0" smtClean="0">
+                          <a:solidFill>
+                            <a:schemeClr val="bg1"/>
+                          </a:solidFill>
+                        </a:rPr>
+                        <a:t>;</a:t>
+                      </a:r>
+                      <a:endParaRPr lang="ko-KR" altLang="en-US" sz="1200" dirty="0" smtClean="0">
+                        <a:solidFill>
+                          <a:schemeClr val="bg1"/>
+                        </a:solidFill>
+                      </a:endParaRPr>
+                    </a:p>
+                  </a:txBody>
+                  <a:tcPr marL="107130" marR="107130" marT="53565" marB="53565"/>
+                </a:tc>
+                <a:tc>
+                  <a:txBody>
+                    <a:bodyPr/>
+                    <a:lstStyle/>
+                    <a:p>
+                      <a:pPr latinLnBrk="1"/>
+                      <a:r>
+                        <a:rPr lang="ko-KR" altLang="en-US" sz="1200" dirty="0" smtClean="0">
+                          <a:solidFill>
+                            <a:schemeClr val="bg1"/>
+                          </a:solidFill>
+                        </a:rPr>
+                        <a:t>자료형</a:t>
+                      </a:r>
+                      <a:r>
+                        <a:rPr lang="en-US" altLang="ko-KR" sz="1200" dirty="0" smtClean="0">
+                          <a:solidFill>
+                            <a:schemeClr val="bg1"/>
+                          </a:solidFill>
+                        </a:rPr>
+                        <a:t>[][] </a:t>
+                      </a:r>
+                      <a:r>
+                        <a:rPr lang="ko-KR" altLang="en-US" sz="1200" dirty="0" smtClean="0">
+                          <a:solidFill>
+                            <a:schemeClr val="bg1"/>
+                          </a:solidFill>
+                        </a:rPr>
+                        <a:t>참조</a:t>
+                      </a:r>
+                      <a:r>
+                        <a:rPr lang="ko-KR" altLang="en-US" sz="1200" baseline="0" dirty="0" smtClean="0">
+                          <a:solidFill>
+                            <a:schemeClr val="bg1"/>
+                          </a:solidFill>
+                        </a:rPr>
+                        <a:t> 변수명 </a:t>
+                      </a:r>
+                      <a:r>
+                        <a:rPr lang="en-US" altLang="ko-KR" sz="1200" baseline="0" dirty="0" smtClean="0">
+                          <a:solidFill>
+                            <a:schemeClr val="bg1"/>
+                          </a:solidFill>
+                        </a:rPr>
+                        <a:t>=</a:t>
+                      </a:r>
+                    </a:p>
+                    <a:p>
+                      <a:pPr latinLnBrk="1"/>
+                      <a:r>
+                        <a:rPr lang="en-US" altLang="ko-KR" sz="1200" baseline="0" dirty="0" smtClean="0">
+                          <a:solidFill>
+                            <a:schemeClr val="bg1"/>
+                          </a:solidFill>
+                        </a:rPr>
+                        <a:t>new  </a:t>
+                      </a:r>
+                      <a:r>
+                        <a:rPr lang="ko-KR" altLang="en-US" sz="1200" baseline="0" dirty="0" smtClean="0">
+                          <a:solidFill>
+                            <a:schemeClr val="bg1"/>
+                          </a:solidFill>
+                        </a:rPr>
+                        <a:t>자료형</a:t>
+                      </a:r>
+                      <a:r>
+                        <a:rPr lang="en-US" altLang="ko-KR" sz="1200" baseline="0" dirty="0" smtClean="0">
+                          <a:solidFill>
+                            <a:schemeClr val="bg1"/>
+                          </a:solidFill>
+                        </a:rPr>
+                        <a:t>[</a:t>
+                      </a:r>
+                      <a:r>
+                        <a:rPr lang="ko-KR" altLang="en-US" sz="1200" baseline="0" dirty="0" smtClean="0">
+                          <a:solidFill>
+                            <a:schemeClr val="bg1"/>
+                          </a:solidFill>
+                        </a:rPr>
+                        <a:t>행의 길이</a:t>
+                      </a:r>
+                      <a:r>
+                        <a:rPr lang="en-US" altLang="ko-KR" sz="1200" baseline="0" dirty="0" smtClean="0">
+                          <a:solidFill>
+                            <a:schemeClr val="bg1"/>
+                          </a:solidFill>
+                        </a:rPr>
+                        <a:t>][];</a:t>
+                      </a:r>
+                    </a:p>
+                    <a:p>
+                      <a:pPr latinLnBrk="1"/>
+                      <a:endParaRPr lang="en-US" altLang="ko-KR" sz="1200" baseline="0" dirty="0" smtClean="0">
+                        <a:solidFill>
+                          <a:schemeClr val="bg1"/>
+                        </a:solidFill>
+                      </a:endParaRPr>
+                    </a:p>
+                    <a:p>
+                      <a:pPr latinLnBrk="1"/>
+                      <a:r>
+                        <a:rPr lang="ko-KR" altLang="en-US" sz="1200" baseline="0" dirty="0" smtClean="0">
+                          <a:solidFill>
+                            <a:schemeClr val="bg1"/>
+                          </a:solidFill>
+                        </a:rPr>
+                        <a:t>참조 변수명</a:t>
+                      </a:r>
+                      <a:r>
+                        <a:rPr lang="en-US" altLang="ko-KR" sz="1200" baseline="0" dirty="0" smtClean="0">
+                          <a:solidFill>
+                            <a:schemeClr val="bg1"/>
+                          </a:solidFill>
+                        </a:rPr>
+                        <a:t>[0] = 1</a:t>
+                      </a:r>
+                      <a:r>
+                        <a:rPr lang="ko-KR" altLang="en-US" sz="1200" baseline="0" dirty="0" smtClean="0">
+                          <a:solidFill>
+                            <a:schemeClr val="bg1"/>
+                          </a:solidFill>
+                        </a:rPr>
+                        <a:t>차원 배열의 생성</a:t>
+                      </a:r>
+                      <a:r>
+                        <a:rPr lang="en-US" altLang="ko-KR" sz="1200" baseline="0" dirty="0" smtClean="0">
+                          <a:solidFill>
+                            <a:schemeClr val="bg1"/>
+                          </a:solidFill>
+                        </a:rPr>
+                        <a:t>;</a:t>
+                      </a:r>
+                    </a:p>
+                    <a:p>
+                      <a:pPr latinLnBrk="1"/>
+                      <a:r>
+                        <a:rPr lang="ko-KR" altLang="en-US" sz="1200" baseline="0" dirty="0" smtClean="0">
+                          <a:solidFill>
+                            <a:schemeClr val="bg1"/>
+                          </a:solidFill>
+                        </a:rPr>
+                        <a:t>참조 변수명</a:t>
+                      </a:r>
+                      <a:r>
+                        <a:rPr lang="en-US" altLang="ko-KR" sz="1200" baseline="0" dirty="0" smtClean="0">
+                          <a:solidFill>
+                            <a:schemeClr val="bg1"/>
+                          </a:solidFill>
+                        </a:rPr>
+                        <a:t>[1] = 1</a:t>
+                      </a:r>
+                      <a:r>
+                        <a:rPr lang="ko-KR" altLang="en-US" sz="1200" baseline="0" dirty="0" smtClean="0">
+                          <a:solidFill>
+                            <a:schemeClr val="bg1"/>
+                          </a:solidFill>
+                        </a:rPr>
+                        <a:t>차원 배열의 생성</a:t>
+                      </a:r>
+                      <a:r>
+                        <a:rPr lang="en-US" altLang="ko-KR" sz="1200" baseline="0" dirty="0" smtClean="0">
+                          <a:solidFill>
+                            <a:schemeClr val="bg1"/>
+                          </a:solidFill>
+                        </a:rPr>
+                        <a:t>;</a:t>
+                      </a:r>
+                    </a:p>
+                  </a:txBody>
+                  <a:tcPr marL="107130" marR="107130" marT="53565" marB="53565"/>
+                </a:tc>
+                <a:tc>
+                  <a:txBody>
+                    <a:bodyPr/>
+                    <a:lstStyle/>
+                    <a:p>
+                      <a:pPr latinLnBrk="1"/>
+                      <a:r>
+                        <a:rPr lang="ko-KR" altLang="en-US" sz="1200" dirty="0" smtClean="0">
+                          <a:solidFill>
+                            <a:schemeClr val="bg1"/>
+                          </a:solidFill>
+                        </a:rPr>
+                        <a:t>자료형</a:t>
+                      </a:r>
+                      <a:r>
+                        <a:rPr lang="en-US" altLang="ko-KR" sz="1200" dirty="0" smtClean="0">
+                          <a:solidFill>
+                            <a:schemeClr val="bg1"/>
+                          </a:solidFill>
+                        </a:rPr>
+                        <a:t>[][] </a:t>
+                      </a:r>
+                      <a:r>
+                        <a:rPr lang="ko-KR" altLang="en-US" sz="1200" dirty="0" smtClean="0">
+                          <a:solidFill>
+                            <a:schemeClr val="bg1"/>
+                          </a:solidFill>
+                        </a:rPr>
+                        <a:t>참조 변수명 </a:t>
+                      </a:r>
+                      <a:r>
+                        <a:rPr lang="en-US" altLang="ko-KR" sz="1200" dirty="0" smtClean="0">
+                          <a:solidFill>
+                            <a:schemeClr val="bg1"/>
+                          </a:solidFill>
+                        </a:rPr>
+                        <a:t>= new</a:t>
+                      </a:r>
+                      <a:r>
+                        <a:rPr lang="en-US" altLang="ko-KR" sz="1200" baseline="0" dirty="0" smtClean="0">
+                          <a:solidFill>
+                            <a:schemeClr val="bg1"/>
+                          </a:solidFill>
+                        </a:rPr>
+                        <a:t> </a:t>
+                      </a:r>
+                      <a:r>
+                        <a:rPr lang="ko-KR" altLang="en-US" sz="1200" baseline="0" dirty="0" smtClean="0">
+                          <a:solidFill>
+                            <a:schemeClr val="bg1"/>
+                          </a:solidFill>
+                        </a:rPr>
+                        <a:t>자료형</a:t>
+                      </a:r>
+                      <a:r>
+                        <a:rPr lang="en-US" altLang="ko-KR" sz="1200" baseline="0" dirty="0" smtClean="0">
+                          <a:solidFill>
+                            <a:schemeClr val="bg1"/>
+                          </a:solidFill>
+                        </a:rPr>
+                        <a:t>[][]</a:t>
+                      </a:r>
+                    </a:p>
+                    <a:p>
+                      <a:pPr latinLnBrk="1"/>
+                      <a:r>
+                        <a:rPr lang="en-US" altLang="ko-KR" sz="1200" baseline="0" dirty="0" smtClean="0">
+                          <a:solidFill>
+                            <a:schemeClr val="bg1"/>
+                          </a:solidFill>
+                        </a:rPr>
+                        <a:t>{{</a:t>
+                      </a:r>
+                      <a:r>
+                        <a:rPr lang="ko-KR" altLang="en-US" sz="1200" baseline="0" dirty="0" smtClean="0">
+                          <a:solidFill>
+                            <a:schemeClr val="bg1"/>
+                          </a:solidFill>
+                        </a:rPr>
+                        <a:t>값</a:t>
+                      </a:r>
+                      <a:r>
+                        <a:rPr lang="en-US" altLang="ko-KR" sz="1200" baseline="0" dirty="0" smtClean="0">
+                          <a:solidFill>
+                            <a:schemeClr val="bg1"/>
+                          </a:solidFill>
+                        </a:rPr>
+                        <a:t>, </a:t>
+                      </a:r>
+                      <a:r>
+                        <a:rPr lang="ko-KR" altLang="en-US" sz="1200" baseline="0" dirty="0" smtClean="0">
+                          <a:solidFill>
+                            <a:schemeClr val="bg1"/>
+                          </a:solidFill>
+                        </a:rPr>
+                        <a:t>값</a:t>
+                      </a:r>
+                      <a:r>
+                        <a:rPr lang="en-US" altLang="ko-KR" sz="1200" baseline="0" dirty="0" smtClean="0">
+                          <a:solidFill>
+                            <a:schemeClr val="bg1"/>
+                          </a:solidFill>
+                        </a:rPr>
+                        <a:t>, …, </a:t>
+                      </a:r>
+                      <a:r>
+                        <a:rPr lang="ko-KR" altLang="en-US" sz="1200" baseline="0" dirty="0" smtClean="0">
+                          <a:solidFill>
+                            <a:schemeClr val="bg1"/>
+                          </a:solidFill>
+                        </a:rPr>
+                        <a:t>값</a:t>
+                      </a:r>
+                      <a:r>
+                        <a:rPr lang="en-US" altLang="ko-KR" sz="1200" baseline="0" dirty="0" smtClean="0">
+                          <a:solidFill>
+                            <a:schemeClr val="bg1"/>
+                          </a:solidFill>
+                        </a:rPr>
+                        <a:t>}, … , {</a:t>
+                      </a:r>
+                      <a:r>
+                        <a:rPr lang="ko-KR" altLang="en-US" sz="1200" baseline="0" dirty="0" smtClean="0">
+                          <a:solidFill>
+                            <a:schemeClr val="bg1"/>
+                          </a:solidFill>
+                        </a:rPr>
+                        <a:t>값</a:t>
+                      </a:r>
+                      <a:r>
+                        <a:rPr lang="en-US" altLang="ko-KR" sz="1200" baseline="0" dirty="0" smtClean="0">
+                          <a:solidFill>
+                            <a:schemeClr val="bg1"/>
+                          </a:solidFill>
+                        </a:rPr>
+                        <a:t>, </a:t>
+                      </a:r>
+                      <a:r>
+                        <a:rPr lang="ko-KR" altLang="en-US" sz="1200" baseline="0" dirty="0" smtClean="0">
+                          <a:solidFill>
+                            <a:schemeClr val="bg1"/>
+                          </a:solidFill>
+                        </a:rPr>
+                        <a:t>값</a:t>
+                      </a:r>
+                      <a:r>
+                        <a:rPr lang="en-US" altLang="ko-KR" sz="1200" baseline="0" dirty="0" smtClean="0">
+                          <a:solidFill>
+                            <a:schemeClr val="bg1"/>
+                          </a:solidFill>
+                        </a:rPr>
+                        <a:t>, … ,</a:t>
+                      </a:r>
+                      <a:r>
+                        <a:rPr lang="ko-KR" altLang="en-US" sz="1200" baseline="0" dirty="0" smtClean="0">
+                          <a:solidFill>
+                            <a:schemeClr val="bg1"/>
+                          </a:solidFill>
+                        </a:rPr>
+                        <a:t>값</a:t>
+                      </a:r>
+                      <a:r>
+                        <a:rPr lang="en-US" altLang="ko-KR" sz="1200" baseline="0" dirty="0" smtClean="0">
+                          <a:solidFill>
+                            <a:schemeClr val="bg1"/>
+                          </a:solidFill>
+                        </a:rPr>
+                        <a:t>}};</a:t>
+                      </a:r>
+                      <a:endParaRPr lang="ko-KR" altLang="en-US" sz="1200" dirty="0">
+                        <a:solidFill>
+                          <a:schemeClr val="bg1"/>
+                        </a:solidFill>
+                      </a:endParaRPr>
+                    </a:p>
+                  </a:txBody>
+                  <a:tcPr marL="107130" marR="107130" marT="53565" marB="53565"/>
+                </a:tc>
+                <a:tc>
+                  <a:txBody>
+                    <a:bodyPr/>
+                    <a:lstStyle/>
+                    <a:p>
+                      <a:pPr latinLnBrk="1"/>
+                      <a:r>
+                        <a:rPr lang="ko-KR" altLang="en-US" sz="1200" dirty="0" smtClean="0">
+                          <a:solidFill>
+                            <a:schemeClr val="bg1"/>
+                          </a:solidFill>
+                        </a:rPr>
+                        <a:t>자료형</a:t>
+                      </a:r>
+                      <a:r>
+                        <a:rPr lang="en-US" altLang="ko-KR" sz="1200" dirty="0" smtClean="0">
+                          <a:solidFill>
+                            <a:schemeClr val="bg1"/>
+                          </a:solidFill>
+                        </a:rPr>
+                        <a:t>[][] </a:t>
+                      </a:r>
+                      <a:r>
+                        <a:rPr lang="ko-KR" altLang="en-US" sz="1200" dirty="0" smtClean="0">
+                          <a:solidFill>
+                            <a:schemeClr val="bg1"/>
+                          </a:solidFill>
+                        </a:rPr>
+                        <a:t>참조 변수명 </a:t>
+                      </a:r>
+                      <a:r>
+                        <a:rPr lang="en-US" altLang="ko-KR" sz="1200" dirty="0" smtClean="0">
+                          <a:solidFill>
+                            <a:schemeClr val="bg1"/>
+                          </a:solidFill>
+                        </a:rPr>
+                        <a:t>= {{</a:t>
+                      </a:r>
+                      <a:r>
+                        <a:rPr lang="ko-KR" altLang="en-US" sz="1200" dirty="0" smtClean="0">
+                          <a:solidFill>
+                            <a:schemeClr val="bg1"/>
+                          </a:solidFill>
+                        </a:rPr>
+                        <a:t>값</a:t>
+                      </a:r>
+                      <a:r>
+                        <a:rPr lang="en-US" altLang="ko-KR" sz="1200" dirty="0" smtClean="0">
+                          <a:solidFill>
+                            <a:schemeClr val="bg1"/>
+                          </a:solidFill>
+                        </a:rPr>
+                        <a:t>,</a:t>
+                      </a:r>
+                      <a:r>
+                        <a:rPr lang="ko-KR" altLang="en-US" sz="1200" dirty="0" smtClean="0">
+                          <a:solidFill>
+                            <a:schemeClr val="bg1"/>
+                          </a:solidFill>
+                        </a:rPr>
+                        <a:t>값</a:t>
+                      </a:r>
+                      <a:r>
+                        <a:rPr lang="en-US" altLang="ko-KR" sz="1200" dirty="0" smtClean="0">
+                          <a:solidFill>
+                            <a:schemeClr val="bg1"/>
+                          </a:solidFill>
+                        </a:rPr>
+                        <a:t>, … </a:t>
+                      </a:r>
+                      <a:r>
+                        <a:rPr lang="ko-KR" altLang="en-US" sz="1200" dirty="0" smtClean="0">
+                          <a:solidFill>
+                            <a:schemeClr val="bg1"/>
+                          </a:solidFill>
+                        </a:rPr>
+                        <a:t>값</a:t>
+                      </a:r>
+                      <a:r>
+                        <a:rPr lang="en-US" altLang="ko-KR" sz="1200" dirty="0" smtClean="0">
+                          <a:solidFill>
+                            <a:schemeClr val="bg1"/>
+                          </a:solidFill>
+                        </a:rPr>
+                        <a:t>}, … , {</a:t>
+                      </a:r>
+                      <a:r>
+                        <a:rPr lang="ko-KR" altLang="en-US" sz="1200" dirty="0" smtClean="0">
+                          <a:solidFill>
+                            <a:schemeClr val="bg1"/>
+                          </a:solidFill>
+                        </a:rPr>
+                        <a:t>값</a:t>
+                      </a:r>
+                      <a:r>
+                        <a:rPr lang="en-US" altLang="ko-KR" sz="1200" dirty="0" smtClean="0">
+                          <a:solidFill>
+                            <a:schemeClr val="bg1"/>
+                          </a:solidFill>
+                        </a:rPr>
+                        <a:t>, </a:t>
+                      </a:r>
+                      <a:r>
+                        <a:rPr lang="ko-KR" altLang="en-US" sz="1200" dirty="0" smtClean="0">
+                          <a:solidFill>
+                            <a:schemeClr val="bg1"/>
+                          </a:solidFill>
+                        </a:rPr>
+                        <a:t>값</a:t>
+                      </a:r>
+                      <a:r>
+                        <a:rPr lang="en-US" altLang="ko-KR" sz="1200" dirty="0" smtClean="0">
+                          <a:solidFill>
+                            <a:schemeClr val="bg1"/>
+                          </a:solidFill>
+                        </a:rPr>
+                        <a:t>, …, </a:t>
+                      </a:r>
+                      <a:r>
+                        <a:rPr lang="ko-KR" altLang="en-US" sz="1200" dirty="0" smtClean="0">
+                          <a:solidFill>
+                            <a:schemeClr val="bg1"/>
+                          </a:solidFill>
+                        </a:rPr>
+                        <a:t>값</a:t>
+                      </a:r>
+                      <a:r>
+                        <a:rPr lang="en-US" altLang="ko-KR" sz="1200" dirty="0" smtClean="0">
+                          <a:solidFill>
+                            <a:schemeClr val="bg1"/>
+                          </a:solidFill>
+                        </a:rPr>
+                        <a:t>}};</a:t>
+                      </a:r>
+                      <a:endParaRPr lang="ko-KR" altLang="en-US" sz="1200" dirty="0">
+                        <a:solidFill>
+                          <a:schemeClr val="bg1"/>
+                        </a:solidFill>
+                      </a:endParaRPr>
+                    </a:p>
+                  </a:txBody>
+                  <a:tcPr marL="107130" marR="107130" marT="53565" marB="53565"/>
+                </a:tc>
+                <a:extLst>
+                  <a:ext uri="{0D108BD9-81ED-4DB2-BD59-A6C34878D82A}">
+                    <a16:rowId xmlns:a16="http://schemas.microsoft.com/office/drawing/2014/main" val="175332894"/>
+                  </a:ext>
+                </a:extLst>
+              </a:tr>
+              <a:tr h="434473">
+                <a:tc>
+                  <a:txBody>
+                    <a:bodyPr/>
+                    <a:lstStyle/>
+                    <a:p>
+                      <a:pPr latinLnBrk="1"/>
+                      <a:r>
+                        <a:rPr lang="en-US" altLang="ko-KR" sz="1200" dirty="0" smtClean="0">
+                          <a:solidFill>
+                            <a:schemeClr val="bg1"/>
+                          </a:solidFill>
+                        </a:rPr>
+                        <a:t>int</a:t>
+                      </a:r>
+                      <a:r>
+                        <a:rPr lang="en-US" altLang="ko-KR" sz="1200" baseline="0" dirty="0" smtClean="0">
+                          <a:solidFill>
+                            <a:schemeClr val="bg1"/>
+                          </a:solidFill>
+                        </a:rPr>
+                        <a:t> [][] a = new int [2][3];</a:t>
+                      </a:r>
+                    </a:p>
+                    <a:p>
+                      <a:pPr latinLnBrk="1"/>
+                      <a:r>
+                        <a:rPr lang="en-US" altLang="ko-KR" sz="1200" baseline="0" dirty="0" smtClean="0">
+                          <a:solidFill>
+                            <a:schemeClr val="bg1"/>
+                          </a:solidFill>
+                        </a:rPr>
+                        <a:t>a[0][0] = 1; a[0][1] = 2; a[0][2] = 3;</a:t>
+                      </a:r>
+                    </a:p>
+                    <a:p>
+                      <a:pPr marL="0" marR="0" indent="0" algn="l" defTabSz="914422" rtl="0" eaLnBrk="1" fontAlgn="auto" latinLnBrk="1" hangingPunct="1">
+                        <a:lnSpc>
+                          <a:spcPct val="100000"/>
+                        </a:lnSpc>
+                        <a:spcBef>
+                          <a:spcPts val="0"/>
+                        </a:spcBef>
+                        <a:spcAft>
+                          <a:spcPts val="0"/>
+                        </a:spcAft>
+                        <a:buClrTx/>
+                        <a:buSzTx/>
+                        <a:buFontTx/>
+                        <a:buNone/>
+                        <a:tabLst/>
+                        <a:defRPr/>
+                      </a:pPr>
+                      <a:r>
+                        <a:rPr lang="en-US" altLang="ko-KR" sz="1200" baseline="0" dirty="0" smtClean="0">
+                          <a:solidFill>
+                            <a:schemeClr val="bg1"/>
+                          </a:solidFill>
+                        </a:rPr>
+                        <a:t>a[1][0] = 4; a[1][1] = 5; a[1][2] = 6;</a:t>
+                      </a:r>
+                    </a:p>
+                  </a:txBody>
+                  <a:tcPr marL="107130" marR="107130" marT="53565" marB="53565"/>
+                </a:tc>
+                <a:tc>
+                  <a:txBody>
+                    <a:bodyPr/>
+                    <a:lstStyle/>
+                    <a:p>
+                      <a:pPr latinLnBrk="1"/>
+                      <a:r>
+                        <a:rPr lang="en-US" altLang="ko-KR" sz="1200" dirty="0" smtClean="0">
+                          <a:solidFill>
+                            <a:schemeClr val="bg1"/>
+                          </a:solidFill>
+                        </a:rPr>
+                        <a:t>int[][]</a:t>
+                      </a:r>
+                      <a:r>
+                        <a:rPr lang="en-US" altLang="ko-KR" sz="1200" baseline="0" dirty="0" smtClean="0">
+                          <a:solidFill>
+                            <a:schemeClr val="bg1"/>
+                          </a:solidFill>
+                        </a:rPr>
+                        <a:t> a = new int [2][];</a:t>
+                      </a:r>
+                    </a:p>
+                    <a:p>
+                      <a:pPr latinLnBrk="1"/>
+                      <a:endParaRPr lang="en-US" altLang="ko-KR" sz="1200" baseline="0" dirty="0" smtClean="0">
+                        <a:solidFill>
+                          <a:schemeClr val="bg1"/>
+                        </a:solidFill>
+                      </a:endParaRPr>
+                    </a:p>
+                    <a:p>
+                      <a:pPr latinLnBrk="1"/>
+                      <a:r>
+                        <a:rPr lang="en-US" altLang="ko-KR" sz="1200" baseline="0" dirty="0" smtClean="0">
+                          <a:solidFill>
+                            <a:schemeClr val="bg1"/>
+                          </a:solidFill>
+                        </a:rPr>
+                        <a:t>a[0] = new int[3];</a:t>
+                      </a:r>
+                    </a:p>
+                    <a:p>
+                      <a:pPr latinLnBrk="1"/>
+                      <a:r>
+                        <a:rPr lang="en-US" altLang="ko-KR" sz="1200" baseline="0" dirty="0" smtClean="0">
+                          <a:solidFill>
+                            <a:schemeClr val="bg1"/>
+                          </a:solidFill>
+                        </a:rPr>
+                        <a:t>a[0][0] = 1; a[0][1] = 2; a[0][2] = 3;</a:t>
+                      </a:r>
+                    </a:p>
+                    <a:p>
+                      <a:pPr latinLnBrk="1"/>
+                      <a:r>
+                        <a:rPr lang="en-US" altLang="ko-KR" sz="1200" baseline="0" dirty="0" smtClean="0">
+                          <a:solidFill>
+                            <a:schemeClr val="bg1"/>
+                          </a:solidFill>
+                        </a:rPr>
+                        <a:t>a[1] = new int[3];</a:t>
+                      </a:r>
+                    </a:p>
+                    <a:p>
+                      <a:pPr latinLnBrk="1"/>
+                      <a:r>
+                        <a:rPr lang="en-US" altLang="ko-KR" sz="1200" baseline="0" dirty="0" smtClean="0">
+                          <a:solidFill>
+                            <a:schemeClr val="bg1"/>
+                          </a:solidFill>
+                        </a:rPr>
+                        <a:t>a[1][0] = 4; a[1][1] = 5; a[1][2] = 6;</a:t>
+                      </a:r>
+                      <a:endParaRPr lang="en-US" altLang="ko-KR" sz="1200" baseline="0" dirty="0">
+                        <a:solidFill>
+                          <a:schemeClr val="bg1"/>
+                        </a:solidFill>
+                      </a:endParaRPr>
+                    </a:p>
+                    <a:p>
+                      <a:pPr latinLnBrk="1"/>
+                      <a:endParaRPr lang="en-US" altLang="ko-KR" sz="1200" baseline="0" dirty="0">
+                        <a:solidFill>
+                          <a:schemeClr val="bg1"/>
+                        </a:solidFill>
+                      </a:endParaRPr>
+                    </a:p>
+                    <a:p>
+                      <a:pPr latinLnBrk="1"/>
+                      <a:r>
+                        <a:rPr lang="en-US" altLang="ko-KR" sz="1200" baseline="0" dirty="0" smtClean="0">
+                          <a:solidFill>
+                            <a:schemeClr val="bg1"/>
+                          </a:solidFill>
+                        </a:rPr>
+                        <a:t>int[][] a = new int[2][];</a:t>
+                      </a:r>
+                    </a:p>
+                    <a:p>
+                      <a:pPr latinLnBrk="1"/>
+                      <a:endParaRPr lang="en-US" altLang="ko-KR" sz="1200" baseline="0" dirty="0" smtClean="0">
+                        <a:solidFill>
+                          <a:schemeClr val="bg1"/>
+                        </a:solidFill>
+                      </a:endParaRPr>
+                    </a:p>
+                    <a:p>
+                      <a:pPr latinLnBrk="1"/>
+                      <a:r>
+                        <a:rPr lang="en-US" altLang="ko-KR" sz="1200" baseline="0" dirty="0" smtClean="0">
+                          <a:solidFill>
+                            <a:schemeClr val="bg1"/>
+                          </a:solidFill>
+                        </a:rPr>
+                        <a:t>a[0] = new int[]{1,2,3};</a:t>
+                      </a:r>
+                    </a:p>
+                    <a:p>
+                      <a:pPr latinLnBrk="1"/>
+                      <a:r>
+                        <a:rPr lang="en-US" altLang="ko-KR" sz="1200" baseline="0" dirty="0" smtClean="0">
+                          <a:solidFill>
+                            <a:schemeClr val="bg1"/>
+                          </a:solidFill>
+                        </a:rPr>
+                        <a:t>a[1] = new int[]{4,5,6};</a:t>
+                      </a:r>
+                    </a:p>
+                  </a:txBody>
+                  <a:tcPr marL="107130" marR="107130" marT="53565" marB="53565"/>
+                </a:tc>
+                <a:tc>
+                  <a:txBody>
+                    <a:bodyPr/>
+                    <a:lstStyle/>
+                    <a:p>
+                      <a:pPr latinLnBrk="1"/>
+                      <a:r>
+                        <a:rPr lang="en-US" altLang="ko-KR" sz="1200" dirty="0" smtClean="0">
+                          <a:solidFill>
+                            <a:schemeClr val="bg1"/>
+                          </a:solidFill>
+                        </a:rPr>
+                        <a:t>int</a:t>
+                      </a:r>
+                      <a:r>
+                        <a:rPr lang="en-US" altLang="ko-KR" sz="1200" baseline="0" dirty="0" smtClean="0">
+                          <a:solidFill>
+                            <a:schemeClr val="bg1"/>
+                          </a:solidFill>
+                        </a:rPr>
+                        <a:t>[][] a = new int[][] {{1,2,3}, {4,5,6}};</a:t>
+                      </a:r>
+                      <a:endParaRPr lang="ko-KR" altLang="en-US" sz="1200" dirty="0">
+                        <a:solidFill>
+                          <a:schemeClr val="bg1"/>
+                        </a:solidFill>
+                      </a:endParaRPr>
+                    </a:p>
+                  </a:txBody>
+                  <a:tcPr marL="107130" marR="107130" marT="53565" marB="53565"/>
+                </a:tc>
+                <a:tc>
+                  <a:txBody>
+                    <a:bodyPr/>
+                    <a:lstStyle/>
+                    <a:p>
+                      <a:pPr latinLnBrk="1"/>
+                      <a:r>
+                        <a:rPr lang="en-US" altLang="ko-KR" sz="1200" dirty="0" smtClean="0">
+                          <a:solidFill>
+                            <a:schemeClr val="bg1"/>
+                          </a:solidFill>
+                        </a:rPr>
+                        <a:t>int</a:t>
+                      </a:r>
+                      <a:r>
+                        <a:rPr lang="en-US" altLang="ko-KR" sz="1200" baseline="0" dirty="0" smtClean="0">
+                          <a:solidFill>
+                            <a:schemeClr val="bg1"/>
+                          </a:solidFill>
+                        </a:rPr>
+                        <a:t> [][] a ={{1,2,3}, {4,5,6}}</a:t>
+                      </a:r>
+                      <a:endParaRPr lang="ko-KR" altLang="en-US" sz="1200" dirty="0">
+                        <a:solidFill>
+                          <a:schemeClr val="bg1"/>
+                        </a:solidFill>
+                      </a:endParaRPr>
+                    </a:p>
+                  </a:txBody>
+                  <a:tcPr marL="107130" marR="107130" marT="53565" marB="53565"/>
+                </a:tc>
+                <a:extLst>
+                  <a:ext uri="{0D108BD9-81ED-4DB2-BD59-A6C34878D82A}">
+                    <a16:rowId xmlns:a16="http://schemas.microsoft.com/office/drawing/2014/main" val="28996859"/>
+                  </a:ext>
+                </a:extLst>
+              </a:tr>
+            </a:tbl>
+          </a:graphicData>
+        </a:graphic>
+      </p:graphicFrame>
+    </p:spTree>
+    <p:extLst>
+      <p:ext uri="{BB962C8B-B14F-4D97-AF65-F5344CB8AC3E}">
+        <p14:creationId xmlns:p14="http://schemas.microsoft.com/office/powerpoint/2010/main" val="434591772"/>
+      </p:ext>
+    </p:extLst>
+  </p:cSld>
+  <p:clrMapOvr>
+    <a:masterClrMapping/>
+  </p:clrMapOvr>
+</p:sld>
+</file>
+
+<file path=ppt/slides/slide26.xml><?xml version="1.0" encoding="utf-8"?>
+<p:sld xmlns:a="http://schemas.openxmlformats.org/drawingml/2006/main" xmlns:r="http://schemas.openxmlformats.org/officeDocument/2006/relationships" xmlns:p="http://schemas.openxmlformats.org/presentationml/2006/main">
+  <p:cSld>
+    <p:spTree>
+      <p:nvGrpSpPr>
+        <p:cNvPr id="1" name=""/>
+        <p:cNvGrpSpPr/>
+        <p:nvPr/>
+      </p:nvGrpSpPr>
+      <p:grpSpPr>
+        <a:xfrm>
+          <a:off x="0" y="0"/>
+          <a:ext cx="0" cy="0"/>
+          <a:chOff x="0" y="0"/>
+          <a:chExt cx="0" cy="0"/>
+        </a:xfrm>
+      </p:grpSpPr>
+      <p:pic>
+        <p:nvPicPr>
+          <p:cNvPr id="2" name="그림 1"/>
+          <p:cNvPicPr>
+            <a:picLocks noChangeAspect="1"/>
+          </p:cNvPicPr>
+          <p:nvPr/>
+        </p:nvPicPr>
+        <p:blipFill>
+          <a:blip r:embed="rId2"/>
+          <a:stretch>
+            <a:fillRect/>
+          </a:stretch>
+        </p:blipFill>
+        <p:spPr>
+          <a:xfrm>
+            <a:off x="84168" y="1552834"/>
+            <a:ext cx="5128332" cy="4673399"/>
+          </a:xfrm>
+          <a:prstGeom prst="rect">
+            <a:avLst/>
+          </a:prstGeom>
+        </p:spPr>
+      </p:pic>
+      <p:pic>
+        <p:nvPicPr>
+          <p:cNvPr id="3" name="그림 2"/>
+          <p:cNvPicPr>
+            <a:picLocks noChangeAspect="1"/>
+          </p:cNvPicPr>
+          <p:nvPr/>
+        </p:nvPicPr>
+        <p:blipFill>
+          <a:blip r:embed="rId3"/>
+          <a:stretch>
+            <a:fillRect/>
+          </a:stretch>
+        </p:blipFill>
+        <p:spPr>
+          <a:xfrm>
+            <a:off x="5212500" y="2159058"/>
+            <a:ext cx="5829300" cy="4067175"/>
+          </a:xfrm>
+          <a:prstGeom prst="rect">
+            <a:avLst/>
+          </a:prstGeom>
+        </p:spPr>
+      </p:pic>
+    </p:spTree>
+    <p:extLst>
+      <p:ext uri="{BB962C8B-B14F-4D97-AF65-F5344CB8AC3E}">
+        <p14:creationId xmlns:p14="http://schemas.microsoft.com/office/powerpoint/2010/main" val="1636821839"/>
+      </p:ext>
+    </p:extLst>
+  </p:cSld>
+  <p:clrMapOvr>
+    <a:masterClrMapping/>
+  </p:clrMapOvr>
+</p:sld>
+</file>
+
+<file path=ppt/slides/slide27.xml><?xml version="1.0" encoding="utf-8"?>
+<p:sld xmlns:a="http://schemas.openxmlformats.org/drawingml/2006/main" xmlns:r="http://schemas.openxmlformats.org/officeDocument/2006/relationships" xmlns:p="http://schemas.openxmlformats.org/presentationml/2006/main">
+  <p:cSld>
+    <p:spTree>
+      <p:nvGrpSpPr>
+        <p:cNvPr id="1" name=""/>
+        <p:cNvGrpSpPr/>
+        <p:nvPr/>
+      </p:nvGrpSpPr>
+      <p:grpSpPr>
+        <a:xfrm>
+          <a:off x="0" y="0"/>
+          <a:ext cx="0" cy="0"/>
+          <a:chOff x="0" y="0"/>
+          <a:chExt cx="0" cy="0"/>
+        </a:xfrm>
+      </p:grpSpPr>
+      <p:sp>
+        <p:nvSpPr>
+          <p:cNvPr id="2" name="제목 1"/>
+          <p:cNvSpPr>
+            <a:spLocks noGrp="1"/>
+          </p:cNvSpPr>
+          <p:nvPr>
+            <p:ph type="title"/>
+          </p:nvPr>
+        </p:nvSpPr>
+        <p:spPr/>
+        <p:txBody>
+          <a:bodyPr/>
+          <a:lstStyle/>
+          <a:p>
+            <a:pPr algn="ctr"/>
+            <a:r>
+              <a:rPr lang="en-US" altLang="ko-KR" dirty="0" smtClean="0"/>
+              <a:t>2</a:t>
+            </a:r>
+            <a:r>
+              <a:rPr lang="ko-KR" altLang="en-US" dirty="0" smtClean="0"/>
+              <a:t>차원 </a:t>
+            </a:r>
+            <a:r>
+              <a:rPr lang="ko-KR" altLang="en-US" dirty="0" err="1" smtClean="0"/>
+              <a:t>비정방</a:t>
+            </a:r>
+            <a:r>
+              <a:rPr lang="ko-KR" altLang="en-US" dirty="0" smtClean="0"/>
+              <a:t> 행렬</a:t>
+            </a:r>
+            <a:endParaRPr lang="ko-KR" altLang="en-US" dirty="0"/>
+          </a:p>
+        </p:txBody>
+      </p:sp>
+      <p:sp>
+        <p:nvSpPr>
+          <p:cNvPr id="5" name="TextBox 4"/>
+          <p:cNvSpPr txBox="1"/>
+          <p:nvPr/>
+        </p:nvSpPr>
+        <p:spPr>
+          <a:xfrm>
+            <a:off x="0" y="2186867"/>
+            <a:ext cx="5394960" cy="646331"/>
+          </a:xfrm>
+          <a:prstGeom prst="rect">
+            <a:avLst/>
+          </a:prstGeom>
+          <a:noFill/>
+        </p:spPr>
+        <p:txBody>
+          <a:bodyPr wrap="square" rtlCol="0">
+            <a:spAutoFit/>
+          </a:bodyPr>
+          <a:lstStyle/>
+          <a:p>
+            <a:pPr marL="285750" indent="-285750">
+              <a:buFont typeface="Wingdings" panose="05000000000000000000" pitchFamily="2" charset="2"/>
+              <a:buChar char="v"/>
+            </a:pPr>
+            <a:r>
+              <a:rPr lang="en-US" altLang="ko-KR" sz="1200" dirty="0" smtClean="0">
+                <a:solidFill>
+                  <a:schemeClr val="bg1"/>
+                </a:solidFill>
+              </a:rPr>
+              <a:t>2</a:t>
+            </a:r>
+            <a:r>
+              <a:rPr lang="ko-KR" altLang="en-US" sz="1200" dirty="0" smtClean="0">
+                <a:solidFill>
+                  <a:schemeClr val="bg1"/>
+                </a:solidFill>
+              </a:rPr>
+              <a:t>차원 </a:t>
+            </a:r>
+            <a:r>
+              <a:rPr lang="ko-KR" altLang="en-US" sz="1200" dirty="0" err="1" smtClean="0">
+                <a:solidFill>
+                  <a:schemeClr val="bg1"/>
+                </a:solidFill>
+              </a:rPr>
+              <a:t>비정방</a:t>
+            </a:r>
+            <a:r>
+              <a:rPr lang="ko-KR" altLang="en-US" sz="1200" dirty="0" smtClean="0">
+                <a:solidFill>
+                  <a:schemeClr val="bg1"/>
+                </a:solidFill>
+              </a:rPr>
+              <a:t> </a:t>
+            </a:r>
+            <a:r>
+              <a:rPr lang="ko-KR" altLang="en-US" sz="1200" dirty="0" smtClean="0">
+                <a:solidFill>
+                  <a:schemeClr val="bg1"/>
+                </a:solidFill>
+              </a:rPr>
+              <a:t>행렬은 </a:t>
+            </a:r>
+            <a:r>
+              <a:rPr lang="ko-KR" altLang="en-US" sz="1200" dirty="0">
+                <a:solidFill>
+                  <a:schemeClr val="bg1"/>
+                </a:solidFill>
+              </a:rPr>
+              <a:t>각</a:t>
+            </a:r>
+            <a:r>
+              <a:rPr lang="ko-KR" altLang="en-US" sz="1200" dirty="0" smtClean="0">
+                <a:solidFill>
+                  <a:schemeClr val="bg1"/>
+                </a:solidFill>
+              </a:rPr>
+              <a:t> 행마다 열의 길이가 다른 </a:t>
+            </a:r>
+            <a:r>
+              <a:rPr lang="en-US" altLang="ko-KR" sz="1200" dirty="0" smtClean="0">
+                <a:solidFill>
+                  <a:schemeClr val="bg1"/>
+                </a:solidFill>
+              </a:rPr>
+              <a:t>2</a:t>
+            </a:r>
+            <a:r>
+              <a:rPr lang="ko-KR" altLang="en-US" sz="1200" dirty="0" smtClean="0">
+                <a:solidFill>
+                  <a:schemeClr val="bg1"/>
+                </a:solidFill>
+              </a:rPr>
+              <a:t>차원 배열을 의미한다</a:t>
+            </a:r>
+            <a:r>
+              <a:rPr lang="en-US" altLang="ko-KR" sz="1200" dirty="0" smtClean="0">
+                <a:solidFill>
+                  <a:schemeClr val="bg1"/>
+                </a:solidFill>
+              </a:rPr>
+              <a:t>. </a:t>
+            </a:r>
+            <a:r>
+              <a:rPr lang="ko-KR" altLang="en-US" sz="1200" dirty="0" smtClean="0">
+                <a:solidFill>
+                  <a:schemeClr val="bg1"/>
+                </a:solidFill>
+              </a:rPr>
+              <a:t>배열의 구조를 보면</a:t>
+            </a:r>
+            <a:r>
+              <a:rPr lang="en-US" altLang="ko-KR" sz="1200" dirty="0">
+                <a:solidFill>
+                  <a:schemeClr val="bg1"/>
+                </a:solidFill>
+              </a:rPr>
+              <a:t> </a:t>
+            </a:r>
+            <a:r>
+              <a:rPr lang="ko-KR" altLang="en-US" sz="1200" dirty="0" smtClean="0">
+                <a:solidFill>
+                  <a:schemeClr val="bg1"/>
+                </a:solidFill>
+              </a:rPr>
+              <a:t>각 행 별로 들쑥날쑥한 것을 알 수 있다</a:t>
+            </a:r>
+            <a:r>
+              <a:rPr lang="en-US" altLang="ko-KR" sz="1200" dirty="0" smtClean="0">
+                <a:solidFill>
+                  <a:schemeClr val="bg1"/>
+                </a:solidFill>
+              </a:rPr>
+              <a:t>. </a:t>
+            </a:r>
+            <a:br>
+              <a:rPr lang="en-US" altLang="ko-KR" sz="1200" dirty="0" smtClean="0">
+                <a:solidFill>
+                  <a:schemeClr val="bg1"/>
+                </a:solidFill>
+              </a:rPr>
+            </a:br>
+            <a:r>
+              <a:rPr lang="ko-KR" altLang="en-US" sz="1200" dirty="0" smtClean="0">
+                <a:solidFill>
+                  <a:schemeClr val="bg1"/>
+                </a:solidFill>
+              </a:rPr>
+              <a:t>하지만 기본적인 개념은 </a:t>
+            </a:r>
+            <a:r>
+              <a:rPr lang="en-US" altLang="ko-KR" sz="1200" dirty="0" smtClean="0">
+                <a:solidFill>
+                  <a:schemeClr val="bg1"/>
+                </a:solidFill>
+              </a:rPr>
+              <a:t>2</a:t>
+            </a:r>
+            <a:r>
+              <a:rPr lang="ko-KR" altLang="en-US" sz="1200" dirty="0" smtClean="0">
+                <a:solidFill>
+                  <a:schemeClr val="bg1"/>
+                </a:solidFill>
+              </a:rPr>
+              <a:t>차원 정방 행렬과 완벽하게 동일하다</a:t>
+            </a:r>
+            <a:r>
+              <a:rPr lang="en-US" altLang="ko-KR" sz="1200" dirty="0" smtClean="0">
+                <a:solidFill>
+                  <a:schemeClr val="bg1"/>
+                </a:solidFill>
+              </a:rPr>
+              <a:t>.</a:t>
+            </a:r>
+            <a:endParaRPr lang="ko-KR" altLang="en-US" sz="1200" dirty="0">
+              <a:solidFill>
+                <a:schemeClr val="bg1"/>
+              </a:solidFill>
+            </a:endParaRPr>
+          </a:p>
+        </p:txBody>
+      </p:sp>
+      <p:graphicFrame>
+        <p:nvGraphicFramePr>
+          <p:cNvPr id="4" name="표 3"/>
+          <p:cNvGraphicFramePr>
+            <a:graphicFrameLocks noGrp="1"/>
+          </p:cNvGraphicFramePr>
+          <p:nvPr>
+            <p:extLst>
+              <p:ext uri="{D42A27DB-BD31-4B8C-83A1-F6EECF244321}">
+                <p14:modId xmlns:p14="http://schemas.microsoft.com/office/powerpoint/2010/main" val="423282780"/>
+              </p:ext>
+            </p:extLst>
+          </p:nvPr>
+        </p:nvGraphicFramePr>
+        <p:xfrm>
+          <a:off x="2144683" y="3373289"/>
+          <a:ext cx="3125586" cy="1499124"/>
+        </p:xfrm>
+        <a:graphic>
+          <a:graphicData uri="http://schemas.openxmlformats.org/drawingml/2006/table">
+            <a:tbl>
+              <a:tblPr firstRow="1" bandRow="1">
+                <a:tableStyleId>{5C22544A-7EE6-4342-B048-85BDC9FD1C3A}</a:tableStyleId>
+              </a:tblPr>
+              <a:tblGrid>
+                <a:gridCol w="1041862">
+                  <a:extLst>
+                    <a:ext uri="{9D8B030D-6E8A-4147-A177-3AD203B41FA5}">
+                      <a16:colId xmlns:a16="http://schemas.microsoft.com/office/drawing/2014/main" val="1155044440"/>
+                    </a:ext>
+                  </a:extLst>
+                </a:gridCol>
+                <a:gridCol w="1041862">
+                  <a:extLst>
+                    <a:ext uri="{9D8B030D-6E8A-4147-A177-3AD203B41FA5}">
+                      <a16:colId xmlns:a16="http://schemas.microsoft.com/office/drawing/2014/main" val="2054384458"/>
+                    </a:ext>
+                  </a:extLst>
+                </a:gridCol>
+                <a:gridCol w="1041862">
+                  <a:extLst>
+                    <a:ext uri="{9D8B030D-6E8A-4147-A177-3AD203B41FA5}">
+                      <a16:colId xmlns:a16="http://schemas.microsoft.com/office/drawing/2014/main" val="2334293195"/>
+                    </a:ext>
+                  </a:extLst>
+                </a:gridCol>
+              </a:tblGrid>
+              <a:tr h="374781">
+                <a:tc gridSpan="3">
+                  <a:txBody>
+                    <a:bodyPr/>
+                    <a:lstStyle/>
+                    <a:p>
+                      <a:pPr algn="ctr" latinLnBrk="1"/>
+                      <a:r>
+                        <a:rPr lang="en-US" altLang="ko-KR" sz="1200" dirty="0" smtClean="0">
+                          <a:solidFill>
+                            <a:schemeClr val="bg1"/>
+                          </a:solidFill>
+                        </a:rPr>
+                        <a:t>2</a:t>
+                      </a:r>
+                      <a:r>
+                        <a:rPr lang="ko-KR" altLang="en-US" sz="1200" dirty="0" smtClean="0">
+                          <a:solidFill>
+                            <a:schemeClr val="bg1"/>
+                          </a:solidFill>
+                        </a:rPr>
+                        <a:t>차원 정방 행렬의 구조와 인덱스 번호</a:t>
+                      </a:r>
+                      <a:endParaRPr lang="ko-KR" altLang="en-US" sz="1200" dirty="0">
+                        <a:solidFill>
+                          <a:schemeClr val="bg1"/>
+                        </a:solidFill>
+                      </a:endParaRPr>
+                    </a:p>
+                  </a:txBody>
+                  <a:tcPr anchor="ctr"/>
+                </a:tc>
+                <a:tc hMerge="1">
+                  <a:txBody>
+                    <a:bodyPr/>
+                    <a:lstStyle/>
+                    <a:p>
+                      <a:pPr latinLnBrk="1"/>
+                      <a:endParaRPr lang="ko-KR" altLang="en-US" dirty="0"/>
+                    </a:p>
+                  </a:txBody>
+                  <a:tcPr/>
+                </a:tc>
+                <a:tc hMerge="1">
+                  <a:txBody>
+                    <a:bodyPr/>
+                    <a:lstStyle/>
+                    <a:p>
+                      <a:pPr latinLnBrk="1"/>
+                      <a:endParaRPr lang="ko-KR" altLang="en-US" dirty="0"/>
+                    </a:p>
+                  </a:txBody>
+                  <a:tcPr/>
+                </a:tc>
+                <a:extLst>
+                  <a:ext uri="{0D108BD9-81ED-4DB2-BD59-A6C34878D82A}">
+                    <a16:rowId xmlns:a16="http://schemas.microsoft.com/office/drawing/2014/main" val="1412526549"/>
+                  </a:ext>
+                </a:extLst>
+              </a:tr>
+              <a:tr h="374781">
+                <a:tc>
+                  <a:txBody>
+                    <a:bodyPr/>
+                    <a:lstStyle/>
+                    <a:p>
+                      <a:pPr latinLnBrk="1"/>
+                      <a:r>
+                        <a:rPr lang="en-US" altLang="ko-KR" sz="1200" dirty="0" smtClean="0">
+                          <a:solidFill>
+                            <a:schemeClr val="bg1"/>
+                          </a:solidFill>
+                        </a:rPr>
+                        <a:t>a[0][0]</a:t>
+                      </a:r>
+                      <a:endParaRPr lang="ko-KR" altLang="en-US" sz="1200" dirty="0">
+                        <a:solidFill>
+                          <a:schemeClr val="bg1"/>
+                        </a:solidFill>
+                      </a:endParaRPr>
+                    </a:p>
+                  </a:txBody>
+                  <a:tcPr anchor="ctr"/>
+                </a:tc>
+                <a:tc>
+                  <a:txBody>
+                    <a:bodyPr/>
+                    <a:lstStyle/>
+                    <a:p>
+                      <a:pPr latinLnBrk="1"/>
+                      <a:endParaRPr lang="ko-KR" altLang="en-US" sz="1200" dirty="0">
+                        <a:solidFill>
+                          <a:schemeClr val="bg1"/>
+                        </a:solidFill>
+                      </a:endParaRPr>
+                    </a:p>
+                  </a:txBody>
+                  <a:tcPr anchor="ctr"/>
+                </a:tc>
+                <a:tc>
+                  <a:txBody>
+                    <a:bodyPr/>
+                    <a:lstStyle/>
+                    <a:p>
+                      <a:pPr latinLnBrk="1"/>
+                      <a:endParaRPr lang="ko-KR" altLang="en-US" sz="1200" dirty="0">
+                        <a:solidFill>
+                          <a:schemeClr val="bg1"/>
+                        </a:solidFill>
+                      </a:endParaRPr>
+                    </a:p>
+                  </a:txBody>
+                  <a:tcPr anchor="ctr"/>
+                </a:tc>
+                <a:extLst>
+                  <a:ext uri="{0D108BD9-81ED-4DB2-BD59-A6C34878D82A}">
+                    <a16:rowId xmlns:a16="http://schemas.microsoft.com/office/drawing/2014/main" val="2900606389"/>
+                  </a:ext>
+                </a:extLst>
+              </a:tr>
+              <a:tr h="374781">
+                <a:tc>
+                  <a:txBody>
+                    <a:bodyPr/>
+                    <a:lstStyle/>
+                    <a:p>
+                      <a:pPr latinLnBrk="1"/>
+                      <a:r>
+                        <a:rPr lang="en-US" altLang="ko-KR" sz="1200" dirty="0" smtClean="0">
+                          <a:solidFill>
+                            <a:schemeClr val="bg1"/>
+                          </a:solidFill>
+                        </a:rPr>
+                        <a:t>a[1][0]</a:t>
+                      </a:r>
+                      <a:endParaRPr lang="ko-KR" altLang="en-US" sz="1200" dirty="0">
+                        <a:solidFill>
+                          <a:schemeClr val="bg1"/>
+                        </a:solidFill>
+                      </a:endParaRPr>
+                    </a:p>
+                  </a:txBody>
+                  <a:tcPr anchor="ctr"/>
+                </a:tc>
+                <a:tc>
+                  <a:txBody>
+                    <a:bodyPr/>
+                    <a:lstStyle/>
+                    <a:p>
+                      <a:pPr marL="0" marR="0" indent="0" algn="l" defTabSz="914422" rtl="0" eaLnBrk="1" fontAlgn="auto" latinLnBrk="1" hangingPunct="1">
+                        <a:lnSpc>
+                          <a:spcPct val="100000"/>
+                        </a:lnSpc>
+                        <a:spcBef>
+                          <a:spcPts val="0"/>
+                        </a:spcBef>
+                        <a:spcAft>
+                          <a:spcPts val="0"/>
+                        </a:spcAft>
+                        <a:buClrTx/>
+                        <a:buSzTx/>
+                        <a:buFontTx/>
+                        <a:buNone/>
+                        <a:tabLst/>
+                        <a:defRPr/>
+                      </a:pPr>
+                      <a:r>
+                        <a:rPr lang="en-US" altLang="ko-KR" sz="1200" dirty="0" smtClean="0">
+                          <a:solidFill>
+                            <a:schemeClr val="bg1"/>
+                          </a:solidFill>
+                        </a:rPr>
+                        <a:t>a[1][1]</a:t>
+                      </a:r>
+                      <a:endParaRPr lang="ko-KR" altLang="en-US" sz="1200" dirty="0" smtClean="0">
+                        <a:solidFill>
+                          <a:schemeClr val="bg1"/>
+                        </a:solidFill>
+                      </a:endParaRPr>
+                    </a:p>
+                  </a:txBody>
+                  <a:tcPr anchor="ctr"/>
+                </a:tc>
+                <a:tc>
+                  <a:txBody>
+                    <a:bodyPr/>
+                    <a:lstStyle/>
+                    <a:p>
+                      <a:pPr marL="0" marR="0" indent="0" algn="l" defTabSz="914422" rtl="0" eaLnBrk="1" fontAlgn="auto" latinLnBrk="1" hangingPunct="1">
+                        <a:lnSpc>
+                          <a:spcPct val="100000"/>
+                        </a:lnSpc>
+                        <a:spcBef>
+                          <a:spcPts val="0"/>
+                        </a:spcBef>
+                        <a:spcAft>
+                          <a:spcPts val="0"/>
+                        </a:spcAft>
+                        <a:buClrTx/>
+                        <a:buSzTx/>
+                        <a:buFontTx/>
+                        <a:buNone/>
+                        <a:tabLst/>
+                        <a:defRPr/>
+                      </a:pPr>
+                      <a:r>
+                        <a:rPr lang="en-US" altLang="ko-KR" sz="1200" dirty="0" smtClean="0">
+                          <a:solidFill>
+                            <a:schemeClr val="bg1"/>
+                          </a:solidFill>
+                        </a:rPr>
+                        <a:t>a[0][2]</a:t>
+                      </a:r>
+                      <a:endParaRPr lang="ko-KR" altLang="en-US" sz="1200" dirty="0" smtClean="0">
+                        <a:solidFill>
+                          <a:schemeClr val="bg1"/>
+                        </a:solidFill>
+                      </a:endParaRPr>
+                    </a:p>
+                  </a:txBody>
+                  <a:tcPr anchor="ctr"/>
+                </a:tc>
+                <a:extLst>
+                  <a:ext uri="{0D108BD9-81ED-4DB2-BD59-A6C34878D82A}">
+                    <a16:rowId xmlns:a16="http://schemas.microsoft.com/office/drawing/2014/main" val="3278244096"/>
+                  </a:ext>
+                </a:extLst>
+              </a:tr>
+              <a:tr h="374781">
+                <a:tc>
+                  <a:txBody>
+                    <a:bodyPr/>
+                    <a:lstStyle/>
+                    <a:p>
+                      <a:pPr latinLnBrk="1"/>
+                      <a:r>
+                        <a:rPr lang="en-US" altLang="ko-KR" sz="1200" dirty="0" smtClean="0">
+                          <a:solidFill>
+                            <a:schemeClr val="bg1"/>
+                          </a:solidFill>
+                        </a:rPr>
+                        <a:t>a[2][0]</a:t>
+                      </a:r>
+                      <a:endParaRPr lang="ko-KR" altLang="en-US" sz="1200" dirty="0">
+                        <a:solidFill>
+                          <a:schemeClr val="bg1"/>
+                        </a:solidFill>
+                      </a:endParaRPr>
+                    </a:p>
+                  </a:txBody>
+                  <a:tcPr anchor="ctr"/>
+                </a:tc>
+                <a:tc>
+                  <a:txBody>
+                    <a:bodyPr/>
+                    <a:lstStyle/>
+                    <a:p>
+                      <a:pPr marL="0" marR="0" indent="0" algn="l" defTabSz="914422" rtl="0" eaLnBrk="1" fontAlgn="auto" latinLnBrk="1" hangingPunct="1">
+                        <a:lnSpc>
+                          <a:spcPct val="100000"/>
+                        </a:lnSpc>
+                        <a:spcBef>
+                          <a:spcPts val="0"/>
+                        </a:spcBef>
+                        <a:spcAft>
+                          <a:spcPts val="0"/>
+                        </a:spcAft>
+                        <a:buClrTx/>
+                        <a:buSzTx/>
+                        <a:buFontTx/>
+                        <a:buNone/>
+                        <a:tabLst/>
+                        <a:defRPr/>
+                      </a:pPr>
+                      <a:r>
+                        <a:rPr lang="en-US" altLang="ko-KR" sz="1200" dirty="0" smtClean="0">
+                          <a:solidFill>
+                            <a:schemeClr val="bg1"/>
+                          </a:solidFill>
+                        </a:rPr>
+                        <a:t>a[2][1]</a:t>
+                      </a:r>
+                      <a:endParaRPr lang="ko-KR" altLang="en-US" sz="1200" dirty="0" smtClean="0">
+                        <a:solidFill>
+                          <a:schemeClr val="bg1"/>
+                        </a:solidFill>
+                      </a:endParaRPr>
+                    </a:p>
+                  </a:txBody>
+                  <a:tcPr anchor="ctr"/>
+                </a:tc>
+                <a:tc>
+                  <a:txBody>
+                    <a:bodyPr/>
+                    <a:lstStyle/>
+                    <a:p>
+                      <a:pPr marL="0" marR="0" indent="0" algn="l" defTabSz="914422" rtl="0" eaLnBrk="1" fontAlgn="auto" latinLnBrk="1" hangingPunct="1">
+                        <a:lnSpc>
+                          <a:spcPct val="100000"/>
+                        </a:lnSpc>
+                        <a:spcBef>
+                          <a:spcPts val="0"/>
+                        </a:spcBef>
+                        <a:spcAft>
+                          <a:spcPts val="0"/>
+                        </a:spcAft>
+                        <a:buClrTx/>
+                        <a:buSzTx/>
+                        <a:buFontTx/>
+                        <a:buNone/>
+                        <a:tabLst/>
+                        <a:defRPr/>
+                      </a:pPr>
+                      <a:endParaRPr lang="ko-KR" altLang="en-US" sz="1200" dirty="0" smtClean="0">
+                        <a:solidFill>
+                          <a:schemeClr val="bg1"/>
+                        </a:solidFill>
+                      </a:endParaRPr>
+                    </a:p>
+                  </a:txBody>
+                  <a:tcPr anchor="ctr"/>
+                </a:tc>
+                <a:extLst>
+                  <a:ext uri="{0D108BD9-81ED-4DB2-BD59-A6C34878D82A}">
+                    <a16:rowId xmlns:a16="http://schemas.microsoft.com/office/drawing/2014/main" val="1760945122"/>
+                  </a:ext>
+                </a:extLst>
+              </a:tr>
+            </a:tbl>
+          </a:graphicData>
+        </a:graphic>
+      </p:graphicFrame>
+      <p:sp>
+        <p:nvSpPr>
+          <p:cNvPr id="6" name="TextBox 5"/>
+          <p:cNvSpPr txBox="1"/>
+          <p:nvPr/>
+        </p:nvSpPr>
+        <p:spPr>
+          <a:xfrm>
+            <a:off x="214812" y="3938186"/>
+            <a:ext cx="1221809" cy="369332"/>
+          </a:xfrm>
+          <a:prstGeom prst="rect">
+            <a:avLst/>
+          </a:prstGeom>
+          <a:noFill/>
+        </p:spPr>
+        <p:txBody>
+          <a:bodyPr wrap="none" rtlCol="0">
+            <a:spAutoFit/>
+          </a:bodyPr>
+          <a:lstStyle/>
+          <a:p>
+            <a:r>
+              <a:rPr lang="en-US" altLang="ko-KR" dirty="0" smtClean="0">
+                <a:solidFill>
+                  <a:schemeClr val="bg1"/>
+                </a:solidFill>
+              </a:rPr>
+              <a:t>int[ ][ ] a;</a:t>
+            </a:r>
+            <a:endParaRPr lang="ko-KR" altLang="en-US" dirty="0">
+              <a:solidFill>
+                <a:schemeClr val="bg1"/>
+              </a:solidFill>
+            </a:endParaRPr>
+          </a:p>
+        </p:txBody>
+      </p:sp>
+      <p:cxnSp>
+        <p:nvCxnSpPr>
+          <p:cNvPr id="7" name="직선 화살표 연결선 6"/>
+          <p:cNvCxnSpPr>
+            <a:stCxn id="6" idx="3"/>
+          </p:cNvCxnSpPr>
+          <p:nvPr/>
+        </p:nvCxnSpPr>
+        <p:spPr>
+          <a:xfrm flipV="1">
+            <a:off x="1436621" y="4122851"/>
+            <a:ext cx="575059" cy="1"/>
+          </a:xfrm>
+          <a:prstGeom prst="straightConnector1">
+            <a:avLst/>
+          </a:prstGeom>
+          <a:ln w="76200">
+            <a:solidFill>
+              <a:schemeClr val="accent6">
+                <a:lumMod val="50000"/>
+              </a:schemeClr>
+            </a:solidFill>
+            <a:tailEnd type="triangle"/>
+          </a:ln>
+        </p:spPr>
+        <p:style>
+          <a:lnRef idx="1">
+            <a:schemeClr val="accent1"/>
+          </a:lnRef>
+          <a:fillRef idx="0">
+            <a:schemeClr val="accent1"/>
+          </a:fillRef>
+          <a:effectRef idx="0">
+            <a:schemeClr val="accent1"/>
+          </a:effectRef>
+          <a:fontRef idx="minor">
+            <a:schemeClr val="tx1"/>
+          </a:fontRef>
+        </p:style>
+      </p:cxnSp>
+      <p:cxnSp>
+        <p:nvCxnSpPr>
+          <p:cNvPr id="8" name="직선 화살표 연결선 7"/>
+          <p:cNvCxnSpPr/>
+          <p:nvPr/>
+        </p:nvCxnSpPr>
+        <p:spPr>
+          <a:xfrm>
+            <a:off x="2061556" y="3373289"/>
+            <a:ext cx="0" cy="1499124"/>
+          </a:xfrm>
+          <a:prstGeom prst="straightConnector1">
+            <a:avLst/>
+          </a:prstGeom>
+          <a:ln>
+            <a:solidFill>
+              <a:schemeClr val="accent6">
+                <a:lumMod val="75000"/>
+              </a:schemeClr>
+            </a:solidFill>
+            <a:tailEnd type="triangle"/>
+          </a:ln>
+        </p:spPr>
+        <p:style>
+          <a:lnRef idx="1">
+            <a:schemeClr val="accent1"/>
+          </a:lnRef>
+          <a:fillRef idx="0">
+            <a:schemeClr val="accent1"/>
+          </a:fillRef>
+          <a:effectRef idx="0">
+            <a:schemeClr val="accent1"/>
+          </a:effectRef>
+          <a:fontRef idx="minor">
+            <a:schemeClr val="tx1"/>
+          </a:fontRef>
+        </p:style>
+      </p:cxnSp>
+      <p:cxnSp>
+        <p:nvCxnSpPr>
+          <p:cNvPr id="9" name="직선 화살표 연결선 8"/>
+          <p:cNvCxnSpPr/>
+          <p:nvPr/>
+        </p:nvCxnSpPr>
+        <p:spPr>
+          <a:xfrm flipV="1">
+            <a:off x="2144683" y="3302018"/>
+            <a:ext cx="3125586" cy="3997"/>
+          </a:xfrm>
+          <a:prstGeom prst="straightConnector1">
+            <a:avLst/>
+          </a:prstGeom>
+          <a:ln>
+            <a:solidFill>
+              <a:schemeClr val="accent6">
+                <a:lumMod val="75000"/>
+              </a:schemeClr>
+            </a:solidFill>
+            <a:tailEnd type="triangle"/>
+          </a:ln>
+        </p:spPr>
+        <p:style>
+          <a:lnRef idx="1">
+            <a:schemeClr val="accent1"/>
+          </a:lnRef>
+          <a:fillRef idx="0">
+            <a:schemeClr val="accent1"/>
+          </a:fillRef>
+          <a:effectRef idx="0">
+            <a:schemeClr val="accent1"/>
+          </a:effectRef>
+          <a:fontRef idx="minor">
+            <a:schemeClr val="tx1"/>
+          </a:fontRef>
+        </p:style>
+      </p:cxnSp>
+      <p:graphicFrame>
+        <p:nvGraphicFramePr>
+          <p:cNvPr id="12" name="표 11"/>
+          <p:cNvGraphicFramePr>
+            <a:graphicFrameLocks noGrp="1"/>
+          </p:cNvGraphicFramePr>
+          <p:nvPr>
+            <p:extLst>
+              <p:ext uri="{D42A27DB-BD31-4B8C-83A1-F6EECF244321}">
+                <p14:modId xmlns:p14="http://schemas.microsoft.com/office/powerpoint/2010/main" val="2723002442"/>
+              </p:ext>
+            </p:extLst>
+          </p:nvPr>
+        </p:nvGraphicFramePr>
+        <p:xfrm>
+          <a:off x="5501039" y="2336873"/>
+          <a:ext cx="2442973" cy="3982720"/>
+        </p:xfrm>
+        <a:graphic>
+          <a:graphicData uri="http://schemas.openxmlformats.org/drawingml/2006/table">
+            <a:tbl>
+              <a:tblPr firstRow="1" bandRow="1">
+                <a:tableStyleId>{5C22544A-7EE6-4342-B048-85BDC9FD1C3A}</a:tableStyleId>
+              </a:tblPr>
+              <a:tblGrid>
+                <a:gridCol w="2442973">
+                  <a:extLst>
+                    <a:ext uri="{9D8B030D-6E8A-4147-A177-3AD203B41FA5}">
+                      <a16:colId xmlns:a16="http://schemas.microsoft.com/office/drawing/2014/main" val="4011089814"/>
+                    </a:ext>
+                  </a:extLst>
+                </a:gridCol>
+              </a:tblGrid>
+              <a:tr h="370840">
+                <a:tc>
+                  <a:txBody>
+                    <a:bodyPr/>
+                    <a:lstStyle/>
+                    <a:p>
+                      <a:pPr marL="0" marR="0" indent="0" algn="ctr" defTabSz="914422" rtl="0" eaLnBrk="1" fontAlgn="auto" latinLnBrk="1" hangingPunct="1">
+                        <a:lnSpc>
+                          <a:spcPct val="100000"/>
+                        </a:lnSpc>
+                        <a:spcBef>
+                          <a:spcPts val="0"/>
+                        </a:spcBef>
+                        <a:spcAft>
+                          <a:spcPts val="0"/>
+                        </a:spcAft>
+                        <a:buClrTx/>
+                        <a:buSzTx/>
+                        <a:buFontTx/>
+                        <a:buNone/>
+                        <a:tabLst/>
+                        <a:defRPr/>
+                      </a:pPr>
+                      <a:r>
+                        <a:rPr lang="en-US" altLang="ko-KR" sz="1200" dirty="0" smtClean="0">
+                          <a:solidFill>
+                            <a:schemeClr val="bg1"/>
+                          </a:solidFill>
+                        </a:rPr>
+                        <a:t>[2</a:t>
+                      </a:r>
+                      <a:r>
+                        <a:rPr lang="ko-KR" altLang="en-US" sz="1200" dirty="0" smtClean="0">
+                          <a:solidFill>
+                            <a:schemeClr val="bg1"/>
+                          </a:solidFill>
+                        </a:rPr>
+                        <a:t>차원 </a:t>
+                      </a:r>
+                      <a:r>
+                        <a:rPr lang="ko-KR" altLang="en-US" sz="1200" dirty="0" err="1" smtClean="0">
+                          <a:solidFill>
+                            <a:schemeClr val="bg1"/>
+                          </a:solidFill>
+                        </a:rPr>
+                        <a:t>비정방</a:t>
+                      </a:r>
+                      <a:r>
+                        <a:rPr lang="ko-KR" altLang="en-US" sz="1200" dirty="0" smtClean="0">
+                          <a:solidFill>
+                            <a:schemeClr val="bg1"/>
+                          </a:solidFill>
+                        </a:rPr>
+                        <a:t> 행렬의 </a:t>
+                      </a:r>
+                      <a:r>
+                        <a:rPr lang="ko-KR" altLang="en-US" sz="1200" dirty="0" err="1" smtClean="0">
+                          <a:solidFill>
+                            <a:schemeClr val="bg1"/>
+                          </a:solidFill>
+                        </a:rPr>
+                        <a:t>선언법</a:t>
+                      </a:r>
+                      <a:r>
+                        <a:rPr lang="en-US" altLang="ko-KR" sz="1200" dirty="0" smtClean="0">
+                          <a:solidFill>
+                            <a:schemeClr val="bg1"/>
+                          </a:solidFill>
+                        </a:rPr>
+                        <a:t>]</a:t>
+                      </a:r>
+                      <a:endParaRPr lang="ko-KR" altLang="en-US" sz="1200" dirty="0" smtClean="0">
+                        <a:solidFill>
+                          <a:schemeClr val="bg1"/>
+                        </a:solidFill>
+                      </a:endParaRPr>
+                    </a:p>
+                  </a:txBody>
+                  <a:tcPr anchor="ctr"/>
+                </a:tc>
+                <a:extLst>
+                  <a:ext uri="{0D108BD9-81ED-4DB2-BD59-A6C34878D82A}">
+                    <a16:rowId xmlns:a16="http://schemas.microsoft.com/office/drawing/2014/main" val="2619355505"/>
+                  </a:ext>
+                </a:extLst>
+              </a:tr>
+              <a:tr h="370840">
+                <a:tc>
+                  <a:txBody>
+                    <a:bodyPr/>
+                    <a:lstStyle/>
+                    <a:p>
+                      <a:pPr marL="0" marR="0" indent="0" algn="l" defTabSz="914422" rtl="0" eaLnBrk="1" fontAlgn="auto" latinLnBrk="1" hangingPunct="1">
+                        <a:lnSpc>
+                          <a:spcPct val="100000"/>
+                        </a:lnSpc>
+                        <a:spcBef>
+                          <a:spcPts val="0"/>
+                        </a:spcBef>
+                        <a:spcAft>
+                          <a:spcPts val="0"/>
+                        </a:spcAft>
+                        <a:buClrTx/>
+                        <a:buSzTx/>
+                        <a:buFontTx/>
+                        <a:buNone/>
+                        <a:tabLst/>
+                        <a:defRPr/>
+                      </a:pPr>
+                      <a:r>
+                        <a:rPr lang="ko-KR" altLang="en-US" sz="1600" b="1" dirty="0" smtClean="0">
+                          <a:solidFill>
+                            <a:schemeClr val="bg1"/>
+                          </a:solidFill>
+                        </a:rPr>
+                        <a:t>자료형</a:t>
+                      </a:r>
+                      <a:r>
+                        <a:rPr lang="en-US" altLang="ko-KR" sz="1600" b="1" dirty="0" smtClean="0">
+                          <a:solidFill>
+                            <a:schemeClr val="bg1"/>
+                          </a:solidFill>
+                        </a:rPr>
+                        <a:t>[][] </a:t>
+                      </a:r>
+                      <a:r>
+                        <a:rPr lang="ko-KR" altLang="en-US" sz="1600" b="1" smtClean="0">
+                          <a:solidFill>
+                            <a:schemeClr val="bg1"/>
+                          </a:solidFill>
+                        </a:rPr>
+                        <a:t>참조 변수명</a:t>
+                      </a:r>
+                      <a:endParaRPr lang="ko-KR" altLang="en-US" sz="1600" b="1" dirty="0" smtClean="0">
+                        <a:solidFill>
+                          <a:schemeClr val="bg1"/>
+                        </a:solidFill>
+                      </a:endParaRPr>
+                    </a:p>
+                  </a:txBody>
+                  <a:tcPr/>
+                </a:tc>
+                <a:extLst>
+                  <a:ext uri="{0D108BD9-81ED-4DB2-BD59-A6C34878D82A}">
+                    <a16:rowId xmlns:a16="http://schemas.microsoft.com/office/drawing/2014/main" val="2055738070"/>
+                  </a:ext>
+                </a:extLst>
+              </a:tr>
+              <a:tr h="370840">
+                <a:tc>
+                  <a:txBody>
+                    <a:bodyPr/>
+                    <a:lstStyle/>
+                    <a:p>
+                      <a:pPr latinLnBrk="1"/>
+                      <a:r>
+                        <a:rPr lang="en-US" altLang="ko-KR" sz="1600" dirty="0" smtClean="0">
+                          <a:solidFill>
+                            <a:schemeClr val="bg1"/>
+                          </a:solidFill>
+                        </a:rPr>
+                        <a:t>int[][] a;</a:t>
+                      </a:r>
+                    </a:p>
+                    <a:p>
+                      <a:pPr latinLnBrk="1"/>
+                      <a:r>
+                        <a:rPr lang="en-US" altLang="ko-KR" sz="1600" dirty="0" smtClean="0">
+                          <a:solidFill>
+                            <a:schemeClr val="bg1"/>
+                          </a:solidFill>
+                        </a:rPr>
+                        <a:t>double [][] b;</a:t>
+                      </a:r>
+                    </a:p>
+                    <a:p>
+                      <a:pPr latinLnBrk="1"/>
+                      <a:r>
+                        <a:rPr lang="en-US" altLang="ko-KR" sz="1600" dirty="0" smtClean="0">
+                          <a:solidFill>
+                            <a:schemeClr val="bg1"/>
+                          </a:solidFill>
+                        </a:rPr>
+                        <a:t>String[][] c;</a:t>
+                      </a:r>
+                      <a:endParaRPr lang="ko-KR" altLang="en-US" sz="1600" dirty="0" smtClean="0">
+                        <a:solidFill>
+                          <a:schemeClr val="bg1"/>
+                        </a:solidFill>
+                      </a:endParaRPr>
+                    </a:p>
+                  </a:txBody>
+                  <a:tcPr/>
+                </a:tc>
+                <a:extLst>
+                  <a:ext uri="{0D108BD9-81ED-4DB2-BD59-A6C34878D82A}">
+                    <a16:rowId xmlns:a16="http://schemas.microsoft.com/office/drawing/2014/main" val="1047979792"/>
+                  </a:ext>
+                </a:extLst>
+              </a:tr>
+              <a:tr h="370840">
+                <a:tc>
+                  <a:txBody>
+                    <a:bodyPr/>
+                    <a:lstStyle/>
+                    <a:p>
+                      <a:pPr marL="0" marR="0" indent="0" algn="l" defTabSz="914422" rtl="0" eaLnBrk="1" fontAlgn="auto" latinLnBrk="1" hangingPunct="1">
+                        <a:lnSpc>
+                          <a:spcPct val="100000"/>
+                        </a:lnSpc>
+                        <a:spcBef>
+                          <a:spcPts val="0"/>
+                        </a:spcBef>
+                        <a:spcAft>
+                          <a:spcPts val="0"/>
+                        </a:spcAft>
+                        <a:buClrTx/>
+                        <a:buSzTx/>
+                        <a:buFontTx/>
+                        <a:buNone/>
+                        <a:tabLst/>
+                        <a:defRPr/>
+                      </a:pPr>
+                      <a:r>
+                        <a:rPr lang="ko-KR" altLang="en-US" sz="1600" b="1" dirty="0" smtClean="0">
+                          <a:solidFill>
+                            <a:schemeClr val="bg1"/>
+                          </a:solidFill>
+                        </a:rPr>
+                        <a:t>자료형 변수명</a:t>
+                      </a:r>
+                      <a:r>
+                        <a:rPr lang="en-US" altLang="ko-KR" sz="1600" b="1" dirty="0" smtClean="0">
+                          <a:solidFill>
+                            <a:schemeClr val="bg1"/>
+                          </a:solidFill>
+                        </a:rPr>
+                        <a:t>[][]</a:t>
+                      </a:r>
+                      <a:endParaRPr lang="ko-KR" altLang="en-US" sz="1600" b="1" dirty="0" smtClean="0">
+                        <a:solidFill>
+                          <a:schemeClr val="bg1"/>
+                        </a:solidFill>
+                      </a:endParaRPr>
+                    </a:p>
+                  </a:txBody>
+                  <a:tcPr/>
+                </a:tc>
+                <a:extLst>
+                  <a:ext uri="{0D108BD9-81ED-4DB2-BD59-A6C34878D82A}">
+                    <a16:rowId xmlns:a16="http://schemas.microsoft.com/office/drawing/2014/main" val="524768504"/>
+                  </a:ext>
+                </a:extLst>
+              </a:tr>
+              <a:tr h="370840">
+                <a:tc>
+                  <a:txBody>
+                    <a:bodyPr/>
+                    <a:lstStyle/>
+                    <a:p>
+                      <a:pPr latinLnBrk="1"/>
+                      <a:r>
+                        <a:rPr lang="en-US" altLang="ko-KR" sz="1600" dirty="0" smtClean="0">
+                          <a:solidFill>
+                            <a:schemeClr val="bg1"/>
+                          </a:solidFill>
+                        </a:rPr>
+                        <a:t>int a [][];</a:t>
+                      </a:r>
+                    </a:p>
+                    <a:p>
+                      <a:pPr latinLnBrk="1"/>
+                      <a:r>
+                        <a:rPr lang="en-US" altLang="ko-KR" sz="1600" dirty="0" smtClean="0">
+                          <a:solidFill>
+                            <a:schemeClr val="bg1"/>
+                          </a:solidFill>
+                        </a:rPr>
+                        <a:t>double</a:t>
+                      </a:r>
+                      <a:r>
+                        <a:rPr lang="en-US" altLang="ko-KR" sz="1600" baseline="0" dirty="0" smtClean="0">
+                          <a:solidFill>
+                            <a:schemeClr val="bg1"/>
+                          </a:solidFill>
+                        </a:rPr>
+                        <a:t> b [][];</a:t>
+                      </a:r>
+                    </a:p>
+                    <a:p>
+                      <a:pPr latinLnBrk="1"/>
+                      <a:r>
+                        <a:rPr lang="en-US" altLang="ko-KR" sz="1600" dirty="0" smtClean="0">
+                          <a:solidFill>
+                            <a:schemeClr val="bg1"/>
+                          </a:solidFill>
+                        </a:rPr>
+                        <a:t>String</a:t>
+                      </a:r>
+                      <a:r>
+                        <a:rPr lang="en-US" altLang="ko-KR" sz="1600" baseline="0" dirty="0" smtClean="0">
+                          <a:solidFill>
+                            <a:schemeClr val="bg1"/>
+                          </a:solidFill>
+                        </a:rPr>
+                        <a:t> c [][]</a:t>
+                      </a:r>
+                      <a:r>
+                        <a:rPr lang="en-US" altLang="ko-KR" sz="1800" baseline="0" dirty="0" smtClean="0">
+                          <a:solidFill>
+                            <a:schemeClr val="dk1"/>
+                          </a:solidFill>
+                        </a:rPr>
+                        <a:t>;</a:t>
+                      </a:r>
+                      <a:endParaRPr lang="ko-KR" altLang="en-US" sz="1600" dirty="0" smtClean="0">
+                        <a:solidFill>
+                          <a:schemeClr val="bg1"/>
+                        </a:solidFill>
+                      </a:endParaRPr>
+                    </a:p>
+                  </a:txBody>
+                  <a:tcPr/>
+                </a:tc>
+                <a:extLst>
+                  <a:ext uri="{0D108BD9-81ED-4DB2-BD59-A6C34878D82A}">
+                    <a16:rowId xmlns:a16="http://schemas.microsoft.com/office/drawing/2014/main" val="2678262593"/>
+                  </a:ext>
+                </a:extLst>
+              </a:tr>
+              <a:tr h="370840">
+                <a:tc>
+                  <a:txBody>
+                    <a:bodyPr/>
+                    <a:lstStyle/>
+                    <a:p>
+                      <a:pPr marL="0" marR="0" indent="0" algn="l" defTabSz="914422" rtl="0" eaLnBrk="1" fontAlgn="auto" latinLnBrk="1" hangingPunct="1">
+                        <a:lnSpc>
+                          <a:spcPct val="100000"/>
+                        </a:lnSpc>
+                        <a:spcBef>
+                          <a:spcPts val="0"/>
+                        </a:spcBef>
+                        <a:spcAft>
+                          <a:spcPts val="0"/>
+                        </a:spcAft>
+                        <a:buClrTx/>
+                        <a:buSzTx/>
+                        <a:buFontTx/>
+                        <a:buNone/>
+                        <a:tabLst/>
+                        <a:defRPr/>
+                      </a:pPr>
+                      <a:r>
+                        <a:rPr lang="ko-KR" altLang="en-US" sz="1600" b="1" dirty="0" smtClean="0">
+                          <a:solidFill>
+                            <a:schemeClr val="bg1"/>
+                          </a:solidFill>
+                        </a:rPr>
+                        <a:t>자료형</a:t>
+                      </a:r>
+                      <a:r>
+                        <a:rPr lang="en-US" altLang="ko-KR" sz="1600" b="1" dirty="0" smtClean="0">
+                          <a:solidFill>
+                            <a:schemeClr val="bg1"/>
+                          </a:solidFill>
+                        </a:rPr>
+                        <a:t>[] </a:t>
+                      </a:r>
+                      <a:r>
+                        <a:rPr lang="ko-KR" altLang="en-US" sz="1600" b="1" dirty="0" smtClean="0">
+                          <a:solidFill>
+                            <a:schemeClr val="bg1"/>
+                          </a:solidFill>
+                        </a:rPr>
+                        <a:t>변수명</a:t>
+                      </a:r>
+                      <a:r>
+                        <a:rPr lang="en-US" altLang="ko-KR" sz="1600" b="1" dirty="0" smtClean="0">
+                          <a:solidFill>
+                            <a:schemeClr val="bg1"/>
+                          </a:solidFill>
+                        </a:rPr>
+                        <a:t>[]</a:t>
+                      </a:r>
+                      <a:endParaRPr lang="ko-KR" altLang="en-US" sz="1600" b="1" dirty="0" smtClean="0">
+                        <a:solidFill>
+                          <a:schemeClr val="bg1"/>
+                        </a:solidFill>
+                      </a:endParaRPr>
+                    </a:p>
+                  </a:txBody>
+                  <a:tcPr/>
+                </a:tc>
+                <a:extLst>
+                  <a:ext uri="{0D108BD9-81ED-4DB2-BD59-A6C34878D82A}">
+                    <a16:rowId xmlns:a16="http://schemas.microsoft.com/office/drawing/2014/main" val="3967435590"/>
+                  </a:ext>
+                </a:extLst>
+              </a:tr>
+              <a:tr h="370840">
+                <a:tc>
+                  <a:txBody>
+                    <a:bodyPr/>
+                    <a:lstStyle/>
+                    <a:p>
+                      <a:pPr latinLnBrk="1"/>
+                      <a:r>
+                        <a:rPr lang="en-US" altLang="ko-KR" sz="1600" dirty="0" smtClean="0">
+                          <a:solidFill>
+                            <a:schemeClr val="bg1"/>
+                          </a:solidFill>
+                        </a:rPr>
+                        <a:t>int[] a[];</a:t>
+                      </a:r>
+                    </a:p>
+                    <a:p>
+                      <a:pPr latinLnBrk="1"/>
+                      <a:r>
+                        <a:rPr lang="en-US" altLang="ko-KR" sz="1600" dirty="0" smtClean="0">
+                          <a:solidFill>
+                            <a:schemeClr val="bg1"/>
+                          </a:solidFill>
+                        </a:rPr>
+                        <a:t>double[] b[];</a:t>
+                      </a:r>
+                    </a:p>
+                    <a:p>
+                      <a:pPr latinLnBrk="1"/>
+                      <a:r>
+                        <a:rPr lang="en-US" altLang="ko-KR" sz="1600" dirty="0" smtClean="0">
+                          <a:solidFill>
+                            <a:schemeClr val="bg1"/>
+                          </a:solidFill>
+                        </a:rPr>
+                        <a:t>String[] c[];</a:t>
+                      </a:r>
+                      <a:endParaRPr lang="ko-KR" altLang="en-US" sz="1600" dirty="0" smtClean="0">
+                        <a:solidFill>
+                          <a:schemeClr val="bg1"/>
+                        </a:solidFill>
+                      </a:endParaRPr>
+                    </a:p>
+                  </a:txBody>
+                  <a:tcPr/>
+                </a:tc>
+                <a:extLst>
+                  <a:ext uri="{0D108BD9-81ED-4DB2-BD59-A6C34878D82A}">
+                    <a16:rowId xmlns:a16="http://schemas.microsoft.com/office/drawing/2014/main" val="2473281263"/>
+                  </a:ext>
+                </a:extLst>
+              </a:tr>
+            </a:tbl>
+          </a:graphicData>
+        </a:graphic>
+      </p:graphicFrame>
+    </p:spTree>
+    <p:extLst>
+      <p:ext uri="{BB962C8B-B14F-4D97-AF65-F5344CB8AC3E}">
+        <p14:creationId xmlns:p14="http://schemas.microsoft.com/office/powerpoint/2010/main" val="859785034"/>
+      </p:ext>
+    </p:extLst>
+  </p:cSld>
+  <p:clrMapOvr>
+    <a:masterClrMapping/>
+  </p:clrMapOvr>
 </p:sld>
 </file>
 

--- a/study001/교육자료/Java.pptx
+++ b/study001/교육자료/Java.pptx
@@ -5,7 +5,7 @@
     <p:sldMasterId id="2147483934" r:id="rId1"/>
   </p:sldMasterIdLst>
   <p:notesMasterIdLst>
-    <p:notesMasterId r:id="rId29"/>
+    <p:notesMasterId r:id="rId31"/>
   </p:notesMasterIdLst>
   <p:sldIdLst>
     <p:sldId id="256" r:id="rId2"/>
@@ -35,6 +35,8 @@
     <p:sldId id="285" r:id="rId26"/>
     <p:sldId id="287" r:id="rId27"/>
     <p:sldId id="288" r:id="rId28"/>
+    <p:sldId id="289" r:id="rId29"/>
+    <p:sldId id="290" r:id="rId30"/>
   </p:sldIdLst>
   <p:sldSz cx="12192000" cy="6858000"/>
   <p:notesSz cx="6858000" cy="9144000"/>
@@ -189,6 +191,8 @@
             <p14:sldId id="285"/>
             <p14:sldId id="287"/>
             <p14:sldId id="288"/>
+            <p14:sldId id="289"/>
+            <p14:sldId id="290"/>
           </p14:sldIdLst>
         </p14:section>
       </p14:sectionLst>
@@ -3366,7 +3370,7 @@
           <a:p>
             <a:fld id="{5891CBA4-1650-4CCB-950D-5089E49CDEA0}" type="datetimeFigureOut">
               <a:rPr lang="ko-KR" altLang="en-US" smtClean="0"/>
-              <a:t>2024-04-22</a:t>
+              <a:t>2024-04-26</a:t>
             </a:fld>
             <a:endParaRPr lang="ko-KR" altLang="en-US"/>
           </a:p>
@@ -3908,7 +3912,7 @@
           <a:p>
             <a:fld id="{AF27530F-C173-4D31-9E53-9F9EE5695ED1}" type="datetimeFigureOut">
               <a:rPr lang="ko-KR" altLang="en-US" smtClean="0"/>
-              <a:t>2024-04-22</a:t>
+              <a:t>2024-04-26</a:t>
             </a:fld>
             <a:endParaRPr lang="ko-KR" altLang="en-US"/>
           </a:p>
@@ -4329,7 +4333,7 @@
           <a:p>
             <a:fld id="{AF27530F-C173-4D31-9E53-9F9EE5695ED1}" type="datetimeFigureOut">
               <a:rPr lang="ko-KR" altLang="en-US" smtClean="0"/>
-              <a:t>2024-04-22</a:t>
+              <a:t>2024-04-26</a:t>
             </a:fld>
             <a:endParaRPr lang="ko-KR" altLang="en-US"/>
           </a:p>
@@ -4665,7 +4669,7 @@
           <a:p>
             <a:fld id="{AF27530F-C173-4D31-9E53-9F9EE5695ED1}" type="datetimeFigureOut">
               <a:rPr lang="ko-KR" altLang="en-US" smtClean="0"/>
-              <a:t>2024-04-22</a:t>
+              <a:t>2024-04-26</a:t>
             </a:fld>
             <a:endParaRPr lang="ko-KR" altLang="en-US"/>
           </a:p>
@@ -5070,7 +5074,7 @@
           <a:p>
             <a:fld id="{AF27530F-C173-4D31-9E53-9F9EE5695ED1}" type="datetimeFigureOut">
               <a:rPr lang="ko-KR" altLang="en-US" smtClean="0"/>
-              <a:t>2024-04-22</a:t>
+              <a:t>2024-04-26</a:t>
             </a:fld>
             <a:endParaRPr lang="ko-KR" altLang="en-US"/>
           </a:p>
@@ -5638,7 +5642,7 @@
           <a:p>
             <a:fld id="{AF27530F-C173-4D31-9E53-9F9EE5695ED1}" type="datetimeFigureOut">
               <a:rPr lang="ko-KR" altLang="en-US" smtClean="0"/>
-              <a:t>2024-04-22</a:t>
+              <a:t>2024-04-26</a:t>
             </a:fld>
             <a:endParaRPr lang="ko-KR" altLang="en-US"/>
           </a:p>
@@ -6319,7 +6323,7 @@
           <a:p>
             <a:fld id="{AF27530F-C173-4D31-9E53-9F9EE5695ED1}" type="datetimeFigureOut">
               <a:rPr lang="ko-KR" altLang="en-US" smtClean="0"/>
-              <a:t>2024-04-22</a:t>
+              <a:t>2024-04-26</a:t>
             </a:fld>
             <a:endParaRPr lang="ko-KR" altLang="en-US"/>
           </a:p>
@@ -7311,7 +7315,7 @@
           <a:p>
             <a:fld id="{AF27530F-C173-4D31-9E53-9F9EE5695ED1}" type="datetimeFigureOut">
               <a:rPr lang="ko-KR" altLang="en-US" smtClean="0"/>
-              <a:t>2024-04-22</a:t>
+              <a:t>2024-04-26</a:t>
             </a:fld>
             <a:endParaRPr lang="ko-KR" altLang="en-US"/>
           </a:p>
@@ -7624,7 +7628,7 @@
           <a:p>
             <a:fld id="{AF27530F-C173-4D31-9E53-9F9EE5695ED1}" type="datetimeFigureOut">
               <a:rPr lang="ko-KR" altLang="en-US" smtClean="0"/>
-              <a:t>2024-04-22</a:t>
+              <a:t>2024-04-26</a:t>
             </a:fld>
             <a:endParaRPr lang="ko-KR" altLang="en-US"/>
           </a:p>
@@ -7888,7 +7892,7 @@
           <a:p>
             <a:fld id="{AF27530F-C173-4D31-9E53-9F9EE5695ED1}" type="datetimeFigureOut">
               <a:rPr lang="ko-KR" altLang="en-US" smtClean="0"/>
-              <a:t>2024-04-22</a:t>
+              <a:t>2024-04-26</a:t>
             </a:fld>
             <a:endParaRPr lang="ko-KR" altLang="en-US"/>
           </a:p>
@@ -8211,7 +8215,7 @@
           <a:p>
             <a:fld id="{AF27530F-C173-4D31-9E53-9F9EE5695ED1}" type="datetimeFigureOut">
               <a:rPr lang="ko-KR" altLang="en-US" smtClean="0"/>
-              <a:t>2024-04-22</a:t>
+              <a:t>2024-04-26</a:t>
             </a:fld>
             <a:endParaRPr lang="ko-KR" altLang="en-US"/>
           </a:p>
@@ -8679,7 +8683,7 @@
           <a:p>
             <a:fld id="{AF27530F-C173-4D31-9E53-9F9EE5695ED1}" type="datetimeFigureOut">
               <a:rPr lang="ko-KR" altLang="en-US" smtClean="0"/>
-              <a:t>2024-04-22</a:t>
+              <a:t>2024-04-26</a:t>
             </a:fld>
             <a:endParaRPr lang="ko-KR" altLang="en-US"/>
           </a:p>
@@ -9066,7 +9070,7 @@
           <a:p>
             <a:fld id="{AF27530F-C173-4D31-9E53-9F9EE5695ED1}" type="datetimeFigureOut">
               <a:rPr lang="ko-KR" altLang="en-US" smtClean="0"/>
-              <a:t>2024-04-22</a:t>
+              <a:t>2024-04-26</a:t>
             </a:fld>
             <a:endParaRPr lang="ko-KR" altLang="en-US"/>
           </a:p>
@@ -9651,7 +9655,7 @@
           <a:p>
             <a:fld id="{AF27530F-C173-4D31-9E53-9F9EE5695ED1}" type="datetimeFigureOut">
               <a:rPr lang="ko-KR" altLang="en-US" smtClean="0"/>
-              <a:t>2024-04-22</a:t>
+              <a:t>2024-04-26</a:t>
             </a:fld>
             <a:endParaRPr lang="ko-KR" altLang="en-US"/>
           </a:p>
@@ -9915,7 +9919,7 @@
           <a:p>
             <a:fld id="{AF27530F-C173-4D31-9E53-9F9EE5695ED1}" type="datetimeFigureOut">
               <a:rPr lang="ko-KR" altLang="en-US" smtClean="0"/>
-              <a:t>2024-04-22</a:t>
+              <a:t>2024-04-26</a:t>
             </a:fld>
             <a:endParaRPr lang="ko-KR" altLang="en-US"/>
           </a:p>
@@ -10085,7 +10089,7 @@
           <a:p>
             <a:fld id="{AF27530F-C173-4D31-9E53-9F9EE5695ED1}" type="datetimeFigureOut">
               <a:rPr lang="ko-KR" altLang="en-US" smtClean="0"/>
-              <a:t>2024-04-22</a:t>
+              <a:t>2024-04-26</a:t>
             </a:fld>
             <a:endParaRPr lang="ko-KR" altLang="en-US"/>
           </a:p>
@@ -10554,7 +10558,7 @@
           <a:p>
             <a:fld id="{AF27530F-C173-4D31-9E53-9F9EE5695ED1}" type="datetimeFigureOut">
               <a:rPr lang="ko-KR" altLang="en-US" smtClean="0"/>
-              <a:t>2024-04-22</a:t>
+              <a:t>2024-04-26</a:t>
             </a:fld>
             <a:endParaRPr lang="ko-KR" altLang="en-US"/>
           </a:p>
@@ -10970,7 +10974,7 @@
           <a:p>
             <a:fld id="{AF27530F-C173-4D31-9E53-9F9EE5695ED1}" type="datetimeFigureOut">
               <a:rPr lang="ko-KR" altLang="en-US" smtClean="0"/>
-              <a:t>2024-04-22</a:t>
+              <a:t>2024-04-26</a:t>
             </a:fld>
             <a:endParaRPr lang="ko-KR" altLang="en-US"/>
           </a:p>
@@ -11221,7 +11225,7 @@
           <a:p>
             <a:fld id="{AF27530F-C173-4D31-9E53-9F9EE5695ED1}" type="datetimeFigureOut">
               <a:rPr lang="ko-KR" altLang="en-US" smtClean="0"/>
-              <a:t>2024-04-22</a:t>
+              <a:t>2024-04-26</a:t>
             </a:fld>
             <a:endParaRPr lang="ko-KR" altLang="en-US"/>
           </a:p>
@@ -29257,15 +29261,7 @@
                             <a:schemeClr val="bg1"/>
                           </a:solidFill>
                         </a:rPr>
-                        <a:t>차원 </a:t>
-                      </a:r>
-                      <a:r>
-                        <a:rPr lang="ko-KR" altLang="en-US" sz="1200" dirty="0" smtClean="0">
-                          <a:solidFill>
-                            <a:schemeClr val="bg1"/>
-                          </a:solidFill>
-                        </a:rPr>
-                        <a:t>정방 행렬 배열의 </a:t>
+                        <a:t>차원 정방 행렬 배열의 </a:t>
                       </a:r>
                       <a:r>
                         <a:rPr lang="ko-KR" altLang="en-US" sz="1200" dirty="0" err="1" smtClean="0">
@@ -31348,15 +31344,7 @@
                   <a:schemeClr val="bg1"/>
                 </a:solidFill>
               </a:rPr>
-              <a:t> </a:t>
-            </a:r>
-            <a:r>
-              <a:rPr lang="ko-KR" altLang="en-US" sz="1200" dirty="0" smtClean="0">
-                <a:solidFill>
-                  <a:schemeClr val="bg1"/>
-                </a:solidFill>
-              </a:rPr>
-              <a:t>행렬은 </a:t>
+              <a:t> 행렬은 </a:t>
             </a:r>
             <a:r>
               <a:rPr lang="ko-KR" altLang="en-US" sz="1200" dirty="0">
@@ -31486,7 +31474,7 @@
           <p:nvPr>
             <p:extLst>
               <p:ext uri="{D42A27DB-BD31-4B8C-83A1-F6EECF244321}">
-                <p14:modId xmlns:p14="http://schemas.microsoft.com/office/powerpoint/2010/main" val="423282780"/>
+                <p14:modId xmlns:p14="http://schemas.microsoft.com/office/powerpoint/2010/main" val="1821279758"/>
               </p:ext>
             </p:extLst>
           </p:nvPr>
@@ -31545,7 +31533,31 @@
                             <a:schemeClr val="bg1"/>
                           </a:solidFill>
                         </a:rPr>
-                        <a:t>차원 정방 행렬의 구조와 인덱스 번호</a:t>
+                        <a:t>차원 </a:t>
+                      </a:r>
+                      <a:r>
+                        <a:rPr lang="ko-KR" altLang="en-US" sz="1200" dirty="0" err="1" smtClean="0">
+                          <a:solidFill>
+                            <a:schemeClr val="bg1"/>
+                          </a:solidFill>
+                        </a:rPr>
+                        <a:t>비정방</a:t>
+                      </a:r>
+                      <a:r>
+                        <a:rPr lang="ko-KR" altLang="en-US" sz="1200" dirty="0" smtClean="0">
+                          <a:solidFill>
+                            <a:schemeClr val="bg1"/>
+                          </a:solidFill>
+                        </a:rPr>
+                        <a:t> </a:t>
+                      </a:r>
+                      <a:r>
+                        <a:rPr lang="ko-KR" altLang="en-US" sz="1200" dirty="0" smtClean="0">
+                          <a:solidFill>
+                            <a:schemeClr val="bg1"/>
+                          </a:solidFill>
+                        </a:rPr>
+                        <a:t>행렬의 구조와 인덱스 번호</a:t>
                       </a:r>
                       <a:endParaRPr lang="ko-KR" altLang="en-US" sz="1200" dirty="0">
                         <a:solidFill>
@@ -32019,14 +32031,14 @@
           <p:nvPr>
             <p:extLst>
               <p:ext uri="{D42A27DB-BD31-4B8C-83A1-F6EECF244321}">
-                <p14:modId xmlns:p14="http://schemas.microsoft.com/office/powerpoint/2010/main" val="2723002442"/>
+                <p14:modId xmlns:p14="http://schemas.microsoft.com/office/powerpoint/2010/main" val="441867046"/>
               </p:ext>
             </p:extLst>
           </p:nvPr>
         </p:nvGraphicFramePr>
         <p:xfrm>
-          <a:off x="5501039" y="2336873"/>
-          <a:ext cx="2442973" cy="3982720"/>
+          <a:off x="5478086" y="2054241"/>
+          <a:ext cx="4881557" cy="4692420"/>
         </p:xfrm>
         <a:graphic>
           <a:graphicData uri="http://schemas.openxmlformats.org/drawingml/2006/table">
@@ -32035,7 +32047,7 @@
                 <a:tableStyleId>{5C22544A-7EE6-4342-B048-85BDC9FD1C3A}</a:tableStyleId>
               </a:tblPr>
               <a:tblGrid>
-                <a:gridCol w="2442973">
+                <a:gridCol w="4881557">
                   <a:extLst>
                     <a:ext uri="{9D8B030D-6E8A-4147-A177-3AD203B41FA5}">
                       <a16:colId xmlns:a16="http://schemas.microsoft.com/office/drawing/2014/main" val="4011089814"/>
@@ -32043,7 +32055,7 @@
                   </a:extLst>
                 </a:gridCol>
               </a:tblGrid>
-              <a:tr h="370840">
+              <a:tr h="331095">
                 <a:tc>
                   <a:txBody>
                     <a:bodyPr/>
@@ -32067,7 +32079,7 @@
                         <a:defRPr/>
                       </a:pPr>
                       <a:r>
-                        <a:rPr lang="en-US" altLang="ko-KR" sz="1200" dirty="0" smtClean="0">
+                        <a:rPr lang="en-US" altLang="ko-KR" sz="900" dirty="0" smtClean="0">
                           <a:solidFill>
                             <a:schemeClr val="bg1"/>
                           </a:solidFill>
@@ -32075,7 +32087,7 @@
                         <a:t>[2</a:t>
                       </a:r>
                       <a:r>
-                        <a:rPr lang="ko-KR" altLang="en-US" sz="1200" dirty="0" smtClean="0">
+                        <a:rPr lang="ko-KR" altLang="en-US" sz="900" dirty="0" smtClean="0">
                           <a:solidFill>
                             <a:schemeClr val="bg1"/>
                           </a:solidFill>
@@ -32083,7 +32095,7 @@
                         <a:t>차원 </a:t>
                       </a:r>
                       <a:r>
-                        <a:rPr lang="ko-KR" altLang="en-US" sz="1200" dirty="0" err="1" smtClean="0">
+                        <a:rPr lang="ko-KR" altLang="en-US" sz="900" dirty="0" err="1" smtClean="0">
                           <a:solidFill>
                             <a:schemeClr val="bg1"/>
                           </a:solidFill>
@@ -32091,7 +32103,7 @@
                         <a:t>비정방</a:t>
                       </a:r>
                       <a:r>
-                        <a:rPr lang="ko-KR" altLang="en-US" sz="1200" dirty="0" smtClean="0">
+                        <a:rPr lang="ko-KR" altLang="en-US" sz="900" dirty="0" smtClean="0">
                           <a:solidFill>
                             <a:schemeClr val="bg1"/>
                           </a:solidFill>
@@ -32099,7 +32111,7 @@
                         <a:t> 행렬의 </a:t>
                       </a:r>
                       <a:r>
-                        <a:rPr lang="ko-KR" altLang="en-US" sz="1200" dirty="0" err="1" smtClean="0">
+                        <a:rPr lang="ko-KR" altLang="en-US" sz="900" dirty="0" err="1" smtClean="0">
                           <a:solidFill>
                             <a:schemeClr val="bg1"/>
                           </a:solidFill>
@@ -32107,14 +32119,14 @@
                         <a:t>선언법</a:t>
                       </a:r>
                       <a:r>
-                        <a:rPr lang="en-US" altLang="ko-KR" sz="1200" dirty="0" smtClean="0">
+                        <a:rPr lang="en-US" altLang="ko-KR" sz="900" dirty="0" smtClean="0">
                           <a:solidFill>
                             <a:schemeClr val="bg1"/>
                           </a:solidFill>
                         </a:rPr>
                         <a:t>]</a:t>
                       </a:r>
-                      <a:endParaRPr lang="ko-KR" altLang="en-US" sz="1200" dirty="0" smtClean="0">
+                      <a:endParaRPr lang="ko-KR" altLang="en-US" sz="900" dirty="0" smtClean="0">
                         <a:solidFill>
                           <a:schemeClr val="bg1"/>
                         </a:solidFill>
@@ -32129,7 +32141,7 @@
                   </a:ext>
                 </a:extLst>
               </a:tr>
-              <a:tr h="370840">
+              <a:tr h="331095">
                 <a:tc>
                   <a:txBody>
                     <a:bodyPr/>
@@ -32153,37 +32165,29 @@
                         <a:defRPr/>
                       </a:pPr>
                       <a:r>
-                        <a:rPr lang="ko-KR" altLang="en-US" sz="1600" b="1" dirty="0" smtClean="0">
+                        <a:rPr lang="ko-KR" altLang="en-US" sz="1050" b="1" dirty="0" smtClean="0">
                           <a:solidFill>
                             <a:schemeClr val="bg1"/>
                           </a:solidFill>
                         </a:rPr>
-                        <a:t>자료형</a:t>
-                      </a:r>
-                      <a:r>
-                        <a:rPr lang="en-US" altLang="ko-KR" sz="1600" b="1" dirty="0" smtClean="0">
+                        <a:t>배열</a:t>
+                      </a:r>
+                      <a:r>
+                        <a:rPr lang="ko-KR" altLang="en-US" sz="1050" b="1" baseline="0" dirty="0" smtClean="0">
                           <a:solidFill>
                             <a:schemeClr val="bg1"/>
                           </a:solidFill>
                         </a:rPr>
-                        <a:t>[][] </a:t>
-                      </a:r>
-                      <a:r>
-                        <a:rPr lang="ko-KR" altLang="en-US" sz="1600" b="1" smtClean="0">
-                          <a:solidFill>
-                            <a:schemeClr val="bg1"/>
-                          </a:solidFill>
-                        </a:rPr>
-                        <a:t>참조 변수명</a:t>
-                      </a:r>
-                      <a:endParaRPr lang="ko-KR" altLang="en-US" sz="1600" b="1" dirty="0" smtClean="0">
+                        <a:t> 객체의 행 성분부터 생성하고 열 성분 생성하기</a:t>
+                      </a:r>
+                      <a:endParaRPr lang="ko-KR" altLang="en-US" sz="1050" b="1" dirty="0" smtClean="0">
                         <a:solidFill>
                           <a:schemeClr val="bg1"/>
                         </a:solidFill>
                       </a:endParaRPr>
                     </a:p>
                   </a:txBody>
-                  <a:tcPr/>
+                  <a:tcPr anchor="ctr"/>
                 </a:tc>
                 <a:extLst>
                   <a:ext uri="{0D108BD9-81ED-4DB2-BD59-A6C34878D82A}">
@@ -32191,7 +32195,7 @@
                   </a:ext>
                 </a:extLst>
               </a:tr>
-              <a:tr h="370840">
+              <a:tr h="1986568">
                 <a:tc>
                   <a:txBody>
                     <a:bodyPr/>
@@ -32199,40 +32203,454 @@
                     <a:p>
                       <a:pPr latinLnBrk="1"/>
                       <a:r>
-                        <a:rPr lang="en-US" altLang="ko-KR" sz="1600" dirty="0" smtClean="0">
+                        <a:rPr lang="ko-KR" altLang="en-US" sz="1000" dirty="0" smtClean="0">
                           <a:solidFill>
                             <a:schemeClr val="bg1"/>
                           </a:solidFill>
                         </a:rPr>
-                        <a:t>int[][] a;</a:t>
-                      </a:r>
-                    </a:p>
-                    <a:p>
-                      <a:pPr latinLnBrk="1"/>
-                      <a:r>
-                        <a:rPr lang="en-US" altLang="ko-KR" sz="1600" dirty="0" smtClean="0">
+                        <a:t>자료형</a:t>
+                      </a:r>
+                      <a:r>
+                        <a:rPr lang="en-US" altLang="ko-KR" sz="1000" dirty="0" smtClean="0">
                           <a:solidFill>
                             <a:schemeClr val="bg1"/>
                           </a:solidFill>
                         </a:rPr>
-                        <a:t>double [][] b;</a:t>
-                      </a:r>
-                    </a:p>
-                    <a:p>
-                      <a:pPr latinLnBrk="1"/>
-                      <a:r>
-                        <a:rPr lang="en-US" altLang="ko-KR" sz="1600" dirty="0" smtClean="0">
+                        <a:t>[][] </a:t>
+                      </a:r>
+                      <a:r>
+                        <a:rPr lang="ko-KR" altLang="en-US" sz="1000" dirty="0" smtClean="0">
                           <a:solidFill>
                             <a:schemeClr val="bg1"/>
                           </a:solidFill>
                         </a:rPr>
-                        <a:t>String[][] c;</a:t>
-                      </a:r>
-                      <a:endParaRPr lang="ko-KR" altLang="en-US" sz="1600" dirty="0" smtClean="0">
+                        <a:t>참조 변수명 </a:t>
+                      </a:r>
+                      <a:r>
+                        <a:rPr lang="en-US" altLang="ko-KR" sz="1000" dirty="0" smtClean="0">
+                          <a:solidFill>
+                            <a:schemeClr val="bg1"/>
+                          </a:solidFill>
+                        </a:rPr>
+                        <a:t>= new </a:t>
+                      </a:r>
+                      <a:r>
+                        <a:rPr lang="ko-KR" altLang="en-US" sz="1000" dirty="0" smtClean="0">
+                          <a:solidFill>
+                            <a:schemeClr val="bg1"/>
+                          </a:solidFill>
+                        </a:rPr>
+                        <a:t>자료형</a:t>
+                      </a:r>
+                      <a:r>
+                        <a:rPr lang="en-US" altLang="ko-KR" sz="1000" dirty="0" smtClean="0">
+                          <a:solidFill>
+                            <a:schemeClr val="bg1"/>
+                          </a:solidFill>
+                        </a:rPr>
+                        <a:t>[</a:t>
+                      </a:r>
+                      <a:r>
+                        <a:rPr lang="ko-KR" altLang="en-US" sz="1000" dirty="0" smtClean="0">
+                          <a:solidFill>
+                            <a:schemeClr val="bg1"/>
+                          </a:solidFill>
+                        </a:rPr>
+                        <a:t>행의 길이</a:t>
+                      </a:r>
+                      <a:r>
+                        <a:rPr lang="en-US" altLang="ko-KR" sz="1000" dirty="0" smtClean="0">
+                          <a:solidFill>
+                            <a:schemeClr val="bg1"/>
+                          </a:solidFill>
+                        </a:rPr>
+                        <a:t>][]; //</a:t>
+                      </a:r>
+                      <a:r>
+                        <a:rPr lang="ko-KR" altLang="en-US" sz="1000" dirty="0" smtClean="0">
+                          <a:solidFill>
+                            <a:schemeClr val="bg1"/>
+                          </a:solidFill>
+                        </a:rPr>
+                        <a:t>열의 길이는 표시하지 않음</a:t>
+                      </a:r>
+                      <a:endParaRPr lang="en-US" altLang="ko-KR" sz="1050" dirty="0" smtClean="0">
                         <a:solidFill>
                           <a:schemeClr val="bg1"/>
                         </a:solidFill>
                       </a:endParaRPr>
+                    </a:p>
+                    <a:p>
+                      <a:pPr latinLnBrk="1"/>
+                      <a:r>
+                        <a:rPr lang="ko-KR" altLang="en-US" sz="1000" dirty="0" smtClean="0">
+                          <a:solidFill>
+                            <a:schemeClr val="bg1"/>
+                          </a:solidFill>
+                        </a:rPr>
+                        <a:t>참조 변수명</a:t>
+                      </a:r>
+                      <a:r>
+                        <a:rPr lang="en-US" altLang="ko-KR" sz="1000" dirty="0" smtClean="0">
+                          <a:solidFill>
+                            <a:schemeClr val="bg1"/>
+                          </a:solidFill>
+                        </a:rPr>
+                        <a:t>[0] = new</a:t>
+                      </a:r>
+                      <a:r>
+                        <a:rPr lang="en-US" altLang="ko-KR" sz="1000" baseline="0" dirty="0" smtClean="0">
+                          <a:solidFill>
+                            <a:schemeClr val="bg1"/>
+                          </a:solidFill>
+                        </a:rPr>
+                        <a:t> </a:t>
+                      </a:r>
+                      <a:r>
+                        <a:rPr lang="ko-KR" altLang="en-US" sz="1000" baseline="0" dirty="0" smtClean="0">
+                          <a:solidFill>
+                            <a:schemeClr val="bg1"/>
+                          </a:solidFill>
+                        </a:rPr>
+                        <a:t>자료형</a:t>
+                      </a:r>
+                      <a:r>
+                        <a:rPr lang="en-US" altLang="ko-KR" sz="1000" baseline="0" dirty="0" smtClean="0">
+                          <a:solidFill>
+                            <a:schemeClr val="bg1"/>
+                          </a:solidFill>
+                        </a:rPr>
+                        <a:t>[</a:t>
+                      </a:r>
+                      <a:r>
+                        <a:rPr lang="ko-KR" altLang="en-US" sz="1000" baseline="0" dirty="0" smtClean="0">
+                          <a:solidFill>
+                            <a:schemeClr val="bg1"/>
+                          </a:solidFill>
+                        </a:rPr>
+                        <a:t>열의 개수</a:t>
+                      </a:r>
+                      <a:r>
+                        <a:rPr lang="en-US" altLang="ko-KR" sz="1000" baseline="0" dirty="0" smtClean="0">
+                          <a:solidFill>
+                            <a:schemeClr val="bg1"/>
+                          </a:solidFill>
+                        </a:rPr>
+                        <a:t>]</a:t>
+                      </a:r>
+                      <a:r>
+                        <a:rPr lang="en-US" altLang="ko-KR" sz="1000" dirty="0" smtClean="0">
+                          <a:solidFill>
+                            <a:schemeClr val="bg1"/>
+                          </a:solidFill>
+                        </a:rPr>
+                        <a:t> ;</a:t>
+                      </a:r>
+                    </a:p>
+                    <a:p>
+                      <a:pPr latinLnBrk="1"/>
+                      <a:r>
+                        <a:rPr lang="ko-KR" altLang="en-US" sz="1000" dirty="0" smtClean="0">
+                          <a:solidFill>
+                            <a:schemeClr val="bg1"/>
+                          </a:solidFill>
+                        </a:rPr>
+                        <a:t>참조 변수명</a:t>
+                      </a:r>
+                      <a:r>
+                        <a:rPr lang="en-US" altLang="ko-KR" sz="1000" dirty="0" smtClean="0">
+                          <a:solidFill>
+                            <a:schemeClr val="bg1"/>
+                          </a:solidFill>
+                        </a:rPr>
+                        <a:t>[0] = 1</a:t>
+                      </a:r>
+                      <a:r>
+                        <a:rPr lang="ko-KR" altLang="en-US" sz="1000" dirty="0" smtClean="0">
+                          <a:solidFill>
+                            <a:schemeClr val="bg1"/>
+                          </a:solidFill>
+                        </a:rPr>
+                        <a:t>차원 배열의 생성</a:t>
+                      </a:r>
+                      <a:r>
+                        <a:rPr lang="en-US" altLang="ko-KR" sz="1000" dirty="0" smtClean="0">
+                          <a:solidFill>
+                            <a:schemeClr val="bg1"/>
+                          </a:solidFill>
+                        </a:rPr>
+                        <a:t>;</a:t>
+                      </a:r>
+                    </a:p>
+                    <a:p>
+                      <a:pPr latinLnBrk="1"/>
+                      <a:r>
+                        <a:rPr lang="ko-KR" altLang="en-US" sz="1000" dirty="0" smtClean="0">
+                          <a:solidFill>
+                            <a:schemeClr val="bg1"/>
+                          </a:solidFill>
+                        </a:rPr>
+                        <a:t>참조 변수명</a:t>
+                      </a:r>
+                      <a:r>
+                        <a:rPr lang="en-US" altLang="ko-KR" sz="1000" dirty="0" smtClean="0">
+                          <a:solidFill>
+                            <a:schemeClr val="bg1"/>
+                          </a:solidFill>
+                        </a:rPr>
+                        <a:t>[0] = 1</a:t>
+                      </a:r>
+                      <a:r>
+                        <a:rPr lang="ko-KR" altLang="en-US" sz="1000" dirty="0" smtClean="0">
+                          <a:solidFill>
+                            <a:schemeClr val="bg1"/>
+                          </a:solidFill>
+                        </a:rPr>
+                        <a:t>차원 배열의 생성</a:t>
+                      </a:r>
+                      <a:r>
+                        <a:rPr lang="en-US" altLang="ko-KR" sz="1000" dirty="0" smtClean="0">
+                          <a:solidFill>
+                            <a:schemeClr val="bg1"/>
+                          </a:solidFill>
+                        </a:rPr>
+                        <a:t>;</a:t>
+                      </a:r>
+                    </a:p>
+                    <a:p>
+                      <a:pPr marL="0" marR="0" indent="0" algn="l" defTabSz="914422" rtl="0" eaLnBrk="1" fontAlgn="auto" latinLnBrk="1" hangingPunct="1">
+                        <a:lnSpc>
+                          <a:spcPct val="100000"/>
+                        </a:lnSpc>
+                        <a:spcBef>
+                          <a:spcPts val="0"/>
+                        </a:spcBef>
+                        <a:spcAft>
+                          <a:spcPts val="0"/>
+                        </a:spcAft>
+                        <a:buClrTx/>
+                        <a:buSzTx/>
+                        <a:buFontTx/>
+                        <a:buNone/>
+                        <a:tabLst/>
+                        <a:defRPr/>
+                      </a:pPr>
+                      <a:r>
+                        <a:rPr lang="ko-KR" altLang="en-US" sz="1000" dirty="0" smtClean="0">
+                          <a:solidFill>
+                            <a:schemeClr val="bg1"/>
+                          </a:solidFill>
+                        </a:rPr>
+                        <a:t>참조 변수명</a:t>
+                      </a:r>
+                      <a:r>
+                        <a:rPr lang="en-US" altLang="ko-KR" sz="1000" dirty="0" smtClean="0">
+                          <a:solidFill>
+                            <a:schemeClr val="bg1"/>
+                          </a:solidFill>
+                        </a:rPr>
+                        <a:t>[1] = new</a:t>
+                      </a:r>
+                      <a:r>
+                        <a:rPr lang="en-US" altLang="ko-KR" sz="1000" baseline="0" dirty="0" smtClean="0">
+                          <a:solidFill>
+                            <a:schemeClr val="bg1"/>
+                          </a:solidFill>
+                        </a:rPr>
+                        <a:t> </a:t>
+                      </a:r>
+                      <a:r>
+                        <a:rPr lang="ko-KR" altLang="en-US" sz="1000" baseline="0" dirty="0" smtClean="0">
+                          <a:solidFill>
+                            <a:schemeClr val="bg1"/>
+                          </a:solidFill>
+                        </a:rPr>
+                        <a:t>자료형</a:t>
+                      </a:r>
+                      <a:r>
+                        <a:rPr lang="en-US" altLang="ko-KR" sz="1000" baseline="0" dirty="0" smtClean="0">
+                          <a:solidFill>
+                            <a:schemeClr val="bg1"/>
+                          </a:solidFill>
+                        </a:rPr>
+                        <a:t>[</a:t>
+                      </a:r>
+                      <a:r>
+                        <a:rPr lang="ko-KR" altLang="en-US" sz="1000" baseline="0" dirty="0" smtClean="0">
+                          <a:solidFill>
+                            <a:schemeClr val="bg1"/>
+                          </a:solidFill>
+                        </a:rPr>
+                        <a:t>열의 개수</a:t>
+                      </a:r>
+                      <a:r>
+                        <a:rPr lang="en-US" altLang="ko-KR" sz="1000" baseline="0" dirty="0" smtClean="0">
+                          <a:solidFill>
+                            <a:schemeClr val="bg1"/>
+                          </a:solidFill>
+                        </a:rPr>
+                        <a:t>]</a:t>
+                      </a:r>
+                      <a:r>
+                        <a:rPr lang="en-US" altLang="ko-KR" sz="1000" dirty="0" smtClean="0">
+                          <a:solidFill>
+                            <a:schemeClr val="bg1"/>
+                          </a:solidFill>
+                        </a:rPr>
+                        <a:t> ;</a:t>
+                      </a:r>
+                    </a:p>
+                    <a:p>
+                      <a:pPr latinLnBrk="1"/>
+                      <a:r>
+                        <a:rPr lang="ko-KR" altLang="en-US" sz="1000" dirty="0" smtClean="0">
+                          <a:solidFill>
+                            <a:schemeClr val="bg1"/>
+                          </a:solidFill>
+                        </a:rPr>
+                        <a:t>참조 변수명</a:t>
+                      </a:r>
+                      <a:r>
+                        <a:rPr lang="en-US" altLang="ko-KR" sz="1000" dirty="0" smtClean="0">
+                          <a:solidFill>
+                            <a:schemeClr val="bg1"/>
+                          </a:solidFill>
+                        </a:rPr>
+                        <a:t>[1] = 1</a:t>
+                      </a:r>
+                      <a:r>
+                        <a:rPr lang="ko-KR" altLang="en-US" sz="1000" dirty="0" smtClean="0">
+                          <a:solidFill>
+                            <a:schemeClr val="bg1"/>
+                          </a:solidFill>
+                        </a:rPr>
+                        <a:t>차원 배열의 생성</a:t>
+                      </a:r>
+                      <a:r>
+                        <a:rPr lang="en-US" altLang="ko-KR" sz="1000" dirty="0" smtClean="0">
+                          <a:solidFill>
+                            <a:schemeClr val="bg1"/>
+                          </a:solidFill>
+                        </a:rPr>
+                        <a:t>;</a:t>
+                      </a:r>
+                    </a:p>
+                    <a:p>
+                      <a:pPr latinLnBrk="1"/>
+                      <a:r>
+                        <a:rPr lang="ko-KR" altLang="en-US" sz="1000" dirty="0" smtClean="0">
+                          <a:solidFill>
+                            <a:schemeClr val="bg1"/>
+                          </a:solidFill>
+                        </a:rPr>
+                        <a:t>참조 변수명</a:t>
+                      </a:r>
+                      <a:r>
+                        <a:rPr lang="en-US" altLang="ko-KR" sz="1000" dirty="0" smtClean="0">
+                          <a:solidFill>
+                            <a:schemeClr val="bg1"/>
+                          </a:solidFill>
+                        </a:rPr>
+                        <a:t>[1] = 1</a:t>
+                      </a:r>
+                      <a:r>
+                        <a:rPr lang="ko-KR" altLang="en-US" sz="1000" dirty="0" smtClean="0">
+                          <a:solidFill>
+                            <a:schemeClr val="bg1"/>
+                          </a:solidFill>
+                        </a:rPr>
+                        <a:t>차원 배열의 생성</a:t>
+                      </a:r>
+                      <a:r>
+                        <a:rPr lang="en-US" altLang="ko-KR" sz="1000" dirty="0" smtClean="0">
+                          <a:solidFill>
+                            <a:schemeClr val="bg1"/>
+                          </a:solidFill>
+                        </a:rPr>
+                        <a:t>;</a:t>
+                      </a:r>
+                    </a:p>
+                    <a:p>
+                      <a:pPr latinLnBrk="1"/>
+                      <a:endParaRPr lang="en-US" altLang="ko-KR" sz="1000" dirty="0" smtClean="0">
+                        <a:solidFill>
+                          <a:schemeClr val="bg1"/>
+                        </a:solidFill>
+                      </a:endParaRPr>
+                    </a:p>
+                    <a:p>
+                      <a:pPr latinLnBrk="1"/>
+                      <a:r>
+                        <a:rPr lang="en-US" altLang="ko-KR" sz="1000" dirty="0" smtClean="0">
+                          <a:solidFill>
+                            <a:schemeClr val="bg1"/>
+                          </a:solidFill>
+                        </a:rPr>
+                        <a:t>ex)</a:t>
+                      </a:r>
+                    </a:p>
+                    <a:p>
+                      <a:pPr latinLnBrk="1"/>
+                      <a:r>
+                        <a:rPr lang="en-US" altLang="ko-KR" sz="1000" dirty="0" smtClean="0">
+                          <a:solidFill>
+                            <a:schemeClr val="bg1"/>
+                          </a:solidFill>
+                        </a:rPr>
+                        <a:t>int</a:t>
+                      </a:r>
+                      <a:r>
+                        <a:rPr lang="en-US" altLang="ko-KR" sz="1000" baseline="0" dirty="0" smtClean="0">
+                          <a:solidFill>
+                            <a:schemeClr val="bg1"/>
+                          </a:solidFill>
+                        </a:rPr>
+                        <a:t>[][] a = new int[2][];</a:t>
+                      </a:r>
+                    </a:p>
+                    <a:p>
+                      <a:pPr latinLnBrk="1"/>
+                      <a:r>
+                        <a:rPr lang="en-US" altLang="ko-KR" sz="1000" baseline="0" dirty="0" smtClean="0">
+                          <a:solidFill>
+                            <a:schemeClr val="bg1"/>
+                          </a:solidFill>
+                        </a:rPr>
+                        <a:t>a[0] = new int[2];</a:t>
+                      </a:r>
+                    </a:p>
+                    <a:p>
+                      <a:pPr latinLnBrk="1"/>
+                      <a:r>
+                        <a:rPr lang="en-US" altLang="ko-KR" sz="1000" baseline="0" dirty="0" smtClean="0">
+                          <a:solidFill>
+                            <a:schemeClr val="bg1"/>
+                          </a:solidFill>
+                        </a:rPr>
+                        <a:t>a[0][0] = 1; a[0][1] = 2;</a:t>
+                      </a:r>
+                    </a:p>
+                    <a:p>
+                      <a:pPr latinLnBrk="1"/>
+                      <a:r>
+                        <a:rPr lang="en-US" altLang="ko-KR" sz="1000" baseline="0" dirty="0" smtClean="0">
+                          <a:solidFill>
+                            <a:schemeClr val="bg1"/>
+                          </a:solidFill>
+                        </a:rPr>
+                        <a:t>int[1] = new int[3];</a:t>
+                      </a:r>
+                    </a:p>
+                    <a:p>
+                      <a:pPr latinLnBrk="1"/>
+                      <a:r>
+                        <a:rPr lang="en-US" altLang="ko-KR" sz="1000" baseline="0" dirty="0" smtClean="0">
+                          <a:solidFill>
+                            <a:schemeClr val="bg1"/>
+                          </a:solidFill>
+                        </a:rPr>
+                        <a:t>a[1][0] = 3; a[1][1] = 4; a[1][5] = 5;</a:t>
+                      </a:r>
                     </a:p>
                   </a:txBody>
                   <a:tcPr/>
@@ -32243,7 +32661,7 @@
                   </a:ext>
                 </a:extLst>
               </a:tr>
-              <a:tr h="370840">
+              <a:tr h="331095">
                 <a:tc>
                   <a:txBody>
                     <a:bodyPr/>
@@ -32267,29 +32685,29 @@
                         <a:defRPr/>
                       </a:pPr>
                       <a:r>
-                        <a:rPr lang="ko-KR" altLang="en-US" sz="1600" b="1" dirty="0" smtClean="0">
+                        <a:rPr lang="ko-KR" altLang="en-US" sz="1050" b="1" dirty="0" err="1" smtClean="0">
                           <a:solidFill>
                             <a:schemeClr val="bg1"/>
                           </a:solidFill>
                         </a:rPr>
-                        <a:t>자료형 변수명</a:t>
-                      </a:r>
-                      <a:r>
-                        <a:rPr lang="en-US" altLang="ko-KR" sz="1600" b="1" dirty="0" smtClean="0">
+                        <a:t>자료형과</a:t>
+                      </a:r>
+                      <a:r>
+                        <a:rPr lang="ko-KR" altLang="en-US" sz="1050" b="1" dirty="0" smtClean="0">
                           <a:solidFill>
                             <a:schemeClr val="bg1"/>
                           </a:solidFill>
                         </a:rPr>
-                        <a:t>[][]</a:t>
-                      </a:r>
-                      <a:endParaRPr lang="ko-KR" altLang="en-US" sz="1600" b="1" dirty="0" smtClean="0">
+                        <a:t> 대입할 값만 입력하기</a:t>
+                      </a:r>
+                      <a:endParaRPr lang="ko-KR" altLang="en-US" sz="1050" b="1" dirty="0" smtClean="0">
                         <a:solidFill>
                           <a:schemeClr val="bg1"/>
                         </a:solidFill>
                       </a:endParaRPr>
                     </a:p>
                   </a:txBody>
-                  <a:tcPr/>
+                  <a:tcPr anchor="ctr"/>
                 </a:tc>
                 <a:extLst>
                   <a:ext uri="{0D108BD9-81ED-4DB2-BD59-A6C34878D82A}">
@@ -32297,7 +32715,7 @@
                   </a:ext>
                 </a:extLst>
               </a:tr>
-              <a:tr h="370840">
+              <a:tr h="517052">
                 <a:tc>
                   <a:txBody>
                     <a:bodyPr/>
@@ -32305,60 +32723,188 @@
                     <a:p>
                       <a:pPr latinLnBrk="1"/>
                       <a:r>
-                        <a:rPr lang="en-US" altLang="ko-KR" sz="1600" dirty="0" smtClean="0">
+                        <a:rPr lang="ko-KR" altLang="en-US" sz="1050" dirty="0" smtClean="0">
                           <a:solidFill>
                             <a:schemeClr val="bg1"/>
                           </a:solidFill>
                         </a:rPr>
-                        <a:t>int a [][];</a:t>
-                      </a:r>
-                    </a:p>
-                    <a:p>
-                      <a:pPr latinLnBrk="1"/>
-                      <a:r>
-                        <a:rPr lang="en-US" altLang="ko-KR" sz="1600" dirty="0" smtClean="0">
+                        <a:t>자료형</a:t>
+                      </a:r>
+                      <a:r>
+                        <a:rPr lang="en-US" altLang="ko-KR" sz="1050" dirty="0" smtClean="0">
                           <a:solidFill>
                             <a:schemeClr val="bg1"/>
                           </a:solidFill>
                         </a:rPr>
-                        <a:t>double</a:t>
-                      </a:r>
-                      <a:r>
-                        <a:rPr lang="en-US" altLang="ko-KR" sz="1600" baseline="0" dirty="0" smtClean="0">
+                        <a:t>[][] </a:t>
+                      </a:r>
+                      <a:r>
+                        <a:rPr lang="ko-KR" altLang="en-US" sz="1050" dirty="0" smtClean="0">
                           <a:solidFill>
                             <a:schemeClr val="bg1"/>
                           </a:solidFill>
                         </a:rPr>
-                        <a:t> b [][];</a:t>
-                      </a:r>
-                    </a:p>
-                    <a:p>
-                      <a:pPr latinLnBrk="1"/>
-                      <a:r>
-                        <a:rPr lang="en-US" altLang="ko-KR" sz="1600" dirty="0" smtClean="0">
+                        <a:t>참조 변수명 </a:t>
+                      </a:r>
+                      <a:r>
+                        <a:rPr lang="en-US" altLang="ko-KR" sz="1050" dirty="0" smtClean="0">
                           <a:solidFill>
                             <a:schemeClr val="bg1"/>
                           </a:solidFill>
                         </a:rPr>
-                        <a:t>String</a:t>
-                      </a:r>
-                      <a:r>
-                        <a:rPr lang="en-US" altLang="ko-KR" sz="1600" baseline="0" dirty="0" smtClean="0">
+                        <a:t>= new</a:t>
+                      </a:r>
+                      <a:r>
+                        <a:rPr lang="en-US" altLang="ko-KR" sz="1050" baseline="0" dirty="0" smtClean="0">
                           <a:solidFill>
                             <a:schemeClr val="bg1"/>
                           </a:solidFill>
                         </a:rPr>
-                        <a:t> c [][]</a:t>
-                      </a:r>
-                      <a:r>
-                        <a:rPr lang="en-US" altLang="ko-KR" sz="1800" baseline="0" dirty="0" smtClean="0">
+                        <a:t> </a:t>
+                      </a:r>
+                      <a:r>
+                        <a:rPr lang="ko-KR" altLang="en-US" sz="1050" baseline="0" dirty="0" smtClean="0">
                           <a:solidFill>
-                            <a:schemeClr val="dk1"/>
+                            <a:schemeClr val="bg1"/>
                           </a:solidFill>
                         </a:rPr>
-                        <a:t>;</a:t>
-                      </a:r>
-                      <a:endParaRPr lang="ko-KR" altLang="en-US" sz="1600" dirty="0" smtClean="0">
+                        <a:t>자료형</a:t>
+                      </a:r>
+                      <a:r>
+                        <a:rPr lang="en-US" altLang="ko-KR" sz="1050" baseline="0" dirty="0" smtClean="0">
+                          <a:solidFill>
+                            <a:schemeClr val="bg1"/>
+                          </a:solidFill>
+                        </a:rPr>
+                        <a:t>[][] {{</a:t>
+                      </a:r>
+                      <a:r>
+                        <a:rPr lang="ko-KR" altLang="en-US" sz="1050" baseline="0" dirty="0" smtClean="0">
+                          <a:solidFill>
+                            <a:schemeClr val="bg1"/>
+                          </a:solidFill>
+                        </a:rPr>
+                        <a:t>값</a:t>
+                      </a:r>
+                      <a:r>
+                        <a:rPr lang="en-US" altLang="ko-KR" sz="1050" baseline="0" dirty="0" smtClean="0">
+                          <a:solidFill>
+                            <a:schemeClr val="bg1"/>
+                          </a:solidFill>
+                        </a:rPr>
+                        <a:t>,</a:t>
+                      </a:r>
+                      <a:r>
+                        <a:rPr lang="ko-KR" altLang="en-US" sz="1050" baseline="0" dirty="0" smtClean="0">
+                          <a:solidFill>
+                            <a:schemeClr val="bg1"/>
+                          </a:solidFill>
+                        </a:rPr>
+                        <a:t>값</a:t>
+                      </a:r>
+                      <a:r>
+                        <a:rPr lang="en-US" altLang="ko-KR" sz="1050" baseline="0" dirty="0" smtClean="0">
+                          <a:solidFill>
+                            <a:schemeClr val="bg1"/>
+                          </a:solidFill>
+                        </a:rPr>
+                        <a:t>, … ,</a:t>
+                      </a:r>
+                      <a:r>
+                        <a:rPr lang="ko-KR" altLang="en-US" sz="1050" baseline="0" dirty="0" smtClean="0">
+                          <a:solidFill>
+                            <a:schemeClr val="bg1"/>
+                          </a:solidFill>
+                        </a:rPr>
+                        <a:t>값</a:t>
+                      </a:r>
+                      <a:r>
+                        <a:rPr lang="en-US" altLang="ko-KR" sz="1050" baseline="0" dirty="0" smtClean="0">
+                          <a:solidFill>
+                            <a:schemeClr val="bg1"/>
+                          </a:solidFill>
+                        </a:rPr>
+                        <a:t>}, … ,{</a:t>
+                      </a:r>
+                      <a:r>
+                        <a:rPr lang="ko-KR" altLang="en-US" sz="1050" baseline="0" dirty="0" smtClean="0">
+                          <a:solidFill>
+                            <a:schemeClr val="bg1"/>
+                          </a:solidFill>
+                        </a:rPr>
+                        <a:t>값</a:t>
+                      </a:r>
+                      <a:r>
+                        <a:rPr lang="en-US" altLang="ko-KR" sz="1050" baseline="0" dirty="0" smtClean="0">
+                          <a:solidFill>
+                            <a:schemeClr val="bg1"/>
+                          </a:solidFill>
+                        </a:rPr>
+                        <a:t>,</a:t>
+                      </a:r>
+                      <a:r>
+                        <a:rPr lang="ko-KR" altLang="en-US" sz="1050" baseline="0" dirty="0" smtClean="0">
+                          <a:solidFill>
+                            <a:schemeClr val="bg1"/>
+                          </a:solidFill>
+                        </a:rPr>
+                        <a:t>값</a:t>
+                      </a:r>
+                      <a:r>
+                        <a:rPr lang="en-US" altLang="ko-KR" sz="1050" baseline="0" dirty="0" smtClean="0">
+                          <a:solidFill>
+                            <a:schemeClr val="bg1"/>
+                          </a:solidFill>
+                        </a:rPr>
+                        <a:t>, … ,</a:t>
+                      </a:r>
+                      <a:r>
+                        <a:rPr lang="ko-KR" altLang="en-US" sz="1050" baseline="0" dirty="0" smtClean="0">
+                          <a:solidFill>
+                            <a:schemeClr val="bg1"/>
+                          </a:solidFill>
+                        </a:rPr>
+                        <a:t>값</a:t>
+                      </a:r>
+                      <a:r>
+                        <a:rPr lang="en-US" altLang="ko-KR" sz="1050" baseline="0" dirty="0" smtClean="0">
+                          <a:solidFill>
+                            <a:schemeClr val="bg1"/>
+                          </a:solidFill>
+                        </a:rPr>
+                        <a:t>}}</a:t>
+                      </a:r>
+                    </a:p>
+                    <a:p>
+                      <a:pPr latinLnBrk="1"/>
+                      <a:r>
+                        <a:rPr lang="en-US" altLang="ko-KR" sz="1050" dirty="0" smtClean="0">
+                          <a:solidFill>
+                            <a:schemeClr val="bg1"/>
+                          </a:solidFill>
+                        </a:rPr>
+                        <a:t>ex)</a:t>
+                      </a:r>
+                    </a:p>
+                    <a:p>
+                      <a:pPr latinLnBrk="1"/>
+                      <a:r>
+                        <a:rPr lang="en-US" altLang="ko-KR" sz="1050" dirty="0" smtClean="0">
+                          <a:solidFill>
+                            <a:schemeClr val="bg1"/>
+                          </a:solidFill>
+                        </a:rPr>
+                        <a:t>int[][]</a:t>
+                      </a:r>
+                      <a:r>
+                        <a:rPr lang="en-US" altLang="ko-KR" sz="1050" baseline="0" dirty="0" smtClean="0">
+                          <a:solidFill>
+                            <a:schemeClr val="bg1"/>
+                          </a:solidFill>
+                        </a:rPr>
+                        <a:t> a = new int[][]{{1,2},{3,4,5}};</a:t>
+                      </a:r>
+                      <a:endParaRPr lang="ko-KR" altLang="en-US" sz="1050" dirty="0" smtClean="0">
                         <a:solidFill>
                           <a:schemeClr val="bg1"/>
                         </a:solidFill>
@@ -32373,7 +32919,7 @@
                   </a:ext>
                 </a:extLst>
               </a:tr>
-              <a:tr h="370840">
+              <a:tr h="331095">
                 <a:tc>
                   <a:txBody>
                     <a:bodyPr/>
@@ -32397,45 +32943,21 @@
                         <a:defRPr/>
                       </a:pPr>
                       <a:r>
-                        <a:rPr lang="ko-KR" altLang="en-US" sz="1600" b="1" dirty="0" smtClean="0">
+                        <a:rPr lang="ko-KR" altLang="en-US" sz="1050" b="1" dirty="0" smtClean="0">
                           <a:solidFill>
                             <a:schemeClr val="bg1"/>
                           </a:solidFill>
                         </a:rPr>
-                        <a:t>자료형</a:t>
-                      </a:r>
-                      <a:r>
-                        <a:rPr lang="en-US" altLang="ko-KR" sz="1600" b="1" dirty="0" smtClean="0">
-                          <a:solidFill>
-                            <a:schemeClr val="bg1"/>
-                          </a:solidFill>
-                        </a:rPr>
-                        <a:t>[] </a:t>
-                      </a:r>
-                      <a:r>
-                        <a:rPr lang="ko-KR" altLang="en-US" sz="1600" b="1" dirty="0" smtClean="0">
-                          <a:solidFill>
-                            <a:schemeClr val="bg1"/>
-                          </a:solidFill>
-                        </a:rPr>
-                        <a:t>변수명</a:t>
-                      </a:r>
-                      <a:r>
-                        <a:rPr lang="en-US" altLang="ko-KR" sz="1600" b="1" dirty="0" smtClean="0">
-                          <a:solidFill>
-                            <a:schemeClr val="bg1"/>
-                          </a:solidFill>
-                        </a:rPr>
-                        <a:t>[]</a:t>
-                      </a:r>
-                      <a:endParaRPr lang="ko-KR" altLang="en-US" sz="1600" b="1" dirty="0" smtClean="0">
+                        <a:t>대입할 값만 입력하기</a:t>
+                      </a:r>
+                      <a:endParaRPr lang="ko-KR" altLang="en-US" sz="1050" b="1" dirty="0" smtClean="0">
                         <a:solidFill>
                           <a:schemeClr val="bg1"/>
                         </a:solidFill>
                       </a:endParaRPr>
                     </a:p>
                   </a:txBody>
-                  <a:tcPr/>
+                  <a:tcPr anchor="ctr"/>
                 </a:tc>
                 <a:extLst>
                   <a:ext uri="{0D108BD9-81ED-4DB2-BD59-A6C34878D82A}">
@@ -32443,7 +32965,7 @@
                   </a:ext>
                 </a:extLst>
               </a:tr>
-              <a:tr h="370840">
+              <a:tr h="510249">
                 <a:tc>
                   <a:txBody>
                     <a:bodyPr/>
@@ -32451,40 +32973,163 @@
                     <a:p>
                       <a:pPr latinLnBrk="1"/>
                       <a:r>
-                        <a:rPr lang="en-US" altLang="ko-KR" sz="1600" dirty="0" smtClean="0">
+                        <a:rPr lang="ko-KR" altLang="en-US" sz="1050" dirty="0" smtClean="0">
                           <a:solidFill>
                             <a:schemeClr val="bg1"/>
                           </a:solidFill>
                         </a:rPr>
-                        <a:t>int[] a[];</a:t>
-                      </a:r>
-                    </a:p>
-                    <a:p>
-                      <a:pPr latinLnBrk="1"/>
-                      <a:r>
-                        <a:rPr lang="en-US" altLang="ko-KR" sz="1600" dirty="0" smtClean="0">
+                        <a:t>자료형</a:t>
+                      </a:r>
+                      <a:r>
+                        <a:rPr lang="en-US" altLang="ko-KR" sz="1050" dirty="0" smtClean="0">
                           <a:solidFill>
                             <a:schemeClr val="bg1"/>
                           </a:solidFill>
                         </a:rPr>
-                        <a:t>double[] b[];</a:t>
-                      </a:r>
-                    </a:p>
-                    <a:p>
-                      <a:pPr latinLnBrk="1"/>
-                      <a:r>
-                        <a:rPr lang="en-US" altLang="ko-KR" sz="1600" dirty="0" smtClean="0">
+                        <a:t>[][] </a:t>
+                      </a:r>
+                      <a:r>
+                        <a:rPr lang="ko-KR" altLang="en-US" sz="1050" dirty="0" smtClean="0">
                           <a:solidFill>
                             <a:schemeClr val="bg1"/>
                           </a:solidFill>
                         </a:rPr>
-                        <a:t>String[] c[];</a:t>
-                      </a:r>
-                      <a:endParaRPr lang="ko-KR" altLang="en-US" sz="1600" dirty="0" smtClean="0">
-                        <a:solidFill>
-                          <a:schemeClr val="bg1"/>
-                        </a:solidFill>
-                      </a:endParaRPr>
+                        <a:t>참조</a:t>
+                      </a:r>
+                      <a:r>
+                        <a:rPr lang="ko-KR" altLang="en-US" sz="1050" baseline="0" dirty="0" smtClean="0">
+                          <a:solidFill>
+                            <a:schemeClr val="bg1"/>
+                          </a:solidFill>
+                        </a:rPr>
+                        <a:t> 변수명 </a:t>
+                      </a:r>
+                      <a:r>
+                        <a:rPr lang="en-US" altLang="ko-KR" sz="1050" baseline="0" dirty="0" smtClean="0">
+                          <a:solidFill>
+                            <a:schemeClr val="bg1"/>
+                          </a:solidFill>
+                        </a:rPr>
+                        <a:t>= {{</a:t>
+                      </a:r>
+                      <a:r>
+                        <a:rPr lang="ko-KR" altLang="en-US" sz="1050" baseline="0" dirty="0" smtClean="0">
+                          <a:solidFill>
+                            <a:schemeClr val="bg1"/>
+                          </a:solidFill>
+                        </a:rPr>
+                        <a:t>값</a:t>
+                      </a:r>
+                      <a:r>
+                        <a:rPr lang="en-US" altLang="ko-KR" sz="1050" baseline="0" dirty="0" smtClean="0">
+                          <a:solidFill>
+                            <a:schemeClr val="bg1"/>
+                          </a:solidFill>
+                        </a:rPr>
+                        <a:t>,</a:t>
+                      </a:r>
+                      <a:r>
+                        <a:rPr lang="ko-KR" altLang="en-US" sz="1050" baseline="0" dirty="0" smtClean="0">
+                          <a:solidFill>
+                            <a:schemeClr val="bg1"/>
+                          </a:solidFill>
+                        </a:rPr>
+                        <a:t>값</a:t>
+                      </a:r>
+                      <a:r>
+                        <a:rPr lang="en-US" altLang="ko-KR" sz="1050" baseline="0" dirty="0" smtClean="0">
+                          <a:solidFill>
+                            <a:schemeClr val="bg1"/>
+                          </a:solidFill>
+                        </a:rPr>
+                        <a:t>, … , </a:t>
+                      </a:r>
+                      <a:r>
+                        <a:rPr lang="ko-KR" altLang="en-US" sz="1050" baseline="0" dirty="0" smtClean="0">
+                          <a:solidFill>
+                            <a:schemeClr val="bg1"/>
+                          </a:solidFill>
+                        </a:rPr>
+                        <a:t>값</a:t>
+                      </a:r>
+                      <a:r>
+                        <a:rPr lang="en-US" altLang="ko-KR" sz="1050" baseline="0" dirty="0" smtClean="0">
+                          <a:solidFill>
+                            <a:schemeClr val="bg1"/>
+                          </a:solidFill>
+                        </a:rPr>
+                        <a:t>}, … ,{</a:t>
+                      </a:r>
+                      <a:r>
+                        <a:rPr lang="ko-KR" altLang="en-US" sz="1050" baseline="0" dirty="0" smtClean="0">
+                          <a:solidFill>
+                            <a:schemeClr val="bg1"/>
+                          </a:solidFill>
+                        </a:rPr>
+                        <a:t>값</a:t>
+                      </a:r>
+                      <a:r>
+                        <a:rPr lang="en-US" altLang="ko-KR" sz="1050" baseline="0" dirty="0" smtClean="0">
+                          <a:solidFill>
+                            <a:schemeClr val="bg1"/>
+                          </a:solidFill>
+                        </a:rPr>
+                        <a:t>,</a:t>
+                      </a:r>
+                      <a:r>
+                        <a:rPr lang="ko-KR" altLang="en-US" sz="1050" baseline="0" dirty="0" smtClean="0">
+                          <a:solidFill>
+                            <a:schemeClr val="bg1"/>
+                          </a:solidFill>
+                        </a:rPr>
+                        <a:t>값</a:t>
+                      </a:r>
+                      <a:r>
+                        <a:rPr lang="en-US" altLang="ko-KR" sz="1050" baseline="0" dirty="0" smtClean="0">
+                          <a:solidFill>
+                            <a:schemeClr val="bg1"/>
+                          </a:solidFill>
+                        </a:rPr>
+                        <a:t>, … , </a:t>
+                      </a:r>
+                      <a:r>
+                        <a:rPr lang="ko-KR" altLang="en-US" sz="1050" baseline="0" dirty="0" smtClean="0">
+                          <a:solidFill>
+                            <a:schemeClr val="bg1"/>
+                          </a:solidFill>
+                        </a:rPr>
+                        <a:t>값</a:t>
+                      </a:r>
+                      <a:r>
+                        <a:rPr lang="en-US" altLang="ko-KR" sz="1050" baseline="0" dirty="0" smtClean="0">
+                          <a:solidFill>
+                            <a:schemeClr val="bg1"/>
+                          </a:solidFill>
+                        </a:rPr>
+                        <a:t>}}</a:t>
+                      </a:r>
+                    </a:p>
+                    <a:p>
+                      <a:pPr latinLnBrk="1"/>
+                      <a:r>
+                        <a:rPr lang="en-US" altLang="ko-KR" sz="1050" baseline="0" dirty="0" smtClean="0">
+                          <a:solidFill>
+                            <a:schemeClr val="bg1"/>
+                          </a:solidFill>
+                        </a:rPr>
+                        <a:t>ex)</a:t>
+                      </a:r>
+                    </a:p>
+                    <a:p>
+                      <a:pPr latinLnBrk="1"/>
+                      <a:r>
+                        <a:rPr lang="en-US" altLang="ko-KR" sz="1050" baseline="0" dirty="0" smtClean="0">
+                          <a:solidFill>
+                            <a:schemeClr val="bg1"/>
+                          </a:solidFill>
+                        </a:rPr>
+                        <a:t>int[][] a = {{1,2},{3,4,5}}</a:t>
+                      </a:r>
                     </a:p>
                   </a:txBody>
                   <a:tcPr/>
@@ -32503,6 +33148,370 @@
     <p:extLst>
       <p:ext uri="{BB962C8B-B14F-4D97-AF65-F5344CB8AC3E}">
         <p14:creationId xmlns:p14="http://schemas.microsoft.com/office/powerpoint/2010/main" val="859785034"/>
+      </p:ext>
+    </p:extLst>
+  </p:cSld>
+  <p:clrMapOvr>
+    <a:masterClrMapping/>
+  </p:clrMapOvr>
+</p:sld>
+</file>
+
+<file path=ppt/slides/slide28.xml><?xml version="1.0" encoding="utf-8"?>
+<p:sld xmlns:a="http://schemas.openxmlformats.org/drawingml/2006/main" xmlns:r="http://schemas.openxmlformats.org/officeDocument/2006/relationships" xmlns:p="http://schemas.openxmlformats.org/presentationml/2006/main">
+  <p:cSld>
+    <p:spTree>
+      <p:nvGrpSpPr>
+        <p:cNvPr id="1" name=""/>
+        <p:cNvGrpSpPr/>
+        <p:nvPr/>
+      </p:nvGrpSpPr>
+      <p:grpSpPr>
+        <a:xfrm>
+          <a:off x="0" y="0"/>
+          <a:ext cx="0" cy="0"/>
+          <a:chOff x="0" y="0"/>
+          <a:chExt cx="0" cy="0"/>
+        </a:xfrm>
+      </p:grpSpPr>
+      <p:pic>
+        <p:nvPicPr>
+          <p:cNvPr id="3" name="그림 2"/>
+          <p:cNvPicPr>
+            <a:picLocks noChangeAspect="1"/>
+          </p:cNvPicPr>
+          <p:nvPr/>
+        </p:nvPicPr>
+        <p:blipFill>
+          <a:blip r:embed="rId2"/>
+          <a:stretch>
+            <a:fillRect/>
+          </a:stretch>
+        </p:blipFill>
+        <p:spPr>
+          <a:xfrm>
+            <a:off x="3247331" y="31864"/>
+            <a:ext cx="5483220" cy="6784571"/>
+          </a:xfrm>
+          <a:prstGeom prst="rect">
+            <a:avLst/>
+          </a:prstGeom>
+        </p:spPr>
+      </p:pic>
+    </p:spTree>
+    <p:extLst>
+      <p:ext uri="{BB962C8B-B14F-4D97-AF65-F5344CB8AC3E}">
+        <p14:creationId xmlns:p14="http://schemas.microsoft.com/office/powerpoint/2010/main" val="1301806271"/>
+      </p:ext>
+    </p:extLst>
+  </p:cSld>
+  <p:clrMapOvr>
+    <a:masterClrMapping/>
+  </p:clrMapOvr>
+</p:sld>
+</file>
+
+<file path=ppt/slides/slide29.xml><?xml version="1.0" encoding="utf-8"?>
+<p:sld xmlns:a="http://schemas.openxmlformats.org/drawingml/2006/main" xmlns:r="http://schemas.openxmlformats.org/officeDocument/2006/relationships" xmlns:p="http://schemas.openxmlformats.org/presentationml/2006/main">
+  <p:cSld>
+    <p:spTree>
+      <p:nvGrpSpPr>
+        <p:cNvPr id="1" name=""/>
+        <p:cNvGrpSpPr/>
+        <p:nvPr/>
+      </p:nvGrpSpPr>
+      <p:grpSpPr>
+        <a:xfrm>
+          <a:off x="0" y="0"/>
+          <a:ext cx="0" cy="0"/>
+          <a:chOff x="0" y="0"/>
+          <a:chExt cx="0" cy="0"/>
+        </a:xfrm>
+      </p:grpSpPr>
+      <p:sp>
+        <p:nvSpPr>
+          <p:cNvPr id="2" name="제목 1"/>
+          <p:cNvSpPr>
+            <a:spLocks noGrp="1"/>
+          </p:cNvSpPr>
+          <p:nvPr>
+            <p:ph type="title"/>
+          </p:nvPr>
+        </p:nvSpPr>
+        <p:spPr/>
+        <p:txBody>
+          <a:bodyPr/>
+          <a:lstStyle/>
+          <a:p>
+            <a:pPr algn="ctr"/>
+            <a:r>
+              <a:rPr lang="en-US" altLang="ko-KR" dirty="0" smtClean="0"/>
+              <a:t>2</a:t>
+            </a:r>
+            <a:r>
+              <a:rPr lang="ko-KR" altLang="en-US" dirty="0" smtClean="0"/>
+              <a:t>차원 배열의 출력</a:t>
+            </a:r>
+            <a:endParaRPr lang="ko-KR" altLang="en-US" dirty="0"/>
+          </a:p>
+        </p:txBody>
+      </p:sp>
+      <p:sp>
+        <p:nvSpPr>
+          <p:cNvPr id="4" name="TextBox 3"/>
+          <p:cNvSpPr txBox="1"/>
+          <p:nvPr/>
+        </p:nvSpPr>
+        <p:spPr>
+          <a:xfrm>
+            <a:off x="0" y="2003367"/>
+            <a:ext cx="10057561" cy="1200329"/>
+          </a:xfrm>
+          <a:prstGeom prst="rect">
+            <a:avLst/>
+          </a:prstGeom>
+          <a:noFill/>
+        </p:spPr>
+        <p:txBody>
+          <a:bodyPr wrap="none" rtlCol="0">
+            <a:spAutoFit/>
+          </a:bodyPr>
+          <a:lstStyle/>
+          <a:p>
+            <a:r>
+              <a:rPr lang="en-US" altLang="ko-KR" dirty="0" smtClean="0">
+                <a:solidFill>
+                  <a:schemeClr val="bg1"/>
+                </a:solidFill>
+              </a:rPr>
+              <a:t>2</a:t>
+            </a:r>
+            <a:r>
+              <a:rPr lang="ko-KR" altLang="en-US" dirty="0" smtClean="0">
+                <a:solidFill>
+                  <a:schemeClr val="bg1"/>
+                </a:solidFill>
+              </a:rPr>
+              <a:t>차원 배열은 가로</a:t>
+            </a:r>
+            <a:r>
+              <a:rPr lang="en-US" altLang="ko-KR" dirty="0" smtClean="0">
+                <a:solidFill>
+                  <a:schemeClr val="bg1"/>
+                </a:solidFill>
+              </a:rPr>
+              <a:t>,</a:t>
+            </a:r>
+            <a:r>
+              <a:rPr lang="ko-KR" altLang="en-US" dirty="0" smtClean="0">
+                <a:solidFill>
+                  <a:schemeClr val="bg1"/>
+                </a:solidFill>
+              </a:rPr>
+              <a:t>세로 방향으로 데이터가 분포되어 있어 </a:t>
+            </a:r>
+            <a:r>
+              <a:rPr lang="en-US" altLang="ko-KR" dirty="0" smtClean="0">
+                <a:solidFill>
+                  <a:schemeClr val="bg1"/>
+                </a:solidFill>
+              </a:rPr>
+              <a:t>2</a:t>
+            </a:r>
+            <a:r>
+              <a:rPr lang="ko-KR" altLang="en-US" dirty="0" smtClean="0">
+                <a:solidFill>
+                  <a:schemeClr val="bg1"/>
+                </a:solidFill>
+              </a:rPr>
+              <a:t>개의 인덱스를 사용한다</a:t>
+            </a:r>
+            <a:r>
+              <a:rPr lang="en-US" altLang="ko-KR" dirty="0" smtClean="0">
+                <a:solidFill>
+                  <a:schemeClr val="bg1"/>
+                </a:solidFill>
+              </a:rPr>
+              <a:t>.</a:t>
+            </a:r>
+          </a:p>
+          <a:p>
+            <a:r>
+              <a:rPr lang="ko-KR" altLang="en-US" dirty="0" smtClean="0">
+                <a:solidFill>
+                  <a:schemeClr val="bg1"/>
+                </a:solidFill>
+              </a:rPr>
+              <a:t>따라서 </a:t>
+            </a:r>
+            <a:r>
+              <a:rPr lang="en-US" altLang="ko-KR" dirty="0" smtClean="0">
+                <a:solidFill>
+                  <a:schemeClr val="bg1"/>
+                </a:solidFill>
+              </a:rPr>
+              <a:t>2</a:t>
+            </a:r>
+            <a:r>
+              <a:rPr lang="ko-KR" altLang="en-US" dirty="0" smtClean="0">
+                <a:solidFill>
+                  <a:schemeClr val="bg1"/>
+                </a:solidFill>
+              </a:rPr>
+              <a:t>차원 배열의 모든 데이터를 출력하기 위해서는 기본적으로 이중 </a:t>
+            </a:r>
+            <a:r>
+              <a:rPr lang="en-US" altLang="ko-KR" dirty="0" smtClean="0">
+                <a:solidFill>
+                  <a:schemeClr val="bg1"/>
+                </a:solidFill>
+              </a:rPr>
+              <a:t>for </a:t>
+            </a:r>
+            <a:r>
+              <a:rPr lang="ko-KR" altLang="en-US" dirty="0" smtClean="0">
+                <a:solidFill>
+                  <a:schemeClr val="bg1"/>
+                </a:solidFill>
+              </a:rPr>
+              <a:t>문을 사용해야 한다</a:t>
+            </a:r>
+            <a:r>
+              <a:rPr lang="en-US" altLang="ko-KR" dirty="0" smtClean="0">
+                <a:solidFill>
+                  <a:schemeClr val="bg1"/>
+                </a:solidFill>
+              </a:rPr>
+              <a:t>.</a:t>
+            </a:r>
+          </a:p>
+          <a:p>
+            <a:r>
+              <a:rPr lang="ko-KR" altLang="en-US" dirty="0" smtClean="0">
+                <a:solidFill>
+                  <a:schemeClr val="bg1"/>
+                </a:solidFill>
+              </a:rPr>
+              <a:t>바깥쪽 </a:t>
+            </a:r>
+            <a:r>
+              <a:rPr lang="en-US" altLang="ko-KR" dirty="0" smtClean="0">
+                <a:solidFill>
+                  <a:schemeClr val="bg1"/>
+                </a:solidFill>
+              </a:rPr>
+              <a:t>for</a:t>
+            </a:r>
+            <a:r>
+              <a:rPr lang="ko-KR" altLang="en-US" dirty="0" smtClean="0">
+                <a:solidFill>
+                  <a:schemeClr val="bg1"/>
+                </a:solidFill>
+              </a:rPr>
+              <a:t>문에는 행의 개수를 나타내는 </a:t>
+            </a:r>
+            <a:r>
+              <a:rPr lang="en-US" altLang="ko-KR" dirty="0" err="1" smtClean="0">
+                <a:solidFill>
+                  <a:schemeClr val="bg1"/>
+                </a:solidFill>
+              </a:rPr>
+              <a:t>a.length</a:t>
+            </a:r>
+            <a:r>
+              <a:rPr lang="en-US" altLang="ko-KR" dirty="0" smtClean="0">
+                <a:solidFill>
+                  <a:schemeClr val="bg1"/>
+                </a:solidFill>
+              </a:rPr>
+              <a:t>,</a:t>
+            </a:r>
+          </a:p>
+          <a:p>
+            <a:r>
+              <a:rPr lang="ko-KR" altLang="en-US" dirty="0" smtClean="0">
+                <a:solidFill>
+                  <a:schemeClr val="bg1"/>
+                </a:solidFill>
+              </a:rPr>
+              <a:t>안쪽 </a:t>
+            </a:r>
+            <a:r>
+              <a:rPr lang="en-US" altLang="ko-KR" dirty="0" smtClean="0">
+                <a:solidFill>
+                  <a:schemeClr val="bg1"/>
+                </a:solidFill>
+              </a:rPr>
+              <a:t>for</a:t>
+            </a:r>
+            <a:r>
+              <a:rPr lang="ko-KR" altLang="en-US" dirty="0" smtClean="0">
+                <a:solidFill>
+                  <a:schemeClr val="bg1"/>
+                </a:solidFill>
+              </a:rPr>
+              <a:t>문에는 각 행방 열의 개수를 나타내는  </a:t>
+            </a:r>
+            <a:r>
+              <a:rPr lang="en-US" altLang="ko-KR" dirty="0" smtClean="0">
+                <a:solidFill>
+                  <a:schemeClr val="bg1"/>
+                </a:solidFill>
+              </a:rPr>
+              <a:t>a[</a:t>
+            </a:r>
+            <a:r>
+              <a:rPr lang="en-US" altLang="ko-KR" dirty="0" err="1" smtClean="0">
+                <a:solidFill>
+                  <a:schemeClr val="bg1"/>
+                </a:solidFill>
+              </a:rPr>
+              <a:t>i</a:t>
+            </a:r>
+            <a:r>
+              <a:rPr lang="en-US" altLang="ko-KR" dirty="0" smtClean="0">
+                <a:solidFill>
+                  <a:schemeClr val="bg1"/>
+                </a:solidFill>
+              </a:rPr>
+              <a:t>].length</a:t>
+            </a:r>
+            <a:r>
+              <a:rPr lang="ko-KR" altLang="en-US" dirty="0" smtClean="0">
+                <a:solidFill>
+                  <a:schemeClr val="bg1"/>
+                </a:solidFill>
+              </a:rPr>
+              <a:t>를</a:t>
+            </a:r>
+            <a:r>
+              <a:rPr lang="en-US" altLang="ko-KR" dirty="0" smtClean="0">
+                <a:solidFill>
+                  <a:schemeClr val="bg1"/>
+                </a:solidFill>
+              </a:rPr>
+              <a:t> </a:t>
+            </a:r>
+            <a:r>
+              <a:rPr lang="ko-KR" altLang="en-US" dirty="0" smtClean="0">
+                <a:solidFill>
+                  <a:schemeClr val="bg1"/>
+                </a:solidFill>
+              </a:rPr>
+              <a:t>사용</a:t>
+            </a:r>
+            <a:endParaRPr lang="ko-KR" altLang="en-US" dirty="0">
+              <a:solidFill>
+                <a:schemeClr val="bg1"/>
+              </a:solidFill>
+            </a:endParaRPr>
+          </a:p>
+        </p:txBody>
+      </p:sp>
+    </p:spTree>
+    <p:extLst>
+      <p:ext uri="{BB962C8B-B14F-4D97-AF65-F5344CB8AC3E}">
+        <p14:creationId xmlns:p14="http://schemas.microsoft.com/office/powerpoint/2010/main" val="2666645291"/>
       </p:ext>
     </p:extLst>
   </p:cSld>

--- a/study001/교육자료/Java.pptx
+++ b/study001/교육자료/Java.pptx
@@ -5,7 +5,7 @@
     <p:sldMasterId id="2147483934" r:id="rId1"/>
   </p:sldMasterIdLst>
   <p:notesMasterIdLst>
-    <p:notesMasterId r:id="rId31"/>
+    <p:notesMasterId r:id="rId32"/>
   </p:notesMasterIdLst>
   <p:sldIdLst>
     <p:sldId id="256" r:id="rId2"/>
@@ -37,6 +37,7 @@
     <p:sldId id="288" r:id="rId28"/>
     <p:sldId id="289" r:id="rId29"/>
     <p:sldId id="290" r:id="rId30"/>
+    <p:sldId id="291" r:id="rId31"/>
   </p:sldIdLst>
   <p:sldSz cx="12192000" cy="6858000"/>
   <p:notesSz cx="6858000" cy="9144000"/>
@@ -193,6 +194,7 @@
             <p14:sldId id="288"/>
             <p14:sldId id="289"/>
             <p14:sldId id="290"/>
+            <p14:sldId id="291"/>
           </p14:sldIdLst>
         </p14:section>
       </p14:sectionLst>
@@ -220,6 +222,753 @@
 </file>
 
 <file path=ppt/diagrams/colors1.xml><?xml version="1.0" encoding="utf-8"?>
+<dgm:colorsDef xmlns:dgm="http://schemas.openxmlformats.org/drawingml/2006/diagram" xmlns:a="http://schemas.openxmlformats.org/drawingml/2006/main" uniqueId="urn:microsoft.com/office/officeart/2005/8/colors/accent1_2">
+  <dgm:title val=""/>
+  <dgm:desc val=""/>
+  <dgm:catLst>
+    <dgm:cat type="accent1" pri="11200"/>
+  </dgm:catLst>
+  <dgm:styleLbl name="node0">
+    <dgm:fillClrLst meth="repeat">
+      <a:schemeClr val="accent1"/>
+    </dgm:fillClrLst>
+    <dgm:linClrLst meth="repeat">
+      <a:schemeClr val="lt1"/>
+    </dgm:linClrLst>
+    <dgm:effectClrLst/>
+    <dgm:txLinClrLst/>
+    <dgm:txFillClrLst/>
+    <dgm:txEffectClrLst/>
+  </dgm:styleLbl>
+  <dgm:styleLbl name="alignNode1">
+    <dgm:fillClrLst meth="repeat">
+      <a:schemeClr val="accent1"/>
+    </dgm:fillClrLst>
+    <dgm:linClrLst meth="repeat">
+      <a:schemeClr val="accent1"/>
+    </dgm:linClrLst>
+    <dgm:effectClrLst/>
+    <dgm:txLinClrLst/>
+    <dgm:txFillClrLst/>
+    <dgm:txEffectClrLst/>
+  </dgm:styleLbl>
+  <dgm:styleLbl name="node1">
+    <dgm:fillClrLst meth="repeat">
+      <a:schemeClr val="accent1"/>
+    </dgm:fillClrLst>
+    <dgm:linClrLst meth="repeat">
+      <a:schemeClr val="lt1"/>
+    </dgm:linClrLst>
+    <dgm:effectClrLst/>
+    <dgm:txLinClrLst/>
+    <dgm:txFillClrLst/>
+    <dgm:txEffectClrLst/>
+  </dgm:styleLbl>
+  <dgm:styleLbl name="lnNode1">
+    <dgm:fillClrLst meth="repeat">
+      <a:schemeClr val="accent1"/>
+    </dgm:fillClrLst>
+    <dgm:linClrLst meth="repeat">
+      <a:schemeClr val="lt1"/>
+    </dgm:linClrLst>
+    <dgm:effectClrLst/>
+    <dgm:txLinClrLst/>
+    <dgm:txFillClrLst/>
+    <dgm:txEffectClrLst/>
+  </dgm:styleLbl>
+  <dgm:styleLbl name="vennNode1">
+    <dgm:fillClrLst meth="repeat">
+      <a:schemeClr val="accent1">
+        <a:alpha val="50000"/>
+      </a:schemeClr>
+    </dgm:fillClrLst>
+    <dgm:linClrLst meth="repeat">
+      <a:schemeClr val="lt1"/>
+    </dgm:linClrLst>
+    <dgm:effectClrLst/>
+    <dgm:txLinClrLst/>
+    <dgm:txFillClrLst/>
+    <dgm:txEffectClrLst/>
+  </dgm:styleLbl>
+  <dgm:styleLbl name="node2">
+    <dgm:fillClrLst meth="repeat">
+      <a:schemeClr val="accent1"/>
+    </dgm:fillClrLst>
+    <dgm:linClrLst meth="repeat">
+      <a:schemeClr val="lt1"/>
+    </dgm:linClrLst>
+    <dgm:effectClrLst/>
+    <dgm:txLinClrLst/>
+    <dgm:txFillClrLst/>
+    <dgm:txEffectClrLst/>
+  </dgm:styleLbl>
+  <dgm:styleLbl name="node3">
+    <dgm:fillClrLst meth="repeat">
+      <a:schemeClr val="accent1"/>
+    </dgm:fillClrLst>
+    <dgm:linClrLst meth="repeat">
+      <a:schemeClr val="lt1"/>
+    </dgm:linClrLst>
+    <dgm:effectClrLst/>
+    <dgm:txLinClrLst/>
+    <dgm:txFillClrLst/>
+    <dgm:txEffectClrLst/>
+  </dgm:styleLbl>
+  <dgm:styleLbl name="node4">
+    <dgm:fillClrLst meth="repeat">
+      <a:schemeClr val="accent1"/>
+    </dgm:fillClrLst>
+    <dgm:linClrLst meth="repeat">
+      <a:schemeClr val="lt1"/>
+    </dgm:linClrLst>
+    <dgm:effectClrLst/>
+    <dgm:txLinClrLst/>
+    <dgm:txFillClrLst/>
+    <dgm:txEffectClrLst/>
+  </dgm:styleLbl>
+  <dgm:styleLbl name="fgImgPlace1">
+    <dgm:fillClrLst meth="repeat">
+      <a:schemeClr val="accent1">
+        <a:tint val="50000"/>
+      </a:schemeClr>
+    </dgm:fillClrLst>
+    <dgm:linClrLst meth="repeat">
+      <a:schemeClr val="lt1"/>
+    </dgm:linClrLst>
+    <dgm:effectClrLst/>
+    <dgm:txLinClrLst/>
+    <dgm:txFillClrLst meth="repeat">
+      <a:schemeClr val="lt1"/>
+    </dgm:txFillClrLst>
+    <dgm:txEffectClrLst/>
+  </dgm:styleLbl>
+  <dgm:styleLbl name="alignImgPlace1">
+    <dgm:fillClrLst meth="repeat">
+      <a:schemeClr val="accent1">
+        <a:tint val="50000"/>
+      </a:schemeClr>
+    </dgm:fillClrLst>
+    <dgm:linClrLst meth="repeat">
+      <a:schemeClr val="lt1"/>
+    </dgm:linClrLst>
+    <dgm:effectClrLst/>
+    <dgm:txLinClrLst/>
+    <dgm:txFillClrLst meth="repeat">
+      <a:schemeClr val="lt1"/>
+    </dgm:txFillClrLst>
+    <dgm:txEffectClrLst/>
+  </dgm:styleLbl>
+  <dgm:styleLbl name="bgImgPlace1">
+    <dgm:fillClrLst meth="repeat">
+      <a:schemeClr val="accent1">
+        <a:tint val="50000"/>
+      </a:schemeClr>
+    </dgm:fillClrLst>
+    <dgm:linClrLst meth="repeat">
+      <a:schemeClr val="lt1"/>
+    </dgm:linClrLst>
+    <dgm:effectClrLst/>
+    <dgm:txLinClrLst/>
+    <dgm:txFillClrLst meth="repeat">
+      <a:schemeClr val="lt1"/>
+    </dgm:txFillClrLst>
+    <dgm:txEffectClrLst/>
+  </dgm:styleLbl>
+  <dgm:styleLbl name="sibTrans2D1">
+    <dgm:fillClrLst meth="repeat">
+      <a:schemeClr val="accent1">
+        <a:tint val="60000"/>
+      </a:schemeClr>
+    </dgm:fillClrLst>
+    <dgm:linClrLst meth="repeat">
+      <a:schemeClr val="accent1">
+        <a:tint val="60000"/>
+      </a:schemeClr>
+    </dgm:linClrLst>
+    <dgm:effectClrLst/>
+    <dgm:txLinClrLst/>
+    <dgm:txFillClrLst/>
+    <dgm:txEffectClrLst/>
+  </dgm:styleLbl>
+  <dgm:styleLbl name="fgSibTrans2D1">
+    <dgm:fillClrLst meth="repeat">
+      <a:schemeClr val="accent1">
+        <a:tint val="60000"/>
+      </a:schemeClr>
+    </dgm:fillClrLst>
+    <dgm:linClrLst meth="repeat">
+      <a:schemeClr val="accent1">
+        <a:tint val="60000"/>
+      </a:schemeClr>
+    </dgm:linClrLst>
+    <dgm:effectClrLst/>
+    <dgm:txLinClrLst/>
+    <dgm:txFillClrLst/>
+    <dgm:txEffectClrLst/>
+  </dgm:styleLbl>
+  <dgm:styleLbl name="bgSibTrans2D1">
+    <dgm:fillClrLst meth="repeat">
+      <a:schemeClr val="accent1">
+        <a:tint val="60000"/>
+      </a:schemeClr>
+    </dgm:fillClrLst>
+    <dgm:linClrLst meth="repeat">
+      <a:schemeClr val="accent1">
+        <a:tint val="60000"/>
+      </a:schemeClr>
+    </dgm:linClrLst>
+    <dgm:effectClrLst/>
+    <dgm:txLinClrLst/>
+    <dgm:txFillClrLst/>
+    <dgm:txEffectClrLst/>
+  </dgm:styleLbl>
+  <dgm:styleLbl name="sibTrans1D1">
+    <dgm:fillClrLst meth="repeat">
+      <a:schemeClr val="accent1"/>
+    </dgm:fillClrLst>
+    <dgm:linClrLst meth="repeat">
+      <a:schemeClr val="accent1"/>
+    </dgm:linClrLst>
+    <dgm:effectClrLst/>
+    <dgm:txLinClrLst/>
+    <dgm:txFillClrLst meth="repeat">
+      <a:schemeClr val="tx1"/>
+    </dgm:txFillClrLst>
+    <dgm:txEffectClrLst/>
+  </dgm:styleLbl>
+  <dgm:styleLbl name="callout">
+    <dgm:fillClrLst meth="repeat">
+      <a:schemeClr val="accent1"/>
+    </dgm:fillClrLst>
+    <dgm:linClrLst meth="repeat">
+      <a:schemeClr val="accent1">
+        <a:tint val="50000"/>
+      </a:schemeClr>
+    </dgm:linClrLst>
+    <dgm:effectClrLst/>
+    <dgm:txLinClrLst/>
+    <dgm:txFillClrLst meth="repeat">
+      <a:schemeClr val="tx1"/>
+    </dgm:txFillClrLst>
+    <dgm:txEffectClrLst/>
+  </dgm:styleLbl>
+  <dgm:styleLbl name="asst0">
+    <dgm:fillClrLst meth="repeat">
+      <a:schemeClr val="accent1"/>
+    </dgm:fillClrLst>
+    <dgm:linClrLst meth="repeat">
+      <a:schemeClr val="lt1"/>
+    </dgm:linClrLst>
+    <dgm:effectClrLst/>
+    <dgm:txLinClrLst/>
+    <dgm:txFillClrLst/>
+    <dgm:txEffectClrLst/>
+  </dgm:styleLbl>
+  <dgm:styleLbl name="asst1">
+    <dgm:fillClrLst meth="repeat">
+      <a:schemeClr val="accent1"/>
+    </dgm:fillClrLst>
+    <dgm:linClrLst meth="repeat">
+      <a:schemeClr val="lt1"/>
+    </dgm:linClrLst>
+    <dgm:effectClrLst/>
+    <dgm:txLinClrLst/>
+    <dgm:txFillClrLst/>
+    <dgm:txEffectClrLst/>
+  </dgm:styleLbl>
+  <dgm:styleLbl name="asst2">
+    <dgm:fillClrLst meth="repeat">
+      <a:schemeClr val="accent1"/>
+    </dgm:fillClrLst>
+    <dgm:linClrLst meth="repeat">
+      <a:schemeClr val="lt1"/>
+    </dgm:linClrLst>
+    <dgm:effectClrLst/>
+    <dgm:txLinClrLst/>
+    <dgm:txFillClrLst/>
+    <dgm:txEffectClrLst/>
+  </dgm:styleLbl>
+  <dgm:styleLbl name="asst3">
+    <dgm:fillClrLst meth="repeat">
+      <a:schemeClr val="accent1"/>
+    </dgm:fillClrLst>
+    <dgm:linClrLst meth="repeat">
+      <a:schemeClr val="lt1"/>
+    </dgm:linClrLst>
+    <dgm:effectClrLst/>
+    <dgm:txLinClrLst/>
+    <dgm:txFillClrLst/>
+    <dgm:txEffectClrLst/>
+  </dgm:styleLbl>
+  <dgm:styleLbl name="asst4">
+    <dgm:fillClrLst meth="repeat">
+      <a:schemeClr val="accent1"/>
+    </dgm:fillClrLst>
+    <dgm:linClrLst meth="repeat">
+      <a:schemeClr val="lt1"/>
+    </dgm:linClrLst>
+    <dgm:effectClrLst/>
+    <dgm:txLinClrLst/>
+    <dgm:txFillClrLst/>
+    <dgm:txEffectClrLst/>
+  </dgm:styleLbl>
+  <dgm:styleLbl name="parChTrans2D1">
+    <dgm:fillClrLst meth="repeat">
+      <a:schemeClr val="accent1">
+        <a:tint val="60000"/>
+      </a:schemeClr>
+    </dgm:fillClrLst>
+    <dgm:linClrLst meth="repeat">
+      <a:schemeClr val="accent1">
+        <a:tint val="60000"/>
+      </a:schemeClr>
+    </dgm:linClrLst>
+    <dgm:effectClrLst/>
+    <dgm:txLinClrLst/>
+    <dgm:txFillClrLst meth="repeat">
+      <a:schemeClr val="lt1"/>
+    </dgm:txFillClrLst>
+    <dgm:txEffectClrLst/>
+  </dgm:styleLbl>
+  <dgm:styleLbl name="parChTrans2D2">
+    <dgm:fillClrLst meth="repeat">
+      <a:schemeClr val="accent1"/>
+    </dgm:fillClrLst>
+    <dgm:linClrLst meth="repeat">
+      <a:schemeClr val="accent1"/>
+    </dgm:linClrLst>
+    <dgm:effectClrLst/>
+    <dgm:txLinClrLst/>
+    <dgm:txFillClrLst meth="repeat">
+      <a:schemeClr val="lt1"/>
+    </dgm:txFillClrLst>
+    <dgm:txEffectClrLst/>
+  </dgm:styleLbl>
+  <dgm:styleLbl name="parChTrans2D3">
+    <dgm:fillClrLst meth="repeat">
+      <a:schemeClr val="accent1"/>
+    </dgm:fillClrLst>
+    <dgm:linClrLst meth="repeat">
+      <a:schemeClr val="accent1"/>
+    </dgm:linClrLst>
+    <dgm:effectClrLst/>
+    <dgm:txLinClrLst/>
+    <dgm:txFillClrLst meth="repeat">
+      <a:schemeClr val="lt1"/>
+    </dgm:txFillClrLst>
+    <dgm:txEffectClrLst/>
+  </dgm:styleLbl>
+  <dgm:styleLbl name="parChTrans2D4">
+    <dgm:fillClrLst meth="repeat">
+      <a:schemeClr val="accent1"/>
+    </dgm:fillClrLst>
+    <dgm:linClrLst meth="repeat">
+      <a:schemeClr val="accent1"/>
+    </dgm:linClrLst>
+    <dgm:effectClrLst/>
+    <dgm:txLinClrLst/>
+    <dgm:txFillClrLst meth="repeat">
+      <a:schemeClr val="lt1"/>
+    </dgm:txFillClrLst>
+    <dgm:txEffectClrLst/>
+  </dgm:styleLbl>
+  <dgm:styleLbl name="parChTrans1D1">
+    <dgm:fillClrLst meth="repeat">
+      <a:schemeClr val="accent1"/>
+    </dgm:fillClrLst>
+    <dgm:linClrLst meth="repeat">
+      <a:schemeClr val="accent1">
+        <a:shade val="60000"/>
+      </a:schemeClr>
+    </dgm:linClrLst>
+    <dgm:effectClrLst/>
+    <dgm:txLinClrLst/>
+    <dgm:txFillClrLst meth="repeat">
+      <a:schemeClr val="tx1"/>
+    </dgm:txFillClrLst>
+    <dgm:txEffectClrLst/>
+  </dgm:styleLbl>
+  <dgm:styleLbl name="parChTrans1D2">
+    <dgm:fillClrLst meth="repeat">
+      <a:schemeClr val="accent1"/>
+    </dgm:fillClrLst>
+    <dgm:linClrLst meth="repeat">
+      <a:schemeClr val="accent1">
+        <a:shade val="60000"/>
+      </a:schemeClr>
+    </dgm:linClrLst>
+    <dgm:effectClrLst/>
+    <dgm:txLinClrLst/>
+    <dgm:txFillClrLst meth="repeat">
+      <a:schemeClr val="tx1"/>
+    </dgm:txFillClrLst>
+    <dgm:txEffectClrLst/>
+  </dgm:styleLbl>
+  <dgm:styleLbl name="parChTrans1D3">
+    <dgm:fillClrLst meth="repeat">
+      <a:schemeClr val="accent1"/>
+    </dgm:fillClrLst>
+    <dgm:linClrLst meth="repeat">
+      <a:schemeClr val="accent1">
+        <a:shade val="80000"/>
+      </a:schemeClr>
+    </dgm:linClrLst>
+    <dgm:effectClrLst/>
+    <dgm:txLinClrLst/>
+    <dgm:txFillClrLst meth="repeat">
+      <a:schemeClr val="tx1"/>
+    </dgm:txFillClrLst>
+    <dgm:txEffectClrLst/>
+  </dgm:styleLbl>
+  <dgm:styleLbl name="parChTrans1D4">
+    <dgm:fillClrLst meth="repeat">
+      <a:schemeClr val="accent1"/>
+    </dgm:fillClrLst>
+    <dgm:linClrLst meth="repeat">
+      <a:schemeClr val="accent1">
+        <a:shade val="80000"/>
+      </a:schemeClr>
+    </dgm:linClrLst>
+    <dgm:effectClrLst/>
+    <dgm:txLinClrLst/>
+    <dgm:txFillClrLst meth="repeat">
+      <a:schemeClr val="tx1"/>
+    </dgm:txFillClrLst>
+    <dgm:txEffectClrLst/>
+  </dgm:styleLbl>
+  <dgm:styleLbl name="fgAcc1">
+    <dgm:fillClrLst meth="repeat">
+      <a:schemeClr val="lt1">
+        <a:alpha val="90000"/>
+      </a:schemeClr>
+    </dgm:fillClrLst>
+    <dgm:linClrLst meth="repeat">
+      <a:schemeClr val="accent1"/>
+    </dgm:linClrLst>
+    <dgm:effectClrLst/>
+    <dgm:txLinClrLst/>
+    <dgm:txFillClrLst meth="repeat">
+      <a:schemeClr val="dk1"/>
+    </dgm:txFillClrLst>
+    <dgm:txEffectClrLst/>
+  </dgm:styleLbl>
+  <dgm:styleLbl name="conFgAcc1">
+    <dgm:fillClrLst meth="repeat">
+      <a:schemeClr val="lt1">
+        <a:alpha val="90000"/>
+      </a:schemeClr>
+    </dgm:fillClrLst>
+    <dgm:linClrLst meth="repeat">
+      <a:schemeClr val="accent1"/>
+    </dgm:linClrLst>
+    <dgm:effectClrLst/>
+    <dgm:txLinClrLst/>
+    <dgm:txFillClrLst meth="repeat">
+      <a:schemeClr val="dk1"/>
+    </dgm:txFillClrLst>
+    <dgm:txEffectClrLst/>
+  </dgm:styleLbl>
+  <dgm:styleLbl name="alignAcc1">
+    <dgm:fillClrLst meth="repeat">
+      <a:schemeClr val="lt1">
+        <a:alpha val="90000"/>
+      </a:schemeClr>
+    </dgm:fillClrLst>
+    <dgm:linClrLst meth="repeat">
+      <a:schemeClr val="accent1"/>
+    </dgm:linClrLst>
+    <dgm:effectClrLst/>
+    <dgm:txLinClrLst/>
+    <dgm:txFillClrLst meth="repeat">
+      <a:schemeClr val="dk1"/>
+    </dgm:txFillClrLst>
+    <dgm:txEffectClrLst/>
+  </dgm:styleLbl>
+  <dgm:styleLbl name="trAlignAcc1">
+    <dgm:fillClrLst meth="repeat">
+      <a:schemeClr val="lt1">
+        <a:alpha val="40000"/>
+      </a:schemeClr>
+    </dgm:fillClrLst>
+    <dgm:linClrLst meth="repeat">
+      <a:schemeClr val="accent1"/>
+    </dgm:linClrLst>
+    <dgm:effectClrLst/>
+    <dgm:txLinClrLst/>
+    <dgm:txFillClrLst meth="repeat">
+      <a:schemeClr val="dk1"/>
+    </dgm:txFillClrLst>
+    <dgm:txEffectClrLst/>
+  </dgm:styleLbl>
+  <dgm:styleLbl name="bgAcc1">
+    <dgm:fillClrLst meth="repeat">
+      <a:schemeClr val="lt1">
+        <a:alpha val="90000"/>
+      </a:schemeClr>
+    </dgm:fillClrLst>
+    <dgm:linClrLst meth="repeat">
+      <a:schemeClr val="accent1"/>
+    </dgm:linClrLst>
+    <dgm:effectClrLst/>
+    <dgm:txLinClrLst/>
+    <dgm:txFillClrLst meth="repeat">
+      <a:schemeClr val="dk1"/>
+    </dgm:txFillClrLst>
+    <dgm:txEffectClrLst/>
+  </dgm:styleLbl>
+  <dgm:styleLbl name="solidFgAcc1">
+    <dgm:fillClrLst meth="repeat">
+      <a:schemeClr val="lt1"/>
+    </dgm:fillClrLst>
+    <dgm:linClrLst meth="repeat">
+      <a:schemeClr val="accent1"/>
+    </dgm:linClrLst>
+    <dgm:effectClrLst/>
+    <dgm:txLinClrLst/>
+    <dgm:txFillClrLst meth="repeat">
+      <a:schemeClr val="dk1"/>
+    </dgm:txFillClrLst>
+    <dgm:txEffectClrLst/>
+  </dgm:styleLbl>
+  <dgm:styleLbl name="solidAlignAcc1">
+    <dgm:fillClrLst meth="repeat">
+      <a:schemeClr val="lt1"/>
+    </dgm:fillClrLst>
+    <dgm:linClrLst meth="repeat">
+      <a:schemeClr val="accent1"/>
+    </dgm:linClrLst>
+    <dgm:effectClrLst/>
+    <dgm:txLinClrLst/>
+    <dgm:txFillClrLst meth="repeat">
+      <a:schemeClr val="dk1"/>
+    </dgm:txFillClrLst>
+    <dgm:txEffectClrLst/>
+  </dgm:styleLbl>
+  <dgm:styleLbl name="solidBgAcc1">
+    <dgm:fillClrLst meth="repeat">
+      <a:schemeClr val="lt1"/>
+    </dgm:fillClrLst>
+    <dgm:linClrLst meth="repeat">
+      <a:schemeClr val="accent1"/>
+    </dgm:linClrLst>
+    <dgm:effectClrLst/>
+    <dgm:txLinClrLst/>
+    <dgm:txFillClrLst meth="repeat">
+      <a:schemeClr val="dk1"/>
+    </dgm:txFillClrLst>
+    <dgm:txEffectClrLst/>
+  </dgm:styleLbl>
+  <dgm:styleLbl name="fgAccFollowNode1">
+    <dgm:fillClrLst meth="repeat">
+      <a:schemeClr val="accent1">
+        <a:alpha val="90000"/>
+        <a:tint val="40000"/>
+      </a:schemeClr>
+    </dgm:fillClrLst>
+    <dgm:linClrLst meth="repeat">
+      <a:schemeClr val="accent1">
+        <a:alpha val="90000"/>
+        <a:tint val="40000"/>
+      </a:schemeClr>
+    </dgm:linClrLst>
+    <dgm:effectClrLst/>
+    <dgm:txLinClrLst/>
+    <dgm:txFillClrLst meth="repeat">
+      <a:schemeClr val="dk1"/>
+    </dgm:txFillClrLst>
+    <dgm:txEffectClrLst/>
+  </dgm:styleLbl>
+  <dgm:styleLbl name="alignAccFollowNode1">
+    <dgm:fillClrLst meth="repeat">
+      <a:schemeClr val="accent1">
+        <a:alpha val="90000"/>
+        <a:tint val="40000"/>
+      </a:schemeClr>
+    </dgm:fillClrLst>
+    <dgm:linClrLst meth="repeat">
+      <a:schemeClr val="accent1">
+        <a:alpha val="90000"/>
+        <a:tint val="40000"/>
+      </a:schemeClr>
+    </dgm:linClrLst>
+    <dgm:effectClrLst/>
+    <dgm:txLinClrLst/>
+    <dgm:txFillClrLst meth="repeat">
+      <a:schemeClr val="dk1"/>
+    </dgm:txFillClrLst>
+    <dgm:txEffectClrLst/>
+  </dgm:styleLbl>
+  <dgm:styleLbl name="bgAccFollowNode1">
+    <dgm:fillClrLst meth="repeat">
+      <a:schemeClr val="accent1">
+        <a:alpha val="90000"/>
+        <a:tint val="40000"/>
+      </a:schemeClr>
+    </dgm:fillClrLst>
+    <dgm:linClrLst meth="repeat">
+      <a:schemeClr val="accent1">
+        <a:alpha val="90000"/>
+        <a:tint val="40000"/>
+      </a:schemeClr>
+    </dgm:linClrLst>
+    <dgm:effectClrLst/>
+    <dgm:txLinClrLst/>
+    <dgm:txFillClrLst meth="repeat">
+      <a:schemeClr val="dk1"/>
+    </dgm:txFillClrLst>
+    <dgm:txEffectClrLst/>
+  </dgm:styleLbl>
+  <dgm:styleLbl name="fgAcc0">
+    <dgm:fillClrLst meth="repeat">
+      <a:schemeClr val="lt1">
+        <a:alpha val="90000"/>
+      </a:schemeClr>
+    </dgm:fillClrLst>
+    <dgm:linClrLst meth="repeat">
+      <a:schemeClr val="accent1"/>
+    </dgm:linClrLst>
+    <dgm:effectClrLst/>
+    <dgm:txLinClrLst/>
+    <dgm:txFillClrLst meth="repeat">
+      <a:schemeClr val="dk1"/>
+    </dgm:txFillClrLst>
+    <dgm:txEffectClrLst/>
+  </dgm:styleLbl>
+  <dgm:styleLbl name="fgAcc2">
+    <dgm:fillClrLst meth="repeat">
+      <a:schemeClr val="lt1">
+        <a:alpha val="90000"/>
+      </a:schemeClr>
+    </dgm:fillClrLst>
+    <dgm:linClrLst meth="repeat">
+      <a:schemeClr val="accent1"/>
+    </dgm:linClrLst>
+    <dgm:effectClrLst/>
+    <dgm:txLinClrLst/>
+    <dgm:txFillClrLst meth="repeat">
+      <a:schemeClr val="dk1"/>
+    </dgm:txFillClrLst>
+    <dgm:txEffectClrLst/>
+  </dgm:styleLbl>
+  <dgm:styleLbl name="fgAcc3">
+    <dgm:fillClrLst meth="repeat">
+      <a:schemeClr val="lt1">
+        <a:alpha val="90000"/>
+      </a:schemeClr>
+    </dgm:fillClrLst>
+    <dgm:linClrLst meth="repeat">
+      <a:schemeClr val="accent1"/>
+    </dgm:linClrLst>
+    <dgm:effectClrLst/>
+    <dgm:txLinClrLst/>
+    <dgm:txFillClrLst meth="repeat">
+      <a:schemeClr val="dk1"/>
+    </dgm:txFillClrLst>
+    <dgm:txEffectClrLst/>
+  </dgm:styleLbl>
+  <dgm:styleLbl name="fgAcc4">
+    <dgm:fillClrLst meth="repeat">
+      <a:schemeClr val="lt1">
+        <a:alpha val="90000"/>
+      </a:schemeClr>
+    </dgm:fillClrLst>
+    <dgm:linClrLst meth="repeat">
+      <a:schemeClr val="accent1"/>
+    </dgm:linClrLst>
+    <dgm:effectClrLst/>
+    <dgm:txLinClrLst/>
+    <dgm:txFillClrLst meth="repeat">
+      <a:schemeClr val="dk1"/>
+    </dgm:txFillClrLst>
+    <dgm:txEffectClrLst/>
+  </dgm:styleLbl>
+  <dgm:styleLbl name="bgShp">
+    <dgm:fillClrLst meth="repeat">
+      <a:schemeClr val="accent1">
+        <a:tint val="40000"/>
+      </a:schemeClr>
+    </dgm:fillClrLst>
+    <dgm:linClrLst meth="repeat">
+      <a:schemeClr val="accent1"/>
+    </dgm:linClrLst>
+    <dgm:effectClrLst/>
+    <dgm:txLinClrLst/>
+    <dgm:txFillClrLst meth="repeat">
+      <a:schemeClr val="dk1"/>
+    </dgm:txFillClrLst>
+    <dgm:txEffectClrLst/>
+  </dgm:styleLbl>
+  <dgm:styleLbl name="dkBgShp">
+    <dgm:fillClrLst meth="repeat">
+      <a:schemeClr val="accent1">
+        <a:shade val="80000"/>
+      </a:schemeClr>
+    </dgm:fillClrLst>
+    <dgm:linClrLst meth="repeat">
+      <a:schemeClr val="accent1"/>
+    </dgm:linClrLst>
+    <dgm:effectClrLst/>
+    <dgm:txLinClrLst/>
+    <dgm:txFillClrLst meth="repeat">
+      <a:schemeClr val="lt1"/>
+    </dgm:txFillClrLst>
+    <dgm:txEffectClrLst/>
+  </dgm:styleLbl>
+  <dgm:styleLbl name="trBgShp">
+    <dgm:fillClrLst meth="repeat">
+      <a:schemeClr val="accent1">
+        <a:tint val="50000"/>
+        <a:alpha val="40000"/>
+      </a:schemeClr>
+    </dgm:fillClrLst>
+    <dgm:linClrLst meth="repeat">
+      <a:schemeClr val="accent1"/>
+    </dgm:linClrLst>
+    <dgm:effectClrLst/>
+    <dgm:txLinClrLst/>
+    <dgm:txFillClrLst meth="repeat">
+      <a:schemeClr val="lt1"/>
+    </dgm:txFillClrLst>
+    <dgm:txEffectClrLst/>
+  </dgm:styleLbl>
+  <dgm:styleLbl name="fgShp">
+    <dgm:fillClrLst meth="repeat">
+      <a:schemeClr val="accent1">
+        <a:tint val="60000"/>
+      </a:schemeClr>
+    </dgm:fillClrLst>
+    <dgm:linClrLst meth="repeat">
+      <a:schemeClr val="lt1"/>
+    </dgm:linClrLst>
+    <dgm:effectClrLst/>
+    <dgm:txLinClrLst/>
+    <dgm:txFillClrLst meth="repeat">
+      <a:schemeClr val="dk1"/>
+    </dgm:txFillClrLst>
+    <dgm:txEffectClrLst/>
+  </dgm:styleLbl>
+  <dgm:styleLbl name="revTx">
+    <dgm:fillClrLst meth="repeat">
+      <a:schemeClr val="lt1">
+        <a:alpha val="0"/>
+      </a:schemeClr>
+    </dgm:fillClrLst>
+    <dgm:linClrLst meth="repeat">
+      <a:schemeClr val="dk1">
+        <a:alpha val="0"/>
+      </a:schemeClr>
+    </dgm:linClrLst>
+    <dgm:effectClrLst/>
+    <dgm:txLinClrLst/>
+    <dgm:txFillClrLst meth="repeat">
+      <a:schemeClr val="tx1"/>
+    </dgm:txFillClrLst>
+    <dgm:txEffectClrLst/>
+  </dgm:styleLbl>
+</dgm:colorsDef>
+</file>
+
+<file path=ppt/diagrams/colors2.xml><?xml version="1.0" encoding="utf-8"?>
 <dgm:colorsDef xmlns:dgm="http://schemas.openxmlformats.org/drawingml/2006/diagram" xmlns:a="http://schemas.openxmlformats.org/drawingml/2006/main" uniqueId="urn:microsoft.com/office/officeart/2005/8/colors/accent1_2">
   <dgm:title val=""/>
   <dgm:desc val=""/>
@@ -1327,6 +2076,442 @@
 </dgm:dataModel>
 </file>
 
+<file path=ppt/diagrams/data2.xml><?xml version="1.0" encoding="utf-8"?>
+<dgm:dataModel xmlns:dgm="http://schemas.openxmlformats.org/drawingml/2006/diagram" xmlns:a="http://schemas.openxmlformats.org/drawingml/2006/main">
+  <dgm:ptLst>
+    <dgm:pt modelId="{5CB84533-2BEF-4A70-99AF-2512998CE3B6}" type="doc">
+      <dgm:prSet loTypeId="urn:microsoft.com/office/officeart/2005/8/layout/vList2" loCatId="list" qsTypeId="urn:microsoft.com/office/officeart/2005/8/quickstyle/simple1" qsCatId="simple" csTypeId="urn:microsoft.com/office/officeart/2005/8/colors/accent1_2" csCatId="accent1" phldr="1"/>
+      <dgm:spPr/>
+      <dgm:t>
+        <a:bodyPr/>
+        <a:lstStyle/>
+        <a:p>
+          <a:pPr latinLnBrk="1"/>
+          <a:endParaRPr lang="ko-KR" altLang="en-US"/>
+        </a:p>
+      </dgm:t>
+    </dgm:pt>
+    <dgm:pt modelId="{882FE601-C57F-4F19-A338-9B364D850FF0}">
+      <dgm:prSet phldrT="[텍스트]" custT="1"/>
+      <dgm:spPr/>
+      <dgm:t>
+        <a:bodyPr/>
+        <a:lstStyle/>
+        <a:p>
+          <a:pPr latinLnBrk="1"/>
+          <a:r>
+            <a:rPr lang="en-US" altLang="ko-KR" sz="1800" dirty="0" smtClean="0">
+              <a:solidFill>
+                <a:schemeClr val="bg1"/>
+              </a:solidFill>
+            </a:rPr>
+            <a:t>String </a:t>
+          </a:r>
+          <a:r>
+            <a:rPr lang="ko-KR" altLang="en-US" sz="1800" dirty="0" smtClean="0">
+              <a:solidFill>
+                <a:schemeClr val="bg1"/>
+              </a:solidFill>
+            </a:rPr>
+            <a:t>참조 변수명 </a:t>
+          </a:r>
+          <a:r>
+            <a:rPr lang="en-US" altLang="ko-KR" sz="1800" dirty="0" smtClean="0">
+              <a:solidFill>
+                <a:schemeClr val="bg1"/>
+              </a:solidFill>
+            </a:rPr>
+            <a:t>= new String(“</a:t>
+          </a:r>
+          <a:r>
+            <a:rPr lang="ko-KR" altLang="en-US" sz="1800" dirty="0" smtClean="0">
+              <a:solidFill>
+                <a:schemeClr val="bg1"/>
+              </a:solidFill>
+            </a:rPr>
+            <a:t>문자열</a:t>
+          </a:r>
+          <a:r>
+            <a:rPr lang="en-US" altLang="ko-KR" sz="1800" dirty="0" smtClean="0">
+              <a:solidFill>
+                <a:schemeClr val="bg1"/>
+              </a:solidFill>
+            </a:rPr>
+            <a:t>”)</a:t>
+          </a:r>
+          <a:endParaRPr lang="ko-KR" altLang="en-US" sz="1800" dirty="0">
+            <a:solidFill>
+              <a:schemeClr val="bg1"/>
+            </a:solidFill>
+          </a:endParaRPr>
+        </a:p>
+      </dgm:t>
+    </dgm:pt>
+    <dgm:pt modelId="{F5F1A693-FD89-4694-83EE-BD1729F3002F}" type="parTrans" cxnId="{A8699C4E-6C46-4DE0-85D7-ED79E93F3999}">
+      <dgm:prSet/>
+      <dgm:spPr/>
+      <dgm:t>
+        <a:bodyPr/>
+        <a:lstStyle/>
+        <a:p>
+          <a:pPr latinLnBrk="1"/>
+          <a:endParaRPr lang="ko-KR" altLang="en-US"/>
+        </a:p>
+      </dgm:t>
+    </dgm:pt>
+    <dgm:pt modelId="{366BB6C7-753D-415F-BEFC-5114245CDB40}" type="sibTrans" cxnId="{A8699C4E-6C46-4DE0-85D7-ED79E93F3999}">
+      <dgm:prSet/>
+      <dgm:spPr/>
+      <dgm:t>
+        <a:bodyPr/>
+        <a:lstStyle/>
+        <a:p>
+          <a:pPr latinLnBrk="1"/>
+          <a:endParaRPr lang="ko-KR" altLang="en-US"/>
+        </a:p>
+      </dgm:t>
+    </dgm:pt>
+    <dgm:pt modelId="{962DEE23-196B-4F78-955E-8F84E6B85AC1}">
+      <dgm:prSet phldrT="[텍스트]" custT="1"/>
+      <dgm:spPr/>
+      <dgm:t>
+        <a:bodyPr/>
+        <a:lstStyle/>
+        <a:p>
+          <a:pPr latinLnBrk="1"/>
+          <a:r>
+            <a:rPr lang="en-US" altLang="ko-KR" sz="1800" dirty="0" smtClean="0">
+              <a:solidFill>
+                <a:schemeClr val="bg1"/>
+              </a:solidFill>
+            </a:rPr>
+            <a:t>ex) String </a:t>
+          </a:r>
+          <a:r>
+            <a:rPr lang="en-US" altLang="ko-KR" sz="1800" dirty="0" err="1" smtClean="0">
+              <a:solidFill>
+                <a:schemeClr val="bg1"/>
+              </a:solidFill>
+            </a:rPr>
+            <a:t>str</a:t>
+          </a:r>
+          <a:r>
+            <a:rPr lang="en-US" altLang="ko-KR" sz="1800" dirty="0" smtClean="0">
+              <a:solidFill>
+                <a:schemeClr val="bg1"/>
+              </a:solidFill>
+            </a:rPr>
+            <a:t> = new String(“</a:t>
+          </a:r>
+          <a:r>
+            <a:rPr lang="ko-KR" altLang="en-US" sz="1800" dirty="0" smtClean="0">
+              <a:solidFill>
+                <a:schemeClr val="bg1"/>
+              </a:solidFill>
+            </a:rPr>
+            <a:t>안녕</a:t>
+          </a:r>
+          <a:r>
+            <a:rPr lang="en-US" altLang="ko-KR" sz="1800" dirty="0" smtClean="0">
+              <a:solidFill>
+                <a:schemeClr val="bg1"/>
+              </a:solidFill>
+            </a:rPr>
+            <a:t>”);</a:t>
+          </a:r>
+          <a:endParaRPr lang="ko-KR" altLang="en-US" sz="1800" dirty="0">
+            <a:solidFill>
+              <a:schemeClr val="bg1"/>
+            </a:solidFill>
+          </a:endParaRPr>
+        </a:p>
+      </dgm:t>
+    </dgm:pt>
+    <dgm:pt modelId="{11A1A7AC-46D2-45B9-AB24-9DCDAC24C44E}" type="parTrans" cxnId="{76B85EA1-567B-465B-B3F1-129D304675BE}">
+      <dgm:prSet/>
+      <dgm:spPr/>
+      <dgm:t>
+        <a:bodyPr/>
+        <a:lstStyle/>
+        <a:p>
+          <a:pPr latinLnBrk="1"/>
+          <a:endParaRPr lang="ko-KR" altLang="en-US"/>
+        </a:p>
+      </dgm:t>
+    </dgm:pt>
+    <dgm:pt modelId="{9C8715E7-A683-4386-B576-B516E85E4838}" type="sibTrans" cxnId="{76B85EA1-567B-465B-B3F1-129D304675BE}">
+      <dgm:prSet/>
+      <dgm:spPr/>
+      <dgm:t>
+        <a:bodyPr/>
+        <a:lstStyle/>
+        <a:p>
+          <a:pPr latinLnBrk="1"/>
+          <a:endParaRPr lang="ko-KR" altLang="en-US"/>
+        </a:p>
+      </dgm:t>
+    </dgm:pt>
+    <dgm:pt modelId="{365C0CEB-FA79-4B88-8EAD-CA17161E5EA4}">
+      <dgm:prSet phldrT="[텍스트]" custT="1"/>
+      <dgm:spPr/>
+      <dgm:t>
+        <a:bodyPr/>
+        <a:lstStyle/>
+        <a:p>
+          <a:pPr latinLnBrk="1"/>
+          <a:r>
+            <a:rPr lang="en-US" altLang="ko-KR" sz="1800" dirty="0" smtClean="0">
+              <a:solidFill>
+                <a:schemeClr val="bg1"/>
+              </a:solidFill>
+            </a:rPr>
+            <a:t>String </a:t>
+          </a:r>
+          <a:r>
+            <a:rPr lang="ko-KR" altLang="en-US" sz="1800" dirty="0" smtClean="0">
+              <a:solidFill>
+                <a:schemeClr val="bg1"/>
+              </a:solidFill>
+            </a:rPr>
+            <a:t>참조 변수명 </a:t>
+          </a:r>
+          <a:r>
+            <a:rPr lang="en-US" altLang="ko-KR" sz="1800" dirty="0" smtClean="0">
+              <a:solidFill>
+                <a:schemeClr val="bg1"/>
+              </a:solidFill>
+            </a:rPr>
+            <a:t>= “</a:t>
+          </a:r>
+          <a:r>
+            <a:rPr lang="ko-KR" altLang="en-US" sz="1800" dirty="0" smtClean="0">
+              <a:solidFill>
+                <a:schemeClr val="bg1"/>
+              </a:solidFill>
+            </a:rPr>
+            <a:t>문자열</a:t>
+          </a:r>
+          <a:r>
+            <a:rPr lang="en-US" altLang="ko-KR" sz="1800" dirty="0" smtClean="0">
+              <a:solidFill>
+                <a:schemeClr val="bg1"/>
+              </a:solidFill>
+            </a:rPr>
+            <a:t>”</a:t>
+          </a:r>
+          <a:endParaRPr lang="ko-KR" altLang="en-US" sz="1800" dirty="0">
+            <a:solidFill>
+              <a:schemeClr val="bg1"/>
+            </a:solidFill>
+          </a:endParaRPr>
+        </a:p>
+      </dgm:t>
+    </dgm:pt>
+    <dgm:pt modelId="{B7113DCE-48F7-42F3-A210-83397697D098}" type="parTrans" cxnId="{3E915F12-1A65-4B1C-972C-4AB0C1989360}">
+      <dgm:prSet/>
+      <dgm:spPr/>
+      <dgm:t>
+        <a:bodyPr/>
+        <a:lstStyle/>
+        <a:p>
+          <a:pPr latinLnBrk="1"/>
+          <a:endParaRPr lang="ko-KR" altLang="en-US"/>
+        </a:p>
+      </dgm:t>
+    </dgm:pt>
+    <dgm:pt modelId="{B0EE12B8-CEE6-40C4-A6AD-0EED28D90742}" type="sibTrans" cxnId="{3E915F12-1A65-4B1C-972C-4AB0C1989360}">
+      <dgm:prSet/>
+      <dgm:spPr/>
+      <dgm:t>
+        <a:bodyPr/>
+        <a:lstStyle/>
+        <a:p>
+          <a:pPr latinLnBrk="1"/>
+          <a:endParaRPr lang="ko-KR" altLang="en-US"/>
+        </a:p>
+      </dgm:t>
+    </dgm:pt>
+    <dgm:pt modelId="{10B22A02-E5FE-478F-9BAA-5F149F09BEA9}">
+      <dgm:prSet phldrT="[텍스트]" custT="1"/>
+      <dgm:spPr/>
+      <dgm:t>
+        <a:bodyPr/>
+        <a:lstStyle/>
+        <a:p>
+          <a:pPr latinLnBrk="1"/>
+          <a:r>
+            <a:rPr lang="en-US" altLang="ko-KR" sz="2000" dirty="0" smtClean="0">
+              <a:solidFill>
+                <a:schemeClr val="bg1"/>
+              </a:solidFill>
+            </a:rPr>
+            <a:t>String </a:t>
+          </a:r>
+          <a:r>
+            <a:rPr lang="en-US" altLang="ko-KR" sz="2000" dirty="0" err="1" smtClean="0">
+              <a:solidFill>
+                <a:schemeClr val="bg1"/>
+              </a:solidFill>
+            </a:rPr>
+            <a:t>str</a:t>
+          </a:r>
+          <a:r>
+            <a:rPr lang="en-US" altLang="ko-KR" sz="2000" dirty="0" smtClean="0">
+              <a:solidFill>
+                <a:schemeClr val="bg1"/>
+              </a:solidFill>
+            </a:rPr>
+            <a:t> = “</a:t>
+          </a:r>
+          <a:r>
+            <a:rPr lang="ko-KR" altLang="en-US" sz="2000" dirty="0" smtClean="0">
+              <a:solidFill>
+                <a:schemeClr val="bg1"/>
+              </a:solidFill>
+            </a:rPr>
+            <a:t>안녕</a:t>
+          </a:r>
+          <a:r>
+            <a:rPr lang="en-US" altLang="ko-KR" sz="2000" dirty="0" smtClean="0">
+              <a:solidFill>
+                <a:schemeClr val="bg1"/>
+              </a:solidFill>
+            </a:rPr>
+            <a:t>”;</a:t>
+          </a:r>
+          <a:endParaRPr lang="ko-KR" altLang="en-US" sz="2000" dirty="0">
+            <a:solidFill>
+              <a:schemeClr val="bg1"/>
+            </a:solidFill>
+          </a:endParaRPr>
+        </a:p>
+      </dgm:t>
+    </dgm:pt>
+    <dgm:pt modelId="{738E5FC9-7CFB-491C-99FC-5BCAEB2D99C6}" type="parTrans" cxnId="{892CB3C8-EE76-4C06-B5E4-B0D545E6B7DF}">
+      <dgm:prSet/>
+      <dgm:spPr/>
+      <dgm:t>
+        <a:bodyPr/>
+        <a:lstStyle/>
+        <a:p>
+          <a:pPr latinLnBrk="1"/>
+          <a:endParaRPr lang="ko-KR" altLang="en-US"/>
+        </a:p>
+      </dgm:t>
+    </dgm:pt>
+    <dgm:pt modelId="{A9391C29-E373-4ED9-8CF7-FE09CB2597D1}" type="sibTrans" cxnId="{892CB3C8-EE76-4C06-B5E4-B0D545E6B7DF}">
+      <dgm:prSet/>
+      <dgm:spPr/>
+      <dgm:t>
+        <a:bodyPr/>
+        <a:lstStyle/>
+        <a:p>
+          <a:pPr latinLnBrk="1"/>
+          <a:endParaRPr lang="ko-KR" altLang="en-US"/>
+        </a:p>
+      </dgm:t>
+    </dgm:pt>
+    <dgm:pt modelId="{F76DC673-AAB9-44AB-856B-99B6A4FAA8EE}" type="pres">
+      <dgm:prSet presAssocID="{5CB84533-2BEF-4A70-99AF-2512998CE3B6}" presName="linear" presStyleCnt="0">
+        <dgm:presLayoutVars>
+          <dgm:animLvl val="lvl"/>
+          <dgm:resizeHandles val="exact"/>
+        </dgm:presLayoutVars>
+      </dgm:prSet>
+      <dgm:spPr/>
+    </dgm:pt>
+    <dgm:pt modelId="{75E61EE9-56F6-40E8-8A6E-C777AAE7A77F}" type="pres">
+      <dgm:prSet presAssocID="{882FE601-C57F-4F19-A338-9B364D850FF0}" presName="parentText" presStyleLbl="node1" presStyleIdx="0" presStyleCnt="2">
+        <dgm:presLayoutVars>
+          <dgm:chMax val="0"/>
+          <dgm:bulletEnabled val="1"/>
+        </dgm:presLayoutVars>
+      </dgm:prSet>
+      <dgm:spPr/>
+      <dgm:t>
+        <a:bodyPr/>
+        <a:lstStyle/>
+        <a:p>
+          <a:pPr latinLnBrk="1"/>
+          <a:endParaRPr lang="ko-KR" altLang="en-US"/>
+        </a:p>
+      </dgm:t>
+    </dgm:pt>
+    <dgm:pt modelId="{FD770A9F-ACEA-4776-90FD-24F91B3E956F}" type="pres">
+      <dgm:prSet presAssocID="{882FE601-C57F-4F19-A338-9B364D850FF0}" presName="childText" presStyleLbl="revTx" presStyleIdx="0" presStyleCnt="2">
+        <dgm:presLayoutVars>
+          <dgm:bulletEnabled val="1"/>
+        </dgm:presLayoutVars>
+      </dgm:prSet>
+      <dgm:spPr/>
+      <dgm:t>
+        <a:bodyPr/>
+        <a:lstStyle/>
+        <a:p>
+          <a:pPr latinLnBrk="1"/>
+          <a:endParaRPr lang="ko-KR" altLang="en-US"/>
+        </a:p>
+      </dgm:t>
+    </dgm:pt>
+    <dgm:pt modelId="{B923A832-BF78-4E71-BFBB-82FD265F7156}" type="pres">
+      <dgm:prSet presAssocID="{365C0CEB-FA79-4B88-8EAD-CA17161E5EA4}" presName="parentText" presStyleLbl="node1" presStyleIdx="1" presStyleCnt="2">
+        <dgm:presLayoutVars>
+          <dgm:chMax val="0"/>
+          <dgm:bulletEnabled val="1"/>
+        </dgm:presLayoutVars>
+      </dgm:prSet>
+      <dgm:spPr/>
+      <dgm:t>
+        <a:bodyPr/>
+        <a:lstStyle/>
+        <a:p>
+          <a:pPr latinLnBrk="1"/>
+          <a:endParaRPr lang="ko-KR" altLang="en-US"/>
+        </a:p>
+      </dgm:t>
+    </dgm:pt>
+    <dgm:pt modelId="{481A1E80-2834-4144-A700-C2A9004756E8}" type="pres">
+      <dgm:prSet presAssocID="{365C0CEB-FA79-4B88-8EAD-CA17161E5EA4}" presName="childText" presStyleLbl="revTx" presStyleIdx="1" presStyleCnt="2">
+        <dgm:presLayoutVars>
+          <dgm:bulletEnabled val="1"/>
+        </dgm:presLayoutVars>
+      </dgm:prSet>
+      <dgm:spPr/>
+      <dgm:t>
+        <a:bodyPr/>
+        <a:lstStyle/>
+        <a:p>
+          <a:pPr latinLnBrk="1"/>
+          <a:endParaRPr lang="ko-KR" altLang="en-US"/>
+        </a:p>
+      </dgm:t>
+    </dgm:pt>
+  </dgm:ptLst>
+  <dgm:cxnLst>
+    <dgm:cxn modelId="{3E915F12-1A65-4B1C-972C-4AB0C1989360}" srcId="{5CB84533-2BEF-4A70-99AF-2512998CE3B6}" destId="{365C0CEB-FA79-4B88-8EAD-CA17161E5EA4}" srcOrd="1" destOrd="0" parTransId="{B7113DCE-48F7-42F3-A210-83397697D098}" sibTransId="{B0EE12B8-CEE6-40C4-A6AD-0EED28D90742}"/>
+    <dgm:cxn modelId="{036E8577-F6B9-4E71-B295-A5C4BBCD0E5F}" type="presOf" srcId="{10B22A02-E5FE-478F-9BAA-5F149F09BEA9}" destId="{481A1E80-2834-4144-A700-C2A9004756E8}" srcOrd="0" destOrd="0" presId="urn:microsoft.com/office/officeart/2005/8/layout/vList2"/>
+    <dgm:cxn modelId="{A8699C4E-6C46-4DE0-85D7-ED79E93F3999}" srcId="{5CB84533-2BEF-4A70-99AF-2512998CE3B6}" destId="{882FE601-C57F-4F19-A338-9B364D850FF0}" srcOrd="0" destOrd="0" parTransId="{F5F1A693-FD89-4694-83EE-BD1729F3002F}" sibTransId="{366BB6C7-753D-415F-BEFC-5114245CDB40}"/>
+    <dgm:cxn modelId="{5165917C-3847-4541-B376-69B1CE65E4E0}" type="presOf" srcId="{962DEE23-196B-4F78-955E-8F84E6B85AC1}" destId="{FD770A9F-ACEA-4776-90FD-24F91B3E956F}" srcOrd="0" destOrd="0" presId="urn:microsoft.com/office/officeart/2005/8/layout/vList2"/>
+    <dgm:cxn modelId="{17F86E0F-601D-4D6A-B8C4-857E3B27890B}" type="presOf" srcId="{882FE601-C57F-4F19-A338-9B364D850FF0}" destId="{75E61EE9-56F6-40E8-8A6E-C777AAE7A77F}" srcOrd="0" destOrd="0" presId="urn:microsoft.com/office/officeart/2005/8/layout/vList2"/>
+    <dgm:cxn modelId="{1463B902-49C3-4760-9EFD-97543BEADBDA}" type="presOf" srcId="{365C0CEB-FA79-4B88-8EAD-CA17161E5EA4}" destId="{B923A832-BF78-4E71-BFBB-82FD265F7156}" srcOrd="0" destOrd="0" presId="urn:microsoft.com/office/officeart/2005/8/layout/vList2"/>
+    <dgm:cxn modelId="{76B85EA1-567B-465B-B3F1-129D304675BE}" srcId="{882FE601-C57F-4F19-A338-9B364D850FF0}" destId="{962DEE23-196B-4F78-955E-8F84E6B85AC1}" srcOrd="0" destOrd="0" parTransId="{11A1A7AC-46D2-45B9-AB24-9DCDAC24C44E}" sibTransId="{9C8715E7-A683-4386-B576-B516E85E4838}"/>
+    <dgm:cxn modelId="{892CB3C8-EE76-4C06-B5E4-B0D545E6B7DF}" srcId="{365C0CEB-FA79-4B88-8EAD-CA17161E5EA4}" destId="{10B22A02-E5FE-478F-9BAA-5F149F09BEA9}" srcOrd="0" destOrd="0" parTransId="{738E5FC9-7CFB-491C-99FC-5BCAEB2D99C6}" sibTransId="{A9391C29-E373-4ED9-8CF7-FE09CB2597D1}"/>
+    <dgm:cxn modelId="{9A030D02-73CB-494C-B9C0-36D16871B506}" type="presOf" srcId="{5CB84533-2BEF-4A70-99AF-2512998CE3B6}" destId="{F76DC673-AAB9-44AB-856B-99B6A4FAA8EE}" srcOrd="0" destOrd="0" presId="urn:microsoft.com/office/officeart/2005/8/layout/vList2"/>
+    <dgm:cxn modelId="{6A73D8AF-5368-4728-9CD3-94653AF57862}" type="presParOf" srcId="{F76DC673-AAB9-44AB-856B-99B6A4FAA8EE}" destId="{75E61EE9-56F6-40E8-8A6E-C777AAE7A77F}" srcOrd="0" destOrd="0" presId="urn:microsoft.com/office/officeart/2005/8/layout/vList2"/>
+    <dgm:cxn modelId="{18D1F60C-8A74-44C0-8F0D-9A595DF4608B}" type="presParOf" srcId="{F76DC673-AAB9-44AB-856B-99B6A4FAA8EE}" destId="{FD770A9F-ACEA-4776-90FD-24F91B3E956F}" srcOrd="1" destOrd="0" presId="urn:microsoft.com/office/officeart/2005/8/layout/vList2"/>
+    <dgm:cxn modelId="{071CC83C-A21C-4274-AD39-A309CE6E5565}" type="presParOf" srcId="{F76DC673-AAB9-44AB-856B-99B6A4FAA8EE}" destId="{B923A832-BF78-4E71-BFBB-82FD265F7156}" srcOrd="2" destOrd="0" presId="urn:microsoft.com/office/officeart/2005/8/layout/vList2"/>
+    <dgm:cxn modelId="{7F7837C7-2CFC-40E6-8F51-385381BA4335}" type="presParOf" srcId="{F76DC673-AAB9-44AB-856B-99B6A4FAA8EE}" destId="{481A1E80-2834-4144-A700-C2A9004756E8}" srcOrd="3" destOrd="0" presId="urn:microsoft.com/office/officeart/2005/8/layout/vList2"/>
+  </dgm:cxnLst>
+  <dgm:bg/>
+  <dgm:whole/>
+  <dgm:extLst>
+    <a:ext uri="http://schemas.microsoft.com/office/drawing/2008/diagram">
+      <dsp:dataModelExt xmlns:dsp="http://schemas.microsoft.com/office/drawing/2008/diagram" relId="rId6" minVer="http://schemas.openxmlformats.org/drawingml/2006/diagram"/>
+    </a:ext>
+  </dgm:extLst>
+</dgm:dataModel>
+</file>
+
 <file path=ppt/diagrams/drawing1.xml><?xml version="1.0" encoding="utf-8"?>
 <dsp:drawing xmlns:dgm="http://schemas.openxmlformats.org/drawingml/2006/diagram" xmlns:dsp="http://schemas.microsoft.com/office/drawing/2008/diagram" xmlns:a="http://schemas.openxmlformats.org/drawingml/2006/main">
   <dsp:spTree>
@@ -1825,6 +3010,454 @@
 </dsp:drawing>
 </file>
 
+<file path=ppt/diagrams/drawing2.xml><?xml version="1.0" encoding="utf-8"?>
+<dsp:drawing xmlns:dgm="http://schemas.openxmlformats.org/drawingml/2006/diagram" xmlns:dsp="http://schemas.microsoft.com/office/drawing/2008/diagram" xmlns:a="http://schemas.openxmlformats.org/drawingml/2006/main">
+  <dsp:spTree>
+    <dsp:nvGrpSpPr>
+      <dsp:cNvPr id="0" name=""/>
+      <dsp:cNvGrpSpPr/>
+    </dsp:nvGrpSpPr>
+    <dsp:grpSpPr/>
+    <dsp:sp modelId="{75E61EE9-56F6-40E8-8A6E-C777AAE7A77F}">
+      <dsp:nvSpPr>
+        <dsp:cNvPr id="0" name=""/>
+        <dsp:cNvSpPr/>
+      </dsp:nvSpPr>
+      <dsp:spPr>
+        <a:xfrm>
+          <a:off x="0" y="7785"/>
+          <a:ext cx="4863551" cy="767520"/>
+        </a:xfrm>
+        <a:prstGeom prst="roundRect">
+          <a:avLst/>
+        </a:prstGeom>
+        <a:solidFill>
+          <a:schemeClr val="accent1">
+            <a:hueOff val="0"/>
+            <a:satOff val="0"/>
+            <a:lumOff val="0"/>
+            <a:alphaOff val="0"/>
+          </a:schemeClr>
+        </a:solidFill>
+        <a:ln w="12700" cap="flat" cmpd="sng" algn="ctr">
+          <a:solidFill>
+            <a:schemeClr val="lt1">
+              <a:hueOff val="0"/>
+              <a:satOff val="0"/>
+              <a:lumOff val="0"/>
+              <a:alphaOff val="0"/>
+            </a:schemeClr>
+          </a:solidFill>
+          <a:prstDash val="solid"/>
+        </a:ln>
+        <a:effectLst/>
+      </dsp:spPr>
+      <dsp:style>
+        <a:lnRef idx="2">
+          <a:scrgbClr r="0" g="0" b="0"/>
+        </a:lnRef>
+        <a:fillRef idx="1">
+          <a:scrgbClr r="0" g="0" b="0"/>
+        </a:fillRef>
+        <a:effectRef idx="0">
+          <a:scrgbClr r="0" g="0" b="0"/>
+        </a:effectRef>
+        <a:fontRef idx="minor">
+          <a:schemeClr val="lt1"/>
+        </a:fontRef>
+      </dsp:style>
+      <dsp:txBody>
+        <a:bodyPr spcFirstLastPara="0" vert="horz" wrap="square" lIns="68580" tIns="68580" rIns="68580" bIns="68580" numCol="1" spcCol="1270" anchor="ctr" anchorCtr="0">
+          <a:noAutofit/>
+        </a:bodyPr>
+        <a:lstStyle/>
+        <a:p>
+          <a:pPr lvl="0" algn="l" defTabSz="800100" latinLnBrk="1">
+            <a:lnSpc>
+              <a:spcPct val="90000"/>
+            </a:lnSpc>
+            <a:spcBef>
+              <a:spcPct val="0"/>
+            </a:spcBef>
+            <a:spcAft>
+              <a:spcPct val="35000"/>
+            </a:spcAft>
+          </a:pPr>
+          <a:r>
+            <a:rPr lang="en-US" altLang="ko-KR" sz="1800" kern="1200" dirty="0" smtClean="0">
+              <a:solidFill>
+                <a:schemeClr val="bg1"/>
+              </a:solidFill>
+            </a:rPr>
+            <a:t>String </a:t>
+          </a:r>
+          <a:r>
+            <a:rPr lang="ko-KR" altLang="en-US" sz="1800" kern="1200" dirty="0" smtClean="0">
+              <a:solidFill>
+                <a:schemeClr val="bg1"/>
+              </a:solidFill>
+            </a:rPr>
+            <a:t>참조 변수명 </a:t>
+          </a:r>
+          <a:r>
+            <a:rPr lang="en-US" altLang="ko-KR" sz="1800" kern="1200" dirty="0" smtClean="0">
+              <a:solidFill>
+                <a:schemeClr val="bg1"/>
+              </a:solidFill>
+            </a:rPr>
+            <a:t>= new String(“</a:t>
+          </a:r>
+          <a:r>
+            <a:rPr lang="ko-KR" altLang="en-US" sz="1800" kern="1200" dirty="0" smtClean="0">
+              <a:solidFill>
+                <a:schemeClr val="bg1"/>
+              </a:solidFill>
+            </a:rPr>
+            <a:t>문자열</a:t>
+          </a:r>
+          <a:r>
+            <a:rPr lang="en-US" altLang="ko-KR" sz="1800" kern="1200" dirty="0" smtClean="0">
+              <a:solidFill>
+                <a:schemeClr val="bg1"/>
+              </a:solidFill>
+            </a:rPr>
+            <a:t>”)</a:t>
+          </a:r>
+          <a:endParaRPr lang="ko-KR" altLang="en-US" sz="1800" kern="1200" dirty="0">
+            <a:solidFill>
+              <a:schemeClr val="bg1"/>
+            </a:solidFill>
+          </a:endParaRPr>
+        </a:p>
+      </dsp:txBody>
+      <dsp:txXfrm>
+        <a:off x="37467" y="45252"/>
+        <a:ext cx="4788617" cy="692586"/>
+      </dsp:txXfrm>
+    </dsp:sp>
+    <dsp:sp modelId="{FD770A9F-ACEA-4776-90FD-24F91B3E956F}">
+      <dsp:nvSpPr>
+        <dsp:cNvPr id="0" name=""/>
+        <dsp:cNvSpPr/>
+      </dsp:nvSpPr>
+      <dsp:spPr>
+        <a:xfrm>
+          <a:off x="0" y="775305"/>
+          <a:ext cx="4863551" cy="678960"/>
+        </a:xfrm>
+        <a:prstGeom prst="rect">
+          <a:avLst/>
+        </a:prstGeom>
+        <a:noFill/>
+        <a:ln>
+          <a:noFill/>
+        </a:ln>
+        <a:effectLst/>
+      </dsp:spPr>
+      <dsp:style>
+        <a:lnRef idx="0">
+          <a:scrgbClr r="0" g="0" b="0"/>
+        </a:lnRef>
+        <a:fillRef idx="0">
+          <a:scrgbClr r="0" g="0" b="0"/>
+        </a:fillRef>
+        <a:effectRef idx="0">
+          <a:scrgbClr r="0" g="0" b="0"/>
+        </a:effectRef>
+        <a:fontRef idx="minor"/>
+      </dsp:style>
+      <dsp:txBody>
+        <a:bodyPr spcFirstLastPara="0" vert="horz" wrap="square" lIns="154418" tIns="22860" rIns="128016" bIns="22860" numCol="1" spcCol="1270" anchor="t" anchorCtr="0">
+          <a:noAutofit/>
+        </a:bodyPr>
+        <a:lstStyle/>
+        <a:p>
+          <a:pPr marL="171450" lvl="1" indent="-171450" algn="l" defTabSz="800100" latinLnBrk="1">
+            <a:lnSpc>
+              <a:spcPct val="90000"/>
+            </a:lnSpc>
+            <a:spcBef>
+              <a:spcPct val="0"/>
+            </a:spcBef>
+            <a:spcAft>
+              <a:spcPct val="20000"/>
+            </a:spcAft>
+            <a:buChar char="••"/>
+          </a:pPr>
+          <a:r>
+            <a:rPr lang="en-US" altLang="ko-KR" sz="1800" kern="1200" dirty="0" smtClean="0">
+              <a:solidFill>
+                <a:schemeClr val="bg1"/>
+              </a:solidFill>
+            </a:rPr>
+            <a:t>ex) String </a:t>
+          </a:r>
+          <a:r>
+            <a:rPr lang="en-US" altLang="ko-KR" sz="1800" kern="1200" dirty="0" err="1" smtClean="0">
+              <a:solidFill>
+                <a:schemeClr val="bg1"/>
+              </a:solidFill>
+            </a:rPr>
+            <a:t>str</a:t>
+          </a:r>
+          <a:r>
+            <a:rPr lang="en-US" altLang="ko-KR" sz="1800" kern="1200" dirty="0" smtClean="0">
+              <a:solidFill>
+                <a:schemeClr val="bg1"/>
+              </a:solidFill>
+            </a:rPr>
+            <a:t> = new String(“</a:t>
+          </a:r>
+          <a:r>
+            <a:rPr lang="ko-KR" altLang="en-US" sz="1800" kern="1200" dirty="0" smtClean="0">
+              <a:solidFill>
+                <a:schemeClr val="bg1"/>
+              </a:solidFill>
+            </a:rPr>
+            <a:t>안녕</a:t>
+          </a:r>
+          <a:r>
+            <a:rPr lang="en-US" altLang="ko-KR" sz="1800" kern="1200" dirty="0" smtClean="0">
+              <a:solidFill>
+                <a:schemeClr val="bg1"/>
+              </a:solidFill>
+            </a:rPr>
+            <a:t>”);</a:t>
+          </a:r>
+          <a:endParaRPr lang="ko-KR" altLang="en-US" sz="1800" kern="1200" dirty="0">
+            <a:solidFill>
+              <a:schemeClr val="bg1"/>
+            </a:solidFill>
+          </a:endParaRPr>
+        </a:p>
+      </dsp:txBody>
+      <dsp:txXfrm>
+        <a:off x="0" y="775305"/>
+        <a:ext cx="4863551" cy="678960"/>
+      </dsp:txXfrm>
+    </dsp:sp>
+    <dsp:sp modelId="{B923A832-BF78-4E71-BFBB-82FD265F7156}">
+      <dsp:nvSpPr>
+        <dsp:cNvPr id="0" name=""/>
+        <dsp:cNvSpPr/>
+      </dsp:nvSpPr>
+      <dsp:spPr>
+        <a:xfrm>
+          <a:off x="0" y="1454265"/>
+          <a:ext cx="4863551" cy="767520"/>
+        </a:xfrm>
+        <a:prstGeom prst="roundRect">
+          <a:avLst/>
+        </a:prstGeom>
+        <a:solidFill>
+          <a:schemeClr val="accent1">
+            <a:hueOff val="0"/>
+            <a:satOff val="0"/>
+            <a:lumOff val="0"/>
+            <a:alphaOff val="0"/>
+          </a:schemeClr>
+        </a:solidFill>
+        <a:ln w="12700" cap="flat" cmpd="sng" algn="ctr">
+          <a:solidFill>
+            <a:schemeClr val="lt1">
+              <a:hueOff val="0"/>
+              <a:satOff val="0"/>
+              <a:lumOff val="0"/>
+              <a:alphaOff val="0"/>
+            </a:schemeClr>
+          </a:solidFill>
+          <a:prstDash val="solid"/>
+        </a:ln>
+        <a:effectLst/>
+      </dsp:spPr>
+      <dsp:style>
+        <a:lnRef idx="2">
+          <a:scrgbClr r="0" g="0" b="0"/>
+        </a:lnRef>
+        <a:fillRef idx="1">
+          <a:scrgbClr r="0" g="0" b="0"/>
+        </a:fillRef>
+        <a:effectRef idx="0">
+          <a:scrgbClr r="0" g="0" b="0"/>
+        </a:effectRef>
+        <a:fontRef idx="minor">
+          <a:schemeClr val="lt1"/>
+        </a:fontRef>
+      </dsp:style>
+      <dsp:txBody>
+        <a:bodyPr spcFirstLastPara="0" vert="horz" wrap="square" lIns="68580" tIns="68580" rIns="68580" bIns="68580" numCol="1" spcCol="1270" anchor="ctr" anchorCtr="0">
+          <a:noAutofit/>
+        </a:bodyPr>
+        <a:lstStyle/>
+        <a:p>
+          <a:pPr lvl="0" algn="l" defTabSz="800100" latinLnBrk="1">
+            <a:lnSpc>
+              <a:spcPct val="90000"/>
+            </a:lnSpc>
+            <a:spcBef>
+              <a:spcPct val="0"/>
+            </a:spcBef>
+            <a:spcAft>
+              <a:spcPct val="35000"/>
+            </a:spcAft>
+          </a:pPr>
+          <a:r>
+            <a:rPr lang="en-US" altLang="ko-KR" sz="1800" kern="1200" dirty="0" smtClean="0">
+              <a:solidFill>
+                <a:schemeClr val="bg1"/>
+              </a:solidFill>
+            </a:rPr>
+            <a:t>String </a:t>
+          </a:r>
+          <a:r>
+            <a:rPr lang="ko-KR" altLang="en-US" sz="1800" kern="1200" dirty="0" smtClean="0">
+              <a:solidFill>
+                <a:schemeClr val="bg1"/>
+              </a:solidFill>
+            </a:rPr>
+            <a:t>참조 변수명 </a:t>
+          </a:r>
+          <a:r>
+            <a:rPr lang="en-US" altLang="ko-KR" sz="1800" kern="1200" dirty="0" smtClean="0">
+              <a:solidFill>
+                <a:schemeClr val="bg1"/>
+              </a:solidFill>
+            </a:rPr>
+            <a:t>= “</a:t>
+          </a:r>
+          <a:r>
+            <a:rPr lang="ko-KR" altLang="en-US" sz="1800" kern="1200" dirty="0" smtClean="0">
+              <a:solidFill>
+                <a:schemeClr val="bg1"/>
+              </a:solidFill>
+            </a:rPr>
+            <a:t>문자열</a:t>
+          </a:r>
+          <a:r>
+            <a:rPr lang="en-US" altLang="ko-KR" sz="1800" kern="1200" dirty="0" smtClean="0">
+              <a:solidFill>
+                <a:schemeClr val="bg1"/>
+              </a:solidFill>
+            </a:rPr>
+            <a:t>”</a:t>
+          </a:r>
+          <a:endParaRPr lang="ko-KR" altLang="en-US" sz="1800" kern="1200" dirty="0">
+            <a:solidFill>
+              <a:schemeClr val="bg1"/>
+            </a:solidFill>
+          </a:endParaRPr>
+        </a:p>
+      </dsp:txBody>
+      <dsp:txXfrm>
+        <a:off x="37467" y="1491732"/>
+        <a:ext cx="4788617" cy="692586"/>
+      </dsp:txXfrm>
+    </dsp:sp>
+    <dsp:sp modelId="{481A1E80-2834-4144-A700-C2A9004756E8}">
+      <dsp:nvSpPr>
+        <dsp:cNvPr id="0" name=""/>
+        <dsp:cNvSpPr/>
+      </dsp:nvSpPr>
+      <dsp:spPr>
+        <a:xfrm>
+          <a:off x="0" y="2221785"/>
+          <a:ext cx="4863551" cy="678960"/>
+        </a:xfrm>
+        <a:prstGeom prst="rect">
+          <a:avLst/>
+        </a:prstGeom>
+        <a:noFill/>
+        <a:ln>
+          <a:noFill/>
+        </a:ln>
+        <a:effectLst/>
+      </dsp:spPr>
+      <dsp:style>
+        <a:lnRef idx="0">
+          <a:scrgbClr r="0" g="0" b="0"/>
+        </a:lnRef>
+        <a:fillRef idx="0">
+          <a:scrgbClr r="0" g="0" b="0"/>
+        </a:fillRef>
+        <a:effectRef idx="0">
+          <a:scrgbClr r="0" g="0" b="0"/>
+        </a:effectRef>
+        <a:fontRef idx="minor"/>
+      </dsp:style>
+      <dsp:txBody>
+        <a:bodyPr spcFirstLastPara="0" vert="horz" wrap="square" lIns="154418" tIns="25400" rIns="142240" bIns="25400" numCol="1" spcCol="1270" anchor="t" anchorCtr="0">
+          <a:noAutofit/>
+        </a:bodyPr>
+        <a:lstStyle/>
+        <a:p>
+          <a:pPr marL="228600" lvl="1" indent="-228600" algn="l" defTabSz="889000" latinLnBrk="1">
+            <a:lnSpc>
+              <a:spcPct val="90000"/>
+            </a:lnSpc>
+            <a:spcBef>
+              <a:spcPct val="0"/>
+            </a:spcBef>
+            <a:spcAft>
+              <a:spcPct val="20000"/>
+            </a:spcAft>
+            <a:buChar char="••"/>
+          </a:pPr>
+          <a:r>
+            <a:rPr lang="en-US" altLang="ko-KR" sz="2000" kern="1200" dirty="0" smtClean="0">
+              <a:solidFill>
+                <a:schemeClr val="bg1"/>
+              </a:solidFill>
+            </a:rPr>
+            <a:t>String </a:t>
+          </a:r>
+          <a:r>
+            <a:rPr lang="en-US" altLang="ko-KR" sz="2000" kern="1200" dirty="0" err="1" smtClean="0">
+              <a:solidFill>
+                <a:schemeClr val="bg1"/>
+              </a:solidFill>
+            </a:rPr>
+            <a:t>str</a:t>
+          </a:r>
+          <a:r>
+            <a:rPr lang="en-US" altLang="ko-KR" sz="2000" kern="1200" dirty="0" smtClean="0">
+              <a:solidFill>
+                <a:schemeClr val="bg1"/>
+              </a:solidFill>
+            </a:rPr>
+            <a:t> = “</a:t>
+          </a:r>
+          <a:r>
+            <a:rPr lang="ko-KR" altLang="en-US" sz="2000" kern="1200" dirty="0" smtClean="0">
+              <a:solidFill>
+                <a:schemeClr val="bg1"/>
+              </a:solidFill>
+            </a:rPr>
+            <a:t>안녕</a:t>
+          </a:r>
+          <a:r>
+            <a:rPr lang="en-US" altLang="ko-KR" sz="2000" kern="1200" dirty="0" smtClean="0">
+              <a:solidFill>
+                <a:schemeClr val="bg1"/>
+              </a:solidFill>
+            </a:rPr>
+            <a:t>”;</a:t>
+          </a:r>
+          <a:endParaRPr lang="ko-KR" altLang="en-US" sz="2000" kern="1200" dirty="0">
+            <a:solidFill>
+              <a:schemeClr val="bg1"/>
+            </a:solidFill>
+          </a:endParaRPr>
+        </a:p>
+      </dsp:txBody>
+      <dsp:txXfrm>
+        <a:off x="0" y="2221785"/>
+        <a:ext cx="4863551" cy="678960"/>
+      </dsp:txXfrm>
+    </dsp:sp>
+  </dsp:spTree>
+</dsp:drawing>
+</file>
+
 <file path=ppt/diagrams/layout1.xml><?xml version="1.0" encoding="utf-8"?>
 <dgm:layoutDef xmlns:dgm="http://schemas.openxmlformats.org/drawingml/2006/diagram" xmlns:a="http://schemas.openxmlformats.org/drawingml/2006/main" uniqueId="urn:microsoft.com/office/officeart/2005/8/layout/cycle3">
   <dgm:title val=""/>
@@ -2224,6 +3857,173 @@
         </dgm:layoutNode>
       </dgm:else>
     </dgm:choose>
+  </dgm:layoutNode>
+</dgm:layoutDef>
+</file>
+
+<file path=ppt/diagrams/layout2.xml><?xml version="1.0" encoding="utf-8"?>
+<dgm:layoutDef xmlns:dgm="http://schemas.openxmlformats.org/drawingml/2006/diagram" xmlns:a="http://schemas.openxmlformats.org/drawingml/2006/main" uniqueId="urn:microsoft.com/office/officeart/2005/8/layout/vList2">
+  <dgm:title val=""/>
+  <dgm:desc val=""/>
+  <dgm:catLst>
+    <dgm:cat type="list" pri="3000"/>
+    <dgm:cat type="convert" pri="1000"/>
+  </dgm:catLst>
+  <dgm:sampData>
+    <dgm:dataModel>
+      <dgm:ptLst>
+        <dgm:pt modelId="0" type="doc"/>
+        <dgm:pt modelId="1">
+          <dgm:prSet phldr="1"/>
+        </dgm:pt>
+        <dgm:pt modelId="11">
+          <dgm:prSet phldr="1"/>
+        </dgm:pt>
+        <dgm:pt modelId="2">
+          <dgm:prSet phldr="1"/>
+        </dgm:pt>
+        <dgm:pt modelId="21">
+          <dgm:prSet phldr="1"/>
+        </dgm:pt>
+      </dgm:ptLst>
+      <dgm:cxnLst>
+        <dgm:cxn modelId="4" srcId="0" destId="1" srcOrd="0" destOrd="0"/>
+        <dgm:cxn modelId="5" srcId="0" destId="2" srcOrd="1" destOrd="0"/>
+        <dgm:cxn modelId="12" srcId="1" destId="11" srcOrd="0" destOrd="0"/>
+        <dgm:cxn modelId="23" srcId="2" destId="21" srcOrd="0" destOrd="0"/>
+      </dgm:cxnLst>
+      <dgm:bg/>
+      <dgm:whole/>
+    </dgm:dataModel>
+  </dgm:sampData>
+  <dgm:styleData>
+    <dgm:dataModel>
+      <dgm:ptLst>
+        <dgm:pt modelId="0" type="doc"/>
+        <dgm:pt modelId="1"/>
+        <dgm:pt modelId="2"/>
+      </dgm:ptLst>
+      <dgm:cxnLst>
+        <dgm:cxn modelId="3" srcId="0" destId="1" srcOrd="0" destOrd="0"/>
+        <dgm:cxn modelId="4" srcId="0" destId="2" srcOrd="1" destOrd="0"/>
+      </dgm:cxnLst>
+      <dgm:bg/>
+      <dgm:whole/>
+    </dgm:dataModel>
+  </dgm:styleData>
+  <dgm:clrData>
+    <dgm:dataModel>
+      <dgm:ptLst>
+        <dgm:pt modelId="0" type="doc"/>
+        <dgm:pt modelId="1"/>
+        <dgm:pt modelId="2"/>
+        <dgm:pt modelId="3"/>
+        <dgm:pt modelId="4"/>
+      </dgm:ptLst>
+      <dgm:cxnLst>
+        <dgm:cxn modelId="5" srcId="0" destId="1" srcOrd="0" destOrd="0"/>
+        <dgm:cxn modelId="6" srcId="0" destId="2" srcOrd="1" destOrd="0"/>
+        <dgm:cxn modelId="7" srcId="0" destId="3" srcOrd="2" destOrd="0"/>
+        <dgm:cxn modelId="8" srcId="0" destId="4" srcOrd="3" destOrd="0"/>
+      </dgm:cxnLst>
+      <dgm:bg/>
+      <dgm:whole/>
+    </dgm:dataModel>
+  </dgm:clrData>
+  <dgm:layoutNode name="linear">
+    <dgm:varLst>
+      <dgm:animLvl val="lvl"/>
+      <dgm:resizeHandles val="exact"/>
+    </dgm:varLst>
+    <dgm:alg type="lin">
+      <dgm:param type="linDir" val="fromT"/>
+      <dgm:param type="vertAlign" val="mid"/>
+    </dgm:alg>
+    <dgm:shape xmlns:r="http://schemas.openxmlformats.org/officeDocument/2006/relationships" r:blip="">
+      <dgm:adjLst/>
+    </dgm:shape>
+    <dgm:presOf/>
+    <dgm:constrLst>
+      <dgm:constr type="w" for="ch" forName="parentText" refType="w"/>
+      <dgm:constr type="h" for="ch" forName="parentText" refType="primFontSz" refFor="ch" refForName="parentText" fact="0.52"/>
+      <dgm:constr type="w" for="ch" forName="childText" refType="w"/>
+      <dgm:constr type="h" for="ch" forName="childText" refType="primFontSz" refFor="ch" refForName="parentText" fact="0.46"/>
+      <dgm:constr type="h" for="ch" forName="parentText" op="equ"/>
+      <dgm:constr type="primFontSz" for="ch" forName="parentText" op="equ" val="65"/>
+      <dgm:constr type="primFontSz" for="ch" forName="childText" refType="primFontSz" refFor="ch" refForName="parentText" op="equ"/>
+      <dgm:constr type="h" for="ch" forName="spacer" refType="primFontSz" refFor="ch" refForName="parentText" fact="0.08"/>
+    </dgm:constrLst>
+    <dgm:ruleLst>
+      <dgm:rule type="primFontSz" for="ch" forName="parentText" val="5" fact="NaN" max="NaN"/>
+    </dgm:ruleLst>
+    <dgm:forEach name="Name0" axis="ch" ptType="node">
+      <dgm:layoutNode name="parentText" styleLbl="node1">
+        <dgm:varLst>
+          <dgm:chMax val="0"/>
+          <dgm:bulletEnabled val="1"/>
+        </dgm:varLst>
+        <dgm:alg type="tx">
+          <dgm:param type="parTxLTRAlign" val="l"/>
+          <dgm:param type="parTxRTLAlign" val="r"/>
+        </dgm:alg>
+        <dgm:shape xmlns:r="http://schemas.openxmlformats.org/officeDocument/2006/relationships" type="roundRect" r:blip="">
+          <dgm:adjLst/>
+        </dgm:shape>
+        <dgm:presOf axis="self"/>
+        <dgm:constrLst>
+          <dgm:constr type="tMarg" refType="primFontSz" fact="0.3"/>
+          <dgm:constr type="bMarg" refType="primFontSz" fact="0.3"/>
+          <dgm:constr type="lMarg" refType="primFontSz" fact="0.3"/>
+          <dgm:constr type="rMarg" refType="primFontSz" fact="0.3"/>
+        </dgm:constrLst>
+        <dgm:ruleLst>
+          <dgm:rule type="h" val="INF" fact="NaN" max="NaN"/>
+        </dgm:ruleLst>
+      </dgm:layoutNode>
+      <dgm:choose name="Name1">
+        <dgm:if name="Name2" axis="ch" ptType="node" func="cnt" op="gte" val="1">
+          <dgm:layoutNode name="childText" styleLbl="revTx">
+            <dgm:varLst>
+              <dgm:bulletEnabled val="1"/>
+            </dgm:varLst>
+            <dgm:alg type="tx">
+              <dgm:param type="stBulletLvl" val="1"/>
+              <dgm:param type="lnSpAfChP" val="20"/>
+            </dgm:alg>
+            <dgm:shape xmlns:r="http://schemas.openxmlformats.org/officeDocument/2006/relationships" type="rect" r:blip="">
+              <dgm:adjLst/>
+            </dgm:shape>
+            <dgm:presOf axis="des" ptType="node"/>
+            <dgm:constrLst>
+              <dgm:constr type="tMarg" refType="primFontSz" fact="0.1"/>
+              <dgm:constr type="bMarg" refType="primFontSz" fact="0.1"/>
+              <dgm:constr type="lMarg" refType="w" fact="0.09"/>
+            </dgm:constrLst>
+            <dgm:ruleLst>
+              <dgm:rule type="h" val="INF" fact="NaN" max="NaN"/>
+            </dgm:ruleLst>
+          </dgm:layoutNode>
+        </dgm:if>
+        <dgm:else name="Name3">
+          <dgm:choose name="Name4">
+            <dgm:if name="Name5" axis="par ch" ptType="doc node" func="cnt" op="gte" val="2">
+              <dgm:forEach name="Name6" axis="followSib" ptType="sibTrans" cnt="1">
+                <dgm:layoutNode name="spacer">
+                  <dgm:alg type="sp"/>
+                  <dgm:shape xmlns:r="http://schemas.openxmlformats.org/officeDocument/2006/relationships" r:blip="">
+                    <dgm:adjLst/>
+                  </dgm:shape>
+                  <dgm:presOf/>
+                  <dgm:constrLst/>
+                  <dgm:ruleLst/>
+                </dgm:layoutNode>
+              </dgm:forEach>
+            </dgm:if>
+            <dgm:else name="Name7"/>
+          </dgm:choose>
+        </dgm:else>
+      </dgm:choose>
+    </dgm:forEach>
   </dgm:layoutNode>
 </dgm:layoutDef>
 </file>
@@ -3288,6 +5088,1040 @@
 </dgm:styleDef>
 </file>
 
+<file path=ppt/diagrams/quickStyle2.xml><?xml version="1.0" encoding="utf-8"?>
+<dgm:styleDef xmlns:dgm="http://schemas.openxmlformats.org/drawingml/2006/diagram" xmlns:a="http://schemas.openxmlformats.org/drawingml/2006/main" uniqueId="urn:microsoft.com/office/officeart/2005/8/quickstyle/simple1">
+  <dgm:title val=""/>
+  <dgm:desc val=""/>
+  <dgm:catLst>
+    <dgm:cat type="simple" pri="10100"/>
+  </dgm:catLst>
+  <dgm:scene3d>
+    <a:camera prst="orthographicFront"/>
+    <a:lightRig rig="threePt" dir="t"/>
+  </dgm:scene3d>
+  <dgm:styleLbl name="node0">
+    <dgm:scene3d>
+      <a:camera prst="orthographicFront"/>
+      <a:lightRig rig="threePt" dir="t"/>
+    </dgm:scene3d>
+    <dgm:sp3d/>
+    <dgm:txPr/>
+    <dgm:style>
+      <a:lnRef idx="2">
+        <a:scrgbClr r="0" g="0" b="0"/>
+      </a:lnRef>
+      <a:fillRef idx="1">
+        <a:scrgbClr r="0" g="0" b="0"/>
+      </a:fillRef>
+      <a:effectRef idx="0">
+        <a:scrgbClr r="0" g="0" b="0"/>
+      </a:effectRef>
+      <a:fontRef idx="minor">
+        <a:schemeClr val="lt1"/>
+      </a:fontRef>
+    </dgm:style>
+  </dgm:styleLbl>
+  <dgm:styleLbl name="lnNode1">
+    <dgm:scene3d>
+      <a:camera prst="orthographicFront"/>
+      <a:lightRig rig="threePt" dir="t"/>
+    </dgm:scene3d>
+    <dgm:sp3d/>
+    <dgm:txPr/>
+    <dgm:style>
+      <a:lnRef idx="2">
+        <a:scrgbClr r="0" g="0" b="0"/>
+      </a:lnRef>
+      <a:fillRef idx="1">
+        <a:scrgbClr r="0" g="0" b="0"/>
+      </a:fillRef>
+      <a:effectRef idx="0">
+        <a:scrgbClr r="0" g="0" b="0"/>
+      </a:effectRef>
+      <a:fontRef idx="minor">
+        <a:schemeClr val="lt1"/>
+      </a:fontRef>
+    </dgm:style>
+  </dgm:styleLbl>
+  <dgm:styleLbl name="vennNode1">
+    <dgm:scene3d>
+      <a:camera prst="orthographicFront"/>
+      <a:lightRig rig="threePt" dir="t"/>
+    </dgm:scene3d>
+    <dgm:sp3d/>
+    <dgm:txPr/>
+    <dgm:style>
+      <a:lnRef idx="2">
+        <a:scrgbClr r="0" g="0" b="0"/>
+      </a:lnRef>
+      <a:fillRef idx="1">
+        <a:scrgbClr r="0" g="0" b="0"/>
+      </a:fillRef>
+      <a:effectRef idx="0">
+        <a:scrgbClr r="0" g="0" b="0"/>
+      </a:effectRef>
+      <a:fontRef idx="minor">
+        <a:schemeClr val="tx1"/>
+      </a:fontRef>
+    </dgm:style>
+  </dgm:styleLbl>
+  <dgm:styleLbl name="alignNode1">
+    <dgm:scene3d>
+      <a:camera prst="orthographicFront"/>
+      <a:lightRig rig="threePt" dir="t"/>
+    </dgm:scene3d>
+    <dgm:sp3d/>
+    <dgm:txPr/>
+    <dgm:style>
+      <a:lnRef idx="2">
+        <a:scrgbClr r="0" g="0" b="0"/>
+      </a:lnRef>
+      <a:fillRef idx="1">
+        <a:scrgbClr r="0" g="0" b="0"/>
+      </a:fillRef>
+      <a:effectRef idx="0">
+        <a:scrgbClr r="0" g="0" b="0"/>
+      </a:effectRef>
+      <a:fontRef idx="minor">
+        <a:schemeClr val="lt1"/>
+      </a:fontRef>
+    </dgm:style>
+  </dgm:styleLbl>
+  <dgm:styleLbl name="node1">
+    <dgm:scene3d>
+      <a:camera prst="orthographicFront"/>
+      <a:lightRig rig="threePt" dir="t"/>
+    </dgm:scene3d>
+    <dgm:sp3d/>
+    <dgm:txPr/>
+    <dgm:style>
+      <a:lnRef idx="2">
+        <a:scrgbClr r="0" g="0" b="0"/>
+      </a:lnRef>
+      <a:fillRef idx="1">
+        <a:scrgbClr r="0" g="0" b="0"/>
+      </a:fillRef>
+      <a:effectRef idx="0">
+        <a:scrgbClr r="0" g="0" b="0"/>
+      </a:effectRef>
+      <a:fontRef idx="minor">
+        <a:schemeClr val="lt1"/>
+      </a:fontRef>
+    </dgm:style>
+  </dgm:styleLbl>
+  <dgm:styleLbl name="node2">
+    <dgm:scene3d>
+      <a:camera prst="orthographicFront"/>
+      <a:lightRig rig="threePt" dir="t"/>
+    </dgm:scene3d>
+    <dgm:sp3d/>
+    <dgm:txPr/>
+    <dgm:style>
+      <a:lnRef idx="2">
+        <a:scrgbClr r="0" g="0" b="0"/>
+      </a:lnRef>
+      <a:fillRef idx="1">
+        <a:scrgbClr r="0" g="0" b="0"/>
+      </a:fillRef>
+      <a:effectRef idx="0">
+        <a:scrgbClr r="0" g="0" b="0"/>
+      </a:effectRef>
+      <a:fontRef idx="minor">
+        <a:schemeClr val="lt1"/>
+      </a:fontRef>
+    </dgm:style>
+  </dgm:styleLbl>
+  <dgm:styleLbl name="node3">
+    <dgm:scene3d>
+      <a:camera prst="orthographicFront"/>
+      <a:lightRig rig="threePt" dir="t"/>
+    </dgm:scene3d>
+    <dgm:sp3d/>
+    <dgm:txPr/>
+    <dgm:style>
+      <a:lnRef idx="2">
+        <a:scrgbClr r="0" g="0" b="0"/>
+      </a:lnRef>
+      <a:fillRef idx="1">
+        <a:scrgbClr r="0" g="0" b="0"/>
+      </a:fillRef>
+      <a:effectRef idx="0">
+        <a:scrgbClr r="0" g="0" b="0"/>
+      </a:effectRef>
+      <a:fontRef idx="minor">
+        <a:schemeClr val="lt1"/>
+      </a:fontRef>
+    </dgm:style>
+  </dgm:styleLbl>
+  <dgm:styleLbl name="node4">
+    <dgm:scene3d>
+      <a:camera prst="orthographicFront"/>
+      <a:lightRig rig="threePt" dir="t"/>
+    </dgm:scene3d>
+    <dgm:sp3d/>
+    <dgm:txPr/>
+    <dgm:style>
+      <a:lnRef idx="2">
+        <a:scrgbClr r="0" g="0" b="0"/>
+      </a:lnRef>
+      <a:fillRef idx="1">
+        <a:scrgbClr r="0" g="0" b="0"/>
+      </a:fillRef>
+      <a:effectRef idx="0">
+        <a:scrgbClr r="0" g="0" b="0"/>
+      </a:effectRef>
+      <a:fontRef idx="minor">
+        <a:schemeClr val="lt1"/>
+      </a:fontRef>
+    </dgm:style>
+  </dgm:styleLbl>
+  <dgm:styleLbl name="fgImgPlace1">
+    <dgm:scene3d>
+      <a:camera prst="orthographicFront"/>
+      <a:lightRig rig="threePt" dir="t"/>
+    </dgm:scene3d>
+    <dgm:sp3d/>
+    <dgm:txPr/>
+    <dgm:style>
+      <a:lnRef idx="2">
+        <a:scrgbClr r="0" g="0" b="0"/>
+      </a:lnRef>
+      <a:fillRef idx="1">
+        <a:scrgbClr r="0" g="0" b="0"/>
+      </a:fillRef>
+      <a:effectRef idx="0">
+        <a:scrgbClr r="0" g="0" b="0"/>
+      </a:effectRef>
+      <a:fontRef idx="minor"/>
+    </dgm:style>
+  </dgm:styleLbl>
+  <dgm:styleLbl name="alignImgPlace1">
+    <dgm:scene3d>
+      <a:camera prst="orthographicFront"/>
+      <a:lightRig rig="threePt" dir="t"/>
+    </dgm:scene3d>
+    <dgm:sp3d/>
+    <dgm:txPr/>
+    <dgm:style>
+      <a:lnRef idx="2">
+        <a:scrgbClr r="0" g="0" b="0"/>
+      </a:lnRef>
+      <a:fillRef idx="1">
+        <a:scrgbClr r="0" g="0" b="0"/>
+      </a:fillRef>
+      <a:effectRef idx="0">
+        <a:scrgbClr r="0" g="0" b="0"/>
+      </a:effectRef>
+      <a:fontRef idx="minor"/>
+    </dgm:style>
+  </dgm:styleLbl>
+  <dgm:styleLbl name="bgImgPlace1">
+    <dgm:scene3d>
+      <a:camera prst="orthographicFront"/>
+      <a:lightRig rig="threePt" dir="t"/>
+    </dgm:scene3d>
+    <dgm:sp3d/>
+    <dgm:txPr/>
+    <dgm:style>
+      <a:lnRef idx="2">
+        <a:scrgbClr r="0" g="0" b="0"/>
+      </a:lnRef>
+      <a:fillRef idx="1">
+        <a:scrgbClr r="0" g="0" b="0"/>
+      </a:fillRef>
+      <a:effectRef idx="0">
+        <a:scrgbClr r="0" g="0" b="0"/>
+      </a:effectRef>
+      <a:fontRef idx="minor"/>
+    </dgm:style>
+  </dgm:styleLbl>
+  <dgm:styleLbl name="sibTrans2D1">
+    <dgm:scene3d>
+      <a:camera prst="orthographicFront"/>
+      <a:lightRig rig="threePt" dir="t"/>
+    </dgm:scene3d>
+    <dgm:sp3d/>
+    <dgm:txPr/>
+    <dgm:style>
+      <a:lnRef idx="0">
+        <a:scrgbClr r="0" g="0" b="0"/>
+      </a:lnRef>
+      <a:fillRef idx="1">
+        <a:scrgbClr r="0" g="0" b="0"/>
+      </a:fillRef>
+      <a:effectRef idx="0">
+        <a:scrgbClr r="0" g="0" b="0"/>
+      </a:effectRef>
+      <a:fontRef idx="minor">
+        <a:schemeClr val="lt1"/>
+      </a:fontRef>
+    </dgm:style>
+  </dgm:styleLbl>
+  <dgm:styleLbl name="fgSibTrans2D1">
+    <dgm:scene3d>
+      <a:camera prst="orthographicFront"/>
+      <a:lightRig rig="threePt" dir="t"/>
+    </dgm:scene3d>
+    <dgm:sp3d/>
+    <dgm:txPr/>
+    <dgm:style>
+      <a:lnRef idx="0">
+        <a:scrgbClr r="0" g="0" b="0"/>
+      </a:lnRef>
+      <a:fillRef idx="1">
+        <a:scrgbClr r="0" g="0" b="0"/>
+      </a:fillRef>
+      <a:effectRef idx="0">
+        <a:scrgbClr r="0" g="0" b="0"/>
+      </a:effectRef>
+      <a:fontRef idx="minor">
+        <a:schemeClr val="lt1"/>
+      </a:fontRef>
+    </dgm:style>
+  </dgm:styleLbl>
+  <dgm:styleLbl name="bgSibTrans2D1">
+    <dgm:scene3d>
+      <a:camera prst="orthographicFront"/>
+      <a:lightRig rig="threePt" dir="t"/>
+    </dgm:scene3d>
+    <dgm:sp3d/>
+    <dgm:txPr/>
+    <dgm:style>
+      <a:lnRef idx="0">
+        <a:scrgbClr r="0" g="0" b="0"/>
+      </a:lnRef>
+      <a:fillRef idx="1">
+        <a:scrgbClr r="0" g="0" b="0"/>
+      </a:fillRef>
+      <a:effectRef idx="0">
+        <a:scrgbClr r="0" g="0" b="0"/>
+      </a:effectRef>
+      <a:fontRef idx="minor">
+        <a:schemeClr val="lt1"/>
+      </a:fontRef>
+    </dgm:style>
+  </dgm:styleLbl>
+  <dgm:styleLbl name="sibTrans1D1">
+    <dgm:scene3d>
+      <a:camera prst="orthographicFront"/>
+      <a:lightRig rig="threePt" dir="t"/>
+    </dgm:scene3d>
+    <dgm:sp3d/>
+    <dgm:txPr/>
+    <dgm:style>
+      <a:lnRef idx="1">
+        <a:scrgbClr r="0" g="0" b="0"/>
+      </a:lnRef>
+      <a:fillRef idx="0">
+        <a:scrgbClr r="0" g="0" b="0"/>
+      </a:fillRef>
+      <a:effectRef idx="0">
+        <a:scrgbClr r="0" g="0" b="0"/>
+      </a:effectRef>
+      <a:fontRef idx="minor"/>
+    </dgm:style>
+  </dgm:styleLbl>
+  <dgm:styleLbl name="callout">
+    <dgm:scene3d>
+      <a:camera prst="orthographicFront"/>
+      <a:lightRig rig="threePt" dir="t"/>
+    </dgm:scene3d>
+    <dgm:sp3d/>
+    <dgm:txPr/>
+    <dgm:style>
+      <a:lnRef idx="2">
+        <a:scrgbClr r="0" g="0" b="0"/>
+      </a:lnRef>
+      <a:fillRef idx="1">
+        <a:scrgbClr r="0" g="0" b="0"/>
+      </a:fillRef>
+      <a:effectRef idx="0">
+        <a:scrgbClr r="0" g="0" b="0"/>
+      </a:effectRef>
+      <a:fontRef idx="minor"/>
+    </dgm:style>
+  </dgm:styleLbl>
+  <dgm:styleLbl name="asst0">
+    <dgm:scene3d>
+      <a:camera prst="orthographicFront"/>
+      <a:lightRig rig="threePt" dir="t"/>
+    </dgm:scene3d>
+    <dgm:sp3d/>
+    <dgm:txPr/>
+    <dgm:style>
+      <a:lnRef idx="2">
+        <a:scrgbClr r="0" g="0" b="0"/>
+      </a:lnRef>
+      <a:fillRef idx="1">
+        <a:scrgbClr r="0" g="0" b="0"/>
+      </a:fillRef>
+      <a:effectRef idx="0">
+        <a:scrgbClr r="0" g="0" b="0"/>
+      </a:effectRef>
+      <a:fontRef idx="minor">
+        <a:schemeClr val="lt1"/>
+      </a:fontRef>
+    </dgm:style>
+  </dgm:styleLbl>
+  <dgm:styleLbl name="asst1">
+    <dgm:scene3d>
+      <a:camera prst="orthographicFront"/>
+      <a:lightRig rig="threePt" dir="t"/>
+    </dgm:scene3d>
+    <dgm:sp3d/>
+    <dgm:txPr/>
+    <dgm:style>
+      <a:lnRef idx="2">
+        <a:scrgbClr r="0" g="0" b="0"/>
+      </a:lnRef>
+      <a:fillRef idx="1">
+        <a:scrgbClr r="0" g="0" b="0"/>
+      </a:fillRef>
+      <a:effectRef idx="0">
+        <a:scrgbClr r="0" g="0" b="0"/>
+      </a:effectRef>
+      <a:fontRef idx="minor">
+        <a:schemeClr val="lt1"/>
+      </a:fontRef>
+    </dgm:style>
+  </dgm:styleLbl>
+  <dgm:styleLbl name="asst2">
+    <dgm:scene3d>
+      <a:camera prst="orthographicFront"/>
+      <a:lightRig rig="threePt" dir="t"/>
+    </dgm:scene3d>
+    <dgm:sp3d/>
+    <dgm:txPr/>
+    <dgm:style>
+      <a:lnRef idx="2">
+        <a:scrgbClr r="0" g="0" b="0"/>
+      </a:lnRef>
+      <a:fillRef idx="1">
+        <a:scrgbClr r="0" g="0" b="0"/>
+      </a:fillRef>
+      <a:effectRef idx="0">
+        <a:scrgbClr r="0" g="0" b="0"/>
+      </a:effectRef>
+      <a:fontRef idx="minor">
+        <a:schemeClr val="lt1"/>
+      </a:fontRef>
+    </dgm:style>
+  </dgm:styleLbl>
+  <dgm:styleLbl name="asst3">
+    <dgm:scene3d>
+      <a:camera prst="orthographicFront"/>
+      <a:lightRig rig="threePt" dir="t"/>
+    </dgm:scene3d>
+    <dgm:sp3d/>
+    <dgm:txPr/>
+    <dgm:style>
+      <a:lnRef idx="2">
+        <a:scrgbClr r="0" g="0" b="0"/>
+      </a:lnRef>
+      <a:fillRef idx="1">
+        <a:scrgbClr r="0" g="0" b="0"/>
+      </a:fillRef>
+      <a:effectRef idx="0">
+        <a:scrgbClr r="0" g="0" b="0"/>
+      </a:effectRef>
+      <a:fontRef idx="minor">
+        <a:schemeClr val="lt1"/>
+      </a:fontRef>
+    </dgm:style>
+  </dgm:styleLbl>
+  <dgm:styleLbl name="asst4">
+    <dgm:scene3d>
+      <a:camera prst="orthographicFront"/>
+      <a:lightRig rig="threePt" dir="t"/>
+    </dgm:scene3d>
+    <dgm:sp3d/>
+    <dgm:txPr/>
+    <dgm:style>
+      <a:lnRef idx="2">
+        <a:scrgbClr r="0" g="0" b="0"/>
+      </a:lnRef>
+      <a:fillRef idx="1">
+        <a:scrgbClr r="0" g="0" b="0"/>
+      </a:fillRef>
+      <a:effectRef idx="0">
+        <a:scrgbClr r="0" g="0" b="0"/>
+      </a:effectRef>
+      <a:fontRef idx="minor">
+        <a:schemeClr val="lt1"/>
+      </a:fontRef>
+    </dgm:style>
+  </dgm:styleLbl>
+  <dgm:styleLbl name="parChTrans2D1">
+    <dgm:scene3d>
+      <a:camera prst="orthographicFront"/>
+      <a:lightRig rig="threePt" dir="t"/>
+    </dgm:scene3d>
+    <dgm:sp3d/>
+    <dgm:txPr/>
+    <dgm:style>
+      <a:lnRef idx="2">
+        <a:scrgbClr r="0" g="0" b="0"/>
+      </a:lnRef>
+      <a:fillRef idx="1">
+        <a:scrgbClr r="0" g="0" b="0"/>
+      </a:fillRef>
+      <a:effectRef idx="0">
+        <a:scrgbClr r="0" g="0" b="0"/>
+      </a:effectRef>
+      <a:fontRef idx="minor">
+        <a:schemeClr val="lt1"/>
+      </a:fontRef>
+    </dgm:style>
+  </dgm:styleLbl>
+  <dgm:styleLbl name="parChTrans2D2">
+    <dgm:scene3d>
+      <a:camera prst="orthographicFront"/>
+      <a:lightRig rig="threePt" dir="t"/>
+    </dgm:scene3d>
+    <dgm:sp3d/>
+    <dgm:txPr/>
+    <dgm:style>
+      <a:lnRef idx="2">
+        <a:scrgbClr r="0" g="0" b="0"/>
+      </a:lnRef>
+      <a:fillRef idx="1">
+        <a:scrgbClr r="0" g="0" b="0"/>
+      </a:fillRef>
+      <a:effectRef idx="0">
+        <a:scrgbClr r="0" g="0" b="0"/>
+      </a:effectRef>
+      <a:fontRef idx="minor">
+        <a:schemeClr val="lt1"/>
+      </a:fontRef>
+    </dgm:style>
+  </dgm:styleLbl>
+  <dgm:styleLbl name="parChTrans2D3">
+    <dgm:scene3d>
+      <a:camera prst="orthographicFront"/>
+      <a:lightRig rig="threePt" dir="t"/>
+    </dgm:scene3d>
+    <dgm:sp3d/>
+    <dgm:txPr/>
+    <dgm:style>
+      <a:lnRef idx="2">
+        <a:scrgbClr r="0" g="0" b="0"/>
+      </a:lnRef>
+      <a:fillRef idx="1">
+        <a:scrgbClr r="0" g="0" b="0"/>
+      </a:fillRef>
+      <a:effectRef idx="0">
+        <a:scrgbClr r="0" g="0" b="0"/>
+      </a:effectRef>
+      <a:fontRef idx="minor">
+        <a:schemeClr val="lt1"/>
+      </a:fontRef>
+    </dgm:style>
+  </dgm:styleLbl>
+  <dgm:styleLbl name="parChTrans2D4">
+    <dgm:scene3d>
+      <a:camera prst="orthographicFront"/>
+      <a:lightRig rig="threePt" dir="t"/>
+    </dgm:scene3d>
+    <dgm:sp3d/>
+    <dgm:txPr/>
+    <dgm:style>
+      <a:lnRef idx="2">
+        <a:scrgbClr r="0" g="0" b="0"/>
+      </a:lnRef>
+      <a:fillRef idx="1">
+        <a:scrgbClr r="0" g="0" b="0"/>
+      </a:fillRef>
+      <a:effectRef idx="0">
+        <a:scrgbClr r="0" g="0" b="0"/>
+      </a:effectRef>
+      <a:fontRef idx="minor">
+        <a:schemeClr val="lt1"/>
+      </a:fontRef>
+    </dgm:style>
+  </dgm:styleLbl>
+  <dgm:styleLbl name="parChTrans1D1">
+    <dgm:scene3d>
+      <a:camera prst="orthographicFront"/>
+      <a:lightRig rig="threePt" dir="t"/>
+    </dgm:scene3d>
+    <dgm:sp3d/>
+    <dgm:txPr/>
+    <dgm:style>
+      <a:lnRef idx="2">
+        <a:scrgbClr r="0" g="0" b="0"/>
+      </a:lnRef>
+      <a:fillRef idx="0">
+        <a:scrgbClr r="0" g="0" b="0"/>
+      </a:fillRef>
+      <a:effectRef idx="0">
+        <a:scrgbClr r="0" g="0" b="0"/>
+      </a:effectRef>
+      <a:fontRef idx="minor"/>
+    </dgm:style>
+  </dgm:styleLbl>
+  <dgm:styleLbl name="parChTrans1D2">
+    <dgm:scene3d>
+      <a:camera prst="orthographicFront"/>
+      <a:lightRig rig="threePt" dir="t"/>
+    </dgm:scene3d>
+    <dgm:sp3d/>
+    <dgm:txPr/>
+    <dgm:style>
+      <a:lnRef idx="2">
+        <a:scrgbClr r="0" g="0" b="0"/>
+      </a:lnRef>
+      <a:fillRef idx="0">
+        <a:scrgbClr r="0" g="0" b="0"/>
+      </a:fillRef>
+      <a:effectRef idx="0">
+        <a:scrgbClr r="0" g="0" b="0"/>
+      </a:effectRef>
+      <a:fontRef idx="minor"/>
+    </dgm:style>
+  </dgm:styleLbl>
+  <dgm:styleLbl name="parChTrans1D3">
+    <dgm:scene3d>
+      <a:camera prst="orthographicFront"/>
+      <a:lightRig rig="threePt" dir="t"/>
+    </dgm:scene3d>
+    <dgm:sp3d/>
+    <dgm:txPr/>
+    <dgm:style>
+      <a:lnRef idx="2">
+        <a:scrgbClr r="0" g="0" b="0"/>
+      </a:lnRef>
+      <a:fillRef idx="0">
+        <a:scrgbClr r="0" g="0" b="0"/>
+      </a:fillRef>
+      <a:effectRef idx="0">
+        <a:scrgbClr r="0" g="0" b="0"/>
+      </a:effectRef>
+      <a:fontRef idx="minor"/>
+    </dgm:style>
+  </dgm:styleLbl>
+  <dgm:styleLbl name="parChTrans1D4">
+    <dgm:scene3d>
+      <a:camera prst="orthographicFront"/>
+      <a:lightRig rig="threePt" dir="t"/>
+    </dgm:scene3d>
+    <dgm:sp3d/>
+    <dgm:txPr/>
+    <dgm:style>
+      <a:lnRef idx="2">
+        <a:scrgbClr r="0" g="0" b="0"/>
+      </a:lnRef>
+      <a:fillRef idx="0">
+        <a:scrgbClr r="0" g="0" b="0"/>
+      </a:fillRef>
+      <a:effectRef idx="0">
+        <a:scrgbClr r="0" g="0" b="0"/>
+      </a:effectRef>
+      <a:fontRef idx="minor"/>
+    </dgm:style>
+  </dgm:styleLbl>
+  <dgm:styleLbl name="fgAcc1">
+    <dgm:scene3d>
+      <a:camera prst="orthographicFront"/>
+      <a:lightRig rig="threePt" dir="t"/>
+    </dgm:scene3d>
+    <dgm:sp3d/>
+    <dgm:txPr/>
+    <dgm:style>
+      <a:lnRef idx="2">
+        <a:scrgbClr r="0" g="0" b="0"/>
+      </a:lnRef>
+      <a:fillRef idx="1">
+        <a:scrgbClr r="0" g="0" b="0"/>
+      </a:fillRef>
+      <a:effectRef idx="0">
+        <a:scrgbClr r="0" g="0" b="0"/>
+      </a:effectRef>
+      <a:fontRef idx="minor"/>
+    </dgm:style>
+  </dgm:styleLbl>
+  <dgm:styleLbl name="conFgAcc1">
+    <dgm:scene3d>
+      <a:camera prst="orthographicFront"/>
+      <a:lightRig rig="threePt" dir="t"/>
+    </dgm:scene3d>
+    <dgm:sp3d/>
+    <dgm:txPr/>
+    <dgm:style>
+      <a:lnRef idx="2">
+        <a:scrgbClr r="0" g="0" b="0"/>
+      </a:lnRef>
+      <a:fillRef idx="1">
+        <a:scrgbClr r="0" g="0" b="0"/>
+      </a:fillRef>
+      <a:effectRef idx="0">
+        <a:scrgbClr r="0" g="0" b="0"/>
+      </a:effectRef>
+      <a:fontRef idx="minor"/>
+    </dgm:style>
+  </dgm:styleLbl>
+  <dgm:styleLbl name="alignAcc1">
+    <dgm:scene3d>
+      <a:camera prst="orthographicFront"/>
+      <a:lightRig rig="threePt" dir="t"/>
+    </dgm:scene3d>
+    <dgm:sp3d/>
+    <dgm:txPr/>
+    <dgm:style>
+      <a:lnRef idx="2">
+        <a:scrgbClr r="0" g="0" b="0"/>
+      </a:lnRef>
+      <a:fillRef idx="1">
+        <a:scrgbClr r="0" g="0" b="0"/>
+      </a:fillRef>
+      <a:effectRef idx="0">
+        <a:scrgbClr r="0" g="0" b="0"/>
+      </a:effectRef>
+      <a:fontRef idx="minor"/>
+    </dgm:style>
+  </dgm:styleLbl>
+  <dgm:styleLbl name="trAlignAcc1">
+    <dgm:scene3d>
+      <a:camera prst="orthographicFront"/>
+      <a:lightRig rig="threePt" dir="t"/>
+    </dgm:scene3d>
+    <dgm:sp3d/>
+    <dgm:txPr/>
+    <dgm:style>
+      <a:lnRef idx="1">
+        <a:scrgbClr r="0" g="0" b="0"/>
+      </a:lnRef>
+      <a:fillRef idx="1">
+        <a:scrgbClr r="0" g="0" b="0"/>
+      </a:fillRef>
+      <a:effectRef idx="0">
+        <a:scrgbClr r="0" g="0" b="0"/>
+      </a:effectRef>
+      <a:fontRef idx="minor"/>
+    </dgm:style>
+  </dgm:styleLbl>
+  <dgm:styleLbl name="bgAcc1">
+    <dgm:scene3d>
+      <a:camera prst="orthographicFront"/>
+      <a:lightRig rig="threePt" dir="t"/>
+    </dgm:scene3d>
+    <dgm:sp3d/>
+    <dgm:txPr/>
+    <dgm:style>
+      <a:lnRef idx="2">
+        <a:scrgbClr r="0" g="0" b="0"/>
+      </a:lnRef>
+      <a:fillRef idx="1">
+        <a:scrgbClr r="0" g="0" b="0"/>
+      </a:fillRef>
+      <a:effectRef idx="0">
+        <a:scrgbClr r="0" g="0" b="0"/>
+      </a:effectRef>
+      <a:fontRef idx="minor"/>
+    </dgm:style>
+  </dgm:styleLbl>
+  <dgm:styleLbl name="solidFgAcc1">
+    <dgm:scene3d>
+      <a:camera prst="orthographicFront"/>
+      <a:lightRig rig="threePt" dir="t"/>
+    </dgm:scene3d>
+    <dgm:sp3d/>
+    <dgm:txPr/>
+    <dgm:style>
+      <a:lnRef idx="2">
+        <a:scrgbClr r="0" g="0" b="0"/>
+      </a:lnRef>
+      <a:fillRef idx="1">
+        <a:scrgbClr r="0" g="0" b="0"/>
+      </a:fillRef>
+      <a:effectRef idx="0">
+        <a:scrgbClr r="0" g="0" b="0"/>
+      </a:effectRef>
+      <a:fontRef idx="minor"/>
+    </dgm:style>
+  </dgm:styleLbl>
+  <dgm:styleLbl name="solidAlignAcc1">
+    <dgm:scene3d>
+      <a:camera prst="orthographicFront"/>
+      <a:lightRig rig="threePt" dir="t"/>
+    </dgm:scene3d>
+    <dgm:sp3d/>
+    <dgm:txPr/>
+    <dgm:style>
+      <a:lnRef idx="2">
+        <a:scrgbClr r="0" g="0" b="0"/>
+      </a:lnRef>
+      <a:fillRef idx="1">
+        <a:scrgbClr r="0" g="0" b="0"/>
+      </a:fillRef>
+      <a:effectRef idx="0">
+        <a:scrgbClr r="0" g="0" b="0"/>
+      </a:effectRef>
+      <a:fontRef idx="minor"/>
+    </dgm:style>
+  </dgm:styleLbl>
+  <dgm:styleLbl name="solidBgAcc1">
+    <dgm:scene3d>
+      <a:camera prst="orthographicFront"/>
+      <a:lightRig rig="threePt" dir="t"/>
+    </dgm:scene3d>
+    <dgm:sp3d/>
+    <dgm:txPr/>
+    <dgm:style>
+      <a:lnRef idx="2">
+        <a:scrgbClr r="0" g="0" b="0"/>
+      </a:lnRef>
+      <a:fillRef idx="1">
+        <a:scrgbClr r="0" g="0" b="0"/>
+      </a:fillRef>
+      <a:effectRef idx="0">
+        <a:scrgbClr r="0" g="0" b="0"/>
+      </a:effectRef>
+      <a:fontRef idx="minor"/>
+    </dgm:style>
+  </dgm:styleLbl>
+  <dgm:styleLbl name="fgAccFollowNode1">
+    <dgm:scene3d>
+      <a:camera prst="orthographicFront"/>
+      <a:lightRig rig="threePt" dir="t"/>
+    </dgm:scene3d>
+    <dgm:sp3d/>
+    <dgm:txPr/>
+    <dgm:style>
+      <a:lnRef idx="2">
+        <a:scrgbClr r="0" g="0" b="0"/>
+      </a:lnRef>
+      <a:fillRef idx="1">
+        <a:scrgbClr r="0" g="0" b="0"/>
+      </a:fillRef>
+      <a:effectRef idx="0">
+        <a:scrgbClr r="0" g="0" b="0"/>
+      </a:effectRef>
+      <a:fontRef idx="minor"/>
+    </dgm:style>
+  </dgm:styleLbl>
+  <dgm:styleLbl name="alignAccFollowNode1">
+    <dgm:scene3d>
+      <a:camera prst="orthographicFront"/>
+      <a:lightRig rig="threePt" dir="t"/>
+    </dgm:scene3d>
+    <dgm:sp3d/>
+    <dgm:txPr/>
+    <dgm:style>
+      <a:lnRef idx="2">
+        <a:scrgbClr r="0" g="0" b="0"/>
+      </a:lnRef>
+      <a:fillRef idx="1">
+        <a:scrgbClr r="0" g="0" b="0"/>
+      </a:fillRef>
+      <a:effectRef idx="0">
+        <a:scrgbClr r="0" g="0" b="0"/>
+      </a:effectRef>
+      <a:fontRef idx="minor"/>
+    </dgm:style>
+  </dgm:styleLbl>
+  <dgm:styleLbl name="bgAccFollowNode1">
+    <dgm:scene3d>
+      <a:camera prst="orthographicFront"/>
+      <a:lightRig rig="threePt" dir="t"/>
+    </dgm:scene3d>
+    <dgm:sp3d/>
+    <dgm:txPr/>
+    <dgm:style>
+      <a:lnRef idx="2">
+        <a:scrgbClr r="0" g="0" b="0"/>
+      </a:lnRef>
+      <a:fillRef idx="1">
+        <a:scrgbClr r="0" g="0" b="0"/>
+      </a:fillRef>
+      <a:effectRef idx="0">
+        <a:scrgbClr r="0" g="0" b="0"/>
+      </a:effectRef>
+      <a:fontRef idx="minor"/>
+    </dgm:style>
+  </dgm:styleLbl>
+  <dgm:styleLbl name="fgAcc0">
+    <dgm:scene3d>
+      <a:camera prst="orthographicFront"/>
+      <a:lightRig rig="threePt" dir="t"/>
+    </dgm:scene3d>
+    <dgm:sp3d/>
+    <dgm:txPr/>
+    <dgm:style>
+      <a:lnRef idx="2">
+        <a:scrgbClr r="0" g="0" b="0"/>
+      </a:lnRef>
+      <a:fillRef idx="1">
+        <a:scrgbClr r="0" g="0" b="0"/>
+      </a:fillRef>
+      <a:effectRef idx="0">
+        <a:scrgbClr r="0" g="0" b="0"/>
+      </a:effectRef>
+      <a:fontRef idx="minor"/>
+    </dgm:style>
+  </dgm:styleLbl>
+  <dgm:styleLbl name="fgAcc2">
+    <dgm:scene3d>
+      <a:camera prst="orthographicFront"/>
+      <a:lightRig rig="threePt" dir="t"/>
+    </dgm:scene3d>
+    <dgm:sp3d/>
+    <dgm:txPr/>
+    <dgm:style>
+      <a:lnRef idx="2">
+        <a:scrgbClr r="0" g="0" b="0"/>
+      </a:lnRef>
+      <a:fillRef idx="1">
+        <a:scrgbClr r="0" g="0" b="0"/>
+      </a:fillRef>
+      <a:effectRef idx="0">
+        <a:scrgbClr r="0" g="0" b="0"/>
+      </a:effectRef>
+      <a:fontRef idx="minor"/>
+    </dgm:style>
+  </dgm:styleLbl>
+  <dgm:styleLbl name="fgAcc3">
+    <dgm:scene3d>
+      <a:camera prst="orthographicFront"/>
+      <a:lightRig rig="threePt" dir="t"/>
+    </dgm:scene3d>
+    <dgm:sp3d/>
+    <dgm:txPr/>
+    <dgm:style>
+      <a:lnRef idx="2">
+        <a:scrgbClr r="0" g="0" b="0"/>
+      </a:lnRef>
+      <a:fillRef idx="1">
+        <a:scrgbClr r="0" g="0" b="0"/>
+      </a:fillRef>
+      <a:effectRef idx="0">
+        <a:scrgbClr r="0" g="0" b="0"/>
+      </a:effectRef>
+      <a:fontRef idx="minor"/>
+    </dgm:style>
+  </dgm:styleLbl>
+  <dgm:styleLbl name="fgAcc4">
+    <dgm:scene3d>
+      <a:camera prst="orthographicFront"/>
+      <a:lightRig rig="threePt" dir="t"/>
+    </dgm:scene3d>
+    <dgm:sp3d/>
+    <dgm:txPr/>
+    <dgm:style>
+      <a:lnRef idx="2">
+        <a:scrgbClr r="0" g="0" b="0"/>
+      </a:lnRef>
+      <a:fillRef idx="1">
+        <a:scrgbClr r="0" g="0" b="0"/>
+      </a:fillRef>
+      <a:effectRef idx="0">
+        <a:scrgbClr r="0" g="0" b="0"/>
+      </a:effectRef>
+      <a:fontRef idx="minor"/>
+    </dgm:style>
+  </dgm:styleLbl>
+  <dgm:styleLbl name="bgShp">
+    <dgm:scene3d>
+      <a:camera prst="orthographicFront"/>
+      <a:lightRig rig="threePt" dir="t"/>
+    </dgm:scene3d>
+    <dgm:sp3d/>
+    <dgm:txPr/>
+    <dgm:style>
+      <a:lnRef idx="0">
+        <a:scrgbClr r="0" g="0" b="0"/>
+      </a:lnRef>
+      <a:fillRef idx="1">
+        <a:scrgbClr r="0" g="0" b="0"/>
+      </a:fillRef>
+      <a:effectRef idx="0">
+        <a:scrgbClr r="0" g="0" b="0"/>
+      </a:effectRef>
+      <a:fontRef idx="minor"/>
+    </dgm:style>
+  </dgm:styleLbl>
+  <dgm:styleLbl name="dkBgShp">
+    <dgm:scene3d>
+      <a:camera prst="orthographicFront"/>
+      <a:lightRig rig="threePt" dir="t"/>
+    </dgm:scene3d>
+    <dgm:sp3d/>
+    <dgm:txPr/>
+    <dgm:style>
+      <a:lnRef idx="0">
+        <a:scrgbClr r="0" g="0" b="0"/>
+      </a:lnRef>
+      <a:fillRef idx="1">
+        <a:scrgbClr r="0" g="0" b="0"/>
+      </a:fillRef>
+      <a:effectRef idx="0">
+        <a:scrgbClr r="0" g="0" b="0"/>
+      </a:effectRef>
+      <a:fontRef idx="minor"/>
+    </dgm:style>
+  </dgm:styleLbl>
+  <dgm:styleLbl name="trBgShp">
+    <dgm:scene3d>
+      <a:camera prst="orthographicFront"/>
+      <a:lightRig rig="threePt" dir="t"/>
+    </dgm:scene3d>
+    <dgm:sp3d/>
+    <dgm:txPr/>
+    <dgm:style>
+      <a:lnRef idx="0">
+        <a:scrgbClr r="0" g="0" b="0"/>
+      </a:lnRef>
+      <a:fillRef idx="1">
+        <a:scrgbClr r="0" g="0" b="0"/>
+      </a:fillRef>
+      <a:effectRef idx="0">
+        <a:scrgbClr r="0" g="0" b="0"/>
+      </a:effectRef>
+      <a:fontRef idx="minor"/>
+    </dgm:style>
+  </dgm:styleLbl>
+  <dgm:styleLbl name="fgShp">
+    <dgm:scene3d>
+      <a:camera prst="orthographicFront"/>
+      <a:lightRig rig="threePt" dir="t"/>
+    </dgm:scene3d>
+    <dgm:sp3d/>
+    <dgm:txPr/>
+    <dgm:style>
+      <a:lnRef idx="2">
+        <a:scrgbClr r="0" g="0" b="0"/>
+      </a:lnRef>
+      <a:fillRef idx="1">
+        <a:scrgbClr r="0" g="0" b="0"/>
+      </a:fillRef>
+      <a:effectRef idx="0">
+        <a:scrgbClr r="0" g="0" b="0"/>
+      </a:effectRef>
+      <a:fontRef idx="minor"/>
+    </dgm:style>
+  </dgm:styleLbl>
+  <dgm:styleLbl name="revTx">
+    <dgm:scene3d>
+      <a:camera prst="orthographicFront"/>
+      <a:lightRig rig="threePt" dir="t"/>
+    </dgm:scene3d>
+    <dgm:sp3d/>
+    <dgm:txPr/>
+    <dgm:style>
+      <a:lnRef idx="0">
+        <a:scrgbClr r="0" g="0" b="0"/>
+      </a:lnRef>
+      <a:fillRef idx="0">
+        <a:scrgbClr r="0" g="0" b="0"/>
+      </a:fillRef>
+      <a:effectRef idx="0">
+        <a:scrgbClr r="0" g="0" b="0"/>
+      </a:effectRef>
+      <a:fontRef idx="minor"/>
+    </dgm:style>
+  </dgm:styleLbl>
+</dgm:styleDef>
+</file>
+
 <file path=ppt/notesMasters/notesMaster1.xml><?xml version="1.0" encoding="utf-8"?>
 <p:notesMaster xmlns:a="http://schemas.openxmlformats.org/drawingml/2006/main" xmlns:r="http://schemas.openxmlformats.org/officeDocument/2006/relationships" xmlns:p="http://schemas.openxmlformats.org/presentationml/2006/main">
   <p:cSld>
@@ -3370,7 +6204,7 @@
           <a:p>
             <a:fld id="{5891CBA4-1650-4CCB-950D-5089E49CDEA0}" type="datetimeFigureOut">
               <a:rPr lang="ko-KR" altLang="en-US" smtClean="0"/>
-              <a:t>2024-04-26</a:t>
+              <a:t>2024-04-29</a:t>
             </a:fld>
             <a:endParaRPr lang="ko-KR" altLang="en-US"/>
           </a:p>
@@ -3912,7 +6746,7 @@
           <a:p>
             <a:fld id="{AF27530F-C173-4D31-9E53-9F9EE5695ED1}" type="datetimeFigureOut">
               <a:rPr lang="ko-KR" altLang="en-US" smtClean="0"/>
-              <a:t>2024-04-26</a:t>
+              <a:t>2024-04-29</a:t>
             </a:fld>
             <a:endParaRPr lang="ko-KR" altLang="en-US"/>
           </a:p>
@@ -4333,7 +7167,7 @@
           <a:p>
             <a:fld id="{AF27530F-C173-4D31-9E53-9F9EE5695ED1}" type="datetimeFigureOut">
               <a:rPr lang="ko-KR" altLang="en-US" smtClean="0"/>
-              <a:t>2024-04-26</a:t>
+              <a:t>2024-04-29</a:t>
             </a:fld>
             <a:endParaRPr lang="ko-KR" altLang="en-US"/>
           </a:p>
@@ -4669,7 +7503,7 @@
           <a:p>
             <a:fld id="{AF27530F-C173-4D31-9E53-9F9EE5695ED1}" type="datetimeFigureOut">
               <a:rPr lang="ko-KR" altLang="en-US" smtClean="0"/>
-              <a:t>2024-04-26</a:t>
+              <a:t>2024-04-29</a:t>
             </a:fld>
             <a:endParaRPr lang="ko-KR" altLang="en-US"/>
           </a:p>
@@ -5074,7 +7908,7 @@
           <a:p>
             <a:fld id="{AF27530F-C173-4D31-9E53-9F9EE5695ED1}" type="datetimeFigureOut">
               <a:rPr lang="ko-KR" altLang="en-US" smtClean="0"/>
-              <a:t>2024-04-26</a:t>
+              <a:t>2024-04-29</a:t>
             </a:fld>
             <a:endParaRPr lang="ko-KR" altLang="en-US"/>
           </a:p>
@@ -5642,7 +8476,7 @@
           <a:p>
             <a:fld id="{AF27530F-C173-4D31-9E53-9F9EE5695ED1}" type="datetimeFigureOut">
               <a:rPr lang="ko-KR" altLang="en-US" smtClean="0"/>
-              <a:t>2024-04-26</a:t>
+              <a:t>2024-04-29</a:t>
             </a:fld>
             <a:endParaRPr lang="ko-KR" altLang="en-US"/>
           </a:p>
@@ -6323,7 +9157,7 @@
           <a:p>
             <a:fld id="{AF27530F-C173-4D31-9E53-9F9EE5695ED1}" type="datetimeFigureOut">
               <a:rPr lang="ko-KR" altLang="en-US" smtClean="0"/>
-              <a:t>2024-04-26</a:t>
+              <a:t>2024-04-29</a:t>
             </a:fld>
             <a:endParaRPr lang="ko-KR" altLang="en-US"/>
           </a:p>
@@ -7315,7 +10149,7 @@
           <a:p>
             <a:fld id="{AF27530F-C173-4D31-9E53-9F9EE5695ED1}" type="datetimeFigureOut">
               <a:rPr lang="ko-KR" altLang="en-US" smtClean="0"/>
-              <a:t>2024-04-26</a:t>
+              <a:t>2024-04-29</a:t>
             </a:fld>
             <a:endParaRPr lang="ko-KR" altLang="en-US"/>
           </a:p>
@@ -7628,7 +10462,7 @@
           <a:p>
             <a:fld id="{AF27530F-C173-4D31-9E53-9F9EE5695ED1}" type="datetimeFigureOut">
               <a:rPr lang="ko-KR" altLang="en-US" smtClean="0"/>
-              <a:t>2024-04-26</a:t>
+              <a:t>2024-04-29</a:t>
             </a:fld>
             <a:endParaRPr lang="ko-KR" altLang="en-US"/>
           </a:p>
@@ -7892,7 +10726,7 @@
           <a:p>
             <a:fld id="{AF27530F-C173-4D31-9E53-9F9EE5695ED1}" type="datetimeFigureOut">
               <a:rPr lang="ko-KR" altLang="en-US" smtClean="0"/>
-              <a:t>2024-04-26</a:t>
+              <a:t>2024-04-29</a:t>
             </a:fld>
             <a:endParaRPr lang="ko-KR" altLang="en-US"/>
           </a:p>
@@ -8215,7 +11049,7 @@
           <a:p>
             <a:fld id="{AF27530F-C173-4D31-9E53-9F9EE5695ED1}" type="datetimeFigureOut">
               <a:rPr lang="ko-KR" altLang="en-US" smtClean="0"/>
-              <a:t>2024-04-26</a:t>
+              <a:t>2024-04-29</a:t>
             </a:fld>
             <a:endParaRPr lang="ko-KR" altLang="en-US"/>
           </a:p>
@@ -8683,7 +11517,7 @@
           <a:p>
             <a:fld id="{AF27530F-C173-4D31-9E53-9F9EE5695ED1}" type="datetimeFigureOut">
               <a:rPr lang="ko-KR" altLang="en-US" smtClean="0"/>
-              <a:t>2024-04-26</a:t>
+              <a:t>2024-04-29</a:t>
             </a:fld>
             <a:endParaRPr lang="ko-KR" altLang="en-US"/>
           </a:p>
@@ -9070,7 +11904,7 @@
           <a:p>
             <a:fld id="{AF27530F-C173-4D31-9E53-9F9EE5695ED1}" type="datetimeFigureOut">
               <a:rPr lang="ko-KR" altLang="en-US" smtClean="0"/>
-              <a:t>2024-04-26</a:t>
+              <a:t>2024-04-29</a:t>
             </a:fld>
             <a:endParaRPr lang="ko-KR" altLang="en-US"/>
           </a:p>
@@ -9655,7 +12489,7 @@
           <a:p>
             <a:fld id="{AF27530F-C173-4D31-9E53-9F9EE5695ED1}" type="datetimeFigureOut">
               <a:rPr lang="ko-KR" altLang="en-US" smtClean="0"/>
-              <a:t>2024-04-26</a:t>
+              <a:t>2024-04-29</a:t>
             </a:fld>
             <a:endParaRPr lang="ko-KR" altLang="en-US"/>
           </a:p>
@@ -9919,7 +12753,7 @@
           <a:p>
             <a:fld id="{AF27530F-C173-4D31-9E53-9F9EE5695ED1}" type="datetimeFigureOut">
               <a:rPr lang="ko-KR" altLang="en-US" smtClean="0"/>
-              <a:t>2024-04-26</a:t>
+              <a:t>2024-04-29</a:t>
             </a:fld>
             <a:endParaRPr lang="ko-KR" altLang="en-US"/>
           </a:p>
@@ -10089,7 +12923,7 @@
           <a:p>
             <a:fld id="{AF27530F-C173-4D31-9E53-9F9EE5695ED1}" type="datetimeFigureOut">
               <a:rPr lang="ko-KR" altLang="en-US" smtClean="0"/>
-              <a:t>2024-04-26</a:t>
+              <a:t>2024-04-29</a:t>
             </a:fld>
             <a:endParaRPr lang="ko-KR" altLang="en-US"/>
           </a:p>
@@ -10558,7 +13392,7 @@
           <a:p>
             <a:fld id="{AF27530F-C173-4D31-9E53-9F9EE5695ED1}" type="datetimeFigureOut">
               <a:rPr lang="ko-KR" altLang="en-US" smtClean="0"/>
-              <a:t>2024-04-26</a:t>
+              <a:t>2024-04-29</a:t>
             </a:fld>
             <a:endParaRPr lang="ko-KR" altLang="en-US"/>
           </a:p>
@@ -10974,7 +13808,7 @@
           <a:p>
             <a:fld id="{AF27530F-C173-4D31-9E53-9F9EE5695ED1}" type="datetimeFigureOut">
               <a:rPr lang="ko-KR" altLang="en-US" smtClean="0"/>
-              <a:t>2024-04-26</a:t>
+              <a:t>2024-04-29</a:t>
             </a:fld>
             <a:endParaRPr lang="ko-KR" altLang="en-US"/>
           </a:p>
@@ -11225,7 +14059,7 @@
           <a:p>
             <a:fld id="{AF27530F-C173-4D31-9E53-9F9EE5695ED1}" type="datetimeFigureOut">
               <a:rPr lang="ko-KR" altLang="en-US" smtClean="0"/>
-              <a:t>2024-04-26</a:t>
+              <a:t>2024-04-29</a:t>
             </a:fld>
             <a:endParaRPr lang="ko-KR" altLang="en-US"/>
           </a:p>
@@ -31549,15 +34383,7 @@
                             <a:schemeClr val="bg1"/>
                           </a:solidFill>
                         </a:rPr>
-                        <a:t> </a:t>
-                      </a:r>
-                      <a:r>
-                        <a:rPr lang="ko-KR" altLang="en-US" sz="1200" dirty="0" smtClean="0">
-                          <a:solidFill>
-                            <a:schemeClr val="bg1"/>
-                          </a:solidFill>
-                        </a:rPr>
-                        <a:t>행렬의 구조와 인덱스 번호</a:t>
+                        <a:t> 행렬의 구조와 인덱스 번호</a:t>
                       </a:r>
                       <a:endParaRPr lang="ko-KR" altLang="en-US" sz="1200" dirty="0">
                         <a:solidFill>
@@ -32700,11 +35526,6 @@
                         </a:rPr>
                         <a:t> 대입할 값만 입력하기</a:t>
                       </a:r>
-                      <a:endParaRPr lang="ko-KR" altLang="en-US" sz="1050" b="1" dirty="0" smtClean="0">
-                        <a:solidFill>
-                          <a:schemeClr val="bg1"/>
-                        </a:solidFill>
-                      </a:endParaRPr>
                     </a:p>
                   </a:txBody>
                   <a:tcPr anchor="ctr"/>
@@ -32950,11 +35771,6 @@
                         </a:rPr>
                         <a:t>대입할 값만 입력하기</a:t>
                       </a:r>
-                      <a:endParaRPr lang="ko-KR" altLang="en-US" sz="1050" b="1" dirty="0" smtClean="0">
-                        <a:solidFill>
-                          <a:schemeClr val="bg1"/>
-                        </a:solidFill>
-                      </a:endParaRPr>
                     </a:p>
                   </a:txBody>
                   <a:tcPr anchor="ctr"/>
@@ -33264,8 +36080,8 @@
         </p:nvSpPr>
         <p:spPr>
           <a:xfrm>
-            <a:off x="0" y="2003367"/>
-            <a:ext cx="10057561" cy="1200329"/>
+            <a:off x="176720" y="2205555"/>
+            <a:ext cx="4372495" cy="1600438"/>
           </a:xfrm>
           <a:prstGeom prst="rect">
             <a:avLst/>
@@ -33273,13 +36089,17 @@
           <a:noFill/>
         </p:spPr>
         <p:txBody>
-          <a:bodyPr wrap="none" rtlCol="0">
+          <a:bodyPr wrap="square" rtlCol="0">
             <a:spAutoFit/>
           </a:bodyPr>
           <a:lstStyle/>
           <a:p>
-            <a:r>
-              <a:rPr lang="en-US" altLang="ko-KR" dirty="0" smtClean="0">
+            <a:pPr marL="285750" indent="-285750">
+              <a:buFont typeface="Wingdings" panose="05000000000000000000" pitchFamily="2" charset="2"/>
+              <a:buChar char="v"/>
+            </a:pPr>
+            <a:r>
+              <a:rPr lang="en-US" altLang="ko-KR" sz="1400" dirty="0" smtClean="0">
                 <a:solidFill>
                   <a:schemeClr val="bg1"/>
                 </a:solidFill>
@@ -33287,7 +36107,7 @@
               <a:t>2</a:t>
             </a:r>
             <a:r>
-              <a:rPr lang="ko-KR" altLang="en-US" dirty="0" smtClean="0">
+              <a:rPr lang="ko-KR" altLang="en-US" sz="1400" dirty="0" smtClean="0">
                 <a:solidFill>
                   <a:schemeClr val="bg1"/>
                 </a:solidFill>
@@ -33295,7 +36115,7 @@
               <a:t>차원 배열은 가로</a:t>
             </a:r>
             <a:r>
-              <a:rPr lang="en-US" altLang="ko-KR" dirty="0" smtClean="0">
+              <a:rPr lang="en-US" altLang="ko-KR" sz="1400" dirty="0" smtClean="0">
                 <a:solidFill>
                   <a:schemeClr val="bg1"/>
                 </a:solidFill>
@@ -33303,7 +36123,7 @@
               <a:t>,</a:t>
             </a:r>
             <a:r>
-              <a:rPr lang="ko-KR" altLang="en-US" dirty="0" smtClean="0">
+              <a:rPr lang="ko-KR" altLang="en-US" sz="1400" dirty="0" smtClean="0">
                 <a:solidFill>
                   <a:schemeClr val="bg1"/>
                 </a:solidFill>
@@ -33311,7 +36131,7 @@
               <a:t>세로 방향으로 데이터가 분포되어 있어 </a:t>
             </a:r>
             <a:r>
-              <a:rPr lang="en-US" altLang="ko-KR" dirty="0" smtClean="0">
+              <a:rPr lang="en-US" altLang="ko-KR" sz="1400" dirty="0" smtClean="0">
                 <a:solidFill>
                   <a:schemeClr val="bg1"/>
                 </a:solidFill>
@@ -33319,7 +36139,7 @@
               <a:t>2</a:t>
             </a:r>
             <a:r>
-              <a:rPr lang="ko-KR" altLang="en-US" dirty="0" smtClean="0">
+              <a:rPr lang="ko-KR" altLang="en-US" sz="1400" dirty="0" smtClean="0">
                 <a:solidFill>
                   <a:schemeClr val="bg1"/>
                 </a:solidFill>
@@ -33327,7 +36147,55 @@
               <a:t>개의 인덱스를 사용한다</a:t>
             </a:r>
             <a:r>
-              <a:rPr lang="en-US" altLang="ko-KR" dirty="0" smtClean="0">
+              <a:rPr lang="en-US" altLang="ko-KR" sz="1400" dirty="0" smtClean="0">
+                <a:solidFill>
+                  <a:schemeClr val="bg1"/>
+                </a:solidFill>
+              </a:rPr>
+              <a:t>. </a:t>
+            </a:r>
+            <a:r>
+              <a:rPr lang="ko-KR" altLang="en-US" sz="1400" dirty="0" smtClean="0">
+                <a:solidFill>
+                  <a:schemeClr val="bg1"/>
+                </a:solidFill>
+              </a:rPr>
+              <a:t>따라서 </a:t>
+            </a:r>
+            <a:r>
+              <a:rPr lang="en-US" altLang="ko-KR" sz="1400" dirty="0" smtClean="0">
+                <a:solidFill>
+                  <a:schemeClr val="bg1"/>
+                </a:solidFill>
+              </a:rPr>
+              <a:t>2</a:t>
+            </a:r>
+            <a:r>
+              <a:rPr lang="ko-KR" altLang="en-US" sz="1400" dirty="0" smtClean="0">
+                <a:solidFill>
+                  <a:schemeClr val="bg1"/>
+                </a:solidFill>
+              </a:rPr>
+              <a:t>차원 배열의 모든 데이터를 출력하기 위해서는 기본적으로 이중 </a:t>
+            </a:r>
+            <a:r>
+              <a:rPr lang="en-US" altLang="ko-KR" sz="1400" dirty="0" smtClean="0">
+                <a:solidFill>
+                  <a:schemeClr val="bg1"/>
+                </a:solidFill>
+              </a:rPr>
+              <a:t>for </a:t>
+            </a:r>
+            <a:r>
+              <a:rPr lang="ko-KR" altLang="en-US" sz="1400" dirty="0" smtClean="0">
+                <a:solidFill>
+                  <a:schemeClr val="bg1"/>
+                </a:solidFill>
+              </a:rPr>
+              <a:t>문을 사용해야 한다</a:t>
+            </a:r>
+            <a:r>
+              <a:rPr lang="en-US" altLang="ko-KR" sz="1400" dirty="0" smtClean="0">
                 <a:solidFill>
                   <a:schemeClr val="bg1"/>
                 </a:solidFill>
@@ -33337,65 +36205,70 @@
           </a:p>
           <a:p>
             <a:r>
-              <a:rPr lang="ko-KR" altLang="en-US" dirty="0" smtClean="0">
-                <a:solidFill>
-                  <a:schemeClr val="bg1"/>
-                </a:solidFill>
-              </a:rPr>
-              <a:t>따라서 </a:t>
-            </a:r>
-            <a:r>
-              <a:rPr lang="en-US" altLang="ko-KR" dirty="0" smtClean="0">
-                <a:solidFill>
-                  <a:schemeClr val="bg1"/>
-                </a:solidFill>
-              </a:rPr>
-              <a:t>2</a:t>
-            </a:r>
-            <a:r>
-              <a:rPr lang="ko-KR" altLang="en-US" dirty="0" smtClean="0">
-                <a:solidFill>
-                  <a:schemeClr val="bg1"/>
-                </a:solidFill>
-              </a:rPr>
-              <a:t>차원 배열의 모든 데이터를 출력하기 위해서는 기본적으로 이중 </a:t>
-            </a:r>
-            <a:r>
-              <a:rPr lang="en-US" altLang="ko-KR" dirty="0" smtClean="0">
-                <a:solidFill>
-                  <a:schemeClr val="bg1"/>
-                </a:solidFill>
-              </a:rPr>
-              <a:t>for </a:t>
-            </a:r>
-            <a:r>
-              <a:rPr lang="ko-KR" altLang="en-US" dirty="0" smtClean="0">
-                <a:solidFill>
-                  <a:schemeClr val="bg1"/>
-                </a:solidFill>
-              </a:rPr>
-              <a:t>문을 사용해야 한다</a:t>
-            </a:r>
-            <a:r>
-              <a:rPr lang="en-US" altLang="ko-KR" dirty="0" smtClean="0">
-                <a:solidFill>
-                  <a:schemeClr val="bg1"/>
-                </a:solidFill>
-              </a:rPr>
-              <a:t>.</a:t>
-            </a:r>
+              <a:rPr lang="en-US" altLang="ko-KR" sz="1400" dirty="0" smtClean="0">
+                <a:solidFill>
+                  <a:schemeClr val="bg1"/>
+                </a:solidFill>
+              </a:rPr>
+              <a:t>-    </a:t>
+            </a:r>
+            <a:r>
+              <a:rPr lang="ko-KR" altLang="en-US" sz="1400" dirty="0" smtClean="0">
+                <a:solidFill>
+                  <a:schemeClr val="bg1"/>
+                </a:solidFill>
+              </a:rPr>
+              <a:t>바깥쪽 </a:t>
+            </a:r>
+            <a:r>
+              <a:rPr lang="en-US" altLang="ko-KR" sz="1400" dirty="0" smtClean="0">
+                <a:solidFill>
+                  <a:schemeClr val="bg1"/>
+                </a:solidFill>
+              </a:rPr>
+              <a:t>for</a:t>
+            </a:r>
+            <a:r>
+              <a:rPr lang="ko-KR" altLang="en-US" sz="1400" dirty="0" smtClean="0">
+                <a:solidFill>
+                  <a:schemeClr val="bg1"/>
+                </a:solidFill>
+              </a:rPr>
+              <a:t>문에는 행의 개수를 나타내는 </a:t>
+            </a:r>
+            <a:r>
+              <a:rPr lang="en-US" altLang="ko-KR" sz="1400" dirty="0" err="1" smtClean="0">
+                <a:solidFill>
+                  <a:schemeClr val="bg1"/>
+                </a:solidFill>
+              </a:rPr>
+              <a:t>a.length</a:t>
+            </a:r>
+            <a:endParaRPr lang="en-US" altLang="ko-KR" sz="1400" dirty="0" smtClean="0">
+              <a:solidFill>
+                <a:schemeClr val="bg1"/>
+              </a:solidFill>
+            </a:endParaRPr>
           </a:p>
           <a:p>
             <a:r>
-              <a:rPr lang="ko-KR" altLang="en-US" dirty="0" smtClean="0">
-                <a:solidFill>
-                  <a:schemeClr val="bg1"/>
-                </a:solidFill>
-              </a:rPr>
-              <a:t>바깥쪽 </a:t>
-            </a:r>
-            <a:r>
-              <a:rPr lang="en-US" altLang="ko-KR" dirty="0" smtClean="0">
+              <a:rPr lang="en-US" altLang="ko-KR" sz="1400" dirty="0" smtClean="0">
+                <a:solidFill>
+                  <a:schemeClr val="bg1"/>
+                </a:solidFill>
+              </a:rPr>
+              <a:t>-    </a:t>
+            </a:r>
+            <a:r>
+              <a:rPr lang="ko-KR" altLang="en-US" sz="1400" dirty="0" smtClean="0">
+                <a:solidFill>
+                  <a:schemeClr val="bg1"/>
+                </a:solidFill>
+              </a:rPr>
+              <a:t>안쪽 </a:t>
+            </a:r>
+            <a:r>
+              <a:rPr lang="en-US" altLang="ko-KR" sz="1400" dirty="0" smtClean="0">
                 <a:solidFill>
                   <a:schemeClr val="bg1"/>
                 </a:solidFill>
@@ -33403,65 +36276,46 @@
               <a:t>for</a:t>
             </a:r>
             <a:r>
-              <a:rPr lang="ko-KR" altLang="en-US" dirty="0" smtClean="0">
-                <a:solidFill>
-                  <a:schemeClr val="bg1"/>
-                </a:solidFill>
-              </a:rPr>
-              <a:t>문에는 행의 개수를 나타내는 </a:t>
-            </a:r>
-            <a:r>
-              <a:rPr lang="en-US" altLang="ko-KR" dirty="0" err="1" smtClean="0">
-                <a:solidFill>
-                  <a:schemeClr val="bg1"/>
-                </a:solidFill>
-              </a:rPr>
-              <a:t>a.length</a:t>
-            </a:r>
-            <a:r>
-              <a:rPr lang="en-US" altLang="ko-KR" dirty="0" smtClean="0">
-                <a:solidFill>
-                  <a:schemeClr val="bg1"/>
-                </a:solidFill>
-              </a:rPr>
-              <a:t>,</a:t>
-            </a:r>
-          </a:p>
-          <a:p>
-            <a:r>
-              <a:rPr lang="ko-KR" altLang="en-US" dirty="0" smtClean="0">
-                <a:solidFill>
-                  <a:schemeClr val="bg1"/>
-                </a:solidFill>
-              </a:rPr>
-              <a:t>안쪽 </a:t>
-            </a:r>
-            <a:r>
-              <a:rPr lang="en-US" altLang="ko-KR" dirty="0" smtClean="0">
-                <a:solidFill>
-                  <a:schemeClr val="bg1"/>
-                </a:solidFill>
-              </a:rPr>
-              <a:t>for</a:t>
-            </a:r>
-            <a:r>
-              <a:rPr lang="ko-KR" altLang="en-US" dirty="0" smtClean="0">
-                <a:solidFill>
-                  <a:schemeClr val="bg1"/>
-                </a:solidFill>
-              </a:rPr>
-              <a:t>문에는 각 행방 열의 개수를 나타내는  </a:t>
-            </a:r>
-            <a:r>
-              <a:rPr lang="en-US" altLang="ko-KR" dirty="0" smtClean="0">
-                <a:solidFill>
-                  <a:schemeClr val="bg1"/>
-                </a:solidFill>
-              </a:rPr>
-              <a:t>a[</a:t>
-            </a:r>
-            <a:r>
-              <a:rPr lang="en-US" altLang="ko-KR" dirty="0" err="1" smtClean="0">
+              <a:rPr lang="ko-KR" altLang="en-US" sz="1400" dirty="0" smtClean="0">
+                <a:solidFill>
+                  <a:schemeClr val="bg1"/>
+                </a:solidFill>
+              </a:rPr>
+              <a:t>문에는 각 행방 열의 개수를 </a:t>
+            </a:r>
+            <a:r>
+              <a:rPr lang="ko-KR" altLang="en-US" sz="1400" dirty="0" smtClean="0">
+                <a:solidFill>
+                  <a:schemeClr val="bg1"/>
+                </a:solidFill>
+              </a:rPr>
+              <a:t>나타내는</a:t>
+            </a:r>
+            <a:r>
+              <a:rPr lang="en-US" altLang="ko-KR" sz="1400" dirty="0" smtClean="0">
+                <a:solidFill>
+                  <a:schemeClr val="bg1"/>
+                </a:solidFill>
+              </a:rPr>
+              <a:t/>
+            </a:r>
+            <a:br>
+              <a:rPr lang="en-US" altLang="ko-KR" sz="1400" dirty="0" smtClean="0">
+                <a:solidFill>
+                  <a:schemeClr val="bg1"/>
+                </a:solidFill>
+              </a:rPr>
+            </a:br>
+            <a:r>
+              <a:rPr lang="en-US" altLang="ko-KR" sz="1400" dirty="0" smtClean="0">
+                <a:solidFill>
+                  <a:schemeClr val="bg1"/>
+                </a:solidFill>
+              </a:rPr>
+              <a:t>     a[</a:t>
+            </a:r>
+            <a:r>
+              <a:rPr lang="en-US" altLang="ko-KR" sz="1400" dirty="0" err="1" smtClean="0">
                 <a:solidFill>
                   <a:schemeClr val="bg1"/>
                 </a:solidFill>
@@ -33469,7 +36323,7 @@
               <a:t>i</a:t>
             </a:r>
             <a:r>
-              <a:rPr lang="en-US" altLang="ko-KR" dirty="0" smtClean="0">
+              <a:rPr lang="en-US" altLang="ko-KR" sz="1400" dirty="0" smtClean="0">
                 <a:solidFill>
                   <a:schemeClr val="bg1"/>
                 </a:solidFill>
@@ -33477,7 +36331,7 @@
               <a:t>].length</a:t>
             </a:r>
             <a:r>
-              <a:rPr lang="ko-KR" altLang="en-US" dirty="0" smtClean="0">
+              <a:rPr lang="ko-KR" altLang="en-US" sz="1400" dirty="0" smtClean="0">
                 <a:solidFill>
                   <a:schemeClr val="bg1"/>
                 </a:solidFill>
@@ -33485,7 +36339,7 @@
               <a:t>를</a:t>
             </a:r>
             <a:r>
-              <a:rPr lang="en-US" altLang="ko-KR" dirty="0" smtClean="0">
+              <a:rPr lang="en-US" altLang="ko-KR" sz="1400" dirty="0" smtClean="0">
                 <a:solidFill>
                   <a:schemeClr val="bg1"/>
                 </a:solidFill>
@@ -33493,14 +36347,14 @@
               <a:t> </a:t>
             </a:r>
             <a:r>
-              <a:rPr lang="ko-KR" altLang="en-US" dirty="0" smtClean="0">
+              <a:rPr lang="ko-KR" altLang="en-US" sz="1400" dirty="0" smtClean="0">
                 <a:solidFill>
                   <a:schemeClr val="bg1"/>
                 </a:solidFill>
               </a:rPr>
               <a:t>사용</a:t>
             </a:r>
-            <a:endParaRPr lang="ko-KR" altLang="en-US" dirty="0">
+            <a:endParaRPr lang="ko-KR" altLang="en-US" sz="1400" dirty="0">
               <a:solidFill>
                 <a:schemeClr val="bg1"/>
               </a:solidFill>
@@ -33508,6 +36362,54 @@
           </a:p>
         </p:txBody>
       </p:sp>
+      <p:pic>
+        <p:nvPicPr>
+          <p:cNvPr id="3" name="그림 2"/>
+          <p:cNvPicPr>
+            <a:picLocks noChangeAspect="1"/>
+          </p:cNvPicPr>
+          <p:nvPr/>
+        </p:nvPicPr>
+        <p:blipFill>
+          <a:blip r:embed="rId2"/>
+          <a:stretch>
+            <a:fillRect/>
+          </a:stretch>
+        </p:blipFill>
+        <p:spPr>
+          <a:xfrm>
+            <a:off x="166254" y="4177383"/>
+            <a:ext cx="4825691" cy="2100455"/>
+          </a:xfrm>
+          <a:prstGeom prst="rect">
+            <a:avLst/>
+          </a:prstGeom>
+        </p:spPr>
+      </p:pic>
+      <p:pic>
+        <p:nvPicPr>
+          <p:cNvPr id="5" name="그림 4"/>
+          <p:cNvPicPr>
+            <a:picLocks noChangeAspect="1"/>
+          </p:cNvPicPr>
+          <p:nvPr/>
+        </p:nvPicPr>
+        <p:blipFill>
+          <a:blip r:embed="rId3"/>
+          <a:stretch>
+            <a:fillRect/>
+          </a:stretch>
+        </p:blipFill>
+        <p:spPr>
+          <a:xfrm>
+            <a:off x="5487255" y="2205555"/>
+            <a:ext cx="4370073" cy="4072283"/>
+          </a:xfrm>
+          <a:prstGeom prst="rect">
+            <a:avLst/>
+          </a:prstGeom>
+        </p:spPr>
+      </p:pic>
     </p:spTree>
     <p:extLst>
       <p:ext uri="{BB962C8B-B14F-4D97-AF65-F5344CB8AC3E}">
@@ -34564,6 +37466,345 @@
       </p:par>
     </p:tnLst>
   </p:timing>
+</p:sld>
+</file>
+
+<file path=ppt/slides/slide30.xml><?xml version="1.0" encoding="utf-8"?>
+<p:sld xmlns:a="http://schemas.openxmlformats.org/drawingml/2006/main" xmlns:r="http://schemas.openxmlformats.org/officeDocument/2006/relationships" xmlns:p="http://schemas.openxmlformats.org/presentationml/2006/main">
+  <p:cSld>
+    <p:spTree>
+      <p:nvGrpSpPr>
+        <p:cNvPr id="1" name=""/>
+        <p:cNvGrpSpPr/>
+        <p:nvPr/>
+      </p:nvGrpSpPr>
+      <p:grpSpPr>
+        <a:xfrm>
+          <a:off x="0" y="0"/>
+          <a:ext cx="0" cy="0"/>
+          <a:chOff x="0" y="0"/>
+          <a:chExt cx="0" cy="0"/>
+        </a:xfrm>
+      </p:grpSpPr>
+      <p:sp>
+        <p:nvSpPr>
+          <p:cNvPr id="8" name="직사각형 7"/>
+          <p:cNvSpPr/>
+          <p:nvPr/>
+        </p:nvSpPr>
+        <p:spPr>
+          <a:xfrm>
+            <a:off x="357448" y="3200400"/>
+            <a:ext cx="5552901" cy="3208713"/>
+          </a:xfrm>
+          <a:prstGeom prst="rect">
+            <a:avLst/>
+          </a:prstGeom>
+          <a:noFill/>
+          <a:ln w="38100">
+            <a:solidFill>
+              <a:schemeClr val="bg1"/>
+            </a:solidFill>
+          </a:ln>
+        </p:spPr>
+        <p:style>
+          <a:lnRef idx="2">
+            <a:schemeClr val="accent1">
+              <a:shade val="50000"/>
+            </a:schemeClr>
+          </a:lnRef>
+          <a:fillRef idx="1">
+            <a:schemeClr val="accent1"/>
+          </a:fillRef>
+          <a:effectRef idx="0">
+            <a:schemeClr val="accent1"/>
+          </a:effectRef>
+          <a:fontRef idx="minor">
+            <a:schemeClr val="lt1"/>
+          </a:fontRef>
+        </p:style>
+        <p:txBody>
+          <a:bodyPr rtlCol="0" anchor="ctr"/>
+          <a:lstStyle/>
+          <a:p>
+            <a:pPr algn="ctr"/>
+            <a:endParaRPr lang="ko-KR" altLang="en-US"/>
+          </a:p>
+        </p:txBody>
+      </p:sp>
+      <p:sp>
+        <p:nvSpPr>
+          <p:cNvPr id="2" name="제목 1"/>
+          <p:cNvSpPr>
+            <a:spLocks noGrp="1"/>
+          </p:cNvSpPr>
+          <p:nvPr>
+            <p:ph type="title"/>
+          </p:nvPr>
+        </p:nvSpPr>
+        <p:spPr/>
+        <p:txBody>
+          <a:bodyPr/>
+          <a:lstStyle/>
+          <a:p>
+            <a:pPr algn="ctr"/>
+            <a:r>
+              <a:rPr lang="ko-KR" altLang="en-US" dirty="0" smtClean="0"/>
+              <a:t>문자열을 저장하는 </a:t>
+            </a:r>
+            <a:r>
+              <a:rPr lang="en-US" altLang="ko-KR" dirty="0" smtClean="0"/>
+              <a:t>String</a:t>
+            </a:r>
+            <a:endParaRPr lang="ko-KR" altLang="en-US" dirty="0"/>
+          </a:p>
+        </p:txBody>
+      </p:sp>
+      <p:graphicFrame>
+        <p:nvGraphicFramePr>
+          <p:cNvPr id="6" name="내용 개체 틀 5"/>
+          <p:cNvGraphicFramePr>
+            <a:graphicFrameLocks noGrp="1"/>
+          </p:cNvGraphicFramePr>
+          <p:nvPr>
+            <p:ph idx="1"/>
+            <p:extLst>
+              <p:ext uri="{D42A27DB-BD31-4B8C-83A1-F6EECF244321}">
+                <p14:modId xmlns:p14="http://schemas.microsoft.com/office/powerpoint/2010/main" val="75742364"/>
+              </p:ext>
+            </p:extLst>
+          </p:nvPr>
+        </p:nvGraphicFramePr>
+        <p:xfrm>
+          <a:off x="630449" y="3716713"/>
+          <a:ext cx="4863551" cy="2908531"/>
+        </p:xfrm>
+        <a:graphic>
+          <a:graphicData uri="http://schemas.openxmlformats.org/drawingml/2006/diagram">
+            <dgm:relIds xmlns:dgm="http://schemas.openxmlformats.org/drawingml/2006/diagram" xmlns:r="http://schemas.openxmlformats.org/officeDocument/2006/relationships" r:dm="rId2" r:lo="rId3" r:qs="rId4" r:cs="rId5"/>
+          </a:graphicData>
+        </a:graphic>
+      </p:graphicFrame>
+      <p:sp>
+        <p:nvSpPr>
+          <p:cNvPr id="7" name="TextBox 6"/>
+          <p:cNvSpPr txBox="1"/>
+          <p:nvPr/>
+        </p:nvSpPr>
+        <p:spPr>
+          <a:xfrm>
+            <a:off x="1224221" y="3272566"/>
+            <a:ext cx="3676006" cy="369332"/>
+          </a:xfrm>
+          <a:prstGeom prst="rect">
+            <a:avLst/>
+          </a:prstGeom>
+          <a:noFill/>
+        </p:spPr>
+        <p:txBody>
+          <a:bodyPr wrap="none" rtlCol="0">
+            <a:spAutoFit/>
+          </a:bodyPr>
+          <a:lstStyle/>
+          <a:p>
+            <a:r>
+              <a:rPr lang="en-US" altLang="ko-KR" dirty="0" smtClean="0">
+                <a:solidFill>
+                  <a:schemeClr val="bg1"/>
+                </a:solidFill>
+              </a:rPr>
+              <a:t>[ String </a:t>
+            </a:r>
+            <a:r>
+              <a:rPr lang="ko-KR" altLang="en-US" dirty="0" smtClean="0">
+                <a:solidFill>
+                  <a:schemeClr val="bg1"/>
+                </a:solidFill>
+              </a:rPr>
+              <a:t>클래스의 객체 생성 방법 </a:t>
+            </a:r>
+            <a:r>
+              <a:rPr lang="en-US" altLang="ko-KR" dirty="0" smtClean="0">
+                <a:solidFill>
+                  <a:schemeClr val="bg1"/>
+                </a:solidFill>
+              </a:rPr>
+              <a:t>]</a:t>
+            </a:r>
+            <a:endParaRPr lang="ko-KR" altLang="en-US" dirty="0">
+              <a:solidFill>
+                <a:schemeClr val="bg1"/>
+              </a:solidFill>
+            </a:endParaRPr>
+          </a:p>
+        </p:txBody>
+      </p:sp>
+      <p:sp>
+        <p:nvSpPr>
+          <p:cNvPr id="9" name="TextBox 8"/>
+          <p:cNvSpPr txBox="1"/>
+          <p:nvPr/>
+        </p:nvSpPr>
+        <p:spPr>
+          <a:xfrm>
+            <a:off x="274321" y="2479254"/>
+            <a:ext cx="4548040" cy="646331"/>
+          </a:xfrm>
+          <a:prstGeom prst="rect">
+            <a:avLst/>
+          </a:prstGeom>
+          <a:noFill/>
+        </p:spPr>
+        <p:txBody>
+          <a:bodyPr wrap="none" rtlCol="0">
+            <a:spAutoFit/>
+          </a:bodyPr>
+          <a:lstStyle/>
+          <a:p>
+            <a:r>
+              <a:rPr lang="ko-KR" altLang="en-US" dirty="0" smtClean="0"/>
+              <a:t>문자열은 반드시 큰따옴표</a:t>
+            </a:r>
+            <a:endParaRPr lang="en-US" altLang="ko-KR" dirty="0" smtClean="0"/>
+          </a:p>
+          <a:p>
+            <a:r>
+              <a:rPr lang="en-US" altLang="ko-KR" dirty="0" smtClean="0"/>
+              <a:t>( String a = “</a:t>
+            </a:r>
+            <a:r>
+              <a:rPr lang="ko-KR" altLang="en-US" dirty="0" smtClean="0"/>
+              <a:t>문자열</a:t>
+            </a:r>
+            <a:r>
+              <a:rPr lang="en-US" altLang="ko-KR" dirty="0" smtClean="0"/>
+              <a:t>”) </a:t>
+            </a:r>
+            <a:r>
+              <a:rPr lang="ko-KR" altLang="en-US" dirty="0" smtClean="0"/>
+              <a:t>안에</a:t>
+            </a:r>
+            <a:r>
+              <a:rPr lang="en-US" altLang="ko-KR" dirty="0"/>
+              <a:t> </a:t>
+            </a:r>
+            <a:r>
+              <a:rPr lang="ko-KR" altLang="en-US" dirty="0" smtClean="0"/>
+              <a:t>표기해야 한다</a:t>
+            </a:r>
+            <a:r>
+              <a:rPr lang="en-US" altLang="ko-KR" dirty="0" smtClean="0"/>
+              <a:t>.</a:t>
+            </a:r>
+            <a:endParaRPr lang="ko-KR" altLang="en-US" dirty="0"/>
+          </a:p>
+        </p:txBody>
+      </p:sp>
+      <p:sp>
+        <p:nvSpPr>
+          <p:cNvPr id="13" name="TextBox 12"/>
+          <p:cNvSpPr txBox="1"/>
+          <p:nvPr/>
+        </p:nvSpPr>
+        <p:spPr>
+          <a:xfrm>
+            <a:off x="5910349" y="2156088"/>
+            <a:ext cx="5776026" cy="1754326"/>
+          </a:xfrm>
+          <a:prstGeom prst="rect">
+            <a:avLst/>
+          </a:prstGeom>
+          <a:noFill/>
+        </p:spPr>
+        <p:txBody>
+          <a:bodyPr wrap="square" rtlCol="0">
+            <a:spAutoFit/>
+          </a:bodyPr>
+          <a:lstStyle/>
+          <a:p>
+            <a:pPr lvl="0"/>
+            <a:r>
+              <a:rPr lang="ko-KR" altLang="en-US" dirty="0" smtClean="0"/>
+              <a:t>특징 </a:t>
+            </a:r>
+            <a:r>
+              <a:rPr lang="en-US" altLang="ko-KR" dirty="0" smtClean="0"/>
+              <a:t>1. </a:t>
+            </a:r>
+            <a:r>
+              <a:rPr lang="ko-KR" altLang="en-US" dirty="0"/>
+              <a:t>객체 안의 값을 </a:t>
+            </a:r>
+            <a:r>
+              <a:rPr lang="ko-KR" altLang="en-US" dirty="0" smtClean="0"/>
+              <a:t>변경하면</a:t>
+            </a:r>
+            <a:r>
+              <a:rPr lang="en-US" altLang="ko-KR" dirty="0" smtClean="0"/>
+              <a:t> </a:t>
+            </a:r>
+            <a:r>
+              <a:rPr lang="ko-KR" altLang="en-US" dirty="0" smtClean="0"/>
+              <a:t>새로운 </a:t>
+            </a:r>
+            <a:r>
+              <a:rPr lang="ko-KR" altLang="en-US" dirty="0"/>
+              <a:t>객체를 생성</a:t>
+            </a:r>
+          </a:p>
+          <a:p>
+            <a:pPr lvl="0"/>
+            <a:r>
+              <a:rPr lang="en-US" altLang="ko-KR" dirty="0" smtClean="0"/>
+              <a:t>            </a:t>
+            </a:r>
+            <a:r>
+              <a:rPr lang="en-US" altLang="ko-KR" sz="1200" dirty="0" smtClean="0"/>
+              <a:t>::String </a:t>
+            </a:r>
+            <a:r>
+              <a:rPr lang="ko-KR" altLang="en-US" sz="1200" dirty="0"/>
+              <a:t>객체는 내부에 포함된 문자열을 변경할 수 없다</a:t>
+            </a:r>
+            <a:r>
+              <a:rPr lang="en-US" altLang="ko-KR" sz="1200" dirty="0" smtClean="0"/>
+              <a:t>.</a:t>
+            </a:r>
+          </a:p>
+          <a:p>
+            <a:pPr lvl="0"/>
+            <a:endParaRPr lang="ko-KR" altLang="en-US" dirty="0"/>
+          </a:p>
+          <a:p>
+            <a:pPr lvl="0"/>
+            <a:r>
+              <a:rPr lang="ko-KR" altLang="en-US" dirty="0" smtClean="0"/>
+              <a:t>특징 </a:t>
+            </a:r>
+            <a:r>
+              <a:rPr lang="en-US" altLang="ko-KR" dirty="0" smtClean="0"/>
+              <a:t>2. </a:t>
+            </a:r>
+            <a:r>
+              <a:rPr lang="ko-KR" altLang="en-US" dirty="0"/>
+              <a:t>리터럴을 바로 입력한 데이터는 문자열이 같을 때 하나의 객체를 공유</a:t>
+            </a:r>
+          </a:p>
+          <a:p>
+            <a:endParaRPr lang="ko-KR" altLang="en-US" dirty="0"/>
+          </a:p>
+        </p:txBody>
+      </p:sp>
+    </p:spTree>
+    <p:extLst>
+      <p:ext uri="{BB962C8B-B14F-4D97-AF65-F5344CB8AC3E}">
+        <p14:creationId xmlns:p14="http://schemas.microsoft.com/office/powerpoint/2010/main" val="969713430"/>
+      </p:ext>
+    </p:extLst>
+  </p:cSld>
+  <p:clrMapOvr>
+    <a:masterClrMapping/>
+  </p:clrMapOvr>
 </p:sld>
 </file>
 

--- a/study001/교육자료/Java.pptx
+++ b/study001/교육자료/Java.pptx
@@ -5,7 +5,7 @@
     <p:sldMasterId id="2147483934" r:id="rId1"/>
   </p:sldMasterIdLst>
   <p:notesMasterIdLst>
-    <p:notesMasterId r:id="rId32"/>
+    <p:notesMasterId r:id="rId33"/>
   </p:notesMasterIdLst>
   <p:sldIdLst>
     <p:sldId id="256" r:id="rId2"/>
@@ -38,6 +38,7 @@
     <p:sldId id="289" r:id="rId29"/>
     <p:sldId id="290" r:id="rId30"/>
     <p:sldId id="291" r:id="rId31"/>
+    <p:sldId id="292" r:id="rId32"/>
   </p:sldIdLst>
   <p:sldSz cx="12192000" cy="6858000"/>
   <p:notesSz cx="6858000" cy="9144000"/>
@@ -195,6 +196,7 @@
             <p14:sldId id="289"/>
             <p14:sldId id="290"/>
             <p14:sldId id="291"/>
+            <p14:sldId id="292"/>
           </p14:sldIdLst>
         </p14:section>
       </p14:sectionLst>
@@ -2419,6 +2421,14 @@
         </dgm:presLayoutVars>
       </dgm:prSet>
       <dgm:spPr/>
+      <dgm:t>
+        <a:bodyPr/>
+        <a:lstStyle/>
+        <a:p>
+          <a:pPr latinLnBrk="1"/>
+          <a:endParaRPr lang="ko-KR" altLang="en-US"/>
+        </a:p>
+      </dgm:t>
     </dgm:pt>
     <dgm:pt modelId="{75E61EE9-56F6-40E8-8A6E-C777AAE7A77F}" type="pres">
       <dgm:prSet presAssocID="{882FE601-C57F-4F19-A338-9B364D850FF0}" presName="parentText" presStyleLbl="node1" presStyleIdx="0" presStyleCnt="2">
@@ -36281,15 +36291,7 @@
                   <a:schemeClr val="bg1"/>
                 </a:solidFill>
               </a:rPr>
-              <a:t>문에는 각 행방 열의 개수를 </a:t>
-            </a:r>
-            <a:r>
-              <a:rPr lang="ko-KR" altLang="en-US" sz="1400" dirty="0" smtClean="0">
-                <a:solidFill>
-                  <a:schemeClr val="bg1"/>
-                </a:solidFill>
-              </a:rPr>
-              <a:t>나타내는</a:t>
+              <a:t>문에는 각 행방 열의 개수를 나타내는</a:t>
             </a:r>
             <a:r>
               <a:rPr lang="en-US" altLang="ko-KR" sz="1400" dirty="0" smtClean="0">
@@ -37708,8 +37710,8 @@
         </p:nvSpPr>
         <p:spPr>
           <a:xfrm>
-            <a:off x="5910349" y="2156088"/>
-            <a:ext cx="5776026" cy="1754326"/>
+            <a:off x="6183350" y="3200400"/>
+            <a:ext cx="4199247" cy="3108543"/>
           </a:xfrm>
           <a:prstGeom prst="rect">
             <a:avLst/>
@@ -37722,76 +37724,545 @@
           </a:bodyPr>
           <a:lstStyle/>
           <a:p>
-            <a:pPr lvl="0"/>
-            <a:r>
-              <a:rPr lang="ko-KR" altLang="en-US" dirty="0" smtClean="0"/>
+            <a:pPr marL="285750" lvl="0" indent="-285750">
+              <a:buFont typeface="Wingdings" panose="05000000000000000000" pitchFamily="2" charset="2"/>
+              <a:buChar char="v"/>
+            </a:pPr>
+            <a:r>
+              <a:rPr lang="ko-KR" altLang="en-US" sz="1400" dirty="0" smtClean="0"/>
               <a:t>특징 </a:t>
             </a:r>
             <a:r>
-              <a:rPr lang="en-US" altLang="ko-KR" dirty="0" smtClean="0"/>
-              <a:t>1. </a:t>
-            </a:r>
-            <a:r>
-              <a:rPr lang="ko-KR" altLang="en-US" dirty="0"/>
-              <a:t>객체 안의 값을 </a:t>
-            </a:r>
-            <a:r>
-              <a:rPr lang="ko-KR" altLang="en-US" dirty="0" smtClean="0"/>
-              <a:t>변경하면</a:t>
-            </a:r>
-            <a:r>
-              <a:rPr lang="en-US" altLang="ko-KR" dirty="0" smtClean="0"/>
-              <a:t> </a:t>
-            </a:r>
-            <a:r>
-              <a:rPr lang="ko-KR" altLang="en-US" dirty="0" smtClean="0"/>
-              <a:t>새로운 </a:t>
-            </a:r>
-            <a:r>
-              <a:rPr lang="ko-KR" altLang="en-US" dirty="0"/>
-              <a:t>객체를 생성</a:t>
-            </a:r>
+              <a:rPr lang="en-US" altLang="ko-KR" sz="1400" dirty="0" smtClean="0"/>
+              <a:t>1</a:t>
+            </a:r>
+            <a:r>
+              <a:rPr lang="en-US" altLang="ko-KR" sz="1400" dirty="0"/>
+              <a:t>)</a:t>
+            </a:r>
+            <a:r>
+              <a:rPr lang="en-US" altLang="ko-KR" sz="1400" dirty="0" smtClean="0">
+                <a:solidFill>
+                  <a:schemeClr val="bg1"/>
+                </a:solidFill>
+              </a:rPr>
+              <a:t/>
+            </a:r>
+            <a:br>
+              <a:rPr lang="en-US" altLang="ko-KR" sz="1400" dirty="0" smtClean="0">
+                <a:solidFill>
+                  <a:schemeClr val="bg1"/>
+                </a:solidFill>
+              </a:rPr>
+            </a:br>
+            <a:r>
+              <a:rPr lang="ko-KR" altLang="en-US" sz="1400" b="1" dirty="0" smtClean="0">
+                <a:solidFill>
+                  <a:schemeClr val="bg1"/>
+                </a:solidFill>
+              </a:rPr>
+              <a:t>객체 </a:t>
+            </a:r>
+            <a:r>
+              <a:rPr lang="ko-KR" altLang="en-US" sz="1400" b="1" dirty="0">
+                <a:solidFill>
+                  <a:schemeClr val="bg1"/>
+                </a:solidFill>
+              </a:rPr>
+              <a:t>안의 값을 </a:t>
+            </a:r>
+            <a:r>
+              <a:rPr lang="ko-KR" altLang="en-US" sz="1400" b="1" dirty="0" smtClean="0">
+                <a:solidFill>
+                  <a:schemeClr val="bg1"/>
+                </a:solidFill>
+              </a:rPr>
+              <a:t>변경하면 새로운 </a:t>
+            </a:r>
+            <a:r>
+              <a:rPr lang="ko-KR" altLang="en-US" sz="1400" b="1" dirty="0">
+                <a:solidFill>
+                  <a:schemeClr val="bg1"/>
+                </a:solidFill>
+              </a:rPr>
+              <a:t>객체를 </a:t>
+            </a:r>
+            <a:r>
+              <a:rPr lang="ko-KR" altLang="en-US" sz="1400" b="1" dirty="0" smtClean="0">
+                <a:solidFill>
+                  <a:schemeClr val="bg1"/>
+                </a:solidFill>
+              </a:rPr>
+              <a:t>생성</a:t>
+            </a:r>
+            <a:endParaRPr lang="en-US" altLang="ko-KR" sz="1400" b="1" dirty="0">
+              <a:solidFill>
+                <a:schemeClr val="bg1"/>
+              </a:solidFill>
+            </a:endParaRPr>
           </a:p>
           <a:p>
             <a:pPr lvl="0"/>
             <a:r>
-              <a:rPr lang="en-US" altLang="ko-KR" dirty="0" smtClean="0"/>
-              <a:t>            </a:t>
-            </a:r>
-            <a:r>
-              <a:rPr lang="en-US" altLang="ko-KR" sz="1200" dirty="0" smtClean="0"/>
-              <a:t>::String </a:t>
-            </a:r>
-            <a:r>
-              <a:rPr lang="ko-KR" altLang="en-US" sz="1200" dirty="0"/>
-              <a:t>객체는 내부에 포함된 문자열을 변경할 수 없다</a:t>
-            </a:r>
-            <a:r>
-              <a:rPr lang="en-US" altLang="ko-KR" sz="1200" dirty="0" smtClean="0"/>
-              <a:t>.</a:t>
-            </a:r>
+              <a:rPr lang="en-US" altLang="ko-KR" sz="1400" dirty="0">
+                <a:solidFill>
+                  <a:schemeClr val="bg1"/>
+                </a:solidFill>
+              </a:rPr>
+              <a:t> </a:t>
+            </a:r>
+            <a:r>
+              <a:rPr lang="en-US" altLang="ko-KR" sz="1400" dirty="0" smtClean="0">
+                <a:solidFill>
+                  <a:schemeClr val="bg1"/>
+                </a:solidFill>
+              </a:rPr>
+              <a:t>      </a:t>
+            </a:r>
+            <a:r>
+              <a:rPr lang="en-US" altLang="ko-KR" sz="1400" dirty="0" smtClean="0">
+                <a:solidFill>
+                  <a:schemeClr val="bg1"/>
+                </a:solidFill>
+              </a:rPr>
+              <a:t>::</a:t>
+            </a:r>
+            <a:r>
+              <a:rPr lang="en-US" altLang="ko-KR" sz="1400" dirty="0" smtClean="0">
+                <a:solidFill>
+                  <a:schemeClr val="bg1"/>
+                </a:solidFill>
+              </a:rPr>
+              <a:t>String </a:t>
+            </a:r>
+            <a:r>
+              <a:rPr lang="ko-KR" altLang="en-US" sz="1400" dirty="0">
+                <a:solidFill>
+                  <a:schemeClr val="bg1"/>
+                </a:solidFill>
+              </a:rPr>
+              <a:t>객체는 내부에 포함된 문자열을 </a:t>
+            </a:r>
+            <a:r>
+              <a:rPr lang="ko-KR" altLang="en-US" sz="1400" dirty="0" smtClean="0">
+                <a:solidFill>
+                  <a:schemeClr val="bg1"/>
+                </a:solidFill>
+              </a:rPr>
+              <a:t>변경   </a:t>
+            </a:r>
+            <a:endParaRPr lang="en-US" altLang="ko-KR" sz="1400" dirty="0" smtClean="0">
+              <a:solidFill>
+                <a:schemeClr val="bg1"/>
+              </a:solidFill>
+            </a:endParaRPr>
           </a:p>
           <a:p>
             <a:pPr lvl="0"/>
-            <a:endParaRPr lang="ko-KR" altLang="en-US" dirty="0"/>
+            <a:r>
+              <a:rPr lang="en-US" altLang="ko-KR" sz="1400" dirty="0">
+                <a:solidFill>
+                  <a:schemeClr val="bg1"/>
+                </a:solidFill>
+              </a:rPr>
+              <a:t> </a:t>
+            </a:r>
+            <a:r>
+              <a:rPr lang="en-US" altLang="ko-KR" sz="1400" dirty="0" smtClean="0">
+                <a:solidFill>
+                  <a:schemeClr val="bg1"/>
+                </a:solidFill>
+              </a:rPr>
+              <a:t>        </a:t>
+            </a:r>
+            <a:r>
+              <a:rPr lang="ko-KR" altLang="en-US" sz="1400" dirty="0" smtClean="0">
+                <a:solidFill>
+                  <a:schemeClr val="bg1"/>
+                </a:solidFill>
+              </a:rPr>
+              <a:t>할 </a:t>
+            </a:r>
+            <a:r>
+              <a:rPr lang="ko-KR" altLang="en-US" sz="1400" dirty="0">
+                <a:solidFill>
+                  <a:schemeClr val="bg1"/>
+                </a:solidFill>
+              </a:rPr>
+              <a:t>수 없다</a:t>
+            </a:r>
+            <a:r>
+              <a:rPr lang="en-US" altLang="ko-KR" sz="1400" dirty="0" smtClean="0">
+                <a:solidFill>
+                  <a:schemeClr val="bg1"/>
+                </a:solidFill>
+              </a:rPr>
+              <a:t>.</a:t>
+            </a:r>
           </a:p>
           <a:p>
             <a:pPr lvl="0"/>
-            <a:r>
-              <a:rPr lang="ko-KR" altLang="en-US" dirty="0" smtClean="0"/>
-              <a:t>특징 </a:t>
-            </a:r>
-            <a:r>
-              <a:rPr lang="en-US" altLang="ko-KR" dirty="0" smtClean="0"/>
-              <a:t>2. </a:t>
-            </a:r>
-            <a:r>
-              <a:rPr lang="ko-KR" altLang="en-US" dirty="0"/>
-              <a:t>리터럴을 바로 입력한 데이터는 문자열이 같을 때 하나의 객체를 공유</a:t>
-            </a:r>
+            <a:endParaRPr lang="ko-KR" altLang="en-US" sz="1400" dirty="0">
+              <a:solidFill>
+                <a:schemeClr val="bg1"/>
+              </a:solidFill>
+            </a:endParaRPr>
           </a:p>
           <a:p>
-            <a:endParaRPr lang="ko-KR" altLang="en-US" dirty="0"/>
+            <a:pPr marL="285750" lvl="0" indent="-285750">
+              <a:buFont typeface="Wingdings" panose="05000000000000000000" pitchFamily="2" charset="2"/>
+              <a:buChar char="v"/>
+            </a:pPr>
+            <a:r>
+              <a:rPr lang="ko-KR" altLang="en-US" sz="1400" dirty="0" smtClean="0"/>
+              <a:t>특징 </a:t>
+            </a:r>
+            <a:r>
+              <a:rPr lang="en-US" altLang="ko-KR" sz="1400" dirty="0" smtClean="0"/>
+              <a:t>2</a:t>
+            </a:r>
+            <a:r>
+              <a:rPr lang="en-US" altLang="ko-KR" sz="1400" dirty="0"/>
+              <a:t>)</a:t>
+            </a:r>
+            <a:r>
+              <a:rPr lang="en-US" altLang="ko-KR" sz="1400" dirty="0" smtClean="0">
+                <a:solidFill>
+                  <a:schemeClr val="bg1"/>
+                </a:solidFill>
+              </a:rPr>
+              <a:t/>
+            </a:r>
+            <a:br>
+              <a:rPr lang="en-US" altLang="ko-KR" sz="1400" dirty="0" smtClean="0">
+                <a:solidFill>
+                  <a:schemeClr val="bg1"/>
+                </a:solidFill>
+              </a:rPr>
+            </a:br>
+            <a:r>
+              <a:rPr lang="ko-KR" altLang="en-US" sz="1400" b="1" dirty="0" smtClean="0">
+                <a:solidFill>
+                  <a:schemeClr val="bg1"/>
+                </a:solidFill>
+              </a:rPr>
+              <a:t>리터럴을 </a:t>
+            </a:r>
+            <a:r>
+              <a:rPr lang="ko-KR" altLang="en-US" sz="1400" b="1" dirty="0">
+                <a:solidFill>
+                  <a:schemeClr val="bg1"/>
+                </a:solidFill>
+              </a:rPr>
+              <a:t>바로 입력한 데이터는 </a:t>
+            </a:r>
+            <a:r>
+              <a:rPr lang="ko-KR" altLang="en-US" sz="1400" b="1" dirty="0" smtClean="0">
+                <a:solidFill>
+                  <a:schemeClr val="bg1"/>
+                </a:solidFill>
+              </a:rPr>
+              <a:t>문자열이</a:t>
+            </a:r>
+            <a:r>
+              <a:rPr lang="en-US" altLang="ko-KR" sz="1400" b="1" dirty="0" smtClean="0">
+                <a:solidFill>
+                  <a:schemeClr val="bg1"/>
+                </a:solidFill>
+              </a:rPr>
+              <a:t/>
+            </a:r>
+            <a:br>
+              <a:rPr lang="en-US" altLang="ko-KR" sz="1400" b="1" dirty="0" smtClean="0">
+                <a:solidFill>
+                  <a:schemeClr val="bg1"/>
+                </a:solidFill>
+              </a:rPr>
+            </a:br>
+            <a:r>
+              <a:rPr lang="ko-KR" altLang="en-US" sz="1400" b="1" dirty="0" smtClean="0">
+                <a:solidFill>
+                  <a:schemeClr val="bg1"/>
+                </a:solidFill>
+              </a:rPr>
+              <a:t>같을 </a:t>
+            </a:r>
+            <a:r>
+              <a:rPr lang="ko-KR" altLang="en-US" sz="1400" b="1" dirty="0">
+                <a:solidFill>
+                  <a:schemeClr val="bg1"/>
+                </a:solidFill>
+              </a:rPr>
+              <a:t>때 하나의 객체를 </a:t>
+            </a:r>
+            <a:r>
+              <a:rPr lang="ko-KR" altLang="en-US" sz="1400" b="1" dirty="0" smtClean="0">
+                <a:solidFill>
+                  <a:schemeClr val="bg1"/>
+                </a:solidFill>
+              </a:rPr>
+              <a:t>공유</a:t>
+            </a:r>
+            <a:endParaRPr lang="en-US" altLang="ko-KR" sz="1400" b="1" dirty="0" smtClean="0">
+              <a:solidFill>
+                <a:schemeClr val="bg1"/>
+              </a:solidFill>
+            </a:endParaRPr>
+          </a:p>
+          <a:p>
+            <a:pPr lvl="0"/>
+            <a:r>
+              <a:rPr lang="en-US" altLang="ko-KR" sz="1400" dirty="0" smtClean="0">
+                <a:solidFill>
+                  <a:schemeClr val="bg1"/>
+                </a:solidFill>
+              </a:rPr>
+              <a:t>      ::</a:t>
+            </a:r>
+            <a:r>
+              <a:rPr lang="en-US" altLang="ko-KR" sz="1400" dirty="0" smtClean="0">
+                <a:solidFill>
+                  <a:srgbClr val="800000"/>
+                </a:solidFill>
+              </a:rPr>
+              <a:t>new </a:t>
+            </a:r>
+            <a:r>
+              <a:rPr lang="ko-KR" altLang="en-US" sz="1400" dirty="0" smtClean="0">
+                <a:solidFill>
+                  <a:srgbClr val="800000"/>
+                </a:solidFill>
+              </a:rPr>
+              <a:t>로 생성할 때</a:t>
+            </a:r>
+            <a:r>
+              <a:rPr lang="ko-KR" altLang="en-US" sz="1400" dirty="0" smtClean="0">
+                <a:solidFill>
+                  <a:schemeClr val="bg1"/>
+                </a:solidFill>
+              </a:rPr>
+              <a:t>는 동일한 객체가 힙 메모리</a:t>
+            </a:r>
+            <a:endParaRPr lang="en-US" altLang="ko-KR" sz="1400" dirty="0" smtClean="0">
+              <a:solidFill>
+                <a:schemeClr val="bg1"/>
+              </a:solidFill>
+            </a:endParaRPr>
+          </a:p>
+          <a:p>
+            <a:pPr lvl="0"/>
+            <a:r>
+              <a:rPr lang="en-US" altLang="ko-KR" sz="1400" dirty="0">
+                <a:solidFill>
+                  <a:schemeClr val="bg1"/>
+                </a:solidFill>
+              </a:rPr>
+              <a:t> </a:t>
+            </a:r>
+            <a:r>
+              <a:rPr lang="en-US" altLang="ko-KR" sz="1400" dirty="0" smtClean="0">
+                <a:solidFill>
+                  <a:schemeClr val="bg1"/>
+                </a:solidFill>
+              </a:rPr>
+              <a:t>        </a:t>
+            </a:r>
+            <a:r>
+              <a:rPr lang="ko-KR" altLang="en-US" sz="1400" dirty="0" smtClean="0">
+                <a:solidFill>
+                  <a:schemeClr val="bg1"/>
+                </a:solidFill>
+              </a:rPr>
+              <a:t>에 있든</a:t>
+            </a:r>
+            <a:r>
+              <a:rPr lang="en-US" altLang="ko-KR" sz="1400" dirty="0" smtClean="0">
+                <a:solidFill>
+                  <a:schemeClr val="bg1"/>
+                </a:solidFill>
+              </a:rPr>
+              <a:t>, </a:t>
+            </a:r>
+            <a:r>
+              <a:rPr lang="ko-KR" altLang="en-US" sz="1400" dirty="0" smtClean="0">
+                <a:solidFill>
+                  <a:srgbClr val="800000"/>
+                </a:solidFill>
+              </a:rPr>
+              <a:t>없든 무조건 새롭게 객체를 생성</a:t>
+            </a:r>
+            <a:r>
+              <a:rPr lang="ko-KR" altLang="en-US" sz="1400" dirty="0" smtClean="0">
+                <a:solidFill>
+                  <a:schemeClr val="bg1"/>
+                </a:solidFill>
+              </a:rPr>
+              <a:t>하</a:t>
+            </a:r>
+            <a:endParaRPr lang="en-US" altLang="ko-KR" sz="1400" dirty="0" smtClean="0">
+              <a:solidFill>
+                <a:schemeClr val="bg1"/>
+              </a:solidFill>
+            </a:endParaRPr>
+          </a:p>
+          <a:p>
+            <a:pPr lvl="0"/>
+            <a:r>
+              <a:rPr lang="en-US" altLang="ko-KR" sz="1400" dirty="0">
+                <a:solidFill>
+                  <a:schemeClr val="bg1"/>
+                </a:solidFill>
+              </a:rPr>
+              <a:t> </a:t>
+            </a:r>
+            <a:r>
+              <a:rPr lang="en-US" altLang="ko-KR" sz="1400" dirty="0" smtClean="0">
+                <a:solidFill>
+                  <a:schemeClr val="bg1"/>
+                </a:solidFill>
+              </a:rPr>
+              <a:t>        </a:t>
+            </a:r>
+            <a:r>
+              <a:rPr lang="ko-KR" altLang="en-US" sz="1400" dirty="0" smtClean="0">
+                <a:solidFill>
+                  <a:schemeClr val="bg1"/>
+                </a:solidFill>
+              </a:rPr>
+              <a:t>고</a:t>
+            </a:r>
+            <a:r>
+              <a:rPr lang="en-US" altLang="ko-KR" sz="1400" dirty="0" smtClean="0">
+                <a:solidFill>
+                  <a:schemeClr val="bg1"/>
+                </a:solidFill>
+              </a:rPr>
+              <a:t>,</a:t>
+            </a:r>
+            <a:r>
+              <a:rPr lang="ko-KR" altLang="en-US" sz="1400" dirty="0" smtClean="0">
+                <a:solidFill>
+                  <a:schemeClr val="bg1"/>
+                </a:solidFill>
+              </a:rPr>
+              <a:t> </a:t>
+            </a:r>
+            <a:r>
+              <a:rPr lang="ko-KR" altLang="en-US" sz="1400" dirty="0" smtClean="0">
+                <a:solidFill>
+                  <a:srgbClr val="800000"/>
+                </a:solidFill>
+              </a:rPr>
+              <a:t>문자열 리터럴로 생성할 때</a:t>
+            </a:r>
+            <a:r>
+              <a:rPr lang="ko-KR" altLang="en-US" sz="1400" dirty="0" smtClean="0">
+                <a:solidFill>
+                  <a:schemeClr val="bg1"/>
+                </a:solidFill>
+              </a:rPr>
+              <a:t>는 힙 메모리</a:t>
+            </a:r>
+            <a:endParaRPr lang="en-US" altLang="ko-KR" sz="1400" dirty="0" smtClean="0">
+              <a:solidFill>
+                <a:schemeClr val="bg1"/>
+              </a:solidFill>
+            </a:endParaRPr>
+          </a:p>
+          <a:p>
+            <a:pPr lvl="0"/>
+            <a:r>
+              <a:rPr lang="en-US" altLang="ko-KR" sz="1400" dirty="0">
+                <a:solidFill>
+                  <a:schemeClr val="bg1"/>
+                </a:solidFill>
+              </a:rPr>
+              <a:t> </a:t>
+            </a:r>
+            <a:r>
+              <a:rPr lang="en-US" altLang="ko-KR" sz="1400" dirty="0" smtClean="0">
+                <a:solidFill>
+                  <a:schemeClr val="bg1"/>
+                </a:solidFill>
+              </a:rPr>
+              <a:t>        </a:t>
+            </a:r>
+            <a:r>
+              <a:rPr lang="ko-KR" altLang="en-US" sz="1400" dirty="0" smtClean="0">
+                <a:solidFill>
+                  <a:schemeClr val="bg1"/>
+                </a:solidFill>
+              </a:rPr>
+              <a:t>에 리터럴로 생성된 동일 문자열을 포함 하고 </a:t>
+            </a:r>
+            <a:endParaRPr lang="en-US" altLang="ko-KR" sz="1400" dirty="0" smtClean="0">
+              <a:solidFill>
+                <a:schemeClr val="bg1"/>
+              </a:solidFill>
+            </a:endParaRPr>
+          </a:p>
+          <a:p>
+            <a:pPr lvl="0"/>
+            <a:r>
+              <a:rPr lang="en-US" altLang="ko-KR" sz="1400" dirty="0">
+                <a:solidFill>
+                  <a:schemeClr val="bg1"/>
+                </a:solidFill>
+              </a:rPr>
+              <a:t> </a:t>
+            </a:r>
+            <a:r>
+              <a:rPr lang="en-US" altLang="ko-KR" sz="1400" dirty="0" smtClean="0">
+                <a:solidFill>
+                  <a:schemeClr val="bg1"/>
+                </a:solidFill>
+              </a:rPr>
+              <a:t>        </a:t>
+            </a:r>
+            <a:r>
+              <a:rPr lang="ko-KR" altLang="en-US" sz="1400" dirty="0" smtClean="0">
+                <a:solidFill>
+                  <a:schemeClr val="bg1"/>
+                </a:solidFill>
+              </a:rPr>
+              <a:t>있는 </a:t>
+            </a:r>
+            <a:r>
+              <a:rPr lang="ko-KR" altLang="en-US" sz="1400" dirty="0" smtClean="0">
+                <a:solidFill>
+                  <a:srgbClr val="800000"/>
+                </a:solidFill>
+              </a:rPr>
+              <a:t>객체가 있으면 그 객체를 공유</a:t>
+            </a:r>
+            <a:r>
+              <a:rPr lang="ko-KR" altLang="en-US" sz="1400" dirty="0" smtClean="0">
+                <a:solidFill>
+                  <a:schemeClr val="bg1"/>
+                </a:solidFill>
+              </a:rPr>
+              <a:t> 한다</a:t>
+            </a:r>
+            <a:r>
+              <a:rPr lang="en-US" altLang="ko-KR" sz="1400" dirty="0" smtClean="0">
+                <a:solidFill>
+                  <a:schemeClr val="bg1"/>
+                </a:solidFill>
+              </a:rPr>
+              <a:t>.</a:t>
+            </a:r>
+            <a:endParaRPr lang="ko-KR" altLang="en-US" sz="1400" dirty="0">
+              <a:solidFill>
+                <a:schemeClr val="bg1"/>
+              </a:solidFill>
+            </a:endParaRPr>
+          </a:p>
+          <a:p>
+            <a:endParaRPr lang="ko-KR" altLang="en-US" sz="1400" dirty="0">
+              <a:solidFill>
+                <a:schemeClr val="bg1"/>
+              </a:solidFill>
+            </a:endParaRPr>
           </a:p>
         </p:txBody>
       </p:sp>
@@ -37799,6 +38270,181 @@
     <p:extLst>
       <p:ext uri="{BB962C8B-B14F-4D97-AF65-F5344CB8AC3E}">
         <p14:creationId xmlns:p14="http://schemas.microsoft.com/office/powerpoint/2010/main" val="969713430"/>
+      </p:ext>
+    </p:extLst>
+  </p:cSld>
+  <p:clrMapOvr>
+    <a:masterClrMapping/>
+  </p:clrMapOvr>
+</p:sld>
+</file>
+
+<file path=ppt/slides/slide31.xml><?xml version="1.0" encoding="utf-8"?>
+<p:sld xmlns:a="http://schemas.openxmlformats.org/drawingml/2006/main" xmlns:r="http://schemas.openxmlformats.org/officeDocument/2006/relationships" xmlns:p="http://schemas.openxmlformats.org/presentationml/2006/main">
+  <p:cSld>
+    <p:spTree>
+      <p:nvGrpSpPr>
+        <p:cNvPr id="1" name=""/>
+        <p:cNvGrpSpPr/>
+        <p:nvPr/>
+      </p:nvGrpSpPr>
+      <p:grpSpPr>
+        <a:xfrm>
+          <a:off x="0" y="0"/>
+          <a:ext cx="0" cy="0"/>
+          <a:chOff x="0" y="0"/>
+          <a:chExt cx="0" cy="0"/>
+        </a:xfrm>
+      </p:grpSpPr>
+      <p:sp>
+        <p:nvSpPr>
+          <p:cNvPr id="2" name="제목 1"/>
+          <p:cNvSpPr>
+            <a:spLocks noGrp="1"/>
+          </p:cNvSpPr>
+          <p:nvPr>
+            <p:ph type="title"/>
+          </p:nvPr>
+        </p:nvSpPr>
+        <p:spPr/>
+        <p:txBody>
+          <a:bodyPr/>
+          <a:lstStyle/>
+          <a:p>
+            <a:pPr algn="ctr"/>
+            <a:r>
+              <a:rPr lang="ko-KR" altLang="en-US" dirty="0"/>
+              <a:t>문자열을 저장하는 </a:t>
+            </a:r>
+            <a:r>
+              <a:rPr lang="en-US" altLang="ko-KR" dirty="0"/>
+              <a:t>String</a:t>
+            </a:r>
+            <a:endParaRPr lang="ko-KR" altLang="en-US" dirty="0"/>
+          </a:p>
+        </p:txBody>
+      </p:sp>
+      <p:sp>
+        <p:nvSpPr>
+          <p:cNvPr id="6" name="직사각형 5"/>
+          <p:cNvSpPr/>
+          <p:nvPr/>
+        </p:nvSpPr>
+        <p:spPr>
+          <a:xfrm>
+            <a:off x="1040130" y="2213668"/>
+            <a:ext cx="3690851" cy="340822"/>
+          </a:xfrm>
+          <a:prstGeom prst="rect">
+            <a:avLst/>
+          </a:prstGeom>
+          <a:noFill/>
+          <a:ln>
+            <a:solidFill>
+              <a:schemeClr val="bg1"/>
+            </a:solidFill>
+          </a:ln>
+        </p:spPr>
+        <p:style>
+          <a:lnRef idx="2">
+            <a:schemeClr val="accent1">
+              <a:shade val="50000"/>
+            </a:schemeClr>
+          </a:lnRef>
+          <a:fillRef idx="1">
+            <a:schemeClr val="accent1"/>
+          </a:fillRef>
+          <a:effectRef idx="0">
+            <a:schemeClr val="accent1"/>
+          </a:effectRef>
+          <a:fontRef idx="minor">
+            <a:schemeClr val="lt1"/>
+          </a:fontRef>
+        </p:style>
+        <p:txBody>
+          <a:bodyPr rtlCol="0" anchor="ctr"/>
+          <a:lstStyle/>
+          <a:p>
+            <a:pPr algn="ctr"/>
+            <a:endParaRPr lang="ko-KR" altLang="en-US"/>
+          </a:p>
+        </p:txBody>
+      </p:sp>
+      <p:sp>
+        <p:nvSpPr>
+          <p:cNvPr id="8" name="TextBox 7"/>
+          <p:cNvSpPr txBox="1"/>
+          <p:nvPr/>
+        </p:nvSpPr>
+        <p:spPr>
+          <a:xfrm>
+            <a:off x="1040131" y="2230190"/>
+            <a:ext cx="3690850" cy="307777"/>
+          </a:xfrm>
+          <a:prstGeom prst="rect">
+            <a:avLst/>
+          </a:prstGeom>
+          <a:noFill/>
+        </p:spPr>
+        <p:txBody>
+          <a:bodyPr wrap="square" rtlCol="0" anchor="ctr">
+            <a:spAutoFit/>
+          </a:bodyPr>
+          <a:lstStyle/>
+          <a:p>
+            <a:pPr lvl="0" algn="ctr"/>
+            <a:r>
+              <a:rPr lang="en-US" altLang="ko-KR" sz="1400" dirty="0">
+                <a:solidFill>
+                  <a:schemeClr val="bg1"/>
+                </a:solidFill>
+              </a:rPr>
+              <a:t>String </a:t>
+            </a:r>
+            <a:r>
+              <a:rPr lang="ko-KR" altLang="en-US" sz="1400" dirty="0" smtClean="0">
+                <a:solidFill>
+                  <a:schemeClr val="bg1"/>
+                </a:solidFill>
+              </a:rPr>
+              <a:t>객체의</a:t>
+            </a:r>
+            <a:r>
+              <a:rPr lang="en-US" altLang="ko-KR" sz="1400" dirty="0" smtClean="0">
+                <a:solidFill>
+                  <a:schemeClr val="bg1"/>
+                </a:solidFill>
+              </a:rPr>
+              <a:t> [ </a:t>
+            </a:r>
+            <a:r>
+              <a:rPr lang="en-US" altLang="ko-KR" sz="1400" dirty="0">
+                <a:solidFill>
+                  <a:schemeClr val="bg1"/>
+                </a:solidFill>
+              </a:rPr>
+              <a:t>+ ] </a:t>
+            </a:r>
+            <a:r>
+              <a:rPr lang="ko-KR" altLang="en-US" sz="1400" dirty="0" smtClean="0">
+                <a:solidFill>
+                  <a:schemeClr val="bg1"/>
+                </a:solidFill>
+              </a:rPr>
+              <a:t>연산</a:t>
+            </a:r>
+            <a:endParaRPr lang="ko-KR" altLang="en-US" sz="1400" dirty="0">
+              <a:solidFill>
+                <a:schemeClr val="bg1"/>
+              </a:solidFill>
+            </a:endParaRPr>
+          </a:p>
+        </p:txBody>
+      </p:sp>
+    </p:spTree>
+    <p:extLst>
+      <p:ext uri="{BB962C8B-B14F-4D97-AF65-F5344CB8AC3E}">
+        <p14:creationId xmlns:p14="http://schemas.microsoft.com/office/powerpoint/2010/main" val="1055102895"/>
       </p:ext>
     </p:extLst>
   </p:cSld>
